--- a/powerpoints/data-visualization-2.1.pptx
+++ b/powerpoints/data-visualization-2.1.pptx
@@ -2997,6 +2997,715 @@
         </p:nvSpPr>
         <p:spPr>
           <a:xfrm>
+            <a:off x="198460" y="1210284"/>
+            <a:ext cx="3328451" cy="8157234"/>
+          </a:xfrm>
+          <a:prstGeom prst="rect">
+            <a:avLst/>
+          </a:prstGeom>
+          <a:solidFill>
+            <a:srgbClr val="79B0DC">
+              <a:alpha val="23776"/>
+            </a:srgbClr>
+          </a:solidFill>
+          <a:ln w="12700">
+            <a:miter lim="400000"/>
+          </a:ln>
+        </p:spPr>
+        <p:txBody>
+          <a:bodyPr lIns="54570" tIns="54570" rIns="54570" bIns="54570" anchor="ctr"/>
+          <a:lstStyle/>
+          <a:p>
+            <a:pPr>
+              <a:lnSpc>
+                <a:spcPct val="80000"/>
+              </a:lnSpc>
+              <a:spcBef>
+                <a:spcPts val="0"/>
+              </a:spcBef>
+              <a:defRPr b="0" sz="1000">
+                <a:solidFill>
+                  <a:srgbClr val="000000"/>
+                </a:solidFill>
+              </a:defRPr>
+            </a:pPr>
+          </a:p>
+        </p:txBody>
+      </p:sp>
+      <p:sp>
+        <p:nvSpPr>
+          <p:cNvPr id="120" name="Quote Bubble"/>
+          <p:cNvSpPr/>
+          <p:nvPr/>
+        </p:nvSpPr>
+        <p:spPr>
+          <a:xfrm>
+            <a:off x="1151485" y="5706735"/>
+            <a:ext cx="438151" cy="148882"/>
+          </a:xfrm>
+          <a:prstGeom prst="wedgeEllipseCallout">
+            <a:avLst>
+              <a:gd name="adj1" fmla="val 856"/>
+              <a:gd name="adj2" fmla="val -7403"/>
+            </a:avLst>
+          </a:prstGeom>
+          <a:solidFill>
+            <a:srgbClr val="4D769E"/>
+          </a:solidFill>
+          <a:ln w="12700">
+            <a:miter lim="400000"/>
+          </a:ln>
+        </p:spPr>
+        <p:txBody>
+          <a:bodyPr lIns="0" tIns="0" rIns="0" bIns="0" anchor="ctr"/>
+          <a:lstStyle/>
+          <a:p>
+            <a:pPr algn="ctr">
+              <a:lnSpc>
+                <a:spcPct val="90000"/>
+              </a:lnSpc>
+              <a:spcBef>
+                <a:spcPts val="300"/>
+              </a:spcBef>
+              <a:buClr>
+                <a:schemeClr val="accent4">
+                  <a:hueOff val="384618"/>
+                  <a:satOff val="3869"/>
+                  <a:lumOff val="5802"/>
+                </a:schemeClr>
+              </a:buClr>
+              <a:defRPr sz="900">
+                <a:solidFill>
+                  <a:srgbClr val="FFFFFF"/>
+                </a:solidFill>
+              </a:defRPr>
+            </a:pPr>
+          </a:p>
+        </p:txBody>
+      </p:sp>
+      <p:sp>
+        <p:nvSpPr>
+          <p:cNvPr id="121" name="Quote Bubble"/>
+          <p:cNvSpPr/>
+          <p:nvPr/>
+        </p:nvSpPr>
+        <p:spPr>
+          <a:xfrm>
+            <a:off x="1727218" y="6084079"/>
+            <a:ext cx="685801" cy="148882"/>
+          </a:xfrm>
+          <a:prstGeom prst="wedgeEllipseCallout">
+            <a:avLst>
+              <a:gd name="adj1" fmla="val 18602"/>
+              <a:gd name="adj2" fmla="val -7403"/>
+            </a:avLst>
+          </a:prstGeom>
+          <a:solidFill>
+            <a:srgbClr val="659FD5"/>
+          </a:solidFill>
+          <a:ln w="12700">
+            <a:miter lim="400000"/>
+          </a:ln>
+        </p:spPr>
+        <p:txBody>
+          <a:bodyPr lIns="0" tIns="0" rIns="0" bIns="0" anchor="ctr"/>
+          <a:lstStyle/>
+          <a:p>
+            <a:pPr algn="ctr">
+              <a:lnSpc>
+                <a:spcPct val="90000"/>
+              </a:lnSpc>
+              <a:spcBef>
+                <a:spcPts val="300"/>
+              </a:spcBef>
+              <a:buClr>
+                <a:schemeClr val="accent4">
+                  <a:hueOff val="384618"/>
+                  <a:satOff val="3869"/>
+                  <a:lumOff val="5802"/>
+                </a:schemeClr>
+              </a:buClr>
+              <a:defRPr sz="900">
+                <a:solidFill>
+                  <a:srgbClr val="FFFFFF"/>
+                </a:solidFill>
+              </a:defRPr>
+            </a:pPr>
+          </a:p>
+        </p:txBody>
+      </p:sp>
+      <p:sp>
+        <p:nvSpPr>
+          <p:cNvPr id="122" name="Quote Bubble"/>
+          <p:cNvSpPr/>
+          <p:nvPr/>
+        </p:nvSpPr>
+        <p:spPr>
+          <a:xfrm>
+            <a:off x="2404552" y="5895407"/>
+            <a:ext cx="814846" cy="148882"/>
+          </a:xfrm>
+          <a:prstGeom prst="wedgeEllipseCallout">
+            <a:avLst>
+              <a:gd name="adj1" fmla="val 23575"/>
+              <a:gd name="adj2" fmla="val -7403"/>
+            </a:avLst>
+          </a:prstGeom>
+          <a:solidFill>
+            <a:srgbClr val="4D769E"/>
+          </a:solidFill>
+          <a:ln w="12700">
+            <a:miter lim="400000"/>
+          </a:ln>
+        </p:spPr>
+        <p:txBody>
+          <a:bodyPr lIns="0" tIns="0" rIns="0" bIns="0" anchor="ctr"/>
+          <a:lstStyle/>
+          <a:p>
+            <a:pPr algn="ctr">
+              <a:lnSpc>
+                <a:spcPct val="90000"/>
+              </a:lnSpc>
+              <a:spcBef>
+                <a:spcPts val="300"/>
+              </a:spcBef>
+              <a:buClr>
+                <a:schemeClr val="accent4">
+                  <a:hueOff val="384618"/>
+                  <a:satOff val="3869"/>
+                  <a:lumOff val="5802"/>
+                </a:schemeClr>
+              </a:buClr>
+              <a:defRPr sz="900">
+                <a:solidFill>
+                  <a:srgbClr val="FFFFFF"/>
+                </a:solidFill>
+              </a:defRPr>
+            </a:pPr>
+          </a:p>
+        </p:txBody>
+      </p:sp>
+      <p:sp>
+        <p:nvSpPr>
+          <p:cNvPr id="123" name="Quote Bubble"/>
+          <p:cNvSpPr/>
+          <p:nvPr/>
+        </p:nvSpPr>
+        <p:spPr>
+          <a:xfrm>
+            <a:off x="342918" y="5897235"/>
+            <a:ext cx="1172174" cy="148882"/>
+          </a:xfrm>
+          <a:prstGeom prst="wedgeEllipseCallout">
+            <a:avLst>
+              <a:gd name="adj1" fmla="val 31630"/>
+              <a:gd name="adj2" fmla="val -7403"/>
+            </a:avLst>
+          </a:prstGeom>
+          <a:solidFill>
+            <a:srgbClr val="4D769E"/>
+          </a:solidFill>
+          <a:ln w="12700">
+            <a:miter lim="400000"/>
+          </a:ln>
+        </p:spPr>
+        <p:txBody>
+          <a:bodyPr lIns="0" tIns="0" rIns="0" bIns="0" anchor="ctr"/>
+          <a:lstStyle/>
+          <a:p>
+            <a:pPr algn="ctr">
+              <a:lnSpc>
+                <a:spcPct val="90000"/>
+              </a:lnSpc>
+              <a:spcBef>
+                <a:spcPts val="300"/>
+              </a:spcBef>
+              <a:buClr>
+                <a:schemeClr val="accent4">
+                  <a:hueOff val="384618"/>
+                  <a:satOff val="3869"/>
+                  <a:lumOff val="5802"/>
+                </a:schemeClr>
+              </a:buClr>
+              <a:defRPr sz="900">
+                <a:solidFill>
+                  <a:srgbClr val="FFFFFF"/>
+                </a:solidFill>
+              </a:defRPr>
+            </a:pPr>
+          </a:p>
+        </p:txBody>
+      </p:sp>
+      <p:sp>
+        <p:nvSpPr>
+          <p:cNvPr id="124" name="Quote Bubble"/>
+          <p:cNvSpPr/>
+          <p:nvPr/>
+        </p:nvSpPr>
+        <p:spPr>
+          <a:xfrm>
+            <a:off x="342918" y="6272751"/>
+            <a:ext cx="1563264" cy="148882"/>
+          </a:xfrm>
+          <a:prstGeom prst="wedgeEllipseCallout">
+            <a:avLst>
+              <a:gd name="adj1" fmla="val 36226"/>
+              <a:gd name="adj2" fmla="val -7403"/>
+            </a:avLst>
+          </a:prstGeom>
+          <a:solidFill>
+            <a:srgbClr val="659FD5"/>
+          </a:solidFill>
+          <a:ln w="12700">
+            <a:miter lim="400000"/>
+          </a:ln>
+        </p:spPr>
+        <p:txBody>
+          <a:bodyPr lIns="0" tIns="0" rIns="0" bIns="0" anchor="ctr"/>
+          <a:lstStyle/>
+          <a:p>
+            <a:pPr algn="ctr">
+              <a:lnSpc>
+                <a:spcPct val="90000"/>
+              </a:lnSpc>
+              <a:spcBef>
+                <a:spcPts val="300"/>
+              </a:spcBef>
+              <a:buClr>
+                <a:schemeClr val="accent4">
+                  <a:hueOff val="384618"/>
+                  <a:satOff val="3869"/>
+                  <a:lumOff val="5802"/>
+                </a:schemeClr>
+              </a:buClr>
+              <a:defRPr sz="900">
+                <a:solidFill>
+                  <a:srgbClr val="FFFFFF"/>
+                </a:solidFill>
+              </a:defRPr>
+            </a:pPr>
+          </a:p>
+        </p:txBody>
+      </p:sp>
+      <p:sp>
+        <p:nvSpPr>
+          <p:cNvPr id="125" name="Quote Bubble"/>
+          <p:cNvSpPr/>
+          <p:nvPr/>
+        </p:nvSpPr>
+        <p:spPr>
+          <a:xfrm>
+            <a:off x="342918" y="6461423"/>
+            <a:ext cx="1219296" cy="148881"/>
+          </a:xfrm>
+          <a:prstGeom prst="wedgeEllipseCallout">
+            <a:avLst>
+              <a:gd name="adj1" fmla="val 32340"/>
+              <a:gd name="adj2" fmla="val -7403"/>
+            </a:avLst>
+          </a:prstGeom>
+          <a:solidFill>
+            <a:srgbClr val="659FD5"/>
+          </a:solidFill>
+          <a:ln w="12700">
+            <a:miter lim="400000"/>
+          </a:ln>
+        </p:spPr>
+        <p:txBody>
+          <a:bodyPr lIns="0" tIns="0" rIns="0" bIns="0" anchor="ctr"/>
+          <a:lstStyle/>
+          <a:p>
+            <a:pPr algn="ctr">
+              <a:lnSpc>
+                <a:spcPct val="90000"/>
+              </a:lnSpc>
+              <a:spcBef>
+                <a:spcPts val="300"/>
+              </a:spcBef>
+              <a:buClr>
+                <a:schemeClr val="accent4">
+                  <a:hueOff val="384618"/>
+                  <a:satOff val="3869"/>
+                  <a:lumOff val="5802"/>
+                </a:schemeClr>
+              </a:buClr>
+              <a:defRPr sz="900">
+                <a:solidFill>
+                  <a:srgbClr val="FFFFFF"/>
+                </a:solidFill>
+              </a:defRPr>
+            </a:pPr>
+          </a:p>
+        </p:txBody>
+      </p:sp>
+      <p:sp>
+        <p:nvSpPr>
+          <p:cNvPr id="126" name="Quote Bubble"/>
+          <p:cNvSpPr/>
+          <p:nvPr/>
+        </p:nvSpPr>
+        <p:spPr>
+          <a:xfrm>
+            <a:off x="342918" y="6650094"/>
+            <a:ext cx="1219296" cy="148882"/>
+          </a:xfrm>
+          <a:prstGeom prst="wedgeEllipseCallout">
+            <a:avLst>
+              <a:gd name="adj1" fmla="val 32340"/>
+              <a:gd name="adj2" fmla="val -7403"/>
+            </a:avLst>
+          </a:prstGeom>
+          <a:solidFill>
+            <a:srgbClr val="659FD5"/>
+          </a:solidFill>
+          <a:ln w="12700">
+            <a:miter lim="400000"/>
+          </a:ln>
+        </p:spPr>
+        <p:txBody>
+          <a:bodyPr lIns="0" tIns="0" rIns="0" bIns="0" anchor="ctr"/>
+          <a:lstStyle/>
+          <a:p>
+            <a:pPr algn="ctr">
+              <a:lnSpc>
+                <a:spcPct val="90000"/>
+              </a:lnSpc>
+              <a:spcBef>
+                <a:spcPts val="300"/>
+              </a:spcBef>
+              <a:buClr>
+                <a:schemeClr val="accent4">
+                  <a:hueOff val="384618"/>
+                  <a:satOff val="3869"/>
+                  <a:lumOff val="5802"/>
+                </a:schemeClr>
+              </a:buClr>
+              <a:defRPr sz="900">
+                <a:solidFill>
+                  <a:srgbClr val="FFFFFF"/>
+                </a:solidFill>
+              </a:defRPr>
+            </a:pPr>
+          </a:p>
+        </p:txBody>
+      </p:sp>
+      <p:sp>
+        <p:nvSpPr>
+          <p:cNvPr id="127" name="Quote Bubble"/>
+          <p:cNvSpPr/>
+          <p:nvPr/>
+        </p:nvSpPr>
+        <p:spPr>
+          <a:xfrm>
+            <a:off x="342918" y="6838766"/>
+            <a:ext cx="1219296" cy="148882"/>
+          </a:xfrm>
+          <a:prstGeom prst="wedgeEllipseCallout">
+            <a:avLst>
+              <a:gd name="adj1" fmla="val 32340"/>
+              <a:gd name="adj2" fmla="val -7403"/>
+            </a:avLst>
+          </a:prstGeom>
+          <a:solidFill>
+            <a:srgbClr val="659FD5"/>
+          </a:solidFill>
+          <a:ln w="12700">
+            <a:miter lim="400000"/>
+          </a:ln>
+        </p:spPr>
+        <p:txBody>
+          <a:bodyPr lIns="0" tIns="0" rIns="0" bIns="0" anchor="ctr"/>
+          <a:lstStyle/>
+          <a:p>
+            <a:pPr algn="ctr">
+              <a:lnSpc>
+                <a:spcPct val="90000"/>
+              </a:lnSpc>
+              <a:spcBef>
+                <a:spcPts val="300"/>
+              </a:spcBef>
+              <a:buClr>
+                <a:schemeClr val="accent4">
+                  <a:hueOff val="384618"/>
+                  <a:satOff val="3869"/>
+                  <a:lumOff val="5802"/>
+                </a:schemeClr>
+              </a:buClr>
+              <a:defRPr sz="900">
+                <a:solidFill>
+                  <a:srgbClr val="FFFFFF"/>
+                </a:solidFill>
+              </a:defRPr>
+            </a:pPr>
+          </a:p>
+        </p:txBody>
+      </p:sp>
+      <p:sp>
+        <p:nvSpPr>
+          <p:cNvPr id="128" name="ggplot (data =  &lt;DATA&gt; ) +…"/>
+          <p:cNvSpPr txBox="1"/>
+          <p:nvPr/>
+        </p:nvSpPr>
+        <p:spPr>
+          <a:xfrm>
+            <a:off x="335608" y="5665346"/>
+            <a:ext cx="3054155" cy="1492227"/>
+          </a:xfrm>
+          <a:prstGeom prst="rect">
+            <a:avLst/>
+          </a:prstGeom>
+          <a:ln w="12700">
+            <a:miter lim="400000"/>
+          </a:ln>
+          <a:extLst>
+            <a:ext uri="{C572A759-6A51-4108-AA02-DFA0A04FC94B}">
+              <ma14:wrappingTextBoxFlag xmlns:ma14="http://schemas.microsoft.com/office/mac/drawingml/2011/main" val="1"/>
+            </a:ext>
+          </a:extLst>
+        </p:spPr>
+        <p:txBody>
+          <a:bodyPr lIns="0" tIns="0" rIns="0" bIns="0">
+            <a:normAutofit fontScale="100000" lnSpcReduction="0"/>
+          </a:bodyPr>
+          <a:lstStyle/>
+          <a:p>
+            <a:pPr>
+              <a:lnSpc>
+                <a:spcPts val="1500"/>
+              </a:lnSpc>
+              <a:spcBef>
+                <a:spcPts val="0"/>
+              </a:spcBef>
+              <a:defRPr sz="1000">
+                <a:solidFill>
+                  <a:srgbClr val="000000"/>
+                </a:solidFill>
+              </a:defRPr>
+            </a:pPr>
+            <a:r>
+              <a:t>ggplot (data =  </a:t>
+            </a:r>
+            <a:r>
+              <a:rPr>
+                <a:solidFill>
+                  <a:srgbClr val="FFFFFF"/>
+                </a:solidFill>
+              </a:rPr>
+              <a:t>&lt;DATA&gt; </a:t>
+            </a:r>
+            <a:r>
+              <a:t>) +</a:t>
+            </a:r>
+            <a:r>
+              <a:rPr>
+                <a:solidFill>
+                  <a:srgbClr val="FFFFFF"/>
+                </a:solidFill>
+              </a:rPr>
+              <a:t> </a:t>
+            </a:r>
+            <a:endParaRPr>
+              <a:solidFill>
+                <a:srgbClr val="FFFFFF"/>
+              </a:solidFill>
+            </a:endParaRPr>
+          </a:p>
+          <a:p>
+            <a:pPr>
+              <a:lnSpc>
+                <a:spcPts val="1500"/>
+              </a:lnSpc>
+              <a:spcBef>
+                <a:spcPts val="0"/>
+              </a:spcBef>
+              <a:defRPr sz="1000">
+                <a:solidFill>
+                  <a:srgbClr val="000000"/>
+                </a:solidFill>
+              </a:defRPr>
+            </a:pPr>
+            <a:r>
+              <a:rPr>
+                <a:solidFill>
+                  <a:srgbClr val="FFFFFF"/>
+                </a:solidFill>
+              </a:rPr>
+              <a:t>  &lt;GEOM_FUNCTION&gt; </a:t>
+            </a:r>
+            <a:r>
+              <a:t>(mapping = aes( </a:t>
+            </a:r>
+            <a:r>
+              <a:rPr>
+                <a:solidFill>
+                  <a:srgbClr val="FFFFFF"/>
+                </a:solidFill>
+              </a:rPr>
+              <a:t>&lt;MAPPINGS&gt;</a:t>
+            </a:r>
+            <a:r>
+              <a:t> ), </a:t>
+            </a:r>
+          </a:p>
+          <a:p>
+            <a:pPr>
+              <a:lnSpc>
+                <a:spcPts val="1500"/>
+              </a:lnSpc>
+              <a:spcBef>
+                <a:spcPts val="0"/>
+              </a:spcBef>
+              <a:defRPr b="0" sz="1000">
+                <a:solidFill>
+                  <a:srgbClr val="000000"/>
+                </a:solidFill>
+              </a:defRPr>
+            </a:pPr>
+            <a:r>
+              <a:t>  stat = </a:t>
+            </a:r>
+            <a:r>
+              <a:rPr b="1"/>
+              <a:t>&lt;STAT&gt;</a:t>
+            </a:r>
+            <a:r>
+              <a:t> , position = </a:t>
+            </a:r>
+            <a:r>
+              <a:rPr b="1">
+                <a:solidFill>
+                  <a:srgbClr val="FFFFFF"/>
+                </a:solidFill>
+              </a:rPr>
+              <a:t>&lt;POSITION&gt;</a:t>
+            </a:r>
+            <a:r>
+              <a:t> ) +     </a:t>
+            </a:r>
+          </a:p>
+          <a:p>
+            <a:pPr>
+              <a:lnSpc>
+                <a:spcPts val="1500"/>
+              </a:lnSpc>
+              <a:spcBef>
+                <a:spcPts val="0"/>
+              </a:spcBef>
+              <a:defRPr b="0" sz="1000">
+                <a:solidFill>
+                  <a:srgbClr val="000000"/>
+                </a:solidFill>
+              </a:defRPr>
+            </a:pPr>
+            <a:r>
+              <a:t>  </a:t>
+            </a:r>
+            <a:r>
+              <a:rPr b="1">
+                <a:solidFill>
+                  <a:srgbClr val="FFFFFF"/>
+                </a:solidFill>
+              </a:rPr>
+              <a:t>&lt;COORDINATE_FUNCTION&gt;</a:t>
+            </a:r>
+            <a:r>
+              <a:t> +</a:t>
+            </a:r>
+          </a:p>
+          <a:p>
+            <a:pPr>
+              <a:lnSpc>
+                <a:spcPts val="1500"/>
+              </a:lnSpc>
+              <a:spcBef>
+                <a:spcPts val="0"/>
+              </a:spcBef>
+              <a:defRPr sz="1000">
+                <a:solidFill>
+                  <a:srgbClr val="000000"/>
+                </a:solidFill>
+              </a:defRPr>
+            </a:pPr>
+            <a:r>
+              <a:t>  </a:t>
+            </a:r>
+            <a:r>
+              <a:rPr>
+                <a:solidFill>
+                  <a:srgbClr val="FFFFFF"/>
+                </a:solidFill>
+              </a:rPr>
+              <a:t>&lt;FACET_FUNCTION&gt;</a:t>
+            </a:r>
+            <a:r>
+              <a:t>  </a:t>
+            </a:r>
+            <a:r>
+              <a:rPr b="0"/>
+              <a:t>+</a:t>
+            </a:r>
+          </a:p>
+          <a:p>
+            <a:pPr>
+              <a:lnSpc>
+                <a:spcPts val="1500"/>
+              </a:lnSpc>
+              <a:spcBef>
+                <a:spcPts val="0"/>
+              </a:spcBef>
+              <a:defRPr sz="1000">
+                <a:solidFill>
+                  <a:srgbClr val="000000"/>
+                </a:solidFill>
+              </a:defRPr>
+            </a:pPr>
+            <a:r>
+              <a:t>  </a:t>
+            </a:r>
+            <a:r>
+              <a:rPr>
+                <a:solidFill>
+                  <a:srgbClr val="FFFFFF"/>
+                </a:solidFill>
+              </a:rPr>
+              <a:t>&lt;SCALE_FUNCTION&gt;</a:t>
+            </a:r>
+            <a:r>
+              <a:t>  </a:t>
+            </a:r>
+            <a:r>
+              <a:rPr b="0"/>
+              <a:t>+</a:t>
+            </a:r>
+          </a:p>
+          <a:p>
+            <a:pPr>
+              <a:lnSpc>
+                <a:spcPts val="1500"/>
+              </a:lnSpc>
+              <a:spcBef>
+                <a:spcPts val="0"/>
+              </a:spcBef>
+              <a:defRPr sz="1000">
+                <a:solidFill>
+                  <a:srgbClr val="FFFFFF"/>
+                </a:solidFill>
+              </a:defRPr>
+            </a:pPr>
+            <a:r>
+              <a:t>  &lt;THEME_FUNCTION&gt;</a:t>
+            </a:r>
+          </a:p>
+        </p:txBody>
+      </p:sp>
+      <p:sp>
+        <p:nvSpPr>
+          <p:cNvPr id="129" name="Rectangle"/>
+          <p:cNvSpPr/>
+          <p:nvPr/>
+        </p:nvSpPr>
+        <p:spPr>
+          <a:xfrm>
             <a:off x="3629217" y="1639311"/>
             <a:ext cx="3328451" cy="595628"/>
           </a:xfrm>
@@ -3044,7 +3753,7 @@
       </p:sp>
       <p:sp>
         <p:nvSpPr>
-          <p:cNvPr id="120" name="Rectangle"/>
+          <p:cNvPr id="130" name="Rectangle"/>
           <p:cNvSpPr/>
           <p:nvPr/>
         </p:nvSpPr>
@@ -3097,7 +3806,7 @@
       </p:sp>
       <p:sp>
         <p:nvSpPr>
-          <p:cNvPr id="121" name="Rectangle"/>
+          <p:cNvPr id="131" name="Rectangle"/>
           <p:cNvSpPr/>
           <p:nvPr/>
         </p:nvSpPr>
@@ -3150,7 +3859,7 @@
       </p:sp>
       <p:pic>
         <p:nvPicPr>
-          <p:cNvPr id="122" name="pasted-image.pdf" descr="pasted-image.pdf"/>
+          <p:cNvPr id="132" name="Image" descr="Image"/>
           <p:cNvPicPr>
             <a:picLocks noChangeAspect="1"/>
           </p:cNvPicPr>
@@ -3179,50 +3888,7 @@
       </p:pic>
       <p:sp>
         <p:nvSpPr>
-          <p:cNvPr id="123" name="Rectangle"/>
-          <p:cNvSpPr/>
-          <p:nvPr/>
-        </p:nvSpPr>
-        <p:spPr>
-          <a:xfrm>
-            <a:off x="198460" y="1210284"/>
-            <a:ext cx="3328451" cy="8157234"/>
-          </a:xfrm>
-          <a:prstGeom prst="rect">
-            <a:avLst/>
-          </a:prstGeom>
-          <a:solidFill>
-            <a:srgbClr val="79B0DC">
-              <a:alpha val="23776"/>
-            </a:srgbClr>
-          </a:solidFill>
-          <a:ln w="12700">
-            <a:miter lim="400000"/>
-          </a:ln>
-        </p:spPr>
-        <p:txBody>
-          <a:bodyPr lIns="54570" tIns="54570" rIns="54570" bIns="54570" anchor="ctr"/>
-          <a:lstStyle/>
-          <a:p>
-            <a:pPr>
-              <a:lnSpc>
-                <a:spcPct val="80000"/>
-              </a:lnSpc>
-              <a:spcBef>
-                <a:spcPts val="0"/>
-              </a:spcBef>
-              <a:defRPr b="0" sz="1000">
-                <a:solidFill>
-                  <a:srgbClr val="000000"/>
-                </a:solidFill>
-              </a:defRPr>
-            </a:pPr>
-          </a:p>
-        </p:txBody>
-      </p:sp>
-      <p:sp>
-        <p:nvSpPr>
-          <p:cNvPr id="124" name="ggplot2 is based on the grammar of graphics, the idea that you can build every graph from the same components: a data set, a coordinate system, and geoms—visual marks that represent data points."/>
+          <p:cNvPr id="133" name="ggplot2 is based on the grammar of graphics, the idea that you can build every graph from the same components: a data set, a coordinate system, and geoms—visual marks that represent data points."/>
           <p:cNvSpPr txBox="1"/>
           <p:nvPr/>
         </p:nvSpPr>
@@ -3295,7 +3961,7 @@
       </p:sp>
       <p:sp>
         <p:nvSpPr>
-          <p:cNvPr id="125" name="Basics"/>
+          <p:cNvPr id="134" name="Basics"/>
           <p:cNvSpPr txBox="1"/>
           <p:nvPr/>
         </p:nvSpPr>
@@ -3343,7 +4009,7 @@
       </p:sp>
       <p:sp>
         <p:nvSpPr>
-          <p:cNvPr id="126" name="Line"/>
+          <p:cNvPr id="135" name="Line"/>
           <p:cNvSpPr/>
           <p:nvPr/>
         </p:nvSpPr>
@@ -3384,7 +4050,7 @@
       </p:sp>
       <p:sp>
         <p:nvSpPr>
-          <p:cNvPr id="127" name="Line"/>
+          <p:cNvPr id="136" name="Line"/>
           <p:cNvSpPr/>
           <p:nvPr/>
         </p:nvSpPr>
@@ -3425,7 +4091,7 @@
       </p:sp>
       <p:sp>
         <p:nvSpPr>
-          <p:cNvPr id="128" name="GRAPHICAL PRIMITIVES"/>
+          <p:cNvPr id="137" name="GRAPHICAL PRIMITIVES"/>
           <p:cNvSpPr txBox="1"/>
           <p:nvPr/>
         </p:nvSpPr>
@@ -3461,7 +4127,7 @@
       </p:sp>
       <p:sp>
         <p:nvSpPr>
-          <p:cNvPr id="129" name="a + geom_blank() (Useful for expanding limits)…"/>
+          <p:cNvPr id="138" name="a + geom_blank() (Useful for expanding limits)…"/>
           <p:cNvSpPr txBox="1"/>
           <p:nvPr/>
         </p:nvSpPr>
@@ -3667,7 +4333,7 @@
       </p:sp>
       <p:sp>
         <p:nvSpPr>
-          <p:cNvPr id="130" name="RStudio® is a trademark of RStudio, Inc.  •  CC BY RStudio •  info@rstudio.com  •  844-448-1212 • rstudio.com •  Learn more with browseVignettes(package = c(&quot;dplyr&quot;, &quot;tibble&quot;))  •  dplyr  0.5.0 •  tibble  1.2.0  •  Updated: 2017-01"/>
+          <p:cNvPr id="139" name="RStudio® is a trademark of RStudio, Inc.  •  CC BY RStudio •  info@rstudio.com  •  844-448-1212 • rstudio.com •  Learn more with browseVignettes(package = c(&quot;dplyr&quot;, &quot;tibble&quot;))  •  dplyr  0.5.0 •  tibble  1.2.0  •  Updated: 2017-01"/>
           <p:cNvSpPr txBox="1"/>
           <p:nvPr/>
         </p:nvSpPr>
@@ -3742,7 +4408,7 @@
       </p:sp>
       <p:sp>
         <p:nvSpPr>
-          <p:cNvPr id="131" name="Line"/>
+          <p:cNvPr id="140" name="Line"/>
           <p:cNvSpPr/>
           <p:nvPr/>
         </p:nvSpPr>
@@ -3783,7 +4449,7 @@
       </p:sp>
       <p:pic>
         <p:nvPicPr>
-          <p:cNvPr id="132" name="pasted-image.pdf" descr="pasted-image.pdf"/>
+          <p:cNvPr id="141" name="Image" descr="Image"/>
           <p:cNvPicPr>
             <a:picLocks noChangeAspect="1"/>
           </p:cNvPicPr>
@@ -3812,7 +4478,7 @@
       </p:pic>
       <p:graphicFrame>
         <p:nvGraphicFramePr>
-          <p:cNvPr id="133" name="Table"/>
+          <p:cNvPr id="142" name="Table"/>
           <p:cNvGraphicFramePr/>
           <p:nvPr/>
         </p:nvGraphicFramePr>
@@ -4482,7 +5148,7 @@
       </p:graphicFrame>
       <p:sp>
         <p:nvSpPr>
-          <p:cNvPr id="134" name="+"/>
+          <p:cNvPr id="143" name="+"/>
           <p:cNvSpPr txBox="1"/>
           <p:nvPr/>
         </p:nvSpPr>
@@ -4536,7 +5202,7 @@
       </p:sp>
       <p:sp>
         <p:nvSpPr>
-          <p:cNvPr id="135" name="="/>
+          <p:cNvPr id="144" name="="/>
           <p:cNvSpPr txBox="1"/>
           <p:nvPr/>
         </p:nvSpPr>
@@ -4590,7 +5256,7 @@
       </p:sp>
       <p:sp>
         <p:nvSpPr>
-          <p:cNvPr id="136" name="Data Visualization with ggplot2 : : CHEAT SHEET"/>
+          <p:cNvPr id="145" name="Data Visualization with ggplot2 : : CHEAT SHEET"/>
           <p:cNvSpPr txBox="1"/>
           <p:nvPr>
             <p:ph type="title"/>
@@ -4630,7 +5296,7 @@
       </p:sp>
       <p:sp>
         <p:nvSpPr>
-          <p:cNvPr id="137" name="To display values, map variables in the data to visual properties of the geom (aesthetics) like size, color, and x and y locations."/>
+          <p:cNvPr id="146" name="To display values, map variables in the data to visual properties of the geom (aesthetics) like size, color, and x and y locations."/>
           <p:cNvSpPr txBox="1"/>
           <p:nvPr/>
         </p:nvSpPr>
@@ -4713,7 +5379,7 @@
       </p:sp>
       <p:grpSp>
         <p:nvGrpSpPr>
-          <p:cNvPr id="145" name="Group"/>
+          <p:cNvPr id="154" name="Group"/>
           <p:cNvGrpSpPr/>
           <p:nvPr/>
         </p:nvGrpSpPr>
@@ -4727,7 +5393,7 @@
         </p:grpSpPr>
         <p:graphicFrame>
           <p:nvGraphicFramePr>
-            <p:cNvPr id="138" name="Table"/>
+            <p:cNvPr id="147" name="Table"/>
             <p:cNvGraphicFramePr/>
             <p:nvPr/>
           </p:nvGraphicFramePr>
@@ -5413,7 +6079,7 @@
         </p:graphicFrame>
         <p:sp>
           <p:nvSpPr>
-            <p:cNvPr id="139" name="Circle"/>
+            <p:cNvPr id="148" name="Circle"/>
             <p:cNvSpPr/>
             <p:nvPr/>
           </p:nvSpPr>
@@ -5460,7 +6126,7 @@
         </p:sp>
         <p:sp>
           <p:nvSpPr>
-            <p:cNvPr id="140" name="Circle"/>
+            <p:cNvPr id="149" name="Circle"/>
             <p:cNvSpPr/>
             <p:nvPr/>
           </p:nvSpPr>
@@ -5507,7 +6173,7 @@
         </p:sp>
         <p:sp>
           <p:nvSpPr>
-            <p:cNvPr id="141" name="Circle"/>
+            <p:cNvPr id="150" name="Circle"/>
             <p:cNvSpPr/>
             <p:nvPr/>
           </p:nvSpPr>
@@ -5554,7 +6220,7 @@
         </p:sp>
         <p:sp>
           <p:nvSpPr>
-            <p:cNvPr id="142" name="Circle"/>
+            <p:cNvPr id="151" name="Circle"/>
             <p:cNvSpPr/>
             <p:nvPr/>
           </p:nvSpPr>
@@ -5601,7 +6267,7 @@
         </p:sp>
         <p:sp>
           <p:nvSpPr>
-            <p:cNvPr id="143" name="Circle"/>
+            <p:cNvPr id="152" name="Circle"/>
             <p:cNvSpPr/>
             <p:nvPr/>
           </p:nvSpPr>
@@ -5648,7 +6314,7 @@
         </p:sp>
         <p:sp>
           <p:nvSpPr>
-            <p:cNvPr id="144" name="Circle"/>
+            <p:cNvPr id="153" name="Circle"/>
             <p:cNvSpPr/>
             <p:nvPr/>
           </p:nvSpPr>
@@ -5696,7 +6362,7 @@
       </p:grpSp>
       <p:graphicFrame>
         <p:nvGraphicFramePr>
-          <p:cNvPr id="146" name="Table"/>
+          <p:cNvPr id="155" name="Table"/>
           <p:cNvGraphicFramePr/>
           <p:nvPr/>
         </p:nvGraphicFramePr>
@@ -6366,7 +7032,7 @@
       </p:graphicFrame>
       <p:sp>
         <p:nvSpPr>
-          <p:cNvPr id="147" name="+"/>
+          <p:cNvPr id="156" name="+"/>
           <p:cNvSpPr txBox="1"/>
           <p:nvPr/>
         </p:nvSpPr>
@@ -6420,7 +7086,7 @@
       </p:sp>
       <p:sp>
         <p:nvSpPr>
-          <p:cNvPr id="148" name="="/>
+          <p:cNvPr id="157" name="="/>
           <p:cNvSpPr txBox="1"/>
           <p:nvPr/>
         </p:nvSpPr>
@@ -6474,7 +7140,7 @@
       </p:sp>
       <p:grpSp>
         <p:nvGrpSpPr>
-          <p:cNvPr id="151" name="Group"/>
+          <p:cNvPr id="160" name="Group"/>
           <p:cNvGrpSpPr/>
           <p:nvPr/>
         </p:nvGrpSpPr>
@@ -6488,7 +7154,7 @@
         </p:grpSpPr>
         <p:graphicFrame>
           <p:nvGraphicFramePr>
-            <p:cNvPr id="149" name="Table"/>
+            <p:cNvPr id="158" name="Table"/>
             <p:cNvGraphicFramePr/>
             <p:nvPr/>
           </p:nvGraphicFramePr>
@@ -7174,7 +7840,7 @@
         </p:graphicFrame>
         <p:pic>
           <p:nvPicPr>
-            <p:cNvPr id="150" name="pasted-image.pdf" descr="pasted-image.pdf"/>
+            <p:cNvPr id="159" name="Image" descr="Image"/>
             <p:cNvPicPr>
               <a:picLocks noChangeAspect="1"/>
             </p:cNvPicPr>
@@ -7206,7 +7872,7 @@
       </p:grpSp>
       <p:sp>
         <p:nvSpPr>
-          <p:cNvPr id="152" name="data"/>
+          <p:cNvPr id="161" name="data"/>
           <p:cNvSpPr txBox="1"/>
           <p:nvPr/>
         </p:nvSpPr>
@@ -7256,7 +7922,7 @@
       </p:sp>
       <p:sp>
         <p:nvSpPr>
-          <p:cNvPr id="153" name="geom…"/>
+          <p:cNvPr id="162" name="geom…"/>
           <p:cNvSpPr txBox="1"/>
           <p:nvPr/>
         </p:nvSpPr>
@@ -7333,7 +7999,7 @@
       </p:sp>
       <p:sp>
         <p:nvSpPr>
-          <p:cNvPr id="154" name="coordinate system"/>
+          <p:cNvPr id="163" name="coordinate system"/>
           <p:cNvSpPr txBox="1"/>
           <p:nvPr/>
         </p:nvSpPr>
@@ -7383,7 +8049,7 @@
       </p:sp>
       <p:sp>
         <p:nvSpPr>
-          <p:cNvPr id="155" name="plot"/>
+          <p:cNvPr id="164" name="plot"/>
           <p:cNvSpPr txBox="1"/>
           <p:nvPr/>
         </p:nvSpPr>
@@ -7433,7 +8099,7 @@
       </p:sp>
       <p:sp>
         <p:nvSpPr>
-          <p:cNvPr id="156" name="data"/>
+          <p:cNvPr id="165" name="data"/>
           <p:cNvSpPr txBox="1"/>
           <p:nvPr/>
         </p:nvSpPr>
@@ -7483,7 +8149,7 @@
       </p:sp>
       <p:sp>
         <p:nvSpPr>
-          <p:cNvPr id="157" name="geom…"/>
+          <p:cNvPr id="166" name="geom…"/>
           <p:cNvSpPr txBox="1"/>
           <p:nvPr/>
         </p:nvSpPr>
@@ -7596,7 +8262,7 @@
       </p:sp>
       <p:sp>
         <p:nvSpPr>
-          <p:cNvPr id="158" name="coordinate system"/>
+          <p:cNvPr id="167" name="coordinate system"/>
           <p:cNvSpPr txBox="1"/>
           <p:nvPr/>
         </p:nvSpPr>
@@ -7646,7 +8312,7 @@
       </p:sp>
       <p:sp>
         <p:nvSpPr>
-          <p:cNvPr id="159" name="plot"/>
+          <p:cNvPr id="168" name="plot"/>
           <p:cNvSpPr txBox="1"/>
           <p:nvPr/>
         </p:nvSpPr>
@@ -7696,58 +8362,7 @@
       </p:sp>
       <p:sp>
         <p:nvSpPr>
-          <p:cNvPr id="160" name="Quote Bubble"/>
-          <p:cNvSpPr/>
-          <p:nvPr/>
-        </p:nvSpPr>
-        <p:spPr>
-          <a:xfrm>
-            <a:off x="1151485" y="5706735"/>
-            <a:ext cx="438151" cy="148882"/>
-          </a:xfrm>
-          <a:prstGeom prst="wedgeEllipseCallout">
-            <a:avLst>
-              <a:gd name="adj1" fmla="val 856"/>
-              <a:gd name="adj2" fmla="val -7403"/>
-            </a:avLst>
-          </a:prstGeom>
-          <a:solidFill>
-            <a:srgbClr val="4D769E"/>
-          </a:solidFill>
-          <a:ln w="12700">
-            <a:miter lim="400000"/>
-          </a:ln>
-        </p:spPr>
-        <p:txBody>
-          <a:bodyPr lIns="0" tIns="0" rIns="0" bIns="0" anchor="ctr"/>
-          <a:lstStyle/>
-          <a:p>
-            <a:pPr algn="ctr">
-              <a:lnSpc>
-                <a:spcPct val="90000"/>
-              </a:lnSpc>
-              <a:spcBef>
-                <a:spcPts val="300"/>
-              </a:spcBef>
-              <a:buClr>
-                <a:schemeClr val="accent4">
-                  <a:hueOff val="384618"/>
-                  <a:satOff val="3869"/>
-                  <a:lumOff val="5802"/>
-                </a:schemeClr>
-              </a:buClr>
-              <a:defRPr sz="900">
-                <a:solidFill>
-                  <a:srgbClr val="FFFFFF"/>
-                </a:solidFill>
-              </a:defRPr>
-            </a:pPr>
-          </a:p>
-        </p:txBody>
-      </p:sp>
-      <p:sp>
-        <p:nvSpPr>
-          <p:cNvPr id="161" name="Complete the template below to build a graph."/>
+          <p:cNvPr id="169" name="Complete the template below to build a graph."/>
           <p:cNvSpPr txBox="1"/>
           <p:nvPr/>
         </p:nvSpPr>
@@ -7797,7 +8412,7 @@
       </p:sp>
       <p:sp>
         <p:nvSpPr>
-          <p:cNvPr id="162" name="Line"/>
+          <p:cNvPr id="170" name="Line"/>
           <p:cNvSpPr/>
           <p:nvPr/>
         </p:nvSpPr>
@@ -7840,13 +8455,13 @@
       </p:sp>
       <p:sp>
         <p:nvSpPr>
-          <p:cNvPr id="163" name="required"/>
+          <p:cNvPr id="171" name="required"/>
           <p:cNvSpPr txBox="1"/>
           <p:nvPr/>
         </p:nvSpPr>
         <p:spPr>
           <a:xfrm>
-            <a:off x="2995860" y="5746854"/>
+            <a:off x="2995860" y="5632554"/>
             <a:ext cx="537595" cy="165823"/>
           </a:xfrm>
           <a:prstGeom prst="rect">
@@ -7890,7 +8505,7 @@
       </p:sp>
       <p:sp>
         <p:nvSpPr>
-          <p:cNvPr id="164" name="ggplot(data = mpg, aes(x = cty, y = hwy)) Begins a plot that you finish by adding layers to. Add one geom function per layer.…"/>
+          <p:cNvPr id="172" name="ggplot(data = mpg, aes(x = cty, y = hwy)) Begins a plot that you finish by adding layers to. Add one geom function per layer.…"/>
           <p:cNvSpPr txBox="1"/>
           <p:nvPr/>
         </p:nvSpPr>
@@ -8033,7 +8648,7 @@
       </p:sp>
       <p:grpSp>
         <p:nvGrpSpPr>
-          <p:cNvPr id="183" name="Group"/>
+          <p:cNvPr id="191" name="Group"/>
           <p:cNvGrpSpPr/>
           <p:nvPr/>
         </p:nvGrpSpPr>
@@ -8047,7 +8662,7 @@
         </p:grpSpPr>
         <p:graphicFrame>
           <p:nvGraphicFramePr>
-            <p:cNvPr id="165" name="Table"/>
+            <p:cNvPr id="173" name="Table"/>
             <p:cNvGraphicFramePr/>
             <p:nvPr/>
           </p:nvGraphicFramePr>
@@ -8370,7 +8985,7 @@
         </p:graphicFrame>
         <p:sp>
           <p:nvSpPr>
-            <p:cNvPr id="166" name="Circle"/>
+            <p:cNvPr id="174" name="Circle"/>
             <p:cNvSpPr/>
             <p:nvPr/>
           </p:nvSpPr>
@@ -8417,7 +9032,7 @@
         </p:sp>
         <p:sp>
           <p:nvSpPr>
-            <p:cNvPr id="167" name="Circle"/>
+            <p:cNvPr id="175" name="Circle"/>
             <p:cNvSpPr/>
             <p:nvPr/>
           </p:nvSpPr>
@@ -8464,7 +9079,7 @@
         </p:sp>
         <p:sp>
           <p:nvSpPr>
-            <p:cNvPr id="168" name="Circle"/>
+            <p:cNvPr id="176" name="Circle"/>
             <p:cNvSpPr/>
             <p:nvPr/>
           </p:nvSpPr>
@@ -8511,7 +9126,7 @@
         </p:sp>
         <p:sp>
           <p:nvSpPr>
-            <p:cNvPr id="169" name="Circle"/>
+            <p:cNvPr id="177" name="Circle"/>
             <p:cNvSpPr/>
             <p:nvPr/>
           </p:nvSpPr>
@@ -8558,7 +9173,7 @@
         </p:sp>
         <p:sp>
           <p:nvSpPr>
-            <p:cNvPr id="170" name="Circle"/>
+            <p:cNvPr id="178" name="Circle"/>
             <p:cNvSpPr/>
             <p:nvPr/>
           </p:nvSpPr>
@@ -8605,7 +9220,7 @@
         </p:sp>
         <p:sp>
           <p:nvSpPr>
-            <p:cNvPr id="171" name="Circle"/>
+            <p:cNvPr id="179" name="Circle"/>
             <p:cNvSpPr/>
             <p:nvPr/>
           </p:nvSpPr>
@@ -8652,7 +9267,7 @@
         </p:sp>
         <p:sp>
           <p:nvSpPr>
-            <p:cNvPr id="172" name="Line"/>
+            <p:cNvPr id="180" name="Line"/>
             <p:cNvSpPr/>
             <p:nvPr/>
           </p:nvSpPr>
@@ -8709,7 +9324,7 @@
         </p:sp>
         <p:sp>
           <p:nvSpPr>
-            <p:cNvPr id="173" name="Line"/>
+            <p:cNvPr id="181" name="Line"/>
             <p:cNvSpPr/>
             <p:nvPr/>
           </p:nvSpPr>
@@ -8766,7 +9381,7 @@
         </p:sp>
         <p:sp>
           <p:nvSpPr>
-            <p:cNvPr id="174" name="Line"/>
+            <p:cNvPr id="182" name="Line"/>
             <p:cNvSpPr/>
             <p:nvPr/>
           </p:nvSpPr>
@@ -8823,7 +9438,7 @@
         </p:sp>
         <p:sp>
           <p:nvSpPr>
-            <p:cNvPr id="175" name="Line"/>
+            <p:cNvPr id="183" name="Line"/>
             <p:cNvSpPr/>
             <p:nvPr/>
           </p:nvSpPr>
@@ -8880,7 +9495,7 @@
         </p:sp>
         <p:sp>
           <p:nvSpPr>
-            <p:cNvPr id="176" name="Line"/>
+            <p:cNvPr id="184" name="Line"/>
             <p:cNvSpPr/>
             <p:nvPr/>
           </p:nvSpPr>
@@ -8937,7 +9552,7 @@
         </p:sp>
         <p:sp>
           <p:nvSpPr>
-            <p:cNvPr id="177" name="Line"/>
+            <p:cNvPr id="185" name="Line"/>
             <p:cNvSpPr/>
             <p:nvPr/>
           </p:nvSpPr>
@@ -8995,7 +9610,7 @@
         </p:sp>
         <p:sp>
           <p:nvSpPr>
-            <p:cNvPr id="178" name="Line"/>
+            <p:cNvPr id="186" name="Line"/>
             <p:cNvSpPr/>
             <p:nvPr/>
           </p:nvSpPr>
@@ -9053,7 +9668,7 @@
         </p:sp>
         <p:sp>
           <p:nvSpPr>
-            <p:cNvPr id="179" name="Line"/>
+            <p:cNvPr id="187" name="Line"/>
             <p:cNvSpPr/>
             <p:nvPr/>
           </p:nvSpPr>
@@ -9111,7 +9726,7 @@
         </p:sp>
         <p:sp>
           <p:nvSpPr>
-            <p:cNvPr id="180" name="Line"/>
+            <p:cNvPr id="188" name="Line"/>
             <p:cNvSpPr/>
             <p:nvPr/>
           </p:nvSpPr>
@@ -9169,7 +9784,7 @@
         </p:sp>
         <p:sp>
           <p:nvSpPr>
-            <p:cNvPr id="181" name="Line"/>
+            <p:cNvPr id="189" name="Line"/>
             <p:cNvSpPr/>
             <p:nvPr/>
           </p:nvSpPr>
@@ -9227,7 +9842,7 @@
         </p:sp>
         <p:sp>
           <p:nvSpPr>
-            <p:cNvPr id="182" name="Line"/>
+            <p:cNvPr id="190" name="Line"/>
             <p:cNvSpPr/>
             <p:nvPr/>
           </p:nvSpPr>
@@ -9286,7 +9901,7 @@
       </p:grpSp>
       <p:graphicFrame>
         <p:nvGraphicFramePr>
-          <p:cNvPr id="184" name="Table"/>
+          <p:cNvPr id="192" name="Table"/>
           <p:cNvGraphicFramePr/>
           <p:nvPr/>
         </p:nvGraphicFramePr>
@@ -9600,7 +10215,7 @@
       </p:graphicFrame>
       <p:sp>
         <p:nvSpPr>
-          <p:cNvPr id="185" name="Line"/>
+          <p:cNvPr id="193" name="Line"/>
           <p:cNvSpPr/>
           <p:nvPr/>
         </p:nvSpPr>
@@ -9652,7 +10267,7 @@
       </p:sp>
       <p:sp>
         <p:nvSpPr>
-          <p:cNvPr id="186" name="Line"/>
+          <p:cNvPr id="194" name="Line"/>
           <p:cNvSpPr/>
           <p:nvPr/>
         </p:nvSpPr>
@@ -9704,7 +10319,7 @@
       </p:sp>
       <p:sp>
         <p:nvSpPr>
-          <p:cNvPr id="187" name="Line"/>
+          <p:cNvPr id="195" name="Line"/>
           <p:cNvSpPr/>
           <p:nvPr/>
         </p:nvSpPr>
@@ -9756,7 +10371,7 @@
       </p:sp>
       <p:sp>
         <p:nvSpPr>
-          <p:cNvPr id="188" name="Line"/>
+          <p:cNvPr id="196" name="Line"/>
           <p:cNvSpPr/>
           <p:nvPr/>
         </p:nvSpPr>
@@ -9808,7 +10423,7 @@
       </p:sp>
       <p:sp>
         <p:nvSpPr>
-          <p:cNvPr id="189" name="Line"/>
+          <p:cNvPr id="197" name="Line"/>
           <p:cNvSpPr/>
           <p:nvPr/>
         </p:nvSpPr>
@@ -9860,7 +10475,7 @@
       </p:sp>
       <p:sp>
         <p:nvSpPr>
-          <p:cNvPr id="190" name="Line"/>
+          <p:cNvPr id="198" name="Line"/>
           <p:cNvSpPr/>
           <p:nvPr/>
         </p:nvSpPr>
@@ -9913,7 +10528,7 @@
       </p:sp>
       <p:sp>
         <p:nvSpPr>
-          <p:cNvPr id="191" name="Line"/>
+          <p:cNvPr id="199" name="Line"/>
           <p:cNvSpPr/>
           <p:nvPr/>
         </p:nvSpPr>
@@ -9966,7 +10581,7 @@
       </p:sp>
       <p:sp>
         <p:nvSpPr>
-          <p:cNvPr id="192" name="Line"/>
+          <p:cNvPr id="200" name="Line"/>
           <p:cNvSpPr/>
           <p:nvPr/>
         </p:nvSpPr>
@@ -10019,7 +10634,7 @@
       </p:sp>
       <p:sp>
         <p:nvSpPr>
-          <p:cNvPr id="193" name="Line"/>
+          <p:cNvPr id="201" name="Line"/>
           <p:cNvSpPr/>
           <p:nvPr/>
         </p:nvSpPr>
@@ -10072,7 +10687,7 @@
       </p:sp>
       <p:sp>
         <p:nvSpPr>
-          <p:cNvPr id="194" name="Line"/>
+          <p:cNvPr id="202" name="Line"/>
           <p:cNvSpPr/>
           <p:nvPr/>
         </p:nvSpPr>
@@ -10125,7 +10740,7 @@
       </p:sp>
       <p:sp>
         <p:nvSpPr>
-          <p:cNvPr id="195" name="Line"/>
+          <p:cNvPr id="203" name="Line"/>
           <p:cNvSpPr/>
           <p:nvPr/>
         </p:nvSpPr>
@@ -10178,7 +10793,7 @@
       </p:sp>
       <p:pic>
         <p:nvPicPr>
-          <p:cNvPr id="196" name="pasted-image.pdf" descr="pasted-image.pdf"/>
+          <p:cNvPr id="204" name="Image" descr="Image"/>
           <p:cNvPicPr>
             <a:picLocks noChangeAspect="1"/>
           </p:cNvPicPr>
@@ -10207,7 +10822,7 @@
       </p:pic>
       <p:grpSp>
         <p:nvGrpSpPr>
-          <p:cNvPr id="204" name="Group"/>
+          <p:cNvPr id="212" name="Group"/>
           <p:cNvGrpSpPr/>
           <p:nvPr/>
         </p:nvGrpSpPr>
@@ -10221,7 +10836,7 @@
         </p:grpSpPr>
         <p:sp>
           <p:nvSpPr>
-            <p:cNvPr id="197" name="Triangle"/>
+            <p:cNvPr id="205" name="Triangle"/>
             <p:cNvSpPr/>
             <p:nvPr/>
           </p:nvSpPr>
@@ -10297,7 +10912,7 @@
         </p:sp>
         <p:sp>
           <p:nvSpPr>
-            <p:cNvPr id="198" name="Triangle"/>
+            <p:cNvPr id="206" name="Triangle"/>
             <p:cNvSpPr/>
             <p:nvPr/>
           </p:nvSpPr>
@@ -10373,7 +10988,7 @@
         </p:sp>
         <p:sp>
           <p:nvSpPr>
-            <p:cNvPr id="199" name="aesthetic mappings"/>
+            <p:cNvPr id="207" name="aesthetic mappings"/>
             <p:cNvSpPr/>
             <p:nvPr/>
           </p:nvSpPr>
@@ -10438,7 +11053,7 @@
         </p:sp>
         <p:sp>
           <p:nvSpPr>
-            <p:cNvPr id="200" name="data"/>
+            <p:cNvPr id="208" name="data"/>
             <p:cNvSpPr/>
             <p:nvPr/>
           </p:nvSpPr>
@@ -10503,7 +11118,7 @@
         </p:sp>
         <p:sp>
           <p:nvSpPr>
-            <p:cNvPr id="201" name="geom"/>
+            <p:cNvPr id="209" name="geom"/>
             <p:cNvSpPr/>
             <p:nvPr/>
           </p:nvSpPr>
@@ -10568,7 +11183,7 @@
         </p:sp>
         <p:sp>
           <p:nvSpPr>
-            <p:cNvPr id="202" name="Triangle"/>
+            <p:cNvPr id="210" name="Triangle"/>
             <p:cNvSpPr/>
             <p:nvPr/>
           </p:nvSpPr>
@@ -10644,7 +11259,7 @@
         </p:sp>
         <p:sp>
           <p:nvSpPr>
-            <p:cNvPr id="203" name="Triangle"/>
+            <p:cNvPr id="211" name="Triangle"/>
             <p:cNvSpPr/>
             <p:nvPr/>
           </p:nvSpPr>
@@ -10721,7 +11336,7 @@
       </p:grpSp>
       <p:sp>
         <p:nvSpPr>
-          <p:cNvPr id="205" name="LINE SEGMENTS"/>
+          <p:cNvPr id="213" name="LINE SEGMENTS"/>
           <p:cNvSpPr txBox="1"/>
           <p:nvPr/>
         </p:nvSpPr>
@@ -10757,7 +11372,7 @@
       </p:sp>
       <p:sp>
         <p:nvSpPr>
-          <p:cNvPr id="206" name="b + geom_abline(aes(intercept=0, slope=1))…"/>
+          <p:cNvPr id="214" name="b + geom_abline(aes(intercept=0, slope=1))…"/>
           <p:cNvSpPr txBox="1"/>
           <p:nvPr/>
         </p:nvSpPr>
@@ -10865,7 +11480,7 @@
       </p:sp>
       <p:grpSp>
         <p:nvGrpSpPr>
-          <p:cNvPr id="211" name="Group"/>
+          <p:cNvPr id="219" name="Group"/>
           <p:cNvGrpSpPr/>
           <p:nvPr/>
         </p:nvGrpSpPr>
@@ -10879,7 +11494,7 @@
         </p:grpSpPr>
         <p:pic>
           <p:nvPicPr>
-            <p:cNvPr id="207" name="pasted-image.pdf" descr="pasted-image.pdf"/>
+            <p:cNvPr id="215" name="Image" descr="Image"/>
             <p:cNvPicPr>
               <a:picLocks noChangeAspect="1"/>
             </p:cNvPicPr>
@@ -10910,7 +11525,7 @@
         </p:pic>
         <p:sp>
           <p:nvSpPr>
-            <p:cNvPr id="208" name="Line"/>
+            <p:cNvPr id="216" name="Line"/>
             <p:cNvSpPr/>
             <p:nvPr/>
           </p:nvSpPr>
@@ -10957,7 +11572,7 @@
         </p:sp>
         <p:sp>
           <p:nvSpPr>
-            <p:cNvPr id="209" name="Line"/>
+            <p:cNvPr id="217" name="Line"/>
             <p:cNvSpPr/>
             <p:nvPr/>
           </p:nvSpPr>
@@ -11004,7 +11619,7 @@
         </p:sp>
         <p:sp>
           <p:nvSpPr>
-            <p:cNvPr id="210" name="Line"/>
+            <p:cNvPr id="218" name="Line"/>
             <p:cNvSpPr/>
             <p:nvPr/>
           </p:nvSpPr>
@@ -11052,7 +11667,7 @@
       </p:grpSp>
       <p:sp>
         <p:nvSpPr>
-          <p:cNvPr id="212" name="common aesthetics: x, y, alpha, color, linetype, size"/>
+          <p:cNvPr id="220" name="common aesthetics: x, y, alpha, color, linetype, size"/>
           <p:cNvSpPr txBox="1"/>
           <p:nvPr/>
         </p:nvSpPr>
@@ -11102,7 +11717,7 @@
       </p:sp>
       <p:sp>
         <p:nvSpPr>
-          <p:cNvPr id="213" name="b + geom_segment(aes(yend=lat+1, xend=long+1))…"/>
+          <p:cNvPr id="221" name="b + geom_segment(aes(yend=lat+1, xend=long+1))…"/>
           <p:cNvSpPr txBox="1"/>
           <p:nvPr/>
         </p:nvSpPr>
@@ -11184,7 +11799,7 @@
       </p:sp>
       <p:sp>
         <p:nvSpPr>
-          <p:cNvPr id="214" name="a &lt;- ggplot(economics, aes(date, unemploy))…"/>
+          <p:cNvPr id="222" name="a &lt;- ggplot(economics, aes(date, unemploy))…"/>
           <p:cNvSpPr txBox="1"/>
           <p:nvPr/>
         </p:nvSpPr>
@@ -11250,7 +11865,7 @@
       </p:sp>
       <p:sp>
         <p:nvSpPr>
-          <p:cNvPr id="215" name="ONE VARIABLE    continuous"/>
+          <p:cNvPr id="223" name="ONE VARIABLE    continuous"/>
           <p:cNvSpPr txBox="1"/>
           <p:nvPr/>
         </p:nvSpPr>
@@ -11286,7 +11901,7 @@
       </p:sp>
       <p:sp>
         <p:nvSpPr>
-          <p:cNvPr id="216" name="c &lt;- ggplot(mpg, aes(hwy)); c2 &lt;- ggplot(mpg)"/>
+          <p:cNvPr id="224" name="c &lt;- ggplot(mpg, aes(hwy)); c2 &lt;- ggplot(mpg)"/>
           <p:cNvSpPr txBox="1"/>
           <p:nvPr/>
         </p:nvSpPr>
@@ -11336,7 +11951,7 @@
       </p:sp>
       <p:sp>
         <p:nvSpPr>
-          <p:cNvPr id="217" name="c + geom_area(stat = &quot;bin&quot;) x, y, alpha, color, fill,  linetype, size…"/>
+          <p:cNvPr id="225" name="c + geom_area(stat = &quot;bin&quot;) x, y, alpha, color, fill,  linetype, size…"/>
           <p:cNvSpPr txBox="1"/>
           <p:nvPr/>
         </p:nvSpPr>
@@ -11525,7 +12140,7 @@
       </p:sp>
       <p:sp>
         <p:nvSpPr>
-          <p:cNvPr id="218" name="discrete"/>
+          <p:cNvPr id="226" name="discrete"/>
           <p:cNvSpPr txBox="1"/>
           <p:nvPr/>
         </p:nvSpPr>
@@ -11561,7 +12176,7 @@
       </p:sp>
       <p:sp>
         <p:nvSpPr>
-          <p:cNvPr id="219" name="d &lt;- ggplot(mpg, aes(fl))"/>
+          <p:cNvPr id="227" name="d &lt;- ggplot(mpg, aes(fl))"/>
           <p:cNvSpPr txBox="1"/>
           <p:nvPr/>
         </p:nvSpPr>
@@ -11611,7 +12226,7 @@
       </p:sp>
       <p:sp>
         <p:nvSpPr>
-          <p:cNvPr id="220" name="d + geom_bar()  x, alpha, color, fill, linetype, size, weight"/>
+          <p:cNvPr id="228" name="d + geom_bar()  x, alpha, color, fill, linetype, size, weight"/>
           <p:cNvSpPr txBox="1"/>
           <p:nvPr/>
         </p:nvSpPr>
@@ -11664,7 +12279,7 @@
       </p:sp>
       <p:sp>
         <p:nvSpPr>
-          <p:cNvPr id="221" name="e + geom_label(aes(label = cty), nudge_x = 1, nudge_y = 1, check_overlap = TRUE) x, y, label, alpha, angle, color, family, fontface, hjust, lineheight, size, vjust…"/>
+          <p:cNvPr id="229" name="e + geom_label(aes(label = cty), nudge_x = 1, nudge_y = 1, check_overlap = TRUE) x, y, label, alpha, angle, color, family, fontface, hjust, lineheight, size, vjust…"/>
           <p:cNvSpPr txBox="1"/>
           <p:nvPr/>
         </p:nvSpPr>
@@ -11894,7 +12509,7 @@
       </p:sp>
       <p:sp>
         <p:nvSpPr>
-          <p:cNvPr id="222" name="discrete x , continuous y…"/>
+          <p:cNvPr id="230" name="discrete x , continuous y…"/>
           <p:cNvSpPr txBox="1"/>
           <p:nvPr/>
         </p:nvSpPr>
@@ -11955,7 +12570,7 @@
       </p:sp>
       <p:sp>
         <p:nvSpPr>
-          <p:cNvPr id="223" name="f + geom_col(), x, y, alpha, color, fill, group, linetype, size…"/>
+          <p:cNvPr id="231" name="f + geom_col(), x, y, alpha, color, fill, group, linetype, size…"/>
           <p:cNvSpPr txBox="1"/>
           <p:nvPr/>
         </p:nvSpPr>
@@ -12094,7 +12709,7 @@
       </p:sp>
       <p:sp>
         <p:nvSpPr>
-          <p:cNvPr id="224" name="discrete x , discrete y…"/>
+          <p:cNvPr id="232" name="discrete x , discrete y…"/>
           <p:cNvSpPr txBox="1"/>
           <p:nvPr/>
         </p:nvSpPr>
@@ -12155,7 +12770,7 @@
       </p:sp>
       <p:sp>
         <p:nvSpPr>
-          <p:cNvPr id="225" name="g + geom_count(), x, y, alpha, color, fill, shape, size, stroke"/>
+          <p:cNvPr id="233" name="g + geom_count(), x, y, alpha, color, fill, shape, size, stroke"/>
           <p:cNvSpPr txBox="1"/>
           <p:nvPr/>
         </p:nvSpPr>
@@ -12207,7 +12822,7 @@
       </p:sp>
       <p:sp>
         <p:nvSpPr>
-          <p:cNvPr id="226" name="THREE VARIABLES…"/>
+          <p:cNvPr id="234" name="THREE VARIABLES…"/>
           <p:cNvSpPr txBox="1"/>
           <p:nvPr/>
         </p:nvSpPr>
@@ -12261,7 +12876,7 @@
       </p:sp>
       <p:sp>
         <p:nvSpPr>
-          <p:cNvPr id="227" name="l + geom_contour(aes(z = z)) x, y, z, alpha, colour, group, linetype,  size, weight"/>
+          <p:cNvPr id="235" name="l + geom_contour(aes(z = z)) x, y, z, alpha, colour, group, linetype,  size, weight"/>
           <p:cNvSpPr txBox="1"/>
           <p:nvPr/>
         </p:nvSpPr>
@@ -12318,7 +12933,7 @@
       </p:sp>
       <p:sp>
         <p:nvSpPr>
-          <p:cNvPr id="228" name="l + geom_raster(aes(fill = z), hjust=0.5, vjust=0.5, interpolate=FALSE) x, y, alpha, fill…"/>
+          <p:cNvPr id="236" name="l + geom_raster(aes(fill = z), hjust=0.5, vjust=0.5, interpolate=FALSE) x, y, alpha, fill…"/>
           <p:cNvSpPr txBox="1"/>
           <p:nvPr/>
         </p:nvSpPr>
@@ -12403,7 +13018,7 @@
       </p:sp>
       <p:sp>
         <p:nvSpPr>
-          <p:cNvPr id="229" name="h + geom_bin2d(binwidth = c(0.25, 500)) x, y, alpha, color, fill, linetype, size, weight…"/>
+          <p:cNvPr id="237" name="h + geom_bin2d(binwidth = c(0.25, 500)) x, y, alpha, color, fill, linetype, size, weight…"/>
           <p:cNvSpPr txBox="1"/>
           <p:nvPr/>
         </p:nvSpPr>
@@ -12754,7 +13369,7 @@
       </p:sp>
       <p:sp>
         <p:nvSpPr>
-          <p:cNvPr id="230" name="continuous function…"/>
+          <p:cNvPr id="238" name="continuous function…"/>
           <p:cNvSpPr txBox="1"/>
           <p:nvPr/>
         </p:nvSpPr>
@@ -12815,7 +13430,7 @@
       </p:sp>
       <p:sp>
         <p:nvSpPr>
-          <p:cNvPr id="231" name="visualizing error…"/>
+          <p:cNvPr id="239" name="visualizing error…"/>
           <p:cNvSpPr txBox="1"/>
           <p:nvPr/>
         </p:nvSpPr>
@@ -12894,7 +13509,7 @@
       </p:sp>
       <p:pic>
         <p:nvPicPr>
-          <p:cNvPr id="232" name="pasted-image.pdf" descr="pasted-image.pdf"/>
+          <p:cNvPr id="240" name="Image" descr="Image"/>
           <p:cNvPicPr>
             <a:picLocks noChangeAspect="1"/>
           </p:cNvPicPr>
@@ -12923,7 +13538,7 @@
       </p:pic>
       <p:grpSp>
         <p:nvGrpSpPr>
-          <p:cNvPr id="235" name="Group"/>
+          <p:cNvPr id="243" name="Group"/>
           <p:cNvGrpSpPr/>
           <p:nvPr/>
         </p:nvGrpSpPr>
@@ -12937,7 +13552,7 @@
         </p:grpSpPr>
         <p:pic>
           <p:nvPicPr>
-            <p:cNvPr id="233" name="pasted-image.pdf" descr="pasted-image.pdf"/>
+            <p:cNvPr id="241" name="Image" descr="Image"/>
             <p:cNvPicPr>
               <a:picLocks noChangeAspect="1"/>
             </p:cNvPicPr>
@@ -12968,7 +13583,7 @@
         </p:pic>
         <p:sp>
           <p:nvSpPr>
-            <p:cNvPr id="234" name="Shape"/>
+            <p:cNvPr id="242" name="Shape"/>
             <p:cNvSpPr/>
             <p:nvPr/>
           </p:nvSpPr>
@@ -13111,7 +13726,7 @@
       </p:grpSp>
       <p:pic>
         <p:nvPicPr>
-          <p:cNvPr id="236" name="pasted-image.pdf" descr="pasted-image.pdf"/>
+          <p:cNvPr id="244" name="Image" descr="Image"/>
           <p:cNvPicPr>
             <a:picLocks noChangeAspect="1"/>
           </p:cNvPicPr>
@@ -13140,7 +13755,7 @@
       </p:pic>
       <p:grpSp>
         <p:nvGrpSpPr>
-          <p:cNvPr id="239" name="Group"/>
+          <p:cNvPr id="247" name="Group"/>
           <p:cNvGrpSpPr/>
           <p:nvPr/>
         </p:nvGrpSpPr>
@@ -13154,7 +13769,7 @@
         </p:grpSpPr>
         <p:pic>
           <p:nvPicPr>
-            <p:cNvPr id="237" name="pasted-image.pdf" descr="pasted-image.pdf"/>
+            <p:cNvPr id="245" name="Image" descr="Image"/>
             <p:cNvPicPr>
               <a:picLocks noChangeAspect="1"/>
             </p:cNvPicPr>
@@ -13185,7 +13800,7 @@
         </p:pic>
         <p:sp>
           <p:nvSpPr>
-            <p:cNvPr id="238" name="Shape"/>
+            <p:cNvPr id="246" name="Shape"/>
             <p:cNvSpPr/>
             <p:nvPr/>
           </p:nvSpPr>
@@ -13275,7 +13890,7 @@
       </p:grpSp>
       <p:grpSp>
         <p:nvGrpSpPr>
-          <p:cNvPr id="242" name="Group"/>
+          <p:cNvPr id="250" name="Group"/>
           <p:cNvGrpSpPr/>
           <p:nvPr/>
         </p:nvGrpSpPr>
@@ -13289,7 +13904,7 @@
         </p:grpSpPr>
         <p:pic>
           <p:nvPicPr>
-            <p:cNvPr id="240" name="pasted-image.pdf" descr="pasted-image.pdf"/>
+            <p:cNvPr id="248" name="Image" descr="Image"/>
             <p:cNvPicPr>
               <a:picLocks noChangeAspect="1"/>
             </p:cNvPicPr>
@@ -13320,7 +13935,7 @@
         </p:pic>
         <p:sp>
           <p:nvSpPr>
-            <p:cNvPr id="241" name="Line"/>
+            <p:cNvPr id="249" name="Line"/>
             <p:cNvSpPr/>
             <p:nvPr/>
           </p:nvSpPr>
@@ -13410,7 +14025,7 @@
       </p:grpSp>
       <p:grpSp>
         <p:nvGrpSpPr>
-          <p:cNvPr id="245" name="Group"/>
+          <p:cNvPr id="253" name="Group"/>
           <p:cNvGrpSpPr/>
           <p:nvPr/>
         </p:nvGrpSpPr>
@@ -13424,7 +14039,7 @@
         </p:grpSpPr>
         <p:pic>
           <p:nvPicPr>
-            <p:cNvPr id="243" name="pasted-image.pdf" descr="pasted-image.pdf"/>
+            <p:cNvPr id="251" name="Image" descr="Image"/>
             <p:cNvPicPr>
               <a:picLocks noChangeAspect="1"/>
             </p:cNvPicPr>
@@ -13455,7 +14070,7 @@
         </p:pic>
         <p:sp>
           <p:nvSpPr>
-            <p:cNvPr id="244" name="Shape"/>
+            <p:cNvPr id="252" name="Shape"/>
             <p:cNvSpPr/>
             <p:nvPr/>
           </p:nvSpPr>
@@ -13628,7 +14243,7 @@
       </p:grpSp>
       <p:grpSp>
         <p:nvGrpSpPr>
-          <p:cNvPr id="248" name="Group"/>
+          <p:cNvPr id="256" name="Group"/>
           <p:cNvGrpSpPr/>
           <p:nvPr/>
         </p:nvGrpSpPr>
@@ -13642,7 +14257,7 @@
         </p:grpSpPr>
         <p:pic>
           <p:nvPicPr>
-            <p:cNvPr id="246" name="pasted-image.pdf" descr="pasted-image.pdf"/>
+            <p:cNvPr id="254" name="Image" descr="Image"/>
             <p:cNvPicPr>
               <a:picLocks noChangeAspect="1"/>
             </p:cNvPicPr>
@@ -13673,7 +14288,7 @@
         </p:pic>
         <p:sp>
           <p:nvSpPr>
-            <p:cNvPr id="247" name="Rectangle"/>
+            <p:cNvPr id="255" name="Rectangle"/>
             <p:cNvSpPr/>
             <p:nvPr/>
           </p:nvSpPr>
@@ -13719,7 +14334,7 @@
       </p:grpSp>
       <p:grpSp>
         <p:nvGrpSpPr>
-          <p:cNvPr id="251" name="Group"/>
+          <p:cNvPr id="259" name="Group"/>
           <p:cNvGrpSpPr/>
           <p:nvPr/>
         </p:nvGrpSpPr>
@@ -13733,7 +14348,7 @@
         </p:grpSpPr>
         <p:pic>
           <p:nvPicPr>
-            <p:cNvPr id="249" name="pasted-image.pdf" descr="pasted-image.pdf"/>
+            <p:cNvPr id="257" name="Image" descr="Image"/>
             <p:cNvPicPr>
               <a:picLocks noChangeAspect="1"/>
             </p:cNvPicPr>
@@ -13764,7 +14379,7 @@
         </p:pic>
         <p:sp>
           <p:nvSpPr>
-            <p:cNvPr id="250" name="Line"/>
+            <p:cNvPr id="258" name="Line"/>
             <p:cNvSpPr/>
             <p:nvPr/>
           </p:nvSpPr>
@@ -13846,7 +14461,7 @@
       </p:grpSp>
       <p:grpSp>
         <p:nvGrpSpPr>
-          <p:cNvPr id="254" name="Group"/>
+          <p:cNvPr id="262" name="Group"/>
           <p:cNvGrpSpPr/>
           <p:nvPr/>
         </p:nvGrpSpPr>
@@ -13860,7 +14475,7 @@
         </p:grpSpPr>
         <p:pic>
           <p:nvPicPr>
-            <p:cNvPr id="252" name="pasted-image.pdf" descr="pasted-image.pdf"/>
+            <p:cNvPr id="260" name="Image" descr="Image"/>
             <p:cNvPicPr>
               <a:picLocks noChangeAspect="1"/>
             </p:cNvPicPr>
@@ -13891,7 +14506,7 @@
         </p:pic>
         <p:sp>
           <p:nvSpPr>
-            <p:cNvPr id="253" name="Line"/>
+            <p:cNvPr id="261" name="Line"/>
             <p:cNvSpPr/>
             <p:nvPr/>
           </p:nvSpPr>
@@ -14003,7 +14618,7 @@
       </p:grpSp>
       <p:grpSp>
         <p:nvGrpSpPr>
-          <p:cNvPr id="257" name="Group"/>
+          <p:cNvPr id="265" name="Group"/>
           <p:cNvGrpSpPr/>
           <p:nvPr/>
         </p:nvGrpSpPr>
@@ -14017,7 +14632,7 @@
         </p:grpSpPr>
         <p:pic>
           <p:nvPicPr>
-            <p:cNvPr id="255" name="pasted-image.pdf" descr="pasted-image.pdf"/>
+            <p:cNvPr id="263" name="Image" descr="Image"/>
             <p:cNvPicPr>
               <a:picLocks noChangeAspect="1"/>
             </p:cNvPicPr>
@@ -14048,7 +14663,7 @@
         </p:pic>
         <p:sp>
           <p:nvSpPr>
-            <p:cNvPr id="256" name="Line"/>
+            <p:cNvPr id="264" name="Line"/>
             <p:cNvSpPr/>
             <p:nvPr/>
           </p:nvSpPr>
@@ -14135,7 +14750,7 @@
       </p:grpSp>
       <p:grpSp>
         <p:nvGrpSpPr>
-          <p:cNvPr id="268" name="Group"/>
+          <p:cNvPr id="276" name="Group"/>
           <p:cNvGrpSpPr/>
           <p:nvPr/>
         </p:nvGrpSpPr>
@@ -14149,7 +14764,7 @@
         </p:grpSpPr>
         <p:pic>
           <p:nvPicPr>
-            <p:cNvPr id="258" name="pasted-image.pdf" descr="pasted-image.pdf"/>
+            <p:cNvPr id="266" name="Image" descr="Image"/>
             <p:cNvPicPr>
               <a:picLocks noChangeAspect="1"/>
             </p:cNvPicPr>
@@ -14180,7 +14795,7 @@
         </p:pic>
         <p:grpSp>
           <p:nvGrpSpPr>
-            <p:cNvPr id="267" name="Group"/>
+            <p:cNvPr id="275" name="Group"/>
             <p:cNvGrpSpPr/>
             <p:nvPr/>
           </p:nvGrpSpPr>
@@ -14194,7 +14809,7 @@
           </p:grpSpPr>
           <p:sp>
             <p:nvSpPr>
-              <p:cNvPr id="259" name="Rectangle"/>
+              <p:cNvPr id="267" name="Rectangle"/>
               <p:cNvSpPr/>
               <p:nvPr/>
             </p:nvSpPr>
@@ -14239,7 +14854,7 @@
           </p:sp>
           <p:sp>
             <p:nvSpPr>
-              <p:cNvPr id="260" name="Rectangle"/>
+              <p:cNvPr id="268" name="Rectangle"/>
               <p:cNvSpPr/>
               <p:nvPr/>
             </p:nvSpPr>
@@ -14284,7 +14899,7 @@
           </p:sp>
           <p:sp>
             <p:nvSpPr>
-              <p:cNvPr id="261" name="Rectangle"/>
+              <p:cNvPr id="269" name="Rectangle"/>
               <p:cNvSpPr/>
               <p:nvPr/>
             </p:nvSpPr>
@@ -14329,7 +14944,7 @@
           </p:sp>
           <p:sp>
             <p:nvSpPr>
-              <p:cNvPr id="262" name="Rectangle"/>
+              <p:cNvPr id="270" name="Rectangle"/>
               <p:cNvSpPr/>
               <p:nvPr/>
             </p:nvSpPr>
@@ -14374,7 +14989,7 @@
           </p:sp>
           <p:sp>
             <p:nvSpPr>
-              <p:cNvPr id="263" name="Rectangle"/>
+              <p:cNvPr id="271" name="Rectangle"/>
               <p:cNvSpPr/>
               <p:nvPr/>
             </p:nvSpPr>
@@ -14419,7 +15034,7 @@
           </p:sp>
           <p:sp>
             <p:nvSpPr>
-              <p:cNvPr id="264" name="Rectangle"/>
+              <p:cNvPr id="272" name="Rectangle"/>
               <p:cNvSpPr/>
               <p:nvPr/>
             </p:nvSpPr>
@@ -14464,7 +15079,7 @@
           </p:sp>
           <p:sp>
             <p:nvSpPr>
-              <p:cNvPr id="265" name="Rectangle"/>
+              <p:cNvPr id="273" name="Rectangle"/>
               <p:cNvSpPr/>
               <p:nvPr/>
             </p:nvSpPr>
@@ -14509,7 +15124,7 @@
           </p:sp>
           <p:sp>
             <p:nvSpPr>
-              <p:cNvPr id="266" name="Rectangle"/>
+              <p:cNvPr id="274" name="Rectangle"/>
               <p:cNvSpPr/>
               <p:nvPr/>
             </p:nvSpPr>
@@ -14556,7 +15171,7 @@
       </p:grpSp>
       <p:grpSp>
         <p:nvGrpSpPr>
-          <p:cNvPr id="288" name="Group"/>
+          <p:cNvPr id="296" name="Group"/>
           <p:cNvGrpSpPr/>
           <p:nvPr/>
         </p:nvGrpSpPr>
@@ -14570,7 +15185,7 @@
         </p:grpSpPr>
         <p:pic>
           <p:nvPicPr>
-            <p:cNvPr id="269" name="pasted-image.pdf" descr="pasted-image.pdf"/>
+            <p:cNvPr id="277" name="Image" descr="Image"/>
             <p:cNvPicPr>
               <a:picLocks noChangeAspect="1"/>
             </p:cNvPicPr>
@@ -14601,7 +15216,7 @@
         </p:pic>
         <p:grpSp>
           <p:nvGrpSpPr>
-            <p:cNvPr id="287" name="Group"/>
+            <p:cNvPr id="295" name="Group"/>
             <p:cNvGrpSpPr/>
             <p:nvPr/>
           </p:nvGrpSpPr>
@@ -14615,7 +15230,7 @@
           </p:grpSpPr>
           <p:sp>
             <p:nvSpPr>
-              <p:cNvPr id="270" name="Circle"/>
+              <p:cNvPr id="278" name="Circle"/>
               <p:cNvSpPr/>
               <p:nvPr/>
             </p:nvSpPr>
@@ -14660,7 +15275,7 @@
           </p:sp>
           <p:sp>
             <p:nvSpPr>
-              <p:cNvPr id="271" name="Circle"/>
+              <p:cNvPr id="279" name="Circle"/>
               <p:cNvSpPr/>
               <p:nvPr/>
             </p:nvSpPr>
@@ -14705,7 +15320,7 @@
           </p:sp>
           <p:sp>
             <p:nvSpPr>
-              <p:cNvPr id="272" name="Circle"/>
+              <p:cNvPr id="280" name="Circle"/>
               <p:cNvSpPr/>
               <p:nvPr/>
             </p:nvSpPr>
@@ -14750,7 +15365,7 @@
           </p:sp>
           <p:sp>
             <p:nvSpPr>
-              <p:cNvPr id="273" name="Circle"/>
+              <p:cNvPr id="281" name="Circle"/>
               <p:cNvSpPr/>
               <p:nvPr/>
             </p:nvSpPr>
@@ -14795,7 +15410,7 @@
           </p:sp>
           <p:sp>
             <p:nvSpPr>
-              <p:cNvPr id="274" name="Circle"/>
+              <p:cNvPr id="282" name="Circle"/>
               <p:cNvSpPr/>
               <p:nvPr/>
             </p:nvSpPr>
@@ -14840,7 +15455,7 @@
           </p:sp>
           <p:sp>
             <p:nvSpPr>
-              <p:cNvPr id="275" name="Circle"/>
+              <p:cNvPr id="283" name="Circle"/>
               <p:cNvSpPr/>
               <p:nvPr/>
             </p:nvSpPr>
@@ -14885,7 +15500,7 @@
           </p:sp>
           <p:sp>
             <p:nvSpPr>
-              <p:cNvPr id="276" name="Circle"/>
+              <p:cNvPr id="284" name="Circle"/>
               <p:cNvSpPr/>
               <p:nvPr/>
             </p:nvSpPr>
@@ -14930,7 +15545,7 @@
           </p:sp>
           <p:sp>
             <p:nvSpPr>
-              <p:cNvPr id="277" name="Circle"/>
+              <p:cNvPr id="285" name="Circle"/>
               <p:cNvSpPr/>
               <p:nvPr/>
             </p:nvSpPr>
@@ -14975,7 +15590,7 @@
           </p:sp>
           <p:sp>
             <p:nvSpPr>
-              <p:cNvPr id="278" name="Circle"/>
+              <p:cNvPr id="286" name="Circle"/>
               <p:cNvSpPr/>
               <p:nvPr/>
             </p:nvSpPr>
@@ -15020,7 +15635,7 @@
           </p:sp>
           <p:sp>
             <p:nvSpPr>
-              <p:cNvPr id="279" name="Circle"/>
+              <p:cNvPr id="287" name="Circle"/>
               <p:cNvSpPr/>
               <p:nvPr/>
             </p:nvSpPr>
@@ -15065,7 +15680,7 @@
           </p:sp>
           <p:sp>
             <p:nvSpPr>
-              <p:cNvPr id="280" name="Circle"/>
+              <p:cNvPr id="288" name="Circle"/>
               <p:cNvSpPr/>
               <p:nvPr/>
             </p:nvSpPr>
@@ -15110,7 +15725,7 @@
           </p:sp>
           <p:sp>
             <p:nvSpPr>
-              <p:cNvPr id="281" name="Circle"/>
+              <p:cNvPr id="289" name="Circle"/>
               <p:cNvSpPr/>
               <p:nvPr/>
             </p:nvSpPr>
@@ -15155,7 +15770,7 @@
           </p:sp>
           <p:sp>
             <p:nvSpPr>
-              <p:cNvPr id="282" name="Circle"/>
+              <p:cNvPr id="290" name="Circle"/>
               <p:cNvSpPr/>
               <p:nvPr/>
             </p:nvSpPr>
@@ -15200,7 +15815,7 @@
           </p:sp>
           <p:sp>
             <p:nvSpPr>
-              <p:cNvPr id="283" name="Circle"/>
+              <p:cNvPr id="291" name="Circle"/>
               <p:cNvSpPr/>
               <p:nvPr/>
             </p:nvSpPr>
@@ -15245,7 +15860,7 @@
           </p:sp>
           <p:sp>
             <p:nvSpPr>
-              <p:cNvPr id="284" name="Circle"/>
+              <p:cNvPr id="292" name="Circle"/>
               <p:cNvSpPr/>
               <p:nvPr/>
             </p:nvSpPr>
@@ -15290,7 +15905,7 @@
           </p:sp>
           <p:sp>
             <p:nvSpPr>
-              <p:cNvPr id="285" name="Circle"/>
+              <p:cNvPr id="293" name="Circle"/>
               <p:cNvSpPr/>
               <p:nvPr/>
             </p:nvSpPr>
@@ -15335,7 +15950,7 @@
           </p:sp>
           <p:sp>
             <p:nvSpPr>
-              <p:cNvPr id="286" name="Circle"/>
+              <p:cNvPr id="294" name="Circle"/>
               <p:cNvSpPr/>
               <p:nvPr/>
             </p:nvSpPr>
@@ -15382,7 +15997,7 @@
       </p:grpSp>
       <p:grpSp>
         <p:nvGrpSpPr>
-          <p:cNvPr id="317" name="Group"/>
+          <p:cNvPr id="325" name="Group"/>
           <p:cNvGrpSpPr/>
           <p:nvPr/>
         </p:nvGrpSpPr>
@@ -15396,7 +16011,7 @@
         </p:grpSpPr>
         <p:pic>
           <p:nvPicPr>
-            <p:cNvPr id="289" name="pasted-image.pdf" descr="pasted-image.pdf"/>
+            <p:cNvPr id="297" name="Image" descr="Image"/>
             <p:cNvPicPr>
               <a:picLocks noChangeAspect="1"/>
             </p:cNvPicPr>
@@ -15427,7 +16042,7 @@
         </p:pic>
         <p:grpSp>
           <p:nvGrpSpPr>
-            <p:cNvPr id="316" name="Group"/>
+            <p:cNvPr id="324" name="Group"/>
             <p:cNvGrpSpPr/>
             <p:nvPr/>
           </p:nvGrpSpPr>
@@ -15441,7 +16056,7 @@
           </p:grpSpPr>
           <p:sp>
             <p:nvSpPr>
-              <p:cNvPr id="290" name="Circle"/>
+              <p:cNvPr id="298" name="Circle"/>
               <p:cNvSpPr/>
               <p:nvPr/>
             </p:nvSpPr>
@@ -15486,7 +16101,7 @@
           </p:sp>
           <p:sp>
             <p:nvSpPr>
-              <p:cNvPr id="291" name="Circle"/>
+              <p:cNvPr id="299" name="Circle"/>
               <p:cNvSpPr/>
               <p:nvPr/>
             </p:nvSpPr>
@@ -15531,7 +16146,7 @@
           </p:sp>
           <p:sp>
             <p:nvSpPr>
-              <p:cNvPr id="292" name="Circle"/>
+              <p:cNvPr id="300" name="Circle"/>
               <p:cNvSpPr/>
               <p:nvPr/>
             </p:nvSpPr>
@@ -15576,7 +16191,7 @@
           </p:sp>
           <p:sp>
             <p:nvSpPr>
-              <p:cNvPr id="293" name="Circle"/>
+              <p:cNvPr id="301" name="Circle"/>
               <p:cNvSpPr/>
               <p:nvPr/>
             </p:nvSpPr>
@@ -15621,7 +16236,7 @@
           </p:sp>
           <p:sp>
             <p:nvSpPr>
-              <p:cNvPr id="294" name="Circle"/>
+              <p:cNvPr id="302" name="Circle"/>
               <p:cNvSpPr/>
               <p:nvPr/>
             </p:nvSpPr>
@@ -15666,7 +16281,7 @@
           </p:sp>
           <p:sp>
             <p:nvSpPr>
-              <p:cNvPr id="295" name="Circle"/>
+              <p:cNvPr id="303" name="Circle"/>
               <p:cNvSpPr/>
               <p:nvPr/>
             </p:nvSpPr>
@@ -15711,7 +16326,7 @@
           </p:sp>
           <p:sp>
             <p:nvSpPr>
-              <p:cNvPr id="296" name="Circle"/>
+              <p:cNvPr id="304" name="Circle"/>
               <p:cNvSpPr/>
               <p:nvPr/>
             </p:nvSpPr>
@@ -15756,7 +16371,7 @@
           </p:sp>
           <p:sp>
             <p:nvSpPr>
-              <p:cNvPr id="297" name="Circle"/>
+              <p:cNvPr id="305" name="Circle"/>
               <p:cNvSpPr/>
               <p:nvPr/>
             </p:nvSpPr>
@@ -15801,7 +16416,7 @@
           </p:sp>
           <p:sp>
             <p:nvSpPr>
-              <p:cNvPr id="298" name="Circle"/>
+              <p:cNvPr id="306" name="Circle"/>
               <p:cNvSpPr/>
               <p:nvPr/>
             </p:nvSpPr>
@@ -15846,7 +16461,7 @@
           </p:sp>
           <p:sp>
             <p:nvSpPr>
-              <p:cNvPr id="299" name="Circle"/>
+              <p:cNvPr id="307" name="Circle"/>
               <p:cNvSpPr/>
               <p:nvPr/>
             </p:nvSpPr>
@@ -15891,7 +16506,7 @@
           </p:sp>
           <p:sp>
             <p:nvSpPr>
-              <p:cNvPr id="300" name="Circle"/>
+              <p:cNvPr id="308" name="Circle"/>
               <p:cNvSpPr/>
               <p:nvPr/>
             </p:nvSpPr>
@@ -15936,7 +16551,7 @@
           </p:sp>
           <p:sp>
             <p:nvSpPr>
-              <p:cNvPr id="301" name="Circle"/>
+              <p:cNvPr id="309" name="Circle"/>
               <p:cNvSpPr/>
               <p:nvPr/>
             </p:nvSpPr>
@@ -15981,7 +16596,7 @@
           </p:sp>
           <p:sp>
             <p:nvSpPr>
-              <p:cNvPr id="302" name="Circle"/>
+              <p:cNvPr id="310" name="Circle"/>
               <p:cNvSpPr/>
               <p:nvPr/>
             </p:nvSpPr>
@@ -16026,7 +16641,7 @@
           </p:sp>
           <p:sp>
             <p:nvSpPr>
-              <p:cNvPr id="303" name="Circle"/>
+              <p:cNvPr id="311" name="Circle"/>
               <p:cNvSpPr/>
               <p:nvPr/>
             </p:nvSpPr>
@@ -16071,7 +16686,7 @@
           </p:sp>
           <p:sp>
             <p:nvSpPr>
-              <p:cNvPr id="304" name="Circle"/>
+              <p:cNvPr id="312" name="Circle"/>
               <p:cNvSpPr/>
               <p:nvPr/>
             </p:nvSpPr>
@@ -16116,7 +16731,7 @@
           </p:sp>
           <p:sp>
             <p:nvSpPr>
-              <p:cNvPr id="305" name="Circle"/>
+              <p:cNvPr id="313" name="Circle"/>
               <p:cNvSpPr/>
               <p:nvPr/>
             </p:nvSpPr>
@@ -16161,7 +16776,7 @@
           </p:sp>
           <p:sp>
             <p:nvSpPr>
-              <p:cNvPr id="306" name="Circle"/>
+              <p:cNvPr id="314" name="Circle"/>
               <p:cNvSpPr/>
               <p:nvPr/>
             </p:nvSpPr>
@@ -16206,7 +16821,7 @@
           </p:sp>
           <p:sp>
             <p:nvSpPr>
-              <p:cNvPr id="307" name="Circle"/>
+              <p:cNvPr id="315" name="Circle"/>
               <p:cNvSpPr/>
               <p:nvPr/>
             </p:nvSpPr>
@@ -16251,7 +16866,7 @@
           </p:sp>
           <p:sp>
             <p:nvSpPr>
-              <p:cNvPr id="308" name="Circle"/>
+              <p:cNvPr id="316" name="Circle"/>
               <p:cNvSpPr/>
               <p:nvPr/>
             </p:nvSpPr>
@@ -16296,7 +16911,7 @@
           </p:sp>
           <p:sp>
             <p:nvSpPr>
-              <p:cNvPr id="309" name="Circle"/>
+              <p:cNvPr id="317" name="Circle"/>
               <p:cNvSpPr/>
               <p:nvPr/>
             </p:nvSpPr>
@@ -16341,7 +16956,7 @@
           </p:sp>
           <p:sp>
             <p:nvSpPr>
-              <p:cNvPr id="310" name="Circle"/>
+              <p:cNvPr id="318" name="Circle"/>
               <p:cNvSpPr/>
               <p:nvPr/>
             </p:nvSpPr>
@@ -16386,7 +17001,7 @@
           </p:sp>
           <p:sp>
             <p:nvSpPr>
-              <p:cNvPr id="311" name="Circle"/>
+              <p:cNvPr id="319" name="Circle"/>
               <p:cNvSpPr/>
               <p:nvPr/>
             </p:nvSpPr>
@@ -16431,7 +17046,7 @@
           </p:sp>
           <p:sp>
             <p:nvSpPr>
-              <p:cNvPr id="312" name="Circle"/>
+              <p:cNvPr id="320" name="Circle"/>
               <p:cNvSpPr/>
               <p:nvPr/>
             </p:nvSpPr>
@@ -16476,7 +17091,7 @@
           </p:sp>
           <p:sp>
             <p:nvSpPr>
-              <p:cNvPr id="313" name="Circle"/>
+              <p:cNvPr id="321" name="Circle"/>
               <p:cNvSpPr/>
               <p:nvPr/>
             </p:nvSpPr>
@@ -16521,7 +17136,7 @@
           </p:sp>
           <p:sp>
             <p:nvSpPr>
-              <p:cNvPr id="314" name="Circle"/>
+              <p:cNvPr id="322" name="Circle"/>
               <p:cNvSpPr/>
               <p:nvPr/>
             </p:nvSpPr>
@@ -16566,7 +17181,7 @@
           </p:sp>
           <p:sp>
             <p:nvSpPr>
-              <p:cNvPr id="315" name="Circle"/>
+              <p:cNvPr id="323" name="Circle"/>
               <p:cNvSpPr/>
               <p:nvPr/>
             </p:nvSpPr>
@@ -16613,7 +17228,7 @@
       </p:grpSp>
       <p:grpSp>
         <p:nvGrpSpPr>
-          <p:cNvPr id="324" name="Group"/>
+          <p:cNvPr id="332" name="Group"/>
           <p:cNvGrpSpPr/>
           <p:nvPr/>
         </p:nvGrpSpPr>
@@ -16627,7 +17242,7 @@
         </p:grpSpPr>
         <p:pic>
           <p:nvPicPr>
-            <p:cNvPr id="318" name="pasted-image.pdf" descr="pasted-image.pdf"/>
+            <p:cNvPr id="326" name="Image" descr="Image"/>
             <p:cNvPicPr>
               <a:picLocks noChangeAspect="1"/>
             </p:cNvPicPr>
@@ -16658,7 +17273,7 @@
         </p:pic>
         <p:grpSp>
           <p:nvGrpSpPr>
-            <p:cNvPr id="323" name="Group"/>
+            <p:cNvPr id="331" name="Group"/>
             <p:cNvGrpSpPr/>
             <p:nvPr/>
           </p:nvGrpSpPr>
@@ -16672,7 +17287,7 @@
           </p:grpSpPr>
           <p:sp>
             <p:nvSpPr>
-              <p:cNvPr id="319" name="Rectangle"/>
+              <p:cNvPr id="327" name="Rectangle"/>
               <p:cNvSpPr/>
               <p:nvPr/>
             </p:nvSpPr>
@@ -16717,7 +17332,7 @@
           </p:sp>
           <p:sp>
             <p:nvSpPr>
-              <p:cNvPr id="320" name="Rectangle"/>
+              <p:cNvPr id="328" name="Rectangle"/>
               <p:cNvSpPr/>
               <p:nvPr/>
             </p:nvSpPr>
@@ -16762,7 +17377,7 @@
           </p:sp>
           <p:sp>
             <p:nvSpPr>
-              <p:cNvPr id="321" name="Rectangle"/>
+              <p:cNvPr id="329" name="Rectangle"/>
               <p:cNvSpPr/>
               <p:nvPr/>
             </p:nvSpPr>
@@ -16807,7 +17422,7 @@
           </p:sp>
           <p:sp>
             <p:nvSpPr>
-              <p:cNvPr id="322" name="Rectangle"/>
+              <p:cNvPr id="330" name="Rectangle"/>
               <p:cNvSpPr/>
               <p:nvPr/>
             </p:nvSpPr>
@@ -16854,7 +17469,7 @@
       </p:grpSp>
       <p:grpSp>
         <p:nvGrpSpPr>
-          <p:cNvPr id="359" name="Group"/>
+          <p:cNvPr id="367" name="Group"/>
           <p:cNvGrpSpPr/>
           <p:nvPr/>
         </p:nvGrpSpPr>
@@ -16868,7 +17483,7 @@
         </p:grpSpPr>
         <p:pic>
           <p:nvPicPr>
-            <p:cNvPr id="325" name="pasted-image.pdf" descr="pasted-image.pdf"/>
+            <p:cNvPr id="333" name="Image" descr="Image"/>
             <p:cNvPicPr>
               <a:picLocks noChangeAspect="1"/>
             </p:cNvPicPr>
@@ -16899,7 +17514,7 @@
         </p:pic>
         <p:grpSp>
           <p:nvGrpSpPr>
-            <p:cNvPr id="358" name="Group"/>
+            <p:cNvPr id="366" name="Group"/>
             <p:cNvGrpSpPr/>
             <p:nvPr/>
           </p:nvGrpSpPr>
@@ -16913,7 +17528,7 @@
           </p:grpSpPr>
           <p:sp>
             <p:nvSpPr>
-              <p:cNvPr id="326" name="Circle"/>
+              <p:cNvPr id="334" name="Circle"/>
               <p:cNvSpPr/>
               <p:nvPr/>
             </p:nvSpPr>
@@ -16958,7 +17573,7 @@
           </p:sp>
           <p:sp>
             <p:nvSpPr>
-              <p:cNvPr id="327" name="Circle"/>
+              <p:cNvPr id="335" name="Circle"/>
               <p:cNvSpPr/>
               <p:nvPr/>
             </p:nvSpPr>
@@ -17003,7 +17618,7 @@
           </p:sp>
           <p:sp>
             <p:nvSpPr>
-              <p:cNvPr id="328" name="Circle"/>
+              <p:cNvPr id="336" name="Circle"/>
               <p:cNvSpPr/>
               <p:nvPr/>
             </p:nvSpPr>
@@ -17048,7 +17663,7 @@
           </p:sp>
           <p:sp>
             <p:nvSpPr>
-              <p:cNvPr id="329" name="Circle"/>
+              <p:cNvPr id="337" name="Circle"/>
               <p:cNvSpPr/>
               <p:nvPr/>
             </p:nvSpPr>
@@ -17093,7 +17708,7 @@
           </p:sp>
           <p:sp>
             <p:nvSpPr>
-              <p:cNvPr id="330" name="Circle"/>
+              <p:cNvPr id="338" name="Circle"/>
               <p:cNvSpPr/>
               <p:nvPr/>
             </p:nvSpPr>
@@ -17138,7 +17753,7 @@
           </p:sp>
           <p:sp>
             <p:nvSpPr>
-              <p:cNvPr id="331" name="Circle"/>
+              <p:cNvPr id="339" name="Circle"/>
               <p:cNvSpPr/>
               <p:nvPr/>
             </p:nvSpPr>
@@ -17183,7 +17798,7 @@
           </p:sp>
           <p:sp>
             <p:nvSpPr>
-              <p:cNvPr id="332" name="Circle"/>
+              <p:cNvPr id="340" name="Circle"/>
               <p:cNvSpPr/>
               <p:nvPr/>
             </p:nvSpPr>
@@ -17228,7 +17843,7 @@
           </p:sp>
           <p:sp>
             <p:nvSpPr>
-              <p:cNvPr id="333" name="Circle"/>
+              <p:cNvPr id="341" name="Circle"/>
               <p:cNvSpPr/>
               <p:nvPr/>
             </p:nvSpPr>
@@ -17273,7 +17888,7 @@
           </p:sp>
           <p:sp>
             <p:nvSpPr>
-              <p:cNvPr id="334" name="Circle"/>
+              <p:cNvPr id="342" name="Circle"/>
               <p:cNvSpPr/>
               <p:nvPr/>
             </p:nvSpPr>
@@ -17318,7 +17933,7 @@
           </p:sp>
           <p:sp>
             <p:nvSpPr>
-              <p:cNvPr id="335" name="Circle"/>
+              <p:cNvPr id="343" name="Circle"/>
               <p:cNvSpPr/>
               <p:nvPr/>
             </p:nvSpPr>
@@ -17363,7 +17978,7 @@
           </p:sp>
           <p:sp>
             <p:nvSpPr>
-              <p:cNvPr id="336" name="Circle"/>
+              <p:cNvPr id="344" name="Circle"/>
               <p:cNvSpPr/>
               <p:nvPr/>
             </p:nvSpPr>
@@ -17408,7 +18023,7 @@
           </p:sp>
           <p:sp>
             <p:nvSpPr>
-              <p:cNvPr id="337" name="Circle"/>
+              <p:cNvPr id="345" name="Circle"/>
               <p:cNvSpPr/>
               <p:nvPr/>
             </p:nvSpPr>
@@ -17453,7 +18068,7 @@
           </p:sp>
           <p:sp>
             <p:nvSpPr>
-              <p:cNvPr id="338" name="Circle"/>
+              <p:cNvPr id="346" name="Circle"/>
               <p:cNvSpPr/>
               <p:nvPr/>
             </p:nvSpPr>
@@ -17498,7 +18113,7 @@
           </p:sp>
           <p:sp>
             <p:nvSpPr>
-              <p:cNvPr id="339" name="Circle"/>
+              <p:cNvPr id="347" name="Circle"/>
               <p:cNvSpPr/>
               <p:nvPr/>
             </p:nvSpPr>
@@ -17543,7 +18158,7 @@
           </p:sp>
           <p:sp>
             <p:nvSpPr>
-              <p:cNvPr id="340" name="Circle"/>
+              <p:cNvPr id="348" name="Circle"/>
               <p:cNvSpPr/>
               <p:nvPr/>
             </p:nvSpPr>
@@ -17588,7 +18203,7 @@
           </p:sp>
           <p:sp>
             <p:nvSpPr>
-              <p:cNvPr id="341" name="Circle"/>
+              <p:cNvPr id="349" name="Circle"/>
               <p:cNvSpPr/>
               <p:nvPr/>
             </p:nvSpPr>
@@ -17633,7 +18248,7 @@
           </p:sp>
           <p:sp>
             <p:nvSpPr>
-              <p:cNvPr id="342" name="Circle"/>
+              <p:cNvPr id="350" name="Circle"/>
               <p:cNvSpPr/>
               <p:nvPr/>
             </p:nvSpPr>
@@ -17678,7 +18293,7 @@
           </p:sp>
           <p:sp>
             <p:nvSpPr>
-              <p:cNvPr id="343" name="Circle"/>
+              <p:cNvPr id="351" name="Circle"/>
               <p:cNvSpPr/>
               <p:nvPr/>
             </p:nvSpPr>
@@ -17723,7 +18338,7 @@
           </p:sp>
           <p:sp>
             <p:nvSpPr>
-              <p:cNvPr id="344" name="Circle"/>
+              <p:cNvPr id="352" name="Circle"/>
               <p:cNvSpPr/>
               <p:nvPr/>
             </p:nvSpPr>
@@ -17768,7 +18383,7 @@
           </p:sp>
           <p:sp>
             <p:nvSpPr>
-              <p:cNvPr id="345" name="Circle"/>
+              <p:cNvPr id="353" name="Circle"/>
               <p:cNvSpPr/>
               <p:nvPr/>
             </p:nvSpPr>
@@ -17813,7 +18428,7 @@
           </p:sp>
           <p:sp>
             <p:nvSpPr>
-              <p:cNvPr id="346" name="Circle"/>
+              <p:cNvPr id="354" name="Circle"/>
               <p:cNvSpPr/>
               <p:nvPr/>
             </p:nvSpPr>
@@ -17858,7 +18473,7 @@
           </p:sp>
           <p:sp>
             <p:nvSpPr>
-              <p:cNvPr id="347" name="Circle"/>
+              <p:cNvPr id="355" name="Circle"/>
               <p:cNvSpPr/>
               <p:nvPr/>
             </p:nvSpPr>
@@ -17903,7 +18518,7 @@
           </p:sp>
           <p:sp>
             <p:nvSpPr>
-              <p:cNvPr id="348" name="Circle"/>
+              <p:cNvPr id="356" name="Circle"/>
               <p:cNvSpPr/>
               <p:nvPr/>
             </p:nvSpPr>
@@ -17948,7 +18563,7 @@
           </p:sp>
           <p:sp>
             <p:nvSpPr>
-              <p:cNvPr id="349" name="Circle"/>
+              <p:cNvPr id="357" name="Circle"/>
               <p:cNvSpPr/>
               <p:nvPr/>
             </p:nvSpPr>
@@ -17993,7 +18608,7 @@
           </p:sp>
           <p:sp>
             <p:nvSpPr>
-              <p:cNvPr id="350" name="Circle"/>
+              <p:cNvPr id="358" name="Circle"/>
               <p:cNvSpPr/>
               <p:nvPr/>
             </p:nvSpPr>
@@ -18038,7 +18653,7 @@
           </p:sp>
           <p:sp>
             <p:nvSpPr>
-              <p:cNvPr id="351" name="Circle"/>
+              <p:cNvPr id="359" name="Circle"/>
               <p:cNvSpPr/>
               <p:nvPr/>
             </p:nvSpPr>
@@ -18083,7 +18698,7 @@
           </p:sp>
           <p:sp>
             <p:nvSpPr>
-              <p:cNvPr id="352" name="Circle"/>
+              <p:cNvPr id="360" name="Circle"/>
               <p:cNvSpPr/>
               <p:nvPr/>
             </p:nvSpPr>
@@ -18128,7 +18743,7 @@
           </p:sp>
           <p:sp>
             <p:nvSpPr>
-              <p:cNvPr id="353" name="Circle"/>
+              <p:cNvPr id="361" name="Circle"/>
               <p:cNvSpPr/>
               <p:nvPr/>
             </p:nvSpPr>
@@ -18173,7 +18788,7 @@
           </p:sp>
           <p:sp>
             <p:nvSpPr>
-              <p:cNvPr id="354" name="Circle"/>
+              <p:cNvPr id="362" name="Circle"/>
               <p:cNvSpPr/>
               <p:nvPr/>
             </p:nvSpPr>
@@ -18218,7 +18833,7 @@
           </p:sp>
           <p:sp>
             <p:nvSpPr>
-              <p:cNvPr id="355" name="Circle"/>
+              <p:cNvPr id="363" name="Circle"/>
               <p:cNvSpPr/>
               <p:nvPr/>
             </p:nvSpPr>
@@ -18263,7 +18878,7 @@
           </p:sp>
           <p:sp>
             <p:nvSpPr>
-              <p:cNvPr id="356" name="Circle"/>
+              <p:cNvPr id="364" name="Circle"/>
               <p:cNvSpPr/>
               <p:nvPr/>
             </p:nvSpPr>
@@ -18308,7 +18923,7 @@
           </p:sp>
           <p:sp>
             <p:nvSpPr>
-              <p:cNvPr id="357" name="Circle"/>
+              <p:cNvPr id="365" name="Circle"/>
               <p:cNvSpPr/>
               <p:nvPr/>
             </p:nvSpPr>
@@ -18355,7 +18970,7 @@
       </p:grpSp>
       <p:grpSp>
         <p:nvGrpSpPr>
-          <p:cNvPr id="378" name="Group"/>
+          <p:cNvPr id="386" name="Group"/>
           <p:cNvGrpSpPr/>
           <p:nvPr/>
         </p:nvGrpSpPr>
@@ -18369,7 +18984,7 @@
         </p:grpSpPr>
         <p:pic>
           <p:nvPicPr>
-            <p:cNvPr id="360" name="pasted-image.pdf" descr="pasted-image.pdf"/>
+            <p:cNvPr id="368" name="Image" descr="Image"/>
             <p:cNvPicPr>
               <a:picLocks noChangeAspect="1"/>
             </p:cNvPicPr>
@@ -18400,7 +19015,7 @@
         </p:pic>
         <p:grpSp>
           <p:nvGrpSpPr>
-            <p:cNvPr id="377" name="Group"/>
+            <p:cNvPr id="385" name="Group"/>
             <p:cNvGrpSpPr/>
             <p:nvPr/>
           </p:nvGrpSpPr>
@@ -18414,7 +19029,7 @@
           </p:grpSpPr>
           <p:sp>
             <p:nvSpPr>
-              <p:cNvPr id="361" name="Circle"/>
+              <p:cNvPr id="369" name="Circle"/>
               <p:cNvSpPr/>
               <p:nvPr/>
             </p:nvSpPr>
@@ -18459,7 +19074,7 @@
           </p:sp>
           <p:sp>
             <p:nvSpPr>
-              <p:cNvPr id="362" name="Circle"/>
+              <p:cNvPr id="370" name="Circle"/>
               <p:cNvSpPr/>
               <p:nvPr/>
             </p:nvSpPr>
@@ -18504,7 +19119,7 @@
           </p:sp>
           <p:sp>
             <p:nvSpPr>
-              <p:cNvPr id="363" name="Circle"/>
+              <p:cNvPr id="371" name="Circle"/>
               <p:cNvSpPr/>
               <p:nvPr/>
             </p:nvSpPr>
@@ -18549,7 +19164,7 @@
           </p:sp>
           <p:sp>
             <p:nvSpPr>
-              <p:cNvPr id="364" name="Circle"/>
+              <p:cNvPr id="372" name="Circle"/>
               <p:cNvSpPr/>
               <p:nvPr/>
             </p:nvSpPr>
@@ -18594,7 +19209,7 @@
           </p:sp>
           <p:sp>
             <p:nvSpPr>
-              <p:cNvPr id="365" name="Circle"/>
+              <p:cNvPr id="373" name="Circle"/>
               <p:cNvSpPr/>
               <p:nvPr/>
             </p:nvSpPr>
@@ -18639,7 +19254,7 @@
           </p:sp>
           <p:sp>
             <p:nvSpPr>
-              <p:cNvPr id="366" name="Circle"/>
+              <p:cNvPr id="374" name="Circle"/>
               <p:cNvSpPr/>
               <p:nvPr/>
             </p:nvSpPr>
@@ -18684,7 +19299,7 @@
           </p:sp>
           <p:sp>
             <p:nvSpPr>
-              <p:cNvPr id="367" name="Circle"/>
+              <p:cNvPr id="375" name="Circle"/>
               <p:cNvSpPr/>
               <p:nvPr/>
             </p:nvSpPr>
@@ -18729,7 +19344,7 @@
           </p:sp>
           <p:sp>
             <p:nvSpPr>
-              <p:cNvPr id="368" name="Circle"/>
+              <p:cNvPr id="376" name="Circle"/>
               <p:cNvSpPr/>
               <p:nvPr/>
             </p:nvSpPr>
@@ -18774,7 +19389,7 @@
           </p:sp>
           <p:sp>
             <p:nvSpPr>
-              <p:cNvPr id="369" name="Circle"/>
+              <p:cNvPr id="377" name="Circle"/>
               <p:cNvSpPr/>
               <p:nvPr/>
             </p:nvSpPr>
@@ -18819,7 +19434,7 @@
           </p:sp>
           <p:sp>
             <p:nvSpPr>
-              <p:cNvPr id="370" name="Circle"/>
+              <p:cNvPr id="378" name="Circle"/>
               <p:cNvSpPr/>
               <p:nvPr/>
             </p:nvSpPr>
@@ -18864,7 +19479,7 @@
           </p:sp>
           <p:sp>
             <p:nvSpPr>
-              <p:cNvPr id="371" name="Circle"/>
+              <p:cNvPr id="379" name="Circle"/>
               <p:cNvSpPr/>
               <p:nvPr/>
             </p:nvSpPr>
@@ -18909,7 +19524,7 @@
           </p:sp>
           <p:sp>
             <p:nvSpPr>
-              <p:cNvPr id="372" name="Circle"/>
+              <p:cNvPr id="380" name="Circle"/>
               <p:cNvSpPr/>
               <p:nvPr/>
             </p:nvSpPr>
@@ -18954,7 +19569,7 @@
           </p:sp>
           <p:sp>
             <p:nvSpPr>
-              <p:cNvPr id="373" name="Circle"/>
+              <p:cNvPr id="381" name="Circle"/>
               <p:cNvSpPr/>
               <p:nvPr/>
             </p:nvSpPr>
@@ -18999,7 +19614,7 @@
           </p:sp>
           <p:sp>
             <p:nvSpPr>
-              <p:cNvPr id="374" name="Circle"/>
+              <p:cNvPr id="382" name="Circle"/>
               <p:cNvSpPr/>
               <p:nvPr/>
             </p:nvSpPr>
@@ -19044,7 +19659,7 @@
           </p:sp>
           <p:sp>
             <p:nvSpPr>
-              <p:cNvPr id="375" name="Circle"/>
+              <p:cNvPr id="383" name="Circle"/>
               <p:cNvSpPr/>
               <p:nvPr/>
             </p:nvSpPr>
@@ -19089,7 +19704,7 @@
           </p:sp>
           <p:sp>
             <p:nvSpPr>
-              <p:cNvPr id="376" name="Circle"/>
+              <p:cNvPr id="384" name="Circle"/>
               <p:cNvSpPr/>
               <p:nvPr/>
             </p:nvSpPr>
@@ -19136,7 +19751,7 @@
       </p:grpSp>
       <p:grpSp>
         <p:nvGrpSpPr>
-          <p:cNvPr id="384" name="Group"/>
+          <p:cNvPr id="392" name="Group"/>
           <p:cNvGrpSpPr/>
           <p:nvPr/>
         </p:nvGrpSpPr>
@@ -19150,7 +19765,7 @@
         </p:grpSpPr>
         <p:pic>
           <p:nvPicPr>
-            <p:cNvPr id="379" name="pasted-image.pdf" descr="pasted-image.pdf"/>
+            <p:cNvPr id="387" name="Image" descr="Image"/>
             <p:cNvPicPr>
               <a:picLocks noChangeAspect="1"/>
             </p:cNvPicPr>
@@ -19181,7 +19796,7 @@
         </p:pic>
         <p:grpSp>
           <p:nvGrpSpPr>
-            <p:cNvPr id="383" name="Group"/>
+            <p:cNvPr id="391" name="Group"/>
             <p:cNvGrpSpPr/>
             <p:nvPr/>
           </p:nvGrpSpPr>
@@ -19195,7 +19810,7 @@
           </p:grpSpPr>
           <p:sp>
             <p:nvSpPr>
-              <p:cNvPr id="380" name="Line"/>
+              <p:cNvPr id="388" name="Line"/>
               <p:cNvSpPr/>
               <p:nvPr/>
             </p:nvSpPr>
@@ -19242,7 +19857,7 @@
           </p:sp>
           <p:sp>
             <p:nvSpPr>
-              <p:cNvPr id="381" name="Line"/>
+              <p:cNvPr id="389" name="Line"/>
               <p:cNvSpPr/>
               <p:nvPr/>
             </p:nvSpPr>
@@ -19289,7 +19904,7 @@
           </p:sp>
           <p:sp>
             <p:nvSpPr>
-              <p:cNvPr id="382" name="Line"/>
+              <p:cNvPr id="390" name="Line"/>
               <p:cNvSpPr/>
               <p:nvPr/>
             </p:nvSpPr>
@@ -19338,7 +19953,7 @@
       </p:grpSp>
       <p:grpSp>
         <p:nvGrpSpPr>
-          <p:cNvPr id="418" name="Group"/>
+          <p:cNvPr id="426" name="Group"/>
           <p:cNvGrpSpPr/>
           <p:nvPr/>
         </p:nvGrpSpPr>
@@ -19352,7 +19967,7 @@
         </p:grpSpPr>
         <p:pic>
           <p:nvPicPr>
-            <p:cNvPr id="385" name="pasted-image.pdf" descr="pasted-image.pdf"/>
+            <p:cNvPr id="393" name="Image" descr="Image"/>
             <p:cNvPicPr>
               <a:picLocks noChangeAspect="1"/>
             </p:cNvPicPr>
@@ -19383,7 +19998,7 @@
         </p:pic>
         <p:grpSp>
           <p:nvGrpSpPr>
-            <p:cNvPr id="401" name="Group"/>
+            <p:cNvPr id="409" name="Group"/>
             <p:cNvGrpSpPr/>
             <p:nvPr/>
           </p:nvGrpSpPr>
@@ -19397,7 +20012,7 @@
           </p:grpSpPr>
           <p:sp>
             <p:nvSpPr>
-              <p:cNvPr id="386" name="Line"/>
+              <p:cNvPr id="394" name="Line"/>
               <p:cNvSpPr/>
               <p:nvPr/>
             </p:nvSpPr>
@@ -19444,7 +20059,7 @@
           </p:sp>
           <p:sp>
             <p:nvSpPr>
-              <p:cNvPr id="387" name="Line"/>
+              <p:cNvPr id="395" name="Line"/>
               <p:cNvSpPr/>
               <p:nvPr/>
             </p:nvSpPr>
@@ -19491,7 +20106,7 @@
           </p:sp>
           <p:sp>
             <p:nvSpPr>
-              <p:cNvPr id="388" name="Line"/>
+              <p:cNvPr id="396" name="Line"/>
               <p:cNvSpPr/>
               <p:nvPr/>
             </p:nvSpPr>
@@ -19538,7 +20153,7 @@
           </p:sp>
           <p:sp>
             <p:nvSpPr>
-              <p:cNvPr id="389" name="Line"/>
+              <p:cNvPr id="397" name="Line"/>
               <p:cNvSpPr/>
               <p:nvPr/>
             </p:nvSpPr>
@@ -19585,7 +20200,7 @@
           </p:sp>
           <p:sp>
             <p:nvSpPr>
-              <p:cNvPr id="390" name="Line"/>
+              <p:cNvPr id="398" name="Line"/>
               <p:cNvSpPr/>
               <p:nvPr/>
             </p:nvSpPr>
@@ -19632,7 +20247,7 @@
           </p:sp>
           <p:sp>
             <p:nvSpPr>
-              <p:cNvPr id="391" name="Line"/>
+              <p:cNvPr id="399" name="Line"/>
               <p:cNvSpPr/>
               <p:nvPr/>
             </p:nvSpPr>
@@ -19679,7 +20294,7 @@
           </p:sp>
           <p:sp>
             <p:nvSpPr>
-              <p:cNvPr id="392" name="Line"/>
+              <p:cNvPr id="400" name="Line"/>
               <p:cNvSpPr/>
               <p:nvPr/>
             </p:nvSpPr>
@@ -19726,7 +20341,7 @@
           </p:sp>
           <p:sp>
             <p:nvSpPr>
-              <p:cNvPr id="393" name="Line"/>
+              <p:cNvPr id="401" name="Line"/>
               <p:cNvSpPr/>
               <p:nvPr/>
             </p:nvSpPr>
@@ -19773,7 +20388,7 @@
           </p:sp>
           <p:sp>
             <p:nvSpPr>
-              <p:cNvPr id="394" name="Line"/>
+              <p:cNvPr id="402" name="Line"/>
               <p:cNvSpPr/>
               <p:nvPr/>
             </p:nvSpPr>
@@ -19820,7 +20435,7 @@
           </p:sp>
           <p:sp>
             <p:nvSpPr>
-              <p:cNvPr id="395" name="Line"/>
+              <p:cNvPr id="403" name="Line"/>
               <p:cNvSpPr/>
               <p:nvPr/>
             </p:nvSpPr>
@@ -19867,7 +20482,7 @@
           </p:sp>
           <p:sp>
             <p:nvSpPr>
-              <p:cNvPr id="396" name="Line"/>
+              <p:cNvPr id="404" name="Line"/>
               <p:cNvSpPr/>
               <p:nvPr/>
             </p:nvSpPr>
@@ -19914,7 +20529,7 @@
           </p:sp>
           <p:sp>
             <p:nvSpPr>
-              <p:cNvPr id="397" name="Line"/>
+              <p:cNvPr id="405" name="Line"/>
               <p:cNvSpPr/>
               <p:nvPr/>
             </p:nvSpPr>
@@ -19961,7 +20576,7 @@
           </p:sp>
           <p:sp>
             <p:nvSpPr>
-              <p:cNvPr id="398" name="Line"/>
+              <p:cNvPr id="406" name="Line"/>
               <p:cNvSpPr/>
               <p:nvPr/>
             </p:nvSpPr>
@@ -20008,7 +20623,7 @@
           </p:sp>
           <p:sp>
             <p:nvSpPr>
-              <p:cNvPr id="399" name="Line"/>
+              <p:cNvPr id="407" name="Line"/>
               <p:cNvSpPr/>
               <p:nvPr/>
             </p:nvSpPr>
@@ -20055,7 +20670,7 @@
           </p:sp>
           <p:sp>
             <p:nvSpPr>
-              <p:cNvPr id="400" name="Line"/>
+              <p:cNvPr id="408" name="Line"/>
               <p:cNvSpPr/>
               <p:nvPr/>
             </p:nvSpPr>
@@ -20103,7 +20718,7 @@
         </p:grpSp>
         <p:grpSp>
           <p:nvGrpSpPr>
-            <p:cNvPr id="417" name="Group"/>
+            <p:cNvPr id="425" name="Group"/>
             <p:cNvGrpSpPr/>
             <p:nvPr/>
           </p:nvGrpSpPr>
@@ -20117,7 +20732,7 @@
           </p:grpSpPr>
           <p:sp>
             <p:nvSpPr>
-              <p:cNvPr id="402" name="Line"/>
+              <p:cNvPr id="410" name="Line"/>
               <p:cNvSpPr/>
               <p:nvPr/>
             </p:nvSpPr>
@@ -20164,7 +20779,7 @@
           </p:sp>
           <p:sp>
             <p:nvSpPr>
-              <p:cNvPr id="403" name="Line"/>
+              <p:cNvPr id="411" name="Line"/>
               <p:cNvSpPr/>
               <p:nvPr/>
             </p:nvSpPr>
@@ -20211,7 +20826,7 @@
           </p:sp>
           <p:sp>
             <p:nvSpPr>
-              <p:cNvPr id="404" name="Line"/>
+              <p:cNvPr id="412" name="Line"/>
               <p:cNvSpPr/>
               <p:nvPr/>
             </p:nvSpPr>
@@ -20258,7 +20873,7 @@
           </p:sp>
           <p:sp>
             <p:nvSpPr>
-              <p:cNvPr id="405" name="Line"/>
+              <p:cNvPr id="413" name="Line"/>
               <p:cNvSpPr/>
               <p:nvPr/>
             </p:nvSpPr>
@@ -20305,7 +20920,7 @@
           </p:sp>
           <p:sp>
             <p:nvSpPr>
-              <p:cNvPr id="406" name="Line"/>
+              <p:cNvPr id="414" name="Line"/>
               <p:cNvSpPr/>
               <p:nvPr/>
             </p:nvSpPr>
@@ -20352,7 +20967,7 @@
           </p:sp>
           <p:sp>
             <p:nvSpPr>
-              <p:cNvPr id="407" name="Line"/>
+              <p:cNvPr id="415" name="Line"/>
               <p:cNvSpPr/>
               <p:nvPr/>
             </p:nvSpPr>
@@ -20399,7 +21014,7 @@
           </p:sp>
           <p:sp>
             <p:nvSpPr>
-              <p:cNvPr id="408" name="Line"/>
+              <p:cNvPr id="416" name="Line"/>
               <p:cNvSpPr/>
               <p:nvPr/>
             </p:nvSpPr>
@@ -20446,7 +21061,7 @@
           </p:sp>
           <p:sp>
             <p:nvSpPr>
-              <p:cNvPr id="409" name="Line"/>
+              <p:cNvPr id="417" name="Line"/>
               <p:cNvSpPr/>
               <p:nvPr/>
             </p:nvSpPr>
@@ -20493,7 +21108,7 @@
           </p:sp>
           <p:sp>
             <p:nvSpPr>
-              <p:cNvPr id="410" name="Line"/>
+              <p:cNvPr id="418" name="Line"/>
               <p:cNvSpPr/>
               <p:nvPr/>
             </p:nvSpPr>
@@ -20540,7 +21155,7 @@
           </p:sp>
           <p:sp>
             <p:nvSpPr>
-              <p:cNvPr id="411" name="Line"/>
+              <p:cNvPr id="419" name="Line"/>
               <p:cNvSpPr/>
               <p:nvPr/>
             </p:nvSpPr>
@@ -20587,7 +21202,7 @@
           </p:sp>
           <p:sp>
             <p:nvSpPr>
-              <p:cNvPr id="412" name="Line"/>
+              <p:cNvPr id="420" name="Line"/>
               <p:cNvSpPr/>
               <p:nvPr/>
             </p:nvSpPr>
@@ -20634,7 +21249,7 @@
           </p:sp>
           <p:sp>
             <p:nvSpPr>
-              <p:cNvPr id="413" name="Line"/>
+              <p:cNvPr id="421" name="Line"/>
               <p:cNvSpPr/>
               <p:nvPr/>
             </p:nvSpPr>
@@ -20681,7 +21296,7 @@
           </p:sp>
           <p:sp>
             <p:nvSpPr>
-              <p:cNvPr id="414" name="Line"/>
+              <p:cNvPr id="422" name="Line"/>
               <p:cNvSpPr/>
               <p:nvPr/>
             </p:nvSpPr>
@@ -20728,7 +21343,7 @@
           </p:sp>
           <p:sp>
             <p:nvSpPr>
-              <p:cNvPr id="415" name="Line"/>
+              <p:cNvPr id="423" name="Line"/>
               <p:cNvSpPr/>
               <p:nvPr/>
             </p:nvSpPr>
@@ -20775,7 +21390,7 @@
           </p:sp>
           <p:sp>
             <p:nvSpPr>
-              <p:cNvPr id="416" name="Line"/>
+              <p:cNvPr id="424" name="Line"/>
               <p:cNvSpPr/>
               <p:nvPr/>
             </p:nvSpPr>
@@ -20824,7 +21439,7 @@
       </p:grpSp>
       <p:grpSp>
         <p:nvGrpSpPr>
-          <p:cNvPr id="422" name="Group"/>
+          <p:cNvPr id="430" name="Group"/>
           <p:cNvGrpSpPr/>
           <p:nvPr/>
         </p:nvGrpSpPr>
@@ -20838,7 +21453,7 @@
         </p:grpSpPr>
         <p:pic>
           <p:nvPicPr>
-            <p:cNvPr id="419" name="pasted-image.pdf" descr="pasted-image.pdf"/>
+            <p:cNvPr id="427" name="Image" descr="Image"/>
             <p:cNvPicPr>
               <a:picLocks noChangeAspect="1"/>
             </p:cNvPicPr>
@@ -20869,7 +21484,7 @@
         </p:pic>
         <p:sp>
           <p:nvSpPr>
-            <p:cNvPr id="420" name="Shape"/>
+            <p:cNvPr id="428" name="Shape"/>
             <p:cNvSpPr/>
             <p:nvPr/>
           </p:nvSpPr>
@@ -20988,7 +21603,7 @@
         </p:sp>
         <p:sp>
           <p:nvSpPr>
-            <p:cNvPr id="421" name="Line"/>
+            <p:cNvPr id="429" name="Line"/>
             <p:cNvSpPr/>
             <p:nvPr/>
           </p:nvSpPr>
@@ -21075,7 +21690,7 @@
       </p:grpSp>
       <p:grpSp>
         <p:nvGrpSpPr>
-          <p:cNvPr id="429" name="Group"/>
+          <p:cNvPr id="437" name="Group"/>
           <p:cNvGrpSpPr/>
           <p:nvPr/>
         </p:nvGrpSpPr>
@@ -21089,7 +21704,7 @@
         </p:grpSpPr>
         <p:pic>
           <p:nvPicPr>
-            <p:cNvPr id="423" name="pasted-image.pdf" descr="pasted-image.pdf"/>
+            <p:cNvPr id="431" name="Image" descr="Image"/>
             <p:cNvPicPr>
               <a:picLocks noChangeAspect="1"/>
             </p:cNvPicPr>
@@ -21120,7 +21735,7 @@
         </p:pic>
         <p:grpSp>
           <p:nvGrpSpPr>
-            <p:cNvPr id="428" name="Group"/>
+            <p:cNvPr id="436" name="Group"/>
             <p:cNvGrpSpPr/>
             <p:nvPr/>
           </p:nvGrpSpPr>
@@ -21134,7 +21749,7 @@
           </p:grpSpPr>
           <p:sp>
             <p:nvSpPr>
-              <p:cNvPr id="424" name="Rectangle"/>
+              <p:cNvPr id="432" name="Rectangle"/>
               <p:cNvSpPr/>
               <p:nvPr/>
             </p:nvSpPr>
@@ -21179,7 +21794,7 @@
           </p:sp>
           <p:sp>
             <p:nvSpPr>
-              <p:cNvPr id="425" name="Rectangle"/>
+              <p:cNvPr id="433" name="Rectangle"/>
               <p:cNvSpPr/>
               <p:nvPr/>
             </p:nvSpPr>
@@ -21224,7 +21839,7 @@
           </p:sp>
           <p:sp>
             <p:nvSpPr>
-              <p:cNvPr id="426" name="Rectangle"/>
+              <p:cNvPr id="434" name="Rectangle"/>
               <p:cNvSpPr/>
               <p:nvPr/>
             </p:nvSpPr>
@@ -21269,7 +21884,7 @@
           </p:sp>
           <p:sp>
             <p:nvSpPr>
-              <p:cNvPr id="427" name="Rectangle"/>
+              <p:cNvPr id="435" name="Rectangle"/>
               <p:cNvSpPr/>
               <p:nvPr/>
             </p:nvSpPr>
@@ -21316,7 +21931,7 @@
       </p:grpSp>
       <p:grpSp>
         <p:nvGrpSpPr>
-          <p:cNvPr id="442" name="Group"/>
+          <p:cNvPr id="450" name="Group"/>
           <p:cNvGrpSpPr/>
           <p:nvPr/>
         </p:nvGrpSpPr>
@@ -21330,7 +21945,7 @@
         </p:grpSpPr>
         <p:pic>
           <p:nvPicPr>
-            <p:cNvPr id="430" name="pasted-image.pdf" descr="pasted-image.pdf"/>
+            <p:cNvPr id="438" name="Image" descr="Image"/>
             <p:cNvPicPr>
               <a:picLocks noChangeAspect="1"/>
             </p:cNvPicPr>
@@ -21361,7 +21976,7 @@
         </p:pic>
         <p:grpSp>
           <p:nvGrpSpPr>
-            <p:cNvPr id="441" name="Group"/>
+            <p:cNvPr id="449" name="Group"/>
             <p:cNvGrpSpPr/>
             <p:nvPr/>
           </p:nvGrpSpPr>
@@ -21375,7 +21990,7 @@
           </p:grpSpPr>
           <p:grpSp>
             <p:nvGrpSpPr>
-              <p:cNvPr id="435" name="Group"/>
+              <p:cNvPr id="443" name="Group"/>
               <p:cNvGrpSpPr/>
               <p:nvPr/>
             </p:nvGrpSpPr>
@@ -21389,7 +22004,7 @@
             </p:grpSpPr>
             <p:sp>
               <p:nvSpPr>
-                <p:cNvPr id="431" name="Rectangle"/>
+                <p:cNvPr id="439" name="Rectangle"/>
                 <p:cNvSpPr/>
                 <p:nvPr/>
               </p:nvSpPr>
@@ -21438,7 +22053,7 @@
             </p:sp>
             <p:sp>
               <p:nvSpPr>
-                <p:cNvPr id="432" name="Line"/>
+                <p:cNvPr id="440" name="Line"/>
                 <p:cNvSpPr/>
                 <p:nvPr/>
               </p:nvSpPr>
@@ -21485,7 +22100,7 @@
             </p:sp>
             <p:sp>
               <p:nvSpPr>
-                <p:cNvPr id="433" name="Line"/>
+                <p:cNvPr id="441" name="Line"/>
                 <p:cNvSpPr/>
                 <p:nvPr/>
               </p:nvSpPr>
@@ -21532,7 +22147,7 @@
             </p:sp>
             <p:sp>
               <p:nvSpPr>
-                <p:cNvPr id="434" name="Line"/>
+                <p:cNvPr id="442" name="Line"/>
                 <p:cNvSpPr/>
                 <p:nvPr/>
               </p:nvSpPr>
@@ -21580,7 +22195,7 @@
           </p:grpSp>
           <p:sp>
             <p:nvSpPr>
-              <p:cNvPr id="436" name="Rectangle"/>
+              <p:cNvPr id="444" name="Rectangle"/>
               <p:cNvSpPr/>
               <p:nvPr/>
             </p:nvSpPr>
@@ -21629,7 +22244,7 @@
           </p:sp>
           <p:sp>
             <p:nvSpPr>
-              <p:cNvPr id="437" name="Line"/>
+              <p:cNvPr id="445" name="Line"/>
               <p:cNvSpPr/>
               <p:nvPr/>
             </p:nvSpPr>
@@ -21676,7 +22291,7 @@
           </p:sp>
           <p:sp>
             <p:nvSpPr>
-              <p:cNvPr id="438" name="Line"/>
+              <p:cNvPr id="446" name="Line"/>
               <p:cNvSpPr/>
               <p:nvPr/>
             </p:nvSpPr>
@@ -21723,7 +22338,7 @@
           </p:sp>
           <p:sp>
             <p:nvSpPr>
-              <p:cNvPr id="439" name="Line"/>
+              <p:cNvPr id="447" name="Line"/>
               <p:cNvSpPr/>
               <p:nvPr/>
             </p:nvSpPr>
@@ -21770,7 +22385,7 @@
           </p:sp>
           <p:sp>
             <p:nvSpPr>
-              <p:cNvPr id="440" name="Circle"/>
+              <p:cNvPr id="448" name="Circle"/>
               <p:cNvSpPr/>
               <p:nvPr/>
             </p:nvSpPr>
@@ -21817,7 +22432,7 @@
       </p:grpSp>
       <p:grpSp>
         <p:nvGrpSpPr>
-          <p:cNvPr id="470" name="Group"/>
+          <p:cNvPr id="478" name="Group"/>
           <p:cNvGrpSpPr/>
           <p:nvPr/>
         </p:nvGrpSpPr>
@@ -21831,7 +22446,7 @@
         </p:grpSpPr>
         <p:pic>
           <p:nvPicPr>
-            <p:cNvPr id="443" name="pasted-image.pdf" descr="pasted-image.pdf"/>
+            <p:cNvPr id="451" name="Image" descr="Image"/>
             <p:cNvPicPr>
               <a:picLocks noChangeAspect="1"/>
             </p:cNvPicPr>
@@ -21862,7 +22477,7 @@
         </p:pic>
         <p:grpSp>
           <p:nvGrpSpPr>
-            <p:cNvPr id="469" name="Group"/>
+            <p:cNvPr id="477" name="Group"/>
             <p:cNvGrpSpPr/>
             <p:nvPr/>
           </p:nvGrpSpPr>
@@ -21876,7 +22491,7 @@
           </p:grpSpPr>
           <p:sp>
             <p:nvSpPr>
-              <p:cNvPr id="444" name="Circle"/>
+              <p:cNvPr id="452" name="Circle"/>
               <p:cNvSpPr/>
               <p:nvPr/>
             </p:nvSpPr>
@@ -21921,7 +22536,7 @@
           </p:sp>
           <p:sp>
             <p:nvSpPr>
-              <p:cNvPr id="445" name="Circle"/>
+              <p:cNvPr id="453" name="Circle"/>
               <p:cNvSpPr/>
               <p:nvPr/>
             </p:nvSpPr>
@@ -21966,7 +22581,7 @@
           </p:sp>
           <p:sp>
             <p:nvSpPr>
-              <p:cNvPr id="446" name="Circle"/>
+              <p:cNvPr id="454" name="Circle"/>
               <p:cNvSpPr/>
               <p:nvPr/>
             </p:nvSpPr>
@@ -22011,7 +22626,7 @@
           </p:sp>
           <p:sp>
             <p:nvSpPr>
-              <p:cNvPr id="447" name="Circle"/>
+              <p:cNvPr id="455" name="Circle"/>
               <p:cNvSpPr/>
               <p:nvPr/>
             </p:nvSpPr>
@@ -22056,7 +22671,7 @@
           </p:sp>
           <p:sp>
             <p:nvSpPr>
-              <p:cNvPr id="448" name="Circle"/>
+              <p:cNvPr id="456" name="Circle"/>
               <p:cNvSpPr/>
               <p:nvPr/>
             </p:nvSpPr>
@@ -22101,7 +22716,7 @@
           </p:sp>
           <p:sp>
             <p:nvSpPr>
-              <p:cNvPr id="449" name="Circle"/>
+              <p:cNvPr id="457" name="Circle"/>
               <p:cNvSpPr/>
               <p:nvPr/>
             </p:nvSpPr>
@@ -22146,7 +22761,7 @@
           </p:sp>
           <p:sp>
             <p:nvSpPr>
-              <p:cNvPr id="450" name="Circle"/>
+              <p:cNvPr id="458" name="Circle"/>
               <p:cNvSpPr/>
               <p:nvPr/>
             </p:nvSpPr>
@@ -22191,7 +22806,7 @@
           </p:sp>
           <p:sp>
             <p:nvSpPr>
-              <p:cNvPr id="451" name="Circle"/>
+              <p:cNvPr id="459" name="Circle"/>
               <p:cNvSpPr/>
               <p:nvPr/>
             </p:nvSpPr>
@@ -22236,7 +22851,7 @@
           </p:sp>
           <p:sp>
             <p:nvSpPr>
-              <p:cNvPr id="452" name="Circle"/>
+              <p:cNvPr id="460" name="Circle"/>
               <p:cNvSpPr/>
               <p:nvPr/>
             </p:nvSpPr>
@@ -22281,7 +22896,7 @@
           </p:sp>
           <p:sp>
             <p:nvSpPr>
-              <p:cNvPr id="453" name="Circle"/>
+              <p:cNvPr id="461" name="Circle"/>
               <p:cNvSpPr/>
               <p:nvPr/>
             </p:nvSpPr>
@@ -22326,7 +22941,7 @@
           </p:sp>
           <p:sp>
             <p:nvSpPr>
-              <p:cNvPr id="454" name="Circle"/>
+              <p:cNvPr id="462" name="Circle"/>
               <p:cNvSpPr/>
               <p:nvPr/>
             </p:nvSpPr>
@@ -22371,7 +22986,7 @@
           </p:sp>
           <p:sp>
             <p:nvSpPr>
-              <p:cNvPr id="455" name="Circle"/>
+              <p:cNvPr id="463" name="Circle"/>
               <p:cNvSpPr/>
               <p:nvPr/>
             </p:nvSpPr>
@@ -22416,7 +23031,7 @@
           </p:sp>
           <p:sp>
             <p:nvSpPr>
-              <p:cNvPr id="456" name="Circle"/>
+              <p:cNvPr id="464" name="Circle"/>
               <p:cNvSpPr/>
               <p:nvPr/>
             </p:nvSpPr>
@@ -22461,7 +23076,7 @@
           </p:sp>
           <p:sp>
             <p:nvSpPr>
-              <p:cNvPr id="457" name="Circle"/>
+              <p:cNvPr id="465" name="Circle"/>
               <p:cNvSpPr/>
               <p:nvPr/>
             </p:nvSpPr>
@@ -22506,7 +23121,7 @@
           </p:sp>
           <p:sp>
             <p:nvSpPr>
-              <p:cNvPr id="458" name="Circle"/>
+              <p:cNvPr id="466" name="Circle"/>
               <p:cNvSpPr/>
               <p:nvPr/>
             </p:nvSpPr>
@@ -22551,7 +23166,7 @@
           </p:sp>
           <p:sp>
             <p:nvSpPr>
-              <p:cNvPr id="459" name="Circle"/>
+              <p:cNvPr id="467" name="Circle"/>
               <p:cNvSpPr/>
               <p:nvPr/>
             </p:nvSpPr>
@@ -22596,7 +23211,7 @@
           </p:sp>
           <p:sp>
             <p:nvSpPr>
-              <p:cNvPr id="460" name="Circle"/>
+              <p:cNvPr id="468" name="Circle"/>
               <p:cNvSpPr/>
               <p:nvPr/>
             </p:nvSpPr>
@@ -22641,7 +23256,7 @@
           </p:sp>
           <p:sp>
             <p:nvSpPr>
-              <p:cNvPr id="461" name="Circle"/>
+              <p:cNvPr id="469" name="Circle"/>
               <p:cNvSpPr/>
               <p:nvPr/>
             </p:nvSpPr>
@@ -22686,7 +23301,7 @@
           </p:sp>
           <p:sp>
             <p:nvSpPr>
-              <p:cNvPr id="462" name="Circle"/>
+              <p:cNvPr id="470" name="Circle"/>
               <p:cNvSpPr/>
               <p:nvPr/>
             </p:nvSpPr>
@@ -22731,7 +23346,7 @@
           </p:sp>
           <p:sp>
             <p:nvSpPr>
-              <p:cNvPr id="463" name="Circle"/>
+              <p:cNvPr id="471" name="Circle"/>
               <p:cNvSpPr/>
               <p:nvPr/>
             </p:nvSpPr>
@@ -22776,7 +23391,7 @@
           </p:sp>
           <p:sp>
             <p:nvSpPr>
-              <p:cNvPr id="464" name="Circle"/>
+              <p:cNvPr id="472" name="Circle"/>
               <p:cNvSpPr/>
               <p:nvPr/>
             </p:nvSpPr>
@@ -22821,7 +23436,7 @@
           </p:sp>
           <p:sp>
             <p:nvSpPr>
-              <p:cNvPr id="465" name="Circle"/>
+              <p:cNvPr id="473" name="Circle"/>
               <p:cNvSpPr/>
               <p:nvPr/>
             </p:nvSpPr>
@@ -22866,7 +23481,7 @@
           </p:sp>
           <p:sp>
             <p:nvSpPr>
-              <p:cNvPr id="466" name="Circle"/>
+              <p:cNvPr id="474" name="Circle"/>
               <p:cNvSpPr/>
               <p:nvPr/>
             </p:nvSpPr>
@@ -22911,7 +23526,7 @@
           </p:sp>
           <p:sp>
             <p:nvSpPr>
-              <p:cNvPr id="467" name="Circle"/>
+              <p:cNvPr id="475" name="Circle"/>
               <p:cNvSpPr/>
               <p:nvPr/>
             </p:nvSpPr>
@@ -22956,7 +23571,7 @@
           </p:sp>
           <p:sp>
             <p:nvSpPr>
-              <p:cNvPr id="468" name="Circle"/>
+              <p:cNvPr id="476" name="Circle"/>
               <p:cNvSpPr/>
               <p:nvPr/>
             </p:nvSpPr>
@@ -23003,7 +23618,7 @@
       </p:grpSp>
       <p:grpSp>
         <p:nvGrpSpPr>
-          <p:cNvPr id="481" name="Group"/>
+          <p:cNvPr id="489" name="Group"/>
           <p:cNvGrpSpPr/>
           <p:nvPr/>
         </p:nvGrpSpPr>
@@ -23017,7 +23632,7 @@
         </p:grpSpPr>
         <p:pic>
           <p:nvPicPr>
-            <p:cNvPr id="471" name="pasted-image.pdf" descr="pasted-image.pdf"/>
+            <p:cNvPr id="479" name="Image" descr="Image"/>
             <p:cNvPicPr>
               <a:picLocks noChangeAspect="1"/>
             </p:cNvPicPr>
@@ -23048,7 +23663,7 @@
         </p:pic>
         <p:grpSp>
           <p:nvGrpSpPr>
-            <p:cNvPr id="480" name="Group"/>
+            <p:cNvPr id="488" name="Group"/>
             <p:cNvGrpSpPr/>
             <p:nvPr/>
           </p:nvGrpSpPr>
@@ -23062,7 +23677,7 @@
           </p:grpSpPr>
           <p:grpSp>
             <p:nvGrpSpPr>
-              <p:cNvPr id="474" name="Group"/>
+              <p:cNvPr id="482" name="Group"/>
               <p:cNvGrpSpPr/>
               <p:nvPr/>
             </p:nvGrpSpPr>
@@ -23076,7 +23691,7 @@
             </p:grpSpPr>
             <p:sp>
               <p:nvSpPr>
-                <p:cNvPr id="472" name="Shape"/>
+                <p:cNvPr id="480" name="Shape"/>
                 <p:cNvSpPr/>
                 <p:nvPr/>
               </p:nvSpPr>
@@ -23190,7 +23805,7 @@
             </p:sp>
             <p:sp>
               <p:nvSpPr>
-                <p:cNvPr id="473" name="Shape"/>
+                <p:cNvPr id="481" name="Shape"/>
                 <p:cNvSpPr/>
                 <p:nvPr/>
               </p:nvSpPr>
@@ -23305,7 +23920,7 @@
           </p:grpSp>
           <p:sp>
             <p:nvSpPr>
-              <p:cNvPr id="475" name="Line"/>
+              <p:cNvPr id="483" name="Line"/>
               <p:cNvSpPr/>
               <p:nvPr/>
             </p:nvSpPr>
@@ -23352,7 +23967,7 @@
           </p:sp>
           <p:sp>
             <p:nvSpPr>
-              <p:cNvPr id="476" name="Line"/>
+              <p:cNvPr id="484" name="Line"/>
               <p:cNvSpPr/>
               <p:nvPr/>
             </p:nvSpPr>
@@ -23399,7 +24014,7 @@
           </p:sp>
           <p:grpSp>
             <p:nvGrpSpPr>
-              <p:cNvPr id="479" name="Group"/>
+              <p:cNvPr id="487" name="Group"/>
               <p:cNvGrpSpPr/>
               <p:nvPr/>
             </p:nvGrpSpPr>
@@ -23413,7 +24028,7 @@
             </p:grpSpPr>
             <p:sp>
               <p:nvSpPr>
-                <p:cNvPr id="477" name="Shape"/>
+                <p:cNvPr id="485" name="Shape"/>
                 <p:cNvSpPr/>
                 <p:nvPr/>
               </p:nvSpPr>
@@ -23517,7 +24132,7 @@
             </p:sp>
             <p:sp>
               <p:nvSpPr>
-                <p:cNvPr id="478" name="Shape"/>
+                <p:cNvPr id="486" name="Shape"/>
                 <p:cNvSpPr/>
                 <p:nvPr/>
               </p:nvSpPr>
@@ -23624,7 +24239,7 @@
       </p:grpSp>
       <p:grpSp>
         <p:nvGrpSpPr>
-          <p:cNvPr id="488" name="Group"/>
+          <p:cNvPr id="496" name="Group"/>
           <p:cNvGrpSpPr/>
           <p:nvPr/>
         </p:nvGrpSpPr>
@@ -23638,7 +24253,7 @@
         </p:grpSpPr>
         <p:pic>
           <p:nvPicPr>
-            <p:cNvPr id="482" name="pasted-image.pdf" descr="pasted-image.pdf"/>
+            <p:cNvPr id="490" name="Image" descr="Image"/>
             <p:cNvPicPr>
               <a:picLocks noChangeAspect="1"/>
             </p:cNvPicPr>
@@ -23669,7 +24284,7 @@
         </p:pic>
         <p:grpSp>
           <p:nvGrpSpPr>
-            <p:cNvPr id="487" name="Group"/>
+            <p:cNvPr id="495" name="Group"/>
             <p:cNvGrpSpPr/>
             <p:nvPr/>
           </p:nvGrpSpPr>
@@ -23683,7 +24298,7 @@
           </p:grpSpPr>
           <p:sp>
             <p:nvSpPr>
-              <p:cNvPr id="483" name="Circle"/>
+              <p:cNvPr id="491" name="Circle"/>
               <p:cNvSpPr/>
               <p:nvPr/>
             </p:nvSpPr>
@@ -23728,7 +24343,7 @@
           </p:sp>
           <p:sp>
             <p:nvSpPr>
-              <p:cNvPr id="484" name="Circle"/>
+              <p:cNvPr id="492" name="Circle"/>
               <p:cNvSpPr/>
               <p:nvPr/>
             </p:nvSpPr>
@@ -23773,7 +24388,7 @@
           </p:sp>
           <p:sp>
             <p:nvSpPr>
-              <p:cNvPr id="485" name="Circle"/>
+              <p:cNvPr id="493" name="Circle"/>
               <p:cNvSpPr/>
               <p:nvPr/>
             </p:nvSpPr>
@@ -23818,7 +24433,7 @@
           </p:sp>
           <p:sp>
             <p:nvSpPr>
-              <p:cNvPr id="486" name="Circle"/>
+              <p:cNvPr id="494" name="Circle"/>
               <p:cNvSpPr/>
               <p:nvPr/>
             </p:nvSpPr>
@@ -23865,7 +24480,7 @@
       </p:grpSp>
       <p:grpSp>
         <p:nvGrpSpPr>
-          <p:cNvPr id="538" name="Group"/>
+          <p:cNvPr id="546" name="Group"/>
           <p:cNvGrpSpPr/>
           <p:nvPr/>
         </p:nvGrpSpPr>
@@ -23879,7 +24494,7 @@
         </p:grpSpPr>
         <p:sp>
           <p:nvSpPr>
-            <p:cNvPr id="489" name="Square"/>
+            <p:cNvPr id="497" name="Square"/>
             <p:cNvSpPr/>
             <p:nvPr/>
           </p:nvSpPr>
@@ -23924,7 +24539,7 @@
         </p:sp>
         <p:sp>
           <p:nvSpPr>
-            <p:cNvPr id="490" name="Square"/>
+            <p:cNvPr id="498" name="Square"/>
             <p:cNvSpPr/>
             <p:nvPr/>
           </p:nvSpPr>
@@ -23969,7 +24584,7 @@
         </p:sp>
         <p:sp>
           <p:nvSpPr>
-            <p:cNvPr id="491" name="Square"/>
+            <p:cNvPr id="499" name="Square"/>
             <p:cNvSpPr/>
             <p:nvPr/>
           </p:nvSpPr>
@@ -24014,7 +24629,7 @@
         </p:sp>
         <p:sp>
           <p:nvSpPr>
-            <p:cNvPr id="492" name="Square"/>
+            <p:cNvPr id="500" name="Square"/>
             <p:cNvSpPr/>
             <p:nvPr/>
           </p:nvSpPr>
@@ -24059,7 +24674,7 @@
         </p:sp>
         <p:sp>
           <p:nvSpPr>
-            <p:cNvPr id="493" name="Square"/>
+            <p:cNvPr id="501" name="Square"/>
             <p:cNvSpPr/>
             <p:nvPr/>
           </p:nvSpPr>
@@ -24104,7 +24719,7 @@
         </p:sp>
         <p:sp>
           <p:nvSpPr>
-            <p:cNvPr id="494" name="Square"/>
+            <p:cNvPr id="502" name="Square"/>
             <p:cNvSpPr/>
             <p:nvPr/>
           </p:nvSpPr>
@@ -24149,7 +24764,7 @@
         </p:sp>
         <p:sp>
           <p:nvSpPr>
-            <p:cNvPr id="495" name="Square"/>
+            <p:cNvPr id="503" name="Square"/>
             <p:cNvSpPr/>
             <p:nvPr/>
           </p:nvSpPr>
@@ -24194,7 +24809,7 @@
         </p:sp>
         <p:sp>
           <p:nvSpPr>
-            <p:cNvPr id="496" name="Square"/>
+            <p:cNvPr id="504" name="Square"/>
             <p:cNvSpPr/>
             <p:nvPr/>
           </p:nvSpPr>
@@ -24239,7 +24854,7 @@
         </p:sp>
         <p:sp>
           <p:nvSpPr>
-            <p:cNvPr id="497" name="Square"/>
+            <p:cNvPr id="505" name="Square"/>
             <p:cNvSpPr/>
             <p:nvPr/>
           </p:nvSpPr>
@@ -24284,7 +24899,7 @@
         </p:sp>
         <p:sp>
           <p:nvSpPr>
-            <p:cNvPr id="498" name="Square"/>
+            <p:cNvPr id="506" name="Square"/>
             <p:cNvSpPr/>
             <p:nvPr/>
           </p:nvSpPr>
@@ -24329,7 +24944,7 @@
         </p:sp>
         <p:sp>
           <p:nvSpPr>
-            <p:cNvPr id="499" name="Square"/>
+            <p:cNvPr id="507" name="Square"/>
             <p:cNvSpPr/>
             <p:nvPr/>
           </p:nvSpPr>
@@ -24374,7 +24989,7 @@
         </p:sp>
         <p:sp>
           <p:nvSpPr>
-            <p:cNvPr id="500" name="Square"/>
+            <p:cNvPr id="508" name="Square"/>
             <p:cNvSpPr/>
             <p:nvPr/>
           </p:nvSpPr>
@@ -24419,7 +25034,7 @@
         </p:sp>
         <p:sp>
           <p:nvSpPr>
-            <p:cNvPr id="501" name="Square"/>
+            <p:cNvPr id="509" name="Square"/>
             <p:cNvSpPr/>
             <p:nvPr/>
           </p:nvSpPr>
@@ -24464,7 +25079,7 @@
         </p:sp>
         <p:sp>
           <p:nvSpPr>
-            <p:cNvPr id="502" name="Square"/>
+            <p:cNvPr id="510" name="Square"/>
             <p:cNvSpPr/>
             <p:nvPr/>
           </p:nvSpPr>
@@ -24509,7 +25124,7 @@
         </p:sp>
         <p:sp>
           <p:nvSpPr>
-            <p:cNvPr id="503" name="Square"/>
+            <p:cNvPr id="511" name="Square"/>
             <p:cNvSpPr/>
             <p:nvPr/>
           </p:nvSpPr>
@@ -24554,7 +25169,7 @@
         </p:sp>
         <p:sp>
           <p:nvSpPr>
-            <p:cNvPr id="504" name="Square"/>
+            <p:cNvPr id="512" name="Square"/>
             <p:cNvSpPr/>
             <p:nvPr/>
           </p:nvSpPr>
@@ -24599,7 +25214,7 @@
         </p:sp>
         <p:sp>
           <p:nvSpPr>
-            <p:cNvPr id="505" name="Square"/>
+            <p:cNvPr id="513" name="Square"/>
             <p:cNvSpPr/>
             <p:nvPr/>
           </p:nvSpPr>
@@ -24644,7 +25259,7 @@
         </p:sp>
         <p:sp>
           <p:nvSpPr>
-            <p:cNvPr id="506" name="Square"/>
+            <p:cNvPr id="514" name="Square"/>
             <p:cNvSpPr/>
             <p:nvPr/>
           </p:nvSpPr>
@@ -24689,7 +25304,7 @@
         </p:sp>
         <p:sp>
           <p:nvSpPr>
-            <p:cNvPr id="507" name="Square"/>
+            <p:cNvPr id="515" name="Square"/>
             <p:cNvSpPr/>
             <p:nvPr/>
           </p:nvSpPr>
@@ -24734,7 +25349,7 @@
         </p:sp>
         <p:sp>
           <p:nvSpPr>
-            <p:cNvPr id="508" name="Square"/>
+            <p:cNvPr id="516" name="Square"/>
             <p:cNvSpPr/>
             <p:nvPr/>
           </p:nvSpPr>
@@ -24779,7 +25394,7 @@
         </p:sp>
         <p:sp>
           <p:nvSpPr>
-            <p:cNvPr id="509" name="Square"/>
+            <p:cNvPr id="517" name="Square"/>
             <p:cNvSpPr/>
             <p:nvPr/>
           </p:nvSpPr>
@@ -24824,7 +25439,7 @@
         </p:sp>
         <p:sp>
           <p:nvSpPr>
-            <p:cNvPr id="510" name="Square"/>
+            <p:cNvPr id="518" name="Square"/>
             <p:cNvSpPr/>
             <p:nvPr/>
           </p:nvSpPr>
@@ -24869,7 +25484,7 @@
         </p:sp>
         <p:sp>
           <p:nvSpPr>
-            <p:cNvPr id="511" name="Square"/>
+            <p:cNvPr id="519" name="Square"/>
             <p:cNvSpPr/>
             <p:nvPr/>
           </p:nvSpPr>
@@ -24914,7 +25529,7 @@
         </p:sp>
         <p:sp>
           <p:nvSpPr>
-            <p:cNvPr id="512" name="Square"/>
+            <p:cNvPr id="520" name="Square"/>
             <p:cNvSpPr/>
             <p:nvPr/>
           </p:nvSpPr>
@@ -24959,7 +25574,7 @@
         </p:sp>
         <p:sp>
           <p:nvSpPr>
-            <p:cNvPr id="513" name="Square"/>
+            <p:cNvPr id="521" name="Square"/>
             <p:cNvSpPr/>
             <p:nvPr/>
           </p:nvSpPr>
@@ -25004,7 +25619,7 @@
         </p:sp>
         <p:sp>
           <p:nvSpPr>
-            <p:cNvPr id="514" name="Square"/>
+            <p:cNvPr id="522" name="Square"/>
             <p:cNvSpPr/>
             <p:nvPr/>
           </p:nvSpPr>
@@ -25049,7 +25664,7 @@
         </p:sp>
         <p:sp>
           <p:nvSpPr>
-            <p:cNvPr id="515" name="Square"/>
+            <p:cNvPr id="523" name="Square"/>
             <p:cNvSpPr/>
             <p:nvPr/>
           </p:nvSpPr>
@@ -25094,7 +25709,7 @@
         </p:sp>
         <p:sp>
           <p:nvSpPr>
-            <p:cNvPr id="516" name="Square"/>
+            <p:cNvPr id="524" name="Square"/>
             <p:cNvSpPr/>
             <p:nvPr/>
           </p:nvSpPr>
@@ -25139,7 +25754,7 @@
         </p:sp>
         <p:sp>
           <p:nvSpPr>
-            <p:cNvPr id="517" name="Square"/>
+            <p:cNvPr id="525" name="Square"/>
             <p:cNvSpPr/>
             <p:nvPr/>
           </p:nvSpPr>
@@ -25184,7 +25799,7 @@
         </p:sp>
         <p:sp>
           <p:nvSpPr>
-            <p:cNvPr id="518" name="Square"/>
+            <p:cNvPr id="526" name="Square"/>
             <p:cNvSpPr/>
             <p:nvPr/>
           </p:nvSpPr>
@@ -25229,7 +25844,7 @@
         </p:sp>
         <p:sp>
           <p:nvSpPr>
-            <p:cNvPr id="519" name="Square"/>
+            <p:cNvPr id="527" name="Square"/>
             <p:cNvSpPr/>
             <p:nvPr/>
           </p:nvSpPr>
@@ -25274,7 +25889,7 @@
         </p:sp>
         <p:sp>
           <p:nvSpPr>
-            <p:cNvPr id="520" name="Square"/>
+            <p:cNvPr id="528" name="Square"/>
             <p:cNvSpPr/>
             <p:nvPr/>
           </p:nvSpPr>
@@ -25319,7 +25934,7 @@
         </p:sp>
         <p:sp>
           <p:nvSpPr>
-            <p:cNvPr id="521" name="Square"/>
+            <p:cNvPr id="529" name="Square"/>
             <p:cNvSpPr/>
             <p:nvPr/>
           </p:nvSpPr>
@@ -25364,7 +25979,7 @@
         </p:sp>
         <p:sp>
           <p:nvSpPr>
-            <p:cNvPr id="522" name="Square"/>
+            <p:cNvPr id="530" name="Square"/>
             <p:cNvSpPr/>
             <p:nvPr/>
           </p:nvSpPr>
@@ -25409,7 +26024,7 @@
         </p:sp>
         <p:sp>
           <p:nvSpPr>
-            <p:cNvPr id="523" name="Square"/>
+            <p:cNvPr id="531" name="Square"/>
             <p:cNvSpPr/>
             <p:nvPr/>
           </p:nvSpPr>
@@ -25454,7 +26069,7 @@
         </p:sp>
         <p:sp>
           <p:nvSpPr>
-            <p:cNvPr id="524" name="Square"/>
+            <p:cNvPr id="532" name="Square"/>
             <p:cNvSpPr/>
             <p:nvPr/>
           </p:nvSpPr>
@@ -25499,7 +26114,7 @@
         </p:sp>
         <p:sp>
           <p:nvSpPr>
-            <p:cNvPr id="525" name="Square"/>
+            <p:cNvPr id="533" name="Square"/>
             <p:cNvSpPr/>
             <p:nvPr/>
           </p:nvSpPr>
@@ -25544,7 +26159,7 @@
         </p:sp>
         <p:sp>
           <p:nvSpPr>
-            <p:cNvPr id="526" name="Square"/>
+            <p:cNvPr id="534" name="Square"/>
             <p:cNvSpPr/>
             <p:nvPr/>
           </p:nvSpPr>
@@ -25589,7 +26204,7 @@
         </p:sp>
         <p:sp>
           <p:nvSpPr>
-            <p:cNvPr id="527" name="Square"/>
+            <p:cNvPr id="535" name="Square"/>
             <p:cNvSpPr/>
             <p:nvPr/>
           </p:nvSpPr>
@@ -25634,7 +26249,7 @@
         </p:sp>
         <p:sp>
           <p:nvSpPr>
-            <p:cNvPr id="528" name="Square"/>
+            <p:cNvPr id="536" name="Square"/>
             <p:cNvSpPr/>
             <p:nvPr/>
           </p:nvSpPr>
@@ -25679,7 +26294,7 @@
         </p:sp>
         <p:sp>
           <p:nvSpPr>
-            <p:cNvPr id="529" name="Square"/>
+            <p:cNvPr id="537" name="Square"/>
             <p:cNvSpPr/>
             <p:nvPr/>
           </p:nvSpPr>
@@ -25724,7 +26339,7 @@
         </p:sp>
         <p:sp>
           <p:nvSpPr>
-            <p:cNvPr id="530" name="Square"/>
+            <p:cNvPr id="538" name="Square"/>
             <p:cNvSpPr/>
             <p:nvPr/>
           </p:nvSpPr>
@@ -25769,7 +26384,7 @@
         </p:sp>
         <p:sp>
           <p:nvSpPr>
-            <p:cNvPr id="531" name="Square"/>
+            <p:cNvPr id="539" name="Square"/>
             <p:cNvSpPr/>
             <p:nvPr/>
           </p:nvSpPr>
@@ -25814,7 +26429,7 @@
         </p:sp>
         <p:sp>
           <p:nvSpPr>
-            <p:cNvPr id="532" name="Square"/>
+            <p:cNvPr id="540" name="Square"/>
             <p:cNvSpPr/>
             <p:nvPr/>
           </p:nvSpPr>
@@ -25859,7 +26474,7 @@
         </p:sp>
         <p:sp>
           <p:nvSpPr>
-            <p:cNvPr id="533" name="Square"/>
+            <p:cNvPr id="541" name="Square"/>
             <p:cNvSpPr/>
             <p:nvPr/>
           </p:nvSpPr>
@@ -25904,7 +26519,7 @@
         </p:sp>
         <p:sp>
           <p:nvSpPr>
-            <p:cNvPr id="534" name="Square"/>
+            <p:cNvPr id="542" name="Square"/>
             <p:cNvSpPr/>
             <p:nvPr/>
           </p:nvSpPr>
@@ -25949,7 +26564,7 @@
         </p:sp>
         <p:sp>
           <p:nvSpPr>
-            <p:cNvPr id="535" name="Square"/>
+            <p:cNvPr id="543" name="Square"/>
             <p:cNvSpPr/>
             <p:nvPr/>
           </p:nvSpPr>
@@ -25994,7 +26609,7 @@
         </p:sp>
         <p:sp>
           <p:nvSpPr>
-            <p:cNvPr id="536" name="Square"/>
+            <p:cNvPr id="544" name="Square"/>
             <p:cNvSpPr/>
             <p:nvPr/>
           </p:nvSpPr>
@@ -26039,7 +26654,7 @@
         </p:sp>
         <p:sp>
           <p:nvSpPr>
-            <p:cNvPr id="537" name="Square"/>
+            <p:cNvPr id="545" name="Square"/>
             <p:cNvSpPr/>
             <p:nvPr/>
           </p:nvSpPr>
@@ -26085,7 +26700,7 @@
       </p:grpSp>
       <p:grpSp>
         <p:nvGrpSpPr>
-          <p:cNvPr id="588" name="Group"/>
+          <p:cNvPr id="596" name="Group"/>
           <p:cNvGrpSpPr/>
           <p:nvPr/>
         </p:nvGrpSpPr>
@@ -26099,7 +26714,7 @@
         </p:grpSpPr>
         <p:sp>
           <p:nvSpPr>
-            <p:cNvPr id="539" name="Square"/>
+            <p:cNvPr id="547" name="Square"/>
             <p:cNvSpPr/>
             <p:nvPr/>
           </p:nvSpPr>
@@ -26144,7 +26759,7 @@
         </p:sp>
         <p:sp>
           <p:nvSpPr>
-            <p:cNvPr id="540" name="Square"/>
+            <p:cNvPr id="548" name="Square"/>
             <p:cNvSpPr/>
             <p:nvPr/>
           </p:nvSpPr>
@@ -26189,7 +26804,7 @@
         </p:sp>
         <p:sp>
           <p:nvSpPr>
-            <p:cNvPr id="541" name="Square"/>
+            <p:cNvPr id="549" name="Square"/>
             <p:cNvSpPr/>
             <p:nvPr/>
           </p:nvSpPr>
@@ -26234,7 +26849,7 @@
         </p:sp>
         <p:sp>
           <p:nvSpPr>
-            <p:cNvPr id="542" name="Square"/>
+            <p:cNvPr id="550" name="Square"/>
             <p:cNvSpPr/>
             <p:nvPr/>
           </p:nvSpPr>
@@ -26279,7 +26894,7 @@
         </p:sp>
         <p:sp>
           <p:nvSpPr>
-            <p:cNvPr id="543" name="Square"/>
+            <p:cNvPr id="551" name="Square"/>
             <p:cNvSpPr/>
             <p:nvPr/>
           </p:nvSpPr>
@@ -26324,7 +26939,7 @@
         </p:sp>
         <p:sp>
           <p:nvSpPr>
-            <p:cNvPr id="544" name="Square"/>
+            <p:cNvPr id="552" name="Square"/>
             <p:cNvSpPr/>
             <p:nvPr/>
           </p:nvSpPr>
@@ -26369,7 +26984,7 @@
         </p:sp>
         <p:sp>
           <p:nvSpPr>
-            <p:cNvPr id="545" name="Square"/>
+            <p:cNvPr id="553" name="Square"/>
             <p:cNvSpPr/>
             <p:nvPr/>
           </p:nvSpPr>
@@ -26414,7 +27029,7 @@
         </p:sp>
         <p:sp>
           <p:nvSpPr>
-            <p:cNvPr id="546" name="Square"/>
+            <p:cNvPr id="554" name="Square"/>
             <p:cNvSpPr/>
             <p:nvPr/>
           </p:nvSpPr>
@@ -26459,7 +27074,7 @@
         </p:sp>
         <p:sp>
           <p:nvSpPr>
-            <p:cNvPr id="547" name="Square"/>
+            <p:cNvPr id="555" name="Square"/>
             <p:cNvSpPr/>
             <p:nvPr/>
           </p:nvSpPr>
@@ -26504,7 +27119,7 @@
         </p:sp>
         <p:sp>
           <p:nvSpPr>
-            <p:cNvPr id="548" name="Square"/>
+            <p:cNvPr id="556" name="Square"/>
             <p:cNvSpPr/>
             <p:nvPr/>
           </p:nvSpPr>
@@ -26549,7 +27164,7 @@
         </p:sp>
         <p:sp>
           <p:nvSpPr>
-            <p:cNvPr id="549" name="Square"/>
+            <p:cNvPr id="557" name="Square"/>
             <p:cNvSpPr/>
             <p:nvPr/>
           </p:nvSpPr>
@@ -26594,7 +27209,7 @@
         </p:sp>
         <p:sp>
           <p:nvSpPr>
-            <p:cNvPr id="550" name="Square"/>
+            <p:cNvPr id="558" name="Square"/>
             <p:cNvSpPr/>
             <p:nvPr/>
           </p:nvSpPr>
@@ -26639,7 +27254,7 @@
         </p:sp>
         <p:sp>
           <p:nvSpPr>
-            <p:cNvPr id="551" name="Square"/>
+            <p:cNvPr id="559" name="Square"/>
             <p:cNvSpPr/>
             <p:nvPr/>
           </p:nvSpPr>
@@ -26684,7 +27299,7 @@
         </p:sp>
         <p:sp>
           <p:nvSpPr>
-            <p:cNvPr id="552" name="Square"/>
+            <p:cNvPr id="560" name="Square"/>
             <p:cNvSpPr/>
             <p:nvPr/>
           </p:nvSpPr>
@@ -26729,7 +27344,7 @@
         </p:sp>
         <p:sp>
           <p:nvSpPr>
-            <p:cNvPr id="553" name="Square"/>
+            <p:cNvPr id="561" name="Square"/>
             <p:cNvSpPr/>
             <p:nvPr/>
           </p:nvSpPr>
@@ -26774,7 +27389,7 @@
         </p:sp>
         <p:sp>
           <p:nvSpPr>
-            <p:cNvPr id="554" name="Square"/>
+            <p:cNvPr id="562" name="Square"/>
             <p:cNvSpPr/>
             <p:nvPr/>
           </p:nvSpPr>
@@ -26819,7 +27434,7 @@
         </p:sp>
         <p:sp>
           <p:nvSpPr>
-            <p:cNvPr id="555" name="Square"/>
+            <p:cNvPr id="563" name="Square"/>
             <p:cNvSpPr/>
             <p:nvPr/>
           </p:nvSpPr>
@@ -26864,7 +27479,7 @@
         </p:sp>
         <p:sp>
           <p:nvSpPr>
-            <p:cNvPr id="556" name="Square"/>
+            <p:cNvPr id="564" name="Square"/>
             <p:cNvSpPr/>
             <p:nvPr/>
           </p:nvSpPr>
@@ -26909,7 +27524,7 @@
         </p:sp>
         <p:sp>
           <p:nvSpPr>
-            <p:cNvPr id="557" name="Square"/>
+            <p:cNvPr id="565" name="Square"/>
             <p:cNvSpPr/>
             <p:nvPr/>
           </p:nvSpPr>
@@ -26954,7 +27569,7 @@
         </p:sp>
         <p:sp>
           <p:nvSpPr>
-            <p:cNvPr id="558" name="Square"/>
+            <p:cNvPr id="566" name="Square"/>
             <p:cNvSpPr/>
             <p:nvPr/>
           </p:nvSpPr>
@@ -26999,7 +27614,7 @@
         </p:sp>
         <p:sp>
           <p:nvSpPr>
-            <p:cNvPr id="559" name="Square"/>
+            <p:cNvPr id="567" name="Square"/>
             <p:cNvSpPr/>
             <p:nvPr/>
           </p:nvSpPr>
@@ -27044,7 +27659,7 @@
         </p:sp>
         <p:sp>
           <p:nvSpPr>
-            <p:cNvPr id="560" name="Square"/>
+            <p:cNvPr id="568" name="Square"/>
             <p:cNvSpPr/>
             <p:nvPr/>
           </p:nvSpPr>
@@ -27089,7 +27704,7 @@
         </p:sp>
         <p:sp>
           <p:nvSpPr>
-            <p:cNvPr id="561" name="Square"/>
+            <p:cNvPr id="569" name="Square"/>
             <p:cNvSpPr/>
             <p:nvPr/>
           </p:nvSpPr>
@@ -27134,7 +27749,7 @@
         </p:sp>
         <p:sp>
           <p:nvSpPr>
-            <p:cNvPr id="562" name="Square"/>
+            <p:cNvPr id="570" name="Square"/>
             <p:cNvSpPr/>
             <p:nvPr/>
           </p:nvSpPr>
@@ -27179,7 +27794,7 @@
         </p:sp>
         <p:sp>
           <p:nvSpPr>
-            <p:cNvPr id="563" name="Square"/>
+            <p:cNvPr id="571" name="Square"/>
             <p:cNvSpPr/>
             <p:nvPr/>
           </p:nvSpPr>
@@ -27224,7 +27839,7 @@
         </p:sp>
         <p:sp>
           <p:nvSpPr>
-            <p:cNvPr id="564" name="Square"/>
+            <p:cNvPr id="572" name="Square"/>
             <p:cNvSpPr/>
             <p:nvPr/>
           </p:nvSpPr>
@@ -27269,7 +27884,7 @@
         </p:sp>
         <p:sp>
           <p:nvSpPr>
-            <p:cNvPr id="565" name="Square"/>
+            <p:cNvPr id="573" name="Square"/>
             <p:cNvSpPr/>
             <p:nvPr/>
           </p:nvSpPr>
@@ -27314,7 +27929,7 @@
         </p:sp>
         <p:sp>
           <p:nvSpPr>
-            <p:cNvPr id="566" name="Square"/>
+            <p:cNvPr id="574" name="Square"/>
             <p:cNvSpPr/>
             <p:nvPr/>
           </p:nvSpPr>
@@ -27359,7 +27974,7 @@
         </p:sp>
         <p:sp>
           <p:nvSpPr>
-            <p:cNvPr id="567" name="Square"/>
+            <p:cNvPr id="575" name="Square"/>
             <p:cNvSpPr/>
             <p:nvPr/>
           </p:nvSpPr>
@@ -27404,7 +28019,7 @@
         </p:sp>
         <p:sp>
           <p:nvSpPr>
-            <p:cNvPr id="568" name="Square"/>
+            <p:cNvPr id="576" name="Square"/>
             <p:cNvSpPr/>
             <p:nvPr/>
           </p:nvSpPr>
@@ -27449,7 +28064,7 @@
         </p:sp>
         <p:sp>
           <p:nvSpPr>
-            <p:cNvPr id="569" name="Square"/>
+            <p:cNvPr id="577" name="Square"/>
             <p:cNvSpPr/>
             <p:nvPr/>
           </p:nvSpPr>
@@ -27494,7 +28109,7 @@
         </p:sp>
         <p:sp>
           <p:nvSpPr>
-            <p:cNvPr id="570" name="Square"/>
+            <p:cNvPr id="578" name="Square"/>
             <p:cNvSpPr/>
             <p:nvPr/>
           </p:nvSpPr>
@@ -27539,7 +28154,7 @@
         </p:sp>
         <p:sp>
           <p:nvSpPr>
-            <p:cNvPr id="571" name="Square"/>
+            <p:cNvPr id="579" name="Square"/>
             <p:cNvSpPr/>
             <p:nvPr/>
           </p:nvSpPr>
@@ -27584,7 +28199,7 @@
         </p:sp>
         <p:sp>
           <p:nvSpPr>
-            <p:cNvPr id="572" name="Square"/>
+            <p:cNvPr id="580" name="Square"/>
             <p:cNvSpPr/>
             <p:nvPr/>
           </p:nvSpPr>
@@ -27629,7 +28244,7 @@
         </p:sp>
         <p:sp>
           <p:nvSpPr>
-            <p:cNvPr id="573" name="Square"/>
+            <p:cNvPr id="581" name="Square"/>
             <p:cNvSpPr/>
             <p:nvPr/>
           </p:nvSpPr>
@@ -27674,7 +28289,7 @@
         </p:sp>
         <p:sp>
           <p:nvSpPr>
-            <p:cNvPr id="574" name="Square"/>
+            <p:cNvPr id="582" name="Square"/>
             <p:cNvSpPr/>
             <p:nvPr/>
           </p:nvSpPr>
@@ -27719,7 +28334,7 @@
         </p:sp>
         <p:sp>
           <p:nvSpPr>
-            <p:cNvPr id="575" name="Square"/>
+            <p:cNvPr id="583" name="Square"/>
             <p:cNvSpPr/>
             <p:nvPr/>
           </p:nvSpPr>
@@ -27764,7 +28379,7 @@
         </p:sp>
         <p:sp>
           <p:nvSpPr>
-            <p:cNvPr id="576" name="Square"/>
+            <p:cNvPr id="584" name="Square"/>
             <p:cNvSpPr/>
             <p:nvPr/>
           </p:nvSpPr>
@@ -27809,7 +28424,7 @@
         </p:sp>
         <p:sp>
           <p:nvSpPr>
-            <p:cNvPr id="577" name="Square"/>
+            <p:cNvPr id="585" name="Square"/>
             <p:cNvSpPr/>
             <p:nvPr/>
           </p:nvSpPr>
@@ -27854,7 +28469,7 @@
         </p:sp>
         <p:sp>
           <p:nvSpPr>
-            <p:cNvPr id="578" name="Square"/>
+            <p:cNvPr id="586" name="Square"/>
             <p:cNvSpPr/>
             <p:nvPr/>
           </p:nvSpPr>
@@ -27899,7 +28514,7 @@
         </p:sp>
         <p:sp>
           <p:nvSpPr>
-            <p:cNvPr id="579" name="Square"/>
+            <p:cNvPr id="587" name="Square"/>
             <p:cNvSpPr/>
             <p:nvPr/>
           </p:nvSpPr>
@@ -27944,7 +28559,7 @@
         </p:sp>
         <p:sp>
           <p:nvSpPr>
-            <p:cNvPr id="580" name="Square"/>
+            <p:cNvPr id="588" name="Square"/>
             <p:cNvSpPr/>
             <p:nvPr/>
           </p:nvSpPr>
@@ -27989,7 +28604,7 @@
         </p:sp>
         <p:sp>
           <p:nvSpPr>
-            <p:cNvPr id="581" name="Square"/>
+            <p:cNvPr id="589" name="Square"/>
             <p:cNvSpPr/>
             <p:nvPr/>
           </p:nvSpPr>
@@ -28034,7 +28649,7 @@
         </p:sp>
         <p:sp>
           <p:nvSpPr>
-            <p:cNvPr id="582" name="Square"/>
+            <p:cNvPr id="590" name="Square"/>
             <p:cNvSpPr/>
             <p:nvPr/>
           </p:nvSpPr>
@@ -28079,7 +28694,7 @@
         </p:sp>
         <p:sp>
           <p:nvSpPr>
-            <p:cNvPr id="583" name="Square"/>
+            <p:cNvPr id="591" name="Square"/>
             <p:cNvSpPr/>
             <p:nvPr/>
           </p:nvSpPr>
@@ -28124,7 +28739,7 @@
         </p:sp>
         <p:sp>
           <p:nvSpPr>
-            <p:cNvPr id="584" name="Square"/>
+            <p:cNvPr id="592" name="Square"/>
             <p:cNvSpPr/>
             <p:nvPr/>
           </p:nvSpPr>
@@ -28169,7 +28784,7 @@
         </p:sp>
         <p:sp>
           <p:nvSpPr>
-            <p:cNvPr id="585" name="Square"/>
+            <p:cNvPr id="593" name="Square"/>
             <p:cNvSpPr/>
             <p:nvPr/>
           </p:nvSpPr>
@@ -28214,7 +28829,7 @@
         </p:sp>
         <p:sp>
           <p:nvSpPr>
-            <p:cNvPr id="586" name="Square"/>
+            <p:cNvPr id="594" name="Square"/>
             <p:cNvSpPr/>
             <p:nvPr/>
           </p:nvSpPr>
@@ -28259,7 +28874,7 @@
         </p:sp>
         <p:sp>
           <p:nvSpPr>
-            <p:cNvPr id="587" name="Square"/>
+            <p:cNvPr id="595" name="Square"/>
             <p:cNvSpPr/>
             <p:nvPr/>
           </p:nvSpPr>
@@ -28305,7 +28920,7 @@
       </p:grpSp>
       <p:grpSp>
         <p:nvGrpSpPr>
-          <p:cNvPr id="594" name="Group"/>
+          <p:cNvPr id="602" name="Group"/>
           <p:cNvGrpSpPr/>
           <p:nvPr/>
         </p:nvGrpSpPr>
@@ -28319,7 +28934,7 @@
         </p:grpSpPr>
         <p:pic>
           <p:nvPicPr>
-            <p:cNvPr id="589" name="pasted-image.pdf" descr="pasted-image.pdf"/>
+            <p:cNvPr id="597" name="Image" descr="Image"/>
             <p:cNvPicPr>
               <a:picLocks noChangeAspect="1"/>
             </p:cNvPicPr>
@@ -28350,7 +28965,7 @@
         </p:pic>
         <p:grpSp>
           <p:nvGrpSpPr>
-            <p:cNvPr id="593" name="Group"/>
+            <p:cNvPr id="601" name="Group"/>
             <p:cNvGrpSpPr/>
             <p:nvPr/>
           </p:nvGrpSpPr>
@@ -28364,7 +28979,7 @@
           </p:grpSpPr>
           <p:sp>
             <p:nvSpPr>
-              <p:cNvPr id="590" name="Shape"/>
+              <p:cNvPr id="598" name="Shape"/>
               <p:cNvSpPr/>
               <p:nvPr/>
             </p:nvSpPr>
@@ -28506,7 +29121,7 @@
           </p:sp>
           <p:sp>
             <p:nvSpPr>
-              <p:cNvPr id="591" name="Shape"/>
+              <p:cNvPr id="599" name="Shape"/>
               <p:cNvSpPr/>
               <p:nvPr/>
             </p:nvSpPr>
@@ -28648,7 +29263,7 @@
           </p:sp>
           <p:sp>
             <p:nvSpPr>
-              <p:cNvPr id="592" name="Shape"/>
+              <p:cNvPr id="600" name="Shape"/>
               <p:cNvSpPr/>
               <p:nvPr/>
             </p:nvSpPr>
@@ -28777,7 +29392,7 @@
       </p:grpSp>
       <p:grpSp>
         <p:nvGrpSpPr>
-          <p:cNvPr id="611" name="Group"/>
+          <p:cNvPr id="619" name="Group"/>
           <p:cNvGrpSpPr/>
           <p:nvPr/>
         </p:nvGrpSpPr>
@@ -28791,7 +29406,7 @@
         </p:grpSpPr>
         <p:sp>
           <p:nvSpPr>
-            <p:cNvPr id="595" name="Square"/>
+            <p:cNvPr id="603" name="Square"/>
             <p:cNvSpPr/>
             <p:nvPr/>
           </p:nvSpPr>
@@ -28836,7 +29451,7 @@
         </p:sp>
         <p:sp>
           <p:nvSpPr>
-            <p:cNvPr id="596" name="Square"/>
+            <p:cNvPr id="604" name="Square"/>
             <p:cNvSpPr/>
             <p:nvPr/>
           </p:nvSpPr>
@@ -28881,7 +29496,7 @@
         </p:sp>
         <p:sp>
           <p:nvSpPr>
-            <p:cNvPr id="597" name="Square"/>
+            <p:cNvPr id="605" name="Square"/>
             <p:cNvSpPr/>
             <p:nvPr/>
           </p:nvSpPr>
@@ -28926,7 +29541,7 @@
         </p:sp>
         <p:sp>
           <p:nvSpPr>
-            <p:cNvPr id="598" name="Square"/>
+            <p:cNvPr id="606" name="Square"/>
             <p:cNvSpPr/>
             <p:nvPr/>
           </p:nvSpPr>
@@ -28971,7 +29586,7 @@
         </p:sp>
         <p:sp>
           <p:nvSpPr>
-            <p:cNvPr id="599" name="Square"/>
+            <p:cNvPr id="607" name="Square"/>
             <p:cNvSpPr/>
             <p:nvPr/>
           </p:nvSpPr>
@@ -29016,7 +29631,7 @@
         </p:sp>
         <p:sp>
           <p:nvSpPr>
-            <p:cNvPr id="600" name="Square"/>
+            <p:cNvPr id="608" name="Square"/>
             <p:cNvSpPr/>
             <p:nvPr/>
           </p:nvSpPr>
@@ -29061,7 +29676,7 @@
         </p:sp>
         <p:sp>
           <p:nvSpPr>
-            <p:cNvPr id="601" name="Square"/>
+            <p:cNvPr id="609" name="Square"/>
             <p:cNvSpPr/>
             <p:nvPr/>
           </p:nvSpPr>
@@ -29106,7 +29721,7 @@
         </p:sp>
         <p:sp>
           <p:nvSpPr>
-            <p:cNvPr id="602" name="Square"/>
+            <p:cNvPr id="610" name="Square"/>
             <p:cNvSpPr/>
             <p:nvPr/>
           </p:nvSpPr>
@@ -29151,7 +29766,7 @@
         </p:sp>
         <p:sp>
           <p:nvSpPr>
-            <p:cNvPr id="603" name="Square"/>
+            <p:cNvPr id="611" name="Square"/>
             <p:cNvSpPr/>
             <p:nvPr/>
           </p:nvSpPr>
@@ -29196,7 +29811,7 @@
         </p:sp>
         <p:sp>
           <p:nvSpPr>
-            <p:cNvPr id="604" name="Square"/>
+            <p:cNvPr id="612" name="Square"/>
             <p:cNvSpPr/>
             <p:nvPr/>
           </p:nvSpPr>
@@ -29241,7 +29856,7 @@
         </p:sp>
         <p:sp>
           <p:nvSpPr>
-            <p:cNvPr id="605" name="Square"/>
+            <p:cNvPr id="613" name="Square"/>
             <p:cNvSpPr/>
             <p:nvPr/>
           </p:nvSpPr>
@@ -29286,7 +29901,7 @@
         </p:sp>
         <p:sp>
           <p:nvSpPr>
-            <p:cNvPr id="606" name="Square"/>
+            <p:cNvPr id="614" name="Square"/>
             <p:cNvSpPr/>
             <p:nvPr/>
           </p:nvSpPr>
@@ -29331,7 +29946,7 @@
         </p:sp>
         <p:sp>
           <p:nvSpPr>
-            <p:cNvPr id="607" name="Square"/>
+            <p:cNvPr id="615" name="Square"/>
             <p:cNvSpPr/>
             <p:nvPr/>
           </p:nvSpPr>
@@ -29376,7 +29991,7 @@
         </p:sp>
         <p:sp>
           <p:nvSpPr>
-            <p:cNvPr id="608" name="Square"/>
+            <p:cNvPr id="616" name="Square"/>
             <p:cNvSpPr/>
             <p:nvPr/>
           </p:nvSpPr>
@@ -29421,7 +30036,7 @@
         </p:sp>
         <p:sp>
           <p:nvSpPr>
-            <p:cNvPr id="609" name="Square"/>
+            <p:cNvPr id="617" name="Square"/>
             <p:cNvSpPr/>
             <p:nvPr/>
           </p:nvSpPr>
@@ -29466,7 +30081,7 @@
         </p:sp>
         <p:sp>
           <p:nvSpPr>
-            <p:cNvPr id="610" name="Square"/>
+            <p:cNvPr id="618" name="Square"/>
             <p:cNvSpPr/>
             <p:nvPr/>
           </p:nvSpPr>
@@ -29512,7 +30127,7 @@
       </p:grpSp>
       <p:grpSp>
         <p:nvGrpSpPr>
-          <p:cNvPr id="617" name="Group"/>
+          <p:cNvPr id="625" name="Group"/>
           <p:cNvGrpSpPr/>
           <p:nvPr/>
         </p:nvGrpSpPr>
@@ -29526,7 +30141,7 @@
         </p:grpSpPr>
         <p:pic>
           <p:nvPicPr>
-            <p:cNvPr id="612" name="pasted-image.pdf" descr="pasted-image.pdf"/>
+            <p:cNvPr id="620" name="Image" descr="Image"/>
             <p:cNvPicPr>
               <a:picLocks noChangeAspect="1"/>
             </p:cNvPicPr>
@@ -29557,7 +30172,7 @@
         </p:pic>
         <p:grpSp>
           <p:nvGrpSpPr>
-            <p:cNvPr id="616" name="Group"/>
+            <p:cNvPr id="624" name="Group"/>
             <p:cNvGrpSpPr/>
             <p:nvPr/>
           </p:nvGrpSpPr>
@@ -29571,7 +30186,7 @@
           </p:grpSpPr>
           <p:sp>
             <p:nvSpPr>
-              <p:cNvPr id="613" name="Oval"/>
+              <p:cNvPr id="621" name="Oval"/>
               <p:cNvSpPr/>
               <p:nvPr/>
             </p:nvSpPr>
@@ -29617,7 +30232,7 @@
           </p:sp>
           <p:sp>
             <p:nvSpPr>
-              <p:cNvPr id="614" name="Oval"/>
+              <p:cNvPr id="622" name="Oval"/>
               <p:cNvSpPr/>
               <p:nvPr/>
             </p:nvSpPr>
@@ -29663,7 +30278,7 @@
           </p:sp>
           <p:sp>
             <p:nvSpPr>
-              <p:cNvPr id="615" name="Oval"/>
+              <p:cNvPr id="623" name="Oval"/>
               <p:cNvSpPr/>
               <p:nvPr/>
             </p:nvSpPr>
@@ -29711,7 +30326,7 @@
       </p:grpSp>
       <p:grpSp>
         <p:nvGrpSpPr>
-          <p:cNvPr id="620" name="Group"/>
+          <p:cNvPr id="628" name="Group"/>
           <p:cNvGrpSpPr/>
           <p:nvPr/>
         </p:nvGrpSpPr>
@@ -29725,7 +30340,7 @@
         </p:grpSpPr>
         <p:pic>
           <p:nvPicPr>
-            <p:cNvPr id="618" name="pasted-image.pdf" descr="pasted-image.pdf"/>
+            <p:cNvPr id="626" name="Image" descr="Image"/>
             <p:cNvPicPr>
               <a:picLocks noChangeAspect="1"/>
             </p:cNvPicPr>
@@ -29756,7 +30371,7 @@
         </p:pic>
         <p:sp>
           <p:nvSpPr>
-            <p:cNvPr id="619" name="Shape"/>
+            <p:cNvPr id="627" name="Shape"/>
             <p:cNvSpPr/>
             <p:nvPr/>
           </p:nvSpPr>
@@ -29899,7 +30514,7 @@
       </p:grpSp>
       <p:grpSp>
         <p:nvGrpSpPr>
-          <p:cNvPr id="623" name="Group"/>
+          <p:cNvPr id="631" name="Group"/>
           <p:cNvGrpSpPr/>
           <p:nvPr/>
         </p:nvGrpSpPr>
@@ -29913,7 +30528,7 @@
         </p:grpSpPr>
         <p:pic>
           <p:nvPicPr>
-            <p:cNvPr id="621" name="pasted-image.pdf" descr="pasted-image.pdf"/>
+            <p:cNvPr id="629" name="Image" descr="Image"/>
             <p:cNvPicPr>
               <a:picLocks noChangeAspect="1"/>
             </p:cNvPicPr>
@@ -29944,7 +30559,7 @@
         </p:pic>
         <p:sp>
           <p:nvSpPr>
-            <p:cNvPr id="622" name="Line"/>
+            <p:cNvPr id="630" name="Line"/>
             <p:cNvSpPr/>
             <p:nvPr/>
           </p:nvSpPr>
@@ -30078,7 +30693,7 @@
       </p:grpSp>
       <p:grpSp>
         <p:nvGrpSpPr>
-          <p:cNvPr id="626" name="Group"/>
+          <p:cNvPr id="634" name="Group"/>
           <p:cNvGrpSpPr/>
           <p:nvPr/>
         </p:nvGrpSpPr>
@@ -30092,7 +30707,7 @@
         </p:grpSpPr>
         <p:pic>
           <p:nvPicPr>
-            <p:cNvPr id="624" name="pasted-image.pdf" descr="pasted-image.pdf"/>
+            <p:cNvPr id="632" name="Image" descr="Image"/>
             <p:cNvPicPr>
               <a:picLocks noChangeAspect="1"/>
             </p:cNvPicPr>
@@ -30123,7 +30738,7 @@
         </p:pic>
         <p:sp>
           <p:nvSpPr>
-            <p:cNvPr id="625" name="Line"/>
+            <p:cNvPr id="633" name="Line"/>
             <p:cNvSpPr/>
             <p:nvPr/>
           </p:nvSpPr>
@@ -30268,7 +30883,7 @@
       </p:grpSp>
       <p:grpSp>
         <p:nvGrpSpPr>
-          <p:cNvPr id="635" name="Group"/>
+          <p:cNvPr id="643" name="Group"/>
           <p:cNvGrpSpPr/>
           <p:nvPr/>
         </p:nvGrpSpPr>
@@ -30282,7 +30897,7 @@
         </p:grpSpPr>
         <p:pic>
           <p:nvPicPr>
-            <p:cNvPr id="627" name="pasted-image.pdf" descr="pasted-image.pdf"/>
+            <p:cNvPr id="635" name="Image" descr="Image"/>
             <p:cNvPicPr>
               <a:picLocks noChangeAspect="1"/>
             </p:cNvPicPr>
@@ -30313,7 +30928,7 @@
         </p:pic>
         <p:grpSp>
           <p:nvGrpSpPr>
-            <p:cNvPr id="634" name="Group"/>
+            <p:cNvPr id="642" name="Group"/>
             <p:cNvGrpSpPr/>
             <p:nvPr/>
           </p:nvGrpSpPr>
@@ -30327,7 +30942,7 @@
           </p:grpSpPr>
           <p:sp>
             <p:nvSpPr>
-              <p:cNvPr id="628" name="Rectangle"/>
+              <p:cNvPr id="636" name="Rectangle"/>
               <p:cNvSpPr/>
               <p:nvPr/>
             </p:nvSpPr>
@@ -30374,7 +30989,7 @@
           </p:sp>
           <p:sp>
             <p:nvSpPr>
-              <p:cNvPr id="629" name="Line"/>
+              <p:cNvPr id="637" name="Line"/>
               <p:cNvSpPr/>
               <p:nvPr/>
             </p:nvSpPr>
@@ -30421,7 +31036,7 @@
           </p:sp>
           <p:sp>
             <p:nvSpPr>
-              <p:cNvPr id="630" name="Rectangle"/>
+              <p:cNvPr id="638" name="Rectangle"/>
               <p:cNvSpPr/>
               <p:nvPr/>
             </p:nvSpPr>
@@ -30468,7 +31083,7 @@
           </p:sp>
           <p:sp>
             <p:nvSpPr>
-              <p:cNvPr id="631" name="Line"/>
+              <p:cNvPr id="639" name="Line"/>
               <p:cNvSpPr/>
               <p:nvPr/>
             </p:nvSpPr>
@@ -30515,7 +31130,7 @@
           </p:sp>
           <p:sp>
             <p:nvSpPr>
-              <p:cNvPr id="632" name="Rectangle"/>
+              <p:cNvPr id="640" name="Rectangle"/>
               <p:cNvSpPr/>
               <p:nvPr/>
             </p:nvSpPr>
@@ -30562,7 +31177,7 @@
           </p:sp>
           <p:sp>
             <p:nvSpPr>
-              <p:cNvPr id="633" name="Line"/>
+              <p:cNvPr id="641" name="Line"/>
               <p:cNvSpPr/>
               <p:nvPr/>
             </p:nvSpPr>
@@ -30611,7 +31226,7 @@
       </p:grpSp>
       <p:grpSp>
         <p:nvGrpSpPr>
-          <p:cNvPr id="645" name="Group"/>
+          <p:cNvPr id="653" name="Group"/>
           <p:cNvGrpSpPr/>
           <p:nvPr/>
         </p:nvGrpSpPr>
@@ -30625,7 +31240,7 @@
         </p:grpSpPr>
         <p:pic>
           <p:nvPicPr>
-            <p:cNvPr id="636" name="pasted-image.pdf" descr="pasted-image.pdf"/>
+            <p:cNvPr id="644" name="Image" descr="Image"/>
             <p:cNvPicPr>
               <a:picLocks noChangeAspect="1"/>
             </p:cNvPicPr>
@@ -30656,7 +31271,7 @@
         </p:pic>
         <p:grpSp>
           <p:nvGrpSpPr>
-            <p:cNvPr id="644" name="Group"/>
+            <p:cNvPr id="652" name="Group"/>
             <p:cNvGrpSpPr/>
             <p:nvPr/>
           </p:nvGrpSpPr>
@@ -30670,7 +31285,7 @@
           </p:grpSpPr>
           <p:sp>
             <p:nvSpPr>
-              <p:cNvPr id="637" name="Line"/>
+              <p:cNvPr id="645" name="Line"/>
               <p:cNvSpPr/>
               <p:nvPr/>
             </p:nvSpPr>
@@ -30717,7 +31332,7 @@
           </p:sp>
           <p:sp>
             <p:nvSpPr>
-              <p:cNvPr id="638" name="Line"/>
+              <p:cNvPr id="646" name="Line"/>
               <p:cNvSpPr/>
               <p:nvPr/>
             </p:nvSpPr>
@@ -30764,7 +31379,7 @@
           </p:sp>
           <p:sp>
             <p:nvSpPr>
-              <p:cNvPr id="639" name="Line"/>
+              <p:cNvPr id="647" name="Line"/>
               <p:cNvSpPr/>
               <p:nvPr/>
             </p:nvSpPr>
@@ -30811,7 +31426,7 @@
           </p:sp>
           <p:sp>
             <p:nvSpPr>
-              <p:cNvPr id="640" name="Line"/>
+              <p:cNvPr id="648" name="Line"/>
               <p:cNvSpPr/>
               <p:nvPr/>
             </p:nvSpPr>
@@ -30858,7 +31473,7 @@
           </p:sp>
           <p:sp>
             <p:nvSpPr>
-              <p:cNvPr id="641" name="Line"/>
+              <p:cNvPr id="649" name="Line"/>
               <p:cNvSpPr/>
               <p:nvPr/>
             </p:nvSpPr>
@@ -30905,7 +31520,7 @@
           </p:sp>
           <p:sp>
             <p:nvSpPr>
-              <p:cNvPr id="642" name="Line"/>
+              <p:cNvPr id="650" name="Line"/>
               <p:cNvSpPr/>
               <p:nvPr/>
             </p:nvSpPr>
@@ -30952,7 +31567,7 @@
           </p:sp>
           <p:sp>
             <p:nvSpPr>
-              <p:cNvPr id="643" name="Line"/>
+              <p:cNvPr id="651" name="Line"/>
               <p:cNvSpPr/>
               <p:nvPr/>
             </p:nvSpPr>
@@ -31001,7 +31616,7 @@
       </p:grpSp>
       <p:grpSp>
         <p:nvGrpSpPr>
-          <p:cNvPr id="651" name="Group"/>
+          <p:cNvPr id="659" name="Group"/>
           <p:cNvGrpSpPr/>
           <p:nvPr/>
         </p:nvGrpSpPr>
@@ -31015,7 +31630,7 @@
         </p:grpSpPr>
         <p:pic>
           <p:nvPicPr>
-            <p:cNvPr id="646" name="pasted-image.pdf" descr="pasted-image.pdf"/>
+            <p:cNvPr id="654" name="Image" descr="Image"/>
             <p:cNvPicPr>
               <a:picLocks noChangeAspect="1"/>
             </p:cNvPicPr>
@@ -31046,7 +31661,7 @@
         </p:pic>
         <p:grpSp>
           <p:nvGrpSpPr>
-            <p:cNvPr id="650" name="Group"/>
+            <p:cNvPr id="658" name="Group"/>
             <p:cNvGrpSpPr/>
             <p:nvPr/>
           </p:nvGrpSpPr>
@@ -31060,7 +31675,7 @@
           </p:grpSpPr>
           <p:sp>
             <p:nvSpPr>
-              <p:cNvPr id="647" name="Line"/>
+              <p:cNvPr id="655" name="Line"/>
               <p:cNvSpPr/>
               <p:nvPr/>
             </p:nvSpPr>
@@ -31107,7 +31722,7 @@
           </p:sp>
           <p:sp>
             <p:nvSpPr>
-              <p:cNvPr id="648" name="Line"/>
+              <p:cNvPr id="656" name="Line"/>
               <p:cNvSpPr/>
               <p:nvPr/>
             </p:nvSpPr>
@@ -31154,7 +31769,7 @@
           </p:sp>
           <p:sp>
             <p:nvSpPr>
-              <p:cNvPr id="649" name="Line"/>
+              <p:cNvPr id="657" name="Line"/>
               <p:cNvSpPr/>
               <p:nvPr/>
             </p:nvSpPr>
@@ -31203,7 +31818,7 @@
       </p:grpSp>
       <p:grpSp>
         <p:nvGrpSpPr>
-          <p:cNvPr id="660" name="Group"/>
+          <p:cNvPr id="668" name="Group"/>
           <p:cNvGrpSpPr/>
           <p:nvPr/>
         </p:nvGrpSpPr>
@@ -31217,7 +31832,7 @@
         </p:grpSpPr>
         <p:pic>
           <p:nvPicPr>
-            <p:cNvPr id="652" name="pasted-image.pdf" descr="pasted-image.pdf"/>
+            <p:cNvPr id="660" name="Image" descr="Image"/>
             <p:cNvPicPr>
               <a:picLocks noChangeAspect="1"/>
             </p:cNvPicPr>
@@ -31248,7 +31863,7 @@
         </p:pic>
         <p:grpSp>
           <p:nvGrpSpPr>
-            <p:cNvPr id="659" name="Group"/>
+            <p:cNvPr id="667" name="Group"/>
             <p:cNvGrpSpPr/>
             <p:nvPr/>
           </p:nvGrpSpPr>
@@ -31262,7 +31877,7 @@
           </p:grpSpPr>
           <p:sp>
             <p:nvSpPr>
-              <p:cNvPr id="653" name="Line"/>
+              <p:cNvPr id="661" name="Line"/>
               <p:cNvSpPr/>
               <p:nvPr/>
             </p:nvSpPr>
@@ -31309,7 +31924,7 @@
           </p:sp>
           <p:sp>
             <p:nvSpPr>
-              <p:cNvPr id="654" name="Line"/>
+              <p:cNvPr id="662" name="Line"/>
               <p:cNvSpPr/>
               <p:nvPr/>
             </p:nvSpPr>
@@ -31356,7 +31971,7 @@
           </p:sp>
           <p:sp>
             <p:nvSpPr>
-              <p:cNvPr id="655" name="Line"/>
+              <p:cNvPr id="663" name="Line"/>
               <p:cNvSpPr/>
               <p:nvPr/>
             </p:nvSpPr>
@@ -31403,7 +32018,7 @@
           </p:sp>
           <p:sp>
             <p:nvSpPr>
-              <p:cNvPr id="656" name="Circle"/>
+              <p:cNvPr id="664" name="Circle"/>
               <p:cNvSpPr/>
               <p:nvPr/>
             </p:nvSpPr>
@@ -31448,7 +32063,7 @@
           </p:sp>
           <p:sp>
             <p:nvSpPr>
-              <p:cNvPr id="657" name="Circle"/>
+              <p:cNvPr id="665" name="Circle"/>
               <p:cNvSpPr/>
               <p:nvPr/>
             </p:nvSpPr>
@@ -31493,7 +32108,7 @@
           </p:sp>
           <p:sp>
             <p:nvSpPr>
-              <p:cNvPr id="658" name="Circle"/>
+              <p:cNvPr id="666" name="Circle"/>
               <p:cNvSpPr/>
               <p:nvPr/>
             </p:nvSpPr>
@@ -31540,7 +32155,7 @@
       </p:grpSp>
       <p:grpSp>
         <p:nvGrpSpPr>
-          <p:cNvPr id="663" name="Group"/>
+          <p:cNvPr id="671" name="Group"/>
           <p:cNvGrpSpPr/>
           <p:nvPr/>
         </p:nvGrpSpPr>
@@ -31554,7 +32169,7 @@
         </p:grpSpPr>
         <p:pic>
           <p:nvPicPr>
-            <p:cNvPr id="661" name="pasted-image.pdf" descr="pasted-image.pdf"/>
+            <p:cNvPr id="669" name="Image" descr="Image"/>
             <p:cNvPicPr>
               <a:picLocks noChangeAspect="1"/>
             </p:cNvPicPr>
@@ -31585,7 +32200,7 @@
         </p:pic>
         <p:pic>
           <p:nvPicPr>
-            <p:cNvPr id="662" name="pasted-image.pdf" descr="pasted-image.pdf"/>
+            <p:cNvPr id="670" name="Image" descr="Image"/>
             <p:cNvPicPr>
               <a:picLocks noChangeAspect="1"/>
             </p:cNvPicPr>
@@ -31617,7 +32232,7 @@
       </p:grpSp>
       <p:sp>
         <p:nvSpPr>
-          <p:cNvPr id="664" name="visualizing error…"/>
+          <p:cNvPr id="672" name="maps…"/>
           <p:cNvSpPr txBox="1"/>
           <p:nvPr/>
         </p:nvSpPr>
@@ -31653,7 +32268,7 @@
               </a:spcBef>
             </a:pPr>
             <a:r>
-              <a:t>visualizing error</a:t>
+              <a:t>maps</a:t>
             </a:r>
           </a:p>
           <a:p>
@@ -31690,7 +32305,7 @@
       </p:sp>
       <p:sp>
         <p:nvSpPr>
-          <p:cNvPr id="665" name="k + geom_map(aes(map_id = state), map = map) + expand_limits(x = map$long, y = map$lat), map_id, alpha, color, fill, linetype, size"/>
+          <p:cNvPr id="673" name="k + geom_map(aes(map_id = state), map = map) + expand_limits(x = map$long, y = map$lat), map_id, alpha, color, fill, linetype, size"/>
           <p:cNvSpPr txBox="1"/>
           <p:nvPr/>
         </p:nvSpPr>
@@ -31756,569 +32371,6 @@
       </p:sp>
       <p:sp>
         <p:nvSpPr>
-          <p:cNvPr id="666" name="Quote Bubble"/>
-          <p:cNvSpPr/>
-          <p:nvPr/>
-        </p:nvSpPr>
-        <p:spPr>
-          <a:xfrm>
-            <a:off x="1752618" y="5706735"/>
-            <a:ext cx="1172174" cy="148882"/>
-          </a:xfrm>
-          <a:prstGeom prst="wedgeEllipseCallout">
-            <a:avLst>
-              <a:gd name="adj1" fmla="val 31630"/>
-              <a:gd name="adj2" fmla="val -7403"/>
-            </a:avLst>
-          </a:prstGeom>
-          <a:solidFill>
-            <a:srgbClr val="4D769E"/>
-          </a:solidFill>
-          <a:ln w="12700">
-            <a:miter lim="400000"/>
-          </a:ln>
-        </p:spPr>
-        <p:txBody>
-          <a:bodyPr lIns="0" tIns="0" rIns="0" bIns="0" anchor="ctr"/>
-          <a:lstStyle/>
-          <a:p>
-            <a:pPr algn="ctr">
-              <a:lnSpc>
-                <a:spcPct val="90000"/>
-              </a:lnSpc>
-              <a:spcBef>
-                <a:spcPts val="300"/>
-              </a:spcBef>
-              <a:buClr>
-                <a:schemeClr val="accent4">
-                  <a:hueOff val="384618"/>
-                  <a:satOff val="3869"/>
-                  <a:lumOff val="5802"/>
-                </a:schemeClr>
-              </a:buClr>
-              <a:defRPr sz="900">
-                <a:solidFill>
-                  <a:srgbClr val="FFFFFF"/>
-                </a:solidFill>
-              </a:defRPr>
-            </a:pPr>
-          </a:p>
-        </p:txBody>
-      </p:sp>
-      <p:sp>
-        <p:nvSpPr>
-          <p:cNvPr id="667" name="Quote Bubble"/>
-          <p:cNvSpPr/>
-          <p:nvPr/>
-        </p:nvSpPr>
-        <p:spPr>
-          <a:xfrm>
-            <a:off x="1248852" y="5895407"/>
-            <a:ext cx="802146" cy="148882"/>
-          </a:xfrm>
-          <a:prstGeom prst="wedgeEllipseCallout">
-            <a:avLst>
-              <a:gd name="adj1" fmla="val 23156"/>
-              <a:gd name="adj2" fmla="val -7403"/>
-            </a:avLst>
-          </a:prstGeom>
-          <a:solidFill>
-            <a:srgbClr val="4D769E"/>
-          </a:solidFill>
-          <a:ln w="12700">
-            <a:miter lim="400000"/>
-          </a:ln>
-        </p:spPr>
-        <p:txBody>
-          <a:bodyPr lIns="0" tIns="0" rIns="0" bIns="0" anchor="ctr"/>
-          <a:lstStyle/>
-          <a:p>
-            <a:pPr algn="ctr">
-              <a:lnSpc>
-                <a:spcPct val="90000"/>
-              </a:lnSpc>
-              <a:spcBef>
-                <a:spcPts val="300"/>
-              </a:spcBef>
-              <a:buClr>
-                <a:schemeClr val="accent4">
-                  <a:hueOff val="384618"/>
-                  <a:satOff val="3869"/>
-                  <a:lumOff val="5802"/>
-                </a:schemeClr>
-              </a:buClr>
-              <a:defRPr sz="900">
-                <a:solidFill>
-                  <a:srgbClr val="FFFFFF"/>
-                </a:solidFill>
-              </a:defRPr>
-            </a:pPr>
-          </a:p>
-        </p:txBody>
-      </p:sp>
-      <p:sp>
-        <p:nvSpPr>
-          <p:cNvPr id="668" name="Quote Bubble"/>
-          <p:cNvSpPr/>
-          <p:nvPr/>
-        </p:nvSpPr>
-        <p:spPr>
-          <a:xfrm>
-            <a:off x="1676418" y="6084079"/>
-            <a:ext cx="685801" cy="148882"/>
-          </a:xfrm>
-          <a:prstGeom prst="wedgeEllipseCallout">
-            <a:avLst>
-              <a:gd name="adj1" fmla="val 18602"/>
-              <a:gd name="adj2" fmla="val -7403"/>
-            </a:avLst>
-          </a:prstGeom>
-          <a:solidFill>
-            <a:srgbClr val="659FD5"/>
-          </a:solidFill>
-          <a:ln w="12700">
-            <a:miter lim="400000"/>
-          </a:ln>
-        </p:spPr>
-        <p:txBody>
-          <a:bodyPr lIns="0" tIns="0" rIns="0" bIns="0" anchor="ctr"/>
-          <a:lstStyle/>
-          <a:p>
-            <a:pPr algn="ctr">
-              <a:lnSpc>
-                <a:spcPct val="90000"/>
-              </a:lnSpc>
-              <a:spcBef>
-                <a:spcPts val="300"/>
-              </a:spcBef>
-              <a:buClr>
-                <a:schemeClr val="accent4">
-                  <a:hueOff val="384618"/>
-                  <a:satOff val="3869"/>
-                  <a:lumOff val="5802"/>
-                </a:schemeClr>
-              </a:buClr>
-              <a:defRPr sz="900">
-                <a:solidFill>
-                  <a:srgbClr val="FFFFFF"/>
-                </a:solidFill>
-              </a:defRPr>
-            </a:pPr>
-          </a:p>
-        </p:txBody>
-      </p:sp>
-      <p:sp>
-        <p:nvSpPr>
-          <p:cNvPr id="669" name="Quote Bubble"/>
-          <p:cNvSpPr/>
-          <p:nvPr/>
-        </p:nvSpPr>
-        <p:spPr>
-          <a:xfrm>
-            <a:off x="309052" y="6272751"/>
-            <a:ext cx="1563264" cy="148882"/>
-          </a:xfrm>
-          <a:prstGeom prst="wedgeEllipseCallout">
-            <a:avLst>
-              <a:gd name="adj1" fmla="val 36226"/>
-              <a:gd name="adj2" fmla="val -7403"/>
-            </a:avLst>
-          </a:prstGeom>
-          <a:solidFill>
-            <a:srgbClr val="659FD5"/>
-          </a:solidFill>
-          <a:ln w="12700">
-            <a:miter lim="400000"/>
-          </a:ln>
-        </p:spPr>
-        <p:txBody>
-          <a:bodyPr lIns="0" tIns="0" rIns="0" bIns="0" anchor="ctr"/>
-          <a:lstStyle/>
-          <a:p>
-            <a:pPr algn="ctr">
-              <a:lnSpc>
-                <a:spcPct val="90000"/>
-              </a:lnSpc>
-              <a:spcBef>
-                <a:spcPts val="300"/>
-              </a:spcBef>
-              <a:buClr>
-                <a:schemeClr val="accent4">
-                  <a:hueOff val="384618"/>
-                  <a:satOff val="3869"/>
-                  <a:lumOff val="5802"/>
-                </a:schemeClr>
-              </a:buClr>
-              <a:defRPr sz="900">
-                <a:solidFill>
-                  <a:srgbClr val="FFFFFF"/>
-                </a:solidFill>
-              </a:defRPr>
-            </a:pPr>
-          </a:p>
-        </p:txBody>
-      </p:sp>
-      <p:sp>
-        <p:nvSpPr>
-          <p:cNvPr id="670" name="Quote Bubble"/>
-          <p:cNvSpPr/>
-          <p:nvPr/>
-        </p:nvSpPr>
-        <p:spPr>
-          <a:xfrm>
-            <a:off x="309052" y="6461423"/>
-            <a:ext cx="1219296" cy="148881"/>
-          </a:xfrm>
-          <a:prstGeom prst="wedgeEllipseCallout">
-            <a:avLst>
-              <a:gd name="adj1" fmla="val 32340"/>
-              <a:gd name="adj2" fmla="val -7403"/>
-            </a:avLst>
-          </a:prstGeom>
-          <a:solidFill>
-            <a:srgbClr val="659FD5"/>
-          </a:solidFill>
-          <a:ln w="12700">
-            <a:miter lim="400000"/>
-          </a:ln>
-        </p:spPr>
-        <p:txBody>
-          <a:bodyPr lIns="0" tIns="0" rIns="0" bIns="0" anchor="ctr"/>
-          <a:lstStyle/>
-          <a:p>
-            <a:pPr algn="ctr">
-              <a:lnSpc>
-                <a:spcPct val="90000"/>
-              </a:lnSpc>
-              <a:spcBef>
-                <a:spcPts val="300"/>
-              </a:spcBef>
-              <a:buClr>
-                <a:schemeClr val="accent4">
-                  <a:hueOff val="384618"/>
-                  <a:satOff val="3869"/>
-                  <a:lumOff val="5802"/>
-                </a:schemeClr>
-              </a:buClr>
-              <a:defRPr sz="900">
-                <a:solidFill>
-                  <a:srgbClr val="FFFFFF"/>
-                </a:solidFill>
-              </a:defRPr>
-            </a:pPr>
-          </a:p>
-        </p:txBody>
-      </p:sp>
-      <p:sp>
-        <p:nvSpPr>
-          <p:cNvPr id="671" name="Quote Bubble"/>
-          <p:cNvSpPr/>
-          <p:nvPr/>
-        </p:nvSpPr>
-        <p:spPr>
-          <a:xfrm>
-            <a:off x="309052" y="6650094"/>
-            <a:ext cx="1219296" cy="148882"/>
-          </a:xfrm>
-          <a:prstGeom prst="wedgeEllipseCallout">
-            <a:avLst>
-              <a:gd name="adj1" fmla="val 32340"/>
-              <a:gd name="adj2" fmla="val -7403"/>
-            </a:avLst>
-          </a:prstGeom>
-          <a:solidFill>
-            <a:srgbClr val="659FD5"/>
-          </a:solidFill>
-          <a:ln w="12700">
-            <a:miter lim="400000"/>
-          </a:ln>
-        </p:spPr>
-        <p:txBody>
-          <a:bodyPr lIns="0" tIns="0" rIns="0" bIns="0" anchor="ctr"/>
-          <a:lstStyle/>
-          <a:p>
-            <a:pPr algn="ctr">
-              <a:lnSpc>
-                <a:spcPct val="90000"/>
-              </a:lnSpc>
-              <a:spcBef>
-                <a:spcPts val="300"/>
-              </a:spcBef>
-              <a:buClr>
-                <a:schemeClr val="accent4">
-                  <a:hueOff val="384618"/>
-                  <a:satOff val="3869"/>
-                  <a:lumOff val="5802"/>
-                </a:schemeClr>
-              </a:buClr>
-              <a:defRPr sz="900">
-                <a:solidFill>
-                  <a:srgbClr val="FFFFFF"/>
-                </a:solidFill>
-              </a:defRPr>
-            </a:pPr>
-          </a:p>
-        </p:txBody>
-      </p:sp>
-      <p:sp>
-        <p:nvSpPr>
-          <p:cNvPr id="672" name="Quote Bubble"/>
-          <p:cNvSpPr/>
-          <p:nvPr/>
-        </p:nvSpPr>
-        <p:spPr>
-          <a:xfrm>
-            <a:off x="309052" y="6838766"/>
-            <a:ext cx="1219296" cy="148882"/>
-          </a:xfrm>
-          <a:prstGeom prst="wedgeEllipseCallout">
-            <a:avLst>
-              <a:gd name="adj1" fmla="val 32340"/>
-              <a:gd name="adj2" fmla="val -7403"/>
-            </a:avLst>
-          </a:prstGeom>
-          <a:solidFill>
-            <a:srgbClr val="659FD5"/>
-          </a:solidFill>
-          <a:ln w="12700">
-            <a:miter lim="400000"/>
-          </a:ln>
-        </p:spPr>
-        <p:txBody>
-          <a:bodyPr lIns="0" tIns="0" rIns="0" bIns="0" anchor="ctr"/>
-          <a:lstStyle/>
-          <a:p>
-            <a:pPr algn="ctr">
-              <a:lnSpc>
-                <a:spcPct val="90000"/>
-              </a:lnSpc>
-              <a:spcBef>
-                <a:spcPts val="300"/>
-              </a:spcBef>
-              <a:buClr>
-                <a:schemeClr val="accent4">
-                  <a:hueOff val="384618"/>
-                  <a:satOff val="3869"/>
-                  <a:lumOff val="5802"/>
-                </a:schemeClr>
-              </a:buClr>
-              <a:defRPr sz="900">
-                <a:solidFill>
-                  <a:srgbClr val="FFFFFF"/>
-                </a:solidFill>
-              </a:defRPr>
-            </a:pPr>
-          </a:p>
-        </p:txBody>
-      </p:sp>
-      <p:sp>
-        <p:nvSpPr>
-          <p:cNvPr id="673" name="ggplot (data =  &lt;DATA&gt; ) + &lt;GEOM_FUNCTION&gt;  (mapping = ase ( &lt;MAPPINGS&gt; ),…"/>
-          <p:cNvSpPr txBox="1"/>
-          <p:nvPr/>
-        </p:nvSpPr>
-        <p:spPr>
-          <a:xfrm>
-            <a:off x="335608" y="5665346"/>
-            <a:ext cx="3054155" cy="1492227"/>
-          </a:xfrm>
-          <a:prstGeom prst="rect">
-            <a:avLst/>
-          </a:prstGeom>
-          <a:ln w="12700">
-            <a:miter lim="400000"/>
-          </a:ln>
-          <a:extLst>
-            <a:ext uri="{C572A759-6A51-4108-AA02-DFA0A04FC94B}">
-              <ma14:wrappingTextBoxFlag xmlns:ma14="http://schemas.microsoft.com/office/mac/drawingml/2011/main" val="1"/>
-            </a:ext>
-          </a:extLst>
-        </p:spPr>
-        <p:txBody>
-          <a:bodyPr lIns="0" tIns="0" rIns="0" bIns="0">
-            <a:normAutofit fontScale="100000" lnSpcReduction="0"/>
-          </a:bodyPr>
-          <a:lstStyle/>
-          <a:p>
-            <a:pPr>
-              <a:lnSpc>
-                <a:spcPts val="1500"/>
-              </a:lnSpc>
-              <a:spcBef>
-                <a:spcPts val="0"/>
-              </a:spcBef>
-              <a:defRPr sz="1000">
-                <a:solidFill>
-                  <a:srgbClr val="000000"/>
-                </a:solidFill>
-              </a:defRPr>
-            </a:pPr>
-            <a:r>
-              <a:t>ggplot (data =  </a:t>
-            </a:r>
-            <a:r>
-              <a:rPr>
-                <a:solidFill>
-                  <a:srgbClr val="FFFFFF"/>
-                </a:solidFill>
-              </a:rPr>
-              <a:t>&lt;DATA&gt; </a:t>
-            </a:r>
-            <a:r>
-              <a:t>) + </a:t>
-            </a:r>
-            <a:r>
-              <a:rPr>
-                <a:solidFill>
-                  <a:srgbClr val="FFFFFF"/>
-                </a:solidFill>
-              </a:rPr>
-              <a:t>&lt;GEOM_FUNCTION&gt;  </a:t>
-            </a:r>
-            <a:r>
-              <a:t>(mapping = ase ( </a:t>
-            </a:r>
-            <a:r>
-              <a:rPr>
-                <a:solidFill>
-                  <a:srgbClr val="FFFFFF"/>
-                </a:solidFill>
-              </a:rPr>
-              <a:t>&lt;MAPPINGS&gt;</a:t>
-            </a:r>
-            <a:r>
-              <a:t> ), </a:t>
-            </a:r>
-          </a:p>
-          <a:p>
-            <a:pPr>
-              <a:lnSpc>
-                <a:spcPts val="1500"/>
-              </a:lnSpc>
-              <a:spcBef>
-                <a:spcPts val="0"/>
-              </a:spcBef>
-              <a:defRPr b="0" sz="1000">
-                <a:solidFill>
-                  <a:srgbClr val="000000"/>
-                </a:solidFill>
-              </a:defRPr>
-            </a:pPr>
-            <a:r>
-              <a:t>stat = </a:t>
-            </a:r>
-            <a:r>
-              <a:rPr b="1"/>
-              <a:t>&lt;STAT&gt;</a:t>
-            </a:r>
-            <a:r>
-              <a:t> , position = </a:t>
-            </a:r>
-            <a:r>
-              <a:rPr b="1">
-                <a:solidFill>
-                  <a:srgbClr val="FFFFFF"/>
-                </a:solidFill>
-              </a:rPr>
-              <a:t>&lt;POSITION&gt;</a:t>
-            </a:r>
-            <a:r>
-              <a:t> ) + </a:t>
-            </a:r>
-            <a:r>
-              <a:rPr b="1">
-                <a:solidFill>
-                  <a:srgbClr val="FFFFFF"/>
-                </a:solidFill>
-              </a:rPr>
-              <a:t>&lt;COORDINATE_FUNCTION&gt;</a:t>
-            </a:r>
-            <a:r>
-              <a:t> +</a:t>
-            </a:r>
-          </a:p>
-          <a:p>
-            <a:pPr>
-              <a:lnSpc>
-                <a:spcPts val="1500"/>
-              </a:lnSpc>
-              <a:spcBef>
-                <a:spcPts val="0"/>
-              </a:spcBef>
-              <a:defRPr sz="1000">
-                <a:solidFill>
-                  <a:srgbClr val="000000"/>
-                </a:solidFill>
-              </a:defRPr>
-            </a:pPr>
-            <a:r>
-              <a:rPr>
-                <a:solidFill>
-                  <a:srgbClr val="FFFFFF"/>
-                </a:solidFill>
-              </a:rPr>
-              <a:t>&lt;FACET_FUNCTION&gt;</a:t>
-            </a:r>
-            <a:r>
-              <a:t>  </a:t>
-            </a:r>
-            <a:r>
-              <a:rPr b="0"/>
-              <a:t>+</a:t>
-            </a:r>
-          </a:p>
-          <a:p>
-            <a:pPr>
-              <a:lnSpc>
-                <a:spcPts val="1500"/>
-              </a:lnSpc>
-              <a:spcBef>
-                <a:spcPts val="0"/>
-              </a:spcBef>
-              <a:defRPr sz="1000">
-                <a:solidFill>
-                  <a:srgbClr val="000000"/>
-                </a:solidFill>
-              </a:defRPr>
-            </a:pPr>
-            <a:r>
-              <a:rPr>
-                <a:solidFill>
-                  <a:srgbClr val="FFFFFF"/>
-                </a:solidFill>
-              </a:rPr>
-              <a:t>&lt;SCALE_FUNCTION&gt;</a:t>
-            </a:r>
-            <a:r>
-              <a:t>  </a:t>
-            </a:r>
-            <a:r>
-              <a:rPr b="0"/>
-              <a:t>+</a:t>
-            </a:r>
-          </a:p>
-          <a:p>
-            <a:pPr>
-              <a:lnSpc>
-                <a:spcPts val="1500"/>
-              </a:lnSpc>
-              <a:spcBef>
-                <a:spcPts val="0"/>
-              </a:spcBef>
-              <a:defRPr sz="1000">
-                <a:solidFill>
-                  <a:srgbClr val="FFFFFF"/>
-                </a:solidFill>
-              </a:defRPr>
-            </a:pPr>
-            <a:r>
-              <a:t>&lt;THEME_FUNCTION&gt;</a:t>
-            </a:r>
-          </a:p>
-        </p:txBody>
-      </p:sp>
-      <p:sp>
-        <p:nvSpPr>
           <p:cNvPr id="674" name="Line"/>
           <p:cNvSpPr/>
           <p:nvPr/>
@@ -32326,7 +32378,7 @@
         <p:spPr>
           <a:xfrm>
             <a:off x="2904976" y="5674490"/>
-            <a:ext cx="58496" cy="353334"/>
+            <a:ext cx="58496" cy="200934"/>
           </a:xfrm>
           <a:custGeom>
             <a:avLst/>
@@ -32357,9 +32409,6 @@
                 </a:lnTo>
                 <a:lnTo>
                   <a:pt x="21600" y="21600"/>
-                </a:lnTo>
-                <a:lnTo>
-                  <a:pt x="3075" y="21600"/>
                 </a:lnTo>
               </a:path>
             </a:pathLst>
@@ -32533,7 +32582,7 @@
         </p:grpSpPr>
         <p:pic>
           <p:nvPicPr>
-            <p:cNvPr id="677" name="pasted-image.pdf" descr="pasted-image.pdf"/>
+            <p:cNvPr id="677" name="Image" descr="Image"/>
             <p:cNvPicPr>
               <a:picLocks noChangeAspect="1"/>
             </p:cNvPicPr>
@@ -32564,7 +32613,7 @@
         </p:pic>
         <p:pic>
           <p:nvPicPr>
-            <p:cNvPr id="678" name="pasted-image.pdf" descr="pasted-image.pdf"/>
+            <p:cNvPr id="678" name="Image" descr="Image"/>
             <p:cNvPicPr>
               <a:picLocks noChangeAspect="1"/>
             </p:cNvPicPr>
@@ -32610,7 +32659,7 @@
         </p:grpSpPr>
         <p:pic>
           <p:nvPicPr>
-            <p:cNvPr id="680" name="pasted-image.pdf" descr="pasted-image.pdf"/>
+            <p:cNvPr id="680" name="Image" descr="Image"/>
             <p:cNvPicPr>
               <a:picLocks noChangeAspect="1"/>
             </p:cNvPicPr>
@@ -32641,7 +32690,7 @@
         </p:pic>
         <p:pic>
           <p:nvPicPr>
-            <p:cNvPr id="681" name="pasted-image.pdf" descr="pasted-image.pdf"/>
+            <p:cNvPr id="681" name="Image" descr="Image"/>
             <p:cNvPicPr>
               <a:picLocks noChangeAspect="1"/>
             </p:cNvPicPr>
@@ -33311,7 +33360,7 @@
       </p:grpSpPr>
       <p:pic>
         <p:nvPicPr>
-          <p:cNvPr id="697" name="pasted-image.pdf" descr="pasted-image.pdf"/>
+          <p:cNvPr id="697" name="Image" descr="Image"/>
           <p:cNvPicPr>
             <a:picLocks noChangeAspect="1"/>
           </p:cNvPicPr>
@@ -33504,7 +33553,7 @@
       </p:sp>
       <p:pic>
         <p:nvPicPr>
-          <p:cNvPr id="701" name="pasted-image.pdf" descr="pasted-image.pdf"/>
+          <p:cNvPr id="701" name="Image" descr="Image"/>
           <p:cNvPicPr>
             <a:picLocks noChangeAspect="1"/>
           </p:cNvPicPr>
@@ -38139,7 +38188,7 @@
           </p:grpSpPr>
           <p:pic>
             <p:nvPicPr>
-              <p:cNvPr id="756" name="pasted-image.pdf" descr="pasted-image.pdf"/>
+              <p:cNvPr id="756" name="Image" descr="Image"/>
               <p:cNvPicPr>
                 <a:picLocks noChangeAspect="1"/>
               </p:cNvPicPr>
@@ -38170,7 +38219,7 @@
           </p:pic>
           <p:pic>
             <p:nvPicPr>
-              <p:cNvPr id="757" name="pasted-image.pdf" descr="pasted-image.pdf"/>
+              <p:cNvPr id="757" name="Image" descr="Image"/>
               <p:cNvPicPr>
                 <a:picLocks noChangeAspect="1"/>
               </p:cNvPicPr>
@@ -38996,7 +39045,7 @@
         </p:grpSpPr>
         <p:pic>
           <p:nvPicPr>
-            <p:cNvPr id="763" name="pasted-image.pdf" descr="pasted-image.pdf"/>
+            <p:cNvPr id="763" name="Image" descr="Image"/>
             <p:cNvPicPr>
               <a:picLocks noChangeAspect="1"/>
             </p:cNvPicPr>
@@ -40833,7 +40882,7 @@
       </p:sp>
       <p:pic>
         <p:nvPicPr>
-          <p:cNvPr id="788" name="pasted-image.pdf" descr="pasted-image.pdf"/>
+          <p:cNvPr id="788" name="Image" descr="Image"/>
           <p:cNvPicPr>
             <a:picLocks noChangeAspect="1"/>
           </p:cNvPicPr>
@@ -41516,7 +41565,7 @@
         </p:grpSpPr>
         <p:pic>
           <p:nvPicPr>
-            <p:cNvPr id="796" name="pasted-image.pdf" descr="pasted-image.pdf"/>
+            <p:cNvPr id="796" name="Image" descr="Image"/>
             <p:cNvPicPr>
               <a:picLocks noChangeAspect="1"/>
             </p:cNvPicPr>
@@ -41742,7 +41791,7 @@
         </p:grpSpPr>
         <p:pic>
           <p:nvPicPr>
-            <p:cNvPr id="802" name="pasted-image.pdf" descr="pasted-image.pdf"/>
+            <p:cNvPr id="802" name="Image" descr="Image"/>
             <p:cNvPicPr>
               <a:picLocks noChangeAspect="1"/>
             </p:cNvPicPr>
@@ -42155,7 +42204,7 @@
         </p:grpSpPr>
         <p:pic>
           <p:nvPicPr>
-            <p:cNvPr id="809" name="pasted-image.pdf" descr="pasted-image.pdf"/>
+            <p:cNvPr id="809" name="Image" descr="Image"/>
             <p:cNvPicPr>
               <a:picLocks noChangeAspect="1"/>
             </p:cNvPicPr>
@@ -42186,7 +42235,7 @@
         </p:pic>
         <p:pic>
           <p:nvPicPr>
-            <p:cNvPr id="810" name="pasted-image.pdf" descr="pasted-image.pdf"/>
+            <p:cNvPr id="810" name="Image" descr="Image"/>
             <p:cNvPicPr>
               <a:picLocks noChangeAspect="1"/>
             </p:cNvPicPr>
@@ -42232,7 +42281,7 @@
         </p:grpSpPr>
         <p:pic>
           <p:nvPicPr>
-            <p:cNvPr id="812" name="pasted-image.pdf" descr="pasted-image.pdf"/>
+            <p:cNvPr id="812" name="Image" descr="Image"/>
             <p:cNvPicPr>
               <a:picLocks noChangeAspect="1"/>
             </p:cNvPicPr>
@@ -42263,7 +42312,7 @@
         </p:pic>
         <p:pic>
           <p:nvPicPr>
-            <p:cNvPr id="813" name="pasted-image.pdf" descr="pasted-image.pdf"/>
+            <p:cNvPr id="813" name="Image" descr="Image"/>
             <p:cNvPicPr>
               <a:picLocks noChangeAspect="1"/>
             </p:cNvPicPr>
@@ -42309,7 +42358,7 @@
         </p:grpSpPr>
         <p:pic>
           <p:nvPicPr>
-            <p:cNvPr id="815" name="pasted-image.pdf" descr="pasted-image.pdf"/>
+            <p:cNvPr id="815" name="Image" descr="Image"/>
             <p:cNvPicPr>
               <a:picLocks noChangeAspect="1"/>
             </p:cNvPicPr>
@@ -42340,7 +42389,7 @@
         </p:pic>
         <p:pic>
           <p:nvPicPr>
-            <p:cNvPr id="816" name="pasted-image.pdf" descr="pasted-image.pdf"/>
+            <p:cNvPr id="816" name="Image" descr="Image"/>
             <p:cNvPicPr>
               <a:picLocks noChangeAspect="1"/>
             </p:cNvPicPr>
@@ -42386,7 +42435,7 @@
         </p:grpSpPr>
         <p:pic>
           <p:nvPicPr>
-            <p:cNvPr id="818" name="pasted-image.pdf" descr="pasted-image.pdf"/>
+            <p:cNvPr id="818" name="Image" descr="Image"/>
             <p:cNvPicPr>
               <a:picLocks noChangeAspect="1"/>
             </p:cNvPicPr>
@@ -42417,7 +42466,7 @@
         </p:pic>
         <p:pic>
           <p:nvPicPr>
-            <p:cNvPr id="819" name="pasted-image.pdf" descr="pasted-image.pdf"/>
+            <p:cNvPr id="819" name="Image" descr="Image"/>
             <p:cNvPicPr>
               <a:picLocks noChangeAspect="1"/>
             </p:cNvPicPr>
@@ -42645,7 +42694,7 @@
       </p:sp>
       <p:pic>
         <p:nvPicPr>
-          <p:cNvPr id="822" name="pasted-image.pdf" descr="pasted-image.pdf"/>
+          <p:cNvPr id="822" name="Image" descr="Image"/>
           <p:cNvPicPr>
             <a:picLocks noChangeAspect="1"/>
           </p:cNvPicPr>
@@ -42674,7 +42723,7 @@
       </p:pic>
       <p:pic>
         <p:nvPicPr>
-          <p:cNvPr id="823" name="pasted-image.pdf" descr="pasted-image.pdf"/>
+          <p:cNvPr id="823" name="Image" descr="Image"/>
           <p:cNvPicPr>
             <a:picLocks noChangeAspect="1"/>
           </p:cNvPicPr>
@@ -42717,7 +42766,7 @@
         </p:grpSpPr>
         <p:pic>
           <p:nvPicPr>
-            <p:cNvPr id="824" name="pasted-image.pdf" descr="pasted-image.pdf"/>
+            <p:cNvPr id="824" name="Image" descr="Image"/>
             <p:cNvPicPr>
               <a:picLocks noChangeAspect="1"/>
             </p:cNvPicPr>
@@ -42748,7 +42797,7 @@
         </p:pic>
         <p:pic>
           <p:nvPicPr>
-            <p:cNvPr id="825" name="pasted-image.pdf" descr="pasted-image.pdf"/>
+            <p:cNvPr id="825" name="Image" descr="Image"/>
             <p:cNvPicPr>
               <a:picLocks noChangeAspect="1"/>
             </p:cNvPicPr>
@@ -42780,7 +42829,7 @@
       </p:grpSp>
       <p:pic>
         <p:nvPicPr>
-          <p:cNvPr id="827" name="pasted-image.pdf" descr="pasted-image.pdf"/>
+          <p:cNvPr id="827" name="Image" descr="Image"/>
           <p:cNvPicPr>
             <a:picLocks noChangeAspect="1"/>
           </p:cNvPicPr>
@@ -43166,7 +43215,7 @@
         </p:grpSpPr>
         <p:pic>
           <p:nvPicPr>
-            <p:cNvPr id="829" name="pasted-image.pdf" descr="pasted-image.pdf"/>
+            <p:cNvPr id="829" name="Image" descr="Image"/>
             <p:cNvPicPr>
               <a:picLocks noChangeAspect="1"/>
             </p:cNvPicPr>
@@ -43407,7 +43456,7 @@
         </p:grpSpPr>
         <p:pic>
           <p:nvPicPr>
-            <p:cNvPr id="836" name="pasted-image.pdf" descr="pasted-image.pdf"/>
+            <p:cNvPr id="836" name="Image" descr="Image"/>
             <p:cNvPicPr>
               <a:picLocks noChangeAspect="1"/>
             </p:cNvPicPr>
@@ -43634,7 +43683,7 @@
       </p:grpSp>
       <p:pic>
         <p:nvPicPr>
-          <p:cNvPr id="843" name="pasted-image.pdf" descr="pasted-image.pdf"/>
+          <p:cNvPr id="843" name="Image" descr="Image"/>
           <p:cNvPicPr>
             <a:picLocks noChangeAspect="1"/>
           </p:cNvPicPr>
@@ -43663,7 +43712,7 @@
       </p:pic>
       <p:pic>
         <p:nvPicPr>
-          <p:cNvPr id="844" name="pasted-image.pdf" descr="pasted-image.pdf"/>
+          <p:cNvPr id="844" name="Image" descr="Image"/>
           <p:cNvPicPr>
             <a:picLocks noChangeAspect="1"/>
           </p:cNvPicPr>
@@ -43692,7 +43741,7 @@
       </p:pic>
       <p:pic>
         <p:nvPicPr>
-          <p:cNvPr id="845" name="pasted-image.pdf" descr="pasted-image.pdf"/>
+          <p:cNvPr id="845" name="Image" descr="Image"/>
           <p:cNvPicPr>
             <a:picLocks noChangeAspect="1"/>
           </p:cNvPicPr>
@@ -44113,7 +44162,7 @@
       </p:sp>
       <p:pic>
         <p:nvPicPr>
-          <p:cNvPr id="849" name="pasted-image.pdf" descr="pasted-image.pdf"/>
+          <p:cNvPr id="849" name="Image" descr="Image"/>
           <p:cNvPicPr>
             <a:picLocks noChangeAspect="1"/>
           </p:cNvPicPr>
@@ -44142,7 +44191,7 @@
       </p:pic>
       <p:pic>
         <p:nvPicPr>
-          <p:cNvPr id="850" name="pasted-image.pdf" descr="pasted-image.pdf"/>
+          <p:cNvPr id="850" name="Image" descr="Image"/>
           <p:cNvPicPr>
             <a:picLocks noChangeAspect="1"/>
           </p:cNvPicPr>
@@ -44171,7 +44220,7 @@
       </p:pic>
       <p:pic>
         <p:nvPicPr>
-          <p:cNvPr id="851" name="pasted-image.pdf" descr="pasted-image.pdf"/>
+          <p:cNvPr id="851" name="Image" descr="Image"/>
           <p:cNvPicPr>
             <a:picLocks noChangeAspect="1"/>
           </p:cNvPicPr>
@@ -44200,7 +44249,7 @@
       </p:pic>
       <p:pic>
         <p:nvPicPr>
-          <p:cNvPr id="852" name="pasted-image.pdf" descr="pasted-image.pdf"/>
+          <p:cNvPr id="852" name="Image" descr="Image"/>
           <p:cNvPicPr>
             <a:picLocks noChangeAspect="1"/>
           </p:cNvPicPr>
@@ -44229,7 +44278,7 @@
       </p:pic>
       <p:pic>
         <p:nvPicPr>
-          <p:cNvPr id="853" name="pasted-image.pdf" descr="pasted-image.pdf"/>
+          <p:cNvPr id="853" name="Image" descr="Image"/>
           <p:cNvPicPr>
             <a:picLocks noChangeAspect="1"/>
           </p:cNvPicPr>
@@ -45055,7 +45104,7 @@
       </p:sp>
       <p:pic>
         <p:nvPicPr>
-          <p:cNvPr id="869" name="pasted-image.pdf" descr="pasted-image.pdf"/>
+          <p:cNvPr id="869" name="Image" descr="Image"/>
           <p:cNvPicPr>
             <a:picLocks noChangeAspect="1"/>
           </p:cNvPicPr>
@@ -45084,7 +45133,7 @@
       </p:pic>
       <p:pic>
         <p:nvPicPr>
-          <p:cNvPr id="870" name="pasted-image.pdf" descr="pasted-image.pdf"/>
+          <p:cNvPr id="870" name="Image" descr="Image"/>
           <p:cNvPicPr>
             <a:picLocks noChangeAspect="1"/>
           </p:cNvPicPr>
@@ -45113,7 +45162,7 @@
       </p:pic>
       <p:pic>
         <p:nvPicPr>
-          <p:cNvPr id="871" name="pasted-image.pdf" descr="pasted-image.pdf"/>
+          <p:cNvPr id="871" name="Image" descr="Image"/>
           <p:cNvPicPr>
             <a:picLocks noChangeAspect="1"/>
           </p:cNvPicPr>
@@ -45142,7 +45191,7 @@
       </p:pic>
       <p:pic>
         <p:nvPicPr>
-          <p:cNvPr id="872" name="pasted-image.pdf" descr="pasted-image.pdf"/>
+          <p:cNvPr id="872" name="Image" descr="Image"/>
           <p:cNvPicPr>
             <a:picLocks noChangeAspect="1"/>
           </p:cNvPicPr>
@@ -45171,7 +45220,7 @@
       </p:pic>
       <p:pic>
         <p:nvPicPr>
-          <p:cNvPr id="873" name="pasted-image.pdf" descr="pasted-image.pdf"/>
+          <p:cNvPr id="873" name="Image" descr="Image"/>
           <p:cNvPicPr>
             <a:picLocks noChangeAspect="1"/>
           </p:cNvPicPr>
@@ -45200,7 +45249,7 @@
       </p:pic>
       <p:pic>
         <p:nvPicPr>
-          <p:cNvPr id="874" name="pasted-image.pdf" descr="pasted-image.pdf"/>
+          <p:cNvPr id="874" name="Image" descr="Image"/>
           <p:cNvPicPr>
             <a:picLocks noChangeAspect="1"/>
           </p:cNvPicPr>
@@ -46582,7 +46631,7 @@
         </p:sp>
         <p:pic>
           <p:nvPicPr>
-            <p:cNvPr id="896" name="pasted-image.pdf" descr="pasted-image.pdf"/>
+            <p:cNvPr id="896" name="Image" descr="Image"/>
             <p:cNvPicPr>
               <a:picLocks noChangeAspect="1"/>
             </p:cNvPicPr>
@@ -46613,7 +46662,7 @@
         </p:pic>
         <p:pic>
           <p:nvPicPr>
-            <p:cNvPr id="897" name="pasted-image.pdf" descr="pasted-image.pdf"/>
+            <p:cNvPr id="897" name="Image" descr="Image"/>
             <p:cNvPicPr>
               <a:picLocks noChangeAspect="1"/>
             </p:cNvPicPr>
@@ -46644,7 +46693,7 @@
         </p:pic>
         <p:pic>
           <p:nvPicPr>
-            <p:cNvPr id="898" name="pasted-image.pdf" descr="pasted-image.pdf"/>
+            <p:cNvPr id="898" name="Image" descr="Image"/>
             <p:cNvPicPr>
               <a:picLocks noChangeAspect="1"/>
             </p:cNvPicPr>
@@ -46675,7 +46724,7 @@
         </p:pic>
         <p:pic>
           <p:nvPicPr>
-            <p:cNvPr id="899" name="pasted-image.pdf" descr="pasted-image.pdf"/>
+            <p:cNvPr id="899" name="Image" descr="Image"/>
             <p:cNvPicPr>
               <a:picLocks noChangeAspect="1"/>
             </p:cNvPicPr>
@@ -46706,7 +46755,7 @@
         </p:pic>
         <p:pic>
           <p:nvPicPr>
-            <p:cNvPr id="900" name="pasted-image.pdf" descr="pasted-image.pdf"/>
+            <p:cNvPr id="900" name="Image" descr="Image"/>
             <p:cNvPicPr>
               <a:picLocks noChangeAspect="1"/>
             </p:cNvPicPr>
@@ -46738,7 +46787,7 @@
       </p:grpSp>
       <p:pic>
         <p:nvPicPr>
-          <p:cNvPr id="902" name="pasted-image.pdf" descr="pasted-image.pdf"/>
+          <p:cNvPr id="902" name="Image" descr="Image"/>
           <p:cNvPicPr>
             <a:picLocks noChangeAspect="1"/>
           </p:cNvPicPr>
@@ -46767,7 +46816,7 @@
       </p:pic>
       <p:pic>
         <p:nvPicPr>
-          <p:cNvPr id="903" name="pasted-image.pdf" descr="pasted-image.pdf"/>
+          <p:cNvPr id="903" name="Image" descr="Image"/>
           <p:cNvPicPr>
             <a:picLocks noChangeAspect="1"/>
           </p:cNvPicPr>
@@ -46796,7 +46845,7 @@
       </p:pic>
       <p:pic>
         <p:nvPicPr>
-          <p:cNvPr id="904" name="pasted-image.pdf" descr="pasted-image.pdf"/>
+          <p:cNvPr id="904" name="Image" descr="Image"/>
           <p:cNvPicPr>
             <a:picLocks noChangeAspect="1"/>
           </p:cNvPicPr>
@@ -46825,7 +46874,7 @@
       </p:pic>
       <p:pic>
         <p:nvPicPr>
-          <p:cNvPr id="905" name="pasted-image.pdf" descr="pasted-image.pdf"/>
+          <p:cNvPr id="905" name="Image" descr="Image"/>
           <p:cNvPicPr>
             <a:picLocks noChangeAspect="1"/>
           </p:cNvPicPr>
@@ -48073,7 +48122,7 @@
       </p:sp>
       <p:pic>
         <p:nvPicPr>
-          <p:cNvPr id="923" name="pasted-image.pdf" descr="pasted-image.pdf"/>
+          <p:cNvPr id="923" name="Image" descr="Image"/>
           <p:cNvPicPr>
             <a:picLocks noChangeAspect="1"/>
           </p:cNvPicPr>
@@ -48102,7 +48151,7 @@
       </p:pic>
       <p:pic>
         <p:nvPicPr>
-          <p:cNvPr id="924" name="pasted-image.pdf" descr="pasted-image.pdf"/>
+          <p:cNvPr id="924" name="Image" descr="Image"/>
           <p:cNvPicPr>
             <a:picLocks noChangeAspect="1"/>
           </p:cNvPicPr>

--- a/powerpoints/data-visualization-2.1.pptx
+++ b/powerpoints/data-visualization-2.1.pptx
@@ -4333,82 +4333,7 @@
       </p:sp>
       <p:sp>
         <p:nvSpPr>
-          <p:cNvPr id="139" name="RStudio® is a trademark of RStudio, Inc.  •  CC BY RStudio •  info@rstudio.com  •  844-448-1212 • rstudio.com •  Learn more with browseVignettes(package = c(&quot;dplyr&quot;, &quot;tibble&quot;))  •  dplyr  0.5.0 •  tibble  1.2.0  •  Updated: 2017-01"/>
-          <p:cNvSpPr txBox="1"/>
-          <p:nvPr/>
-        </p:nvSpPr>
-        <p:spPr>
-          <a:xfrm>
-            <a:off x="2353572" y="10340910"/>
-            <a:ext cx="11322666" cy="248842"/>
-          </a:xfrm>
-          <a:prstGeom prst="rect">
-            <a:avLst/>
-          </a:prstGeom>
-          <a:ln w="12700">
-            <a:miter lim="400000"/>
-          </a:ln>
-          <a:extLst>
-            <a:ext uri="{C572A759-6A51-4108-AA02-DFA0A04FC94B}">
-              <ma14:wrappingTextBoxFlag xmlns:ma14="http://schemas.microsoft.com/office/mac/drawingml/2011/main" val="1"/>
-            </a:ext>
-          </a:extLst>
-        </p:spPr>
-        <p:txBody>
-          <a:bodyPr lIns="54570" tIns="54570" rIns="54570" bIns="54570" anchor="ctr">
-            <a:spAutoFit/>
-          </a:bodyPr>
-          <a:lstStyle/>
-          <a:p>
-            <a:pPr algn="r">
-              <a:lnSpc>
-                <a:spcPct val="90000"/>
-              </a:lnSpc>
-              <a:spcBef>
-                <a:spcPts val="0"/>
-              </a:spcBef>
-              <a:defRPr b="0" sz="900">
-                <a:solidFill>
-                  <a:srgbClr val="000000"/>
-                </a:solidFill>
-              </a:defRPr>
-            </a:pPr>
-            <a:r>
-              <a:t>RStudio® is a trademark of RStudio, Inc.  •  </a:t>
-            </a:r>
-            <a:r>
-              <a:rPr>
-                <a:hlinkClick r:id="rId3" invalidUrl="" action="" tgtFrame="" tooltip="" history="1" highlightClick="0" endSnd="0"/>
-              </a:rPr>
-              <a:t>CC BY </a:t>
-            </a:r>
-            <a:r>
-              <a:t>RStudio •  </a:t>
-            </a:r>
-            <a:r>
-              <a:rPr>
-                <a:hlinkClick r:id="rId4" invalidUrl="" action="" tgtFrame="" tooltip="" history="1" highlightClick="0" endSnd="0"/>
-              </a:rPr>
-              <a:t>info@rstudio.com</a:t>
-            </a:r>
-            <a:r>
-              <a:t>  •  844-448-1212 • </a:t>
-            </a:r>
-            <a:r>
-              <a:rPr>
-                <a:hlinkClick r:id="rId5" invalidUrl="" action="" tgtFrame="" tooltip="" history="1" highlightClick="0" endSnd="0"/>
-              </a:rPr>
-              <a:t>rstudio.com</a:t>
-            </a:r>
-            <a:r>
-              <a:t> •  Learn more with browseVignettes(package = c("dplyr", "tibble"))  •  dplyr  0.5.0 •  tibble  1.2.0  •  Updated: 2017-01</a:t>
-            </a:r>
-          </a:p>
-        </p:txBody>
-      </p:sp>
-      <p:sp>
-        <p:nvSpPr>
-          <p:cNvPr id="140" name="Line"/>
+          <p:cNvPr id="139" name="Line"/>
           <p:cNvSpPr/>
           <p:nvPr/>
         </p:nvSpPr>
@@ -4449,14 +4374,14 @@
       </p:sp>
       <p:pic>
         <p:nvPicPr>
-          <p:cNvPr id="141" name="Image" descr="Image"/>
+          <p:cNvPr id="140" name="Image" descr="Image"/>
           <p:cNvPicPr>
             <a:picLocks noChangeAspect="1"/>
           </p:cNvPicPr>
           <p:nvPr/>
         </p:nvPicPr>
         <p:blipFill>
-          <a:blip r:embed="rId6">
+          <a:blip r:embed="rId3">
             <a:extLst/>
           </a:blip>
           <a:stretch>
@@ -4478,7 +4403,7 @@
       </p:pic>
       <p:graphicFrame>
         <p:nvGraphicFramePr>
-          <p:cNvPr id="142" name="Table"/>
+          <p:cNvPr id="141" name="Table"/>
           <p:cNvGraphicFramePr/>
           <p:nvPr/>
         </p:nvGraphicFramePr>
@@ -5148,7 +5073,7 @@
       </p:graphicFrame>
       <p:sp>
         <p:nvSpPr>
-          <p:cNvPr id="143" name="+"/>
+          <p:cNvPr id="142" name="+"/>
           <p:cNvSpPr txBox="1"/>
           <p:nvPr/>
         </p:nvSpPr>
@@ -5202,7 +5127,7 @@
       </p:sp>
       <p:sp>
         <p:nvSpPr>
-          <p:cNvPr id="144" name="="/>
+          <p:cNvPr id="143" name="="/>
           <p:cNvSpPr txBox="1"/>
           <p:nvPr/>
         </p:nvSpPr>
@@ -5256,7 +5181,7 @@
       </p:sp>
       <p:sp>
         <p:nvSpPr>
-          <p:cNvPr id="145" name="Data Visualization with ggplot2 : : CHEAT SHEET"/>
+          <p:cNvPr id="144" name="Data Visualization with ggplot2 : : CHEAT SHEET"/>
           <p:cNvSpPr txBox="1"/>
           <p:nvPr>
             <p:ph type="title"/>
@@ -5296,7 +5221,7 @@
       </p:sp>
       <p:sp>
         <p:nvSpPr>
-          <p:cNvPr id="146" name="To display values, map variables in the data to visual properties of the geom (aesthetics) like size, color, and x and y locations."/>
+          <p:cNvPr id="145" name="To display values, map variables in the data to visual properties of the geom (aesthetics) like size, color, and x and y locations."/>
           <p:cNvSpPr txBox="1"/>
           <p:nvPr/>
         </p:nvSpPr>
@@ -5379,7 +5304,7 @@
       </p:sp>
       <p:grpSp>
         <p:nvGrpSpPr>
-          <p:cNvPr id="154" name="Group"/>
+          <p:cNvPr id="153" name="Group"/>
           <p:cNvGrpSpPr/>
           <p:nvPr/>
         </p:nvGrpSpPr>
@@ -5393,7 +5318,7 @@
         </p:grpSpPr>
         <p:graphicFrame>
           <p:nvGraphicFramePr>
-            <p:cNvPr id="147" name="Table"/>
+            <p:cNvPr id="146" name="Table"/>
             <p:cNvGraphicFramePr/>
             <p:nvPr/>
           </p:nvGraphicFramePr>
@@ -6079,7 +6004,7 @@
         </p:graphicFrame>
         <p:sp>
           <p:nvSpPr>
-            <p:cNvPr id="148" name="Circle"/>
+            <p:cNvPr id="147" name="Circle"/>
             <p:cNvSpPr/>
             <p:nvPr/>
           </p:nvSpPr>
@@ -6092,7 +6017,54 @@
               <a:avLst/>
             </a:prstGeom>
             <a:blipFill rotWithShape="1">
-              <a:blip r:embed="rId7"/>
+              <a:blip r:embed="rId4"/>
+              <a:srcRect l="0" t="0" r="0" b="0"/>
+              <a:tile tx="0" ty="0" sx="100000" sy="100000" flip="none" algn="tl"/>
+            </a:blipFill>
+            <a:ln w="12700" cap="flat">
+              <a:noFill/>
+              <a:miter lim="400000"/>
+            </a:ln>
+            <a:effectLst/>
+          </p:spPr>
+          <p:txBody>
+            <a:bodyPr wrap="square" lIns="54570" tIns="54570" rIns="54570" bIns="54570" numCol="1" anchor="ctr">
+              <a:noAutofit/>
+            </a:bodyPr>
+            <a:lstStyle/>
+            <a:p>
+              <a:pPr>
+                <a:lnSpc>
+                  <a:spcPct val="80000"/>
+                </a:lnSpc>
+                <a:spcBef>
+                  <a:spcPts val="0"/>
+                </a:spcBef>
+                <a:defRPr b="0" sz="1000">
+                  <a:solidFill>
+                    <a:srgbClr val="000000"/>
+                  </a:solidFill>
+                </a:defRPr>
+              </a:pPr>
+            </a:p>
+          </p:txBody>
+        </p:sp>
+        <p:sp>
+          <p:nvSpPr>
+            <p:cNvPr id="148" name="Circle"/>
+            <p:cNvSpPr/>
+            <p:nvPr/>
+          </p:nvSpPr>
+          <p:spPr>
+            <a:xfrm>
+              <a:off x="315204" y="117052"/>
+              <a:ext cx="57151" cy="57151"/>
+            </a:xfrm>
+            <a:prstGeom prst="ellipse">
+              <a:avLst/>
+            </a:prstGeom>
+            <a:blipFill rotWithShape="1">
+              <a:blip r:embed="rId4"/>
               <a:srcRect l="0" t="0" r="0" b="0"/>
               <a:tile tx="0" ty="0" sx="100000" sy="100000" flip="none" algn="tl"/>
             </a:blipFill>
@@ -6132,14 +6104,14 @@
           </p:nvSpPr>
           <p:spPr>
             <a:xfrm>
-              <a:off x="315204" y="117052"/>
-              <a:ext cx="57151" cy="57151"/>
+              <a:off x="250825" y="162189"/>
+              <a:ext cx="57150" cy="57151"/>
             </a:xfrm>
             <a:prstGeom prst="ellipse">
               <a:avLst/>
             </a:prstGeom>
             <a:blipFill rotWithShape="1">
-              <a:blip r:embed="rId7"/>
+              <a:blip r:embed="rId4"/>
               <a:srcRect l="0" t="0" r="0" b="0"/>
               <a:tile tx="0" ty="0" sx="100000" sy="100000" flip="none" algn="tl"/>
             </a:blipFill>
@@ -6179,14 +6151,14 @@
           </p:nvSpPr>
           <p:spPr>
             <a:xfrm>
-              <a:off x="250825" y="162189"/>
-              <a:ext cx="57150" cy="57151"/>
+              <a:off x="302504" y="218223"/>
+              <a:ext cx="57151" cy="57151"/>
             </a:xfrm>
             <a:prstGeom prst="ellipse">
               <a:avLst/>
             </a:prstGeom>
             <a:blipFill rotWithShape="1">
-              <a:blip r:embed="rId7"/>
+              <a:blip r:embed="rId4"/>
               <a:srcRect l="0" t="0" r="0" b="0"/>
               <a:tile tx="0" ty="0" sx="100000" sy="100000" flip="none" algn="tl"/>
             </a:blipFill>
@@ -6226,14 +6198,14 @@
           </p:nvSpPr>
           <p:spPr>
             <a:xfrm>
-              <a:off x="302504" y="218223"/>
-              <a:ext cx="57151" cy="57151"/>
+              <a:off x="212725" y="266558"/>
+              <a:ext cx="57150" cy="57151"/>
             </a:xfrm>
             <a:prstGeom prst="ellipse">
               <a:avLst/>
             </a:prstGeom>
             <a:blipFill rotWithShape="1">
-              <a:blip r:embed="rId7"/>
+              <a:blip r:embed="rId4"/>
               <a:srcRect l="0" t="0" r="0" b="0"/>
               <a:tile tx="0" ty="0" sx="100000" sy="100000" flip="none" algn="tl"/>
             </a:blipFill>
@@ -6273,53 +6245,6 @@
           </p:nvSpPr>
           <p:spPr>
             <a:xfrm>
-              <a:off x="212725" y="266558"/>
-              <a:ext cx="57150" cy="57151"/>
-            </a:xfrm>
-            <a:prstGeom prst="ellipse">
-              <a:avLst/>
-            </a:prstGeom>
-            <a:blipFill rotWithShape="1">
-              <a:blip r:embed="rId7"/>
-              <a:srcRect l="0" t="0" r="0" b="0"/>
-              <a:tile tx="0" ty="0" sx="100000" sy="100000" flip="none" algn="tl"/>
-            </a:blipFill>
-            <a:ln w="12700" cap="flat">
-              <a:noFill/>
-              <a:miter lim="400000"/>
-            </a:ln>
-            <a:effectLst/>
-          </p:spPr>
-          <p:txBody>
-            <a:bodyPr wrap="square" lIns="54570" tIns="54570" rIns="54570" bIns="54570" numCol="1" anchor="ctr">
-              <a:noAutofit/>
-            </a:bodyPr>
-            <a:lstStyle/>
-            <a:p>
-              <a:pPr>
-                <a:lnSpc>
-                  <a:spcPct val="80000"/>
-                </a:lnSpc>
-                <a:spcBef>
-                  <a:spcPts val="0"/>
-                </a:spcBef>
-                <a:defRPr b="0" sz="1000">
-                  <a:solidFill>
-                    <a:srgbClr val="000000"/>
-                  </a:solidFill>
-                </a:defRPr>
-              </a:pPr>
-            </a:p>
-          </p:txBody>
-        </p:sp>
-        <p:sp>
-          <p:nvSpPr>
-            <p:cNvPr id="153" name="Circle"/>
-            <p:cNvSpPr/>
-            <p:nvPr/>
-          </p:nvSpPr>
-          <p:spPr>
-            <a:xfrm>
               <a:off x="63690" y="356054"/>
               <a:ext cx="57151" cy="57151"/>
             </a:xfrm>
@@ -6327,7 +6252,7 @@
               <a:avLst/>
             </a:prstGeom>
             <a:blipFill rotWithShape="1">
-              <a:blip r:embed="rId7"/>
+              <a:blip r:embed="rId4"/>
               <a:srcRect l="0" t="0" r="0" b="0"/>
               <a:tile tx="0" ty="0" sx="100000" sy="100000" flip="none" algn="tl"/>
             </a:blipFill>
@@ -6362,7 +6287,7 @@
       </p:grpSp>
       <p:graphicFrame>
         <p:nvGraphicFramePr>
-          <p:cNvPr id="155" name="Table"/>
+          <p:cNvPr id="154" name="Table"/>
           <p:cNvGraphicFramePr/>
           <p:nvPr/>
         </p:nvGraphicFramePr>
@@ -7032,7 +6957,7 @@
       </p:graphicFrame>
       <p:sp>
         <p:nvSpPr>
-          <p:cNvPr id="156" name="+"/>
+          <p:cNvPr id="155" name="+"/>
           <p:cNvSpPr txBox="1"/>
           <p:nvPr/>
         </p:nvSpPr>
@@ -7086,7 +7011,7 @@
       </p:sp>
       <p:sp>
         <p:nvSpPr>
-          <p:cNvPr id="157" name="="/>
+          <p:cNvPr id="156" name="="/>
           <p:cNvSpPr txBox="1"/>
           <p:nvPr/>
         </p:nvSpPr>
@@ -7140,7 +7065,7 @@
       </p:sp>
       <p:grpSp>
         <p:nvGrpSpPr>
-          <p:cNvPr id="160" name="Group"/>
+          <p:cNvPr id="159" name="Group"/>
           <p:cNvGrpSpPr/>
           <p:nvPr/>
         </p:nvGrpSpPr>
@@ -7154,7 +7079,7 @@
         </p:grpSpPr>
         <p:graphicFrame>
           <p:nvGraphicFramePr>
-            <p:cNvPr id="158" name="Table"/>
+            <p:cNvPr id="157" name="Table"/>
             <p:cNvGraphicFramePr/>
             <p:nvPr/>
           </p:nvGraphicFramePr>
@@ -7840,14 +7765,14 @@
         </p:graphicFrame>
         <p:pic>
           <p:nvPicPr>
-            <p:cNvPr id="159" name="Image" descr="Image"/>
+            <p:cNvPr id="158" name="Image" descr="Image"/>
             <p:cNvPicPr>
               <a:picLocks noChangeAspect="1"/>
             </p:cNvPicPr>
             <p:nvPr/>
           </p:nvPicPr>
           <p:blipFill>
-            <a:blip r:embed="rId8">
+            <a:blip r:embed="rId5">
               <a:extLst/>
             </a:blip>
             <a:stretch>
@@ -7872,7 +7797,7 @@
       </p:grpSp>
       <p:sp>
         <p:nvSpPr>
-          <p:cNvPr id="161" name="data"/>
+          <p:cNvPr id="160" name="data"/>
           <p:cNvSpPr txBox="1"/>
           <p:nvPr/>
         </p:nvSpPr>
@@ -7922,7 +7847,7 @@
       </p:sp>
       <p:sp>
         <p:nvSpPr>
-          <p:cNvPr id="162" name="geom…"/>
+          <p:cNvPr id="161" name="geom…"/>
           <p:cNvSpPr txBox="1"/>
           <p:nvPr/>
         </p:nvSpPr>
@@ -7999,7 +7924,7 @@
       </p:sp>
       <p:sp>
         <p:nvSpPr>
-          <p:cNvPr id="163" name="coordinate system"/>
+          <p:cNvPr id="162" name="coordinate system"/>
           <p:cNvSpPr txBox="1"/>
           <p:nvPr/>
         </p:nvSpPr>
@@ -8049,7 +7974,7 @@
       </p:sp>
       <p:sp>
         <p:nvSpPr>
-          <p:cNvPr id="164" name="plot"/>
+          <p:cNvPr id="163" name="plot"/>
           <p:cNvSpPr txBox="1"/>
           <p:nvPr/>
         </p:nvSpPr>
@@ -8099,7 +8024,7 @@
       </p:sp>
       <p:sp>
         <p:nvSpPr>
-          <p:cNvPr id="165" name="data"/>
+          <p:cNvPr id="164" name="data"/>
           <p:cNvSpPr txBox="1"/>
           <p:nvPr/>
         </p:nvSpPr>
@@ -8149,7 +8074,7 @@
       </p:sp>
       <p:sp>
         <p:nvSpPr>
-          <p:cNvPr id="166" name="geom…"/>
+          <p:cNvPr id="165" name="geom…"/>
           <p:cNvSpPr txBox="1"/>
           <p:nvPr/>
         </p:nvSpPr>
@@ -8262,7 +8187,7 @@
       </p:sp>
       <p:sp>
         <p:nvSpPr>
-          <p:cNvPr id="167" name="coordinate system"/>
+          <p:cNvPr id="166" name="coordinate system"/>
           <p:cNvSpPr txBox="1"/>
           <p:nvPr/>
         </p:nvSpPr>
@@ -8312,7 +8237,7 @@
       </p:sp>
       <p:sp>
         <p:nvSpPr>
-          <p:cNvPr id="168" name="plot"/>
+          <p:cNvPr id="167" name="plot"/>
           <p:cNvSpPr txBox="1"/>
           <p:nvPr/>
         </p:nvSpPr>
@@ -8362,7 +8287,7 @@
       </p:sp>
       <p:sp>
         <p:nvSpPr>
-          <p:cNvPr id="169" name="Complete the template below to build a graph."/>
+          <p:cNvPr id="168" name="Complete the template below to build a graph."/>
           <p:cNvSpPr txBox="1"/>
           <p:nvPr/>
         </p:nvSpPr>
@@ -8412,7 +8337,7 @@
       </p:sp>
       <p:sp>
         <p:nvSpPr>
-          <p:cNvPr id="170" name="Line"/>
+          <p:cNvPr id="169" name="Line"/>
           <p:cNvSpPr/>
           <p:nvPr/>
         </p:nvSpPr>
@@ -8455,7 +8380,7 @@
       </p:sp>
       <p:sp>
         <p:nvSpPr>
-          <p:cNvPr id="171" name="required"/>
+          <p:cNvPr id="170" name="required"/>
           <p:cNvSpPr txBox="1"/>
           <p:nvPr/>
         </p:nvSpPr>
@@ -8505,7 +8430,7 @@
       </p:sp>
       <p:sp>
         <p:nvSpPr>
-          <p:cNvPr id="172" name="ggplot(data = mpg, aes(x = cty, y = hwy)) Begins a plot that you finish by adding layers to. Add one geom function per layer.…"/>
+          <p:cNvPr id="171" name="ggplot(data = mpg, aes(x = cty, y = hwy)) Begins a plot that you finish by adding layers to. Add one geom function per layer.…"/>
           <p:cNvSpPr txBox="1"/>
           <p:nvPr/>
         </p:nvSpPr>
@@ -8648,7 +8573,7 @@
       </p:sp>
       <p:grpSp>
         <p:nvGrpSpPr>
-          <p:cNvPr id="191" name="Group"/>
+          <p:cNvPr id="190" name="Group"/>
           <p:cNvGrpSpPr/>
           <p:nvPr/>
         </p:nvGrpSpPr>
@@ -8662,7 +8587,7 @@
         </p:grpSpPr>
         <p:graphicFrame>
           <p:nvGraphicFramePr>
-            <p:cNvPr id="173" name="Table"/>
+            <p:cNvPr id="172" name="Table"/>
             <p:cNvGraphicFramePr/>
             <p:nvPr/>
           </p:nvGraphicFramePr>
@@ -8985,7 +8910,7 @@
         </p:graphicFrame>
         <p:sp>
           <p:nvSpPr>
-            <p:cNvPr id="174" name="Circle"/>
+            <p:cNvPr id="173" name="Circle"/>
             <p:cNvSpPr/>
             <p:nvPr/>
           </p:nvSpPr>
@@ -8998,7 +8923,54 @@
               <a:avLst/>
             </a:prstGeom>
             <a:blipFill rotWithShape="1">
-              <a:blip r:embed="rId7"/>
+              <a:blip r:embed="rId4"/>
+              <a:srcRect l="0" t="0" r="0" b="0"/>
+              <a:tile tx="0" ty="0" sx="100000" sy="100000" flip="none" algn="tl"/>
+            </a:blipFill>
+            <a:ln w="12700" cap="flat">
+              <a:noFill/>
+              <a:miter lim="400000"/>
+            </a:ln>
+            <a:effectLst/>
+          </p:spPr>
+          <p:txBody>
+            <a:bodyPr wrap="square" lIns="54570" tIns="54570" rIns="54570" bIns="54570" numCol="1" anchor="ctr">
+              <a:noAutofit/>
+            </a:bodyPr>
+            <a:lstStyle/>
+            <a:p>
+              <a:pPr>
+                <a:lnSpc>
+                  <a:spcPct val="80000"/>
+                </a:lnSpc>
+                <a:spcBef>
+                  <a:spcPts val="0"/>
+                </a:spcBef>
+                <a:defRPr b="0" sz="1000">
+                  <a:solidFill>
+                    <a:srgbClr val="000000"/>
+                  </a:solidFill>
+                </a:defRPr>
+              </a:pPr>
+            </a:p>
+          </p:txBody>
+        </p:sp>
+        <p:sp>
+          <p:nvSpPr>
+            <p:cNvPr id="174" name="Circle"/>
+            <p:cNvSpPr/>
+            <p:nvPr/>
+          </p:nvSpPr>
+          <p:spPr>
+            <a:xfrm>
+              <a:off x="573213" y="285741"/>
+              <a:ext cx="56987" cy="56987"/>
+            </a:xfrm>
+            <a:prstGeom prst="ellipse">
+              <a:avLst/>
+            </a:prstGeom>
+            <a:blipFill rotWithShape="1">
+              <a:blip r:embed="rId4"/>
               <a:srcRect l="0" t="0" r="0" b="0"/>
               <a:tile tx="0" ty="0" sx="100000" sy="100000" flip="none" algn="tl"/>
             </a:blipFill>
@@ -9038,14 +9010,14 @@
           </p:nvSpPr>
           <p:spPr>
             <a:xfrm>
-              <a:off x="573213" y="285741"/>
+              <a:off x="573213" y="419571"/>
               <a:ext cx="56987" cy="56987"/>
             </a:xfrm>
             <a:prstGeom prst="ellipse">
               <a:avLst/>
             </a:prstGeom>
             <a:blipFill rotWithShape="1">
-              <a:blip r:embed="rId7"/>
+              <a:blip r:embed="rId4"/>
               <a:srcRect l="0" t="0" r="0" b="0"/>
               <a:tile tx="0" ty="0" sx="100000" sy="100000" flip="none" algn="tl"/>
             </a:blipFill>
@@ -9085,14 +9057,14 @@
           </p:nvSpPr>
           <p:spPr>
             <a:xfrm>
-              <a:off x="573213" y="419571"/>
+              <a:off x="573213" y="218826"/>
               <a:ext cx="56987" cy="56987"/>
             </a:xfrm>
             <a:prstGeom prst="ellipse">
               <a:avLst/>
             </a:prstGeom>
             <a:blipFill rotWithShape="1">
-              <a:blip r:embed="rId7"/>
+              <a:blip r:embed="rId4"/>
               <a:srcRect l="0" t="0" r="0" b="0"/>
               <a:tile tx="0" ty="0" sx="100000" sy="100000" flip="none" algn="tl"/>
             </a:blipFill>
@@ -9132,14 +9104,14 @@
           </p:nvSpPr>
           <p:spPr>
             <a:xfrm>
-              <a:off x="573213" y="218826"/>
+              <a:off x="573213" y="352656"/>
               <a:ext cx="56987" cy="56987"/>
             </a:xfrm>
             <a:prstGeom prst="ellipse">
               <a:avLst/>
             </a:prstGeom>
             <a:blipFill rotWithShape="1">
-              <a:blip r:embed="rId7"/>
+              <a:blip r:embed="rId4"/>
               <a:srcRect l="0" t="0" r="0" b="0"/>
               <a:tile tx="0" ty="0" sx="100000" sy="100000" flip="none" algn="tl"/>
             </a:blipFill>
@@ -9179,14 +9151,14 @@
           </p:nvSpPr>
           <p:spPr>
             <a:xfrm>
-              <a:off x="573213" y="352656"/>
+              <a:off x="573213" y="486486"/>
               <a:ext cx="56987" cy="56987"/>
             </a:xfrm>
             <a:prstGeom prst="ellipse">
               <a:avLst/>
             </a:prstGeom>
             <a:blipFill rotWithShape="1">
-              <a:blip r:embed="rId7"/>
+              <a:blip r:embed="rId4"/>
               <a:srcRect l="0" t="0" r="0" b="0"/>
               <a:tile tx="0" ty="0" sx="100000" sy="100000" flip="none" algn="tl"/>
             </a:blipFill>
@@ -9220,54 +9192,7 @@
         </p:sp>
         <p:sp>
           <p:nvSpPr>
-            <p:cNvPr id="179" name="Circle"/>
-            <p:cNvSpPr/>
-            <p:nvPr/>
-          </p:nvSpPr>
-          <p:spPr>
-            <a:xfrm>
-              <a:off x="573213" y="486486"/>
-              <a:ext cx="56987" cy="56987"/>
-            </a:xfrm>
-            <a:prstGeom prst="ellipse">
-              <a:avLst/>
-            </a:prstGeom>
-            <a:blipFill rotWithShape="1">
-              <a:blip r:embed="rId7"/>
-              <a:srcRect l="0" t="0" r="0" b="0"/>
-              <a:tile tx="0" ty="0" sx="100000" sy="100000" flip="none" algn="tl"/>
-            </a:blipFill>
-            <a:ln w="12700" cap="flat">
-              <a:noFill/>
-              <a:miter lim="400000"/>
-            </a:ln>
-            <a:effectLst/>
-          </p:spPr>
-          <p:txBody>
-            <a:bodyPr wrap="square" lIns="54570" tIns="54570" rIns="54570" bIns="54570" numCol="1" anchor="ctr">
-              <a:noAutofit/>
-            </a:bodyPr>
-            <a:lstStyle/>
-            <a:p>
-              <a:pPr>
-                <a:lnSpc>
-                  <a:spcPct val="80000"/>
-                </a:lnSpc>
-                <a:spcBef>
-                  <a:spcPts val="0"/>
-                </a:spcBef>
-                <a:defRPr b="0" sz="1000">
-                  <a:solidFill>
-                    <a:srgbClr val="000000"/>
-                  </a:solidFill>
-                </a:defRPr>
-              </a:pPr>
-            </a:p>
-          </p:txBody>
-        </p:sp>
-        <p:sp>
-          <p:nvSpPr>
-            <p:cNvPr id="180" name="Line"/>
+            <p:cNvPr id="179" name="Line"/>
             <p:cNvSpPr/>
             <p:nvPr/>
           </p:nvSpPr>
@@ -9324,7 +9249,7 @@
         </p:sp>
         <p:sp>
           <p:nvSpPr>
-            <p:cNvPr id="181" name="Line"/>
+            <p:cNvPr id="180" name="Line"/>
             <p:cNvSpPr/>
             <p:nvPr/>
           </p:nvSpPr>
@@ -9381,7 +9306,7 @@
         </p:sp>
         <p:sp>
           <p:nvSpPr>
-            <p:cNvPr id="182" name="Line"/>
+            <p:cNvPr id="181" name="Line"/>
             <p:cNvSpPr/>
             <p:nvPr/>
           </p:nvSpPr>
@@ -9438,7 +9363,7 @@
         </p:sp>
         <p:sp>
           <p:nvSpPr>
-            <p:cNvPr id="183" name="Line"/>
+            <p:cNvPr id="182" name="Line"/>
             <p:cNvSpPr/>
             <p:nvPr/>
           </p:nvSpPr>
@@ -9495,7 +9420,7 @@
         </p:sp>
         <p:sp>
           <p:nvSpPr>
-            <p:cNvPr id="184" name="Line"/>
+            <p:cNvPr id="183" name="Line"/>
             <p:cNvSpPr/>
             <p:nvPr/>
           </p:nvSpPr>
@@ -9552,7 +9477,7 @@
         </p:sp>
         <p:sp>
           <p:nvSpPr>
-            <p:cNvPr id="185" name="Line"/>
+            <p:cNvPr id="184" name="Line"/>
             <p:cNvSpPr/>
             <p:nvPr/>
           </p:nvSpPr>
@@ -9610,7 +9535,7 @@
         </p:sp>
         <p:sp>
           <p:nvSpPr>
-            <p:cNvPr id="186" name="Line"/>
+            <p:cNvPr id="185" name="Line"/>
             <p:cNvSpPr/>
             <p:nvPr/>
           </p:nvSpPr>
@@ -9668,7 +9593,7 @@
         </p:sp>
         <p:sp>
           <p:nvSpPr>
-            <p:cNvPr id="187" name="Line"/>
+            <p:cNvPr id="186" name="Line"/>
             <p:cNvSpPr/>
             <p:nvPr/>
           </p:nvSpPr>
@@ -9726,7 +9651,7 @@
         </p:sp>
         <p:sp>
           <p:nvSpPr>
-            <p:cNvPr id="188" name="Line"/>
+            <p:cNvPr id="187" name="Line"/>
             <p:cNvSpPr/>
             <p:nvPr/>
           </p:nvSpPr>
@@ -9784,7 +9709,7 @@
         </p:sp>
         <p:sp>
           <p:nvSpPr>
-            <p:cNvPr id="189" name="Line"/>
+            <p:cNvPr id="188" name="Line"/>
             <p:cNvSpPr/>
             <p:nvPr/>
           </p:nvSpPr>
@@ -9842,7 +9767,7 @@
         </p:sp>
         <p:sp>
           <p:nvSpPr>
-            <p:cNvPr id="190" name="Line"/>
+            <p:cNvPr id="189" name="Line"/>
             <p:cNvSpPr/>
             <p:nvPr/>
           </p:nvSpPr>
@@ -9901,7 +9826,7 @@
       </p:grpSp>
       <p:graphicFrame>
         <p:nvGraphicFramePr>
-          <p:cNvPr id="192" name="Table"/>
+          <p:cNvPr id="191" name="Table"/>
           <p:cNvGraphicFramePr/>
           <p:nvPr/>
         </p:nvGraphicFramePr>
@@ -10215,7 +10140,7 @@
       </p:graphicFrame>
       <p:sp>
         <p:nvSpPr>
-          <p:cNvPr id="193" name="Line"/>
+          <p:cNvPr id="192" name="Line"/>
           <p:cNvSpPr/>
           <p:nvPr/>
         </p:nvSpPr>
@@ -10267,7 +10192,7 @@
       </p:sp>
       <p:sp>
         <p:nvSpPr>
-          <p:cNvPr id="194" name="Line"/>
+          <p:cNvPr id="193" name="Line"/>
           <p:cNvSpPr/>
           <p:nvPr/>
         </p:nvSpPr>
@@ -10319,7 +10244,7 @@
       </p:sp>
       <p:sp>
         <p:nvSpPr>
-          <p:cNvPr id="195" name="Line"/>
+          <p:cNvPr id="194" name="Line"/>
           <p:cNvSpPr/>
           <p:nvPr/>
         </p:nvSpPr>
@@ -10371,7 +10296,7 @@
       </p:sp>
       <p:sp>
         <p:nvSpPr>
-          <p:cNvPr id="196" name="Line"/>
+          <p:cNvPr id="195" name="Line"/>
           <p:cNvSpPr/>
           <p:nvPr/>
         </p:nvSpPr>
@@ -10423,7 +10348,7 @@
       </p:sp>
       <p:sp>
         <p:nvSpPr>
-          <p:cNvPr id="197" name="Line"/>
+          <p:cNvPr id="196" name="Line"/>
           <p:cNvSpPr/>
           <p:nvPr/>
         </p:nvSpPr>
@@ -10475,7 +10400,7 @@
       </p:sp>
       <p:sp>
         <p:nvSpPr>
-          <p:cNvPr id="198" name="Line"/>
+          <p:cNvPr id="197" name="Line"/>
           <p:cNvSpPr/>
           <p:nvPr/>
         </p:nvSpPr>
@@ -10528,7 +10453,7 @@
       </p:sp>
       <p:sp>
         <p:nvSpPr>
-          <p:cNvPr id="199" name="Line"/>
+          <p:cNvPr id="198" name="Line"/>
           <p:cNvSpPr/>
           <p:nvPr/>
         </p:nvSpPr>
@@ -10581,7 +10506,7 @@
       </p:sp>
       <p:sp>
         <p:nvSpPr>
-          <p:cNvPr id="200" name="Line"/>
+          <p:cNvPr id="199" name="Line"/>
           <p:cNvSpPr/>
           <p:nvPr/>
         </p:nvSpPr>
@@ -10634,7 +10559,7 @@
       </p:sp>
       <p:sp>
         <p:nvSpPr>
-          <p:cNvPr id="201" name="Line"/>
+          <p:cNvPr id="200" name="Line"/>
           <p:cNvSpPr/>
           <p:nvPr/>
         </p:nvSpPr>
@@ -10687,7 +10612,7 @@
       </p:sp>
       <p:sp>
         <p:nvSpPr>
-          <p:cNvPr id="202" name="Line"/>
+          <p:cNvPr id="201" name="Line"/>
           <p:cNvSpPr/>
           <p:nvPr/>
         </p:nvSpPr>
@@ -10740,7 +10665,7 @@
       </p:sp>
       <p:sp>
         <p:nvSpPr>
-          <p:cNvPr id="203" name="Line"/>
+          <p:cNvPr id="202" name="Line"/>
           <p:cNvSpPr/>
           <p:nvPr/>
         </p:nvSpPr>
@@ -10793,14 +10718,14 @@
       </p:sp>
       <p:pic>
         <p:nvPicPr>
-          <p:cNvPr id="204" name="Image" descr="Image"/>
+          <p:cNvPr id="203" name="Image" descr="Image"/>
           <p:cNvPicPr>
             <a:picLocks noChangeAspect="1"/>
           </p:cNvPicPr>
           <p:nvPr/>
         </p:nvPicPr>
         <p:blipFill>
-          <a:blip r:embed="rId9">
+          <a:blip r:embed="rId6">
             <a:extLst/>
           </a:blip>
           <a:stretch>
@@ -10822,7 +10747,7 @@
       </p:pic>
       <p:grpSp>
         <p:nvGrpSpPr>
-          <p:cNvPr id="212" name="Group"/>
+          <p:cNvPr id="211" name="Group"/>
           <p:cNvGrpSpPr/>
           <p:nvPr/>
         </p:nvGrpSpPr>
@@ -10836,7 +10761,7 @@
         </p:grpSpPr>
         <p:sp>
           <p:nvSpPr>
-            <p:cNvPr id="205" name="Triangle"/>
+            <p:cNvPr id="204" name="Triangle"/>
             <p:cNvSpPr/>
             <p:nvPr/>
           </p:nvSpPr>
@@ -10912,7 +10837,7 @@
         </p:sp>
         <p:sp>
           <p:nvSpPr>
-            <p:cNvPr id="206" name="Triangle"/>
+            <p:cNvPr id="205" name="Triangle"/>
             <p:cNvSpPr/>
             <p:nvPr/>
           </p:nvSpPr>
@@ -10988,7 +10913,7 @@
         </p:sp>
         <p:sp>
           <p:nvSpPr>
-            <p:cNvPr id="207" name="aesthetic mappings"/>
+            <p:cNvPr id="206" name="aesthetic mappings"/>
             <p:cNvSpPr/>
             <p:nvPr/>
           </p:nvSpPr>
@@ -11053,7 +10978,7 @@
         </p:sp>
         <p:sp>
           <p:nvSpPr>
-            <p:cNvPr id="208" name="data"/>
+            <p:cNvPr id="207" name="data"/>
             <p:cNvSpPr/>
             <p:nvPr/>
           </p:nvSpPr>
@@ -11118,7 +11043,7 @@
         </p:sp>
         <p:sp>
           <p:nvSpPr>
-            <p:cNvPr id="209" name="geom"/>
+            <p:cNvPr id="208" name="geom"/>
             <p:cNvSpPr/>
             <p:nvPr/>
           </p:nvSpPr>
@@ -11183,7 +11108,7 @@
         </p:sp>
         <p:sp>
           <p:nvSpPr>
-            <p:cNvPr id="210" name="Triangle"/>
+            <p:cNvPr id="209" name="Triangle"/>
             <p:cNvSpPr/>
             <p:nvPr/>
           </p:nvSpPr>
@@ -11259,7 +11184,7 @@
         </p:sp>
         <p:sp>
           <p:nvSpPr>
-            <p:cNvPr id="211" name="Triangle"/>
+            <p:cNvPr id="210" name="Triangle"/>
             <p:cNvSpPr/>
             <p:nvPr/>
           </p:nvSpPr>
@@ -11336,7 +11261,7 @@
       </p:grpSp>
       <p:sp>
         <p:nvSpPr>
-          <p:cNvPr id="213" name="LINE SEGMENTS"/>
+          <p:cNvPr id="212" name="LINE SEGMENTS"/>
           <p:cNvSpPr txBox="1"/>
           <p:nvPr/>
         </p:nvSpPr>
@@ -11372,7 +11297,7 @@
       </p:sp>
       <p:sp>
         <p:nvSpPr>
-          <p:cNvPr id="214" name="b + geom_abline(aes(intercept=0, slope=1))…"/>
+          <p:cNvPr id="213" name="b + geom_abline(aes(intercept=0, slope=1))…"/>
           <p:cNvSpPr txBox="1"/>
           <p:nvPr/>
         </p:nvSpPr>
@@ -11480,7 +11405,7 @@
       </p:sp>
       <p:grpSp>
         <p:nvGrpSpPr>
-          <p:cNvPr id="219" name="Group"/>
+          <p:cNvPr id="218" name="Group"/>
           <p:cNvGrpSpPr/>
           <p:nvPr/>
         </p:nvGrpSpPr>
@@ -11494,14 +11419,14 @@
         </p:grpSpPr>
         <p:pic>
           <p:nvPicPr>
-            <p:cNvPr id="215" name="Image" descr="Image"/>
+            <p:cNvPr id="214" name="Image" descr="Image"/>
             <p:cNvPicPr>
               <a:picLocks noChangeAspect="1"/>
             </p:cNvPicPr>
             <p:nvPr/>
           </p:nvPicPr>
           <p:blipFill>
-            <a:blip r:embed="rId10">
+            <a:blip r:embed="rId7">
               <a:extLst/>
             </a:blip>
             <a:stretch>
@@ -11525,7 +11450,7 @@
         </p:pic>
         <p:sp>
           <p:nvSpPr>
-            <p:cNvPr id="216" name="Line"/>
+            <p:cNvPr id="215" name="Line"/>
             <p:cNvSpPr/>
             <p:nvPr/>
           </p:nvSpPr>
@@ -11572,7 +11497,7 @@
         </p:sp>
         <p:sp>
           <p:nvSpPr>
-            <p:cNvPr id="217" name="Line"/>
+            <p:cNvPr id="216" name="Line"/>
             <p:cNvSpPr/>
             <p:nvPr/>
           </p:nvSpPr>
@@ -11619,7 +11544,7 @@
         </p:sp>
         <p:sp>
           <p:nvSpPr>
-            <p:cNvPr id="218" name="Line"/>
+            <p:cNvPr id="217" name="Line"/>
             <p:cNvSpPr/>
             <p:nvPr/>
           </p:nvSpPr>
@@ -11667,7 +11592,7 @@
       </p:grpSp>
       <p:sp>
         <p:nvSpPr>
-          <p:cNvPr id="220" name="common aesthetics: x, y, alpha, color, linetype, size"/>
+          <p:cNvPr id="219" name="common aesthetics: x, y, alpha, color, linetype, size"/>
           <p:cNvSpPr txBox="1"/>
           <p:nvPr/>
         </p:nvSpPr>
@@ -11717,7 +11642,7 @@
       </p:sp>
       <p:sp>
         <p:nvSpPr>
-          <p:cNvPr id="221" name="b + geom_segment(aes(yend=lat+1, xend=long+1))…"/>
+          <p:cNvPr id="220" name="b + geom_segment(aes(yend=lat+1, xend=long+1))…"/>
           <p:cNvSpPr txBox="1"/>
           <p:nvPr/>
         </p:nvSpPr>
@@ -11799,7 +11724,7 @@
       </p:sp>
       <p:sp>
         <p:nvSpPr>
-          <p:cNvPr id="222" name="a &lt;- ggplot(economics, aes(date, unemploy))…"/>
+          <p:cNvPr id="221" name="a &lt;- ggplot(economics, aes(date, unemploy))…"/>
           <p:cNvSpPr txBox="1"/>
           <p:nvPr/>
         </p:nvSpPr>
@@ -11865,7 +11790,7 @@
       </p:sp>
       <p:sp>
         <p:nvSpPr>
-          <p:cNvPr id="223" name="ONE VARIABLE    continuous"/>
+          <p:cNvPr id="222" name="ONE VARIABLE    continuous"/>
           <p:cNvSpPr txBox="1"/>
           <p:nvPr/>
         </p:nvSpPr>
@@ -11901,7 +11826,7 @@
       </p:sp>
       <p:sp>
         <p:nvSpPr>
-          <p:cNvPr id="224" name="c &lt;- ggplot(mpg, aes(hwy)); c2 &lt;- ggplot(mpg)"/>
+          <p:cNvPr id="223" name="c &lt;- ggplot(mpg, aes(hwy)); c2 &lt;- ggplot(mpg)"/>
           <p:cNvSpPr txBox="1"/>
           <p:nvPr/>
         </p:nvSpPr>
@@ -11951,7 +11876,7 @@
       </p:sp>
       <p:sp>
         <p:nvSpPr>
-          <p:cNvPr id="225" name="c + geom_area(stat = &quot;bin&quot;) x, y, alpha, color, fill,  linetype, size…"/>
+          <p:cNvPr id="224" name="c + geom_area(stat = &quot;bin&quot;) x, y, alpha, color, fill,  linetype, size…"/>
           <p:cNvSpPr txBox="1"/>
           <p:nvPr/>
         </p:nvSpPr>
@@ -12140,7 +12065,7 @@
       </p:sp>
       <p:sp>
         <p:nvSpPr>
-          <p:cNvPr id="226" name="discrete"/>
+          <p:cNvPr id="225" name="discrete"/>
           <p:cNvSpPr txBox="1"/>
           <p:nvPr/>
         </p:nvSpPr>
@@ -12176,7 +12101,7 @@
       </p:sp>
       <p:sp>
         <p:nvSpPr>
-          <p:cNvPr id="227" name="d &lt;- ggplot(mpg, aes(fl))"/>
+          <p:cNvPr id="226" name="d &lt;- ggplot(mpg, aes(fl))"/>
           <p:cNvSpPr txBox="1"/>
           <p:nvPr/>
         </p:nvSpPr>
@@ -12226,7 +12151,7 @@
       </p:sp>
       <p:sp>
         <p:nvSpPr>
-          <p:cNvPr id="228" name="d + geom_bar()  x, alpha, color, fill, linetype, size, weight"/>
+          <p:cNvPr id="227" name="d + geom_bar()  x, alpha, color, fill, linetype, size, weight"/>
           <p:cNvSpPr txBox="1"/>
           <p:nvPr/>
         </p:nvSpPr>
@@ -12279,7 +12204,7 @@
       </p:sp>
       <p:sp>
         <p:nvSpPr>
-          <p:cNvPr id="229" name="e + geom_label(aes(label = cty), nudge_x = 1, nudge_y = 1, check_overlap = TRUE) x, y, label, alpha, angle, color, family, fontface, hjust, lineheight, size, vjust…"/>
+          <p:cNvPr id="228" name="e + geom_label(aes(label = cty), nudge_x = 1, nudge_y = 1, check_overlap = TRUE) x, y, label, alpha, angle, color, family, fontface, hjust, lineheight, size, vjust…"/>
           <p:cNvSpPr txBox="1"/>
           <p:nvPr/>
         </p:nvSpPr>
@@ -12509,7 +12434,7 @@
       </p:sp>
       <p:sp>
         <p:nvSpPr>
-          <p:cNvPr id="230" name="discrete x , continuous y…"/>
+          <p:cNvPr id="229" name="discrete x , continuous y…"/>
           <p:cNvSpPr txBox="1"/>
           <p:nvPr/>
         </p:nvSpPr>
@@ -12570,7 +12495,7 @@
       </p:sp>
       <p:sp>
         <p:nvSpPr>
-          <p:cNvPr id="231" name="f + geom_col(), x, y, alpha, color, fill, group, linetype, size…"/>
+          <p:cNvPr id="230" name="f + geom_col(), x, y, alpha, color, fill, group, linetype, size…"/>
           <p:cNvSpPr txBox="1"/>
           <p:nvPr/>
         </p:nvSpPr>
@@ -12709,7 +12634,7 @@
       </p:sp>
       <p:sp>
         <p:nvSpPr>
-          <p:cNvPr id="232" name="discrete x , discrete y…"/>
+          <p:cNvPr id="231" name="discrete x , discrete y…"/>
           <p:cNvSpPr txBox="1"/>
           <p:nvPr/>
         </p:nvSpPr>
@@ -12770,7 +12695,7 @@
       </p:sp>
       <p:sp>
         <p:nvSpPr>
-          <p:cNvPr id="233" name="g + geom_count(), x, y, alpha, color, fill, shape, size, stroke"/>
+          <p:cNvPr id="232" name="g + geom_count(), x, y, alpha, color, fill, shape, size, stroke"/>
           <p:cNvSpPr txBox="1"/>
           <p:nvPr/>
         </p:nvSpPr>
@@ -12822,7 +12747,7 @@
       </p:sp>
       <p:sp>
         <p:nvSpPr>
-          <p:cNvPr id="234" name="THREE VARIABLES…"/>
+          <p:cNvPr id="233" name="THREE VARIABLES…"/>
           <p:cNvSpPr txBox="1"/>
           <p:nvPr/>
         </p:nvSpPr>
@@ -12876,7 +12801,7 @@
       </p:sp>
       <p:sp>
         <p:nvSpPr>
-          <p:cNvPr id="235" name="l + geom_contour(aes(z = z)) x, y, z, alpha, colour, group, linetype,  size, weight"/>
+          <p:cNvPr id="234" name="l + geom_contour(aes(z = z)) x, y, z, alpha, colour, group, linetype,  size, weight"/>
           <p:cNvSpPr txBox="1"/>
           <p:nvPr/>
         </p:nvSpPr>
@@ -12933,7 +12858,7 @@
       </p:sp>
       <p:sp>
         <p:nvSpPr>
-          <p:cNvPr id="236" name="l + geom_raster(aes(fill = z), hjust=0.5, vjust=0.5, interpolate=FALSE) x, y, alpha, fill…"/>
+          <p:cNvPr id="235" name="l + geom_raster(aes(fill = z), hjust=0.5, vjust=0.5, interpolate=FALSE) x, y, alpha, fill…"/>
           <p:cNvSpPr txBox="1"/>
           <p:nvPr/>
         </p:nvSpPr>
@@ -13018,7 +12943,7 @@
       </p:sp>
       <p:sp>
         <p:nvSpPr>
-          <p:cNvPr id="237" name="h + geom_bin2d(binwidth = c(0.25, 500)) x, y, alpha, color, fill, linetype, size, weight…"/>
+          <p:cNvPr id="236" name="h + geom_bin2d(binwidth = c(0.25, 500)) x, y, alpha, color, fill, linetype, size, weight…"/>
           <p:cNvSpPr txBox="1"/>
           <p:nvPr/>
         </p:nvSpPr>
@@ -13369,7 +13294,7 @@
       </p:sp>
       <p:sp>
         <p:nvSpPr>
-          <p:cNvPr id="238" name="continuous function…"/>
+          <p:cNvPr id="237" name="continuous function…"/>
           <p:cNvSpPr txBox="1"/>
           <p:nvPr/>
         </p:nvSpPr>
@@ -13430,7 +13355,7 @@
       </p:sp>
       <p:sp>
         <p:nvSpPr>
-          <p:cNvPr id="239" name="visualizing error…"/>
+          <p:cNvPr id="238" name="visualizing error…"/>
           <p:cNvSpPr txBox="1"/>
           <p:nvPr/>
         </p:nvSpPr>
@@ -13509,14 +13434,14 @@
       </p:sp>
       <p:pic>
         <p:nvPicPr>
-          <p:cNvPr id="240" name="Image" descr="Image"/>
+          <p:cNvPr id="239" name="Image" descr="Image"/>
           <p:cNvPicPr>
             <a:picLocks noChangeAspect="1"/>
           </p:cNvPicPr>
           <p:nvPr/>
         </p:nvPicPr>
         <p:blipFill>
-          <a:blip r:embed="rId11">
+          <a:blip r:embed="rId8">
             <a:extLst/>
           </a:blip>
           <a:stretch>
@@ -13538,7 +13463,7 @@
       </p:pic>
       <p:grpSp>
         <p:nvGrpSpPr>
-          <p:cNvPr id="243" name="Group"/>
+          <p:cNvPr id="242" name="Group"/>
           <p:cNvGrpSpPr/>
           <p:nvPr/>
         </p:nvGrpSpPr>
@@ -13552,14 +13477,14 @@
         </p:grpSpPr>
         <p:pic>
           <p:nvPicPr>
-            <p:cNvPr id="241" name="Image" descr="Image"/>
+            <p:cNvPr id="240" name="Image" descr="Image"/>
             <p:cNvPicPr>
               <a:picLocks noChangeAspect="1"/>
             </p:cNvPicPr>
             <p:nvPr/>
           </p:nvPicPr>
           <p:blipFill>
-            <a:blip r:embed="rId10">
+            <a:blip r:embed="rId7">
               <a:extLst/>
             </a:blip>
             <a:stretch>
@@ -13583,7 +13508,7 @@
         </p:pic>
         <p:sp>
           <p:nvSpPr>
-            <p:cNvPr id="242" name="Shape"/>
+            <p:cNvPr id="241" name="Shape"/>
             <p:cNvSpPr/>
             <p:nvPr/>
           </p:nvSpPr>
@@ -13726,14 +13651,14 @@
       </p:grpSp>
       <p:pic>
         <p:nvPicPr>
-          <p:cNvPr id="244" name="Image" descr="Image"/>
+          <p:cNvPr id="243" name="Image" descr="Image"/>
           <p:cNvPicPr>
             <a:picLocks noChangeAspect="1"/>
           </p:cNvPicPr>
           <p:nvPr/>
         </p:nvPicPr>
         <p:blipFill>
-          <a:blip r:embed="rId10">
+          <a:blip r:embed="rId7">
             <a:extLst/>
           </a:blip>
           <a:stretch>
@@ -13755,7 +13680,7 @@
       </p:pic>
       <p:grpSp>
         <p:nvGrpSpPr>
-          <p:cNvPr id="247" name="Group"/>
+          <p:cNvPr id="246" name="Group"/>
           <p:cNvGrpSpPr/>
           <p:nvPr/>
         </p:nvGrpSpPr>
@@ -13769,14 +13694,14 @@
         </p:grpSpPr>
         <p:pic>
           <p:nvPicPr>
-            <p:cNvPr id="245" name="Image" descr="Image"/>
+            <p:cNvPr id="244" name="Image" descr="Image"/>
             <p:cNvPicPr>
               <a:picLocks noChangeAspect="1"/>
             </p:cNvPicPr>
             <p:nvPr/>
           </p:nvPicPr>
           <p:blipFill>
-            <a:blip r:embed="rId10">
+            <a:blip r:embed="rId7">
               <a:extLst/>
             </a:blip>
             <a:stretch>
@@ -13800,7 +13725,7 @@
         </p:pic>
         <p:sp>
           <p:nvSpPr>
-            <p:cNvPr id="246" name="Shape"/>
+            <p:cNvPr id="245" name="Shape"/>
             <p:cNvSpPr/>
             <p:nvPr/>
           </p:nvSpPr>
@@ -13890,7 +13815,7 @@
       </p:grpSp>
       <p:grpSp>
         <p:nvGrpSpPr>
-          <p:cNvPr id="250" name="Group"/>
+          <p:cNvPr id="249" name="Group"/>
           <p:cNvGrpSpPr/>
           <p:nvPr/>
         </p:nvGrpSpPr>
@@ -13904,14 +13829,14 @@
         </p:grpSpPr>
         <p:pic>
           <p:nvPicPr>
-            <p:cNvPr id="248" name="Image" descr="Image"/>
+            <p:cNvPr id="247" name="Image" descr="Image"/>
             <p:cNvPicPr>
               <a:picLocks noChangeAspect="1"/>
             </p:cNvPicPr>
             <p:nvPr/>
           </p:nvPicPr>
           <p:blipFill>
-            <a:blip r:embed="rId10">
+            <a:blip r:embed="rId7">
               <a:extLst/>
             </a:blip>
             <a:stretch>
@@ -13935,7 +13860,7 @@
         </p:pic>
         <p:sp>
           <p:nvSpPr>
-            <p:cNvPr id="249" name="Line"/>
+            <p:cNvPr id="248" name="Line"/>
             <p:cNvSpPr/>
             <p:nvPr/>
           </p:nvSpPr>
@@ -14025,7 +13950,7 @@
       </p:grpSp>
       <p:grpSp>
         <p:nvGrpSpPr>
-          <p:cNvPr id="253" name="Group"/>
+          <p:cNvPr id="252" name="Group"/>
           <p:cNvGrpSpPr/>
           <p:nvPr/>
         </p:nvGrpSpPr>
@@ -14039,14 +13964,14 @@
         </p:grpSpPr>
         <p:pic>
           <p:nvPicPr>
-            <p:cNvPr id="251" name="Image" descr="Image"/>
+            <p:cNvPr id="250" name="Image" descr="Image"/>
             <p:cNvPicPr>
               <a:picLocks noChangeAspect="1"/>
             </p:cNvPicPr>
             <p:nvPr/>
           </p:nvPicPr>
           <p:blipFill>
-            <a:blip r:embed="rId10">
+            <a:blip r:embed="rId7">
               <a:extLst/>
             </a:blip>
             <a:stretch>
@@ -14070,7 +13995,7 @@
         </p:pic>
         <p:sp>
           <p:nvSpPr>
-            <p:cNvPr id="252" name="Shape"/>
+            <p:cNvPr id="251" name="Shape"/>
             <p:cNvSpPr/>
             <p:nvPr/>
           </p:nvSpPr>
@@ -14243,7 +14168,7 @@
       </p:grpSp>
       <p:grpSp>
         <p:nvGrpSpPr>
-          <p:cNvPr id="256" name="Group"/>
+          <p:cNvPr id="255" name="Group"/>
           <p:cNvGrpSpPr/>
           <p:nvPr/>
         </p:nvGrpSpPr>
@@ -14257,14 +14182,14 @@
         </p:grpSpPr>
         <p:pic>
           <p:nvPicPr>
-            <p:cNvPr id="254" name="Image" descr="Image"/>
+            <p:cNvPr id="253" name="Image" descr="Image"/>
             <p:cNvPicPr>
               <a:picLocks noChangeAspect="1"/>
             </p:cNvPicPr>
             <p:nvPr/>
           </p:nvPicPr>
           <p:blipFill>
-            <a:blip r:embed="rId10">
+            <a:blip r:embed="rId7">
               <a:extLst/>
             </a:blip>
             <a:stretch>
@@ -14288,7 +14213,7 @@
         </p:pic>
         <p:sp>
           <p:nvSpPr>
-            <p:cNvPr id="255" name="Rectangle"/>
+            <p:cNvPr id="254" name="Rectangle"/>
             <p:cNvSpPr/>
             <p:nvPr/>
           </p:nvSpPr>
@@ -14334,7 +14259,7 @@
       </p:grpSp>
       <p:grpSp>
         <p:nvGrpSpPr>
-          <p:cNvPr id="259" name="Group"/>
+          <p:cNvPr id="258" name="Group"/>
           <p:cNvGrpSpPr/>
           <p:nvPr/>
         </p:nvGrpSpPr>
@@ -14348,14 +14273,14 @@
         </p:grpSpPr>
         <p:pic>
           <p:nvPicPr>
-            <p:cNvPr id="257" name="Image" descr="Image"/>
+            <p:cNvPr id="256" name="Image" descr="Image"/>
             <p:cNvPicPr>
               <a:picLocks noChangeAspect="1"/>
             </p:cNvPicPr>
             <p:nvPr/>
           </p:nvPicPr>
           <p:blipFill>
-            <a:blip r:embed="rId10">
+            <a:blip r:embed="rId7">
               <a:extLst/>
             </a:blip>
             <a:stretch>
@@ -14379,7 +14304,7 @@
         </p:pic>
         <p:sp>
           <p:nvSpPr>
-            <p:cNvPr id="258" name="Line"/>
+            <p:cNvPr id="257" name="Line"/>
             <p:cNvSpPr/>
             <p:nvPr/>
           </p:nvSpPr>
@@ -14461,7 +14386,7 @@
       </p:grpSp>
       <p:grpSp>
         <p:nvGrpSpPr>
-          <p:cNvPr id="262" name="Group"/>
+          <p:cNvPr id="261" name="Group"/>
           <p:cNvGrpSpPr/>
           <p:nvPr/>
         </p:nvGrpSpPr>
@@ -14475,14 +14400,14 @@
         </p:grpSpPr>
         <p:pic>
           <p:nvPicPr>
-            <p:cNvPr id="260" name="Image" descr="Image"/>
+            <p:cNvPr id="259" name="Image" descr="Image"/>
             <p:cNvPicPr>
               <a:picLocks noChangeAspect="1"/>
             </p:cNvPicPr>
             <p:nvPr/>
           </p:nvPicPr>
           <p:blipFill>
-            <a:blip r:embed="rId10">
+            <a:blip r:embed="rId7">
               <a:extLst/>
             </a:blip>
             <a:stretch>
@@ -14506,7 +14431,7 @@
         </p:pic>
         <p:sp>
           <p:nvSpPr>
-            <p:cNvPr id="261" name="Line"/>
+            <p:cNvPr id="260" name="Line"/>
             <p:cNvSpPr/>
             <p:nvPr/>
           </p:nvSpPr>
@@ -14618,7 +14543,7 @@
       </p:grpSp>
       <p:grpSp>
         <p:nvGrpSpPr>
-          <p:cNvPr id="265" name="Group"/>
+          <p:cNvPr id="264" name="Group"/>
           <p:cNvGrpSpPr/>
           <p:nvPr/>
         </p:nvGrpSpPr>
@@ -14632,14 +14557,14 @@
         </p:grpSpPr>
         <p:pic>
           <p:nvPicPr>
-            <p:cNvPr id="263" name="Image" descr="Image"/>
+            <p:cNvPr id="262" name="Image" descr="Image"/>
             <p:cNvPicPr>
               <a:picLocks noChangeAspect="1"/>
             </p:cNvPicPr>
             <p:nvPr/>
           </p:nvPicPr>
           <p:blipFill>
-            <a:blip r:embed="rId10">
+            <a:blip r:embed="rId7">
               <a:extLst/>
             </a:blip>
             <a:stretch>
@@ -14663,7 +14588,7 @@
         </p:pic>
         <p:sp>
           <p:nvSpPr>
-            <p:cNvPr id="264" name="Line"/>
+            <p:cNvPr id="263" name="Line"/>
             <p:cNvSpPr/>
             <p:nvPr/>
           </p:nvSpPr>
@@ -14750,7 +14675,7 @@
       </p:grpSp>
       <p:grpSp>
         <p:nvGrpSpPr>
-          <p:cNvPr id="276" name="Group"/>
+          <p:cNvPr id="275" name="Group"/>
           <p:cNvGrpSpPr/>
           <p:nvPr/>
         </p:nvGrpSpPr>
@@ -14764,14 +14689,14 @@
         </p:grpSpPr>
         <p:pic>
           <p:nvPicPr>
-            <p:cNvPr id="266" name="Image" descr="Image"/>
+            <p:cNvPr id="265" name="Image" descr="Image"/>
             <p:cNvPicPr>
               <a:picLocks noChangeAspect="1"/>
             </p:cNvPicPr>
             <p:nvPr/>
           </p:nvPicPr>
           <p:blipFill>
-            <a:blip r:embed="rId10">
+            <a:blip r:embed="rId7">
               <a:extLst/>
             </a:blip>
             <a:stretch>
@@ -14795,7 +14720,7 @@
         </p:pic>
         <p:grpSp>
           <p:nvGrpSpPr>
-            <p:cNvPr id="275" name="Group"/>
+            <p:cNvPr id="274" name="Group"/>
             <p:cNvGrpSpPr/>
             <p:nvPr/>
           </p:nvGrpSpPr>
@@ -14809,7 +14734,7 @@
           </p:grpSpPr>
           <p:sp>
             <p:nvSpPr>
-              <p:cNvPr id="267" name="Rectangle"/>
+              <p:cNvPr id="266" name="Rectangle"/>
               <p:cNvSpPr/>
               <p:nvPr/>
             </p:nvSpPr>
@@ -14854,7 +14779,7 @@
           </p:sp>
           <p:sp>
             <p:nvSpPr>
-              <p:cNvPr id="268" name="Rectangle"/>
+              <p:cNvPr id="267" name="Rectangle"/>
               <p:cNvSpPr/>
               <p:nvPr/>
             </p:nvSpPr>
@@ -14899,7 +14824,7 @@
           </p:sp>
           <p:sp>
             <p:nvSpPr>
-              <p:cNvPr id="269" name="Rectangle"/>
+              <p:cNvPr id="268" name="Rectangle"/>
               <p:cNvSpPr/>
               <p:nvPr/>
             </p:nvSpPr>
@@ -14944,7 +14869,7 @@
           </p:sp>
           <p:sp>
             <p:nvSpPr>
-              <p:cNvPr id="270" name="Rectangle"/>
+              <p:cNvPr id="269" name="Rectangle"/>
               <p:cNvSpPr/>
               <p:nvPr/>
             </p:nvSpPr>
@@ -14989,7 +14914,7 @@
           </p:sp>
           <p:sp>
             <p:nvSpPr>
-              <p:cNvPr id="271" name="Rectangle"/>
+              <p:cNvPr id="270" name="Rectangle"/>
               <p:cNvSpPr/>
               <p:nvPr/>
             </p:nvSpPr>
@@ -15034,7 +14959,7 @@
           </p:sp>
           <p:sp>
             <p:nvSpPr>
-              <p:cNvPr id="272" name="Rectangle"/>
+              <p:cNvPr id="271" name="Rectangle"/>
               <p:cNvSpPr/>
               <p:nvPr/>
             </p:nvSpPr>
@@ -15079,7 +15004,7 @@
           </p:sp>
           <p:sp>
             <p:nvSpPr>
-              <p:cNvPr id="273" name="Rectangle"/>
+              <p:cNvPr id="272" name="Rectangle"/>
               <p:cNvSpPr/>
               <p:nvPr/>
             </p:nvSpPr>
@@ -15124,7 +15049,7 @@
           </p:sp>
           <p:sp>
             <p:nvSpPr>
-              <p:cNvPr id="274" name="Rectangle"/>
+              <p:cNvPr id="273" name="Rectangle"/>
               <p:cNvSpPr/>
               <p:nvPr/>
             </p:nvSpPr>
@@ -15171,7 +15096,7 @@
       </p:grpSp>
       <p:grpSp>
         <p:nvGrpSpPr>
-          <p:cNvPr id="296" name="Group"/>
+          <p:cNvPr id="295" name="Group"/>
           <p:cNvGrpSpPr/>
           <p:nvPr/>
         </p:nvGrpSpPr>
@@ -15185,14 +15110,14 @@
         </p:grpSpPr>
         <p:pic>
           <p:nvPicPr>
-            <p:cNvPr id="277" name="Image" descr="Image"/>
+            <p:cNvPr id="276" name="Image" descr="Image"/>
             <p:cNvPicPr>
               <a:picLocks noChangeAspect="1"/>
             </p:cNvPicPr>
             <p:nvPr/>
           </p:nvPicPr>
           <p:blipFill>
-            <a:blip r:embed="rId10">
+            <a:blip r:embed="rId7">
               <a:extLst/>
             </a:blip>
             <a:stretch>
@@ -15216,7 +15141,7 @@
         </p:pic>
         <p:grpSp>
           <p:nvGrpSpPr>
-            <p:cNvPr id="295" name="Group"/>
+            <p:cNvPr id="294" name="Group"/>
             <p:cNvGrpSpPr/>
             <p:nvPr/>
           </p:nvGrpSpPr>
@@ -15230,7 +15155,7 @@
           </p:grpSpPr>
           <p:sp>
             <p:nvSpPr>
-              <p:cNvPr id="278" name="Circle"/>
+              <p:cNvPr id="277" name="Circle"/>
               <p:cNvSpPr/>
               <p:nvPr/>
             </p:nvSpPr>
@@ -15275,7 +15200,7 @@
           </p:sp>
           <p:sp>
             <p:nvSpPr>
-              <p:cNvPr id="279" name="Circle"/>
+              <p:cNvPr id="278" name="Circle"/>
               <p:cNvSpPr/>
               <p:nvPr/>
             </p:nvSpPr>
@@ -15320,7 +15245,7 @@
           </p:sp>
           <p:sp>
             <p:nvSpPr>
-              <p:cNvPr id="280" name="Circle"/>
+              <p:cNvPr id="279" name="Circle"/>
               <p:cNvSpPr/>
               <p:nvPr/>
             </p:nvSpPr>
@@ -15365,7 +15290,7 @@
           </p:sp>
           <p:sp>
             <p:nvSpPr>
-              <p:cNvPr id="281" name="Circle"/>
+              <p:cNvPr id="280" name="Circle"/>
               <p:cNvSpPr/>
               <p:nvPr/>
             </p:nvSpPr>
@@ -15410,7 +15335,7 @@
           </p:sp>
           <p:sp>
             <p:nvSpPr>
-              <p:cNvPr id="282" name="Circle"/>
+              <p:cNvPr id="281" name="Circle"/>
               <p:cNvSpPr/>
               <p:nvPr/>
             </p:nvSpPr>
@@ -15455,7 +15380,7 @@
           </p:sp>
           <p:sp>
             <p:nvSpPr>
-              <p:cNvPr id="283" name="Circle"/>
+              <p:cNvPr id="282" name="Circle"/>
               <p:cNvSpPr/>
               <p:nvPr/>
             </p:nvSpPr>
@@ -15500,7 +15425,7 @@
           </p:sp>
           <p:sp>
             <p:nvSpPr>
-              <p:cNvPr id="284" name="Circle"/>
+              <p:cNvPr id="283" name="Circle"/>
               <p:cNvSpPr/>
               <p:nvPr/>
             </p:nvSpPr>
@@ -15545,7 +15470,7 @@
           </p:sp>
           <p:sp>
             <p:nvSpPr>
-              <p:cNvPr id="285" name="Circle"/>
+              <p:cNvPr id="284" name="Circle"/>
               <p:cNvSpPr/>
               <p:nvPr/>
             </p:nvSpPr>
@@ -15590,7 +15515,7 @@
           </p:sp>
           <p:sp>
             <p:nvSpPr>
-              <p:cNvPr id="286" name="Circle"/>
+              <p:cNvPr id="285" name="Circle"/>
               <p:cNvSpPr/>
               <p:nvPr/>
             </p:nvSpPr>
@@ -15635,7 +15560,7 @@
           </p:sp>
           <p:sp>
             <p:nvSpPr>
-              <p:cNvPr id="287" name="Circle"/>
+              <p:cNvPr id="286" name="Circle"/>
               <p:cNvSpPr/>
               <p:nvPr/>
             </p:nvSpPr>
@@ -15680,7 +15605,7 @@
           </p:sp>
           <p:sp>
             <p:nvSpPr>
-              <p:cNvPr id="288" name="Circle"/>
+              <p:cNvPr id="287" name="Circle"/>
               <p:cNvSpPr/>
               <p:nvPr/>
             </p:nvSpPr>
@@ -15725,7 +15650,7 @@
           </p:sp>
           <p:sp>
             <p:nvSpPr>
-              <p:cNvPr id="289" name="Circle"/>
+              <p:cNvPr id="288" name="Circle"/>
               <p:cNvSpPr/>
               <p:nvPr/>
             </p:nvSpPr>
@@ -15770,7 +15695,7 @@
           </p:sp>
           <p:sp>
             <p:nvSpPr>
-              <p:cNvPr id="290" name="Circle"/>
+              <p:cNvPr id="289" name="Circle"/>
               <p:cNvSpPr/>
               <p:nvPr/>
             </p:nvSpPr>
@@ -15815,7 +15740,7 @@
           </p:sp>
           <p:sp>
             <p:nvSpPr>
-              <p:cNvPr id="291" name="Circle"/>
+              <p:cNvPr id="290" name="Circle"/>
               <p:cNvSpPr/>
               <p:nvPr/>
             </p:nvSpPr>
@@ -15860,7 +15785,7 @@
           </p:sp>
           <p:sp>
             <p:nvSpPr>
-              <p:cNvPr id="292" name="Circle"/>
+              <p:cNvPr id="291" name="Circle"/>
               <p:cNvSpPr/>
               <p:nvPr/>
             </p:nvSpPr>
@@ -15905,7 +15830,7 @@
           </p:sp>
           <p:sp>
             <p:nvSpPr>
-              <p:cNvPr id="293" name="Circle"/>
+              <p:cNvPr id="292" name="Circle"/>
               <p:cNvSpPr/>
               <p:nvPr/>
             </p:nvSpPr>
@@ -15950,7 +15875,7 @@
           </p:sp>
           <p:sp>
             <p:nvSpPr>
-              <p:cNvPr id="294" name="Circle"/>
+              <p:cNvPr id="293" name="Circle"/>
               <p:cNvSpPr/>
               <p:nvPr/>
             </p:nvSpPr>
@@ -15997,7 +15922,7 @@
       </p:grpSp>
       <p:grpSp>
         <p:nvGrpSpPr>
-          <p:cNvPr id="325" name="Group"/>
+          <p:cNvPr id="324" name="Group"/>
           <p:cNvGrpSpPr/>
           <p:nvPr/>
         </p:nvGrpSpPr>
@@ -16011,14 +15936,14 @@
         </p:grpSpPr>
         <p:pic>
           <p:nvPicPr>
-            <p:cNvPr id="297" name="Image" descr="Image"/>
+            <p:cNvPr id="296" name="Image" descr="Image"/>
             <p:cNvPicPr>
               <a:picLocks noChangeAspect="1"/>
             </p:cNvPicPr>
             <p:nvPr/>
           </p:nvPicPr>
           <p:blipFill>
-            <a:blip r:embed="rId10">
+            <a:blip r:embed="rId7">
               <a:extLst/>
             </a:blip>
             <a:stretch>
@@ -16042,7 +15967,7 @@
         </p:pic>
         <p:grpSp>
           <p:nvGrpSpPr>
-            <p:cNvPr id="324" name="Group"/>
+            <p:cNvPr id="323" name="Group"/>
             <p:cNvGrpSpPr/>
             <p:nvPr/>
           </p:nvGrpSpPr>
@@ -16056,7 +15981,7 @@
           </p:grpSpPr>
           <p:sp>
             <p:nvSpPr>
-              <p:cNvPr id="298" name="Circle"/>
+              <p:cNvPr id="297" name="Circle"/>
               <p:cNvSpPr/>
               <p:nvPr/>
             </p:nvSpPr>
@@ -16101,7 +16026,7 @@
           </p:sp>
           <p:sp>
             <p:nvSpPr>
-              <p:cNvPr id="299" name="Circle"/>
+              <p:cNvPr id="298" name="Circle"/>
               <p:cNvSpPr/>
               <p:nvPr/>
             </p:nvSpPr>
@@ -16146,7 +16071,7 @@
           </p:sp>
           <p:sp>
             <p:nvSpPr>
-              <p:cNvPr id="300" name="Circle"/>
+              <p:cNvPr id="299" name="Circle"/>
               <p:cNvSpPr/>
               <p:nvPr/>
             </p:nvSpPr>
@@ -16191,7 +16116,7 @@
           </p:sp>
           <p:sp>
             <p:nvSpPr>
-              <p:cNvPr id="301" name="Circle"/>
+              <p:cNvPr id="300" name="Circle"/>
               <p:cNvSpPr/>
               <p:nvPr/>
             </p:nvSpPr>
@@ -16236,7 +16161,7 @@
           </p:sp>
           <p:sp>
             <p:nvSpPr>
-              <p:cNvPr id="302" name="Circle"/>
+              <p:cNvPr id="301" name="Circle"/>
               <p:cNvSpPr/>
               <p:nvPr/>
             </p:nvSpPr>
@@ -16281,7 +16206,7 @@
           </p:sp>
           <p:sp>
             <p:nvSpPr>
-              <p:cNvPr id="303" name="Circle"/>
+              <p:cNvPr id="302" name="Circle"/>
               <p:cNvSpPr/>
               <p:nvPr/>
             </p:nvSpPr>
@@ -16326,7 +16251,7 @@
           </p:sp>
           <p:sp>
             <p:nvSpPr>
-              <p:cNvPr id="304" name="Circle"/>
+              <p:cNvPr id="303" name="Circle"/>
               <p:cNvSpPr/>
               <p:nvPr/>
             </p:nvSpPr>
@@ -16371,7 +16296,7 @@
           </p:sp>
           <p:sp>
             <p:nvSpPr>
-              <p:cNvPr id="305" name="Circle"/>
+              <p:cNvPr id="304" name="Circle"/>
               <p:cNvSpPr/>
               <p:nvPr/>
             </p:nvSpPr>
@@ -16416,7 +16341,7 @@
           </p:sp>
           <p:sp>
             <p:nvSpPr>
-              <p:cNvPr id="306" name="Circle"/>
+              <p:cNvPr id="305" name="Circle"/>
               <p:cNvSpPr/>
               <p:nvPr/>
             </p:nvSpPr>
@@ -16461,7 +16386,7 @@
           </p:sp>
           <p:sp>
             <p:nvSpPr>
-              <p:cNvPr id="307" name="Circle"/>
+              <p:cNvPr id="306" name="Circle"/>
               <p:cNvSpPr/>
               <p:nvPr/>
             </p:nvSpPr>
@@ -16506,7 +16431,7 @@
           </p:sp>
           <p:sp>
             <p:nvSpPr>
-              <p:cNvPr id="308" name="Circle"/>
+              <p:cNvPr id="307" name="Circle"/>
               <p:cNvSpPr/>
               <p:nvPr/>
             </p:nvSpPr>
@@ -16551,7 +16476,7 @@
           </p:sp>
           <p:sp>
             <p:nvSpPr>
-              <p:cNvPr id="309" name="Circle"/>
+              <p:cNvPr id="308" name="Circle"/>
               <p:cNvSpPr/>
               <p:nvPr/>
             </p:nvSpPr>
@@ -16596,7 +16521,7 @@
           </p:sp>
           <p:sp>
             <p:nvSpPr>
-              <p:cNvPr id="310" name="Circle"/>
+              <p:cNvPr id="309" name="Circle"/>
               <p:cNvSpPr/>
               <p:nvPr/>
             </p:nvSpPr>
@@ -16641,7 +16566,7 @@
           </p:sp>
           <p:sp>
             <p:nvSpPr>
-              <p:cNvPr id="311" name="Circle"/>
+              <p:cNvPr id="310" name="Circle"/>
               <p:cNvSpPr/>
               <p:nvPr/>
             </p:nvSpPr>
@@ -16686,7 +16611,7 @@
           </p:sp>
           <p:sp>
             <p:nvSpPr>
-              <p:cNvPr id="312" name="Circle"/>
+              <p:cNvPr id="311" name="Circle"/>
               <p:cNvSpPr/>
               <p:nvPr/>
             </p:nvSpPr>
@@ -16731,7 +16656,7 @@
           </p:sp>
           <p:sp>
             <p:nvSpPr>
-              <p:cNvPr id="313" name="Circle"/>
+              <p:cNvPr id="312" name="Circle"/>
               <p:cNvSpPr/>
               <p:nvPr/>
             </p:nvSpPr>
@@ -16776,7 +16701,7 @@
           </p:sp>
           <p:sp>
             <p:nvSpPr>
-              <p:cNvPr id="314" name="Circle"/>
+              <p:cNvPr id="313" name="Circle"/>
               <p:cNvSpPr/>
               <p:nvPr/>
             </p:nvSpPr>
@@ -16821,7 +16746,7 @@
           </p:sp>
           <p:sp>
             <p:nvSpPr>
-              <p:cNvPr id="315" name="Circle"/>
+              <p:cNvPr id="314" name="Circle"/>
               <p:cNvSpPr/>
               <p:nvPr/>
             </p:nvSpPr>
@@ -16866,7 +16791,7 @@
           </p:sp>
           <p:sp>
             <p:nvSpPr>
-              <p:cNvPr id="316" name="Circle"/>
+              <p:cNvPr id="315" name="Circle"/>
               <p:cNvSpPr/>
               <p:nvPr/>
             </p:nvSpPr>
@@ -16911,7 +16836,7 @@
           </p:sp>
           <p:sp>
             <p:nvSpPr>
-              <p:cNvPr id="317" name="Circle"/>
+              <p:cNvPr id="316" name="Circle"/>
               <p:cNvSpPr/>
               <p:nvPr/>
             </p:nvSpPr>
@@ -16956,7 +16881,7 @@
           </p:sp>
           <p:sp>
             <p:nvSpPr>
-              <p:cNvPr id="318" name="Circle"/>
+              <p:cNvPr id="317" name="Circle"/>
               <p:cNvSpPr/>
               <p:nvPr/>
             </p:nvSpPr>
@@ -17001,7 +16926,7 @@
           </p:sp>
           <p:sp>
             <p:nvSpPr>
-              <p:cNvPr id="319" name="Circle"/>
+              <p:cNvPr id="318" name="Circle"/>
               <p:cNvSpPr/>
               <p:nvPr/>
             </p:nvSpPr>
@@ -17046,7 +16971,7 @@
           </p:sp>
           <p:sp>
             <p:nvSpPr>
-              <p:cNvPr id="320" name="Circle"/>
+              <p:cNvPr id="319" name="Circle"/>
               <p:cNvSpPr/>
               <p:nvPr/>
             </p:nvSpPr>
@@ -17091,7 +17016,7 @@
           </p:sp>
           <p:sp>
             <p:nvSpPr>
-              <p:cNvPr id="321" name="Circle"/>
+              <p:cNvPr id="320" name="Circle"/>
               <p:cNvSpPr/>
               <p:nvPr/>
             </p:nvSpPr>
@@ -17136,7 +17061,7 @@
           </p:sp>
           <p:sp>
             <p:nvSpPr>
-              <p:cNvPr id="322" name="Circle"/>
+              <p:cNvPr id="321" name="Circle"/>
               <p:cNvSpPr/>
               <p:nvPr/>
             </p:nvSpPr>
@@ -17181,7 +17106,7 @@
           </p:sp>
           <p:sp>
             <p:nvSpPr>
-              <p:cNvPr id="323" name="Circle"/>
+              <p:cNvPr id="322" name="Circle"/>
               <p:cNvSpPr/>
               <p:nvPr/>
             </p:nvSpPr>
@@ -17228,7 +17153,7 @@
       </p:grpSp>
       <p:grpSp>
         <p:nvGrpSpPr>
-          <p:cNvPr id="332" name="Group"/>
+          <p:cNvPr id="331" name="Group"/>
           <p:cNvGrpSpPr/>
           <p:nvPr/>
         </p:nvGrpSpPr>
@@ -17242,14 +17167,14 @@
         </p:grpSpPr>
         <p:pic>
           <p:nvPicPr>
-            <p:cNvPr id="326" name="Image" descr="Image"/>
+            <p:cNvPr id="325" name="Image" descr="Image"/>
             <p:cNvPicPr>
               <a:picLocks noChangeAspect="1"/>
             </p:cNvPicPr>
             <p:nvPr/>
           </p:nvPicPr>
           <p:blipFill>
-            <a:blip r:embed="rId10">
+            <a:blip r:embed="rId7">
               <a:extLst/>
             </a:blip>
             <a:stretch>
@@ -17273,7 +17198,7 @@
         </p:pic>
         <p:grpSp>
           <p:nvGrpSpPr>
-            <p:cNvPr id="331" name="Group"/>
+            <p:cNvPr id="330" name="Group"/>
             <p:cNvGrpSpPr/>
             <p:nvPr/>
           </p:nvGrpSpPr>
@@ -17287,7 +17212,7 @@
           </p:grpSpPr>
           <p:sp>
             <p:nvSpPr>
-              <p:cNvPr id="327" name="Rectangle"/>
+              <p:cNvPr id="326" name="Rectangle"/>
               <p:cNvSpPr/>
               <p:nvPr/>
             </p:nvSpPr>
@@ -17332,7 +17257,7 @@
           </p:sp>
           <p:sp>
             <p:nvSpPr>
-              <p:cNvPr id="328" name="Rectangle"/>
+              <p:cNvPr id="327" name="Rectangle"/>
               <p:cNvSpPr/>
               <p:nvPr/>
             </p:nvSpPr>
@@ -17377,7 +17302,7 @@
           </p:sp>
           <p:sp>
             <p:nvSpPr>
-              <p:cNvPr id="329" name="Rectangle"/>
+              <p:cNvPr id="328" name="Rectangle"/>
               <p:cNvSpPr/>
               <p:nvPr/>
             </p:nvSpPr>
@@ -17422,7 +17347,7 @@
           </p:sp>
           <p:sp>
             <p:nvSpPr>
-              <p:cNvPr id="330" name="Rectangle"/>
+              <p:cNvPr id="329" name="Rectangle"/>
               <p:cNvSpPr/>
               <p:nvPr/>
             </p:nvSpPr>
@@ -17469,7 +17394,7 @@
       </p:grpSp>
       <p:grpSp>
         <p:nvGrpSpPr>
-          <p:cNvPr id="367" name="Group"/>
+          <p:cNvPr id="366" name="Group"/>
           <p:cNvGrpSpPr/>
           <p:nvPr/>
         </p:nvGrpSpPr>
@@ -17483,14 +17408,14 @@
         </p:grpSpPr>
         <p:pic>
           <p:nvPicPr>
-            <p:cNvPr id="333" name="Image" descr="Image"/>
+            <p:cNvPr id="332" name="Image" descr="Image"/>
             <p:cNvPicPr>
               <a:picLocks noChangeAspect="1"/>
             </p:cNvPicPr>
             <p:nvPr/>
           </p:nvPicPr>
           <p:blipFill>
-            <a:blip r:embed="rId10">
+            <a:blip r:embed="rId7">
               <a:extLst/>
             </a:blip>
             <a:stretch>
@@ -17514,7 +17439,7 @@
         </p:pic>
         <p:grpSp>
           <p:nvGrpSpPr>
-            <p:cNvPr id="366" name="Group"/>
+            <p:cNvPr id="365" name="Group"/>
             <p:cNvGrpSpPr/>
             <p:nvPr/>
           </p:nvGrpSpPr>
@@ -17528,7 +17453,7 @@
           </p:grpSpPr>
           <p:sp>
             <p:nvSpPr>
-              <p:cNvPr id="334" name="Circle"/>
+              <p:cNvPr id="333" name="Circle"/>
               <p:cNvSpPr/>
               <p:nvPr/>
             </p:nvSpPr>
@@ -17573,7 +17498,7 @@
           </p:sp>
           <p:sp>
             <p:nvSpPr>
-              <p:cNvPr id="335" name="Circle"/>
+              <p:cNvPr id="334" name="Circle"/>
               <p:cNvSpPr/>
               <p:nvPr/>
             </p:nvSpPr>
@@ -17618,7 +17543,7 @@
           </p:sp>
           <p:sp>
             <p:nvSpPr>
-              <p:cNvPr id="336" name="Circle"/>
+              <p:cNvPr id="335" name="Circle"/>
               <p:cNvSpPr/>
               <p:nvPr/>
             </p:nvSpPr>
@@ -17663,7 +17588,7 @@
           </p:sp>
           <p:sp>
             <p:nvSpPr>
-              <p:cNvPr id="337" name="Circle"/>
+              <p:cNvPr id="336" name="Circle"/>
               <p:cNvSpPr/>
               <p:nvPr/>
             </p:nvSpPr>
@@ -17708,7 +17633,7 @@
           </p:sp>
           <p:sp>
             <p:nvSpPr>
-              <p:cNvPr id="338" name="Circle"/>
+              <p:cNvPr id="337" name="Circle"/>
               <p:cNvSpPr/>
               <p:nvPr/>
             </p:nvSpPr>
@@ -17753,7 +17678,7 @@
           </p:sp>
           <p:sp>
             <p:nvSpPr>
-              <p:cNvPr id="339" name="Circle"/>
+              <p:cNvPr id="338" name="Circle"/>
               <p:cNvSpPr/>
               <p:nvPr/>
             </p:nvSpPr>
@@ -17798,7 +17723,7 @@
           </p:sp>
           <p:sp>
             <p:nvSpPr>
-              <p:cNvPr id="340" name="Circle"/>
+              <p:cNvPr id="339" name="Circle"/>
               <p:cNvSpPr/>
               <p:nvPr/>
             </p:nvSpPr>
@@ -17843,7 +17768,7 @@
           </p:sp>
           <p:sp>
             <p:nvSpPr>
-              <p:cNvPr id="341" name="Circle"/>
+              <p:cNvPr id="340" name="Circle"/>
               <p:cNvSpPr/>
               <p:nvPr/>
             </p:nvSpPr>
@@ -17888,7 +17813,7 @@
           </p:sp>
           <p:sp>
             <p:nvSpPr>
-              <p:cNvPr id="342" name="Circle"/>
+              <p:cNvPr id="341" name="Circle"/>
               <p:cNvSpPr/>
               <p:nvPr/>
             </p:nvSpPr>
@@ -17933,7 +17858,7 @@
           </p:sp>
           <p:sp>
             <p:nvSpPr>
-              <p:cNvPr id="343" name="Circle"/>
+              <p:cNvPr id="342" name="Circle"/>
               <p:cNvSpPr/>
               <p:nvPr/>
             </p:nvSpPr>
@@ -17978,7 +17903,7 @@
           </p:sp>
           <p:sp>
             <p:nvSpPr>
-              <p:cNvPr id="344" name="Circle"/>
+              <p:cNvPr id="343" name="Circle"/>
               <p:cNvSpPr/>
               <p:nvPr/>
             </p:nvSpPr>
@@ -18023,7 +17948,7 @@
           </p:sp>
           <p:sp>
             <p:nvSpPr>
-              <p:cNvPr id="345" name="Circle"/>
+              <p:cNvPr id="344" name="Circle"/>
               <p:cNvSpPr/>
               <p:nvPr/>
             </p:nvSpPr>
@@ -18068,7 +17993,7 @@
           </p:sp>
           <p:sp>
             <p:nvSpPr>
-              <p:cNvPr id="346" name="Circle"/>
+              <p:cNvPr id="345" name="Circle"/>
               <p:cNvSpPr/>
               <p:nvPr/>
             </p:nvSpPr>
@@ -18113,7 +18038,7 @@
           </p:sp>
           <p:sp>
             <p:nvSpPr>
-              <p:cNvPr id="347" name="Circle"/>
+              <p:cNvPr id="346" name="Circle"/>
               <p:cNvSpPr/>
               <p:nvPr/>
             </p:nvSpPr>
@@ -18158,7 +18083,7 @@
           </p:sp>
           <p:sp>
             <p:nvSpPr>
-              <p:cNvPr id="348" name="Circle"/>
+              <p:cNvPr id="347" name="Circle"/>
               <p:cNvSpPr/>
               <p:nvPr/>
             </p:nvSpPr>
@@ -18203,7 +18128,7 @@
           </p:sp>
           <p:sp>
             <p:nvSpPr>
-              <p:cNvPr id="349" name="Circle"/>
+              <p:cNvPr id="348" name="Circle"/>
               <p:cNvSpPr/>
               <p:nvPr/>
             </p:nvSpPr>
@@ -18248,7 +18173,7 @@
           </p:sp>
           <p:sp>
             <p:nvSpPr>
-              <p:cNvPr id="350" name="Circle"/>
+              <p:cNvPr id="349" name="Circle"/>
               <p:cNvSpPr/>
               <p:nvPr/>
             </p:nvSpPr>
@@ -18293,7 +18218,7 @@
           </p:sp>
           <p:sp>
             <p:nvSpPr>
-              <p:cNvPr id="351" name="Circle"/>
+              <p:cNvPr id="350" name="Circle"/>
               <p:cNvSpPr/>
               <p:nvPr/>
             </p:nvSpPr>
@@ -18338,7 +18263,7 @@
           </p:sp>
           <p:sp>
             <p:nvSpPr>
-              <p:cNvPr id="352" name="Circle"/>
+              <p:cNvPr id="351" name="Circle"/>
               <p:cNvSpPr/>
               <p:nvPr/>
             </p:nvSpPr>
@@ -18383,7 +18308,7 @@
           </p:sp>
           <p:sp>
             <p:nvSpPr>
-              <p:cNvPr id="353" name="Circle"/>
+              <p:cNvPr id="352" name="Circle"/>
               <p:cNvSpPr/>
               <p:nvPr/>
             </p:nvSpPr>
@@ -18428,7 +18353,7 @@
           </p:sp>
           <p:sp>
             <p:nvSpPr>
-              <p:cNvPr id="354" name="Circle"/>
+              <p:cNvPr id="353" name="Circle"/>
               <p:cNvSpPr/>
               <p:nvPr/>
             </p:nvSpPr>
@@ -18473,7 +18398,7 @@
           </p:sp>
           <p:sp>
             <p:nvSpPr>
-              <p:cNvPr id="355" name="Circle"/>
+              <p:cNvPr id="354" name="Circle"/>
               <p:cNvSpPr/>
               <p:nvPr/>
             </p:nvSpPr>
@@ -18518,7 +18443,7 @@
           </p:sp>
           <p:sp>
             <p:nvSpPr>
-              <p:cNvPr id="356" name="Circle"/>
+              <p:cNvPr id="355" name="Circle"/>
               <p:cNvSpPr/>
               <p:nvPr/>
             </p:nvSpPr>
@@ -18563,7 +18488,7 @@
           </p:sp>
           <p:sp>
             <p:nvSpPr>
-              <p:cNvPr id="357" name="Circle"/>
+              <p:cNvPr id="356" name="Circle"/>
               <p:cNvSpPr/>
               <p:nvPr/>
             </p:nvSpPr>
@@ -18608,7 +18533,7 @@
           </p:sp>
           <p:sp>
             <p:nvSpPr>
-              <p:cNvPr id="358" name="Circle"/>
+              <p:cNvPr id="357" name="Circle"/>
               <p:cNvSpPr/>
               <p:nvPr/>
             </p:nvSpPr>
@@ -18653,7 +18578,7 @@
           </p:sp>
           <p:sp>
             <p:nvSpPr>
-              <p:cNvPr id="359" name="Circle"/>
+              <p:cNvPr id="358" name="Circle"/>
               <p:cNvSpPr/>
               <p:nvPr/>
             </p:nvSpPr>
@@ -18698,7 +18623,7 @@
           </p:sp>
           <p:sp>
             <p:nvSpPr>
-              <p:cNvPr id="360" name="Circle"/>
+              <p:cNvPr id="359" name="Circle"/>
               <p:cNvSpPr/>
               <p:nvPr/>
             </p:nvSpPr>
@@ -18743,7 +18668,7 @@
           </p:sp>
           <p:sp>
             <p:nvSpPr>
-              <p:cNvPr id="361" name="Circle"/>
+              <p:cNvPr id="360" name="Circle"/>
               <p:cNvSpPr/>
               <p:nvPr/>
             </p:nvSpPr>
@@ -18788,7 +18713,7 @@
           </p:sp>
           <p:sp>
             <p:nvSpPr>
-              <p:cNvPr id="362" name="Circle"/>
+              <p:cNvPr id="361" name="Circle"/>
               <p:cNvSpPr/>
               <p:nvPr/>
             </p:nvSpPr>
@@ -18833,7 +18758,7 @@
           </p:sp>
           <p:sp>
             <p:nvSpPr>
-              <p:cNvPr id="363" name="Circle"/>
+              <p:cNvPr id="362" name="Circle"/>
               <p:cNvSpPr/>
               <p:nvPr/>
             </p:nvSpPr>
@@ -18878,7 +18803,7 @@
           </p:sp>
           <p:sp>
             <p:nvSpPr>
-              <p:cNvPr id="364" name="Circle"/>
+              <p:cNvPr id="363" name="Circle"/>
               <p:cNvSpPr/>
               <p:nvPr/>
             </p:nvSpPr>
@@ -18923,7 +18848,7 @@
           </p:sp>
           <p:sp>
             <p:nvSpPr>
-              <p:cNvPr id="365" name="Circle"/>
+              <p:cNvPr id="364" name="Circle"/>
               <p:cNvSpPr/>
               <p:nvPr/>
             </p:nvSpPr>
@@ -18970,7 +18895,7 @@
       </p:grpSp>
       <p:grpSp>
         <p:nvGrpSpPr>
-          <p:cNvPr id="386" name="Group"/>
+          <p:cNvPr id="385" name="Group"/>
           <p:cNvGrpSpPr/>
           <p:nvPr/>
         </p:nvGrpSpPr>
@@ -18984,14 +18909,14 @@
         </p:grpSpPr>
         <p:pic>
           <p:nvPicPr>
-            <p:cNvPr id="368" name="Image" descr="Image"/>
+            <p:cNvPr id="367" name="Image" descr="Image"/>
             <p:cNvPicPr>
               <a:picLocks noChangeAspect="1"/>
             </p:cNvPicPr>
             <p:nvPr/>
           </p:nvPicPr>
           <p:blipFill>
-            <a:blip r:embed="rId10">
+            <a:blip r:embed="rId7">
               <a:extLst/>
             </a:blip>
             <a:stretch>
@@ -19015,7 +18940,7 @@
         </p:pic>
         <p:grpSp>
           <p:nvGrpSpPr>
-            <p:cNvPr id="385" name="Group"/>
+            <p:cNvPr id="384" name="Group"/>
             <p:cNvGrpSpPr/>
             <p:nvPr/>
           </p:nvGrpSpPr>
@@ -19029,7 +18954,7 @@
           </p:grpSpPr>
           <p:sp>
             <p:nvSpPr>
-              <p:cNvPr id="369" name="Circle"/>
+              <p:cNvPr id="368" name="Circle"/>
               <p:cNvSpPr/>
               <p:nvPr/>
             </p:nvSpPr>
@@ -19074,7 +18999,7 @@
           </p:sp>
           <p:sp>
             <p:nvSpPr>
-              <p:cNvPr id="370" name="Circle"/>
+              <p:cNvPr id="369" name="Circle"/>
               <p:cNvSpPr/>
               <p:nvPr/>
             </p:nvSpPr>
@@ -19119,7 +19044,7 @@
           </p:sp>
           <p:sp>
             <p:nvSpPr>
-              <p:cNvPr id="371" name="Circle"/>
+              <p:cNvPr id="370" name="Circle"/>
               <p:cNvSpPr/>
               <p:nvPr/>
             </p:nvSpPr>
@@ -19164,7 +19089,7 @@
           </p:sp>
           <p:sp>
             <p:nvSpPr>
-              <p:cNvPr id="372" name="Circle"/>
+              <p:cNvPr id="371" name="Circle"/>
               <p:cNvSpPr/>
               <p:nvPr/>
             </p:nvSpPr>
@@ -19209,7 +19134,7 @@
           </p:sp>
           <p:sp>
             <p:nvSpPr>
-              <p:cNvPr id="373" name="Circle"/>
+              <p:cNvPr id="372" name="Circle"/>
               <p:cNvSpPr/>
               <p:nvPr/>
             </p:nvSpPr>
@@ -19254,7 +19179,7 @@
           </p:sp>
           <p:sp>
             <p:nvSpPr>
-              <p:cNvPr id="374" name="Circle"/>
+              <p:cNvPr id="373" name="Circle"/>
               <p:cNvSpPr/>
               <p:nvPr/>
             </p:nvSpPr>
@@ -19299,7 +19224,7 @@
           </p:sp>
           <p:sp>
             <p:nvSpPr>
-              <p:cNvPr id="375" name="Circle"/>
+              <p:cNvPr id="374" name="Circle"/>
               <p:cNvSpPr/>
               <p:nvPr/>
             </p:nvSpPr>
@@ -19344,7 +19269,7 @@
           </p:sp>
           <p:sp>
             <p:nvSpPr>
-              <p:cNvPr id="376" name="Circle"/>
+              <p:cNvPr id="375" name="Circle"/>
               <p:cNvSpPr/>
               <p:nvPr/>
             </p:nvSpPr>
@@ -19389,7 +19314,7 @@
           </p:sp>
           <p:sp>
             <p:nvSpPr>
-              <p:cNvPr id="377" name="Circle"/>
+              <p:cNvPr id="376" name="Circle"/>
               <p:cNvSpPr/>
               <p:nvPr/>
             </p:nvSpPr>
@@ -19434,7 +19359,7 @@
           </p:sp>
           <p:sp>
             <p:nvSpPr>
-              <p:cNvPr id="378" name="Circle"/>
+              <p:cNvPr id="377" name="Circle"/>
               <p:cNvSpPr/>
               <p:nvPr/>
             </p:nvSpPr>
@@ -19479,7 +19404,7 @@
           </p:sp>
           <p:sp>
             <p:nvSpPr>
-              <p:cNvPr id="379" name="Circle"/>
+              <p:cNvPr id="378" name="Circle"/>
               <p:cNvSpPr/>
               <p:nvPr/>
             </p:nvSpPr>
@@ -19524,7 +19449,7 @@
           </p:sp>
           <p:sp>
             <p:nvSpPr>
-              <p:cNvPr id="380" name="Circle"/>
+              <p:cNvPr id="379" name="Circle"/>
               <p:cNvSpPr/>
               <p:nvPr/>
             </p:nvSpPr>
@@ -19569,7 +19494,7 @@
           </p:sp>
           <p:sp>
             <p:nvSpPr>
-              <p:cNvPr id="381" name="Circle"/>
+              <p:cNvPr id="380" name="Circle"/>
               <p:cNvSpPr/>
               <p:nvPr/>
             </p:nvSpPr>
@@ -19614,7 +19539,7 @@
           </p:sp>
           <p:sp>
             <p:nvSpPr>
-              <p:cNvPr id="382" name="Circle"/>
+              <p:cNvPr id="381" name="Circle"/>
               <p:cNvSpPr/>
               <p:nvPr/>
             </p:nvSpPr>
@@ -19659,7 +19584,7 @@
           </p:sp>
           <p:sp>
             <p:nvSpPr>
-              <p:cNvPr id="383" name="Circle"/>
+              <p:cNvPr id="382" name="Circle"/>
               <p:cNvSpPr/>
               <p:nvPr/>
             </p:nvSpPr>
@@ -19704,7 +19629,7 @@
           </p:sp>
           <p:sp>
             <p:nvSpPr>
-              <p:cNvPr id="384" name="Circle"/>
+              <p:cNvPr id="383" name="Circle"/>
               <p:cNvSpPr/>
               <p:nvPr/>
             </p:nvSpPr>
@@ -19751,7 +19676,7 @@
       </p:grpSp>
       <p:grpSp>
         <p:nvGrpSpPr>
-          <p:cNvPr id="392" name="Group"/>
+          <p:cNvPr id="391" name="Group"/>
           <p:cNvGrpSpPr/>
           <p:nvPr/>
         </p:nvGrpSpPr>
@@ -19765,14 +19690,14 @@
         </p:grpSpPr>
         <p:pic>
           <p:nvPicPr>
-            <p:cNvPr id="387" name="Image" descr="Image"/>
+            <p:cNvPr id="386" name="Image" descr="Image"/>
             <p:cNvPicPr>
               <a:picLocks noChangeAspect="1"/>
             </p:cNvPicPr>
             <p:nvPr/>
           </p:nvPicPr>
           <p:blipFill>
-            <a:blip r:embed="rId10">
+            <a:blip r:embed="rId7">
               <a:extLst/>
             </a:blip>
             <a:stretch>
@@ -19796,7 +19721,7 @@
         </p:pic>
         <p:grpSp>
           <p:nvGrpSpPr>
-            <p:cNvPr id="391" name="Group"/>
+            <p:cNvPr id="390" name="Group"/>
             <p:cNvGrpSpPr/>
             <p:nvPr/>
           </p:nvGrpSpPr>
@@ -19810,7 +19735,7 @@
           </p:grpSpPr>
           <p:sp>
             <p:nvSpPr>
-              <p:cNvPr id="388" name="Line"/>
+              <p:cNvPr id="387" name="Line"/>
               <p:cNvSpPr/>
               <p:nvPr/>
             </p:nvSpPr>
@@ -19857,7 +19782,7 @@
           </p:sp>
           <p:sp>
             <p:nvSpPr>
-              <p:cNvPr id="389" name="Line"/>
+              <p:cNvPr id="388" name="Line"/>
               <p:cNvSpPr/>
               <p:nvPr/>
             </p:nvSpPr>
@@ -19904,7 +19829,7 @@
           </p:sp>
           <p:sp>
             <p:nvSpPr>
-              <p:cNvPr id="390" name="Line"/>
+              <p:cNvPr id="389" name="Line"/>
               <p:cNvSpPr/>
               <p:nvPr/>
             </p:nvSpPr>
@@ -19953,7 +19878,7 @@
       </p:grpSp>
       <p:grpSp>
         <p:nvGrpSpPr>
-          <p:cNvPr id="426" name="Group"/>
+          <p:cNvPr id="425" name="Group"/>
           <p:cNvGrpSpPr/>
           <p:nvPr/>
         </p:nvGrpSpPr>
@@ -19967,14 +19892,14 @@
         </p:grpSpPr>
         <p:pic>
           <p:nvPicPr>
-            <p:cNvPr id="393" name="Image" descr="Image"/>
+            <p:cNvPr id="392" name="Image" descr="Image"/>
             <p:cNvPicPr>
               <a:picLocks noChangeAspect="1"/>
             </p:cNvPicPr>
             <p:nvPr/>
           </p:nvPicPr>
           <p:blipFill>
-            <a:blip r:embed="rId10">
+            <a:blip r:embed="rId7">
               <a:extLst/>
             </a:blip>
             <a:stretch>
@@ -19998,7 +19923,7 @@
         </p:pic>
         <p:grpSp>
           <p:nvGrpSpPr>
-            <p:cNvPr id="409" name="Group"/>
+            <p:cNvPr id="408" name="Group"/>
             <p:cNvGrpSpPr/>
             <p:nvPr/>
           </p:nvGrpSpPr>
@@ -20012,7 +19937,7 @@
           </p:grpSpPr>
           <p:sp>
             <p:nvSpPr>
-              <p:cNvPr id="394" name="Line"/>
+              <p:cNvPr id="393" name="Line"/>
               <p:cNvSpPr/>
               <p:nvPr/>
             </p:nvSpPr>
@@ -20059,7 +19984,7 @@
           </p:sp>
           <p:sp>
             <p:nvSpPr>
-              <p:cNvPr id="395" name="Line"/>
+              <p:cNvPr id="394" name="Line"/>
               <p:cNvSpPr/>
               <p:nvPr/>
             </p:nvSpPr>
@@ -20106,7 +20031,7 @@
           </p:sp>
           <p:sp>
             <p:nvSpPr>
-              <p:cNvPr id="396" name="Line"/>
+              <p:cNvPr id="395" name="Line"/>
               <p:cNvSpPr/>
               <p:nvPr/>
             </p:nvSpPr>
@@ -20153,7 +20078,7 @@
           </p:sp>
           <p:sp>
             <p:nvSpPr>
-              <p:cNvPr id="397" name="Line"/>
+              <p:cNvPr id="396" name="Line"/>
               <p:cNvSpPr/>
               <p:nvPr/>
             </p:nvSpPr>
@@ -20200,7 +20125,7 @@
           </p:sp>
           <p:sp>
             <p:nvSpPr>
-              <p:cNvPr id="398" name="Line"/>
+              <p:cNvPr id="397" name="Line"/>
               <p:cNvSpPr/>
               <p:nvPr/>
             </p:nvSpPr>
@@ -20247,7 +20172,7 @@
           </p:sp>
           <p:sp>
             <p:nvSpPr>
-              <p:cNvPr id="399" name="Line"/>
+              <p:cNvPr id="398" name="Line"/>
               <p:cNvSpPr/>
               <p:nvPr/>
             </p:nvSpPr>
@@ -20294,7 +20219,7 @@
           </p:sp>
           <p:sp>
             <p:nvSpPr>
-              <p:cNvPr id="400" name="Line"/>
+              <p:cNvPr id="399" name="Line"/>
               <p:cNvSpPr/>
               <p:nvPr/>
             </p:nvSpPr>
@@ -20341,7 +20266,7 @@
           </p:sp>
           <p:sp>
             <p:nvSpPr>
-              <p:cNvPr id="401" name="Line"/>
+              <p:cNvPr id="400" name="Line"/>
               <p:cNvSpPr/>
               <p:nvPr/>
             </p:nvSpPr>
@@ -20388,7 +20313,7 @@
           </p:sp>
           <p:sp>
             <p:nvSpPr>
-              <p:cNvPr id="402" name="Line"/>
+              <p:cNvPr id="401" name="Line"/>
               <p:cNvSpPr/>
               <p:nvPr/>
             </p:nvSpPr>
@@ -20435,7 +20360,7 @@
           </p:sp>
           <p:sp>
             <p:nvSpPr>
-              <p:cNvPr id="403" name="Line"/>
+              <p:cNvPr id="402" name="Line"/>
               <p:cNvSpPr/>
               <p:nvPr/>
             </p:nvSpPr>
@@ -20482,7 +20407,7 @@
           </p:sp>
           <p:sp>
             <p:nvSpPr>
-              <p:cNvPr id="404" name="Line"/>
+              <p:cNvPr id="403" name="Line"/>
               <p:cNvSpPr/>
               <p:nvPr/>
             </p:nvSpPr>
@@ -20529,7 +20454,7 @@
           </p:sp>
           <p:sp>
             <p:nvSpPr>
-              <p:cNvPr id="405" name="Line"/>
+              <p:cNvPr id="404" name="Line"/>
               <p:cNvSpPr/>
               <p:nvPr/>
             </p:nvSpPr>
@@ -20576,7 +20501,7 @@
           </p:sp>
           <p:sp>
             <p:nvSpPr>
-              <p:cNvPr id="406" name="Line"/>
+              <p:cNvPr id="405" name="Line"/>
               <p:cNvSpPr/>
               <p:nvPr/>
             </p:nvSpPr>
@@ -20623,7 +20548,7 @@
           </p:sp>
           <p:sp>
             <p:nvSpPr>
-              <p:cNvPr id="407" name="Line"/>
+              <p:cNvPr id="406" name="Line"/>
               <p:cNvSpPr/>
               <p:nvPr/>
             </p:nvSpPr>
@@ -20670,7 +20595,7 @@
           </p:sp>
           <p:sp>
             <p:nvSpPr>
-              <p:cNvPr id="408" name="Line"/>
+              <p:cNvPr id="407" name="Line"/>
               <p:cNvSpPr/>
               <p:nvPr/>
             </p:nvSpPr>
@@ -20718,7 +20643,7 @@
         </p:grpSp>
         <p:grpSp>
           <p:nvGrpSpPr>
-            <p:cNvPr id="425" name="Group"/>
+            <p:cNvPr id="424" name="Group"/>
             <p:cNvGrpSpPr/>
             <p:nvPr/>
           </p:nvGrpSpPr>
@@ -20732,7 +20657,7 @@
           </p:grpSpPr>
           <p:sp>
             <p:nvSpPr>
-              <p:cNvPr id="410" name="Line"/>
+              <p:cNvPr id="409" name="Line"/>
               <p:cNvSpPr/>
               <p:nvPr/>
             </p:nvSpPr>
@@ -20779,7 +20704,7 @@
           </p:sp>
           <p:sp>
             <p:nvSpPr>
-              <p:cNvPr id="411" name="Line"/>
+              <p:cNvPr id="410" name="Line"/>
               <p:cNvSpPr/>
               <p:nvPr/>
             </p:nvSpPr>
@@ -20826,7 +20751,7 @@
           </p:sp>
           <p:sp>
             <p:nvSpPr>
-              <p:cNvPr id="412" name="Line"/>
+              <p:cNvPr id="411" name="Line"/>
               <p:cNvSpPr/>
               <p:nvPr/>
             </p:nvSpPr>
@@ -20873,7 +20798,7 @@
           </p:sp>
           <p:sp>
             <p:nvSpPr>
-              <p:cNvPr id="413" name="Line"/>
+              <p:cNvPr id="412" name="Line"/>
               <p:cNvSpPr/>
               <p:nvPr/>
             </p:nvSpPr>
@@ -20920,7 +20845,7 @@
           </p:sp>
           <p:sp>
             <p:nvSpPr>
-              <p:cNvPr id="414" name="Line"/>
+              <p:cNvPr id="413" name="Line"/>
               <p:cNvSpPr/>
               <p:nvPr/>
             </p:nvSpPr>
@@ -20967,7 +20892,7 @@
           </p:sp>
           <p:sp>
             <p:nvSpPr>
-              <p:cNvPr id="415" name="Line"/>
+              <p:cNvPr id="414" name="Line"/>
               <p:cNvSpPr/>
               <p:nvPr/>
             </p:nvSpPr>
@@ -21014,7 +20939,7 @@
           </p:sp>
           <p:sp>
             <p:nvSpPr>
-              <p:cNvPr id="416" name="Line"/>
+              <p:cNvPr id="415" name="Line"/>
               <p:cNvSpPr/>
               <p:nvPr/>
             </p:nvSpPr>
@@ -21061,7 +20986,7 @@
           </p:sp>
           <p:sp>
             <p:nvSpPr>
-              <p:cNvPr id="417" name="Line"/>
+              <p:cNvPr id="416" name="Line"/>
               <p:cNvSpPr/>
               <p:nvPr/>
             </p:nvSpPr>
@@ -21108,7 +21033,7 @@
           </p:sp>
           <p:sp>
             <p:nvSpPr>
-              <p:cNvPr id="418" name="Line"/>
+              <p:cNvPr id="417" name="Line"/>
               <p:cNvSpPr/>
               <p:nvPr/>
             </p:nvSpPr>
@@ -21155,7 +21080,7 @@
           </p:sp>
           <p:sp>
             <p:nvSpPr>
-              <p:cNvPr id="419" name="Line"/>
+              <p:cNvPr id="418" name="Line"/>
               <p:cNvSpPr/>
               <p:nvPr/>
             </p:nvSpPr>
@@ -21202,7 +21127,7 @@
           </p:sp>
           <p:sp>
             <p:nvSpPr>
-              <p:cNvPr id="420" name="Line"/>
+              <p:cNvPr id="419" name="Line"/>
               <p:cNvSpPr/>
               <p:nvPr/>
             </p:nvSpPr>
@@ -21249,7 +21174,7 @@
           </p:sp>
           <p:sp>
             <p:nvSpPr>
-              <p:cNvPr id="421" name="Line"/>
+              <p:cNvPr id="420" name="Line"/>
               <p:cNvSpPr/>
               <p:nvPr/>
             </p:nvSpPr>
@@ -21296,7 +21221,7 @@
           </p:sp>
           <p:sp>
             <p:nvSpPr>
-              <p:cNvPr id="422" name="Line"/>
+              <p:cNvPr id="421" name="Line"/>
               <p:cNvSpPr/>
               <p:nvPr/>
             </p:nvSpPr>
@@ -21343,7 +21268,7 @@
           </p:sp>
           <p:sp>
             <p:nvSpPr>
-              <p:cNvPr id="423" name="Line"/>
+              <p:cNvPr id="422" name="Line"/>
               <p:cNvSpPr/>
               <p:nvPr/>
             </p:nvSpPr>
@@ -21390,7 +21315,7 @@
           </p:sp>
           <p:sp>
             <p:nvSpPr>
-              <p:cNvPr id="424" name="Line"/>
+              <p:cNvPr id="423" name="Line"/>
               <p:cNvSpPr/>
               <p:nvPr/>
             </p:nvSpPr>
@@ -21439,7 +21364,7 @@
       </p:grpSp>
       <p:grpSp>
         <p:nvGrpSpPr>
-          <p:cNvPr id="430" name="Group"/>
+          <p:cNvPr id="429" name="Group"/>
           <p:cNvGrpSpPr/>
           <p:nvPr/>
         </p:nvGrpSpPr>
@@ -21453,14 +21378,14 @@
         </p:grpSpPr>
         <p:pic>
           <p:nvPicPr>
-            <p:cNvPr id="427" name="Image" descr="Image"/>
+            <p:cNvPr id="426" name="Image" descr="Image"/>
             <p:cNvPicPr>
               <a:picLocks noChangeAspect="1"/>
             </p:cNvPicPr>
             <p:nvPr/>
           </p:nvPicPr>
           <p:blipFill>
-            <a:blip r:embed="rId10">
+            <a:blip r:embed="rId7">
               <a:extLst/>
             </a:blip>
             <a:stretch>
@@ -21484,7 +21409,7 @@
         </p:pic>
         <p:sp>
           <p:nvSpPr>
-            <p:cNvPr id="428" name="Shape"/>
+            <p:cNvPr id="427" name="Shape"/>
             <p:cNvSpPr/>
             <p:nvPr/>
           </p:nvSpPr>
@@ -21603,7 +21528,7 @@
         </p:sp>
         <p:sp>
           <p:nvSpPr>
-            <p:cNvPr id="429" name="Line"/>
+            <p:cNvPr id="428" name="Line"/>
             <p:cNvSpPr/>
             <p:nvPr/>
           </p:nvSpPr>
@@ -21690,7 +21615,7 @@
       </p:grpSp>
       <p:grpSp>
         <p:nvGrpSpPr>
-          <p:cNvPr id="437" name="Group"/>
+          <p:cNvPr id="436" name="Group"/>
           <p:cNvGrpSpPr/>
           <p:nvPr/>
         </p:nvGrpSpPr>
@@ -21704,14 +21629,14 @@
         </p:grpSpPr>
         <p:pic>
           <p:nvPicPr>
-            <p:cNvPr id="431" name="Image" descr="Image"/>
+            <p:cNvPr id="430" name="Image" descr="Image"/>
             <p:cNvPicPr>
               <a:picLocks noChangeAspect="1"/>
             </p:cNvPicPr>
             <p:nvPr/>
           </p:nvPicPr>
           <p:blipFill>
-            <a:blip r:embed="rId10">
+            <a:blip r:embed="rId7">
               <a:extLst/>
             </a:blip>
             <a:stretch>
@@ -21735,7 +21660,7 @@
         </p:pic>
         <p:grpSp>
           <p:nvGrpSpPr>
-            <p:cNvPr id="436" name="Group"/>
+            <p:cNvPr id="435" name="Group"/>
             <p:cNvGrpSpPr/>
             <p:nvPr/>
           </p:nvGrpSpPr>
@@ -21749,7 +21674,7 @@
           </p:grpSpPr>
           <p:sp>
             <p:nvSpPr>
-              <p:cNvPr id="432" name="Rectangle"/>
+              <p:cNvPr id="431" name="Rectangle"/>
               <p:cNvSpPr/>
               <p:nvPr/>
             </p:nvSpPr>
@@ -21794,7 +21719,7 @@
           </p:sp>
           <p:sp>
             <p:nvSpPr>
-              <p:cNvPr id="433" name="Rectangle"/>
+              <p:cNvPr id="432" name="Rectangle"/>
               <p:cNvSpPr/>
               <p:nvPr/>
             </p:nvSpPr>
@@ -21839,7 +21764,7 @@
           </p:sp>
           <p:sp>
             <p:nvSpPr>
-              <p:cNvPr id="434" name="Rectangle"/>
+              <p:cNvPr id="433" name="Rectangle"/>
               <p:cNvSpPr/>
               <p:nvPr/>
             </p:nvSpPr>
@@ -21884,7 +21809,7 @@
           </p:sp>
           <p:sp>
             <p:nvSpPr>
-              <p:cNvPr id="435" name="Rectangle"/>
+              <p:cNvPr id="434" name="Rectangle"/>
               <p:cNvSpPr/>
               <p:nvPr/>
             </p:nvSpPr>
@@ -21931,7 +21856,7 @@
       </p:grpSp>
       <p:grpSp>
         <p:nvGrpSpPr>
-          <p:cNvPr id="450" name="Group"/>
+          <p:cNvPr id="449" name="Group"/>
           <p:cNvGrpSpPr/>
           <p:nvPr/>
         </p:nvGrpSpPr>
@@ -21945,14 +21870,14 @@
         </p:grpSpPr>
         <p:pic>
           <p:nvPicPr>
-            <p:cNvPr id="438" name="Image" descr="Image"/>
+            <p:cNvPr id="437" name="Image" descr="Image"/>
             <p:cNvPicPr>
               <a:picLocks noChangeAspect="1"/>
             </p:cNvPicPr>
             <p:nvPr/>
           </p:nvPicPr>
           <p:blipFill>
-            <a:blip r:embed="rId10">
+            <a:blip r:embed="rId7">
               <a:extLst/>
             </a:blip>
             <a:stretch>
@@ -21976,7 +21901,7 @@
         </p:pic>
         <p:grpSp>
           <p:nvGrpSpPr>
-            <p:cNvPr id="449" name="Group"/>
+            <p:cNvPr id="448" name="Group"/>
             <p:cNvGrpSpPr/>
             <p:nvPr/>
           </p:nvGrpSpPr>
@@ -21990,7 +21915,7 @@
           </p:grpSpPr>
           <p:grpSp>
             <p:nvGrpSpPr>
-              <p:cNvPr id="443" name="Group"/>
+              <p:cNvPr id="442" name="Group"/>
               <p:cNvGrpSpPr/>
               <p:nvPr/>
             </p:nvGrpSpPr>
@@ -22004,7 +21929,7 @@
             </p:grpSpPr>
             <p:sp>
               <p:nvSpPr>
-                <p:cNvPr id="439" name="Rectangle"/>
+                <p:cNvPr id="438" name="Rectangle"/>
                 <p:cNvSpPr/>
                 <p:nvPr/>
               </p:nvSpPr>
@@ -22053,7 +21978,7 @@
             </p:sp>
             <p:sp>
               <p:nvSpPr>
-                <p:cNvPr id="440" name="Line"/>
+                <p:cNvPr id="439" name="Line"/>
                 <p:cNvSpPr/>
                 <p:nvPr/>
               </p:nvSpPr>
@@ -22100,7 +22025,7 @@
             </p:sp>
             <p:sp>
               <p:nvSpPr>
-                <p:cNvPr id="441" name="Line"/>
+                <p:cNvPr id="440" name="Line"/>
                 <p:cNvSpPr/>
                 <p:nvPr/>
               </p:nvSpPr>
@@ -22147,7 +22072,7 @@
             </p:sp>
             <p:sp>
               <p:nvSpPr>
-                <p:cNvPr id="442" name="Line"/>
+                <p:cNvPr id="441" name="Line"/>
                 <p:cNvSpPr/>
                 <p:nvPr/>
               </p:nvSpPr>
@@ -22195,7 +22120,7 @@
           </p:grpSp>
           <p:sp>
             <p:nvSpPr>
-              <p:cNvPr id="444" name="Rectangle"/>
+              <p:cNvPr id="443" name="Rectangle"/>
               <p:cNvSpPr/>
               <p:nvPr/>
             </p:nvSpPr>
@@ -22244,7 +22169,7 @@
           </p:sp>
           <p:sp>
             <p:nvSpPr>
-              <p:cNvPr id="445" name="Line"/>
+              <p:cNvPr id="444" name="Line"/>
               <p:cNvSpPr/>
               <p:nvPr/>
             </p:nvSpPr>
@@ -22291,7 +22216,7 @@
           </p:sp>
           <p:sp>
             <p:nvSpPr>
-              <p:cNvPr id="446" name="Line"/>
+              <p:cNvPr id="445" name="Line"/>
               <p:cNvSpPr/>
               <p:nvPr/>
             </p:nvSpPr>
@@ -22338,7 +22263,7 @@
           </p:sp>
           <p:sp>
             <p:nvSpPr>
-              <p:cNvPr id="447" name="Line"/>
+              <p:cNvPr id="446" name="Line"/>
               <p:cNvSpPr/>
               <p:nvPr/>
             </p:nvSpPr>
@@ -22385,7 +22310,7 @@
           </p:sp>
           <p:sp>
             <p:nvSpPr>
-              <p:cNvPr id="448" name="Circle"/>
+              <p:cNvPr id="447" name="Circle"/>
               <p:cNvSpPr/>
               <p:nvPr/>
             </p:nvSpPr>
@@ -22432,7 +22357,7 @@
       </p:grpSp>
       <p:grpSp>
         <p:nvGrpSpPr>
-          <p:cNvPr id="478" name="Group"/>
+          <p:cNvPr id="477" name="Group"/>
           <p:cNvGrpSpPr/>
           <p:nvPr/>
         </p:nvGrpSpPr>
@@ -22446,14 +22371,14 @@
         </p:grpSpPr>
         <p:pic>
           <p:nvPicPr>
-            <p:cNvPr id="451" name="Image" descr="Image"/>
+            <p:cNvPr id="450" name="Image" descr="Image"/>
             <p:cNvPicPr>
               <a:picLocks noChangeAspect="1"/>
             </p:cNvPicPr>
             <p:nvPr/>
           </p:nvPicPr>
           <p:blipFill>
-            <a:blip r:embed="rId10">
+            <a:blip r:embed="rId7">
               <a:extLst/>
             </a:blip>
             <a:stretch>
@@ -22477,7 +22402,7 @@
         </p:pic>
         <p:grpSp>
           <p:nvGrpSpPr>
-            <p:cNvPr id="477" name="Group"/>
+            <p:cNvPr id="476" name="Group"/>
             <p:cNvGrpSpPr/>
             <p:nvPr/>
           </p:nvGrpSpPr>
@@ -22491,7 +22416,7 @@
           </p:grpSpPr>
           <p:sp>
             <p:nvSpPr>
-              <p:cNvPr id="452" name="Circle"/>
+              <p:cNvPr id="451" name="Circle"/>
               <p:cNvSpPr/>
               <p:nvPr/>
             </p:nvSpPr>
@@ -22536,7 +22461,7 @@
           </p:sp>
           <p:sp>
             <p:nvSpPr>
-              <p:cNvPr id="453" name="Circle"/>
+              <p:cNvPr id="452" name="Circle"/>
               <p:cNvSpPr/>
               <p:nvPr/>
             </p:nvSpPr>
@@ -22581,7 +22506,7 @@
           </p:sp>
           <p:sp>
             <p:nvSpPr>
-              <p:cNvPr id="454" name="Circle"/>
+              <p:cNvPr id="453" name="Circle"/>
               <p:cNvSpPr/>
               <p:nvPr/>
             </p:nvSpPr>
@@ -22626,7 +22551,7 @@
           </p:sp>
           <p:sp>
             <p:nvSpPr>
-              <p:cNvPr id="455" name="Circle"/>
+              <p:cNvPr id="454" name="Circle"/>
               <p:cNvSpPr/>
               <p:nvPr/>
             </p:nvSpPr>
@@ -22671,7 +22596,7 @@
           </p:sp>
           <p:sp>
             <p:nvSpPr>
-              <p:cNvPr id="456" name="Circle"/>
+              <p:cNvPr id="455" name="Circle"/>
               <p:cNvSpPr/>
               <p:nvPr/>
             </p:nvSpPr>
@@ -22716,7 +22641,7 @@
           </p:sp>
           <p:sp>
             <p:nvSpPr>
-              <p:cNvPr id="457" name="Circle"/>
+              <p:cNvPr id="456" name="Circle"/>
               <p:cNvSpPr/>
               <p:nvPr/>
             </p:nvSpPr>
@@ -22761,7 +22686,7 @@
           </p:sp>
           <p:sp>
             <p:nvSpPr>
-              <p:cNvPr id="458" name="Circle"/>
+              <p:cNvPr id="457" name="Circle"/>
               <p:cNvSpPr/>
               <p:nvPr/>
             </p:nvSpPr>
@@ -22806,7 +22731,7 @@
           </p:sp>
           <p:sp>
             <p:nvSpPr>
-              <p:cNvPr id="459" name="Circle"/>
+              <p:cNvPr id="458" name="Circle"/>
               <p:cNvSpPr/>
               <p:nvPr/>
             </p:nvSpPr>
@@ -22851,7 +22776,7 @@
           </p:sp>
           <p:sp>
             <p:nvSpPr>
-              <p:cNvPr id="460" name="Circle"/>
+              <p:cNvPr id="459" name="Circle"/>
               <p:cNvSpPr/>
               <p:nvPr/>
             </p:nvSpPr>
@@ -22896,7 +22821,7 @@
           </p:sp>
           <p:sp>
             <p:nvSpPr>
-              <p:cNvPr id="461" name="Circle"/>
+              <p:cNvPr id="460" name="Circle"/>
               <p:cNvSpPr/>
               <p:nvPr/>
             </p:nvSpPr>
@@ -22941,7 +22866,7 @@
           </p:sp>
           <p:sp>
             <p:nvSpPr>
-              <p:cNvPr id="462" name="Circle"/>
+              <p:cNvPr id="461" name="Circle"/>
               <p:cNvSpPr/>
               <p:nvPr/>
             </p:nvSpPr>
@@ -22986,7 +22911,7 @@
           </p:sp>
           <p:sp>
             <p:nvSpPr>
-              <p:cNvPr id="463" name="Circle"/>
+              <p:cNvPr id="462" name="Circle"/>
               <p:cNvSpPr/>
               <p:nvPr/>
             </p:nvSpPr>
@@ -23031,7 +22956,7 @@
           </p:sp>
           <p:sp>
             <p:nvSpPr>
-              <p:cNvPr id="464" name="Circle"/>
+              <p:cNvPr id="463" name="Circle"/>
               <p:cNvSpPr/>
               <p:nvPr/>
             </p:nvSpPr>
@@ -23076,7 +23001,7 @@
           </p:sp>
           <p:sp>
             <p:nvSpPr>
-              <p:cNvPr id="465" name="Circle"/>
+              <p:cNvPr id="464" name="Circle"/>
               <p:cNvSpPr/>
               <p:nvPr/>
             </p:nvSpPr>
@@ -23121,7 +23046,7 @@
           </p:sp>
           <p:sp>
             <p:nvSpPr>
-              <p:cNvPr id="466" name="Circle"/>
+              <p:cNvPr id="465" name="Circle"/>
               <p:cNvSpPr/>
               <p:nvPr/>
             </p:nvSpPr>
@@ -23166,7 +23091,7 @@
           </p:sp>
           <p:sp>
             <p:nvSpPr>
-              <p:cNvPr id="467" name="Circle"/>
+              <p:cNvPr id="466" name="Circle"/>
               <p:cNvSpPr/>
               <p:nvPr/>
             </p:nvSpPr>
@@ -23211,7 +23136,7 @@
           </p:sp>
           <p:sp>
             <p:nvSpPr>
-              <p:cNvPr id="468" name="Circle"/>
+              <p:cNvPr id="467" name="Circle"/>
               <p:cNvSpPr/>
               <p:nvPr/>
             </p:nvSpPr>
@@ -23256,7 +23181,7 @@
           </p:sp>
           <p:sp>
             <p:nvSpPr>
-              <p:cNvPr id="469" name="Circle"/>
+              <p:cNvPr id="468" name="Circle"/>
               <p:cNvSpPr/>
               <p:nvPr/>
             </p:nvSpPr>
@@ -23301,7 +23226,7 @@
           </p:sp>
           <p:sp>
             <p:nvSpPr>
-              <p:cNvPr id="470" name="Circle"/>
+              <p:cNvPr id="469" name="Circle"/>
               <p:cNvSpPr/>
               <p:nvPr/>
             </p:nvSpPr>
@@ -23346,7 +23271,7 @@
           </p:sp>
           <p:sp>
             <p:nvSpPr>
-              <p:cNvPr id="471" name="Circle"/>
+              <p:cNvPr id="470" name="Circle"/>
               <p:cNvSpPr/>
               <p:nvPr/>
             </p:nvSpPr>
@@ -23391,7 +23316,7 @@
           </p:sp>
           <p:sp>
             <p:nvSpPr>
-              <p:cNvPr id="472" name="Circle"/>
+              <p:cNvPr id="471" name="Circle"/>
               <p:cNvSpPr/>
               <p:nvPr/>
             </p:nvSpPr>
@@ -23436,7 +23361,7 @@
           </p:sp>
           <p:sp>
             <p:nvSpPr>
-              <p:cNvPr id="473" name="Circle"/>
+              <p:cNvPr id="472" name="Circle"/>
               <p:cNvSpPr/>
               <p:nvPr/>
             </p:nvSpPr>
@@ -23481,7 +23406,7 @@
           </p:sp>
           <p:sp>
             <p:nvSpPr>
-              <p:cNvPr id="474" name="Circle"/>
+              <p:cNvPr id="473" name="Circle"/>
               <p:cNvSpPr/>
               <p:nvPr/>
             </p:nvSpPr>
@@ -23526,7 +23451,7 @@
           </p:sp>
           <p:sp>
             <p:nvSpPr>
-              <p:cNvPr id="475" name="Circle"/>
+              <p:cNvPr id="474" name="Circle"/>
               <p:cNvSpPr/>
               <p:nvPr/>
             </p:nvSpPr>
@@ -23571,7 +23496,7 @@
           </p:sp>
           <p:sp>
             <p:nvSpPr>
-              <p:cNvPr id="476" name="Circle"/>
+              <p:cNvPr id="475" name="Circle"/>
               <p:cNvSpPr/>
               <p:nvPr/>
             </p:nvSpPr>
@@ -23618,7 +23543,7 @@
       </p:grpSp>
       <p:grpSp>
         <p:nvGrpSpPr>
-          <p:cNvPr id="489" name="Group"/>
+          <p:cNvPr id="488" name="Group"/>
           <p:cNvGrpSpPr/>
           <p:nvPr/>
         </p:nvGrpSpPr>
@@ -23632,14 +23557,14 @@
         </p:grpSpPr>
         <p:pic>
           <p:nvPicPr>
-            <p:cNvPr id="479" name="Image" descr="Image"/>
+            <p:cNvPr id="478" name="Image" descr="Image"/>
             <p:cNvPicPr>
               <a:picLocks noChangeAspect="1"/>
             </p:cNvPicPr>
             <p:nvPr/>
           </p:nvPicPr>
           <p:blipFill>
-            <a:blip r:embed="rId10">
+            <a:blip r:embed="rId7">
               <a:extLst/>
             </a:blip>
             <a:stretch>
@@ -23663,7 +23588,7 @@
         </p:pic>
         <p:grpSp>
           <p:nvGrpSpPr>
-            <p:cNvPr id="488" name="Group"/>
+            <p:cNvPr id="487" name="Group"/>
             <p:cNvGrpSpPr/>
             <p:nvPr/>
           </p:nvGrpSpPr>
@@ -23677,7 +23602,7 @@
           </p:grpSpPr>
           <p:grpSp>
             <p:nvGrpSpPr>
-              <p:cNvPr id="482" name="Group"/>
+              <p:cNvPr id="481" name="Group"/>
               <p:cNvGrpSpPr/>
               <p:nvPr/>
             </p:nvGrpSpPr>
@@ -23691,7 +23616,7 @@
             </p:grpSpPr>
             <p:sp>
               <p:nvSpPr>
-                <p:cNvPr id="480" name="Shape"/>
+                <p:cNvPr id="479" name="Shape"/>
                 <p:cNvSpPr/>
                 <p:nvPr/>
               </p:nvSpPr>
@@ -23805,7 +23730,7 @@
             </p:sp>
             <p:sp>
               <p:nvSpPr>
-                <p:cNvPr id="481" name="Shape"/>
+                <p:cNvPr id="480" name="Shape"/>
                 <p:cNvSpPr/>
                 <p:nvPr/>
               </p:nvSpPr>
@@ -23920,7 +23845,7 @@
           </p:grpSp>
           <p:sp>
             <p:nvSpPr>
-              <p:cNvPr id="483" name="Line"/>
+              <p:cNvPr id="482" name="Line"/>
               <p:cNvSpPr/>
               <p:nvPr/>
             </p:nvSpPr>
@@ -23967,7 +23892,7 @@
           </p:sp>
           <p:sp>
             <p:nvSpPr>
-              <p:cNvPr id="484" name="Line"/>
+              <p:cNvPr id="483" name="Line"/>
               <p:cNvSpPr/>
               <p:nvPr/>
             </p:nvSpPr>
@@ -24014,7 +23939,7 @@
           </p:sp>
           <p:grpSp>
             <p:nvGrpSpPr>
-              <p:cNvPr id="487" name="Group"/>
+              <p:cNvPr id="486" name="Group"/>
               <p:cNvGrpSpPr/>
               <p:nvPr/>
             </p:nvGrpSpPr>
@@ -24028,7 +23953,7 @@
             </p:grpSpPr>
             <p:sp>
               <p:nvSpPr>
-                <p:cNvPr id="485" name="Shape"/>
+                <p:cNvPr id="484" name="Shape"/>
                 <p:cNvSpPr/>
                 <p:nvPr/>
               </p:nvSpPr>
@@ -24132,7 +24057,7 @@
             </p:sp>
             <p:sp>
               <p:nvSpPr>
-                <p:cNvPr id="486" name="Shape"/>
+                <p:cNvPr id="485" name="Shape"/>
                 <p:cNvSpPr/>
                 <p:nvPr/>
               </p:nvSpPr>
@@ -24239,7 +24164,7 @@
       </p:grpSp>
       <p:grpSp>
         <p:nvGrpSpPr>
-          <p:cNvPr id="496" name="Group"/>
+          <p:cNvPr id="495" name="Group"/>
           <p:cNvGrpSpPr/>
           <p:nvPr/>
         </p:nvGrpSpPr>
@@ -24253,14 +24178,14 @@
         </p:grpSpPr>
         <p:pic>
           <p:nvPicPr>
-            <p:cNvPr id="490" name="Image" descr="Image"/>
+            <p:cNvPr id="489" name="Image" descr="Image"/>
             <p:cNvPicPr>
               <a:picLocks noChangeAspect="1"/>
             </p:cNvPicPr>
             <p:nvPr/>
           </p:nvPicPr>
           <p:blipFill>
-            <a:blip r:embed="rId10">
+            <a:blip r:embed="rId7">
               <a:extLst/>
             </a:blip>
             <a:stretch>
@@ -24284,7 +24209,7 @@
         </p:pic>
         <p:grpSp>
           <p:nvGrpSpPr>
-            <p:cNvPr id="495" name="Group"/>
+            <p:cNvPr id="494" name="Group"/>
             <p:cNvGrpSpPr/>
             <p:nvPr/>
           </p:nvGrpSpPr>
@@ -24298,7 +24223,7 @@
           </p:grpSpPr>
           <p:sp>
             <p:nvSpPr>
-              <p:cNvPr id="491" name="Circle"/>
+              <p:cNvPr id="490" name="Circle"/>
               <p:cNvSpPr/>
               <p:nvPr/>
             </p:nvSpPr>
@@ -24343,7 +24268,7 @@
           </p:sp>
           <p:sp>
             <p:nvSpPr>
-              <p:cNvPr id="492" name="Circle"/>
+              <p:cNvPr id="491" name="Circle"/>
               <p:cNvSpPr/>
               <p:nvPr/>
             </p:nvSpPr>
@@ -24388,7 +24313,7 @@
           </p:sp>
           <p:sp>
             <p:nvSpPr>
-              <p:cNvPr id="493" name="Circle"/>
+              <p:cNvPr id="492" name="Circle"/>
               <p:cNvSpPr/>
               <p:nvPr/>
             </p:nvSpPr>
@@ -24433,7 +24358,7 @@
           </p:sp>
           <p:sp>
             <p:nvSpPr>
-              <p:cNvPr id="494" name="Circle"/>
+              <p:cNvPr id="493" name="Circle"/>
               <p:cNvSpPr/>
               <p:nvPr/>
             </p:nvSpPr>
@@ -24480,7 +24405,7 @@
       </p:grpSp>
       <p:grpSp>
         <p:nvGrpSpPr>
-          <p:cNvPr id="546" name="Group"/>
+          <p:cNvPr id="545" name="Group"/>
           <p:cNvGrpSpPr/>
           <p:nvPr/>
         </p:nvGrpSpPr>
@@ -24494,7 +24419,7 @@
         </p:grpSpPr>
         <p:sp>
           <p:nvSpPr>
-            <p:cNvPr id="497" name="Square"/>
+            <p:cNvPr id="496" name="Square"/>
             <p:cNvSpPr/>
             <p:nvPr/>
           </p:nvSpPr>
@@ -24539,7 +24464,7 @@
         </p:sp>
         <p:sp>
           <p:nvSpPr>
-            <p:cNvPr id="498" name="Square"/>
+            <p:cNvPr id="497" name="Square"/>
             <p:cNvSpPr/>
             <p:nvPr/>
           </p:nvSpPr>
@@ -24584,7 +24509,7 @@
         </p:sp>
         <p:sp>
           <p:nvSpPr>
-            <p:cNvPr id="499" name="Square"/>
+            <p:cNvPr id="498" name="Square"/>
             <p:cNvSpPr/>
             <p:nvPr/>
           </p:nvSpPr>
@@ -24629,7 +24554,7 @@
         </p:sp>
         <p:sp>
           <p:nvSpPr>
-            <p:cNvPr id="500" name="Square"/>
+            <p:cNvPr id="499" name="Square"/>
             <p:cNvSpPr/>
             <p:nvPr/>
           </p:nvSpPr>
@@ -24674,7 +24599,7 @@
         </p:sp>
         <p:sp>
           <p:nvSpPr>
-            <p:cNvPr id="501" name="Square"/>
+            <p:cNvPr id="500" name="Square"/>
             <p:cNvSpPr/>
             <p:nvPr/>
           </p:nvSpPr>
@@ -24719,7 +24644,7 @@
         </p:sp>
         <p:sp>
           <p:nvSpPr>
-            <p:cNvPr id="502" name="Square"/>
+            <p:cNvPr id="501" name="Square"/>
             <p:cNvSpPr/>
             <p:nvPr/>
           </p:nvSpPr>
@@ -24764,7 +24689,7 @@
         </p:sp>
         <p:sp>
           <p:nvSpPr>
-            <p:cNvPr id="503" name="Square"/>
+            <p:cNvPr id="502" name="Square"/>
             <p:cNvSpPr/>
             <p:nvPr/>
           </p:nvSpPr>
@@ -24809,7 +24734,7 @@
         </p:sp>
         <p:sp>
           <p:nvSpPr>
-            <p:cNvPr id="504" name="Square"/>
+            <p:cNvPr id="503" name="Square"/>
             <p:cNvSpPr/>
             <p:nvPr/>
           </p:nvSpPr>
@@ -24854,7 +24779,7 @@
         </p:sp>
         <p:sp>
           <p:nvSpPr>
-            <p:cNvPr id="505" name="Square"/>
+            <p:cNvPr id="504" name="Square"/>
             <p:cNvSpPr/>
             <p:nvPr/>
           </p:nvSpPr>
@@ -24899,7 +24824,7 @@
         </p:sp>
         <p:sp>
           <p:nvSpPr>
-            <p:cNvPr id="506" name="Square"/>
+            <p:cNvPr id="505" name="Square"/>
             <p:cNvSpPr/>
             <p:nvPr/>
           </p:nvSpPr>
@@ -24944,7 +24869,7 @@
         </p:sp>
         <p:sp>
           <p:nvSpPr>
-            <p:cNvPr id="507" name="Square"/>
+            <p:cNvPr id="506" name="Square"/>
             <p:cNvSpPr/>
             <p:nvPr/>
           </p:nvSpPr>
@@ -24989,7 +24914,7 @@
         </p:sp>
         <p:sp>
           <p:nvSpPr>
-            <p:cNvPr id="508" name="Square"/>
+            <p:cNvPr id="507" name="Square"/>
             <p:cNvSpPr/>
             <p:nvPr/>
           </p:nvSpPr>
@@ -25034,7 +24959,7 @@
         </p:sp>
         <p:sp>
           <p:nvSpPr>
-            <p:cNvPr id="509" name="Square"/>
+            <p:cNvPr id="508" name="Square"/>
             <p:cNvSpPr/>
             <p:nvPr/>
           </p:nvSpPr>
@@ -25079,7 +25004,7 @@
         </p:sp>
         <p:sp>
           <p:nvSpPr>
-            <p:cNvPr id="510" name="Square"/>
+            <p:cNvPr id="509" name="Square"/>
             <p:cNvSpPr/>
             <p:nvPr/>
           </p:nvSpPr>
@@ -25124,7 +25049,7 @@
         </p:sp>
         <p:sp>
           <p:nvSpPr>
-            <p:cNvPr id="511" name="Square"/>
+            <p:cNvPr id="510" name="Square"/>
             <p:cNvSpPr/>
             <p:nvPr/>
           </p:nvSpPr>
@@ -25169,7 +25094,7 @@
         </p:sp>
         <p:sp>
           <p:nvSpPr>
-            <p:cNvPr id="512" name="Square"/>
+            <p:cNvPr id="511" name="Square"/>
             <p:cNvSpPr/>
             <p:nvPr/>
           </p:nvSpPr>
@@ -25214,7 +25139,7 @@
         </p:sp>
         <p:sp>
           <p:nvSpPr>
-            <p:cNvPr id="513" name="Square"/>
+            <p:cNvPr id="512" name="Square"/>
             <p:cNvSpPr/>
             <p:nvPr/>
           </p:nvSpPr>
@@ -25259,7 +25184,7 @@
         </p:sp>
         <p:sp>
           <p:nvSpPr>
-            <p:cNvPr id="514" name="Square"/>
+            <p:cNvPr id="513" name="Square"/>
             <p:cNvSpPr/>
             <p:nvPr/>
           </p:nvSpPr>
@@ -25304,7 +25229,7 @@
         </p:sp>
         <p:sp>
           <p:nvSpPr>
-            <p:cNvPr id="515" name="Square"/>
+            <p:cNvPr id="514" name="Square"/>
             <p:cNvSpPr/>
             <p:nvPr/>
           </p:nvSpPr>
@@ -25349,7 +25274,7 @@
         </p:sp>
         <p:sp>
           <p:nvSpPr>
-            <p:cNvPr id="516" name="Square"/>
+            <p:cNvPr id="515" name="Square"/>
             <p:cNvSpPr/>
             <p:nvPr/>
           </p:nvSpPr>
@@ -25394,7 +25319,7 @@
         </p:sp>
         <p:sp>
           <p:nvSpPr>
-            <p:cNvPr id="517" name="Square"/>
+            <p:cNvPr id="516" name="Square"/>
             <p:cNvSpPr/>
             <p:nvPr/>
           </p:nvSpPr>
@@ -25439,7 +25364,7 @@
         </p:sp>
         <p:sp>
           <p:nvSpPr>
-            <p:cNvPr id="518" name="Square"/>
+            <p:cNvPr id="517" name="Square"/>
             <p:cNvSpPr/>
             <p:nvPr/>
           </p:nvSpPr>
@@ -25484,7 +25409,7 @@
         </p:sp>
         <p:sp>
           <p:nvSpPr>
-            <p:cNvPr id="519" name="Square"/>
+            <p:cNvPr id="518" name="Square"/>
             <p:cNvSpPr/>
             <p:nvPr/>
           </p:nvSpPr>
@@ -25529,7 +25454,7 @@
         </p:sp>
         <p:sp>
           <p:nvSpPr>
-            <p:cNvPr id="520" name="Square"/>
+            <p:cNvPr id="519" name="Square"/>
             <p:cNvSpPr/>
             <p:nvPr/>
           </p:nvSpPr>
@@ -25574,7 +25499,7 @@
         </p:sp>
         <p:sp>
           <p:nvSpPr>
-            <p:cNvPr id="521" name="Square"/>
+            <p:cNvPr id="520" name="Square"/>
             <p:cNvSpPr/>
             <p:nvPr/>
           </p:nvSpPr>
@@ -25619,7 +25544,7 @@
         </p:sp>
         <p:sp>
           <p:nvSpPr>
-            <p:cNvPr id="522" name="Square"/>
+            <p:cNvPr id="521" name="Square"/>
             <p:cNvSpPr/>
             <p:nvPr/>
           </p:nvSpPr>
@@ -25664,7 +25589,7 @@
         </p:sp>
         <p:sp>
           <p:nvSpPr>
-            <p:cNvPr id="523" name="Square"/>
+            <p:cNvPr id="522" name="Square"/>
             <p:cNvSpPr/>
             <p:nvPr/>
           </p:nvSpPr>
@@ -25709,7 +25634,7 @@
         </p:sp>
         <p:sp>
           <p:nvSpPr>
-            <p:cNvPr id="524" name="Square"/>
+            <p:cNvPr id="523" name="Square"/>
             <p:cNvSpPr/>
             <p:nvPr/>
           </p:nvSpPr>
@@ -25754,7 +25679,7 @@
         </p:sp>
         <p:sp>
           <p:nvSpPr>
-            <p:cNvPr id="525" name="Square"/>
+            <p:cNvPr id="524" name="Square"/>
             <p:cNvSpPr/>
             <p:nvPr/>
           </p:nvSpPr>
@@ -25799,7 +25724,7 @@
         </p:sp>
         <p:sp>
           <p:nvSpPr>
-            <p:cNvPr id="526" name="Square"/>
+            <p:cNvPr id="525" name="Square"/>
             <p:cNvSpPr/>
             <p:nvPr/>
           </p:nvSpPr>
@@ -25844,7 +25769,7 @@
         </p:sp>
         <p:sp>
           <p:nvSpPr>
-            <p:cNvPr id="527" name="Square"/>
+            <p:cNvPr id="526" name="Square"/>
             <p:cNvSpPr/>
             <p:nvPr/>
           </p:nvSpPr>
@@ -25889,7 +25814,7 @@
         </p:sp>
         <p:sp>
           <p:nvSpPr>
-            <p:cNvPr id="528" name="Square"/>
+            <p:cNvPr id="527" name="Square"/>
             <p:cNvSpPr/>
             <p:nvPr/>
           </p:nvSpPr>
@@ -25934,7 +25859,7 @@
         </p:sp>
         <p:sp>
           <p:nvSpPr>
-            <p:cNvPr id="529" name="Square"/>
+            <p:cNvPr id="528" name="Square"/>
             <p:cNvSpPr/>
             <p:nvPr/>
           </p:nvSpPr>
@@ -25979,7 +25904,7 @@
         </p:sp>
         <p:sp>
           <p:nvSpPr>
-            <p:cNvPr id="530" name="Square"/>
+            <p:cNvPr id="529" name="Square"/>
             <p:cNvSpPr/>
             <p:nvPr/>
           </p:nvSpPr>
@@ -26024,7 +25949,7 @@
         </p:sp>
         <p:sp>
           <p:nvSpPr>
-            <p:cNvPr id="531" name="Square"/>
+            <p:cNvPr id="530" name="Square"/>
             <p:cNvSpPr/>
             <p:nvPr/>
           </p:nvSpPr>
@@ -26069,7 +25994,7 @@
         </p:sp>
         <p:sp>
           <p:nvSpPr>
-            <p:cNvPr id="532" name="Square"/>
+            <p:cNvPr id="531" name="Square"/>
             <p:cNvSpPr/>
             <p:nvPr/>
           </p:nvSpPr>
@@ -26114,7 +26039,7 @@
         </p:sp>
         <p:sp>
           <p:nvSpPr>
-            <p:cNvPr id="533" name="Square"/>
+            <p:cNvPr id="532" name="Square"/>
             <p:cNvSpPr/>
             <p:nvPr/>
           </p:nvSpPr>
@@ -26159,7 +26084,7 @@
         </p:sp>
         <p:sp>
           <p:nvSpPr>
-            <p:cNvPr id="534" name="Square"/>
+            <p:cNvPr id="533" name="Square"/>
             <p:cNvSpPr/>
             <p:nvPr/>
           </p:nvSpPr>
@@ -26204,7 +26129,7 @@
         </p:sp>
         <p:sp>
           <p:nvSpPr>
-            <p:cNvPr id="535" name="Square"/>
+            <p:cNvPr id="534" name="Square"/>
             <p:cNvSpPr/>
             <p:nvPr/>
           </p:nvSpPr>
@@ -26249,7 +26174,7 @@
         </p:sp>
         <p:sp>
           <p:nvSpPr>
-            <p:cNvPr id="536" name="Square"/>
+            <p:cNvPr id="535" name="Square"/>
             <p:cNvSpPr/>
             <p:nvPr/>
           </p:nvSpPr>
@@ -26294,7 +26219,7 @@
         </p:sp>
         <p:sp>
           <p:nvSpPr>
-            <p:cNvPr id="537" name="Square"/>
+            <p:cNvPr id="536" name="Square"/>
             <p:cNvSpPr/>
             <p:nvPr/>
           </p:nvSpPr>
@@ -26339,7 +26264,7 @@
         </p:sp>
         <p:sp>
           <p:nvSpPr>
-            <p:cNvPr id="538" name="Square"/>
+            <p:cNvPr id="537" name="Square"/>
             <p:cNvSpPr/>
             <p:nvPr/>
           </p:nvSpPr>
@@ -26384,7 +26309,7 @@
         </p:sp>
         <p:sp>
           <p:nvSpPr>
-            <p:cNvPr id="539" name="Square"/>
+            <p:cNvPr id="538" name="Square"/>
             <p:cNvSpPr/>
             <p:nvPr/>
           </p:nvSpPr>
@@ -26429,7 +26354,7 @@
         </p:sp>
         <p:sp>
           <p:nvSpPr>
-            <p:cNvPr id="540" name="Square"/>
+            <p:cNvPr id="539" name="Square"/>
             <p:cNvSpPr/>
             <p:nvPr/>
           </p:nvSpPr>
@@ -26474,7 +26399,7 @@
         </p:sp>
         <p:sp>
           <p:nvSpPr>
-            <p:cNvPr id="541" name="Square"/>
+            <p:cNvPr id="540" name="Square"/>
             <p:cNvSpPr/>
             <p:nvPr/>
           </p:nvSpPr>
@@ -26519,7 +26444,7 @@
         </p:sp>
         <p:sp>
           <p:nvSpPr>
-            <p:cNvPr id="542" name="Square"/>
+            <p:cNvPr id="541" name="Square"/>
             <p:cNvSpPr/>
             <p:nvPr/>
           </p:nvSpPr>
@@ -26564,7 +26489,7 @@
         </p:sp>
         <p:sp>
           <p:nvSpPr>
-            <p:cNvPr id="543" name="Square"/>
+            <p:cNvPr id="542" name="Square"/>
             <p:cNvSpPr/>
             <p:nvPr/>
           </p:nvSpPr>
@@ -26609,7 +26534,7 @@
         </p:sp>
         <p:sp>
           <p:nvSpPr>
-            <p:cNvPr id="544" name="Square"/>
+            <p:cNvPr id="543" name="Square"/>
             <p:cNvSpPr/>
             <p:nvPr/>
           </p:nvSpPr>
@@ -26654,7 +26579,7 @@
         </p:sp>
         <p:sp>
           <p:nvSpPr>
-            <p:cNvPr id="545" name="Square"/>
+            <p:cNvPr id="544" name="Square"/>
             <p:cNvSpPr/>
             <p:nvPr/>
           </p:nvSpPr>
@@ -26700,7 +26625,7 @@
       </p:grpSp>
       <p:grpSp>
         <p:nvGrpSpPr>
-          <p:cNvPr id="596" name="Group"/>
+          <p:cNvPr id="595" name="Group"/>
           <p:cNvGrpSpPr/>
           <p:nvPr/>
         </p:nvGrpSpPr>
@@ -26714,7 +26639,7 @@
         </p:grpSpPr>
         <p:sp>
           <p:nvSpPr>
-            <p:cNvPr id="547" name="Square"/>
+            <p:cNvPr id="546" name="Square"/>
             <p:cNvSpPr/>
             <p:nvPr/>
           </p:nvSpPr>
@@ -26759,7 +26684,7 @@
         </p:sp>
         <p:sp>
           <p:nvSpPr>
-            <p:cNvPr id="548" name="Square"/>
+            <p:cNvPr id="547" name="Square"/>
             <p:cNvSpPr/>
             <p:nvPr/>
           </p:nvSpPr>
@@ -26804,7 +26729,7 @@
         </p:sp>
         <p:sp>
           <p:nvSpPr>
-            <p:cNvPr id="549" name="Square"/>
+            <p:cNvPr id="548" name="Square"/>
             <p:cNvSpPr/>
             <p:nvPr/>
           </p:nvSpPr>
@@ -26849,7 +26774,7 @@
         </p:sp>
         <p:sp>
           <p:nvSpPr>
-            <p:cNvPr id="550" name="Square"/>
+            <p:cNvPr id="549" name="Square"/>
             <p:cNvSpPr/>
             <p:nvPr/>
           </p:nvSpPr>
@@ -26894,7 +26819,7 @@
         </p:sp>
         <p:sp>
           <p:nvSpPr>
-            <p:cNvPr id="551" name="Square"/>
+            <p:cNvPr id="550" name="Square"/>
             <p:cNvSpPr/>
             <p:nvPr/>
           </p:nvSpPr>
@@ -26939,7 +26864,7 @@
         </p:sp>
         <p:sp>
           <p:nvSpPr>
-            <p:cNvPr id="552" name="Square"/>
+            <p:cNvPr id="551" name="Square"/>
             <p:cNvSpPr/>
             <p:nvPr/>
           </p:nvSpPr>
@@ -26984,7 +26909,7 @@
         </p:sp>
         <p:sp>
           <p:nvSpPr>
-            <p:cNvPr id="553" name="Square"/>
+            <p:cNvPr id="552" name="Square"/>
             <p:cNvSpPr/>
             <p:nvPr/>
           </p:nvSpPr>
@@ -27029,7 +26954,7 @@
         </p:sp>
         <p:sp>
           <p:nvSpPr>
-            <p:cNvPr id="554" name="Square"/>
+            <p:cNvPr id="553" name="Square"/>
             <p:cNvSpPr/>
             <p:nvPr/>
           </p:nvSpPr>
@@ -27074,7 +26999,7 @@
         </p:sp>
         <p:sp>
           <p:nvSpPr>
-            <p:cNvPr id="555" name="Square"/>
+            <p:cNvPr id="554" name="Square"/>
             <p:cNvSpPr/>
             <p:nvPr/>
           </p:nvSpPr>
@@ -27119,7 +27044,7 @@
         </p:sp>
         <p:sp>
           <p:nvSpPr>
-            <p:cNvPr id="556" name="Square"/>
+            <p:cNvPr id="555" name="Square"/>
             <p:cNvSpPr/>
             <p:nvPr/>
           </p:nvSpPr>
@@ -27164,7 +27089,7 @@
         </p:sp>
         <p:sp>
           <p:nvSpPr>
-            <p:cNvPr id="557" name="Square"/>
+            <p:cNvPr id="556" name="Square"/>
             <p:cNvSpPr/>
             <p:nvPr/>
           </p:nvSpPr>
@@ -27209,7 +27134,7 @@
         </p:sp>
         <p:sp>
           <p:nvSpPr>
-            <p:cNvPr id="558" name="Square"/>
+            <p:cNvPr id="557" name="Square"/>
             <p:cNvSpPr/>
             <p:nvPr/>
           </p:nvSpPr>
@@ -27254,7 +27179,7 @@
         </p:sp>
         <p:sp>
           <p:nvSpPr>
-            <p:cNvPr id="559" name="Square"/>
+            <p:cNvPr id="558" name="Square"/>
             <p:cNvSpPr/>
             <p:nvPr/>
           </p:nvSpPr>
@@ -27299,7 +27224,7 @@
         </p:sp>
         <p:sp>
           <p:nvSpPr>
-            <p:cNvPr id="560" name="Square"/>
+            <p:cNvPr id="559" name="Square"/>
             <p:cNvSpPr/>
             <p:nvPr/>
           </p:nvSpPr>
@@ -27344,7 +27269,7 @@
         </p:sp>
         <p:sp>
           <p:nvSpPr>
-            <p:cNvPr id="561" name="Square"/>
+            <p:cNvPr id="560" name="Square"/>
             <p:cNvSpPr/>
             <p:nvPr/>
           </p:nvSpPr>
@@ -27389,7 +27314,7 @@
         </p:sp>
         <p:sp>
           <p:nvSpPr>
-            <p:cNvPr id="562" name="Square"/>
+            <p:cNvPr id="561" name="Square"/>
             <p:cNvSpPr/>
             <p:nvPr/>
           </p:nvSpPr>
@@ -27434,7 +27359,7 @@
         </p:sp>
         <p:sp>
           <p:nvSpPr>
-            <p:cNvPr id="563" name="Square"/>
+            <p:cNvPr id="562" name="Square"/>
             <p:cNvSpPr/>
             <p:nvPr/>
           </p:nvSpPr>
@@ -27479,7 +27404,7 @@
         </p:sp>
         <p:sp>
           <p:nvSpPr>
-            <p:cNvPr id="564" name="Square"/>
+            <p:cNvPr id="563" name="Square"/>
             <p:cNvSpPr/>
             <p:nvPr/>
           </p:nvSpPr>
@@ -27524,7 +27449,7 @@
         </p:sp>
         <p:sp>
           <p:nvSpPr>
-            <p:cNvPr id="565" name="Square"/>
+            <p:cNvPr id="564" name="Square"/>
             <p:cNvSpPr/>
             <p:nvPr/>
           </p:nvSpPr>
@@ -27569,7 +27494,7 @@
         </p:sp>
         <p:sp>
           <p:nvSpPr>
-            <p:cNvPr id="566" name="Square"/>
+            <p:cNvPr id="565" name="Square"/>
             <p:cNvSpPr/>
             <p:nvPr/>
           </p:nvSpPr>
@@ -27614,7 +27539,7 @@
         </p:sp>
         <p:sp>
           <p:nvSpPr>
-            <p:cNvPr id="567" name="Square"/>
+            <p:cNvPr id="566" name="Square"/>
             <p:cNvSpPr/>
             <p:nvPr/>
           </p:nvSpPr>
@@ -27659,7 +27584,7 @@
         </p:sp>
         <p:sp>
           <p:nvSpPr>
-            <p:cNvPr id="568" name="Square"/>
+            <p:cNvPr id="567" name="Square"/>
             <p:cNvSpPr/>
             <p:nvPr/>
           </p:nvSpPr>
@@ -27704,7 +27629,7 @@
         </p:sp>
         <p:sp>
           <p:nvSpPr>
-            <p:cNvPr id="569" name="Square"/>
+            <p:cNvPr id="568" name="Square"/>
             <p:cNvSpPr/>
             <p:nvPr/>
           </p:nvSpPr>
@@ -27749,7 +27674,7 @@
         </p:sp>
         <p:sp>
           <p:nvSpPr>
-            <p:cNvPr id="570" name="Square"/>
+            <p:cNvPr id="569" name="Square"/>
             <p:cNvSpPr/>
             <p:nvPr/>
           </p:nvSpPr>
@@ -27794,7 +27719,7 @@
         </p:sp>
         <p:sp>
           <p:nvSpPr>
-            <p:cNvPr id="571" name="Square"/>
+            <p:cNvPr id="570" name="Square"/>
             <p:cNvSpPr/>
             <p:nvPr/>
           </p:nvSpPr>
@@ -27839,7 +27764,7 @@
         </p:sp>
         <p:sp>
           <p:nvSpPr>
-            <p:cNvPr id="572" name="Square"/>
+            <p:cNvPr id="571" name="Square"/>
             <p:cNvSpPr/>
             <p:nvPr/>
           </p:nvSpPr>
@@ -27884,7 +27809,7 @@
         </p:sp>
         <p:sp>
           <p:nvSpPr>
-            <p:cNvPr id="573" name="Square"/>
+            <p:cNvPr id="572" name="Square"/>
             <p:cNvSpPr/>
             <p:nvPr/>
           </p:nvSpPr>
@@ -27929,7 +27854,7 @@
         </p:sp>
         <p:sp>
           <p:nvSpPr>
-            <p:cNvPr id="574" name="Square"/>
+            <p:cNvPr id="573" name="Square"/>
             <p:cNvSpPr/>
             <p:nvPr/>
           </p:nvSpPr>
@@ -27974,7 +27899,7 @@
         </p:sp>
         <p:sp>
           <p:nvSpPr>
-            <p:cNvPr id="575" name="Square"/>
+            <p:cNvPr id="574" name="Square"/>
             <p:cNvSpPr/>
             <p:nvPr/>
           </p:nvSpPr>
@@ -28019,7 +27944,7 @@
         </p:sp>
         <p:sp>
           <p:nvSpPr>
-            <p:cNvPr id="576" name="Square"/>
+            <p:cNvPr id="575" name="Square"/>
             <p:cNvSpPr/>
             <p:nvPr/>
           </p:nvSpPr>
@@ -28064,7 +27989,7 @@
         </p:sp>
         <p:sp>
           <p:nvSpPr>
-            <p:cNvPr id="577" name="Square"/>
+            <p:cNvPr id="576" name="Square"/>
             <p:cNvSpPr/>
             <p:nvPr/>
           </p:nvSpPr>
@@ -28109,7 +28034,7 @@
         </p:sp>
         <p:sp>
           <p:nvSpPr>
-            <p:cNvPr id="578" name="Square"/>
+            <p:cNvPr id="577" name="Square"/>
             <p:cNvSpPr/>
             <p:nvPr/>
           </p:nvSpPr>
@@ -28154,7 +28079,7 @@
         </p:sp>
         <p:sp>
           <p:nvSpPr>
-            <p:cNvPr id="579" name="Square"/>
+            <p:cNvPr id="578" name="Square"/>
             <p:cNvSpPr/>
             <p:nvPr/>
           </p:nvSpPr>
@@ -28199,7 +28124,7 @@
         </p:sp>
         <p:sp>
           <p:nvSpPr>
-            <p:cNvPr id="580" name="Square"/>
+            <p:cNvPr id="579" name="Square"/>
             <p:cNvSpPr/>
             <p:nvPr/>
           </p:nvSpPr>
@@ -28244,7 +28169,7 @@
         </p:sp>
         <p:sp>
           <p:nvSpPr>
-            <p:cNvPr id="581" name="Square"/>
+            <p:cNvPr id="580" name="Square"/>
             <p:cNvSpPr/>
             <p:nvPr/>
           </p:nvSpPr>
@@ -28289,7 +28214,7 @@
         </p:sp>
         <p:sp>
           <p:nvSpPr>
-            <p:cNvPr id="582" name="Square"/>
+            <p:cNvPr id="581" name="Square"/>
             <p:cNvSpPr/>
             <p:nvPr/>
           </p:nvSpPr>
@@ -28334,7 +28259,7 @@
         </p:sp>
         <p:sp>
           <p:nvSpPr>
-            <p:cNvPr id="583" name="Square"/>
+            <p:cNvPr id="582" name="Square"/>
             <p:cNvSpPr/>
             <p:nvPr/>
           </p:nvSpPr>
@@ -28379,7 +28304,7 @@
         </p:sp>
         <p:sp>
           <p:nvSpPr>
-            <p:cNvPr id="584" name="Square"/>
+            <p:cNvPr id="583" name="Square"/>
             <p:cNvSpPr/>
             <p:nvPr/>
           </p:nvSpPr>
@@ -28424,7 +28349,7 @@
         </p:sp>
         <p:sp>
           <p:nvSpPr>
-            <p:cNvPr id="585" name="Square"/>
+            <p:cNvPr id="584" name="Square"/>
             <p:cNvSpPr/>
             <p:nvPr/>
           </p:nvSpPr>
@@ -28469,7 +28394,7 @@
         </p:sp>
         <p:sp>
           <p:nvSpPr>
-            <p:cNvPr id="586" name="Square"/>
+            <p:cNvPr id="585" name="Square"/>
             <p:cNvSpPr/>
             <p:nvPr/>
           </p:nvSpPr>
@@ -28514,7 +28439,7 @@
         </p:sp>
         <p:sp>
           <p:nvSpPr>
-            <p:cNvPr id="587" name="Square"/>
+            <p:cNvPr id="586" name="Square"/>
             <p:cNvSpPr/>
             <p:nvPr/>
           </p:nvSpPr>
@@ -28559,7 +28484,7 @@
         </p:sp>
         <p:sp>
           <p:nvSpPr>
-            <p:cNvPr id="588" name="Square"/>
+            <p:cNvPr id="587" name="Square"/>
             <p:cNvSpPr/>
             <p:nvPr/>
           </p:nvSpPr>
@@ -28604,7 +28529,7 @@
         </p:sp>
         <p:sp>
           <p:nvSpPr>
-            <p:cNvPr id="589" name="Square"/>
+            <p:cNvPr id="588" name="Square"/>
             <p:cNvSpPr/>
             <p:nvPr/>
           </p:nvSpPr>
@@ -28649,7 +28574,7 @@
         </p:sp>
         <p:sp>
           <p:nvSpPr>
-            <p:cNvPr id="590" name="Square"/>
+            <p:cNvPr id="589" name="Square"/>
             <p:cNvSpPr/>
             <p:nvPr/>
           </p:nvSpPr>
@@ -28694,7 +28619,7 @@
         </p:sp>
         <p:sp>
           <p:nvSpPr>
-            <p:cNvPr id="591" name="Square"/>
+            <p:cNvPr id="590" name="Square"/>
             <p:cNvSpPr/>
             <p:nvPr/>
           </p:nvSpPr>
@@ -28739,7 +28664,7 @@
         </p:sp>
         <p:sp>
           <p:nvSpPr>
-            <p:cNvPr id="592" name="Square"/>
+            <p:cNvPr id="591" name="Square"/>
             <p:cNvSpPr/>
             <p:nvPr/>
           </p:nvSpPr>
@@ -28784,7 +28709,7 @@
         </p:sp>
         <p:sp>
           <p:nvSpPr>
-            <p:cNvPr id="593" name="Square"/>
+            <p:cNvPr id="592" name="Square"/>
             <p:cNvSpPr/>
             <p:nvPr/>
           </p:nvSpPr>
@@ -28829,7 +28754,7 @@
         </p:sp>
         <p:sp>
           <p:nvSpPr>
-            <p:cNvPr id="594" name="Square"/>
+            <p:cNvPr id="593" name="Square"/>
             <p:cNvSpPr/>
             <p:nvPr/>
           </p:nvSpPr>
@@ -28874,7 +28799,7 @@
         </p:sp>
         <p:sp>
           <p:nvSpPr>
-            <p:cNvPr id="595" name="Square"/>
+            <p:cNvPr id="594" name="Square"/>
             <p:cNvSpPr/>
             <p:nvPr/>
           </p:nvSpPr>
@@ -28920,7 +28845,7 @@
       </p:grpSp>
       <p:grpSp>
         <p:nvGrpSpPr>
-          <p:cNvPr id="602" name="Group"/>
+          <p:cNvPr id="601" name="Group"/>
           <p:cNvGrpSpPr/>
           <p:nvPr/>
         </p:nvGrpSpPr>
@@ -28934,14 +28859,14 @@
         </p:grpSpPr>
         <p:pic>
           <p:nvPicPr>
-            <p:cNvPr id="597" name="Image" descr="Image"/>
+            <p:cNvPr id="596" name="Image" descr="Image"/>
             <p:cNvPicPr>
               <a:picLocks noChangeAspect="1"/>
             </p:cNvPicPr>
             <p:nvPr/>
           </p:nvPicPr>
           <p:blipFill>
-            <a:blip r:embed="rId10">
+            <a:blip r:embed="rId7">
               <a:extLst/>
             </a:blip>
             <a:stretch>
@@ -28965,7 +28890,7 @@
         </p:pic>
         <p:grpSp>
           <p:nvGrpSpPr>
-            <p:cNvPr id="601" name="Group"/>
+            <p:cNvPr id="600" name="Group"/>
             <p:cNvGrpSpPr/>
             <p:nvPr/>
           </p:nvGrpSpPr>
@@ -28979,7 +28904,7 @@
           </p:grpSpPr>
           <p:sp>
             <p:nvSpPr>
-              <p:cNvPr id="598" name="Shape"/>
+              <p:cNvPr id="597" name="Shape"/>
               <p:cNvSpPr/>
               <p:nvPr/>
             </p:nvSpPr>
@@ -29121,7 +29046,7 @@
           </p:sp>
           <p:sp>
             <p:nvSpPr>
-              <p:cNvPr id="599" name="Shape"/>
+              <p:cNvPr id="598" name="Shape"/>
               <p:cNvSpPr/>
               <p:nvPr/>
             </p:nvSpPr>
@@ -29263,7 +29188,7 @@
           </p:sp>
           <p:sp>
             <p:nvSpPr>
-              <p:cNvPr id="600" name="Shape"/>
+              <p:cNvPr id="599" name="Shape"/>
               <p:cNvSpPr/>
               <p:nvPr/>
             </p:nvSpPr>
@@ -29392,7 +29317,7 @@
       </p:grpSp>
       <p:grpSp>
         <p:nvGrpSpPr>
-          <p:cNvPr id="619" name="Group"/>
+          <p:cNvPr id="618" name="Group"/>
           <p:cNvGrpSpPr/>
           <p:nvPr/>
         </p:nvGrpSpPr>
@@ -29406,7 +29331,7 @@
         </p:grpSpPr>
         <p:sp>
           <p:nvSpPr>
-            <p:cNvPr id="603" name="Square"/>
+            <p:cNvPr id="602" name="Square"/>
             <p:cNvSpPr/>
             <p:nvPr/>
           </p:nvSpPr>
@@ -29451,7 +29376,7 @@
         </p:sp>
         <p:sp>
           <p:nvSpPr>
-            <p:cNvPr id="604" name="Square"/>
+            <p:cNvPr id="603" name="Square"/>
             <p:cNvSpPr/>
             <p:nvPr/>
           </p:nvSpPr>
@@ -29496,7 +29421,7 @@
         </p:sp>
         <p:sp>
           <p:nvSpPr>
-            <p:cNvPr id="605" name="Square"/>
+            <p:cNvPr id="604" name="Square"/>
             <p:cNvSpPr/>
             <p:nvPr/>
           </p:nvSpPr>
@@ -29541,7 +29466,7 @@
         </p:sp>
         <p:sp>
           <p:nvSpPr>
-            <p:cNvPr id="606" name="Square"/>
+            <p:cNvPr id="605" name="Square"/>
             <p:cNvSpPr/>
             <p:nvPr/>
           </p:nvSpPr>
@@ -29586,7 +29511,7 @@
         </p:sp>
         <p:sp>
           <p:nvSpPr>
-            <p:cNvPr id="607" name="Square"/>
+            <p:cNvPr id="606" name="Square"/>
             <p:cNvSpPr/>
             <p:nvPr/>
           </p:nvSpPr>
@@ -29631,7 +29556,7 @@
         </p:sp>
         <p:sp>
           <p:nvSpPr>
-            <p:cNvPr id="608" name="Square"/>
+            <p:cNvPr id="607" name="Square"/>
             <p:cNvSpPr/>
             <p:nvPr/>
           </p:nvSpPr>
@@ -29676,7 +29601,7 @@
         </p:sp>
         <p:sp>
           <p:nvSpPr>
-            <p:cNvPr id="609" name="Square"/>
+            <p:cNvPr id="608" name="Square"/>
             <p:cNvSpPr/>
             <p:nvPr/>
           </p:nvSpPr>
@@ -29721,7 +29646,7 @@
         </p:sp>
         <p:sp>
           <p:nvSpPr>
-            <p:cNvPr id="610" name="Square"/>
+            <p:cNvPr id="609" name="Square"/>
             <p:cNvSpPr/>
             <p:nvPr/>
           </p:nvSpPr>
@@ -29766,7 +29691,7 @@
         </p:sp>
         <p:sp>
           <p:nvSpPr>
-            <p:cNvPr id="611" name="Square"/>
+            <p:cNvPr id="610" name="Square"/>
             <p:cNvSpPr/>
             <p:nvPr/>
           </p:nvSpPr>
@@ -29811,7 +29736,7 @@
         </p:sp>
         <p:sp>
           <p:nvSpPr>
-            <p:cNvPr id="612" name="Square"/>
+            <p:cNvPr id="611" name="Square"/>
             <p:cNvSpPr/>
             <p:nvPr/>
           </p:nvSpPr>
@@ -29856,7 +29781,7 @@
         </p:sp>
         <p:sp>
           <p:nvSpPr>
-            <p:cNvPr id="613" name="Square"/>
+            <p:cNvPr id="612" name="Square"/>
             <p:cNvSpPr/>
             <p:nvPr/>
           </p:nvSpPr>
@@ -29901,7 +29826,7 @@
         </p:sp>
         <p:sp>
           <p:nvSpPr>
-            <p:cNvPr id="614" name="Square"/>
+            <p:cNvPr id="613" name="Square"/>
             <p:cNvSpPr/>
             <p:nvPr/>
           </p:nvSpPr>
@@ -29946,7 +29871,7 @@
         </p:sp>
         <p:sp>
           <p:nvSpPr>
-            <p:cNvPr id="615" name="Square"/>
+            <p:cNvPr id="614" name="Square"/>
             <p:cNvSpPr/>
             <p:nvPr/>
           </p:nvSpPr>
@@ -29991,7 +29916,7 @@
         </p:sp>
         <p:sp>
           <p:nvSpPr>
-            <p:cNvPr id="616" name="Square"/>
+            <p:cNvPr id="615" name="Square"/>
             <p:cNvSpPr/>
             <p:nvPr/>
           </p:nvSpPr>
@@ -30036,7 +29961,7 @@
         </p:sp>
         <p:sp>
           <p:nvSpPr>
-            <p:cNvPr id="617" name="Square"/>
+            <p:cNvPr id="616" name="Square"/>
             <p:cNvSpPr/>
             <p:nvPr/>
           </p:nvSpPr>
@@ -30081,7 +30006,7 @@
         </p:sp>
         <p:sp>
           <p:nvSpPr>
-            <p:cNvPr id="618" name="Square"/>
+            <p:cNvPr id="617" name="Square"/>
             <p:cNvSpPr/>
             <p:nvPr/>
           </p:nvSpPr>
@@ -30127,7 +30052,7 @@
       </p:grpSp>
       <p:grpSp>
         <p:nvGrpSpPr>
-          <p:cNvPr id="625" name="Group"/>
+          <p:cNvPr id="624" name="Group"/>
           <p:cNvGrpSpPr/>
           <p:nvPr/>
         </p:nvGrpSpPr>
@@ -30141,14 +30066,14 @@
         </p:grpSpPr>
         <p:pic>
           <p:nvPicPr>
-            <p:cNvPr id="620" name="Image" descr="Image"/>
+            <p:cNvPr id="619" name="Image" descr="Image"/>
             <p:cNvPicPr>
               <a:picLocks noChangeAspect="1"/>
             </p:cNvPicPr>
             <p:nvPr/>
           </p:nvPicPr>
           <p:blipFill>
-            <a:blip r:embed="rId10">
+            <a:blip r:embed="rId7">
               <a:extLst/>
             </a:blip>
             <a:stretch>
@@ -30172,7 +30097,7 @@
         </p:pic>
         <p:grpSp>
           <p:nvGrpSpPr>
-            <p:cNvPr id="624" name="Group"/>
+            <p:cNvPr id="623" name="Group"/>
             <p:cNvGrpSpPr/>
             <p:nvPr/>
           </p:nvGrpSpPr>
@@ -30186,7 +30111,7 @@
           </p:grpSpPr>
           <p:sp>
             <p:nvSpPr>
-              <p:cNvPr id="621" name="Oval"/>
+              <p:cNvPr id="620" name="Oval"/>
               <p:cNvSpPr/>
               <p:nvPr/>
             </p:nvSpPr>
@@ -30232,7 +30157,7 @@
           </p:sp>
           <p:sp>
             <p:nvSpPr>
-              <p:cNvPr id="622" name="Oval"/>
+              <p:cNvPr id="621" name="Oval"/>
               <p:cNvSpPr/>
               <p:nvPr/>
             </p:nvSpPr>
@@ -30278,7 +30203,7 @@
           </p:sp>
           <p:sp>
             <p:nvSpPr>
-              <p:cNvPr id="623" name="Oval"/>
+              <p:cNvPr id="622" name="Oval"/>
               <p:cNvSpPr/>
               <p:nvPr/>
             </p:nvSpPr>
@@ -30326,7 +30251,7 @@
       </p:grpSp>
       <p:grpSp>
         <p:nvGrpSpPr>
-          <p:cNvPr id="628" name="Group"/>
+          <p:cNvPr id="627" name="Group"/>
           <p:cNvGrpSpPr/>
           <p:nvPr/>
         </p:nvGrpSpPr>
@@ -30340,14 +30265,14 @@
         </p:grpSpPr>
         <p:pic>
           <p:nvPicPr>
-            <p:cNvPr id="626" name="Image" descr="Image"/>
+            <p:cNvPr id="625" name="Image" descr="Image"/>
             <p:cNvPicPr>
               <a:picLocks noChangeAspect="1"/>
             </p:cNvPicPr>
             <p:nvPr/>
           </p:nvPicPr>
           <p:blipFill>
-            <a:blip r:embed="rId10">
+            <a:blip r:embed="rId7">
               <a:extLst/>
             </a:blip>
             <a:stretch>
@@ -30371,7 +30296,7 @@
         </p:pic>
         <p:sp>
           <p:nvSpPr>
-            <p:cNvPr id="627" name="Shape"/>
+            <p:cNvPr id="626" name="Shape"/>
             <p:cNvSpPr/>
             <p:nvPr/>
           </p:nvSpPr>
@@ -30514,7 +30439,7 @@
       </p:grpSp>
       <p:grpSp>
         <p:nvGrpSpPr>
-          <p:cNvPr id="631" name="Group"/>
+          <p:cNvPr id="630" name="Group"/>
           <p:cNvGrpSpPr/>
           <p:nvPr/>
         </p:nvGrpSpPr>
@@ -30528,14 +30453,14 @@
         </p:grpSpPr>
         <p:pic>
           <p:nvPicPr>
-            <p:cNvPr id="629" name="Image" descr="Image"/>
+            <p:cNvPr id="628" name="Image" descr="Image"/>
             <p:cNvPicPr>
               <a:picLocks noChangeAspect="1"/>
             </p:cNvPicPr>
             <p:nvPr/>
           </p:nvPicPr>
           <p:blipFill>
-            <a:blip r:embed="rId10">
+            <a:blip r:embed="rId7">
               <a:extLst/>
             </a:blip>
             <a:stretch>
@@ -30559,7 +30484,7 @@
         </p:pic>
         <p:sp>
           <p:nvSpPr>
-            <p:cNvPr id="630" name="Line"/>
+            <p:cNvPr id="629" name="Line"/>
             <p:cNvSpPr/>
             <p:nvPr/>
           </p:nvSpPr>
@@ -30693,7 +30618,7 @@
       </p:grpSp>
       <p:grpSp>
         <p:nvGrpSpPr>
-          <p:cNvPr id="634" name="Group"/>
+          <p:cNvPr id="633" name="Group"/>
           <p:cNvGrpSpPr/>
           <p:nvPr/>
         </p:nvGrpSpPr>
@@ -30707,14 +30632,14 @@
         </p:grpSpPr>
         <p:pic>
           <p:nvPicPr>
-            <p:cNvPr id="632" name="Image" descr="Image"/>
+            <p:cNvPr id="631" name="Image" descr="Image"/>
             <p:cNvPicPr>
               <a:picLocks noChangeAspect="1"/>
             </p:cNvPicPr>
             <p:nvPr/>
           </p:nvPicPr>
           <p:blipFill>
-            <a:blip r:embed="rId10">
+            <a:blip r:embed="rId7">
               <a:extLst/>
             </a:blip>
             <a:stretch>
@@ -30738,7 +30663,7 @@
         </p:pic>
         <p:sp>
           <p:nvSpPr>
-            <p:cNvPr id="633" name="Line"/>
+            <p:cNvPr id="632" name="Line"/>
             <p:cNvSpPr/>
             <p:nvPr/>
           </p:nvSpPr>
@@ -30883,7 +30808,7 @@
       </p:grpSp>
       <p:grpSp>
         <p:nvGrpSpPr>
-          <p:cNvPr id="643" name="Group"/>
+          <p:cNvPr id="642" name="Group"/>
           <p:cNvGrpSpPr/>
           <p:nvPr/>
         </p:nvGrpSpPr>
@@ -30897,14 +30822,14 @@
         </p:grpSpPr>
         <p:pic>
           <p:nvPicPr>
-            <p:cNvPr id="635" name="Image" descr="Image"/>
+            <p:cNvPr id="634" name="Image" descr="Image"/>
             <p:cNvPicPr>
               <a:picLocks noChangeAspect="1"/>
             </p:cNvPicPr>
             <p:nvPr/>
           </p:nvPicPr>
           <p:blipFill>
-            <a:blip r:embed="rId10">
+            <a:blip r:embed="rId7">
               <a:extLst/>
             </a:blip>
             <a:stretch>
@@ -30928,7 +30853,7 @@
         </p:pic>
         <p:grpSp>
           <p:nvGrpSpPr>
-            <p:cNvPr id="642" name="Group"/>
+            <p:cNvPr id="641" name="Group"/>
             <p:cNvGrpSpPr/>
             <p:nvPr/>
           </p:nvGrpSpPr>
@@ -30942,7 +30867,7 @@
           </p:grpSpPr>
           <p:sp>
             <p:nvSpPr>
-              <p:cNvPr id="636" name="Rectangle"/>
+              <p:cNvPr id="635" name="Rectangle"/>
               <p:cNvSpPr/>
               <p:nvPr/>
             </p:nvSpPr>
@@ -30989,7 +30914,7 @@
           </p:sp>
           <p:sp>
             <p:nvSpPr>
-              <p:cNvPr id="637" name="Line"/>
+              <p:cNvPr id="636" name="Line"/>
               <p:cNvSpPr/>
               <p:nvPr/>
             </p:nvSpPr>
@@ -31036,7 +30961,7 @@
           </p:sp>
           <p:sp>
             <p:nvSpPr>
-              <p:cNvPr id="638" name="Rectangle"/>
+              <p:cNvPr id="637" name="Rectangle"/>
               <p:cNvSpPr/>
               <p:nvPr/>
             </p:nvSpPr>
@@ -31083,7 +31008,7 @@
           </p:sp>
           <p:sp>
             <p:nvSpPr>
-              <p:cNvPr id="639" name="Line"/>
+              <p:cNvPr id="638" name="Line"/>
               <p:cNvSpPr/>
               <p:nvPr/>
             </p:nvSpPr>
@@ -31130,7 +31055,7 @@
           </p:sp>
           <p:sp>
             <p:nvSpPr>
-              <p:cNvPr id="640" name="Rectangle"/>
+              <p:cNvPr id="639" name="Rectangle"/>
               <p:cNvSpPr/>
               <p:nvPr/>
             </p:nvSpPr>
@@ -31177,7 +31102,7 @@
           </p:sp>
           <p:sp>
             <p:nvSpPr>
-              <p:cNvPr id="641" name="Line"/>
+              <p:cNvPr id="640" name="Line"/>
               <p:cNvSpPr/>
               <p:nvPr/>
             </p:nvSpPr>
@@ -31226,7 +31151,7 @@
       </p:grpSp>
       <p:grpSp>
         <p:nvGrpSpPr>
-          <p:cNvPr id="653" name="Group"/>
+          <p:cNvPr id="652" name="Group"/>
           <p:cNvGrpSpPr/>
           <p:nvPr/>
         </p:nvGrpSpPr>
@@ -31240,14 +31165,14 @@
         </p:grpSpPr>
         <p:pic>
           <p:nvPicPr>
-            <p:cNvPr id="644" name="Image" descr="Image"/>
+            <p:cNvPr id="643" name="Image" descr="Image"/>
             <p:cNvPicPr>
               <a:picLocks noChangeAspect="1"/>
             </p:cNvPicPr>
             <p:nvPr/>
           </p:nvPicPr>
           <p:blipFill>
-            <a:blip r:embed="rId10">
+            <a:blip r:embed="rId7">
               <a:extLst/>
             </a:blip>
             <a:stretch>
@@ -31271,7 +31196,7 @@
         </p:pic>
         <p:grpSp>
           <p:nvGrpSpPr>
-            <p:cNvPr id="652" name="Group"/>
+            <p:cNvPr id="651" name="Group"/>
             <p:cNvGrpSpPr/>
             <p:nvPr/>
           </p:nvGrpSpPr>
@@ -31285,7 +31210,7 @@
           </p:grpSpPr>
           <p:sp>
             <p:nvSpPr>
-              <p:cNvPr id="645" name="Line"/>
+              <p:cNvPr id="644" name="Line"/>
               <p:cNvSpPr/>
               <p:nvPr/>
             </p:nvSpPr>
@@ -31332,7 +31257,7 @@
           </p:sp>
           <p:sp>
             <p:nvSpPr>
-              <p:cNvPr id="646" name="Line"/>
+              <p:cNvPr id="645" name="Line"/>
               <p:cNvSpPr/>
               <p:nvPr/>
             </p:nvSpPr>
@@ -31379,7 +31304,7 @@
           </p:sp>
           <p:sp>
             <p:nvSpPr>
-              <p:cNvPr id="647" name="Line"/>
+              <p:cNvPr id="646" name="Line"/>
               <p:cNvSpPr/>
               <p:nvPr/>
             </p:nvSpPr>
@@ -31426,7 +31351,7 @@
           </p:sp>
           <p:sp>
             <p:nvSpPr>
-              <p:cNvPr id="648" name="Line"/>
+              <p:cNvPr id="647" name="Line"/>
               <p:cNvSpPr/>
               <p:nvPr/>
             </p:nvSpPr>
@@ -31473,7 +31398,7 @@
           </p:sp>
           <p:sp>
             <p:nvSpPr>
-              <p:cNvPr id="649" name="Line"/>
+              <p:cNvPr id="648" name="Line"/>
               <p:cNvSpPr/>
               <p:nvPr/>
             </p:nvSpPr>
@@ -31520,7 +31445,7 @@
           </p:sp>
           <p:sp>
             <p:nvSpPr>
-              <p:cNvPr id="650" name="Line"/>
+              <p:cNvPr id="649" name="Line"/>
               <p:cNvSpPr/>
               <p:nvPr/>
             </p:nvSpPr>
@@ -31567,7 +31492,7 @@
           </p:sp>
           <p:sp>
             <p:nvSpPr>
-              <p:cNvPr id="651" name="Line"/>
+              <p:cNvPr id="650" name="Line"/>
               <p:cNvSpPr/>
               <p:nvPr/>
             </p:nvSpPr>
@@ -31616,7 +31541,7 @@
       </p:grpSp>
       <p:grpSp>
         <p:nvGrpSpPr>
-          <p:cNvPr id="659" name="Group"/>
+          <p:cNvPr id="658" name="Group"/>
           <p:cNvGrpSpPr/>
           <p:nvPr/>
         </p:nvGrpSpPr>
@@ -31630,14 +31555,14 @@
         </p:grpSpPr>
         <p:pic>
           <p:nvPicPr>
-            <p:cNvPr id="654" name="Image" descr="Image"/>
+            <p:cNvPr id="653" name="Image" descr="Image"/>
             <p:cNvPicPr>
               <a:picLocks noChangeAspect="1"/>
             </p:cNvPicPr>
             <p:nvPr/>
           </p:nvPicPr>
           <p:blipFill>
-            <a:blip r:embed="rId10">
+            <a:blip r:embed="rId7">
               <a:extLst/>
             </a:blip>
             <a:stretch>
@@ -31661,7 +31586,7 @@
         </p:pic>
         <p:grpSp>
           <p:nvGrpSpPr>
-            <p:cNvPr id="658" name="Group"/>
+            <p:cNvPr id="657" name="Group"/>
             <p:cNvGrpSpPr/>
             <p:nvPr/>
           </p:nvGrpSpPr>
@@ -31675,7 +31600,7 @@
           </p:grpSpPr>
           <p:sp>
             <p:nvSpPr>
-              <p:cNvPr id="655" name="Line"/>
+              <p:cNvPr id="654" name="Line"/>
               <p:cNvSpPr/>
               <p:nvPr/>
             </p:nvSpPr>
@@ -31722,7 +31647,7 @@
           </p:sp>
           <p:sp>
             <p:nvSpPr>
-              <p:cNvPr id="656" name="Line"/>
+              <p:cNvPr id="655" name="Line"/>
               <p:cNvSpPr/>
               <p:nvPr/>
             </p:nvSpPr>
@@ -31769,7 +31694,7 @@
           </p:sp>
           <p:sp>
             <p:nvSpPr>
-              <p:cNvPr id="657" name="Line"/>
+              <p:cNvPr id="656" name="Line"/>
               <p:cNvSpPr/>
               <p:nvPr/>
             </p:nvSpPr>
@@ -31818,7 +31743,7 @@
       </p:grpSp>
       <p:grpSp>
         <p:nvGrpSpPr>
-          <p:cNvPr id="668" name="Group"/>
+          <p:cNvPr id="667" name="Group"/>
           <p:cNvGrpSpPr/>
           <p:nvPr/>
         </p:nvGrpSpPr>
@@ -31832,14 +31757,14 @@
         </p:grpSpPr>
         <p:pic>
           <p:nvPicPr>
-            <p:cNvPr id="660" name="Image" descr="Image"/>
+            <p:cNvPr id="659" name="Image" descr="Image"/>
             <p:cNvPicPr>
               <a:picLocks noChangeAspect="1"/>
             </p:cNvPicPr>
             <p:nvPr/>
           </p:nvPicPr>
           <p:blipFill>
-            <a:blip r:embed="rId10">
+            <a:blip r:embed="rId7">
               <a:extLst/>
             </a:blip>
             <a:stretch>
@@ -31863,7 +31788,7 @@
         </p:pic>
         <p:grpSp>
           <p:nvGrpSpPr>
-            <p:cNvPr id="667" name="Group"/>
+            <p:cNvPr id="666" name="Group"/>
             <p:cNvGrpSpPr/>
             <p:nvPr/>
           </p:nvGrpSpPr>
@@ -31877,7 +31802,7 @@
           </p:grpSpPr>
           <p:sp>
             <p:nvSpPr>
-              <p:cNvPr id="661" name="Line"/>
+              <p:cNvPr id="660" name="Line"/>
               <p:cNvSpPr/>
               <p:nvPr/>
             </p:nvSpPr>
@@ -31924,7 +31849,7 @@
           </p:sp>
           <p:sp>
             <p:nvSpPr>
-              <p:cNvPr id="662" name="Line"/>
+              <p:cNvPr id="661" name="Line"/>
               <p:cNvSpPr/>
               <p:nvPr/>
             </p:nvSpPr>
@@ -31971,7 +31896,7 @@
           </p:sp>
           <p:sp>
             <p:nvSpPr>
-              <p:cNvPr id="663" name="Line"/>
+              <p:cNvPr id="662" name="Line"/>
               <p:cNvSpPr/>
               <p:nvPr/>
             </p:nvSpPr>
@@ -32018,7 +31943,7 @@
           </p:sp>
           <p:sp>
             <p:nvSpPr>
-              <p:cNvPr id="664" name="Circle"/>
+              <p:cNvPr id="663" name="Circle"/>
               <p:cNvSpPr/>
               <p:nvPr/>
             </p:nvSpPr>
@@ -32063,7 +31988,7 @@
           </p:sp>
           <p:sp>
             <p:nvSpPr>
-              <p:cNvPr id="665" name="Circle"/>
+              <p:cNvPr id="664" name="Circle"/>
               <p:cNvSpPr/>
               <p:nvPr/>
             </p:nvSpPr>
@@ -32108,7 +32033,7 @@
           </p:sp>
           <p:sp>
             <p:nvSpPr>
-              <p:cNvPr id="666" name="Circle"/>
+              <p:cNvPr id="665" name="Circle"/>
               <p:cNvSpPr/>
               <p:nvPr/>
             </p:nvSpPr>
@@ -32155,7 +32080,7 @@
       </p:grpSp>
       <p:grpSp>
         <p:nvGrpSpPr>
-          <p:cNvPr id="671" name="Group"/>
+          <p:cNvPr id="670" name="Group"/>
           <p:cNvGrpSpPr/>
           <p:nvPr/>
         </p:nvGrpSpPr>
@@ -32169,14 +32094,14 @@
         </p:grpSpPr>
         <p:pic>
           <p:nvPicPr>
-            <p:cNvPr id="669" name="Image" descr="Image"/>
+            <p:cNvPr id="668" name="Image" descr="Image"/>
             <p:cNvPicPr>
               <a:picLocks noChangeAspect="1"/>
             </p:cNvPicPr>
             <p:nvPr/>
           </p:nvPicPr>
           <p:blipFill>
-            <a:blip r:embed="rId10">
+            <a:blip r:embed="rId7">
               <a:extLst/>
             </a:blip>
             <a:stretch>
@@ -32200,14 +32125,14 @@
         </p:pic>
         <p:pic>
           <p:nvPicPr>
-            <p:cNvPr id="670" name="Image" descr="Image"/>
+            <p:cNvPr id="669" name="Image" descr="Image"/>
             <p:cNvPicPr>
               <a:picLocks noChangeAspect="1"/>
             </p:cNvPicPr>
             <p:nvPr/>
           </p:nvPicPr>
           <p:blipFill>
-            <a:blip r:embed="rId12">
+            <a:blip r:embed="rId9">
               <a:extLst/>
             </a:blip>
             <a:stretch>
@@ -32232,7 +32157,7 @@
       </p:grpSp>
       <p:sp>
         <p:nvSpPr>
-          <p:cNvPr id="672" name="maps…"/>
+          <p:cNvPr id="671" name="maps…"/>
           <p:cNvSpPr txBox="1"/>
           <p:nvPr/>
         </p:nvSpPr>
@@ -32305,7 +32230,7 @@
       </p:sp>
       <p:sp>
         <p:nvSpPr>
-          <p:cNvPr id="673" name="k + geom_map(aes(map_id = state), map = map) + expand_limits(x = map$long, y = map$lat), map_id, alpha, color, fill, linetype, size"/>
+          <p:cNvPr id="672" name="k + geom_map(aes(map_id = state), map = map) + expand_limits(x = map$long, y = map$lat), map_id, alpha, color, fill, linetype, size"/>
           <p:cNvSpPr txBox="1"/>
           <p:nvPr/>
         </p:nvSpPr>
@@ -32371,7 +32296,7 @@
       </p:sp>
       <p:sp>
         <p:nvSpPr>
-          <p:cNvPr id="674" name="Line"/>
+          <p:cNvPr id="673" name="Line"/>
           <p:cNvSpPr/>
           <p:nvPr/>
         </p:nvSpPr>
@@ -32442,7 +32367,7 @@
       </p:sp>
       <p:sp>
         <p:nvSpPr>
-          <p:cNvPr id="675" name="Line"/>
+          <p:cNvPr id="674" name="Line"/>
           <p:cNvSpPr/>
           <p:nvPr/>
         </p:nvSpPr>
@@ -32516,7 +32441,7 @@
       </p:sp>
       <p:sp>
         <p:nvSpPr>
-          <p:cNvPr id="676" name="Not  required, sensible defaults supplied"/>
+          <p:cNvPr id="675" name="Not  required, sensible defaults supplied"/>
           <p:cNvSpPr txBox="1"/>
           <p:nvPr/>
         </p:nvSpPr>
@@ -32568,7 +32493,7 @@
       </p:sp>
       <p:grpSp>
         <p:nvGrpSpPr>
-          <p:cNvPr id="679" name="Group"/>
+          <p:cNvPr id="678" name="Group"/>
           <p:cNvGrpSpPr/>
           <p:nvPr/>
         </p:nvGrpSpPr>
@@ -32582,14 +32507,14 @@
         </p:grpSpPr>
         <p:pic>
           <p:nvPicPr>
-            <p:cNvPr id="677" name="Image" descr="Image"/>
+            <p:cNvPr id="676" name="Image" descr="Image"/>
             <p:cNvPicPr>
               <a:picLocks noChangeAspect="1"/>
             </p:cNvPicPr>
             <p:nvPr/>
           </p:nvPicPr>
           <p:blipFill>
-            <a:blip r:embed="rId10">
+            <a:blip r:embed="rId7">
               <a:extLst/>
             </a:blip>
             <a:stretch>
@@ -32613,14 +32538,14 @@
         </p:pic>
         <p:pic>
           <p:nvPicPr>
-            <p:cNvPr id="678" name="Image" descr="Image"/>
+            <p:cNvPr id="677" name="Image" descr="Image"/>
             <p:cNvPicPr>
               <a:picLocks noChangeAspect="1"/>
             </p:cNvPicPr>
             <p:nvPr/>
           </p:nvPicPr>
           <p:blipFill>
-            <a:blip r:embed="rId13">
+            <a:blip r:embed="rId10">
               <a:extLst/>
             </a:blip>
             <a:stretch>
@@ -32645,7 +32570,7 @@
       </p:grpSp>
       <p:grpSp>
         <p:nvGrpSpPr>
-          <p:cNvPr id="682" name="Group"/>
+          <p:cNvPr id="681" name="Group"/>
           <p:cNvGrpSpPr/>
           <p:nvPr/>
         </p:nvGrpSpPr>
@@ -32659,14 +32584,14 @@
         </p:grpSpPr>
         <p:pic>
           <p:nvPicPr>
-            <p:cNvPr id="680" name="Image" descr="Image"/>
+            <p:cNvPr id="679" name="Image" descr="Image"/>
             <p:cNvPicPr>
               <a:picLocks noChangeAspect="1"/>
             </p:cNvPicPr>
             <p:nvPr/>
           </p:nvPicPr>
           <p:blipFill>
-            <a:blip r:embed="rId10">
+            <a:blip r:embed="rId7">
               <a:extLst/>
             </a:blip>
             <a:stretch>
@@ -32690,14 +32615,14 @@
         </p:pic>
         <p:pic>
           <p:nvPicPr>
-            <p:cNvPr id="681" name="Image" descr="Image"/>
+            <p:cNvPr id="680" name="Image" descr="Image"/>
             <p:cNvPicPr>
               <a:picLocks noChangeAspect="1"/>
             </p:cNvPicPr>
             <p:nvPr/>
           </p:nvPicPr>
           <p:blipFill>
-            <a:blip r:embed="rId14">
+            <a:blip r:embed="rId11">
               <a:extLst/>
             </a:blip>
             <a:stretch>
@@ -32722,7 +32647,7 @@
       </p:grpSp>
       <p:sp>
         <p:nvSpPr>
-          <p:cNvPr id="683" name="Geoms"/>
+          <p:cNvPr id="682" name="Geoms"/>
           <p:cNvSpPr txBox="1"/>
           <p:nvPr/>
         </p:nvSpPr>
@@ -32770,7 +32695,7 @@
       </p:sp>
       <p:sp>
         <p:nvSpPr>
-          <p:cNvPr id="684" name="Use a geom function to represent data points, use the geom’s aesthetic properties to represent variables.  Each function returns a layer."/>
+          <p:cNvPr id="683" name="Use a geom function to represent data points, use the geom’s aesthetic properties to represent variables.  Each function returns a layer."/>
           <p:cNvSpPr txBox="1"/>
           <p:nvPr/>
         </p:nvSpPr>
@@ -32822,7 +32747,7 @@
       </p:sp>
       <p:sp>
         <p:nvSpPr>
-          <p:cNvPr id="685" name="Line"/>
+          <p:cNvPr id="684" name="Line"/>
           <p:cNvSpPr/>
           <p:nvPr/>
         </p:nvSpPr>
@@ -32865,7 +32790,7 @@
       </p:sp>
       <p:sp>
         <p:nvSpPr>
-          <p:cNvPr id="686" name="Line"/>
+          <p:cNvPr id="685" name="Line"/>
           <p:cNvSpPr/>
           <p:nvPr/>
         </p:nvSpPr>
@@ -32908,7 +32833,7 @@
       </p:sp>
       <p:sp>
         <p:nvSpPr>
-          <p:cNvPr id="687" name="Line"/>
+          <p:cNvPr id="686" name="Line"/>
           <p:cNvSpPr/>
           <p:nvPr/>
         </p:nvSpPr>
@@ -32951,7 +32876,7 @@
       </p:sp>
       <p:sp>
         <p:nvSpPr>
-          <p:cNvPr id="688" name="Line"/>
+          <p:cNvPr id="687" name="Line"/>
           <p:cNvSpPr/>
           <p:nvPr/>
         </p:nvSpPr>
@@ -32994,7 +32919,7 @@
       </p:sp>
       <p:sp>
         <p:nvSpPr>
-          <p:cNvPr id="689" name="Line"/>
+          <p:cNvPr id="688" name="Line"/>
           <p:cNvSpPr/>
           <p:nvPr/>
         </p:nvSpPr>
@@ -33037,7 +32962,7 @@
       </p:sp>
       <p:sp>
         <p:nvSpPr>
-          <p:cNvPr id="690" name="Line"/>
+          <p:cNvPr id="689" name="Line"/>
           <p:cNvSpPr/>
           <p:nvPr/>
         </p:nvSpPr>
@@ -33080,7 +33005,7 @@
       </p:sp>
       <p:sp>
         <p:nvSpPr>
-          <p:cNvPr id="691" name="Line"/>
+          <p:cNvPr id="690" name="Line"/>
           <p:cNvSpPr/>
           <p:nvPr/>
         </p:nvSpPr>
@@ -33123,7 +33048,7 @@
       </p:sp>
       <p:sp>
         <p:nvSpPr>
-          <p:cNvPr id="692" name="Rectangle"/>
+          <p:cNvPr id="691" name="Rectangle"/>
           <p:cNvSpPr/>
           <p:nvPr/>
         </p:nvSpPr>
@@ -33176,7 +33101,7 @@
       </p:sp>
       <p:sp>
         <p:nvSpPr>
-          <p:cNvPr id="693" name="TWO VARIABLES…"/>
+          <p:cNvPr id="692" name="TWO VARIABLES…"/>
           <p:cNvSpPr txBox="1"/>
           <p:nvPr/>
         </p:nvSpPr>
@@ -33243,7 +33168,7 @@
       </p:sp>
       <p:sp>
         <p:nvSpPr>
-          <p:cNvPr id="694" name="continuous bivariate distribution…"/>
+          <p:cNvPr id="693" name="continuous bivariate distribution…"/>
           <p:cNvSpPr txBox="1"/>
           <p:nvPr/>
         </p:nvSpPr>
@@ -33305,14 +33230,14 @@
       </p:sp>
       <p:pic>
         <p:nvPicPr>
-          <p:cNvPr id="695" name="ggplot2.png" descr="ggplot2.png"/>
+          <p:cNvPr id="694" name="ggplot2.png" descr="ggplot2.png"/>
           <p:cNvPicPr>
             <a:picLocks noChangeAspect="1"/>
           </p:cNvPicPr>
           <p:nvPr/>
         </p:nvPicPr>
         <p:blipFill>
-          <a:blip r:embed="rId15">
+          <a:blip r:embed="rId12">
             <a:extLst/>
           </a:blip>
           <a:stretch>
@@ -33332,6 +33257,88 @@
           </a:ln>
         </p:spPr>
       </p:pic>
+      <p:sp>
+        <p:nvSpPr>
+          <p:cNvPr id="695" name="RStudio® is a trademark of RStudio, Inc.  •  CC BY RStudio •  info@rstudio.com  •  844-448-1212 • rstudio.com •  Learn more at  http://ggplot2.tidyverse.org •  ggplot2  2.1.0  •  Updated: 2016-11"/>
+          <p:cNvSpPr txBox="1"/>
+          <p:nvPr/>
+        </p:nvSpPr>
+        <p:spPr>
+          <a:xfrm>
+            <a:off x="2353572" y="10340910"/>
+            <a:ext cx="11322666" cy="248842"/>
+          </a:xfrm>
+          <a:prstGeom prst="rect">
+            <a:avLst/>
+          </a:prstGeom>
+          <a:ln w="12700">
+            <a:miter lim="400000"/>
+          </a:ln>
+          <a:extLst>
+            <a:ext uri="{C572A759-6A51-4108-AA02-DFA0A04FC94B}">
+              <ma14:wrappingTextBoxFlag xmlns:ma14="http://schemas.microsoft.com/office/mac/drawingml/2011/main" val="1"/>
+            </a:ext>
+          </a:extLst>
+        </p:spPr>
+        <p:txBody>
+          <a:bodyPr lIns="54570" tIns="54570" rIns="54570" bIns="54570" anchor="ctr">
+            <a:spAutoFit/>
+          </a:bodyPr>
+          <a:lstStyle/>
+          <a:p>
+            <a:pPr algn="r">
+              <a:lnSpc>
+                <a:spcPct val="90000"/>
+              </a:lnSpc>
+              <a:spcBef>
+                <a:spcPts val="0"/>
+              </a:spcBef>
+              <a:defRPr b="0" sz="900">
+                <a:solidFill>
+                  <a:srgbClr val="000000"/>
+                </a:solidFill>
+              </a:defRPr>
+            </a:pPr>
+            <a:r>
+              <a:t>RStudio® is a trademark of RStudio, Inc.  •  </a:t>
+            </a:r>
+            <a:r>
+              <a:rPr>
+                <a:hlinkClick r:id="rId13" invalidUrl="" action="" tgtFrame="" tooltip="" history="1" highlightClick="0" endSnd="0"/>
+              </a:rPr>
+              <a:t>CC BY </a:t>
+            </a:r>
+            <a:r>
+              <a:t>RStudio •  </a:t>
+            </a:r>
+            <a:r>
+              <a:rPr>
+                <a:hlinkClick r:id="rId14" invalidUrl="" action="" tgtFrame="" tooltip="" history="1" highlightClick="0" endSnd="0"/>
+              </a:rPr>
+              <a:t>info@rstudio.com</a:t>
+            </a:r>
+            <a:r>
+              <a:t>  •  844-448-1212 • </a:t>
+            </a:r>
+            <a:r>
+              <a:rPr>
+                <a:hlinkClick r:id="rId15" invalidUrl="" action="" tgtFrame="" tooltip="" history="1" highlightClick="0" endSnd="0"/>
+              </a:rPr>
+              <a:t>rstudio.com</a:t>
+            </a:r>
+            <a:r>
+              <a:t> •  Learn more at  </a:t>
+            </a:r>
+            <a:r>
+              <a:rPr b="1"/>
+              <a:t>http://ggplot2.tidyverse.org</a:t>
+            </a:r>
+            <a:r>
+              <a:t> •  ggplot2  2.1.0  •  Updated: 2016-11</a:t>
+            </a:r>
+          </a:p>
+        </p:txBody>
+      </p:sp>
     </p:spTree>
   </p:cSld>
   <p:clrMapOvr>
@@ -33437,82 +33444,7 @@
       </p:sp>
       <p:sp>
         <p:nvSpPr>
-          <p:cNvPr id="699" name="RStudio® is a trademark of RStudio, Inc.  •  CC BY RStudio •  info@rstudio.com  •  844-448-1212 • rstudio.com •  Learn more with browseVignettes(package = c(&quot;dplyr&quot;, &quot;tibble&quot;))  •  dplyr  0.5.0 •  tibble  1.2.0  •  Updated: 2017-01"/>
-          <p:cNvSpPr txBox="1"/>
-          <p:nvPr/>
-        </p:nvSpPr>
-        <p:spPr>
-          <a:xfrm>
-            <a:off x="2353572" y="10340910"/>
-            <a:ext cx="11322666" cy="248842"/>
-          </a:xfrm>
-          <a:prstGeom prst="rect">
-            <a:avLst/>
-          </a:prstGeom>
-          <a:ln w="12700">
-            <a:miter lim="400000"/>
-          </a:ln>
-          <a:extLst>
-            <a:ext uri="{C572A759-6A51-4108-AA02-DFA0A04FC94B}">
-              <ma14:wrappingTextBoxFlag xmlns:ma14="http://schemas.microsoft.com/office/mac/drawingml/2011/main" val="1"/>
-            </a:ext>
-          </a:extLst>
-        </p:spPr>
-        <p:txBody>
-          <a:bodyPr lIns="54570" tIns="54570" rIns="54570" bIns="54570" anchor="ctr">
-            <a:spAutoFit/>
-          </a:bodyPr>
-          <a:lstStyle/>
-          <a:p>
-            <a:pPr algn="r">
-              <a:lnSpc>
-                <a:spcPct val="90000"/>
-              </a:lnSpc>
-              <a:spcBef>
-                <a:spcPts val="0"/>
-              </a:spcBef>
-              <a:defRPr b="0" sz="900">
-                <a:solidFill>
-                  <a:srgbClr val="000000"/>
-                </a:solidFill>
-              </a:defRPr>
-            </a:pPr>
-            <a:r>
-              <a:t>RStudio® is a trademark of RStudio, Inc.  •  </a:t>
-            </a:r>
-            <a:r>
-              <a:rPr>
-                <a:hlinkClick r:id="rId3" invalidUrl="" action="" tgtFrame="" tooltip="" history="1" highlightClick="0" endSnd="0"/>
-              </a:rPr>
-              <a:t>CC BY </a:t>
-            </a:r>
-            <a:r>
-              <a:t>RStudio •  </a:t>
-            </a:r>
-            <a:r>
-              <a:rPr>
-                <a:hlinkClick r:id="rId4" invalidUrl="" action="" tgtFrame="" tooltip="" history="1" highlightClick="0" endSnd="0"/>
-              </a:rPr>
-              <a:t>info@rstudio.com</a:t>
-            </a:r>
-            <a:r>
-              <a:t>  •  844-448-1212 • </a:t>
-            </a:r>
-            <a:r>
-              <a:rPr>
-                <a:hlinkClick r:id="rId5" invalidUrl="" action="" tgtFrame="" tooltip="" history="1" highlightClick="0" endSnd="0"/>
-              </a:rPr>
-              <a:t>rstudio.com</a:t>
-            </a:r>
-            <a:r>
-              <a:t> •  Learn more with browseVignettes(package = c("dplyr", "tibble"))  •  dplyr  0.5.0 •  tibble  1.2.0  •  Updated: 2017-01</a:t>
-            </a:r>
-          </a:p>
-        </p:txBody>
-      </p:sp>
-      <p:sp>
-        <p:nvSpPr>
-          <p:cNvPr id="700" name="Line"/>
+          <p:cNvPr id="699" name="Line"/>
           <p:cNvSpPr/>
           <p:nvPr/>
         </p:nvSpPr>
@@ -33553,14 +33485,14 @@
       </p:sp>
       <p:pic>
         <p:nvPicPr>
-          <p:cNvPr id="701" name="Image" descr="Image"/>
+          <p:cNvPr id="700" name="Image" descr="Image"/>
           <p:cNvPicPr>
             <a:picLocks noChangeAspect="1"/>
           </p:cNvPicPr>
           <p:nvPr/>
         </p:nvPicPr>
         <p:blipFill>
-          <a:blip r:embed="rId6">
+          <a:blip r:embed="rId3">
             <a:extLst/>
           </a:blip>
           <a:stretch>
@@ -33582,7 +33514,7 @@
       </p:pic>
       <p:sp>
         <p:nvSpPr>
-          <p:cNvPr id="702" name="Coordinate Systems"/>
+          <p:cNvPr id="701" name="Coordinate Systems"/>
           <p:cNvSpPr txBox="1"/>
           <p:nvPr/>
         </p:nvSpPr>
@@ -33630,7 +33562,7 @@
       </p:sp>
       <p:sp>
         <p:nvSpPr>
-          <p:cNvPr id="703" name="Line"/>
+          <p:cNvPr id="702" name="Line"/>
           <p:cNvSpPr/>
           <p:nvPr/>
         </p:nvSpPr>
@@ -33671,14 +33603,14 @@
       </p:sp>
       <p:pic>
         <p:nvPicPr>
-          <p:cNvPr id="704" name="ggplot2.png" descr="ggplot2.png"/>
+          <p:cNvPr id="703" name="ggplot2.png" descr="ggplot2.png"/>
           <p:cNvPicPr>
             <a:picLocks noChangeAspect="1"/>
           </p:cNvPicPr>
           <p:nvPr/>
         </p:nvPicPr>
         <p:blipFill>
-          <a:blip r:embed="rId7">
+          <a:blip r:embed="rId4">
             <a:extLst/>
           </a:blip>
           <a:stretch>
@@ -33700,7 +33632,7 @@
       </p:pic>
       <p:sp>
         <p:nvSpPr>
-          <p:cNvPr id="705" name="Rectangle"/>
+          <p:cNvPr id="704" name="Rectangle"/>
           <p:cNvSpPr/>
           <p:nvPr/>
         </p:nvSpPr>
@@ -33743,7 +33675,7 @@
       </p:sp>
       <p:sp>
         <p:nvSpPr>
-          <p:cNvPr id="706" name="A stat builds new variables to plot (e.g., count, prop)."/>
+          <p:cNvPr id="705" name="A stat builds new variables to plot (e.g., count, prop)."/>
           <p:cNvSpPr txBox="1"/>
           <p:nvPr/>
         </p:nvSpPr>
@@ -33793,7 +33725,7 @@
       </p:sp>
       <p:sp>
         <p:nvSpPr>
-          <p:cNvPr id="707" name="Stats"/>
+          <p:cNvPr id="706" name="Stats"/>
           <p:cNvSpPr txBox="1"/>
           <p:nvPr/>
         </p:nvSpPr>
@@ -33841,7 +33773,7 @@
       </p:sp>
       <p:sp>
         <p:nvSpPr>
-          <p:cNvPr id="708" name="An alternative way to build a layer"/>
+          <p:cNvPr id="707" name="An alternative way to build a layer"/>
           <p:cNvSpPr txBox="1"/>
           <p:nvPr/>
         </p:nvSpPr>
@@ -33891,7 +33823,7 @@
       </p:sp>
       <p:grpSp>
         <p:nvGrpSpPr>
-          <p:cNvPr id="745" name="Group"/>
+          <p:cNvPr id="744" name="Group"/>
           <p:cNvGrpSpPr/>
           <p:nvPr/>
         </p:nvGrpSpPr>
@@ -33905,7 +33837,7 @@
         </p:grpSpPr>
         <p:graphicFrame>
           <p:nvGraphicFramePr>
-            <p:cNvPr id="709" name="Table"/>
+            <p:cNvPr id="708" name="Table"/>
             <p:cNvGraphicFramePr/>
             <p:nvPr/>
           </p:nvGraphicFramePr>
@@ -34591,7 +34523,7 @@
         </p:graphicFrame>
         <p:sp>
           <p:nvSpPr>
-            <p:cNvPr id="710" name="+"/>
+            <p:cNvPr id="709" name="+"/>
             <p:cNvSpPr txBox="1"/>
             <p:nvPr/>
           </p:nvSpPr>
@@ -34648,7 +34580,7 @@
         </p:sp>
         <p:sp>
           <p:nvSpPr>
-            <p:cNvPr id="711" name="="/>
+            <p:cNvPr id="710" name="="/>
             <p:cNvSpPr txBox="1"/>
             <p:nvPr/>
           </p:nvSpPr>
@@ -34705,7 +34637,7 @@
         </p:sp>
         <p:graphicFrame>
           <p:nvGraphicFramePr>
-            <p:cNvPr id="712" name="Table"/>
+            <p:cNvPr id="711" name="Table"/>
             <p:cNvGraphicFramePr/>
             <p:nvPr/>
           </p:nvGraphicFramePr>
@@ -35391,7 +35323,7 @@
         </p:graphicFrame>
         <p:sp>
           <p:nvSpPr>
-            <p:cNvPr id="713" name="data"/>
+            <p:cNvPr id="712" name="data"/>
             <p:cNvSpPr txBox="1"/>
             <p:nvPr/>
           </p:nvSpPr>
@@ -35444,7 +35376,7 @@
         </p:sp>
         <p:sp>
           <p:nvSpPr>
-            <p:cNvPr id="714" name="geom…"/>
+            <p:cNvPr id="713" name="geom…"/>
             <p:cNvSpPr txBox="1"/>
             <p:nvPr/>
           </p:nvSpPr>
@@ -35531,7 +35463,7 @@
         </p:sp>
         <p:sp>
           <p:nvSpPr>
-            <p:cNvPr id="715" name="coordinate system"/>
+            <p:cNvPr id="714" name="coordinate system"/>
             <p:cNvSpPr txBox="1"/>
             <p:nvPr/>
           </p:nvSpPr>
@@ -35584,7 +35516,7 @@
         </p:sp>
         <p:sp>
           <p:nvSpPr>
-            <p:cNvPr id="716" name="plot"/>
+            <p:cNvPr id="715" name="plot"/>
             <p:cNvSpPr txBox="1"/>
             <p:nvPr/>
           </p:nvSpPr>
@@ -35637,7 +35569,7 @@
         </p:sp>
         <p:grpSp>
           <p:nvGrpSpPr>
-            <p:cNvPr id="723" name="Group"/>
+            <p:cNvPr id="722" name="Group"/>
             <p:cNvGrpSpPr/>
             <p:nvPr/>
           </p:nvGrpSpPr>
@@ -35651,7 +35583,7 @@
           </p:grpSpPr>
           <p:graphicFrame>
             <p:nvGraphicFramePr>
-              <p:cNvPr id="717" name="Table"/>
+              <p:cNvPr id="716" name="Table"/>
               <p:cNvGraphicFramePr/>
               <p:nvPr/>
             </p:nvGraphicFramePr>
@@ -35974,7 +35906,7 @@
           </p:graphicFrame>
           <p:sp>
             <p:nvSpPr>
-              <p:cNvPr id="718" name="Line"/>
+              <p:cNvPr id="717" name="Line"/>
               <p:cNvSpPr/>
               <p:nvPr/>
             </p:nvSpPr>
@@ -36031,7 +35963,7 @@
           </p:sp>
           <p:sp>
             <p:nvSpPr>
-              <p:cNvPr id="719" name="Line"/>
+              <p:cNvPr id="718" name="Line"/>
               <p:cNvSpPr/>
               <p:nvPr/>
             </p:nvSpPr>
@@ -36088,7 +36020,7 @@
           </p:sp>
           <p:sp>
             <p:nvSpPr>
-              <p:cNvPr id="720" name="Line"/>
+              <p:cNvPr id="719" name="Line"/>
               <p:cNvSpPr/>
               <p:nvPr/>
             </p:nvSpPr>
@@ -36145,7 +36077,7 @@
           </p:sp>
           <p:sp>
             <p:nvSpPr>
-              <p:cNvPr id="721" name="Line"/>
+              <p:cNvPr id="720" name="Line"/>
               <p:cNvSpPr/>
               <p:nvPr/>
             </p:nvSpPr>
@@ -36202,7 +36134,7 @@
           </p:sp>
           <p:sp>
             <p:nvSpPr>
-              <p:cNvPr id="722" name="Line"/>
+              <p:cNvPr id="721" name="Line"/>
               <p:cNvSpPr/>
               <p:nvPr/>
             </p:nvSpPr>
@@ -36260,7 +36192,7 @@
         </p:grpSp>
         <p:sp>
           <p:nvSpPr>
-            <p:cNvPr id="724" name="Line"/>
+            <p:cNvPr id="723" name="Line"/>
             <p:cNvSpPr/>
             <p:nvPr/>
           </p:nvSpPr>
@@ -36318,7 +36250,7 @@
         </p:sp>
         <p:grpSp>
           <p:nvGrpSpPr>
-            <p:cNvPr id="738" name="Group"/>
+            <p:cNvPr id="737" name="Group"/>
             <p:cNvGrpSpPr/>
             <p:nvPr/>
           </p:nvGrpSpPr>
@@ -36332,7 +36264,7 @@
           </p:grpSpPr>
           <p:grpSp>
             <p:nvGrpSpPr>
-              <p:cNvPr id="733" name="Group"/>
+              <p:cNvPr id="732" name="Group"/>
               <p:cNvGrpSpPr/>
               <p:nvPr/>
             </p:nvGrpSpPr>
@@ -36346,7 +36278,7 @@
             </p:grpSpPr>
             <p:graphicFrame>
               <p:nvGraphicFramePr>
-                <p:cNvPr id="725" name="Table"/>
+                <p:cNvPr id="724" name="Table"/>
                 <p:cNvGraphicFramePr/>
                 <p:nvPr/>
               </p:nvGraphicFramePr>
@@ -36570,7 +36502,7 @@
             </p:graphicFrame>
             <p:sp>
               <p:nvSpPr>
-                <p:cNvPr id="726" name="Line"/>
+                <p:cNvPr id="725" name="Line"/>
                 <p:cNvSpPr/>
                 <p:nvPr/>
               </p:nvSpPr>
@@ -36627,7 +36559,7 @@
             </p:sp>
             <p:sp>
               <p:nvSpPr>
-                <p:cNvPr id="727" name="Line"/>
+                <p:cNvPr id="726" name="Line"/>
                 <p:cNvSpPr/>
                 <p:nvPr/>
               </p:nvSpPr>
@@ -36684,7 +36616,7 @@
             </p:sp>
             <p:sp>
               <p:nvSpPr>
-                <p:cNvPr id="728" name="Line"/>
+                <p:cNvPr id="727" name="Line"/>
                 <p:cNvSpPr/>
                 <p:nvPr/>
               </p:nvSpPr>
@@ -36741,7 +36673,7 @@
             </p:sp>
             <p:sp>
               <p:nvSpPr>
-                <p:cNvPr id="729" name="Line"/>
+                <p:cNvPr id="728" name="Line"/>
                 <p:cNvSpPr/>
                 <p:nvPr/>
               </p:nvSpPr>
@@ -36799,7 +36731,7 @@
             </p:sp>
             <p:sp>
               <p:nvSpPr>
-                <p:cNvPr id="730" name="Line"/>
+                <p:cNvPr id="729" name="Line"/>
                 <p:cNvSpPr/>
                 <p:nvPr/>
               </p:nvSpPr>
@@ -36857,7 +36789,7 @@
             </p:sp>
             <p:sp>
               <p:nvSpPr>
-                <p:cNvPr id="731" name="Line"/>
+                <p:cNvPr id="730" name="Line"/>
                 <p:cNvSpPr/>
                 <p:nvPr/>
               </p:nvSpPr>
@@ -36915,7 +36847,7 @@
             </p:sp>
             <p:sp>
               <p:nvSpPr>
-                <p:cNvPr id="732" name="Line"/>
+                <p:cNvPr id="731" name="Line"/>
                 <p:cNvSpPr/>
                 <p:nvPr/>
               </p:nvSpPr>
@@ -36974,7 +36906,7 @@
           </p:grpSp>
           <p:sp>
             <p:nvSpPr>
-              <p:cNvPr id="734" name="Square"/>
+              <p:cNvPr id="733" name="Square"/>
               <p:cNvSpPr/>
               <p:nvPr/>
             </p:nvSpPr>
@@ -37019,7 +36951,7 @@
           </p:sp>
           <p:sp>
             <p:nvSpPr>
-              <p:cNvPr id="735" name="Square"/>
+              <p:cNvPr id="734" name="Square"/>
               <p:cNvSpPr/>
               <p:nvPr/>
             </p:nvSpPr>
@@ -37064,7 +36996,7 @@
           </p:sp>
           <p:sp>
             <p:nvSpPr>
-              <p:cNvPr id="736" name="Square"/>
+              <p:cNvPr id="735" name="Square"/>
               <p:cNvSpPr/>
               <p:nvPr/>
             </p:nvSpPr>
@@ -37109,7 +37041,7 @@
           </p:sp>
           <p:sp>
             <p:nvSpPr>
-              <p:cNvPr id="737" name="Square"/>
+              <p:cNvPr id="736" name="Square"/>
               <p:cNvSpPr/>
               <p:nvPr/>
             </p:nvSpPr>
@@ -37155,7 +37087,7 @@
         </p:grpSp>
         <p:sp>
           <p:nvSpPr>
-            <p:cNvPr id="739" name="stat"/>
+            <p:cNvPr id="738" name="stat"/>
             <p:cNvSpPr txBox="1"/>
             <p:nvPr/>
           </p:nvSpPr>
@@ -37208,7 +37140,7 @@
         </p:sp>
         <p:grpSp>
           <p:nvGrpSpPr>
-            <p:cNvPr id="744" name="Group"/>
+            <p:cNvPr id="743" name="Group"/>
             <p:cNvGrpSpPr/>
             <p:nvPr/>
           </p:nvGrpSpPr>
@@ -37222,7 +37154,7 @@
           </p:grpSpPr>
           <p:sp>
             <p:nvSpPr>
-              <p:cNvPr id="740" name="Rectangle"/>
+              <p:cNvPr id="739" name="Rectangle"/>
               <p:cNvSpPr/>
               <p:nvPr/>
             </p:nvSpPr>
@@ -37267,7 +37199,7 @@
           </p:sp>
           <p:sp>
             <p:nvSpPr>
-              <p:cNvPr id="741" name="Rectangle"/>
+              <p:cNvPr id="740" name="Rectangle"/>
               <p:cNvSpPr/>
               <p:nvPr/>
             </p:nvSpPr>
@@ -37312,7 +37244,7 @@
           </p:sp>
           <p:sp>
             <p:nvSpPr>
-              <p:cNvPr id="742" name="Rectangle"/>
+              <p:cNvPr id="741" name="Rectangle"/>
               <p:cNvSpPr/>
               <p:nvPr/>
             </p:nvSpPr>
@@ -37357,7 +37289,7 @@
           </p:sp>
           <p:sp>
             <p:nvSpPr>
-              <p:cNvPr id="743" name="Rectangle"/>
+              <p:cNvPr id="742" name="Rectangle"/>
               <p:cNvSpPr/>
               <p:nvPr/>
             </p:nvSpPr>
@@ -37404,7 +37336,7 @@
       </p:grpSp>
       <p:sp>
         <p:nvSpPr>
-          <p:cNvPr id="746" name="Visualize a stat by changing the default stat of a geom function, geom_bar(stat=&quot;count&quot;) or by using a stat function, stat_count(geom=&quot;bar&quot;), which calls a default geom to make a layer (equivalent to a geom function).…"/>
+          <p:cNvPr id="745" name="Visualize a stat by changing the default stat of a geom function, geom_bar(stat=&quot;count&quot;) or by using a stat function, stat_count(geom=&quot;bar&quot;), which calls a default geom to make a layer (equivalent to a geom function).…"/>
           <p:cNvSpPr txBox="1"/>
           <p:nvPr/>
         </p:nvSpPr>
@@ -37508,7 +37440,7 @@
       </p:sp>
       <p:grpSp>
         <p:nvGrpSpPr>
-          <p:cNvPr id="759" name="Group"/>
+          <p:cNvPr id="758" name="Group"/>
           <p:cNvGrpSpPr/>
           <p:nvPr/>
         </p:nvGrpSpPr>
@@ -37522,7 +37454,7 @@
         </p:grpSpPr>
         <p:sp>
           <p:nvSpPr>
-            <p:cNvPr id="747" name="i + stat_density2d(aes(fill = ..level..),…"/>
+            <p:cNvPr id="746" name="i + stat_density2d(aes(fill = ..level..),…"/>
             <p:cNvSpPr txBox="1"/>
             <p:nvPr/>
           </p:nvSpPr>
@@ -37599,7 +37531,7 @@
         </p:sp>
         <p:sp>
           <p:nvSpPr>
-            <p:cNvPr id="748" name="Triangle"/>
+            <p:cNvPr id="747" name="Triangle"/>
             <p:cNvSpPr/>
             <p:nvPr/>
           </p:nvSpPr>
@@ -37675,7 +37607,7 @@
         </p:sp>
         <p:sp>
           <p:nvSpPr>
-            <p:cNvPr id="749" name="stat function"/>
+            <p:cNvPr id="748" name="stat function"/>
             <p:cNvSpPr/>
             <p:nvPr/>
           </p:nvSpPr>
@@ -37740,7 +37672,7 @@
         </p:sp>
         <p:sp>
           <p:nvSpPr>
-            <p:cNvPr id="750" name="Triangle"/>
+            <p:cNvPr id="749" name="Triangle"/>
             <p:cNvSpPr/>
             <p:nvPr/>
           </p:nvSpPr>
@@ -37816,7 +37748,7 @@
         </p:sp>
         <p:sp>
           <p:nvSpPr>
-            <p:cNvPr id="751" name="Triangle"/>
+            <p:cNvPr id="750" name="Triangle"/>
             <p:cNvSpPr/>
             <p:nvPr/>
           </p:nvSpPr>
@@ -37892,7 +37824,7 @@
         </p:sp>
         <p:sp>
           <p:nvSpPr>
-            <p:cNvPr id="752" name="geommappings"/>
+            <p:cNvPr id="751" name="geommappings"/>
             <p:cNvSpPr/>
             <p:nvPr/>
           </p:nvSpPr>
@@ -37957,7 +37889,7 @@
         </p:sp>
         <p:sp>
           <p:nvSpPr>
-            <p:cNvPr id="753" name="variable created by stat"/>
+            <p:cNvPr id="752" name="variable created by stat"/>
             <p:cNvSpPr/>
             <p:nvPr/>
           </p:nvSpPr>
@@ -38022,7 +37954,7 @@
         </p:sp>
         <p:sp>
           <p:nvSpPr>
-            <p:cNvPr id="754" name="Line"/>
+            <p:cNvPr id="753" name="Line"/>
             <p:cNvSpPr/>
             <p:nvPr/>
           </p:nvSpPr>
@@ -38109,7 +38041,7 @@
         </p:sp>
         <p:sp>
           <p:nvSpPr>
-            <p:cNvPr id="755" name="geom to use"/>
+            <p:cNvPr id="754" name="geom to use"/>
             <p:cNvSpPr/>
             <p:nvPr/>
           </p:nvSpPr>
@@ -38174,7 +38106,7 @@
         </p:sp>
         <p:grpSp>
           <p:nvGrpSpPr>
-            <p:cNvPr id="758" name="Group"/>
+            <p:cNvPr id="757" name="Group"/>
             <p:cNvGrpSpPr/>
             <p:nvPr/>
           </p:nvGrpSpPr>
@@ -38188,14 +38120,14 @@
           </p:grpSpPr>
           <p:pic>
             <p:nvPicPr>
-              <p:cNvPr id="756" name="Image" descr="Image"/>
+              <p:cNvPr id="755" name="Image" descr="Image"/>
               <p:cNvPicPr>
                 <a:picLocks noChangeAspect="1"/>
               </p:cNvPicPr>
               <p:nvPr/>
             </p:nvPicPr>
             <p:blipFill>
-              <a:blip r:embed="rId8">
+              <a:blip r:embed="rId5">
                 <a:extLst/>
               </a:blip>
               <a:stretch>
@@ -38219,14 +38151,14 @@
           </p:pic>
           <p:pic>
             <p:nvPicPr>
-              <p:cNvPr id="757" name="Image" descr="Image"/>
+              <p:cNvPr id="756" name="Image" descr="Image"/>
               <p:cNvPicPr>
                 <a:picLocks noChangeAspect="1"/>
               </p:cNvPicPr>
               <p:nvPr/>
             </p:nvPicPr>
             <p:blipFill>
-              <a:blip r:embed="rId9">
+              <a:blip r:embed="rId6">
                 <a:extLst/>
               </a:blip>
               <a:stretch>
@@ -38252,7 +38184,7 @@
       </p:grpSp>
       <p:sp>
         <p:nvSpPr>
-          <p:cNvPr id="760" name="c + stat_bin(binwidth = 1, origin = 10) x, y |  ..count.., ..ncount.., ..density.., ..ndensity..…"/>
+          <p:cNvPr id="759" name="c + stat_bin(binwidth = 1, origin = 10) x, y |  ..count.., ..ncount.., ..density.., ..ndensity..…"/>
           <p:cNvSpPr txBox="1"/>
           <p:nvPr/>
         </p:nvSpPr>
@@ -38936,7 +38868,7 @@
       </p:sp>
       <p:sp>
         <p:nvSpPr>
-          <p:cNvPr id="761" name="Rectangle"/>
+          <p:cNvPr id="760" name="Rectangle"/>
           <p:cNvSpPr/>
           <p:nvPr/>
         </p:nvSpPr>
@@ -38979,7 +38911,7 @@
       </p:sp>
       <p:sp>
         <p:nvSpPr>
-          <p:cNvPr id="762" name="Scales map data values to the visual values of an aesthetic. To change a mapping, add a new scale."/>
+          <p:cNvPr id="761" name="Scales map data values to the visual values of an aesthetic. To change a mapping, add a new scale."/>
           <p:cNvSpPr txBox="1"/>
           <p:nvPr/>
         </p:nvSpPr>
@@ -39031,7 +38963,7 @@
       </p:sp>
       <p:grpSp>
         <p:nvGrpSpPr>
-          <p:cNvPr id="769" name="Group"/>
+          <p:cNvPr id="768" name="Group"/>
           <p:cNvGrpSpPr/>
           <p:nvPr/>
         </p:nvGrpSpPr>
@@ -39045,14 +38977,14 @@
         </p:grpSpPr>
         <p:pic>
           <p:nvPicPr>
-            <p:cNvPr id="763" name="Image" descr="Image"/>
+            <p:cNvPr id="762" name="Image" descr="Image"/>
             <p:cNvPicPr>
               <a:picLocks noChangeAspect="1"/>
             </p:cNvPicPr>
             <p:nvPr/>
           </p:nvPicPr>
           <p:blipFill>
-            <a:blip r:embed="rId8">
+            <a:blip r:embed="rId5">
               <a:extLst/>
             </a:blip>
             <a:stretch>
@@ -39076,7 +39008,7 @@
         </p:pic>
         <p:grpSp>
           <p:nvGrpSpPr>
-            <p:cNvPr id="768" name="Group"/>
+            <p:cNvPr id="767" name="Group"/>
             <p:cNvGrpSpPr/>
             <p:nvPr/>
           </p:nvGrpSpPr>
@@ -39090,7 +39022,7 @@
           </p:grpSpPr>
           <p:sp>
             <p:nvSpPr>
-              <p:cNvPr id="764" name="Rectangle"/>
+              <p:cNvPr id="763" name="Rectangle"/>
               <p:cNvSpPr/>
               <p:nvPr/>
             </p:nvSpPr>
@@ -39135,7 +39067,7 @@
           </p:sp>
           <p:sp>
             <p:nvSpPr>
-              <p:cNvPr id="765" name="Rectangle"/>
+              <p:cNvPr id="764" name="Rectangle"/>
               <p:cNvSpPr/>
               <p:nvPr/>
             </p:nvSpPr>
@@ -39180,7 +39112,7 @@
           </p:sp>
           <p:sp>
             <p:nvSpPr>
-              <p:cNvPr id="766" name="Rectangle"/>
+              <p:cNvPr id="765" name="Rectangle"/>
               <p:cNvSpPr/>
               <p:nvPr/>
             </p:nvSpPr>
@@ -39225,7 +39157,7 @@
           </p:sp>
           <p:sp>
             <p:nvSpPr>
-              <p:cNvPr id="767" name="Rectangle"/>
+              <p:cNvPr id="766" name="Rectangle"/>
               <p:cNvSpPr/>
               <p:nvPr/>
             </p:nvSpPr>
@@ -39272,7 +39204,7 @@
       </p:grpSp>
       <p:sp>
         <p:nvSpPr>
-          <p:cNvPr id="770" name="(n &lt;- d + geom_bar(aes(fill = fl)))"/>
+          <p:cNvPr id="769" name="(n &lt;- d + geom_bar(aes(fill = fl)))"/>
           <p:cNvSpPr txBox="1"/>
           <p:nvPr/>
         </p:nvSpPr>
@@ -39322,7 +39254,7 @@
       </p:sp>
       <p:sp>
         <p:nvSpPr>
-          <p:cNvPr id="771" name="n + scale_fill_manual(…"/>
+          <p:cNvPr id="770" name="n + scale_fill_manual(…"/>
           <p:cNvSpPr txBox="1"/>
           <p:nvPr/>
         </p:nvSpPr>
@@ -39440,7 +39372,7 @@
       </p:sp>
       <p:sp>
         <p:nvSpPr>
-          <p:cNvPr id="772" name="Triangle"/>
+          <p:cNvPr id="771" name="Triangle"/>
           <p:cNvSpPr/>
           <p:nvPr/>
         </p:nvSpPr>
@@ -39512,7 +39444,7 @@
       </p:sp>
       <p:sp>
         <p:nvSpPr>
-          <p:cNvPr id="773" name="Triangle"/>
+          <p:cNvPr id="772" name="Triangle"/>
           <p:cNvSpPr/>
           <p:nvPr/>
         </p:nvSpPr>
@@ -39584,7 +39516,7 @@
       </p:sp>
       <p:sp>
         <p:nvSpPr>
-          <p:cNvPr id="774" name="Triangle"/>
+          <p:cNvPr id="773" name="Triangle"/>
           <p:cNvSpPr/>
           <p:nvPr/>
         </p:nvSpPr>
@@ -39656,7 +39588,7 @@
       </p:sp>
       <p:sp>
         <p:nvSpPr>
-          <p:cNvPr id="775" name="Triangle"/>
+          <p:cNvPr id="774" name="Triangle"/>
           <p:cNvSpPr/>
           <p:nvPr/>
         </p:nvSpPr>
@@ -39728,7 +39660,7 @@
       </p:sp>
       <p:sp>
         <p:nvSpPr>
-          <p:cNvPr id="776" name="Triangle"/>
+          <p:cNvPr id="775" name="Triangle"/>
           <p:cNvSpPr/>
           <p:nvPr/>
         </p:nvSpPr>
@@ -39800,7 +39732,7 @@
       </p:sp>
       <p:sp>
         <p:nvSpPr>
-          <p:cNvPr id="777" name="Triangle"/>
+          <p:cNvPr id="776" name="Triangle"/>
           <p:cNvSpPr/>
           <p:nvPr/>
         </p:nvSpPr>
@@ -39872,7 +39804,7 @@
       </p:sp>
       <p:sp>
         <p:nvSpPr>
-          <p:cNvPr id="778" name="scale_"/>
+          <p:cNvPr id="777" name="scale_"/>
           <p:cNvSpPr/>
           <p:nvPr/>
         </p:nvSpPr>
@@ -39933,7 +39865,7 @@
       </p:sp>
       <p:sp>
         <p:nvSpPr>
-          <p:cNvPr id="779" name="Triangle"/>
+          <p:cNvPr id="778" name="Triangle"/>
           <p:cNvSpPr/>
           <p:nvPr/>
         </p:nvSpPr>
@@ -40005,7 +39937,7 @@
       </p:sp>
       <p:sp>
         <p:nvSpPr>
-          <p:cNvPr id="780" name="Triangle"/>
+          <p:cNvPr id="779" name="Triangle"/>
           <p:cNvSpPr/>
           <p:nvPr/>
         </p:nvSpPr>
@@ -40077,7 +40009,7 @@
       </p:sp>
       <p:sp>
         <p:nvSpPr>
-          <p:cNvPr id="781" name="aesthetic to adjust"/>
+          <p:cNvPr id="780" name="aesthetic to adjust"/>
           <p:cNvSpPr/>
           <p:nvPr/>
         </p:nvSpPr>
@@ -40192,7 +40124,7 @@
       </p:sp>
       <p:sp>
         <p:nvSpPr>
-          <p:cNvPr id="782" name="prepackaged scale to use"/>
+          <p:cNvPr id="781" name="prepackaged scale to use"/>
           <p:cNvSpPr/>
           <p:nvPr/>
         </p:nvSpPr>
@@ -40307,7 +40239,7 @@
       </p:sp>
       <p:sp>
         <p:nvSpPr>
-          <p:cNvPr id="783" name="scale-specific arguments"/>
+          <p:cNvPr id="782" name="scale-specific arguments"/>
           <p:cNvSpPr/>
           <p:nvPr/>
         </p:nvSpPr>
@@ -40422,7 +40354,7 @@
       </p:sp>
       <p:sp>
         <p:nvSpPr>
-          <p:cNvPr id="784" name="title to use in legend/axis"/>
+          <p:cNvPr id="783" name="title to use in legend/axis"/>
           <p:cNvSpPr/>
           <p:nvPr/>
         </p:nvSpPr>
@@ -40537,7 +40469,7 @@
       </p:sp>
       <p:sp>
         <p:nvSpPr>
-          <p:cNvPr id="785" name="labels to use in legend/axis"/>
+          <p:cNvPr id="784" name="labels to use in legend/axis"/>
           <p:cNvSpPr/>
           <p:nvPr/>
         </p:nvSpPr>
@@ -40652,7 +40584,7 @@
       </p:sp>
       <p:sp>
         <p:nvSpPr>
-          <p:cNvPr id="786" name="breaks to use in legend/axis"/>
+          <p:cNvPr id="785" name="breaks to use in legend/axis"/>
           <p:cNvSpPr/>
           <p:nvPr/>
         </p:nvSpPr>
@@ -40767,7 +40699,7 @@
       </p:sp>
       <p:sp>
         <p:nvSpPr>
-          <p:cNvPr id="787" name="range of values to include in mapping"/>
+          <p:cNvPr id="786" name="range of values to include in mapping"/>
           <p:cNvSpPr/>
           <p:nvPr/>
         </p:nvSpPr>
@@ -40882,14 +40814,14 @@
       </p:sp>
       <p:pic>
         <p:nvPicPr>
-          <p:cNvPr id="788" name="Image" descr="Image"/>
+          <p:cNvPr id="787" name="Image" descr="Image"/>
           <p:cNvPicPr>
             <a:picLocks noChangeAspect="1"/>
           </p:cNvPicPr>
           <p:nvPr/>
         </p:nvPicPr>
         <p:blipFill>
-          <a:blip r:embed="rId8">
+          <a:blip r:embed="rId5">
             <a:extLst/>
           </a:blip>
           <a:stretch>
@@ -40911,7 +40843,7 @@
       </p:pic>
       <p:sp>
         <p:nvSpPr>
-          <p:cNvPr id="789" name="Rectangle"/>
+          <p:cNvPr id="788" name="Rectangle"/>
           <p:cNvSpPr/>
           <p:nvPr/>
         </p:nvSpPr>
@@ -40952,7 +40884,7 @@
       </p:sp>
       <p:sp>
         <p:nvSpPr>
-          <p:cNvPr id="790" name="Rectangle"/>
+          <p:cNvPr id="789" name="Rectangle"/>
           <p:cNvSpPr/>
           <p:nvPr/>
         </p:nvSpPr>
@@ -40993,7 +40925,7 @@
       </p:sp>
       <p:sp>
         <p:nvSpPr>
-          <p:cNvPr id="791" name="Rectangle"/>
+          <p:cNvPr id="790" name="Rectangle"/>
           <p:cNvSpPr/>
           <p:nvPr/>
         </p:nvSpPr>
@@ -41034,7 +40966,7 @@
       </p:sp>
       <p:sp>
         <p:nvSpPr>
-          <p:cNvPr id="792" name="Rectangle"/>
+          <p:cNvPr id="791" name="Rectangle"/>
           <p:cNvSpPr/>
           <p:nvPr/>
         </p:nvSpPr>
@@ -41075,7 +41007,7 @@
       </p:sp>
       <p:sp>
         <p:nvSpPr>
-          <p:cNvPr id="793" name="GENERAL PURPOSE SCALES…"/>
+          <p:cNvPr id="792" name="GENERAL PURPOSE SCALES…"/>
           <p:cNvSpPr txBox="1"/>
           <p:nvPr/>
         </p:nvSpPr>
@@ -41289,7 +41221,7 @@
       </p:sp>
       <p:sp>
         <p:nvSpPr>
-          <p:cNvPr id="794" name="X &amp; Y LOCATION SCALES…"/>
+          <p:cNvPr id="793" name="X &amp; Y LOCATION SCALES…"/>
           <p:cNvSpPr txBox="1"/>
           <p:nvPr/>
         </p:nvSpPr>
@@ -41416,7 +41348,7 @@
       </p:sp>
       <p:sp>
         <p:nvSpPr>
-          <p:cNvPr id="795" name="COLOR AND FILL SCALES (DISCRETE)…"/>
+          <p:cNvPr id="794" name="COLOR AND FILL SCALES (DISCRETE)…"/>
           <p:cNvSpPr txBox="1"/>
           <p:nvPr/>
         </p:nvSpPr>
@@ -41551,7 +41483,7 @@
       </p:sp>
       <p:grpSp>
         <p:nvGrpSpPr>
-          <p:cNvPr id="801" name="Group"/>
+          <p:cNvPr id="800" name="Group"/>
           <p:cNvGrpSpPr/>
           <p:nvPr/>
         </p:nvGrpSpPr>
@@ -41565,14 +41497,14 @@
         </p:grpSpPr>
         <p:pic>
           <p:nvPicPr>
-            <p:cNvPr id="796" name="Image" descr="Image"/>
+            <p:cNvPr id="795" name="Image" descr="Image"/>
             <p:cNvPicPr>
               <a:picLocks noChangeAspect="1"/>
             </p:cNvPicPr>
             <p:nvPr/>
           </p:nvPicPr>
           <p:blipFill>
-            <a:blip r:embed="rId8">
+            <a:blip r:embed="rId5">
               <a:extLst/>
             </a:blip>
             <a:stretch>
@@ -41596,7 +41528,7 @@
         </p:pic>
         <p:sp>
           <p:nvSpPr>
-            <p:cNvPr id="797" name="Rectangle"/>
+            <p:cNvPr id="796" name="Rectangle"/>
             <p:cNvSpPr/>
             <p:nvPr/>
           </p:nvSpPr>
@@ -41641,7 +41573,7 @@
         </p:sp>
         <p:sp>
           <p:nvSpPr>
-            <p:cNvPr id="798" name="Rectangle"/>
+            <p:cNvPr id="797" name="Rectangle"/>
             <p:cNvSpPr/>
             <p:nvPr/>
           </p:nvSpPr>
@@ -41686,7 +41618,7 @@
         </p:sp>
         <p:sp>
           <p:nvSpPr>
-            <p:cNvPr id="799" name="Rectangle"/>
+            <p:cNvPr id="798" name="Rectangle"/>
             <p:cNvSpPr/>
             <p:nvPr/>
           </p:nvSpPr>
@@ -41731,7 +41663,7 @@
         </p:sp>
         <p:sp>
           <p:nvSpPr>
-            <p:cNvPr id="800" name="Rectangle"/>
+            <p:cNvPr id="799" name="Rectangle"/>
             <p:cNvSpPr/>
             <p:nvPr/>
           </p:nvSpPr>
@@ -41777,7 +41709,7 @@
       </p:grpSp>
       <p:grpSp>
         <p:nvGrpSpPr>
-          <p:cNvPr id="807" name="Group"/>
+          <p:cNvPr id="806" name="Group"/>
           <p:cNvGrpSpPr/>
           <p:nvPr/>
         </p:nvGrpSpPr>
@@ -41791,14 +41723,14 @@
         </p:grpSpPr>
         <p:pic>
           <p:nvPicPr>
-            <p:cNvPr id="802" name="Image" descr="Image"/>
+            <p:cNvPr id="801" name="Image" descr="Image"/>
             <p:cNvPicPr>
               <a:picLocks noChangeAspect="1"/>
             </p:cNvPicPr>
             <p:nvPr/>
           </p:nvPicPr>
           <p:blipFill>
-            <a:blip r:embed="rId8">
+            <a:blip r:embed="rId5">
               <a:extLst/>
             </a:blip>
             <a:stretch>
@@ -41822,7 +41754,7 @@
         </p:pic>
         <p:sp>
           <p:nvSpPr>
-            <p:cNvPr id="803" name="Rectangle"/>
+            <p:cNvPr id="802" name="Rectangle"/>
             <p:cNvSpPr/>
             <p:nvPr/>
           </p:nvSpPr>
@@ -41867,7 +41799,7 @@
         </p:sp>
         <p:sp>
           <p:nvSpPr>
-            <p:cNvPr id="804" name="Rectangle"/>
+            <p:cNvPr id="803" name="Rectangle"/>
             <p:cNvSpPr/>
             <p:nvPr/>
           </p:nvSpPr>
@@ -41912,7 +41844,7 @@
         </p:sp>
         <p:sp>
           <p:nvSpPr>
-            <p:cNvPr id="805" name="Rectangle"/>
+            <p:cNvPr id="804" name="Rectangle"/>
             <p:cNvSpPr/>
             <p:nvPr/>
           </p:nvSpPr>
@@ -41957,7 +41889,7 @@
         </p:sp>
         <p:sp>
           <p:nvSpPr>
-            <p:cNvPr id="806" name="Rectangle"/>
+            <p:cNvPr id="805" name="Rectangle"/>
             <p:cNvSpPr/>
             <p:nvPr/>
           </p:nvSpPr>
@@ -42003,7 +41935,7 @@
       </p:grpSp>
       <p:sp>
         <p:nvSpPr>
-          <p:cNvPr id="808" name="COLOR AND FILL SCALES (CONTINUOUS)…"/>
+          <p:cNvPr id="807" name="COLOR AND FILL SCALES (CONTINUOUS)…"/>
           <p:cNvSpPr txBox="1"/>
           <p:nvPr/>
         </p:nvSpPr>
@@ -42190,7 +42122,7 @@
       </p:sp>
       <p:grpSp>
         <p:nvGrpSpPr>
-          <p:cNvPr id="811" name="Group"/>
+          <p:cNvPr id="810" name="Group"/>
           <p:cNvGrpSpPr/>
           <p:nvPr/>
         </p:nvGrpSpPr>
@@ -42204,14 +42136,14 @@
         </p:grpSpPr>
         <p:pic>
           <p:nvPicPr>
-            <p:cNvPr id="809" name="Image" descr="Image"/>
+            <p:cNvPr id="808" name="Image" descr="Image"/>
             <p:cNvPicPr>
               <a:picLocks noChangeAspect="1"/>
             </p:cNvPicPr>
             <p:nvPr/>
           </p:nvPicPr>
           <p:blipFill>
-            <a:blip r:embed="rId8">
+            <a:blip r:embed="rId5">
               <a:extLst/>
             </a:blip>
             <a:stretch>
@@ -42235,7 +42167,238 @@
         </p:pic>
         <p:pic>
           <p:nvPicPr>
-            <p:cNvPr id="810" name="Image" descr="Image"/>
+            <p:cNvPr id="809" name="Image" descr="Image"/>
+            <p:cNvPicPr>
+              <a:picLocks noChangeAspect="1"/>
+            </p:cNvPicPr>
+            <p:nvPr/>
+          </p:nvPicPr>
+          <p:blipFill>
+            <a:blip r:embed="rId7">
+              <a:extLst/>
+            </a:blip>
+            <a:stretch>
+              <a:fillRect/>
+            </a:stretch>
+          </p:blipFill>
+          <p:spPr>
+            <a:xfrm>
+              <a:off x="12699" y="58498"/>
+              <a:ext cx="341545" cy="306213"/>
+            </a:xfrm>
+            <a:prstGeom prst="rect">
+              <a:avLst/>
+            </a:prstGeom>
+            <a:ln w="12700" cap="flat">
+              <a:noFill/>
+              <a:miter lim="400000"/>
+            </a:ln>
+            <a:effectLst/>
+          </p:spPr>
+        </p:pic>
+      </p:grpSp>
+      <p:grpSp>
+        <p:nvGrpSpPr>
+          <p:cNvPr id="813" name="Group"/>
+          <p:cNvGrpSpPr/>
+          <p:nvPr/>
+        </p:nvGrpSpPr>
+        <p:grpSpPr>
+          <a:xfrm>
+            <a:off x="3724388" y="7607232"/>
+            <a:ext cx="364615" cy="364712"/>
+            <a:chOff x="0" y="0"/>
+            <a:chExt cx="364614" cy="364710"/>
+          </a:xfrm>
+        </p:grpSpPr>
+        <p:pic>
+          <p:nvPicPr>
+            <p:cNvPr id="811" name="Image" descr="Image"/>
+            <p:cNvPicPr>
+              <a:picLocks noChangeAspect="1"/>
+            </p:cNvPicPr>
+            <p:nvPr/>
+          </p:nvPicPr>
+          <p:blipFill>
+            <a:blip r:embed="rId5">
+              <a:extLst/>
+            </a:blip>
+            <a:stretch>
+              <a:fillRect/>
+            </a:stretch>
+          </p:blipFill>
+          <p:spPr>
+            <a:xfrm>
+              <a:off x="0" y="0"/>
+              <a:ext cx="364615" cy="364711"/>
+            </a:xfrm>
+            <a:prstGeom prst="rect">
+              <a:avLst/>
+            </a:prstGeom>
+            <a:ln w="12700" cap="flat">
+              <a:noFill/>
+              <a:miter lim="400000"/>
+            </a:ln>
+            <a:effectLst/>
+          </p:spPr>
+        </p:pic>
+        <p:pic>
+          <p:nvPicPr>
+            <p:cNvPr id="812" name="Image" descr="Image"/>
+            <p:cNvPicPr>
+              <a:picLocks noChangeAspect="1"/>
+            </p:cNvPicPr>
+            <p:nvPr/>
+          </p:nvPicPr>
+          <p:blipFill>
+            <a:blip r:embed="rId8">
+              <a:extLst/>
+            </a:blip>
+            <a:stretch>
+              <a:fillRect/>
+            </a:stretch>
+          </p:blipFill>
+          <p:spPr>
+            <a:xfrm>
+              <a:off x="12699" y="58498"/>
+              <a:ext cx="341545" cy="306213"/>
+            </a:xfrm>
+            <a:prstGeom prst="rect">
+              <a:avLst/>
+            </a:prstGeom>
+            <a:ln w="12700" cap="flat">
+              <a:noFill/>
+              <a:miter lim="400000"/>
+            </a:ln>
+            <a:effectLst/>
+          </p:spPr>
+        </p:pic>
+      </p:grpSp>
+      <p:grpSp>
+        <p:nvGrpSpPr>
+          <p:cNvPr id="816" name="Group"/>
+          <p:cNvGrpSpPr/>
+          <p:nvPr/>
+        </p:nvGrpSpPr>
+        <p:grpSpPr>
+          <a:xfrm>
+            <a:off x="3724388" y="7993832"/>
+            <a:ext cx="364615" cy="364712"/>
+            <a:chOff x="0" y="0"/>
+            <a:chExt cx="364614" cy="364710"/>
+          </a:xfrm>
+        </p:grpSpPr>
+        <p:pic>
+          <p:nvPicPr>
+            <p:cNvPr id="814" name="Image" descr="Image"/>
+            <p:cNvPicPr>
+              <a:picLocks noChangeAspect="1"/>
+            </p:cNvPicPr>
+            <p:nvPr/>
+          </p:nvPicPr>
+          <p:blipFill>
+            <a:blip r:embed="rId5">
+              <a:extLst/>
+            </a:blip>
+            <a:stretch>
+              <a:fillRect/>
+            </a:stretch>
+          </p:blipFill>
+          <p:spPr>
+            <a:xfrm>
+              <a:off x="0" y="0"/>
+              <a:ext cx="364615" cy="364711"/>
+            </a:xfrm>
+            <a:prstGeom prst="rect">
+              <a:avLst/>
+            </a:prstGeom>
+            <a:ln w="12700" cap="flat">
+              <a:noFill/>
+              <a:miter lim="400000"/>
+            </a:ln>
+            <a:effectLst/>
+          </p:spPr>
+        </p:pic>
+        <p:pic>
+          <p:nvPicPr>
+            <p:cNvPr id="815" name="Image" descr="Image"/>
+            <p:cNvPicPr>
+              <a:picLocks noChangeAspect="1"/>
+            </p:cNvPicPr>
+            <p:nvPr/>
+          </p:nvPicPr>
+          <p:blipFill>
+            <a:blip r:embed="rId9">
+              <a:extLst/>
+            </a:blip>
+            <a:stretch>
+              <a:fillRect/>
+            </a:stretch>
+          </p:blipFill>
+          <p:spPr>
+            <a:xfrm>
+              <a:off x="12699" y="58497"/>
+              <a:ext cx="341545" cy="306214"/>
+            </a:xfrm>
+            <a:prstGeom prst="rect">
+              <a:avLst/>
+            </a:prstGeom>
+            <a:ln w="12700" cap="flat">
+              <a:noFill/>
+              <a:miter lim="400000"/>
+            </a:ln>
+            <a:effectLst/>
+          </p:spPr>
+        </p:pic>
+      </p:grpSp>
+      <p:grpSp>
+        <p:nvGrpSpPr>
+          <p:cNvPr id="819" name="Group"/>
+          <p:cNvGrpSpPr/>
+          <p:nvPr/>
+        </p:nvGrpSpPr>
+        <p:grpSpPr>
+          <a:xfrm>
+            <a:off x="3724388" y="8380432"/>
+            <a:ext cx="364615" cy="364712"/>
+            <a:chOff x="0" y="0"/>
+            <a:chExt cx="364614" cy="364710"/>
+          </a:xfrm>
+        </p:grpSpPr>
+        <p:pic>
+          <p:nvPicPr>
+            <p:cNvPr id="817" name="Image" descr="Image"/>
+            <p:cNvPicPr>
+              <a:picLocks noChangeAspect="1"/>
+            </p:cNvPicPr>
+            <p:nvPr/>
+          </p:nvPicPr>
+          <p:blipFill>
+            <a:blip r:embed="rId5">
+              <a:extLst/>
+            </a:blip>
+            <a:stretch>
+              <a:fillRect/>
+            </a:stretch>
+          </p:blipFill>
+          <p:spPr>
+            <a:xfrm>
+              <a:off x="0" y="0"/>
+              <a:ext cx="364615" cy="364711"/>
+            </a:xfrm>
+            <a:prstGeom prst="rect">
+              <a:avLst/>
+            </a:prstGeom>
+            <a:ln w="12700" cap="flat">
+              <a:noFill/>
+              <a:miter lim="400000"/>
+            </a:ln>
+            <a:effectLst/>
+          </p:spPr>
+        </p:pic>
+        <p:pic>
+          <p:nvPicPr>
+            <p:cNvPr id="818" name="Image" descr="Image"/>
             <p:cNvPicPr>
               <a:picLocks noChangeAspect="1"/>
             </p:cNvPicPr>
@@ -42265,240 +42428,9 @@
           </p:spPr>
         </p:pic>
       </p:grpSp>
-      <p:grpSp>
-        <p:nvGrpSpPr>
-          <p:cNvPr id="814" name="Group"/>
-          <p:cNvGrpSpPr/>
-          <p:nvPr/>
-        </p:nvGrpSpPr>
-        <p:grpSpPr>
-          <a:xfrm>
-            <a:off x="3724388" y="7607232"/>
-            <a:ext cx="364615" cy="364712"/>
-            <a:chOff x="0" y="0"/>
-            <a:chExt cx="364614" cy="364710"/>
-          </a:xfrm>
-        </p:grpSpPr>
-        <p:pic>
-          <p:nvPicPr>
-            <p:cNvPr id="812" name="Image" descr="Image"/>
-            <p:cNvPicPr>
-              <a:picLocks noChangeAspect="1"/>
-            </p:cNvPicPr>
-            <p:nvPr/>
-          </p:nvPicPr>
-          <p:blipFill>
-            <a:blip r:embed="rId8">
-              <a:extLst/>
-            </a:blip>
-            <a:stretch>
-              <a:fillRect/>
-            </a:stretch>
-          </p:blipFill>
-          <p:spPr>
-            <a:xfrm>
-              <a:off x="0" y="0"/>
-              <a:ext cx="364615" cy="364711"/>
-            </a:xfrm>
-            <a:prstGeom prst="rect">
-              <a:avLst/>
-            </a:prstGeom>
-            <a:ln w="12700" cap="flat">
-              <a:noFill/>
-              <a:miter lim="400000"/>
-            </a:ln>
-            <a:effectLst/>
-          </p:spPr>
-        </p:pic>
-        <p:pic>
-          <p:nvPicPr>
-            <p:cNvPr id="813" name="Image" descr="Image"/>
-            <p:cNvPicPr>
-              <a:picLocks noChangeAspect="1"/>
-            </p:cNvPicPr>
-            <p:nvPr/>
-          </p:nvPicPr>
-          <p:blipFill>
-            <a:blip r:embed="rId11">
-              <a:extLst/>
-            </a:blip>
-            <a:stretch>
-              <a:fillRect/>
-            </a:stretch>
-          </p:blipFill>
-          <p:spPr>
-            <a:xfrm>
-              <a:off x="12699" y="58498"/>
-              <a:ext cx="341545" cy="306213"/>
-            </a:xfrm>
-            <a:prstGeom prst="rect">
-              <a:avLst/>
-            </a:prstGeom>
-            <a:ln w="12700" cap="flat">
-              <a:noFill/>
-              <a:miter lim="400000"/>
-            </a:ln>
-            <a:effectLst/>
-          </p:spPr>
-        </p:pic>
-      </p:grpSp>
-      <p:grpSp>
-        <p:nvGrpSpPr>
-          <p:cNvPr id="817" name="Group"/>
-          <p:cNvGrpSpPr/>
-          <p:nvPr/>
-        </p:nvGrpSpPr>
-        <p:grpSpPr>
-          <a:xfrm>
-            <a:off x="3724388" y="7993832"/>
-            <a:ext cx="364615" cy="364712"/>
-            <a:chOff x="0" y="0"/>
-            <a:chExt cx="364614" cy="364710"/>
-          </a:xfrm>
-        </p:grpSpPr>
-        <p:pic>
-          <p:nvPicPr>
-            <p:cNvPr id="815" name="Image" descr="Image"/>
-            <p:cNvPicPr>
-              <a:picLocks noChangeAspect="1"/>
-            </p:cNvPicPr>
-            <p:nvPr/>
-          </p:nvPicPr>
-          <p:blipFill>
-            <a:blip r:embed="rId8">
-              <a:extLst/>
-            </a:blip>
-            <a:stretch>
-              <a:fillRect/>
-            </a:stretch>
-          </p:blipFill>
-          <p:spPr>
-            <a:xfrm>
-              <a:off x="0" y="0"/>
-              <a:ext cx="364615" cy="364711"/>
-            </a:xfrm>
-            <a:prstGeom prst="rect">
-              <a:avLst/>
-            </a:prstGeom>
-            <a:ln w="12700" cap="flat">
-              <a:noFill/>
-              <a:miter lim="400000"/>
-            </a:ln>
-            <a:effectLst/>
-          </p:spPr>
-        </p:pic>
-        <p:pic>
-          <p:nvPicPr>
-            <p:cNvPr id="816" name="Image" descr="Image"/>
-            <p:cNvPicPr>
-              <a:picLocks noChangeAspect="1"/>
-            </p:cNvPicPr>
-            <p:nvPr/>
-          </p:nvPicPr>
-          <p:blipFill>
-            <a:blip r:embed="rId12">
-              <a:extLst/>
-            </a:blip>
-            <a:stretch>
-              <a:fillRect/>
-            </a:stretch>
-          </p:blipFill>
-          <p:spPr>
-            <a:xfrm>
-              <a:off x="12699" y="58497"/>
-              <a:ext cx="341545" cy="306214"/>
-            </a:xfrm>
-            <a:prstGeom prst="rect">
-              <a:avLst/>
-            </a:prstGeom>
-            <a:ln w="12700" cap="flat">
-              <a:noFill/>
-              <a:miter lim="400000"/>
-            </a:ln>
-            <a:effectLst/>
-          </p:spPr>
-        </p:pic>
-      </p:grpSp>
-      <p:grpSp>
-        <p:nvGrpSpPr>
-          <p:cNvPr id="820" name="Group"/>
-          <p:cNvGrpSpPr/>
-          <p:nvPr/>
-        </p:nvGrpSpPr>
-        <p:grpSpPr>
-          <a:xfrm>
-            <a:off x="3724388" y="8380432"/>
-            <a:ext cx="364615" cy="364712"/>
-            <a:chOff x="0" y="0"/>
-            <a:chExt cx="364614" cy="364710"/>
-          </a:xfrm>
-        </p:grpSpPr>
-        <p:pic>
-          <p:nvPicPr>
-            <p:cNvPr id="818" name="Image" descr="Image"/>
-            <p:cNvPicPr>
-              <a:picLocks noChangeAspect="1"/>
-            </p:cNvPicPr>
-            <p:nvPr/>
-          </p:nvPicPr>
-          <p:blipFill>
-            <a:blip r:embed="rId8">
-              <a:extLst/>
-            </a:blip>
-            <a:stretch>
-              <a:fillRect/>
-            </a:stretch>
-          </p:blipFill>
-          <p:spPr>
-            <a:xfrm>
-              <a:off x="0" y="0"/>
-              <a:ext cx="364615" cy="364711"/>
-            </a:xfrm>
-            <a:prstGeom prst="rect">
-              <a:avLst/>
-            </a:prstGeom>
-            <a:ln w="12700" cap="flat">
-              <a:noFill/>
-              <a:miter lim="400000"/>
-            </a:ln>
-            <a:effectLst/>
-          </p:spPr>
-        </p:pic>
-        <p:pic>
-          <p:nvPicPr>
-            <p:cNvPr id="819" name="Image" descr="Image"/>
-            <p:cNvPicPr>
-              <a:picLocks noChangeAspect="1"/>
-            </p:cNvPicPr>
-            <p:nvPr/>
-          </p:nvPicPr>
-          <p:blipFill>
-            <a:blip r:embed="rId13">
-              <a:extLst/>
-            </a:blip>
-            <a:stretch>
-              <a:fillRect/>
-            </a:stretch>
-          </p:blipFill>
-          <p:spPr>
-            <a:xfrm>
-              <a:off x="12699" y="58498"/>
-              <a:ext cx="341545" cy="306213"/>
-            </a:xfrm>
-            <a:prstGeom prst="rect">
-              <a:avLst/>
-            </a:prstGeom>
-            <a:ln w="12700" cap="flat">
-              <a:noFill/>
-              <a:miter lim="400000"/>
-            </a:ln>
-            <a:effectLst/>
-          </p:spPr>
-        </p:pic>
-      </p:grpSp>
       <p:sp>
         <p:nvSpPr>
-          <p:cNvPr id="821" name="SHAPE AND SIZE SCALES…"/>
+          <p:cNvPr id="820" name="SHAPE AND SIZE SCALES…"/>
           <p:cNvSpPr txBox="1"/>
           <p:nvPr/>
         </p:nvSpPr>
@@ -42694,14 +42626,14 @@
       </p:sp>
       <p:pic>
         <p:nvPicPr>
-          <p:cNvPr id="822" name="Image" descr="Image"/>
+          <p:cNvPr id="821" name="Image" descr="Image"/>
           <p:cNvPicPr>
             <a:picLocks noChangeAspect="1"/>
           </p:cNvPicPr>
           <p:nvPr/>
         </p:nvPicPr>
         <p:blipFill>
-          <a:blip r:embed="rId14">
+          <a:blip r:embed="rId11">
             <a:extLst/>
           </a:blip>
           <a:stretch>
@@ -42723,14 +42655,14 @@
       </p:pic>
       <p:pic>
         <p:nvPicPr>
-          <p:cNvPr id="823" name="Image" descr="Image"/>
+          <p:cNvPr id="822" name="Image" descr="Image"/>
           <p:cNvPicPr>
             <a:picLocks noChangeAspect="1"/>
           </p:cNvPicPr>
           <p:nvPr/>
         </p:nvPicPr>
         <p:blipFill>
-          <a:blip r:embed="rId8">
+          <a:blip r:embed="rId5">
             <a:extLst/>
           </a:blip>
           <a:stretch>
@@ -42752,7 +42684,7 @@
       </p:pic>
       <p:grpSp>
         <p:nvGrpSpPr>
-          <p:cNvPr id="826" name="Group"/>
+          <p:cNvPr id="825" name="Group"/>
           <p:cNvGrpSpPr/>
           <p:nvPr/>
         </p:nvGrpSpPr>
@@ -42766,14 +42698,14 @@
         </p:grpSpPr>
         <p:pic>
           <p:nvPicPr>
-            <p:cNvPr id="824" name="Image" descr="Image"/>
+            <p:cNvPr id="823" name="Image" descr="Image"/>
             <p:cNvPicPr>
               <a:picLocks noChangeAspect="1"/>
             </p:cNvPicPr>
             <p:nvPr/>
           </p:nvPicPr>
           <p:blipFill>
-            <a:blip r:embed="rId8">
+            <a:blip r:embed="rId5">
               <a:extLst/>
             </a:blip>
             <a:stretch>
@@ -42797,14 +42729,14 @@
         </p:pic>
         <p:pic>
           <p:nvPicPr>
-            <p:cNvPr id="825" name="Image" descr="Image"/>
+            <p:cNvPr id="824" name="Image" descr="Image"/>
             <p:cNvPicPr>
               <a:picLocks noChangeAspect="1"/>
             </p:cNvPicPr>
             <p:nvPr/>
           </p:nvPicPr>
           <p:blipFill>
-            <a:blip r:embed="rId15">
+            <a:blip r:embed="rId12">
               <a:extLst/>
             </a:blip>
             <a:stretch>
@@ -42829,14 +42761,14 @@
       </p:grpSp>
       <p:pic>
         <p:nvPicPr>
-          <p:cNvPr id="827" name="Image" descr="Image"/>
+          <p:cNvPr id="826" name="Image" descr="Image"/>
           <p:cNvPicPr>
             <a:picLocks noChangeAspect="1"/>
           </p:cNvPicPr>
           <p:nvPr/>
         </p:nvPicPr>
         <p:blipFill>
-          <a:blip r:embed="rId16">
+          <a:blip r:embed="rId13">
             <a:extLst/>
           </a:blip>
           <a:stretch>
@@ -42858,7 +42790,7 @@
       </p:pic>
       <p:sp>
         <p:nvSpPr>
-          <p:cNvPr id="828" name="r &lt;- d + geom_bar()…"/>
+          <p:cNvPr id="827" name="r &lt;- d + geom_bar()…"/>
           <p:cNvSpPr txBox="1"/>
           <p:nvPr/>
         </p:nvSpPr>
@@ -43201,7 +43133,7 @@
       </p:sp>
       <p:grpSp>
         <p:nvGrpSpPr>
-          <p:cNvPr id="835" name="Group"/>
+          <p:cNvPr id="834" name="Group"/>
           <p:cNvGrpSpPr/>
           <p:nvPr/>
         </p:nvGrpSpPr>
@@ -43215,14 +43147,14 @@
         </p:grpSpPr>
         <p:pic>
           <p:nvPicPr>
-            <p:cNvPr id="829" name="Image" descr="Image"/>
+            <p:cNvPr id="828" name="Image" descr="Image"/>
             <p:cNvPicPr>
               <a:picLocks noChangeAspect="1"/>
             </p:cNvPicPr>
             <p:nvPr/>
           </p:nvPicPr>
           <p:blipFill>
-            <a:blip r:embed="rId8">
+            <a:blip r:embed="rId5">
               <a:extLst/>
             </a:blip>
             <a:stretch>
@@ -43246,7 +43178,7 @@
         </p:pic>
         <p:grpSp>
           <p:nvGrpSpPr>
-            <p:cNvPr id="834" name="Group"/>
+            <p:cNvPr id="833" name="Group"/>
             <p:cNvGrpSpPr/>
             <p:nvPr/>
           </p:nvGrpSpPr>
@@ -43260,7 +43192,7 @@
           </p:grpSpPr>
           <p:sp>
             <p:nvSpPr>
-              <p:cNvPr id="830" name="Rectangle"/>
+              <p:cNvPr id="829" name="Rectangle"/>
               <p:cNvSpPr/>
               <p:nvPr/>
             </p:nvSpPr>
@@ -43305,7 +43237,7 @@
           </p:sp>
           <p:sp>
             <p:nvSpPr>
-              <p:cNvPr id="831" name="Rectangle"/>
+              <p:cNvPr id="830" name="Rectangle"/>
               <p:cNvSpPr/>
               <p:nvPr/>
             </p:nvSpPr>
@@ -43350,7 +43282,7 @@
           </p:sp>
           <p:sp>
             <p:nvSpPr>
-              <p:cNvPr id="832" name="Rectangle"/>
+              <p:cNvPr id="831" name="Rectangle"/>
               <p:cNvSpPr/>
               <p:nvPr/>
             </p:nvSpPr>
@@ -43395,7 +43327,7 @@
           </p:sp>
           <p:sp>
             <p:nvSpPr>
-              <p:cNvPr id="833" name="Rectangle"/>
+              <p:cNvPr id="832" name="Rectangle"/>
               <p:cNvSpPr/>
               <p:nvPr/>
             </p:nvSpPr>
@@ -43442,7 +43374,7 @@
       </p:grpSp>
       <p:grpSp>
         <p:nvGrpSpPr>
-          <p:cNvPr id="842" name="Group"/>
+          <p:cNvPr id="841" name="Group"/>
           <p:cNvGrpSpPr/>
           <p:nvPr/>
         </p:nvGrpSpPr>
@@ -43456,14 +43388,14 @@
         </p:grpSpPr>
         <p:pic>
           <p:nvPicPr>
-            <p:cNvPr id="836" name="Image" descr="Image"/>
+            <p:cNvPr id="835" name="Image" descr="Image"/>
             <p:cNvPicPr>
               <a:picLocks noChangeAspect="1"/>
             </p:cNvPicPr>
             <p:nvPr/>
           </p:nvPicPr>
           <p:blipFill>
-            <a:blip r:embed="rId8">
+            <a:blip r:embed="rId5">
               <a:extLst/>
             </a:blip>
             <a:stretch>
@@ -43487,7 +43419,7 @@
         </p:pic>
         <p:grpSp>
           <p:nvGrpSpPr>
-            <p:cNvPr id="841" name="Group"/>
+            <p:cNvPr id="840" name="Group"/>
             <p:cNvGrpSpPr/>
             <p:nvPr/>
           </p:nvGrpSpPr>
@@ -43501,7 +43433,7 @@
           </p:grpSpPr>
           <p:sp>
             <p:nvSpPr>
-              <p:cNvPr id="837" name="Rectangle"/>
+              <p:cNvPr id="836" name="Rectangle"/>
               <p:cNvSpPr/>
               <p:nvPr/>
             </p:nvSpPr>
@@ -43546,7 +43478,7 @@
           </p:sp>
           <p:sp>
             <p:nvSpPr>
-              <p:cNvPr id="838" name="Rectangle"/>
+              <p:cNvPr id="837" name="Rectangle"/>
               <p:cNvSpPr/>
               <p:nvPr/>
             </p:nvSpPr>
@@ -43591,7 +43523,7 @@
           </p:sp>
           <p:sp>
             <p:nvSpPr>
-              <p:cNvPr id="839" name="Rectangle"/>
+              <p:cNvPr id="838" name="Rectangle"/>
               <p:cNvSpPr/>
               <p:nvPr/>
             </p:nvSpPr>
@@ -43636,7 +43568,7 @@
           </p:sp>
           <p:sp>
             <p:nvSpPr>
-              <p:cNvPr id="840" name="Rectangle"/>
+              <p:cNvPr id="839" name="Rectangle"/>
               <p:cNvSpPr/>
               <p:nvPr/>
             </p:nvSpPr>
@@ -43683,14 +43615,14 @@
       </p:grpSp>
       <p:pic>
         <p:nvPicPr>
-          <p:cNvPr id="843" name="Image" descr="Image"/>
+          <p:cNvPr id="842" name="Image" descr="Image"/>
           <p:cNvPicPr>
             <a:picLocks noChangeAspect="1"/>
           </p:cNvPicPr>
           <p:nvPr/>
         </p:nvPicPr>
         <p:blipFill>
-          <a:blip r:embed="rId17">
+          <a:blip r:embed="rId14">
             <a:extLst/>
           </a:blip>
           <a:stretch>
@@ -43712,14 +43644,14 @@
       </p:pic>
       <p:pic>
         <p:nvPicPr>
-          <p:cNvPr id="844" name="Image" descr="Image"/>
+          <p:cNvPr id="843" name="Image" descr="Image"/>
           <p:cNvPicPr>
             <a:picLocks noChangeAspect="1"/>
           </p:cNvPicPr>
           <p:nvPr/>
         </p:nvPicPr>
         <p:blipFill>
-          <a:blip r:embed="rId18">
+          <a:blip r:embed="rId15">
             <a:extLst/>
           </a:blip>
           <a:stretch>
@@ -43741,14 +43673,14 @@
       </p:pic>
       <p:pic>
         <p:nvPicPr>
-          <p:cNvPr id="845" name="Image" descr="Image"/>
+          <p:cNvPr id="844" name="Image" descr="Image"/>
           <p:cNvPicPr>
             <a:picLocks noChangeAspect="1"/>
           </p:cNvPicPr>
           <p:nvPr/>
         </p:nvPicPr>
         <p:blipFill>
-          <a:blip r:embed="rId19">
+          <a:blip r:embed="rId16">
             <a:extLst/>
           </a:blip>
           <a:stretch>
@@ -43770,14 +43702,14 @@
       </p:pic>
       <p:pic>
         <p:nvPicPr>
-          <p:cNvPr id="846" name="Rplot03.pdf" descr="Rplot03.pdf"/>
+          <p:cNvPr id="845" name="Rplot03.pdf" descr="Rplot03.pdf"/>
           <p:cNvPicPr>
             <a:picLocks noChangeAspect="1"/>
           </p:cNvPicPr>
           <p:nvPr/>
         </p:nvPicPr>
         <p:blipFill>
-          <a:blip r:embed="rId20">
+          <a:blip r:embed="rId17">
             <a:alphaModFix amt="39628"/>
             <a:extLst/>
           </a:blip>
@@ -43841,7 +43773,7 @@
       </p:pic>
       <p:sp>
         <p:nvSpPr>
-          <p:cNvPr id="847" name="Position Adjustments"/>
+          <p:cNvPr id="846" name="Position Adjustments"/>
           <p:cNvSpPr txBox="1"/>
           <p:nvPr/>
         </p:nvSpPr>
@@ -43889,7 +43821,7 @@
       </p:sp>
       <p:sp>
         <p:nvSpPr>
-          <p:cNvPr id="848" name="Position adjustments determine how to arrange geoms that would otherwise occupy the same space.…"/>
+          <p:cNvPr id="847" name="Position adjustments determine how to arrange geoms that would otherwise occupy the same space.…"/>
           <p:cNvSpPr txBox="1"/>
           <p:nvPr/>
         </p:nvSpPr>
@@ -44162,14 +44094,14 @@
       </p:sp>
       <p:pic>
         <p:nvPicPr>
-          <p:cNvPr id="849" name="Image" descr="Image"/>
+          <p:cNvPr id="848" name="Image" descr="Image"/>
           <p:cNvPicPr>
             <a:picLocks noChangeAspect="1"/>
           </p:cNvPicPr>
           <p:nvPr/>
         </p:nvPicPr>
         <p:blipFill>
-          <a:blip r:embed="rId21">
+          <a:blip r:embed="rId18">
             <a:extLst/>
           </a:blip>
           <a:stretch>
@@ -44191,14 +44123,14 @@
       </p:pic>
       <p:pic>
         <p:nvPicPr>
-          <p:cNvPr id="850" name="Image" descr="Image"/>
+          <p:cNvPr id="849" name="Image" descr="Image"/>
           <p:cNvPicPr>
             <a:picLocks noChangeAspect="1"/>
           </p:cNvPicPr>
           <p:nvPr/>
         </p:nvPicPr>
         <p:blipFill>
-          <a:blip r:embed="rId22">
+          <a:blip r:embed="rId19">
             <a:extLst/>
           </a:blip>
           <a:stretch>
@@ -44220,14 +44152,14 @@
       </p:pic>
       <p:pic>
         <p:nvPicPr>
-          <p:cNvPr id="851" name="Image" descr="Image"/>
+          <p:cNvPr id="850" name="Image" descr="Image"/>
           <p:cNvPicPr>
             <a:picLocks noChangeAspect="1"/>
           </p:cNvPicPr>
           <p:nvPr/>
         </p:nvPicPr>
         <p:blipFill>
-          <a:blip r:embed="rId23">
+          <a:blip r:embed="rId20">
             <a:extLst/>
           </a:blip>
           <a:stretch>
@@ -44249,14 +44181,14 @@
       </p:pic>
       <p:pic>
         <p:nvPicPr>
-          <p:cNvPr id="852" name="Image" descr="Image"/>
+          <p:cNvPr id="851" name="Image" descr="Image"/>
           <p:cNvPicPr>
             <a:picLocks noChangeAspect="1"/>
           </p:cNvPicPr>
           <p:nvPr/>
         </p:nvPicPr>
         <p:blipFill>
-          <a:blip r:embed="rId24">
+          <a:blip r:embed="rId21">
             <a:extLst/>
           </a:blip>
           <a:stretch>
@@ -44278,14 +44210,14 @@
       </p:pic>
       <p:pic>
         <p:nvPicPr>
-          <p:cNvPr id="853" name="Image" descr="Image"/>
+          <p:cNvPr id="852" name="Image" descr="Image"/>
           <p:cNvPicPr>
             <a:picLocks noChangeAspect="1"/>
           </p:cNvPicPr>
           <p:nvPr/>
         </p:nvPicPr>
         <p:blipFill>
-          <a:blip r:embed="rId25">
+          <a:blip r:embed="rId22">
             <a:extLst/>
           </a:blip>
           <a:stretch>
@@ -44307,7 +44239,7 @@
       </p:pic>
       <p:sp>
         <p:nvSpPr>
-          <p:cNvPr id="854" name="Line"/>
+          <p:cNvPr id="853" name="Line"/>
           <p:cNvSpPr/>
           <p:nvPr/>
         </p:nvSpPr>
@@ -44350,7 +44282,7 @@
       </p:sp>
       <p:sp>
         <p:nvSpPr>
-          <p:cNvPr id="855" name="Line"/>
+          <p:cNvPr id="854" name="Line"/>
           <p:cNvSpPr/>
           <p:nvPr/>
         </p:nvSpPr>
@@ -44391,7 +44323,7 @@
       </p:sp>
       <p:sp>
         <p:nvSpPr>
-          <p:cNvPr id="856" name="Line"/>
+          <p:cNvPr id="855" name="Line"/>
           <p:cNvSpPr/>
           <p:nvPr/>
         </p:nvSpPr>
@@ -44434,7 +44366,7 @@
       </p:sp>
       <p:sp>
         <p:nvSpPr>
-          <p:cNvPr id="857" name="Line"/>
+          <p:cNvPr id="856" name="Line"/>
           <p:cNvSpPr/>
           <p:nvPr/>
         </p:nvSpPr>
@@ -44477,7 +44409,7 @@
       </p:sp>
       <p:sp>
         <p:nvSpPr>
-          <p:cNvPr id="858" name="Line"/>
+          <p:cNvPr id="857" name="Line"/>
           <p:cNvSpPr/>
           <p:nvPr/>
         </p:nvSpPr>
@@ -44520,7 +44452,7 @@
       </p:sp>
       <p:sp>
         <p:nvSpPr>
-          <p:cNvPr id="859" name="Line"/>
+          <p:cNvPr id="858" name="Line"/>
           <p:cNvSpPr/>
           <p:nvPr/>
         </p:nvSpPr>
@@ -44563,7 +44495,7 @@
       </p:sp>
       <p:sp>
         <p:nvSpPr>
-          <p:cNvPr id="860" name="Line"/>
+          <p:cNvPr id="859" name="Line"/>
           <p:cNvSpPr/>
           <p:nvPr/>
         </p:nvSpPr>
@@ -44606,7 +44538,7 @@
       </p:sp>
       <p:sp>
         <p:nvSpPr>
-          <p:cNvPr id="861" name="Line"/>
+          <p:cNvPr id="860" name="Line"/>
           <p:cNvSpPr/>
           <p:nvPr/>
         </p:nvSpPr>
@@ -44649,7 +44581,7 @@
       </p:sp>
       <p:sp>
         <p:nvSpPr>
-          <p:cNvPr id="862" name="Line"/>
+          <p:cNvPr id="861" name="Line"/>
           <p:cNvSpPr/>
           <p:nvPr/>
         </p:nvSpPr>
@@ -44692,7 +44624,7 @@
       </p:sp>
       <p:sp>
         <p:nvSpPr>
-          <p:cNvPr id="863" name="Line"/>
+          <p:cNvPr id="862" name="Line"/>
           <p:cNvSpPr/>
           <p:nvPr/>
         </p:nvSpPr>
@@ -44735,7 +44667,7 @@
       </p:sp>
       <p:sp>
         <p:nvSpPr>
-          <p:cNvPr id="864" name="Line"/>
+          <p:cNvPr id="863" name="Line"/>
           <p:cNvSpPr/>
           <p:nvPr/>
         </p:nvSpPr>
@@ -44778,7 +44710,7 @@
       </p:sp>
       <p:sp>
         <p:nvSpPr>
-          <p:cNvPr id="865" name="Themes"/>
+          <p:cNvPr id="864" name="Themes"/>
           <p:cNvSpPr txBox="1"/>
           <p:nvPr/>
         </p:nvSpPr>
@@ -44826,7 +44758,7 @@
       </p:sp>
       <p:sp>
         <p:nvSpPr>
-          <p:cNvPr id="866" name="r + theme_bw() White background with grid lines…"/>
+          <p:cNvPr id="865" name="r + theme_bw() White background with grid lines…"/>
           <p:cNvSpPr txBox="1"/>
           <p:nvPr/>
         </p:nvSpPr>
@@ -44933,7 +44865,7 @@
       </p:sp>
       <p:sp>
         <p:nvSpPr>
-          <p:cNvPr id="867" name="Line"/>
+          <p:cNvPr id="866" name="Line"/>
           <p:cNvSpPr/>
           <p:nvPr/>
         </p:nvSpPr>
@@ -44974,7 +44906,7 @@
       </p:sp>
       <p:sp>
         <p:nvSpPr>
-          <p:cNvPr id="868" name="r + theme_classic()…"/>
+          <p:cNvPr id="867" name="r + theme_classic()…"/>
           <p:cNvSpPr txBox="1"/>
           <p:nvPr/>
         </p:nvSpPr>
@@ -45104,14 +45036,14 @@
       </p:sp>
       <p:pic>
         <p:nvPicPr>
-          <p:cNvPr id="869" name="Image" descr="Image"/>
+          <p:cNvPr id="868" name="Image" descr="Image"/>
           <p:cNvPicPr>
             <a:picLocks noChangeAspect="1"/>
           </p:cNvPicPr>
           <p:nvPr/>
         </p:nvPicPr>
         <p:blipFill>
-          <a:blip r:embed="rId26">
+          <a:blip r:embed="rId23">
             <a:extLst/>
           </a:blip>
           <a:stretch>
@@ -45133,14 +45065,14 @@
       </p:pic>
       <p:pic>
         <p:nvPicPr>
-          <p:cNvPr id="870" name="Image" descr="Image"/>
+          <p:cNvPr id="869" name="Image" descr="Image"/>
           <p:cNvPicPr>
             <a:picLocks noChangeAspect="1"/>
           </p:cNvPicPr>
           <p:nvPr/>
         </p:nvPicPr>
         <p:blipFill>
-          <a:blip r:embed="rId27">
+          <a:blip r:embed="rId24">
             <a:extLst/>
           </a:blip>
           <a:stretch>
@@ -45162,14 +45094,14 @@
       </p:pic>
       <p:pic>
         <p:nvPicPr>
-          <p:cNvPr id="871" name="Image" descr="Image"/>
+          <p:cNvPr id="870" name="Image" descr="Image"/>
           <p:cNvPicPr>
             <a:picLocks noChangeAspect="1"/>
           </p:cNvPicPr>
           <p:nvPr/>
         </p:nvPicPr>
         <p:blipFill>
-          <a:blip r:embed="rId28">
+          <a:blip r:embed="rId25">
             <a:extLst/>
           </a:blip>
           <a:stretch>
@@ -45191,14 +45123,14 @@
       </p:pic>
       <p:pic>
         <p:nvPicPr>
-          <p:cNvPr id="872" name="Image" descr="Image"/>
+          <p:cNvPr id="871" name="Image" descr="Image"/>
           <p:cNvPicPr>
             <a:picLocks noChangeAspect="1"/>
           </p:cNvPicPr>
           <p:nvPr/>
         </p:nvPicPr>
         <p:blipFill>
-          <a:blip r:embed="rId29">
+          <a:blip r:embed="rId26">
             <a:extLst/>
           </a:blip>
           <a:stretch>
@@ -45220,14 +45152,14 @@
       </p:pic>
       <p:pic>
         <p:nvPicPr>
-          <p:cNvPr id="873" name="Image" descr="Image"/>
+          <p:cNvPr id="872" name="Image" descr="Image"/>
           <p:cNvPicPr>
             <a:picLocks noChangeAspect="1"/>
           </p:cNvPicPr>
           <p:nvPr/>
         </p:nvPicPr>
         <p:blipFill>
-          <a:blip r:embed="rId30">
+          <a:blip r:embed="rId27">
             <a:extLst/>
           </a:blip>
           <a:stretch>
@@ -45249,14 +45181,14 @@
       </p:pic>
       <p:pic>
         <p:nvPicPr>
-          <p:cNvPr id="874" name="Image" descr="Image"/>
+          <p:cNvPr id="873" name="Image" descr="Image"/>
           <p:cNvPicPr>
             <a:picLocks noChangeAspect="1"/>
           </p:cNvPicPr>
           <p:nvPr/>
         </p:nvPicPr>
         <p:blipFill>
-          <a:blip r:embed="rId31">
+          <a:blip r:embed="rId28">
             <a:extLst/>
           </a:blip>
           <a:stretch>
@@ -45278,7 +45210,7 @@
       </p:pic>
       <p:sp>
         <p:nvSpPr>
-          <p:cNvPr id="875" name="Line"/>
+          <p:cNvPr id="874" name="Line"/>
           <p:cNvSpPr/>
           <p:nvPr/>
         </p:nvSpPr>
@@ -45321,7 +45253,7 @@
       </p:sp>
       <p:sp>
         <p:nvSpPr>
-          <p:cNvPr id="876" name="Faceting"/>
+          <p:cNvPr id="875" name="Faceting"/>
           <p:cNvSpPr txBox="1"/>
           <p:nvPr/>
         </p:nvSpPr>
@@ -45369,7 +45301,7 @@
       </p:sp>
       <p:sp>
         <p:nvSpPr>
-          <p:cNvPr id="877" name="Line"/>
+          <p:cNvPr id="876" name="Line"/>
           <p:cNvSpPr/>
           <p:nvPr/>
         </p:nvSpPr>
@@ -45410,7 +45342,7 @@
       </p:sp>
       <p:sp>
         <p:nvSpPr>
-          <p:cNvPr id="878" name="Facets divide a plot into  subplots based on the  values of one or more  discrete variables.…"/>
+          <p:cNvPr id="877" name="Facets divide a plot into  subplots based on the  values of one or more  discrete variables.…"/>
           <p:cNvSpPr txBox="1"/>
           <p:nvPr/>
         </p:nvSpPr>
@@ -45796,7 +45728,7 @@
       </p:sp>
       <p:grpSp>
         <p:nvGrpSpPr>
-          <p:cNvPr id="884" name="Group"/>
+          <p:cNvPr id="883" name="Group"/>
           <p:cNvGrpSpPr/>
           <p:nvPr/>
         </p:nvGrpSpPr>
@@ -45810,7 +45742,7 @@
         </p:grpSpPr>
         <p:sp>
           <p:nvSpPr>
-            <p:cNvPr id="879" name="fl: c"/>
+            <p:cNvPr id="878" name="fl: c"/>
             <p:cNvSpPr/>
             <p:nvPr/>
           </p:nvSpPr>
@@ -45865,7 +45797,7 @@
         </p:sp>
         <p:sp>
           <p:nvSpPr>
-            <p:cNvPr id="880" name="fl: d"/>
+            <p:cNvPr id="879" name="fl: d"/>
             <p:cNvSpPr/>
             <p:nvPr/>
           </p:nvSpPr>
@@ -45920,7 +45852,7 @@
         </p:sp>
         <p:sp>
           <p:nvSpPr>
-            <p:cNvPr id="881" name="fl: e"/>
+            <p:cNvPr id="880" name="fl: e"/>
             <p:cNvSpPr/>
             <p:nvPr/>
           </p:nvSpPr>
@@ -45975,7 +45907,7 @@
         </p:sp>
         <p:sp>
           <p:nvSpPr>
-            <p:cNvPr id="882" name="fl: p"/>
+            <p:cNvPr id="881" name="fl: p"/>
             <p:cNvSpPr/>
             <p:nvPr/>
           </p:nvSpPr>
@@ -46030,7 +45962,7 @@
         </p:sp>
         <p:sp>
           <p:nvSpPr>
-            <p:cNvPr id="883" name="fl: r"/>
+            <p:cNvPr id="882" name="fl: r"/>
             <p:cNvSpPr/>
             <p:nvPr/>
           </p:nvSpPr>
@@ -46086,7 +46018,7 @@
       </p:grpSp>
       <p:grpSp>
         <p:nvGrpSpPr>
-          <p:cNvPr id="890" name="Group"/>
+          <p:cNvPr id="889" name="Group"/>
           <p:cNvGrpSpPr/>
           <p:nvPr/>
         </p:nvGrpSpPr>
@@ -46100,7 +46032,7 @@
         </p:grpSpPr>
         <p:sp>
           <p:nvSpPr>
-            <p:cNvPr id="885" name="c"/>
+            <p:cNvPr id="884" name="c"/>
             <p:cNvSpPr/>
             <p:nvPr/>
           </p:nvSpPr>
@@ -46155,7 +46087,7 @@
         </p:sp>
         <p:sp>
           <p:nvSpPr>
-            <p:cNvPr id="886" name="d"/>
+            <p:cNvPr id="885" name="d"/>
             <p:cNvSpPr/>
             <p:nvPr/>
           </p:nvSpPr>
@@ -46210,7 +46142,7 @@
         </p:sp>
         <p:sp>
           <p:nvSpPr>
-            <p:cNvPr id="887" name="e"/>
+            <p:cNvPr id="886" name="e"/>
             <p:cNvSpPr/>
             <p:nvPr/>
           </p:nvSpPr>
@@ -46265,7 +46197,7 @@
         </p:sp>
         <p:sp>
           <p:nvSpPr>
-            <p:cNvPr id="888" name="p"/>
+            <p:cNvPr id="887" name="p"/>
             <p:cNvSpPr/>
             <p:nvPr/>
           </p:nvSpPr>
@@ -46320,7 +46252,7 @@
         </p:sp>
         <p:sp>
           <p:nvSpPr>
-            <p:cNvPr id="889" name="r"/>
+            <p:cNvPr id="888" name="r"/>
             <p:cNvSpPr/>
             <p:nvPr/>
           </p:nvSpPr>
@@ -46376,7 +46308,7 @@
       </p:grpSp>
       <p:grpSp>
         <p:nvGrpSpPr>
-          <p:cNvPr id="901" name="Group"/>
+          <p:cNvPr id="900" name="Group"/>
           <p:cNvGrpSpPr/>
           <p:nvPr/>
         </p:nvGrpSpPr>
@@ -46390,7 +46322,7 @@
         </p:grpSpPr>
         <p:sp>
           <p:nvSpPr>
-            <p:cNvPr id="891" name="Rectangle"/>
+            <p:cNvPr id="890" name="Rectangle"/>
             <p:cNvSpPr/>
             <p:nvPr/>
           </p:nvSpPr>
@@ -46439,7 +46371,7 @@
         </p:sp>
         <p:sp>
           <p:nvSpPr>
-            <p:cNvPr id="892" name="Rectangle"/>
+            <p:cNvPr id="891" name="Rectangle"/>
             <p:cNvSpPr/>
             <p:nvPr/>
           </p:nvSpPr>
@@ -46488,7 +46420,7 @@
         </p:sp>
         <p:sp>
           <p:nvSpPr>
-            <p:cNvPr id="893" name="Rectangle"/>
+            <p:cNvPr id="892" name="Rectangle"/>
             <p:cNvSpPr/>
             <p:nvPr/>
           </p:nvSpPr>
@@ -46533,7 +46465,7 @@
         </p:sp>
         <p:sp>
           <p:nvSpPr>
-            <p:cNvPr id="894" name="Rectangle"/>
+            <p:cNvPr id="893" name="Rectangle"/>
             <p:cNvSpPr/>
             <p:nvPr/>
           </p:nvSpPr>
@@ -46582,7 +46514,7 @@
         </p:sp>
         <p:sp>
           <p:nvSpPr>
-            <p:cNvPr id="895" name="Rectangle"/>
+            <p:cNvPr id="894" name="Rectangle"/>
             <p:cNvSpPr/>
             <p:nvPr/>
           </p:nvSpPr>
@@ -46631,14 +46563,14 @@
         </p:sp>
         <p:pic>
           <p:nvPicPr>
-            <p:cNvPr id="896" name="Image" descr="Image"/>
+            <p:cNvPr id="895" name="Image" descr="Image"/>
             <p:cNvPicPr>
               <a:picLocks noChangeAspect="1"/>
             </p:cNvPicPr>
             <p:nvPr/>
           </p:nvPicPr>
           <p:blipFill>
-            <a:blip r:embed="rId32">
+            <a:blip r:embed="rId29">
               <a:extLst/>
             </a:blip>
             <a:stretch>
@@ -46662,14 +46594,14 @@
         </p:pic>
         <p:pic>
           <p:nvPicPr>
-            <p:cNvPr id="897" name="Image" descr="Image"/>
+            <p:cNvPr id="896" name="Image" descr="Image"/>
             <p:cNvPicPr>
               <a:picLocks noChangeAspect="1"/>
             </p:cNvPicPr>
             <p:nvPr/>
           </p:nvPicPr>
           <p:blipFill>
-            <a:blip r:embed="rId33">
+            <a:blip r:embed="rId30">
               <a:extLst/>
             </a:blip>
             <a:stretch>
@@ -46693,14 +46625,14 @@
         </p:pic>
         <p:pic>
           <p:nvPicPr>
-            <p:cNvPr id="898" name="Image" descr="Image"/>
+            <p:cNvPr id="897" name="Image" descr="Image"/>
             <p:cNvPicPr>
               <a:picLocks noChangeAspect="1"/>
             </p:cNvPicPr>
             <p:nvPr/>
           </p:nvPicPr>
           <p:blipFill>
-            <a:blip r:embed="rId34">
+            <a:blip r:embed="rId31">
               <a:extLst/>
             </a:blip>
             <a:stretch>
@@ -46724,14 +46656,14 @@
         </p:pic>
         <p:pic>
           <p:nvPicPr>
-            <p:cNvPr id="899" name="Image" descr="Image"/>
+            <p:cNvPr id="898" name="Image" descr="Image"/>
             <p:cNvPicPr>
               <a:picLocks noChangeAspect="1"/>
             </p:cNvPicPr>
             <p:nvPr/>
           </p:nvPicPr>
           <p:blipFill>
-            <a:blip r:embed="rId35">
+            <a:blip r:embed="rId32">
               <a:extLst/>
             </a:blip>
             <a:stretch>
@@ -46755,14 +46687,14 @@
         </p:pic>
         <p:pic>
           <p:nvPicPr>
-            <p:cNvPr id="900" name="Image" descr="Image"/>
+            <p:cNvPr id="899" name="Image" descr="Image"/>
             <p:cNvPicPr>
               <a:picLocks noChangeAspect="1"/>
             </p:cNvPicPr>
             <p:nvPr/>
           </p:nvPicPr>
           <p:blipFill>
-            <a:blip r:embed="rId36">
+            <a:blip r:embed="rId33">
               <a:extLst/>
             </a:blip>
             <a:stretch>
@@ -46787,14 +46719,14 @@
       </p:grpSp>
       <p:pic>
         <p:nvPicPr>
-          <p:cNvPr id="902" name="Image" descr="Image"/>
+          <p:cNvPr id="901" name="Image" descr="Image"/>
           <p:cNvPicPr>
             <a:picLocks noChangeAspect="1"/>
           </p:cNvPicPr>
           <p:nvPr/>
         </p:nvPicPr>
         <p:blipFill>
-          <a:blip r:embed="rId37">
+          <a:blip r:embed="rId34">
             <a:extLst/>
           </a:blip>
           <a:stretch>
@@ -46816,14 +46748,14 @@
       </p:pic>
       <p:pic>
         <p:nvPicPr>
-          <p:cNvPr id="903" name="Image" descr="Image"/>
+          <p:cNvPr id="902" name="Image" descr="Image"/>
           <p:cNvPicPr>
             <a:picLocks noChangeAspect="1"/>
           </p:cNvPicPr>
           <p:nvPr/>
         </p:nvPicPr>
         <p:blipFill>
-          <a:blip r:embed="rId38">
+          <a:blip r:embed="rId35">
             <a:extLst/>
           </a:blip>
           <a:stretch>
@@ -46845,14 +46777,14 @@
       </p:pic>
       <p:pic>
         <p:nvPicPr>
-          <p:cNvPr id="904" name="Image" descr="Image"/>
+          <p:cNvPr id="903" name="Image" descr="Image"/>
           <p:cNvPicPr>
             <a:picLocks noChangeAspect="1"/>
           </p:cNvPicPr>
           <p:nvPr/>
         </p:nvPicPr>
         <p:blipFill>
-          <a:blip r:embed="rId39">
+          <a:blip r:embed="rId36">
             <a:extLst/>
           </a:blip>
           <a:stretch>
@@ -46874,14 +46806,14 @@
       </p:pic>
       <p:pic>
         <p:nvPicPr>
-          <p:cNvPr id="905" name="Image" descr="Image"/>
+          <p:cNvPr id="904" name="Image" descr="Image"/>
           <p:cNvPicPr>
             <a:picLocks noChangeAspect="1"/>
           </p:cNvPicPr>
           <p:nvPr/>
         </p:nvPicPr>
         <p:blipFill>
-          <a:blip r:embed="rId40">
+          <a:blip r:embed="rId37">
             <a:extLst/>
           </a:blip>
           <a:stretch>
@@ -46903,7 +46835,7 @@
       </p:pic>
       <p:sp>
         <p:nvSpPr>
-          <p:cNvPr id="906" name="Labels"/>
+          <p:cNvPr id="905" name="Labels"/>
           <p:cNvSpPr txBox="1"/>
           <p:nvPr/>
         </p:nvSpPr>
@@ -46951,7 +46883,7 @@
       </p:sp>
       <p:sp>
         <p:nvSpPr>
-          <p:cNvPr id="907" name="Line"/>
+          <p:cNvPr id="906" name="Line"/>
           <p:cNvSpPr/>
           <p:nvPr/>
         </p:nvSpPr>
@@ -46992,7 +46924,7 @@
       </p:sp>
       <p:sp>
         <p:nvSpPr>
-          <p:cNvPr id="908" name="t + labs(    x = &quot;New x axis label&quot;,  y = &quot;New y axis label&quot;, title =&quot;Add a title above the plot&quot;,  subtitle = &quot;Add a subtitle below title&quot;, caption = &quot;Add a caption below plot&quot;,…"/>
+          <p:cNvPr id="907" name="t + labs(    x = &quot;New x axis label&quot;,  y = &quot;New y axis label&quot;, title =&quot;Add a title above the plot&quot;,  subtitle = &quot;Add a subtitle below title&quot;, caption = &quot;Add a caption below plot&quot;,…"/>
           <p:cNvSpPr txBox="1"/>
           <p:nvPr/>
         </p:nvSpPr>
@@ -47115,7 +47047,7 @@
       </p:sp>
       <p:sp>
         <p:nvSpPr>
-          <p:cNvPr id="909" name="Use scale functions…"/>
+          <p:cNvPr id="908" name="Use scale functions…"/>
           <p:cNvSpPr/>
           <p:nvPr/>
         </p:nvSpPr>
@@ -47253,7 +47185,7 @@
       </p:sp>
       <p:sp>
         <p:nvSpPr>
-          <p:cNvPr id="910" name="&lt;AES&gt;"/>
+          <p:cNvPr id="909" name="&lt;AES&gt;"/>
           <p:cNvSpPr/>
           <p:nvPr/>
         </p:nvSpPr>
@@ -47314,7 +47246,7 @@
       </p:sp>
       <p:sp>
         <p:nvSpPr>
-          <p:cNvPr id="911" name="geom to place"/>
+          <p:cNvPr id="910" name="geom to place"/>
           <p:cNvSpPr/>
           <p:nvPr/>
         </p:nvSpPr>
@@ -47375,7 +47307,7 @@
       </p:sp>
       <p:sp>
         <p:nvSpPr>
-          <p:cNvPr id="912" name="manual values for geom’s aesthetics"/>
+          <p:cNvPr id="911" name="manual values for geom’s aesthetics"/>
           <p:cNvSpPr/>
           <p:nvPr/>
         </p:nvSpPr>
@@ -47436,7 +47368,7 @@
       </p:sp>
       <p:sp>
         <p:nvSpPr>
-          <p:cNvPr id="913" name="Triangle"/>
+          <p:cNvPr id="912" name="Triangle"/>
           <p:cNvSpPr/>
           <p:nvPr/>
         </p:nvSpPr>
@@ -47508,7 +47440,7 @@
       </p:sp>
       <p:sp>
         <p:nvSpPr>
-          <p:cNvPr id="914" name="Line"/>
+          <p:cNvPr id="913" name="Line"/>
           <p:cNvSpPr/>
           <p:nvPr/>
         </p:nvSpPr>
@@ -47550,7 +47482,7 @@
       </p:sp>
       <p:sp>
         <p:nvSpPr>
-          <p:cNvPr id="915" name="Line"/>
+          <p:cNvPr id="914" name="Line"/>
           <p:cNvSpPr/>
           <p:nvPr/>
         </p:nvSpPr>
@@ -47592,7 +47524,7 @@
       </p:sp>
       <p:sp>
         <p:nvSpPr>
-          <p:cNvPr id="916" name="&lt;AES&gt;"/>
+          <p:cNvPr id="915" name="&lt;AES&gt;"/>
           <p:cNvSpPr/>
           <p:nvPr/>
         </p:nvSpPr>
@@ -47653,7 +47585,7 @@
       </p:sp>
       <p:sp>
         <p:nvSpPr>
-          <p:cNvPr id="917" name="Legends"/>
+          <p:cNvPr id="916" name="Legends"/>
           <p:cNvSpPr txBox="1"/>
           <p:nvPr/>
         </p:nvSpPr>
@@ -47701,7 +47633,7 @@
       </p:sp>
       <p:sp>
         <p:nvSpPr>
-          <p:cNvPr id="918" name="Line"/>
+          <p:cNvPr id="917" name="Line"/>
           <p:cNvSpPr/>
           <p:nvPr/>
         </p:nvSpPr>
@@ -47742,7 +47674,7 @@
       </p:sp>
       <p:sp>
         <p:nvSpPr>
-          <p:cNvPr id="919" name="n + theme(legend.position = &quot;bottom&quot;) Place legend at &quot;bottom&quot;, &quot;top&quot;, &quot;left&quot;, or &quot;right&quot;…"/>
+          <p:cNvPr id="918" name="n + theme(legend.position = &quot;bottom&quot;) Place legend at &quot;bottom&quot;, &quot;top&quot;, &quot;left&quot;, or &quot;right&quot;…"/>
           <p:cNvSpPr txBox="1"/>
           <p:nvPr/>
         </p:nvSpPr>
@@ -47866,7 +47798,7 @@
       </p:sp>
       <p:sp>
         <p:nvSpPr>
-          <p:cNvPr id="920" name="Zooming"/>
+          <p:cNvPr id="919" name="Zooming"/>
           <p:cNvSpPr txBox="1"/>
           <p:nvPr/>
         </p:nvSpPr>
@@ -47914,7 +47846,7 @@
       </p:sp>
       <p:sp>
         <p:nvSpPr>
-          <p:cNvPr id="921" name="Line"/>
+          <p:cNvPr id="920" name="Line"/>
           <p:cNvSpPr/>
           <p:nvPr/>
         </p:nvSpPr>
@@ -47955,7 +47887,7 @@
       </p:sp>
       <p:sp>
         <p:nvSpPr>
-          <p:cNvPr id="922" name="Without clipping (preferred)…"/>
+          <p:cNvPr id="921" name="Without clipping (preferred)…"/>
           <p:cNvSpPr txBox="1"/>
           <p:nvPr/>
         </p:nvSpPr>
@@ -48122,14 +48054,14 @@
       </p:sp>
       <p:pic>
         <p:nvPicPr>
-          <p:cNvPr id="923" name="Image" descr="Image"/>
+          <p:cNvPr id="922" name="Image" descr="Image"/>
           <p:cNvPicPr>
             <a:picLocks noChangeAspect="1"/>
           </p:cNvPicPr>
           <p:nvPr/>
         </p:nvPicPr>
         <p:blipFill>
-          <a:blip r:embed="rId41">
+          <a:blip r:embed="rId38">
             <a:extLst/>
           </a:blip>
           <a:stretch>
@@ -48151,14 +48083,14 @@
       </p:pic>
       <p:pic>
         <p:nvPicPr>
-          <p:cNvPr id="924" name="Image" descr="Image"/>
+          <p:cNvPr id="923" name="Image" descr="Image"/>
           <p:cNvPicPr>
             <a:picLocks noChangeAspect="1"/>
           </p:cNvPicPr>
           <p:nvPr/>
         </p:nvPicPr>
         <p:blipFill>
-          <a:blip r:embed="rId42">
+          <a:blip r:embed="rId39">
             <a:extLst/>
           </a:blip>
           <a:stretch>
@@ -48178,6 +48110,88 @@
           </a:ln>
         </p:spPr>
       </p:pic>
+      <p:sp>
+        <p:nvSpPr>
+          <p:cNvPr id="924" name="RStudio® is a trademark of RStudio, Inc.  •  CC BY RStudio •  info@rstudio.com  •  844-448-1212 • rstudio.com •  Learn more at  http://ggplot2.tidyverse.org •  ggplot2  2.1.0  •  Updated: 2016-11"/>
+          <p:cNvSpPr txBox="1"/>
+          <p:nvPr/>
+        </p:nvSpPr>
+        <p:spPr>
+          <a:xfrm>
+            <a:off x="2353572" y="10340910"/>
+            <a:ext cx="11322666" cy="248842"/>
+          </a:xfrm>
+          <a:prstGeom prst="rect">
+            <a:avLst/>
+          </a:prstGeom>
+          <a:ln w="12700">
+            <a:miter lim="400000"/>
+          </a:ln>
+          <a:extLst>
+            <a:ext uri="{C572A759-6A51-4108-AA02-DFA0A04FC94B}">
+              <ma14:wrappingTextBoxFlag xmlns:ma14="http://schemas.microsoft.com/office/mac/drawingml/2011/main" val="1"/>
+            </a:ext>
+          </a:extLst>
+        </p:spPr>
+        <p:txBody>
+          <a:bodyPr lIns="54570" tIns="54570" rIns="54570" bIns="54570" anchor="ctr">
+            <a:spAutoFit/>
+          </a:bodyPr>
+          <a:lstStyle/>
+          <a:p>
+            <a:pPr algn="r">
+              <a:lnSpc>
+                <a:spcPct val="90000"/>
+              </a:lnSpc>
+              <a:spcBef>
+                <a:spcPts val="0"/>
+              </a:spcBef>
+              <a:defRPr b="0" sz="900">
+                <a:solidFill>
+                  <a:srgbClr val="000000"/>
+                </a:solidFill>
+              </a:defRPr>
+            </a:pPr>
+            <a:r>
+              <a:t>RStudio® is a trademark of RStudio, Inc.  •  </a:t>
+            </a:r>
+            <a:r>
+              <a:rPr>
+                <a:hlinkClick r:id="rId40" invalidUrl="" action="" tgtFrame="" tooltip="" history="1" highlightClick="0" endSnd="0"/>
+              </a:rPr>
+              <a:t>CC BY </a:t>
+            </a:r>
+            <a:r>
+              <a:t>RStudio •  </a:t>
+            </a:r>
+            <a:r>
+              <a:rPr>
+                <a:hlinkClick r:id="rId41" invalidUrl="" action="" tgtFrame="" tooltip="" history="1" highlightClick="0" endSnd="0"/>
+              </a:rPr>
+              <a:t>info@rstudio.com</a:t>
+            </a:r>
+            <a:r>
+              <a:t>  •  844-448-1212 • </a:t>
+            </a:r>
+            <a:r>
+              <a:rPr>
+                <a:hlinkClick r:id="rId42" invalidUrl="" action="" tgtFrame="" tooltip="" history="1" highlightClick="0" endSnd="0"/>
+              </a:rPr>
+              <a:t>rstudio.com</a:t>
+            </a:r>
+            <a:r>
+              <a:t> •  Learn more at  </a:t>
+            </a:r>
+            <a:r>
+              <a:rPr b="1"/>
+              <a:t>http://ggplot2.tidyverse.org</a:t>
+            </a:r>
+            <a:r>
+              <a:t> •  ggplot2  2.1.0  •  Updated: 2016-11</a:t>
+            </a:r>
+          </a:p>
+        </p:txBody>
+      </p:sp>
     </p:spTree>
   </p:cSld>
   <p:clrMapOvr>

--- a/powerpoints/data-visualization-2.1.pptx
+++ b/powerpoints/data-visualization-2.1.pptx
@@ -4228,7 +4228,7 @@
               <a:t>a + geom_path(</a:t>
             </a:r>
             <a:r>
-              <a:t>lineend="butt", linejoin="round’, linemitre=1</a:t>
+              <a:t>lineend="butt", linejoin="round", linemitre=1</a:t>
             </a:r>
             <a:r>
               <a:rPr b="1"/>
@@ -12362,7 +12362,7 @@
               <a:t>e + geom_rug(</a:t>
             </a:r>
             <a:r>
-              <a:t>sides = “bl”</a:t>
+              <a:t>sides = "bl"</a:t>
             </a:r>
             <a:r>
               <a:rPr b="1"/>
@@ -12488,7 +12488,7 @@
               </a:defRPr>
             </a:pPr>
             <a:r>
-              <a:t>e &lt;- ggplot(mpg, aes(cty, hwy))</a:t>
+              <a:t>f &lt;- ggplot(mpg, aes(class, hwy))</a:t>
             </a:r>
           </a:p>
         </p:txBody>
@@ -12584,7 +12584,7 @@
               <a:t>f + geom_dotplot(</a:t>
             </a:r>
             <a:r>
-              <a:t>binaxis = “y”, stackdir = “center”</a:t>
+              <a:t>binaxis = "y", stackdir = "center"</a:t>
             </a:r>
             <a:r>
               <a:rPr b="1"/>
@@ -12620,7 +12620,7 @@
               <a:t>f + geom_violin(</a:t>
             </a:r>
             <a:r>
-              <a:t>scale = “area”</a:t>
+              <a:t>scale = "area"</a:t>
             </a:r>
             <a:r>
               <a:rPr b="1"/>

--- a/powerpoints/data-visualization-2.1.pptx
+++ b/powerpoints/data-visualization-2.1.pptx
@@ -33259,7 +33259,7 @@
       </p:pic>
       <p:sp>
         <p:nvSpPr>
-          <p:cNvPr id="695" name="RStudio® is a trademark of RStudio, Inc.  •  CC BY RStudio •  info@rstudio.com  •  844-448-1212 • rstudio.com •  Learn more at  http://ggplot2.tidyverse.org •  ggplot2  2.1.0  •  Updated: 2016-11"/>
+          <p:cNvPr id="695" name="RStudio® is a trademark of RStudio, Inc.  •  CC BY SA  RStudio •  info@rstudio.com  •  844-448-1212 • rstudio.com •  Learn more at  http://ggplot2.tidyverse.org •  ggplot2  2.1.0  •  Updated: 2016-11"/>
           <p:cNvSpPr txBox="1"/>
           <p:nvPr/>
         </p:nvSpPr>
@@ -33306,10 +33306,10 @@
               <a:rPr>
                 <a:hlinkClick r:id="rId13" invalidUrl="" action="" tgtFrame="" tooltip="" history="1" highlightClick="0" endSnd="0"/>
               </a:rPr>
-              <a:t>CC BY </a:t>
-            </a:r>
-            <a:r>
-              <a:t>RStudio •  </a:t>
+              <a:t>CC BY SA</a:t>
+            </a:r>
+            <a:r>
+              <a:t>  RStudio •  </a:t>
             </a:r>
             <a:r>
               <a:rPr>
@@ -48112,7 +48112,7 @@
       </p:pic>
       <p:sp>
         <p:nvSpPr>
-          <p:cNvPr id="924" name="RStudio® is a trademark of RStudio, Inc.  •  CC BY RStudio •  info@rstudio.com  •  844-448-1212 • rstudio.com •  Learn more at  http://ggplot2.tidyverse.org •  ggplot2  2.1.0  •  Updated: 2016-11"/>
+          <p:cNvPr id="924" name="RStudio® is a trademark of RStudio, Inc.  •  CC BY SA RStudio •  info@rstudio.com  •  844-448-1212 • rstudio.com •  Learn more at  http://ggplot2.tidyverse.org •  ggplot2  2.1.0  •  Updated: 2016-11"/>
           <p:cNvSpPr txBox="1"/>
           <p:nvPr/>
         </p:nvSpPr>
@@ -48159,10 +48159,10 @@
               <a:rPr>
                 <a:hlinkClick r:id="rId40" invalidUrl="" action="" tgtFrame="" tooltip="" history="1" highlightClick="0" endSnd="0"/>
               </a:rPr>
-              <a:t>CC BY </a:t>
-            </a:r>
-            <a:r>
-              <a:t>RStudio •  </a:t>
+              <a:t>CC BY SA</a:t>
+            </a:r>
+            <a:r>
+              <a:t> RStudio •  </a:t>
             </a:r>
             <a:r>
               <a:rPr>

--- a/powerpoints/data-visualization-2.1.pptx
+++ b/powerpoints/data-visualization-2.1.pptx
@@ -689,7 +689,7 @@
           <p:cNvPr id="93" name="–Johnny Appleseed"/>
           <p:cNvSpPr/>
           <p:nvPr>
-            <p:ph type="body" sz="quarter" idx="13"/>
+            <p:ph type="body" sz="quarter" idx="21"/>
           </p:nvPr>
         </p:nvSpPr>
         <p:spPr>
@@ -728,7 +728,7 @@
           <p:cNvPr id="94" name="“Type a quote here.”"/>
           <p:cNvSpPr/>
           <p:nvPr>
-            <p:ph type="body" sz="quarter" idx="14"/>
+            <p:ph type="body" sz="quarter" idx="22"/>
           </p:nvPr>
         </p:nvSpPr>
         <p:spPr>
@@ -811,7 +811,7 @@
           <p:cNvPr id="102" name="Image"/>
           <p:cNvSpPr/>
           <p:nvPr>
-            <p:ph type="pic" idx="13"/>
+            <p:ph type="pic" idx="21"/>
           </p:nvPr>
         </p:nvSpPr>
         <p:spPr>
@@ -934,7 +934,7 @@
           <p:cNvPr id="20" name="Image"/>
           <p:cNvSpPr/>
           <p:nvPr>
-            <p:ph type="pic" idx="13"/>
+            <p:ph type="pic" idx="21"/>
           </p:nvPr>
         </p:nvSpPr>
         <p:spPr>
@@ -1215,7 +1215,7 @@
           <p:cNvPr id="38" name="Image"/>
           <p:cNvSpPr/>
           <p:nvPr>
-            <p:ph type="pic" idx="13"/>
+            <p:ph type="pic" idx="21"/>
           </p:nvPr>
         </p:nvSpPr>
         <p:spPr>
@@ -1617,7 +1617,7 @@
           <p:cNvPr id="65" name="Image"/>
           <p:cNvSpPr/>
           <p:nvPr>
-            <p:ph type="pic" idx="13"/>
+            <p:ph type="pic" idx="21"/>
           </p:nvPr>
         </p:nvSpPr>
         <p:spPr>
@@ -1884,7 +1884,7 @@
           <p:cNvPr id="83" name="Image"/>
           <p:cNvSpPr/>
           <p:nvPr>
-            <p:ph type="pic" idx="13"/>
+            <p:ph type="pic" idx="21"/>
           </p:nvPr>
         </p:nvSpPr>
         <p:spPr>
@@ -1911,7 +1911,7 @@
           <p:cNvPr id="84" name="Image"/>
           <p:cNvSpPr/>
           <p:nvPr>
-            <p:ph type="pic" sz="quarter" idx="14"/>
+            <p:ph type="pic" sz="quarter" idx="22"/>
           </p:nvPr>
         </p:nvSpPr>
         <p:spPr>
@@ -1938,7 +1938,7 @@
           <p:cNvPr id="85" name="Image"/>
           <p:cNvSpPr/>
           <p:nvPr>
-            <p:ph type="pic" sz="quarter" idx="15"/>
+            <p:ph type="pic" sz="quarter" idx="23"/>
           </p:nvPr>
         </p:nvSpPr>
         <p:spPr>
@@ -38729,10 +38729,10 @@
             </a:pPr>
             <a:r>
               <a:rPr b="1"/>
-              <a:t>e + stat_summary(f</a:t>
-            </a:r>
-            <a:r>
-              <a:t>un.data = "mean_cl_boot"</a:t>
+              <a:t>e + stat_summary(</a:t>
+            </a:r>
+            <a:r>
+              <a:t>fun.data = "mean_cl_boot"</a:t>
             </a:r>
             <a:r>
               <a:rPr b="1"/>
@@ -38758,7 +38758,7 @@
               <a:t>h + stat_summary_bin(</a:t>
             </a:r>
             <a:r>
-              <a:t>fun.y = "mean", geom = "bar"</a:t>
+              <a:t>fun = "mean", geom = "bar"</a:t>
             </a:r>
             <a:r>
               <a:rPr b="1"/>
@@ -42673,7 +42673,7 @@
         <p:spPr>
           <a:xfrm>
             <a:off x="7184224" y="1178842"/>
-            <a:ext cx="3054155" cy="3140542"/>
+            <a:ext cx="3054154" cy="3140542"/>
           </a:xfrm>
           <a:prstGeom prst="rect">
             <a:avLst/>

--- a/powerpoints/data-visualization-2.1.pptx
+++ b/powerpoints/data-visualization-2.1.pptx
@@ -11950,7 +11950,19 @@
               </a:defRPr>
             </a:pPr>
             <a:r>
-              <a:t>a &lt;- ggplot(economics, aes(date, unemploy))</a:t>
+              <a:t>a </a:t>
+            </a:r>
+            <a:r>
+              <a:rPr sz="900">
+                <a:latin typeface="Source Code Pro"/>
+                <a:ea typeface="Source Code Pro"/>
+                <a:cs typeface="Source Code Pro"/>
+                <a:sym typeface="Source Code Pro"/>
+              </a:rPr>
+              <a:t>&lt;-</a:t>
+            </a:r>
+            <a:r>
+              <a:t> ggplot(economics, aes(date, unemploy))</a:t>
             </a:r>
           </a:p>
           <a:p>
@@ -11972,7 +11984,19 @@
               </a:defRPr>
             </a:pPr>
             <a:r>
-              <a:t>b &lt;- ggplot(seals, aes(x = long, y = lat))</a:t>
+              <a:t>b </a:t>
+            </a:r>
+            <a:r>
+              <a:rPr sz="900">
+                <a:latin typeface="Source Code Pro"/>
+                <a:ea typeface="Source Code Pro"/>
+                <a:cs typeface="Source Code Pro"/>
+                <a:sym typeface="Source Code Pro"/>
+              </a:rPr>
+              <a:t>&lt;-</a:t>
+            </a:r>
+            <a:r>
+              <a:t> ggplot(seals, aes(x = long, y = lat))</a:t>
             </a:r>
           </a:p>
         </p:txBody>
@@ -12040,8 +12064,9 @@
           <a:bodyPr lIns="0" tIns="0" rIns="0" bIns="0">
             <a:normAutofit fontScale="100000" lnSpcReduction="0"/>
           </a:bodyPr>
-          <a:lstStyle>
-            <a:lvl1pPr>
+          <a:lstStyle/>
+          <a:p>
+            <a:pPr>
               <a:lnSpc>
                 <a:spcPct val="80000"/>
               </a:lnSpc>
@@ -12057,12 +12082,33 @@
                 <a:cs typeface="Source Sans Pro Regular"/>
                 <a:sym typeface="Source Sans Pro Regular"/>
               </a:defRPr>
-            </a:lvl1pPr>
-          </a:lstStyle>
-          <a:p>
-            <a:pPr/>
-            <a:r>
-              <a:t>c &lt;- ggplot(mpg, aes(hwy)); c2 &lt;- ggplot(mpg)</a:t>
+            </a:pPr>
+            <a:r>
+              <a:t>c </a:t>
+            </a:r>
+            <a:r>
+              <a:rPr sz="900">
+                <a:latin typeface="Source Code Pro"/>
+                <a:ea typeface="Source Code Pro"/>
+                <a:cs typeface="Source Code Pro"/>
+                <a:sym typeface="Source Code Pro"/>
+              </a:rPr>
+              <a:t>&lt;-</a:t>
+            </a:r>
+            <a:r>
+              <a:t> ggplot(mpg, aes(hwy)); c2 </a:t>
+            </a:r>
+            <a:r>
+              <a:rPr sz="900">
+                <a:latin typeface="Source Code Pro"/>
+                <a:ea typeface="Source Code Pro"/>
+                <a:cs typeface="Source Code Pro"/>
+                <a:sym typeface="Source Code Pro"/>
+              </a:rPr>
+              <a:t>&lt;-</a:t>
+            </a:r>
+            <a:r>
+              <a:t> ggplot(mpg)</a:t>
             </a:r>
           </a:p>
         </p:txBody>
@@ -12358,7 +12404,7 @@
         <p:spPr>
           <a:xfrm>
             <a:off x="3731523" y="9484352"/>
-            <a:ext cx="1302894" cy="342901"/>
+            <a:ext cx="1337438" cy="342901"/>
           </a:xfrm>
           <a:prstGeom prst="rect">
             <a:avLst/>
@@ -12397,7 +12443,28 @@
                 <a:cs typeface="Source Sans Pro Regular"/>
                 <a:sym typeface="Source Sans Pro Regular"/>
               </a:rPr>
-              <a:t>d &lt;- ggplot(mpg, aes(fl))</a:t>
+              <a:t>d </a:t>
+            </a:r>
+            <a:r>
+              <a:rPr b="1" sz="900">
+                <a:latin typeface="Source Code Pro"/>
+                <a:ea typeface="Source Code Pro"/>
+                <a:cs typeface="Source Code Pro"/>
+                <a:sym typeface="Source Code Pro"/>
+              </a:rPr>
+              <a:t>&lt;-</a:t>
+            </a:r>
+            <a:r>
+              <a:rPr sz="1000">
+                <a:solidFill>
+                  <a:srgbClr val="000000"/>
+                </a:solidFill>
+                <a:latin typeface="Source Sans Pro Regular"/>
+                <a:ea typeface="Source Sans Pro Regular"/>
+                <a:cs typeface="Source Sans Pro Regular"/>
+                <a:sym typeface="Source Sans Pro Regular"/>
+              </a:rPr>
+              <a:t> ggplot(mpg, aes(fl))</a:t>
             </a:r>
           </a:p>
         </p:txBody>
@@ -12820,7 +12887,19 @@
               </a:defRPr>
             </a:pPr>
             <a:r>
-              <a:t>f &lt;- ggplot(mpg, aes(class, hwy))</a:t>
+              <a:t>f </a:t>
+            </a:r>
+            <a:r>
+              <a:rPr sz="900">
+                <a:latin typeface="Source Code Pro"/>
+                <a:ea typeface="Source Code Pro"/>
+                <a:cs typeface="Source Code Pro"/>
+                <a:sym typeface="Source Code Pro"/>
+              </a:rPr>
+              <a:t>&lt;-</a:t>
+            </a:r>
+            <a:r>
+              <a:t> ggplot(mpg, aes(class, hwy))</a:t>
             </a:r>
           </a:p>
         </p:txBody>
@@ -13087,7 +13166,19 @@
               </a:defRPr>
             </a:pPr>
             <a:r>
-              <a:t>g &lt;- ggplot(diamonds, aes(cut, color))</a:t>
+              <a:t>g </a:t>
+            </a:r>
+            <a:r>
+              <a:rPr sz="900">
+                <a:latin typeface="Source Code Pro"/>
+                <a:ea typeface="Source Code Pro"/>
+                <a:cs typeface="Source Code Pro"/>
+                <a:sym typeface="Source Code Pro"/>
+              </a:rPr>
+              <a:t>&lt;-</a:t>
+            </a:r>
+            <a:r>
+              <a:t> ggplot(diamonds, aes(cut, color))</a:t>
             </a:r>
           </a:p>
         </p:txBody>
@@ -13265,7 +13356,31 @@
               </a:defRPr>
             </a:pPr>
             <a:r>
-              <a:t>seals$z &lt;- with(seals, sqrt(delta_long^2 + delta_lat^2)); l &lt;- ggplot(seals, aes(long, lat))</a:t>
+              <a:t>seals$z </a:t>
+            </a:r>
+            <a:r>
+              <a:rPr sz="900">
+                <a:latin typeface="Source Code Pro"/>
+                <a:ea typeface="Source Code Pro"/>
+                <a:cs typeface="Source Code Pro"/>
+                <a:sym typeface="Source Code Pro"/>
+              </a:rPr>
+              <a:t>&lt;-</a:t>
+            </a:r>
+            <a:r>
+              <a:t> with(seals, sqrt(delta_long^2 + delta_lat^2)); l </a:t>
+            </a:r>
+            <a:r>
+              <a:rPr sz="900">
+                <a:latin typeface="Source Code Pro"/>
+                <a:ea typeface="Source Code Pro"/>
+                <a:cs typeface="Source Code Pro"/>
+                <a:sym typeface="Source Code Pro"/>
+              </a:rPr>
+              <a:t>&lt;-</a:t>
+            </a:r>
+            <a:r>
+              <a:t> ggplot(seals, aes(long, lat))</a:t>
             </a:r>
           </a:p>
         </p:txBody>
@@ -13593,7 +13708,19 @@
               </a:defRPr>
             </a:pPr>
             <a:r>
-              <a:t>i &lt;- ggplot(economics, aes(date, unemploy))</a:t>
+              <a:t>i </a:t>
+            </a:r>
+            <a:r>
+              <a:rPr sz="900">
+                <a:latin typeface="Source Code Pro"/>
+                <a:ea typeface="Source Code Pro"/>
+                <a:cs typeface="Source Code Pro"/>
+                <a:sym typeface="Source Code Pro"/>
+              </a:rPr>
+              <a:t>&lt;-</a:t>
+            </a:r>
+            <a:r>
+              <a:t> ggplot(economics, aes(date, unemploy))</a:t>
             </a:r>
           </a:p>
         </p:txBody>
@@ -13658,7 +13785,19 @@
               </a:defRPr>
             </a:pPr>
             <a:r>
-              <a:t>df &lt;- data.frame(grp = c("A", "B"), fit = 4:5, se = 1:2)</a:t>
+              <a:t>df </a:t>
+            </a:r>
+            <a:r>
+              <a:rPr sz="900">
+                <a:latin typeface="Source Code Pro"/>
+                <a:ea typeface="Source Code Pro"/>
+                <a:cs typeface="Source Code Pro"/>
+                <a:sym typeface="Source Code Pro"/>
+              </a:rPr>
+              <a:t>&lt;-</a:t>
+            </a:r>
+            <a:r>
+              <a:t> data.frame(grp = c("A", "B"), fit = 4:5, se = 1:2)</a:t>
             </a:r>
           </a:p>
           <a:p>
@@ -13680,7 +13819,19 @@
               </a:defRPr>
             </a:pPr>
             <a:r>
-              <a:t>j &lt;- ggplot(df, aes(grp, fit, ymin = fit - se, ymax = fit + se))</a:t>
+              <a:t>j </a:t>
+            </a:r>
+            <a:r>
+              <a:rPr sz="900">
+                <a:latin typeface="Source Code Pro"/>
+                <a:ea typeface="Source Code Pro"/>
+                <a:cs typeface="Source Code Pro"/>
+                <a:sym typeface="Source Code Pro"/>
+              </a:rPr>
+              <a:t>&lt;-</a:t>
+            </a:r>
+            <a:r>
+              <a:t> ggplot(df, aes(grp, fit, ymin = fit - se, ymax = fit + se))</a:t>
             </a:r>
           </a:p>
         </p:txBody>
@@ -31871,7 +32022,19 @@
               </a:defRPr>
             </a:pPr>
             <a:r>
-              <a:t>data &lt;- data.frame(murder = USArrests$Murder,</a:t>
+              <a:t>data </a:t>
+            </a:r>
+            <a:r>
+              <a:rPr sz="900">
+                <a:latin typeface="Source Code Pro"/>
+                <a:ea typeface="Source Code Pro"/>
+                <a:cs typeface="Source Code Pro"/>
+                <a:sym typeface="Source Code Pro"/>
+              </a:rPr>
+              <a:t>&lt;-</a:t>
+            </a:r>
+            <a:r>
+              <a:t> data.frame(murder = USArrests$Murder,</a:t>
             </a:r>
             <a:br/>
             <a:r>
@@ -31879,11 +32042,35 @@
             </a:r>
             <a:br/>
             <a:r>
-              <a:t>map &lt;- map_data("state")</a:t>
+              <a:t>map </a:t>
+            </a:r>
+            <a:r>
+              <a:rPr sz="900">
+                <a:latin typeface="Source Code Pro"/>
+                <a:ea typeface="Source Code Pro"/>
+                <a:cs typeface="Source Code Pro"/>
+                <a:sym typeface="Source Code Pro"/>
+              </a:rPr>
+              <a:t>&lt;-</a:t>
+            </a:r>
+            <a:r>
+              <a:t> map_data("state")</a:t>
             </a:r>
             <a:br/>
             <a:r>
-              <a:t>k &lt;- ggplot(data, aes(fill = murder))</a:t>
+              <a:t>k </a:t>
+            </a:r>
+            <a:r>
+              <a:rPr sz="900">
+                <a:latin typeface="Source Code Pro"/>
+                <a:ea typeface="Source Code Pro"/>
+                <a:cs typeface="Source Code Pro"/>
+                <a:sym typeface="Source Code Pro"/>
+              </a:rPr>
+              <a:t>&lt;-</a:t>
+            </a:r>
+            <a:r>
+              <a:t> ggplot(data, aes(fill = murder))</a:t>
             </a:r>
           </a:p>
         </p:txBody>
@@ -32971,7 +33158,19 @@
               </a:defRPr>
             </a:pPr>
             <a:r>
-              <a:t>e &lt;- ggplot(mpg, aes(cty, hwy))</a:t>
+              <a:t>e </a:t>
+            </a:r>
+            <a:r>
+              <a:rPr sz="900">
+                <a:latin typeface="Source Code Pro"/>
+                <a:ea typeface="Source Code Pro"/>
+                <a:cs typeface="Source Code Pro"/>
+                <a:sym typeface="Source Code Pro"/>
+              </a:rPr>
+              <a:t>&lt;-</a:t>
+            </a:r>
+            <a:r>
+              <a:t> ggplot(mpg, aes(cty, hwy))</a:t>
             </a:r>
           </a:p>
         </p:txBody>
@@ -33037,7 +33236,19 @@
               </a:defRPr>
             </a:pPr>
             <a:r>
-              <a:t>h &lt;- ggplot(diamonds, aes(carat, price))</a:t>
+              <a:t>h </a:t>
+            </a:r>
+            <a:r>
+              <a:rPr sz="900">
+                <a:latin typeface="Source Code Pro"/>
+                <a:ea typeface="Source Code Pro"/>
+                <a:cs typeface="Source Code Pro"/>
+                <a:sym typeface="Source Code Pro"/>
+              </a:rPr>
+              <a:t>&lt;-</a:t>
+            </a:r>
+            <a:r>
+              <a:t> ggplot(diamonds, aes(carat, price))</a:t>
             </a:r>
           </a:p>
         </p:txBody>
@@ -42459,8 +42670,9 @@
           <a:bodyPr lIns="0" tIns="0" rIns="0" bIns="0">
             <a:normAutofit fontScale="100000" lnSpcReduction="0"/>
           </a:bodyPr>
-          <a:lstStyle>
-            <a:lvl1pPr>
+          <a:lstStyle/>
+          <a:p>
+            <a:pPr>
               <a:lnSpc>
                 <a:spcPct val="80000"/>
               </a:lnSpc>
@@ -42472,12 +42684,21 @@
                   <a:srgbClr val="000000"/>
                 </a:solidFill>
               </a:defRPr>
-            </a:lvl1pPr>
-          </a:lstStyle>
-          <a:p>
-            <a:pPr/>
-            <a:r>
-              <a:t>n &lt;- d + geom_bar(aes(fill = fl))</a:t>
+            </a:pPr>
+            <a:r>
+              <a:t>n </a:t>
+            </a:r>
+            <a:r>
+              <a:rPr b="1" sz="900">
+                <a:latin typeface="Source Code Pro"/>
+                <a:ea typeface="Source Code Pro"/>
+                <a:cs typeface="Source Code Pro"/>
+                <a:sym typeface="Source Code Pro"/>
+              </a:rPr>
+              <a:t>&lt;-</a:t>
+            </a:r>
+            <a:r>
+              <a:t> d + geom_bar(aes(fill = fl))</a:t>
             </a:r>
           </a:p>
         </p:txBody>
@@ -45467,7 +45688,19 @@
               </a:defRPr>
             </a:pPr>
             <a:r>
-              <a:t>o &lt;- c + geom_dotplot(aes(fill = ..x..))</a:t>
+              <a:t>o </a:t>
+            </a:r>
+            <a:r>
+              <a:rPr sz="900">
+                <a:latin typeface="Source Code Pro"/>
+                <a:ea typeface="Source Code Pro"/>
+                <a:cs typeface="Source Code Pro"/>
+                <a:sym typeface="Source Code Pro"/>
+              </a:rPr>
+              <a:t>&lt;-</a:t>
+            </a:r>
+            <a:r>
+              <a:t> c + geom_dotplot(aes(fill = ..x..))</a:t>
             </a:r>
           </a:p>
           <a:p>
@@ -46014,7 +46247,28 @@
                 <a:cs typeface="Source Sans Pro Regular"/>
                 <a:sym typeface="Source Sans Pro Regular"/>
               </a:rPr>
-              <a:t>p &lt;- e + geom_point(aes(shape = fl, size = cyl))</a:t>
+              <a:t>p </a:t>
+            </a:r>
+            <a:r>
+              <a:rPr b="1" sz="900">
+                <a:latin typeface="Source Code Pro"/>
+                <a:ea typeface="Source Code Pro"/>
+                <a:cs typeface="Source Code Pro"/>
+                <a:sym typeface="Source Code Pro"/>
+              </a:rPr>
+              <a:t>&lt;-</a:t>
+            </a:r>
+            <a:r>
+              <a:rPr sz="1000">
+                <a:solidFill>
+                  <a:srgbClr val="000000"/>
+                </a:solidFill>
+                <a:latin typeface="Source Sans Pro Regular"/>
+                <a:ea typeface="Source Sans Pro Regular"/>
+                <a:cs typeface="Source Sans Pro Regular"/>
+                <a:sym typeface="Source Sans Pro Regular"/>
+              </a:rPr>
+              <a:t> e + geom_point(aes(shape = fl, size = cyl))</a:t>
             </a:r>
             <a:endParaRPr sz="1000">
               <a:solidFill>
@@ -46418,7 +46672,19 @@
               </a:defRPr>
             </a:pPr>
             <a:r>
-              <a:t>r &lt;- d + geom_bar()</a:t>
+              <a:t>r </a:t>
+            </a:r>
+            <a:r>
+              <a:rPr sz="900">
+                <a:latin typeface="Source Code Pro"/>
+                <a:ea typeface="Source Code Pro"/>
+                <a:cs typeface="Source Code Pro"/>
+                <a:sym typeface="Source Code Pro"/>
+              </a:rPr>
+              <a:t>&lt;-</a:t>
+            </a:r>
+            <a:r>
+              <a:t> d + geom_bar()</a:t>
             </a:r>
           </a:p>
           <a:p>
@@ -47481,7 +47747,19 @@
               </a:defRPr>
             </a:pPr>
             <a:r>
-              <a:t>s &lt;- ggplot(mpg, aes(fl, fill = drv))</a:t>
+              <a:t>s </a:t>
+            </a:r>
+            <a:r>
+              <a:rPr sz="900">
+                <a:latin typeface="Source Code Pro"/>
+                <a:ea typeface="Source Code Pro"/>
+                <a:cs typeface="Source Code Pro"/>
+                <a:sym typeface="Source Code Pro"/>
+              </a:rPr>
+              <a:t>&lt;-</a:t>
+            </a:r>
+            <a:r>
+              <a:t> ggplot(mpg, aes(fl, fill = drv))</a:t>
             </a:r>
           </a:p>
           <a:p>
@@ -49212,7 +49490,23 @@
               </a:defRPr>
             </a:pPr>
             <a:r>
-              <a:t>t &lt;- ggplot(mpg, aes(cty, hwy)) + geom_point()</a:t>
+              <a:t>t </a:t>
+            </a:r>
+            <a:r>
+              <a:rPr sz="900">
+                <a:latin typeface="Source Code Pro"/>
+                <a:ea typeface="Source Code Pro"/>
+                <a:cs typeface="Source Code Pro"/>
+                <a:sym typeface="Source Code Pro"/>
+              </a:rPr>
+              <a:t>&lt;-</a:t>
+            </a:r>
+            <a:r>
+              <a:rPr sz="900"/>
+              <a:t> </a:t>
+            </a:r>
+            <a:r>
+              <a:t>ggplot(mpg, aes(cty, hwy)) + geom_point()</a:t>
             </a:r>
           </a:p>
           <a:p>
@@ -51863,6 +52157,70 @@
                 <a:sym typeface="Source Sans Pro ExtraLight"/>
               </a:rPr>
               <a:t>r + theme(panel.background = element_rect(fill = “blue”))  </a:t>
+            </a:r>
+          </a:p>
+        </p:txBody>
+      </p:sp>
+      <p:sp>
+        <p:nvSpPr>
+          <p:cNvPr id="916" name="Override defaults with scales package."/>
+          <p:cNvSpPr txBox="1"/>
+          <p:nvPr/>
+        </p:nvSpPr>
+        <p:spPr>
+          <a:xfrm>
+            <a:off x="4692504" y="889282"/>
+            <a:ext cx="2142017" cy="183348"/>
+          </a:xfrm>
+          <a:prstGeom prst="rect">
+            <a:avLst/>
+          </a:prstGeom>
+          <a:ln w="12700">
+            <a:miter lim="400000"/>
+          </a:ln>
+          <a:extLst>
+            <a:ext uri="{C572A759-6A51-4108-AA02-DFA0A04FC94B}">
+              <ma14:wrappingTextBoxFlag xmlns:ma14="http://schemas.microsoft.com/office/mac/drawingml/2011/main" val="1"/>
+            </a:ext>
+          </a:extLst>
+        </p:spPr>
+        <p:txBody>
+          <a:bodyPr lIns="0" tIns="0" rIns="0" bIns="0">
+            <a:normAutofit fontScale="100000" lnSpcReduction="0"/>
+          </a:bodyPr>
+          <a:lstStyle/>
+          <a:p>
+            <a:pPr>
+              <a:lnSpc>
+                <a:spcPct val="80000"/>
+              </a:lnSpc>
+              <a:spcBef>
+                <a:spcPts val="0"/>
+              </a:spcBef>
+              <a:defRPr sz="1000">
+                <a:solidFill>
+                  <a:srgbClr val="000000"/>
+                </a:solidFill>
+                <a:latin typeface="Source Sans Pro Regular"/>
+                <a:ea typeface="Source Sans Pro Regular"/>
+                <a:cs typeface="Source Sans Pro Regular"/>
+                <a:sym typeface="Source Sans Pro Regular"/>
+              </a:defRPr>
+            </a:pPr>
+            <a:r>
+              <a:t>Override defaults with </a:t>
+            </a:r>
+            <a:r>
+              <a:rPr>
+                <a:latin typeface="Source Sans Pro Bold"/>
+                <a:ea typeface="Source Sans Pro Bold"/>
+                <a:cs typeface="Source Sans Pro Bold"/>
+                <a:sym typeface="Source Sans Pro Bold"/>
+              </a:rPr>
+              <a:t>scales</a:t>
+            </a:r>
+            <a:r>
+              <a:t> package.</a:t>
             </a:r>
           </a:p>
         </p:txBody>

--- a/powerpoints/data-visualization-2.1.pptx
+++ b/powerpoints/data-visualization-2.1.pptx
@@ -2941,7 +2941,7 @@
         </p:nvSpPr>
         <p:spPr>
           <a:xfrm>
-            <a:off x="678916" y="6084079"/>
+            <a:off x="678916" y="5588779"/>
             <a:ext cx="444501" cy="148882"/>
           </a:xfrm>
           <a:prstGeom prst="wedgeEllipseCallout">
@@ -2992,8 +2992,8 @@
         </p:nvSpPr>
         <p:spPr>
           <a:xfrm>
-            <a:off x="198460" y="1210284"/>
-            <a:ext cx="3328451" cy="8157234"/>
+            <a:off x="198459" y="1210284"/>
+            <a:ext cx="3328451" cy="6727689"/>
           </a:xfrm>
           <a:prstGeom prst="rect">
             <a:avLst/>
@@ -3108,7 +3108,7 @@
         </p:nvSpPr>
         <p:spPr>
           <a:xfrm>
-            <a:off x="1151485" y="5706735"/>
+            <a:off x="1151485" y="5211435"/>
             <a:ext cx="438151" cy="148882"/>
           </a:xfrm>
           <a:prstGeom prst="wedgeEllipseCallout">
@@ -3159,7 +3159,7 @@
         </p:nvSpPr>
         <p:spPr>
           <a:xfrm>
-            <a:off x="1727218" y="6084079"/>
+            <a:off x="1727218" y="5588779"/>
             <a:ext cx="685801" cy="148882"/>
           </a:xfrm>
           <a:prstGeom prst="wedgeEllipseCallout">
@@ -3210,7 +3210,7 @@
         </p:nvSpPr>
         <p:spPr>
           <a:xfrm>
-            <a:off x="2404552" y="5895407"/>
+            <a:off x="2404552" y="5400107"/>
             <a:ext cx="814846" cy="148882"/>
           </a:xfrm>
           <a:prstGeom prst="wedgeEllipseCallout">
@@ -3261,7 +3261,7 @@
         </p:nvSpPr>
         <p:spPr>
           <a:xfrm>
-            <a:off x="342918" y="5897235"/>
+            <a:off x="342918" y="5401935"/>
             <a:ext cx="1172174" cy="148882"/>
           </a:xfrm>
           <a:prstGeom prst="wedgeEllipseCallout">
@@ -3312,7 +3312,7 @@
         </p:nvSpPr>
         <p:spPr>
           <a:xfrm>
-            <a:off x="342918" y="6272751"/>
+            <a:off x="342918" y="5777451"/>
             <a:ext cx="1563264" cy="148882"/>
           </a:xfrm>
           <a:prstGeom prst="wedgeEllipseCallout">
@@ -3363,7 +3363,7 @@
         </p:nvSpPr>
         <p:spPr>
           <a:xfrm>
-            <a:off x="342918" y="6461423"/>
+            <a:off x="342918" y="5966123"/>
             <a:ext cx="1219296" cy="148881"/>
           </a:xfrm>
           <a:prstGeom prst="wedgeEllipseCallout">
@@ -3414,7 +3414,7 @@
         </p:nvSpPr>
         <p:spPr>
           <a:xfrm>
-            <a:off x="342918" y="6650094"/>
+            <a:off x="342918" y="6154794"/>
             <a:ext cx="1219296" cy="148882"/>
           </a:xfrm>
           <a:prstGeom prst="wedgeEllipseCallout">
@@ -3465,7 +3465,7 @@
         </p:nvSpPr>
         <p:spPr>
           <a:xfrm>
-            <a:off x="342918" y="6838766"/>
+            <a:off x="342918" y="6343466"/>
             <a:ext cx="1219296" cy="148882"/>
           </a:xfrm>
           <a:prstGeom prst="wedgeEllipseCallout">
@@ -3687,7 +3687,7 @@
         </p:nvSpPr>
         <p:spPr>
           <a:xfrm>
-            <a:off x="335608" y="1783362"/>
+            <a:off x="310208" y="1592862"/>
             <a:ext cx="3054155" cy="653306"/>
           </a:xfrm>
           <a:prstGeom prst="rect">
@@ -4348,7 +4348,7 @@
           <p:nvPr/>
         </p:nvGraphicFramePr>
         <p:xfrm>
-          <a:off x="1495917" y="2588878"/>
+          <a:off x="1495917" y="2398378"/>
           <a:ext cx="5729884" cy="6139161"/>
         </p:xfrm>
         <a:graphic xmlns:a="http://schemas.openxmlformats.org/drawingml/2006/main">
@@ -5019,7 +5019,7 @@
         </p:nvSpPr>
         <p:spPr>
           <a:xfrm>
-            <a:off x="1024751" y="2588026"/>
+            <a:off x="1024751" y="2397526"/>
             <a:ext cx="177293" cy="393701"/>
           </a:xfrm>
           <a:prstGeom prst="rect">
@@ -5073,7 +5073,7 @@
         </p:nvSpPr>
         <p:spPr>
           <a:xfrm>
-            <a:off x="2215688" y="2588026"/>
+            <a:off x="2215688" y="2397526"/>
             <a:ext cx="177293" cy="393701"/>
           </a:xfrm>
           <a:prstGeom prst="rect">
@@ -5127,7 +5127,7 @@
         </p:nvSpPr>
         <p:spPr>
           <a:xfrm>
-            <a:off x="335608" y="3515284"/>
+            <a:off x="310208" y="3197784"/>
             <a:ext cx="3054155" cy="576386"/>
           </a:xfrm>
           <a:prstGeom prst="rect">
@@ -5239,7 +5239,7 @@
         </p:nvGrpSpPr>
         <p:grpSpPr>
           <a:xfrm>
-            <a:off x="2714983" y="2588878"/>
+            <a:off x="2714983" y="2398378"/>
             <a:ext cx="5729884" cy="6139161"/>
             <a:chOff x="25400" y="25400"/>
             <a:chExt cx="5729882" cy="6139160"/>
@@ -6269,7 +6269,7 @@
           <p:nvPr/>
         </p:nvGraphicFramePr>
         <p:xfrm>
-          <a:off x="1495917" y="4113895"/>
+          <a:off x="1495917" y="3796395"/>
           <a:ext cx="5729884" cy="6139161"/>
         </p:xfrm>
         <a:graphic xmlns:a="http://schemas.openxmlformats.org/drawingml/2006/main">
@@ -6940,7 +6940,7 @@
         </p:nvSpPr>
         <p:spPr>
           <a:xfrm>
-            <a:off x="1024751" y="4113043"/>
+            <a:off x="1024751" y="3795543"/>
             <a:ext cx="177293" cy="393701"/>
           </a:xfrm>
           <a:prstGeom prst="rect">
@@ -6994,7 +6994,7 @@
         </p:nvSpPr>
         <p:spPr>
           <a:xfrm>
-            <a:off x="2215688" y="4113043"/>
+            <a:off x="2215688" y="3795543"/>
             <a:ext cx="177293" cy="393701"/>
           </a:xfrm>
           <a:prstGeom prst="rect">
@@ -7048,7 +7048,7 @@
         </p:nvGrpSpPr>
         <p:grpSpPr>
           <a:xfrm>
-            <a:off x="2714983" y="4113895"/>
+            <a:off x="2714983" y="3796395"/>
             <a:ext cx="5729884" cy="6139161"/>
             <a:chOff x="25400" y="25400"/>
             <a:chExt cx="5729882" cy="6139160"/>
@@ -7804,7 +7804,7 @@
         </p:nvSpPr>
         <p:spPr>
           <a:xfrm>
-            <a:off x="336016" y="3023885"/>
+            <a:off x="336016" y="2833385"/>
             <a:ext cx="355601" cy="190501"/>
           </a:xfrm>
           <a:prstGeom prst="rect">
@@ -7854,7 +7854,7 @@
         </p:nvSpPr>
         <p:spPr>
           <a:xfrm>
-            <a:off x="717016" y="3023885"/>
+            <a:off x="717016" y="2833385"/>
             <a:ext cx="685801" cy="333298"/>
           </a:xfrm>
           <a:prstGeom prst="rect">
@@ -7935,7 +7935,7 @@
         </p:nvSpPr>
         <p:spPr>
           <a:xfrm>
-            <a:off x="1490025" y="3023885"/>
+            <a:off x="1490025" y="2833385"/>
             <a:ext cx="802147" cy="355601"/>
           </a:xfrm>
           <a:prstGeom prst="rect">
@@ -7985,7 +7985,7 @@
         </p:nvSpPr>
         <p:spPr>
           <a:xfrm>
-            <a:off x="2725807" y="3023885"/>
+            <a:off x="2725807" y="2833385"/>
             <a:ext cx="482601" cy="241301"/>
           </a:xfrm>
           <a:prstGeom prst="rect">
@@ -8035,7 +8035,7 @@
         </p:nvSpPr>
         <p:spPr>
           <a:xfrm>
-            <a:off x="336016" y="4546522"/>
+            <a:off x="336016" y="4229022"/>
             <a:ext cx="355601" cy="190501"/>
           </a:xfrm>
           <a:prstGeom prst="rect">
@@ -8085,7 +8085,7 @@
         </p:nvSpPr>
         <p:spPr>
           <a:xfrm>
-            <a:off x="717016" y="4546522"/>
+            <a:off x="717016" y="4229022"/>
             <a:ext cx="685801" cy="487403"/>
           </a:xfrm>
           <a:prstGeom prst="rect">
@@ -8210,7 +8210,7 @@
         </p:nvSpPr>
         <p:spPr>
           <a:xfrm>
-            <a:off x="1490025" y="4546522"/>
+            <a:off x="1490025" y="4229022"/>
             <a:ext cx="802147" cy="355601"/>
           </a:xfrm>
           <a:prstGeom prst="rect">
@@ -8260,7 +8260,7 @@
         </p:nvSpPr>
         <p:spPr>
           <a:xfrm>
-            <a:off x="2725807" y="4546522"/>
+            <a:off x="2725807" y="4229022"/>
             <a:ext cx="482601" cy="241301"/>
           </a:xfrm>
           <a:prstGeom prst="rect">
@@ -8310,7 +8310,7 @@
         </p:nvSpPr>
         <p:spPr>
           <a:xfrm>
-            <a:off x="335608" y="5445019"/>
+            <a:off x="310208" y="4949719"/>
             <a:ext cx="3054155" cy="215901"/>
           </a:xfrm>
           <a:prstGeom prst="rect">
@@ -8364,7 +8364,7 @@
         </p:nvSpPr>
         <p:spPr>
           <a:xfrm>
-            <a:off x="245136" y="5302094"/>
+            <a:off x="245136" y="4802293"/>
             <a:ext cx="3260085" cy="1"/>
           </a:xfrm>
           <a:prstGeom prst="line">
@@ -8372,7 +8372,7 @@
           </a:prstGeom>
           <a:ln w="12700">
             <a:solidFill>
-              <a:srgbClr val="767C85"/>
+              <a:srgbClr val="79ABDB"/>
             </a:solidFill>
             <a:custDash>
               <a:ds d="100000" sp="200000"/>
@@ -8411,7 +8411,7 @@
         </p:nvSpPr>
         <p:spPr>
           <a:xfrm>
-            <a:off x="2995860" y="5632554"/>
+            <a:off x="2995860" y="5137254"/>
             <a:ext cx="537595" cy="165823"/>
           </a:xfrm>
           <a:prstGeom prst="rect">
@@ -8461,8 +8461,8 @@
         </p:nvSpPr>
         <p:spPr>
           <a:xfrm>
-            <a:off x="342319" y="7204263"/>
-            <a:ext cx="3054155" cy="2237430"/>
+            <a:off x="316919" y="6594663"/>
+            <a:ext cx="3054155" cy="1276639"/>
           </a:xfrm>
           <a:prstGeom prst="rect">
             <a:avLst/>
@@ -8535,11 +8535,6 @@
             <a:r>
               <a:t>Begins a plot that you finish by adding layers to. Add one geom function per layer.     </a:t>
             </a:r>
-            <a:br/>
-            <a:r>
-              <a:t> </a:t>
-            </a:r>
-            <a:br/>
           </a:p>
           <a:p>
             <a:pPr>
@@ -8566,49 +8561,6 @@
                 <a:cs typeface="Source Sans Pro Bold"/>
                 <a:sym typeface="Source Sans Pro Bold"/>
               </a:rPr>
-              <a:t>qplot(</a:t>
-            </a:r>
-            <a:r>
-              <a:t>x = cty, y = hwy, data = mpg, geom = “point"</a:t>
-            </a:r>
-            <a:r>
-              <a:rPr>
-                <a:latin typeface="Source Sans Pro Bold"/>
-                <a:ea typeface="Source Sans Pro Bold"/>
-                <a:cs typeface="Source Sans Pro Bold"/>
-                <a:sym typeface="Source Sans Pro Bold"/>
-              </a:rPr>
-              <a:t>)</a:t>
-            </a:r>
-            <a:r>
-              <a:t> Creates a complete plot with given data, geom, and mappings. Supplies many useful defaults.    </a:t>
-            </a:r>
-          </a:p>
-          <a:p>
-            <a:pPr>
-              <a:lnSpc>
-                <a:spcPct val="80000"/>
-              </a:lnSpc>
-              <a:spcBef>
-                <a:spcPts val="1000"/>
-              </a:spcBef>
-              <a:defRPr sz="1000">
-                <a:solidFill>
-                  <a:srgbClr val="000000"/>
-                </a:solidFill>
-                <a:latin typeface="Source Sans Pro Regular"/>
-                <a:ea typeface="Source Sans Pro Regular"/>
-                <a:cs typeface="Source Sans Pro Regular"/>
-                <a:sym typeface="Source Sans Pro Regular"/>
-              </a:defRPr>
-            </a:pPr>
-            <a:r>
-              <a:rPr>
-                <a:latin typeface="Source Sans Pro Bold"/>
-                <a:ea typeface="Source Sans Pro Bold"/>
-                <a:cs typeface="Source Sans Pro Bold"/>
-                <a:sym typeface="Source Sans Pro Bold"/>
-              </a:rPr>
               <a:t>last_plot() </a:t>
             </a:r>
             <a:r>
@@ -8668,7 +8620,7 @@
         </p:nvGrpSpPr>
         <p:grpSpPr>
           <a:xfrm>
-            <a:off x="138221" y="2518830"/>
+            <a:off x="138221" y="2328330"/>
             <a:ext cx="630201" cy="811599"/>
             <a:chOff x="0" y="25400"/>
             <a:chExt cx="630199" cy="811597"/>
@@ -9950,7 +9902,7 @@
           <p:nvPr/>
         </p:nvGraphicFramePr>
         <p:xfrm>
-          <a:off x="332849" y="4039282"/>
+          <a:off x="332849" y="3721782"/>
           <a:ext cx="355075" cy="811599"/>
         </p:xfrm>
         <a:graphic xmlns:a="http://schemas.openxmlformats.org/drawingml/2006/main">
@@ -10265,7 +10217,7 @@
         </p:nvSpPr>
         <p:spPr>
           <a:xfrm>
-            <a:off x="138221" y="4226629"/>
+            <a:off x="138221" y="3909129"/>
             <a:ext cx="543369" cy="1"/>
           </a:xfrm>
           <a:prstGeom prst="line">
@@ -10317,7 +10269,7 @@
         </p:nvSpPr>
         <p:spPr>
           <a:xfrm>
-            <a:off x="138221" y="4290457"/>
+            <a:off x="138221" y="3972957"/>
             <a:ext cx="543369" cy="1"/>
           </a:xfrm>
           <a:prstGeom prst="line">
@@ -10369,7 +10321,7 @@
         </p:nvSpPr>
         <p:spPr>
           <a:xfrm>
-            <a:off x="138221" y="4354286"/>
+            <a:off x="138221" y="4036786"/>
             <a:ext cx="543369" cy="1"/>
           </a:xfrm>
           <a:prstGeom prst="line">
@@ -10421,7 +10373,7 @@
         </p:nvSpPr>
         <p:spPr>
           <a:xfrm>
-            <a:off x="138221" y="4418114"/>
+            <a:off x="138221" y="4100614"/>
             <a:ext cx="543369" cy="1"/>
           </a:xfrm>
           <a:prstGeom prst="line">
@@ -10473,7 +10425,7 @@
         </p:nvSpPr>
         <p:spPr>
           <a:xfrm>
-            <a:off x="138221" y="4481943"/>
+            <a:off x="138221" y="4164443"/>
             <a:ext cx="543369" cy="1"/>
           </a:xfrm>
           <a:prstGeom prst="line">
@@ -10525,7 +10477,7 @@
         </p:nvSpPr>
         <p:spPr>
           <a:xfrm>
-            <a:off x="346808" y="4188529"/>
+            <a:off x="346808" y="3871029"/>
             <a:ext cx="354581" cy="1"/>
           </a:xfrm>
           <a:prstGeom prst="line">
@@ -10578,7 +10530,7 @@
         </p:nvSpPr>
         <p:spPr>
           <a:xfrm>
-            <a:off x="346808" y="4321134"/>
+            <a:off x="346808" y="4003634"/>
             <a:ext cx="354581" cy="1"/>
           </a:xfrm>
           <a:prstGeom prst="line">
@@ -10631,7 +10583,7 @@
         </p:nvSpPr>
         <p:spPr>
           <a:xfrm>
-            <a:off x="346808" y="4453740"/>
+            <a:off x="346808" y="4136240"/>
             <a:ext cx="354581" cy="1"/>
           </a:xfrm>
           <a:prstGeom prst="line">
@@ -10684,7 +10636,7 @@
         </p:nvSpPr>
         <p:spPr>
           <a:xfrm>
-            <a:off x="346808" y="4254832"/>
+            <a:off x="346808" y="3937332"/>
             <a:ext cx="354581" cy="1"/>
           </a:xfrm>
           <a:prstGeom prst="line">
@@ -10737,7 +10689,7 @@
         </p:nvSpPr>
         <p:spPr>
           <a:xfrm>
-            <a:off x="346808" y="4387437"/>
+            <a:off x="346808" y="4069937"/>
             <a:ext cx="354581" cy="1"/>
           </a:xfrm>
           <a:prstGeom prst="line">
@@ -10790,7 +10742,7 @@
         </p:nvSpPr>
         <p:spPr>
           <a:xfrm>
-            <a:off x="346808" y="4520043"/>
+            <a:off x="346808" y="4202543"/>
             <a:ext cx="354581" cy="1"/>
           </a:xfrm>
           <a:prstGeom prst="line">
@@ -10853,7 +10805,7 @@
         </p:blipFill>
         <p:spPr>
           <a:xfrm>
-            <a:off x="717474" y="4174818"/>
+            <a:off x="717474" y="3857318"/>
             <a:ext cx="80389" cy="378734"/>
           </a:xfrm>
           <a:prstGeom prst="rect">
@@ -10864,539 +10816,9 @@
           </a:ln>
         </p:spPr>
       </p:pic>
-      <p:grpSp>
-        <p:nvGrpSpPr>
-          <p:cNvPr id="210" name="Group"/>
-          <p:cNvGrpSpPr/>
-          <p:nvPr/>
-        </p:nvGrpSpPr>
-        <p:grpSpPr>
-          <a:xfrm>
-            <a:off x="627846" y="7791445"/>
-            <a:ext cx="2144947" cy="256530"/>
-            <a:chOff x="0" y="0"/>
-            <a:chExt cx="2144946" cy="256529"/>
-          </a:xfrm>
-        </p:grpSpPr>
-        <p:sp>
-          <p:nvSpPr>
-            <p:cNvPr id="203" name="Triangle"/>
-            <p:cNvSpPr/>
-            <p:nvPr/>
-          </p:nvSpPr>
-          <p:spPr>
-            <a:xfrm flipH="1" rot="10800000">
-              <a:off x="34248" y="139708"/>
-              <a:ext cx="87869" cy="103534"/>
-            </a:xfrm>
-            <a:custGeom>
-              <a:avLst/>
-              <a:gdLst/>
-              <a:ahLst/>
-              <a:cxnLst>
-                <a:cxn ang="0">
-                  <a:pos x="wd2" y="hd2"/>
-                </a:cxn>
-                <a:cxn ang="5400000">
-                  <a:pos x="wd2" y="hd2"/>
-                </a:cxn>
-                <a:cxn ang="10800000">
-                  <a:pos x="wd2" y="hd2"/>
-                </a:cxn>
-                <a:cxn ang="16200000">
-                  <a:pos x="wd2" y="hd2"/>
-                </a:cxn>
-              </a:cxnLst>
-              <a:rect l="0" t="0" r="r" b="b"/>
-              <a:pathLst>
-                <a:path w="21600" h="21600" fill="norm" stroke="1" extrusionOk="0">
-                  <a:moveTo>
-                    <a:pt x="10800" y="0"/>
-                  </a:moveTo>
-                  <a:lnTo>
-                    <a:pt x="21600" y="21600"/>
-                  </a:lnTo>
-                  <a:lnTo>
-                    <a:pt x="0" y="21600"/>
-                  </a:lnTo>
-                  <a:close/>
-                </a:path>
-              </a:pathLst>
-            </a:custGeom>
-            <a:solidFill>
-              <a:srgbClr val="3DA642"/>
-            </a:solidFill>
-            <a:ln w="12700" cap="flat">
-              <a:noFill/>
-              <a:miter lim="400000"/>
-            </a:ln>
-            <a:effectLst/>
-          </p:spPr>
-          <p:txBody>
-            <a:bodyPr wrap="square" lIns="54570" tIns="54570" rIns="54570" bIns="54570" numCol="1" anchor="ctr">
-              <a:noAutofit/>
-            </a:bodyPr>
-            <a:lstStyle/>
-            <a:p>
-              <a:pPr>
-                <a:lnSpc>
-                  <a:spcPct val="80000"/>
-                </a:lnSpc>
-                <a:spcBef>
-                  <a:spcPts val="0"/>
-                </a:spcBef>
-                <a:defRPr sz="1000">
-                  <a:solidFill>
-                    <a:srgbClr val="000000"/>
-                  </a:solidFill>
-                  <a:latin typeface="Source Sans Pro Regular"/>
-                  <a:ea typeface="Source Sans Pro Regular"/>
-                  <a:cs typeface="Source Sans Pro Regular"/>
-                  <a:sym typeface="Source Sans Pro Regular"/>
-                </a:defRPr>
-              </a:pPr>
-            </a:p>
-          </p:txBody>
-        </p:sp>
-        <p:sp>
-          <p:nvSpPr>
-            <p:cNvPr id="204" name="Triangle"/>
-            <p:cNvSpPr/>
-            <p:nvPr/>
-          </p:nvSpPr>
-          <p:spPr>
-            <a:xfrm flipH="1" rot="10800000">
-              <a:off x="432784" y="146557"/>
-              <a:ext cx="87869" cy="103534"/>
-            </a:xfrm>
-            <a:custGeom>
-              <a:avLst/>
-              <a:gdLst/>
-              <a:ahLst/>
-              <a:cxnLst>
-                <a:cxn ang="0">
-                  <a:pos x="wd2" y="hd2"/>
-                </a:cxn>
-                <a:cxn ang="5400000">
-                  <a:pos x="wd2" y="hd2"/>
-                </a:cxn>
-                <a:cxn ang="10800000">
-                  <a:pos x="wd2" y="hd2"/>
-                </a:cxn>
-                <a:cxn ang="16200000">
-                  <a:pos x="wd2" y="hd2"/>
-                </a:cxn>
-              </a:cxnLst>
-              <a:rect l="0" t="0" r="r" b="b"/>
-              <a:pathLst>
-                <a:path w="21600" h="21600" fill="norm" stroke="1" extrusionOk="0">
-                  <a:moveTo>
-                    <a:pt x="10800" y="0"/>
-                  </a:moveTo>
-                  <a:lnTo>
-                    <a:pt x="21600" y="21600"/>
-                  </a:lnTo>
-                  <a:lnTo>
-                    <a:pt x="0" y="21600"/>
-                  </a:lnTo>
-                  <a:close/>
-                </a:path>
-              </a:pathLst>
-            </a:custGeom>
-            <a:solidFill>
-              <a:srgbClr val="3DA642"/>
-            </a:solidFill>
-            <a:ln w="12700" cap="flat">
-              <a:noFill/>
-              <a:miter lim="400000"/>
-            </a:ln>
-            <a:effectLst/>
-          </p:spPr>
-          <p:txBody>
-            <a:bodyPr wrap="square" lIns="54570" tIns="54570" rIns="54570" bIns="54570" numCol="1" anchor="ctr">
-              <a:noAutofit/>
-            </a:bodyPr>
-            <a:lstStyle/>
-            <a:p>
-              <a:pPr>
-                <a:lnSpc>
-                  <a:spcPct val="80000"/>
-                </a:lnSpc>
-                <a:spcBef>
-                  <a:spcPts val="0"/>
-                </a:spcBef>
-                <a:defRPr sz="1000">
-                  <a:solidFill>
-                    <a:srgbClr val="000000"/>
-                  </a:solidFill>
-                  <a:latin typeface="Source Sans Pro Regular"/>
-                  <a:ea typeface="Source Sans Pro Regular"/>
-                  <a:cs typeface="Source Sans Pro Regular"/>
-                  <a:sym typeface="Source Sans Pro Regular"/>
-                </a:defRPr>
-              </a:pPr>
-            </a:p>
-          </p:txBody>
-        </p:sp>
-        <p:sp>
-          <p:nvSpPr>
-            <p:cNvPr id="205" name="aesthetic mappings"/>
-            <p:cNvSpPr/>
-            <p:nvPr/>
-          </p:nvSpPr>
-          <p:spPr>
-            <a:xfrm>
-              <a:off x="0" y="4405"/>
-              <a:ext cx="1172173" cy="166747"/>
-            </a:xfrm>
-            <a:prstGeom prst="wedgeEllipseCallout">
-              <a:avLst>
-                <a:gd name="adj1" fmla="val -623"/>
-                <a:gd name="adj2" fmla="val 26387"/>
-              </a:avLst>
-            </a:prstGeom>
-            <a:solidFill>
-              <a:srgbClr val="3DA642"/>
-            </a:solidFill>
-            <a:ln w="12700" cap="flat">
-              <a:noFill/>
-              <a:miter lim="400000"/>
-            </a:ln>
-            <a:effectLst/>
-            <a:extLst>
-              <a:ext uri="{C572A759-6A51-4108-AA02-DFA0A04FC94B}">
-                <ma14:wrappingTextBoxFlag xmlns:ma14="http://schemas.microsoft.com/office/mac/drawingml/2011/main" val="1"/>
-              </a:ext>
-            </a:extLst>
-          </p:spPr>
-          <p:txBody>
-            <a:bodyPr wrap="square" lIns="0" tIns="0" rIns="0" bIns="0" numCol="1" anchor="ctr">
-              <a:noAutofit/>
-            </a:bodyPr>
-            <a:lstStyle>
-              <a:lvl1pPr algn="ctr">
-                <a:lnSpc>
-                  <a:spcPct val="90000"/>
-                </a:lnSpc>
-                <a:spcBef>
-                  <a:spcPts val="300"/>
-                </a:spcBef>
-                <a:buClr>
-                  <a:schemeClr val="accent4">
-                    <a:hueOff val="384618"/>
-                    <a:satOff val="3869"/>
-                    <a:lumOff val="5802"/>
-                  </a:schemeClr>
-                </a:buClr>
-                <a:defRPr sz="900">
-                  <a:solidFill>
-                    <a:srgbClr val="FFFFFF"/>
-                  </a:solidFill>
-                </a:defRPr>
-              </a:lvl1pPr>
-            </a:lstStyle>
-            <a:p>
-              <a:pPr/>
-              <a:r>
-                <a:t>aesthetic mappings</a:t>
-              </a:r>
-            </a:p>
-          </p:txBody>
-        </p:sp>
-        <p:sp>
-          <p:nvSpPr>
-            <p:cNvPr id="206" name="data"/>
-            <p:cNvSpPr/>
-            <p:nvPr/>
-          </p:nvSpPr>
-          <p:spPr>
-            <a:xfrm>
-              <a:off x="1185016" y="12993"/>
-              <a:ext cx="438151" cy="166748"/>
-            </a:xfrm>
-            <a:prstGeom prst="wedgeEllipseCallout">
-              <a:avLst>
-                <a:gd name="adj1" fmla="val -5042"/>
-                <a:gd name="adj2" fmla="val -7403"/>
-              </a:avLst>
-            </a:prstGeom>
-            <a:solidFill>
-              <a:srgbClr val="3DA642"/>
-            </a:solidFill>
-            <a:ln w="12700" cap="flat">
-              <a:noFill/>
-              <a:miter lim="400000"/>
-            </a:ln>
-            <a:effectLst/>
-            <a:extLst>
-              <a:ext uri="{C572A759-6A51-4108-AA02-DFA0A04FC94B}">
-                <ma14:wrappingTextBoxFlag xmlns:ma14="http://schemas.microsoft.com/office/mac/drawingml/2011/main" val="1"/>
-              </a:ext>
-            </a:extLst>
-          </p:spPr>
-          <p:txBody>
-            <a:bodyPr wrap="square" lIns="0" tIns="0" rIns="0" bIns="0" numCol="1" anchor="ctr">
-              <a:noAutofit/>
-            </a:bodyPr>
-            <a:lstStyle>
-              <a:lvl1pPr algn="ctr">
-                <a:lnSpc>
-                  <a:spcPct val="90000"/>
-                </a:lnSpc>
-                <a:spcBef>
-                  <a:spcPts val="300"/>
-                </a:spcBef>
-                <a:buClr>
-                  <a:schemeClr val="accent4">
-                    <a:hueOff val="384618"/>
-                    <a:satOff val="3869"/>
-                    <a:lumOff val="5802"/>
-                  </a:schemeClr>
-                </a:buClr>
-                <a:defRPr sz="900">
-                  <a:solidFill>
-                    <a:srgbClr val="FFFFFF"/>
-                  </a:solidFill>
-                </a:defRPr>
-              </a:lvl1pPr>
-            </a:lstStyle>
-            <a:p>
-              <a:pPr/>
-              <a:r>
-                <a:t>data</a:t>
-              </a:r>
-            </a:p>
-          </p:txBody>
-        </p:sp>
-        <p:sp>
-          <p:nvSpPr>
-            <p:cNvPr id="207" name="geom"/>
-            <p:cNvSpPr/>
-            <p:nvPr/>
-          </p:nvSpPr>
-          <p:spPr>
-            <a:xfrm>
-              <a:off x="1654751" y="0"/>
-              <a:ext cx="490196" cy="166747"/>
-            </a:xfrm>
-            <a:prstGeom prst="wedgeEllipseCallout">
-              <a:avLst>
-                <a:gd name="adj1" fmla="val 802"/>
-                <a:gd name="adj2" fmla="val -7403"/>
-              </a:avLst>
-            </a:prstGeom>
-            <a:solidFill>
-              <a:srgbClr val="3DA642"/>
-            </a:solidFill>
-            <a:ln w="12700" cap="flat">
-              <a:noFill/>
-              <a:miter lim="400000"/>
-            </a:ln>
-            <a:effectLst/>
-            <a:extLst>
-              <a:ext uri="{C572A759-6A51-4108-AA02-DFA0A04FC94B}">
-                <ma14:wrappingTextBoxFlag xmlns:ma14="http://schemas.microsoft.com/office/mac/drawingml/2011/main" val="1"/>
-              </a:ext>
-            </a:extLst>
-          </p:spPr>
-          <p:txBody>
-            <a:bodyPr wrap="square" lIns="0" tIns="0" rIns="0" bIns="0" numCol="1" anchor="ctr">
-              <a:noAutofit/>
-            </a:bodyPr>
-            <a:lstStyle>
-              <a:lvl1pPr algn="ctr">
-                <a:lnSpc>
-                  <a:spcPct val="90000"/>
-                </a:lnSpc>
-                <a:spcBef>
-                  <a:spcPts val="300"/>
-                </a:spcBef>
-                <a:buClr>
-                  <a:schemeClr val="accent4">
-                    <a:hueOff val="384618"/>
-                    <a:satOff val="3869"/>
-                    <a:lumOff val="5802"/>
-                  </a:schemeClr>
-                </a:buClr>
-                <a:defRPr sz="900">
-                  <a:solidFill>
-                    <a:srgbClr val="FFFFFF"/>
-                  </a:solidFill>
-                </a:defRPr>
-              </a:lvl1pPr>
-            </a:lstStyle>
-            <a:p>
-              <a:pPr/>
-              <a:r>
-                <a:t>geom</a:t>
-              </a:r>
-            </a:p>
-          </p:txBody>
-        </p:sp>
-        <p:sp>
-          <p:nvSpPr>
-            <p:cNvPr id="208" name="Triangle"/>
-            <p:cNvSpPr/>
-            <p:nvPr/>
-          </p:nvSpPr>
-          <p:spPr>
-            <a:xfrm flipH="1" rot="10800000">
-              <a:off x="1285692" y="152996"/>
-              <a:ext cx="87869" cy="103534"/>
-            </a:xfrm>
-            <a:custGeom>
-              <a:avLst/>
-              <a:gdLst/>
-              <a:ahLst/>
-              <a:cxnLst>
-                <a:cxn ang="0">
-                  <a:pos x="wd2" y="hd2"/>
-                </a:cxn>
-                <a:cxn ang="5400000">
-                  <a:pos x="wd2" y="hd2"/>
-                </a:cxn>
-                <a:cxn ang="10800000">
-                  <a:pos x="wd2" y="hd2"/>
-                </a:cxn>
-                <a:cxn ang="16200000">
-                  <a:pos x="wd2" y="hd2"/>
-                </a:cxn>
-              </a:cxnLst>
-              <a:rect l="0" t="0" r="r" b="b"/>
-              <a:pathLst>
-                <a:path w="21600" h="21600" fill="norm" stroke="1" extrusionOk="0">
-                  <a:moveTo>
-                    <a:pt x="10800" y="0"/>
-                  </a:moveTo>
-                  <a:lnTo>
-                    <a:pt x="21600" y="21600"/>
-                  </a:lnTo>
-                  <a:lnTo>
-                    <a:pt x="0" y="21600"/>
-                  </a:lnTo>
-                  <a:close/>
-                </a:path>
-              </a:pathLst>
-            </a:custGeom>
-            <a:solidFill>
-              <a:srgbClr val="3DA642"/>
-            </a:solidFill>
-            <a:ln w="12700" cap="flat">
-              <a:noFill/>
-              <a:miter lim="400000"/>
-            </a:ln>
-            <a:effectLst/>
-          </p:spPr>
-          <p:txBody>
-            <a:bodyPr wrap="square" lIns="54570" tIns="54570" rIns="54570" bIns="54570" numCol="1" anchor="ctr">
-              <a:noAutofit/>
-            </a:bodyPr>
-            <a:lstStyle/>
-            <a:p>
-              <a:pPr>
-                <a:lnSpc>
-                  <a:spcPct val="80000"/>
-                </a:lnSpc>
-                <a:spcBef>
-                  <a:spcPts val="0"/>
-                </a:spcBef>
-                <a:defRPr sz="1000">
-                  <a:solidFill>
-                    <a:srgbClr val="000000"/>
-                  </a:solidFill>
-                  <a:latin typeface="Source Sans Pro Regular"/>
-                  <a:ea typeface="Source Sans Pro Regular"/>
-                  <a:cs typeface="Source Sans Pro Regular"/>
-                  <a:sym typeface="Source Sans Pro Regular"/>
-                </a:defRPr>
-              </a:pPr>
-            </a:p>
-          </p:txBody>
-        </p:sp>
-        <p:sp>
-          <p:nvSpPr>
-            <p:cNvPr id="209" name="Triangle"/>
-            <p:cNvSpPr/>
-            <p:nvPr/>
-          </p:nvSpPr>
-          <p:spPr>
-            <a:xfrm flipH="1" rot="10800000">
-              <a:off x="1748159" y="152811"/>
-              <a:ext cx="87870" cy="103534"/>
-            </a:xfrm>
-            <a:custGeom>
-              <a:avLst/>
-              <a:gdLst/>
-              <a:ahLst/>
-              <a:cxnLst>
-                <a:cxn ang="0">
-                  <a:pos x="wd2" y="hd2"/>
-                </a:cxn>
-                <a:cxn ang="5400000">
-                  <a:pos x="wd2" y="hd2"/>
-                </a:cxn>
-                <a:cxn ang="10800000">
-                  <a:pos x="wd2" y="hd2"/>
-                </a:cxn>
-                <a:cxn ang="16200000">
-                  <a:pos x="wd2" y="hd2"/>
-                </a:cxn>
-              </a:cxnLst>
-              <a:rect l="0" t="0" r="r" b="b"/>
-              <a:pathLst>
-                <a:path w="21600" h="21600" fill="norm" stroke="1" extrusionOk="0">
-                  <a:moveTo>
-                    <a:pt x="10800" y="0"/>
-                  </a:moveTo>
-                  <a:lnTo>
-                    <a:pt x="21600" y="21600"/>
-                  </a:lnTo>
-                  <a:lnTo>
-                    <a:pt x="0" y="21600"/>
-                  </a:lnTo>
-                  <a:close/>
-                </a:path>
-              </a:pathLst>
-            </a:custGeom>
-            <a:solidFill>
-              <a:srgbClr val="3DA642"/>
-            </a:solidFill>
-            <a:ln w="12700" cap="flat">
-              <a:noFill/>
-              <a:miter lim="400000"/>
-            </a:ln>
-            <a:effectLst/>
-          </p:spPr>
-          <p:txBody>
-            <a:bodyPr wrap="square" lIns="54570" tIns="54570" rIns="54570" bIns="54570" numCol="1" anchor="ctr">
-              <a:noAutofit/>
-            </a:bodyPr>
-            <a:lstStyle/>
-            <a:p>
-              <a:pPr>
-                <a:lnSpc>
-                  <a:spcPct val="80000"/>
-                </a:lnSpc>
-                <a:spcBef>
-                  <a:spcPts val="0"/>
-                </a:spcBef>
-                <a:defRPr sz="1000">
-                  <a:solidFill>
-                    <a:srgbClr val="000000"/>
-                  </a:solidFill>
-                  <a:latin typeface="Source Sans Pro Regular"/>
-                  <a:ea typeface="Source Sans Pro Regular"/>
-                  <a:cs typeface="Source Sans Pro Regular"/>
-                  <a:sym typeface="Source Sans Pro Regular"/>
-                </a:defRPr>
-              </a:pPr>
-            </a:p>
-          </p:txBody>
-        </p:sp>
-      </p:grpSp>
       <p:sp>
         <p:nvSpPr>
-          <p:cNvPr id="211" name="LINE SEGMENTS…"/>
+          <p:cNvPr id="203" name="LINE SEGMENTS…"/>
           <p:cNvSpPr txBox="1"/>
           <p:nvPr/>
         </p:nvSpPr>
@@ -11458,7 +10880,7 @@
       </p:sp>
       <p:sp>
         <p:nvSpPr>
-          <p:cNvPr id="212" name="b + geom_abline(aes(intercept = 0, slope = 1))…"/>
+          <p:cNvPr id="204" name="b + geom_abline(aes(intercept = 0, slope = 1))…"/>
           <p:cNvSpPr txBox="1"/>
           <p:nvPr/>
         </p:nvSpPr>
@@ -11608,7 +11030,7 @@
       </p:sp>
       <p:grpSp>
         <p:nvGrpSpPr>
-          <p:cNvPr id="217" name="Group"/>
+          <p:cNvPr id="209" name="Group"/>
           <p:cNvGrpSpPr/>
           <p:nvPr/>
         </p:nvGrpSpPr>
@@ -11622,7 +11044,7 @@
         </p:grpSpPr>
         <p:pic>
           <p:nvPicPr>
-            <p:cNvPr id="213" name="Image" descr="Image"/>
+            <p:cNvPr id="205" name="Image" descr="Image"/>
             <p:cNvPicPr>
               <a:picLocks noChangeAspect="1"/>
             </p:cNvPicPr>
@@ -11653,7 +11075,7 @@
         </p:pic>
         <p:sp>
           <p:nvSpPr>
-            <p:cNvPr id="214" name="Line"/>
+            <p:cNvPr id="206" name="Line"/>
             <p:cNvSpPr/>
             <p:nvPr/>
           </p:nvSpPr>
@@ -11700,7 +11122,7 @@
         </p:sp>
         <p:sp>
           <p:nvSpPr>
-            <p:cNvPr id="215" name="Line"/>
+            <p:cNvPr id="207" name="Line"/>
             <p:cNvSpPr/>
             <p:nvPr/>
           </p:nvSpPr>
@@ -11747,7 +11169,7 @@
         </p:sp>
         <p:sp>
           <p:nvSpPr>
-            <p:cNvPr id="216" name="Line"/>
+            <p:cNvPr id="208" name="Line"/>
             <p:cNvSpPr/>
             <p:nvPr/>
           </p:nvSpPr>
@@ -11795,7 +11217,7 @@
       </p:grpSp>
       <p:sp>
         <p:nvSpPr>
-          <p:cNvPr id="218" name="b + geom_segment(aes(yend = lat + 1, xend = long + 1))…"/>
+          <p:cNvPr id="210" name="b + geom_segment(aes(yend = lat + 1, xend = long + 1))…"/>
           <p:cNvSpPr txBox="1"/>
           <p:nvPr/>
         </p:nvSpPr>
@@ -11905,7 +11327,7 @@
       </p:sp>
       <p:sp>
         <p:nvSpPr>
-          <p:cNvPr id="219" name="a &lt;- ggplot(economics, aes(date, unemploy))…"/>
+          <p:cNvPr id="211" name="a &lt;- ggplot(economics, aes(date, unemploy))…"/>
           <p:cNvSpPr txBox="1"/>
           <p:nvPr/>
         </p:nvSpPr>
@@ -12003,7 +11425,7 @@
       </p:sp>
       <p:sp>
         <p:nvSpPr>
-          <p:cNvPr id="220" name="ONE VARIABLE    continuous"/>
+          <p:cNvPr id="212" name="ONE VARIABLE    continuous"/>
           <p:cNvSpPr txBox="1"/>
           <p:nvPr/>
         </p:nvSpPr>
@@ -12039,7 +11461,7 @@
       </p:sp>
       <p:sp>
         <p:nvSpPr>
-          <p:cNvPr id="221" name="c &lt;- ggplot(mpg, aes(hwy)); c2 &lt;- ggplot(mpg)"/>
+          <p:cNvPr id="213" name="c &lt;- ggplot(mpg, aes(hwy)); c2 &lt;- ggplot(mpg)"/>
           <p:cNvSpPr txBox="1"/>
           <p:nvPr/>
         </p:nvSpPr>
@@ -12115,7 +11537,7 @@
       </p:sp>
       <p:sp>
         <p:nvSpPr>
-          <p:cNvPr id="222" name="c + geom_area(stat = &quot;bin&quot;) x, y, alpha, color, fill, linetype, size…"/>
+          <p:cNvPr id="214" name="c + geom_area(stat = &quot;bin&quot;) x, y, alpha, color, fill, linetype, size…"/>
           <p:cNvSpPr txBox="1"/>
           <p:nvPr/>
         </p:nvSpPr>
@@ -12397,7 +11819,7 @@
       </p:sp>
       <p:sp>
         <p:nvSpPr>
-          <p:cNvPr id="223" name="discrete d &lt;- ggplot(mpg, aes(fl))"/>
+          <p:cNvPr id="215" name="discrete d &lt;- ggplot(mpg, aes(fl))"/>
           <p:cNvSpPr txBox="1"/>
           <p:nvPr/>
         </p:nvSpPr>
@@ -12471,7 +11893,7 @@
       </p:sp>
       <p:sp>
         <p:nvSpPr>
-          <p:cNvPr id="224" name="d + geom_bar()  x, alpha, color, fill, linetype, size, weight"/>
+          <p:cNvPr id="216" name="d + geom_bar()  x, alpha, color, fill, linetype, size, weight"/>
           <p:cNvSpPr txBox="1"/>
           <p:nvPr/>
         </p:nvSpPr>
@@ -12533,7 +11955,7 @@
       </p:sp>
       <p:sp>
         <p:nvSpPr>
-          <p:cNvPr id="225" name="e + geom_label(aes(label = cty), nudge_x = 1, nudge_y = 1) - x, y, label, alpha, angle, color, family, fontface, hjust, lineheight, size, vjust…"/>
+          <p:cNvPr id="217" name="e + geom_label(aes(label = cty), nudge_x = 1, nudge_y = 1) - x, y, label, alpha, angle, color, family, fontface, hjust, lineheight, size, vjust…"/>
           <p:cNvSpPr txBox="1"/>
           <p:nvPr/>
         </p:nvSpPr>
@@ -12829,7 +12251,7 @@
       </p:sp>
       <p:sp>
         <p:nvSpPr>
-          <p:cNvPr id="226" name="discrete x , continuous y…"/>
+          <p:cNvPr id="218" name="one discrete, one continuous…"/>
           <p:cNvSpPr txBox="1"/>
           <p:nvPr/>
         </p:nvSpPr>
@@ -12865,7 +12287,7 @@
               </a:spcBef>
             </a:pPr>
             <a:r>
-              <a:t>discrete x , continuous y</a:t>
+              <a:t>one discrete, one continuous</a:t>
             </a:r>
           </a:p>
           <a:p>
@@ -12906,7 +12328,7 @@
       </p:sp>
       <p:sp>
         <p:nvSpPr>
-          <p:cNvPr id="227" name="f + geom_col()  x, y, alpha, color, fill, group, linetype, size…"/>
+          <p:cNvPr id="219" name="f + geom_col()  x, y, alpha, color, fill, group, linetype, size…"/>
           <p:cNvSpPr txBox="1"/>
           <p:nvPr/>
         </p:nvSpPr>
@@ -13108,7 +12530,7 @@
       </p:sp>
       <p:sp>
         <p:nvSpPr>
-          <p:cNvPr id="228" name="discrete x , discrete y…"/>
+          <p:cNvPr id="220" name="both discrete…"/>
           <p:cNvSpPr txBox="1"/>
           <p:nvPr/>
         </p:nvSpPr>
@@ -13144,7 +12566,7 @@
               </a:spcBef>
             </a:pPr>
             <a:r>
-              <a:t>discrete x , discrete y</a:t>
+              <a:t>both discrete</a:t>
             </a:r>
           </a:p>
           <a:p>
@@ -13185,7 +12607,7 @@
       </p:sp>
       <p:sp>
         <p:nvSpPr>
-          <p:cNvPr id="229" name="g + geom_count()  x, y, alpha, color, fill, shape, size, stroke…"/>
+          <p:cNvPr id="221" name="g + geom_count()  x, y, alpha, color, fill, shape, size, stroke…"/>
           <p:cNvSpPr txBox="1"/>
           <p:nvPr/>
         </p:nvSpPr>
@@ -13301,7 +12723,7 @@
       </p:sp>
       <p:sp>
         <p:nvSpPr>
-          <p:cNvPr id="230" name="THREE VARIABLES…"/>
+          <p:cNvPr id="222" name="THREE VARIABLES…"/>
           <p:cNvSpPr txBox="1"/>
           <p:nvPr/>
         </p:nvSpPr>
@@ -13387,7 +12809,7 @@
       </p:sp>
       <p:sp>
         <p:nvSpPr>
-          <p:cNvPr id="231" name="l + geom_raster(aes(fill = z), hjust = 0.5,  vjust = 0.5, interpolate = FALSE) x, y, alpha, fill…"/>
+          <p:cNvPr id="223" name="l + geom_raster(aes(fill = z), hjust = 0.5,  vjust = 0.5, interpolate = FALSE) x, y, alpha, fill…"/>
           <p:cNvSpPr txBox="1"/>
           <p:nvPr/>
         </p:nvSpPr>
@@ -13512,7 +12934,7 @@
       </p:sp>
       <p:sp>
         <p:nvSpPr>
-          <p:cNvPr id="232" name="h + geom_bin2d(binwidth = c(0.25, 500)) x, y, alpha, color, fill, linetype, size, weight…"/>
+          <p:cNvPr id="224" name="h + geom_bin2d(binwidth = c(0.25, 500)) x, y, alpha, color, fill, linetype, size, weight…"/>
           <p:cNvSpPr txBox="1"/>
           <p:nvPr/>
         </p:nvSpPr>
@@ -13650,7 +13072,7 @@
       </p:sp>
       <p:sp>
         <p:nvSpPr>
-          <p:cNvPr id="233" name="continuous function…"/>
+          <p:cNvPr id="225" name="continuous function…"/>
           <p:cNvSpPr txBox="1"/>
           <p:nvPr/>
         </p:nvSpPr>
@@ -13727,7 +13149,7 @@
       </p:sp>
       <p:sp>
         <p:nvSpPr>
-          <p:cNvPr id="234" name="visualizing error…"/>
+          <p:cNvPr id="226" name="visualizing error…"/>
           <p:cNvSpPr txBox="1"/>
           <p:nvPr/>
         </p:nvSpPr>
@@ -13838,7 +13260,7 @@
       </p:sp>
       <p:pic>
         <p:nvPicPr>
-          <p:cNvPr id="235" name="Image" descr="Image"/>
+          <p:cNvPr id="227" name="Image" descr="Image"/>
           <p:cNvPicPr>
             <a:picLocks noChangeAspect="1"/>
           </p:cNvPicPr>
@@ -13867,7 +13289,7 @@
       </p:pic>
       <p:grpSp>
         <p:nvGrpSpPr>
-          <p:cNvPr id="238" name="Group"/>
+          <p:cNvPr id="230" name="Group"/>
           <p:cNvGrpSpPr/>
           <p:nvPr/>
         </p:nvGrpSpPr>
@@ -13881,7 +13303,7 @@
         </p:grpSpPr>
         <p:pic>
           <p:nvPicPr>
-            <p:cNvPr id="236" name="Image" descr="Image"/>
+            <p:cNvPr id="228" name="Image" descr="Image"/>
             <p:cNvPicPr>
               <a:picLocks noChangeAspect="1"/>
             </p:cNvPicPr>
@@ -13912,7 +13334,7 @@
         </p:pic>
         <p:sp>
           <p:nvSpPr>
-            <p:cNvPr id="237" name="Shape"/>
+            <p:cNvPr id="229" name="Shape"/>
             <p:cNvSpPr/>
             <p:nvPr/>
           </p:nvSpPr>
@@ -14055,7 +13477,7 @@
       </p:grpSp>
       <p:pic>
         <p:nvPicPr>
-          <p:cNvPr id="239" name="Image" descr="Image"/>
+          <p:cNvPr id="231" name="Image" descr="Image"/>
           <p:cNvPicPr>
             <a:picLocks noChangeAspect="1"/>
           </p:cNvPicPr>
@@ -14084,7 +13506,7 @@
       </p:pic>
       <p:grpSp>
         <p:nvGrpSpPr>
-          <p:cNvPr id="242" name="Group"/>
+          <p:cNvPr id="234" name="Group"/>
           <p:cNvGrpSpPr/>
           <p:nvPr/>
         </p:nvGrpSpPr>
@@ -14098,7 +13520,7 @@
         </p:grpSpPr>
         <p:pic>
           <p:nvPicPr>
-            <p:cNvPr id="240" name="Image" descr="Image"/>
+            <p:cNvPr id="232" name="Image" descr="Image"/>
             <p:cNvPicPr>
               <a:picLocks noChangeAspect="1"/>
             </p:cNvPicPr>
@@ -14129,7 +13551,7 @@
         </p:pic>
         <p:sp>
           <p:nvSpPr>
-            <p:cNvPr id="241" name="Shape"/>
+            <p:cNvPr id="233" name="Shape"/>
             <p:cNvSpPr/>
             <p:nvPr/>
           </p:nvSpPr>
@@ -14219,7 +13641,7 @@
       </p:grpSp>
       <p:grpSp>
         <p:nvGrpSpPr>
-          <p:cNvPr id="245" name="Group"/>
+          <p:cNvPr id="237" name="Group"/>
           <p:cNvGrpSpPr/>
           <p:nvPr/>
         </p:nvGrpSpPr>
@@ -14233,7 +13655,7 @@
         </p:grpSpPr>
         <p:pic>
           <p:nvPicPr>
-            <p:cNvPr id="243" name="Image" descr="Image"/>
+            <p:cNvPr id="235" name="Image" descr="Image"/>
             <p:cNvPicPr>
               <a:picLocks noChangeAspect="1"/>
             </p:cNvPicPr>
@@ -14264,7 +13686,7 @@
         </p:pic>
         <p:sp>
           <p:nvSpPr>
-            <p:cNvPr id="244" name="Line"/>
+            <p:cNvPr id="236" name="Line"/>
             <p:cNvSpPr/>
             <p:nvPr/>
           </p:nvSpPr>
@@ -14354,7 +13776,7 @@
       </p:grpSp>
       <p:grpSp>
         <p:nvGrpSpPr>
-          <p:cNvPr id="248" name="Group"/>
+          <p:cNvPr id="240" name="Group"/>
           <p:cNvGrpSpPr/>
           <p:nvPr/>
         </p:nvGrpSpPr>
@@ -14368,7 +13790,7 @@
         </p:grpSpPr>
         <p:pic>
           <p:nvPicPr>
-            <p:cNvPr id="246" name="Image" descr="Image"/>
+            <p:cNvPr id="238" name="Image" descr="Image"/>
             <p:cNvPicPr>
               <a:picLocks noChangeAspect="1"/>
             </p:cNvPicPr>
@@ -14399,7 +13821,7 @@
         </p:pic>
         <p:sp>
           <p:nvSpPr>
-            <p:cNvPr id="247" name="Shape"/>
+            <p:cNvPr id="239" name="Shape"/>
             <p:cNvSpPr/>
             <p:nvPr/>
           </p:nvSpPr>
@@ -14572,7 +13994,7 @@
       </p:grpSp>
       <p:grpSp>
         <p:nvGrpSpPr>
-          <p:cNvPr id="251" name="Group"/>
+          <p:cNvPr id="243" name="Group"/>
           <p:cNvGrpSpPr/>
           <p:nvPr/>
         </p:nvGrpSpPr>
@@ -14586,7 +14008,7 @@
         </p:grpSpPr>
         <p:pic>
           <p:nvPicPr>
-            <p:cNvPr id="249" name="Image" descr="Image"/>
+            <p:cNvPr id="241" name="Image" descr="Image"/>
             <p:cNvPicPr>
               <a:picLocks noChangeAspect="1"/>
             </p:cNvPicPr>
@@ -14617,7 +14039,7 @@
         </p:pic>
         <p:sp>
           <p:nvSpPr>
-            <p:cNvPr id="250" name="Rectangle"/>
+            <p:cNvPr id="242" name="Rectangle"/>
             <p:cNvSpPr/>
             <p:nvPr/>
           </p:nvSpPr>
@@ -14667,7 +14089,7 @@
       </p:grpSp>
       <p:grpSp>
         <p:nvGrpSpPr>
-          <p:cNvPr id="254" name="Group"/>
+          <p:cNvPr id="246" name="Group"/>
           <p:cNvGrpSpPr/>
           <p:nvPr/>
         </p:nvGrpSpPr>
@@ -14681,7 +14103,7 @@
         </p:grpSpPr>
         <p:pic>
           <p:nvPicPr>
-            <p:cNvPr id="252" name="Image" descr="Image"/>
+            <p:cNvPr id="244" name="Image" descr="Image"/>
             <p:cNvPicPr>
               <a:picLocks noChangeAspect="1"/>
             </p:cNvPicPr>
@@ -14712,7 +14134,7 @@
         </p:pic>
         <p:sp>
           <p:nvSpPr>
-            <p:cNvPr id="253" name="Line"/>
+            <p:cNvPr id="245" name="Line"/>
             <p:cNvSpPr/>
             <p:nvPr/>
           </p:nvSpPr>
@@ -14794,7 +14216,7 @@
       </p:grpSp>
       <p:grpSp>
         <p:nvGrpSpPr>
-          <p:cNvPr id="257" name="Group"/>
+          <p:cNvPr id="249" name="Group"/>
           <p:cNvGrpSpPr/>
           <p:nvPr/>
         </p:nvGrpSpPr>
@@ -14808,7 +14230,7 @@
         </p:grpSpPr>
         <p:pic>
           <p:nvPicPr>
-            <p:cNvPr id="255" name="Image" descr="Image"/>
+            <p:cNvPr id="247" name="Image" descr="Image"/>
             <p:cNvPicPr>
               <a:picLocks noChangeAspect="1"/>
             </p:cNvPicPr>
@@ -14839,7 +14261,7 @@
         </p:pic>
         <p:sp>
           <p:nvSpPr>
-            <p:cNvPr id="256" name="Line"/>
+            <p:cNvPr id="248" name="Line"/>
             <p:cNvSpPr/>
             <p:nvPr/>
           </p:nvSpPr>
@@ -14951,7 +14373,7 @@
       </p:grpSp>
       <p:grpSp>
         <p:nvGrpSpPr>
-          <p:cNvPr id="260" name="Group"/>
+          <p:cNvPr id="252" name="Group"/>
           <p:cNvGrpSpPr/>
           <p:nvPr/>
         </p:nvGrpSpPr>
@@ -14965,7 +14387,7 @@
         </p:grpSpPr>
         <p:pic>
           <p:nvPicPr>
-            <p:cNvPr id="258" name="Image" descr="Image"/>
+            <p:cNvPr id="250" name="Image" descr="Image"/>
             <p:cNvPicPr>
               <a:picLocks noChangeAspect="1"/>
             </p:cNvPicPr>
@@ -14996,7 +14418,7 @@
         </p:pic>
         <p:sp>
           <p:nvSpPr>
-            <p:cNvPr id="259" name="Line"/>
+            <p:cNvPr id="251" name="Line"/>
             <p:cNvSpPr/>
             <p:nvPr/>
           </p:nvSpPr>
@@ -15083,7 +14505,7 @@
       </p:grpSp>
       <p:grpSp>
         <p:nvGrpSpPr>
-          <p:cNvPr id="271" name="Group"/>
+          <p:cNvPr id="263" name="Group"/>
           <p:cNvGrpSpPr/>
           <p:nvPr/>
         </p:nvGrpSpPr>
@@ -15097,7 +14519,7 @@
         </p:grpSpPr>
         <p:pic>
           <p:nvPicPr>
-            <p:cNvPr id="261" name="Image" descr="Image"/>
+            <p:cNvPr id="253" name="Image" descr="Image"/>
             <p:cNvPicPr>
               <a:picLocks noChangeAspect="1"/>
             </p:cNvPicPr>
@@ -15128,7 +14550,7 @@
         </p:pic>
         <p:grpSp>
           <p:nvGrpSpPr>
-            <p:cNvPr id="270" name="Group"/>
+            <p:cNvPr id="262" name="Group"/>
             <p:cNvGrpSpPr/>
             <p:nvPr/>
           </p:nvGrpSpPr>
@@ -15142,7 +14564,7 @@
           </p:grpSpPr>
           <p:sp>
             <p:nvSpPr>
-              <p:cNvPr id="262" name="Rectangle"/>
+              <p:cNvPr id="254" name="Rectangle"/>
               <p:cNvSpPr/>
               <p:nvPr/>
             </p:nvSpPr>
@@ -15191,7 +14613,7 @@
           </p:sp>
           <p:sp>
             <p:nvSpPr>
-              <p:cNvPr id="263" name="Rectangle"/>
+              <p:cNvPr id="255" name="Rectangle"/>
               <p:cNvSpPr/>
               <p:nvPr/>
             </p:nvSpPr>
@@ -15240,7 +14662,7 @@
           </p:sp>
           <p:sp>
             <p:nvSpPr>
-              <p:cNvPr id="264" name="Rectangle"/>
+              <p:cNvPr id="256" name="Rectangle"/>
               <p:cNvSpPr/>
               <p:nvPr/>
             </p:nvSpPr>
@@ -15289,7 +14711,7 @@
           </p:sp>
           <p:sp>
             <p:nvSpPr>
-              <p:cNvPr id="265" name="Rectangle"/>
+              <p:cNvPr id="257" name="Rectangle"/>
               <p:cNvSpPr/>
               <p:nvPr/>
             </p:nvSpPr>
@@ -15338,7 +14760,7 @@
           </p:sp>
           <p:sp>
             <p:nvSpPr>
-              <p:cNvPr id="266" name="Rectangle"/>
+              <p:cNvPr id="258" name="Rectangle"/>
               <p:cNvSpPr/>
               <p:nvPr/>
             </p:nvSpPr>
@@ -15387,7 +14809,7 @@
           </p:sp>
           <p:sp>
             <p:nvSpPr>
-              <p:cNvPr id="267" name="Rectangle"/>
+              <p:cNvPr id="259" name="Rectangle"/>
               <p:cNvSpPr/>
               <p:nvPr/>
             </p:nvSpPr>
@@ -15436,7 +14858,7 @@
           </p:sp>
           <p:sp>
             <p:nvSpPr>
-              <p:cNvPr id="268" name="Rectangle"/>
+              <p:cNvPr id="260" name="Rectangle"/>
               <p:cNvSpPr/>
               <p:nvPr/>
             </p:nvSpPr>
@@ -15485,7 +14907,7 @@
           </p:sp>
           <p:sp>
             <p:nvSpPr>
-              <p:cNvPr id="269" name="Rectangle"/>
+              <p:cNvPr id="261" name="Rectangle"/>
               <p:cNvSpPr/>
               <p:nvPr/>
             </p:nvSpPr>
@@ -15536,7 +14958,7 @@
       </p:grpSp>
       <p:grpSp>
         <p:nvGrpSpPr>
-          <p:cNvPr id="291" name="Group"/>
+          <p:cNvPr id="283" name="Group"/>
           <p:cNvGrpSpPr/>
           <p:nvPr/>
         </p:nvGrpSpPr>
@@ -15550,7 +14972,7 @@
         </p:grpSpPr>
         <p:pic>
           <p:nvPicPr>
-            <p:cNvPr id="272" name="Image" descr="Image"/>
+            <p:cNvPr id="264" name="Image" descr="Image"/>
             <p:cNvPicPr>
               <a:picLocks noChangeAspect="1"/>
             </p:cNvPicPr>
@@ -15581,7 +15003,7 @@
         </p:pic>
         <p:grpSp>
           <p:nvGrpSpPr>
-            <p:cNvPr id="290" name="Group"/>
+            <p:cNvPr id="282" name="Group"/>
             <p:cNvGrpSpPr/>
             <p:nvPr/>
           </p:nvGrpSpPr>
@@ -15595,7 +15017,7 @@
           </p:grpSpPr>
           <p:sp>
             <p:nvSpPr>
-              <p:cNvPr id="273" name="Circle"/>
+              <p:cNvPr id="265" name="Circle"/>
               <p:cNvSpPr/>
               <p:nvPr/>
             </p:nvSpPr>
@@ -15644,7 +15066,7 @@
           </p:sp>
           <p:sp>
             <p:nvSpPr>
-              <p:cNvPr id="274" name="Circle"/>
+              <p:cNvPr id="266" name="Circle"/>
               <p:cNvSpPr/>
               <p:nvPr/>
             </p:nvSpPr>
@@ -15693,7 +15115,7 @@
           </p:sp>
           <p:sp>
             <p:nvSpPr>
-              <p:cNvPr id="275" name="Circle"/>
+              <p:cNvPr id="267" name="Circle"/>
               <p:cNvSpPr/>
               <p:nvPr/>
             </p:nvSpPr>
@@ -15742,7 +15164,7 @@
           </p:sp>
           <p:sp>
             <p:nvSpPr>
-              <p:cNvPr id="276" name="Circle"/>
+              <p:cNvPr id="268" name="Circle"/>
               <p:cNvSpPr/>
               <p:nvPr/>
             </p:nvSpPr>
@@ -15791,7 +15213,7 @@
           </p:sp>
           <p:sp>
             <p:nvSpPr>
-              <p:cNvPr id="277" name="Circle"/>
+              <p:cNvPr id="269" name="Circle"/>
               <p:cNvSpPr/>
               <p:nvPr/>
             </p:nvSpPr>
@@ -15840,7 +15262,7 @@
           </p:sp>
           <p:sp>
             <p:nvSpPr>
-              <p:cNvPr id="278" name="Circle"/>
+              <p:cNvPr id="270" name="Circle"/>
               <p:cNvSpPr/>
               <p:nvPr/>
             </p:nvSpPr>
@@ -15889,7 +15311,7 @@
           </p:sp>
           <p:sp>
             <p:nvSpPr>
-              <p:cNvPr id="279" name="Circle"/>
+              <p:cNvPr id="271" name="Circle"/>
               <p:cNvSpPr/>
               <p:nvPr/>
             </p:nvSpPr>
@@ -15938,7 +15360,7 @@
           </p:sp>
           <p:sp>
             <p:nvSpPr>
-              <p:cNvPr id="280" name="Circle"/>
+              <p:cNvPr id="272" name="Circle"/>
               <p:cNvSpPr/>
               <p:nvPr/>
             </p:nvSpPr>
@@ -15987,7 +15409,7 @@
           </p:sp>
           <p:sp>
             <p:nvSpPr>
-              <p:cNvPr id="281" name="Circle"/>
+              <p:cNvPr id="273" name="Circle"/>
               <p:cNvSpPr/>
               <p:nvPr/>
             </p:nvSpPr>
@@ -16036,7 +15458,7 @@
           </p:sp>
           <p:sp>
             <p:nvSpPr>
-              <p:cNvPr id="282" name="Circle"/>
+              <p:cNvPr id="274" name="Circle"/>
               <p:cNvSpPr/>
               <p:nvPr/>
             </p:nvSpPr>
@@ -16085,7 +15507,7 @@
           </p:sp>
           <p:sp>
             <p:nvSpPr>
-              <p:cNvPr id="283" name="Circle"/>
+              <p:cNvPr id="275" name="Circle"/>
               <p:cNvSpPr/>
               <p:nvPr/>
             </p:nvSpPr>
@@ -16134,7 +15556,7 @@
           </p:sp>
           <p:sp>
             <p:nvSpPr>
-              <p:cNvPr id="284" name="Circle"/>
+              <p:cNvPr id="276" name="Circle"/>
               <p:cNvSpPr/>
               <p:nvPr/>
             </p:nvSpPr>
@@ -16183,7 +15605,7 @@
           </p:sp>
           <p:sp>
             <p:nvSpPr>
-              <p:cNvPr id="285" name="Circle"/>
+              <p:cNvPr id="277" name="Circle"/>
               <p:cNvSpPr/>
               <p:nvPr/>
             </p:nvSpPr>
@@ -16232,7 +15654,7 @@
           </p:sp>
           <p:sp>
             <p:nvSpPr>
-              <p:cNvPr id="286" name="Circle"/>
+              <p:cNvPr id="278" name="Circle"/>
               <p:cNvSpPr/>
               <p:nvPr/>
             </p:nvSpPr>
@@ -16281,7 +15703,7 @@
           </p:sp>
           <p:sp>
             <p:nvSpPr>
-              <p:cNvPr id="287" name="Circle"/>
+              <p:cNvPr id="279" name="Circle"/>
               <p:cNvSpPr/>
               <p:nvPr/>
             </p:nvSpPr>
@@ -16330,7 +15752,7 @@
           </p:sp>
           <p:sp>
             <p:nvSpPr>
-              <p:cNvPr id="288" name="Circle"/>
+              <p:cNvPr id="280" name="Circle"/>
               <p:cNvSpPr/>
               <p:nvPr/>
             </p:nvSpPr>
@@ -16379,7 +15801,7 @@
           </p:sp>
           <p:sp>
             <p:nvSpPr>
-              <p:cNvPr id="289" name="Circle"/>
+              <p:cNvPr id="281" name="Circle"/>
               <p:cNvSpPr/>
               <p:nvPr/>
             </p:nvSpPr>
@@ -16430,7 +15852,7 @@
       </p:grpSp>
       <p:grpSp>
         <p:nvGrpSpPr>
-          <p:cNvPr id="320" name="Group"/>
+          <p:cNvPr id="312" name="Group"/>
           <p:cNvGrpSpPr/>
           <p:nvPr/>
         </p:nvGrpSpPr>
@@ -16444,7 +15866,7 @@
         </p:grpSpPr>
         <p:pic>
           <p:nvPicPr>
-            <p:cNvPr id="292" name="Image" descr="Image"/>
+            <p:cNvPr id="284" name="Image" descr="Image"/>
             <p:cNvPicPr>
               <a:picLocks noChangeAspect="1"/>
             </p:cNvPicPr>
@@ -16475,7 +15897,7 @@
         </p:pic>
         <p:grpSp>
           <p:nvGrpSpPr>
-            <p:cNvPr id="319" name="Group"/>
+            <p:cNvPr id="311" name="Group"/>
             <p:cNvGrpSpPr/>
             <p:nvPr/>
           </p:nvGrpSpPr>
@@ -16489,7 +15911,7 @@
           </p:grpSpPr>
           <p:sp>
             <p:nvSpPr>
-              <p:cNvPr id="293" name="Circle"/>
+              <p:cNvPr id="285" name="Circle"/>
               <p:cNvSpPr/>
               <p:nvPr/>
             </p:nvSpPr>
@@ -16538,7 +15960,7 @@
           </p:sp>
           <p:sp>
             <p:nvSpPr>
-              <p:cNvPr id="294" name="Circle"/>
+              <p:cNvPr id="286" name="Circle"/>
               <p:cNvSpPr/>
               <p:nvPr/>
             </p:nvSpPr>
@@ -16587,7 +16009,7 @@
           </p:sp>
           <p:sp>
             <p:nvSpPr>
-              <p:cNvPr id="295" name="Circle"/>
+              <p:cNvPr id="287" name="Circle"/>
               <p:cNvSpPr/>
               <p:nvPr/>
             </p:nvSpPr>
@@ -16636,7 +16058,7 @@
           </p:sp>
           <p:sp>
             <p:nvSpPr>
-              <p:cNvPr id="296" name="Circle"/>
+              <p:cNvPr id="288" name="Circle"/>
               <p:cNvSpPr/>
               <p:nvPr/>
             </p:nvSpPr>
@@ -16685,7 +16107,7 @@
           </p:sp>
           <p:sp>
             <p:nvSpPr>
-              <p:cNvPr id="297" name="Circle"/>
+              <p:cNvPr id="289" name="Circle"/>
               <p:cNvSpPr/>
               <p:nvPr/>
             </p:nvSpPr>
@@ -16734,7 +16156,7 @@
           </p:sp>
           <p:sp>
             <p:nvSpPr>
-              <p:cNvPr id="298" name="Circle"/>
+              <p:cNvPr id="290" name="Circle"/>
               <p:cNvSpPr/>
               <p:nvPr/>
             </p:nvSpPr>
@@ -16783,7 +16205,7 @@
           </p:sp>
           <p:sp>
             <p:nvSpPr>
-              <p:cNvPr id="299" name="Circle"/>
+              <p:cNvPr id="291" name="Circle"/>
               <p:cNvSpPr/>
               <p:nvPr/>
             </p:nvSpPr>
@@ -16832,7 +16254,7 @@
           </p:sp>
           <p:sp>
             <p:nvSpPr>
-              <p:cNvPr id="300" name="Circle"/>
+              <p:cNvPr id="292" name="Circle"/>
               <p:cNvSpPr/>
               <p:nvPr/>
             </p:nvSpPr>
@@ -16881,7 +16303,7 @@
           </p:sp>
           <p:sp>
             <p:nvSpPr>
-              <p:cNvPr id="301" name="Circle"/>
+              <p:cNvPr id="293" name="Circle"/>
               <p:cNvSpPr/>
               <p:nvPr/>
             </p:nvSpPr>
@@ -16930,7 +16352,7 @@
           </p:sp>
           <p:sp>
             <p:nvSpPr>
-              <p:cNvPr id="302" name="Circle"/>
+              <p:cNvPr id="294" name="Circle"/>
               <p:cNvSpPr/>
               <p:nvPr/>
             </p:nvSpPr>
@@ -16979,7 +16401,7 @@
           </p:sp>
           <p:sp>
             <p:nvSpPr>
-              <p:cNvPr id="303" name="Circle"/>
+              <p:cNvPr id="295" name="Circle"/>
               <p:cNvSpPr/>
               <p:nvPr/>
             </p:nvSpPr>
@@ -17028,7 +16450,7 @@
           </p:sp>
           <p:sp>
             <p:nvSpPr>
-              <p:cNvPr id="304" name="Circle"/>
+              <p:cNvPr id="296" name="Circle"/>
               <p:cNvSpPr/>
               <p:nvPr/>
             </p:nvSpPr>
@@ -17077,7 +16499,7 @@
           </p:sp>
           <p:sp>
             <p:nvSpPr>
-              <p:cNvPr id="305" name="Circle"/>
+              <p:cNvPr id="297" name="Circle"/>
               <p:cNvSpPr/>
               <p:nvPr/>
             </p:nvSpPr>
@@ -17126,7 +16548,7 @@
           </p:sp>
           <p:sp>
             <p:nvSpPr>
-              <p:cNvPr id="306" name="Circle"/>
+              <p:cNvPr id="298" name="Circle"/>
               <p:cNvSpPr/>
               <p:nvPr/>
             </p:nvSpPr>
@@ -17175,7 +16597,7 @@
           </p:sp>
           <p:sp>
             <p:nvSpPr>
-              <p:cNvPr id="307" name="Circle"/>
+              <p:cNvPr id="299" name="Circle"/>
               <p:cNvSpPr/>
               <p:nvPr/>
             </p:nvSpPr>
@@ -17224,7 +16646,7 @@
           </p:sp>
           <p:sp>
             <p:nvSpPr>
-              <p:cNvPr id="308" name="Circle"/>
+              <p:cNvPr id="300" name="Circle"/>
               <p:cNvSpPr/>
               <p:nvPr/>
             </p:nvSpPr>
@@ -17273,7 +16695,7 @@
           </p:sp>
           <p:sp>
             <p:nvSpPr>
-              <p:cNvPr id="309" name="Circle"/>
+              <p:cNvPr id="301" name="Circle"/>
               <p:cNvSpPr/>
               <p:nvPr/>
             </p:nvSpPr>
@@ -17322,7 +16744,7 @@
           </p:sp>
           <p:sp>
             <p:nvSpPr>
-              <p:cNvPr id="310" name="Circle"/>
+              <p:cNvPr id="302" name="Circle"/>
               <p:cNvSpPr/>
               <p:nvPr/>
             </p:nvSpPr>
@@ -17371,7 +16793,7 @@
           </p:sp>
           <p:sp>
             <p:nvSpPr>
-              <p:cNvPr id="311" name="Circle"/>
+              <p:cNvPr id="303" name="Circle"/>
               <p:cNvSpPr/>
               <p:nvPr/>
             </p:nvSpPr>
@@ -17420,7 +16842,7 @@
           </p:sp>
           <p:sp>
             <p:nvSpPr>
-              <p:cNvPr id="312" name="Circle"/>
+              <p:cNvPr id="304" name="Circle"/>
               <p:cNvSpPr/>
               <p:nvPr/>
             </p:nvSpPr>
@@ -17469,7 +16891,7 @@
           </p:sp>
           <p:sp>
             <p:nvSpPr>
-              <p:cNvPr id="313" name="Circle"/>
+              <p:cNvPr id="305" name="Circle"/>
               <p:cNvSpPr/>
               <p:nvPr/>
             </p:nvSpPr>
@@ -17518,7 +16940,7 @@
           </p:sp>
           <p:sp>
             <p:nvSpPr>
-              <p:cNvPr id="314" name="Circle"/>
+              <p:cNvPr id="306" name="Circle"/>
               <p:cNvSpPr/>
               <p:nvPr/>
             </p:nvSpPr>
@@ -17567,7 +16989,7 @@
           </p:sp>
           <p:sp>
             <p:nvSpPr>
-              <p:cNvPr id="315" name="Circle"/>
+              <p:cNvPr id="307" name="Circle"/>
               <p:cNvSpPr/>
               <p:nvPr/>
             </p:nvSpPr>
@@ -17616,7 +17038,7 @@
           </p:sp>
           <p:sp>
             <p:nvSpPr>
-              <p:cNvPr id="316" name="Circle"/>
+              <p:cNvPr id="308" name="Circle"/>
               <p:cNvSpPr/>
               <p:nvPr/>
             </p:nvSpPr>
@@ -17665,7 +17087,7 @@
           </p:sp>
           <p:sp>
             <p:nvSpPr>
-              <p:cNvPr id="317" name="Circle"/>
+              <p:cNvPr id="309" name="Circle"/>
               <p:cNvSpPr/>
               <p:nvPr/>
             </p:nvSpPr>
@@ -17714,7 +17136,7 @@
           </p:sp>
           <p:sp>
             <p:nvSpPr>
-              <p:cNvPr id="318" name="Circle"/>
+              <p:cNvPr id="310" name="Circle"/>
               <p:cNvSpPr/>
               <p:nvPr/>
             </p:nvSpPr>
@@ -17765,7 +17187,7 @@
       </p:grpSp>
       <p:grpSp>
         <p:nvGrpSpPr>
-          <p:cNvPr id="327" name="Group"/>
+          <p:cNvPr id="319" name="Group"/>
           <p:cNvGrpSpPr/>
           <p:nvPr/>
         </p:nvGrpSpPr>
@@ -17779,7 +17201,7 @@
         </p:grpSpPr>
         <p:pic>
           <p:nvPicPr>
-            <p:cNvPr id="321" name="Image" descr="Image"/>
+            <p:cNvPr id="313" name="Image" descr="Image"/>
             <p:cNvPicPr>
               <a:picLocks noChangeAspect="1"/>
             </p:cNvPicPr>
@@ -17810,7 +17232,7 @@
         </p:pic>
         <p:grpSp>
           <p:nvGrpSpPr>
-            <p:cNvPr id="326" name="Group"/>
+            <p:cNvPr id="318" name="Group"/>
             <p:cNvGrpSpPr/>
             <p:nvPr/>
           </p:nvGrpSpPr>
@@ -17824,7 +17246,7 @@
           </p:grpSpPr>
           <p:sp>
             <p:nvSpPr>
-              <p:cNvPr id="322" name="Rectangle"/>
+              <p:cNvPr id="314" name="Rectangle"/>
               <p:cNvSpPr/>
               <p:nvPr/>
             </p:nvSpPr>
@@ -17873,7 +17295,7 @@
           </p:sp>
           <p:sp>
             <p:nvSpPr>
-              <p:cNvPr id="323" name="Rectangle"/>
+              <p:cNvPr id="315" name="Rectangle"/>
               <p:cNvSpPr/>
               <p:nvPr/>
             </p:nvSpPr>
@@ -17922,7 +17344,7 @@
           </p:sp>
           <p:sp>
             <p:nvSpPr>
-              <p:cNvPr id="324" name="Rectangle"/>
+              <p:cNvPr id="316" name="Rectangle"/>
               <p:cNvSpPr/>
               <p:nvPr/>
             </p:nvSpPr>
@@ -17971,7 +17393,7 @@
           </p:sp>
           <p:sp>
             <p:nvSpPr>
-              <p:cNvPr id="325" name="Rectangle"/>
+              <p:cNvPr id="317" name="Rectangle"/>
               <p:cNvSpPr/>
               <p:nvPr/>
             </p:nvSpPr>
@@ -18022,7 +17444,7 @@
       </p:grpSp>
       <p:grpSp>
         <p:nvGrpSpPr>
-          <p:cNvPr id="346" name="Group"/>
+          <p:cNvPr id="338" name="Group"/>
           <p:cNvGrpSpPr/>
           <p:nvPr/>
         </p:nvGrpSpPr>
@@ -18036,7 +17458,7 @@
         </p:grpSpPr>
         <p:pic>
           <p:nvPicPr>
-            <p:cNvPr id="328" name="Image" descr="Image"/>
+            <p:cNvPr id="320" name="Image" descr="Image"/>
             <p:cNvPicPr>
               <a:picLocks noChangeAspect="1"/>
             </p:cNvPicPr>
@@ -18067,7 +17489,7 @@
         </p:pic>
         <p:grpSp>
           <p:nvGrpSpPr>
-            <p:cNvPr id="345" name="Group"/>
+            <p:cNvPr id="337" name="Group"/>
             <p:cNvGrpSpPr/>
             <p:nvPr/>
           </p:nvGrpSpPr>
@@ -18081,7 +17503,7 @@
           </p:grpSpPr>
           <p:sp>
             <p:nvSpPr>
-              <p:cNvPr id="329" name="Circle"/>
+              <p:cNvPr id="321" name="Circle"/>
               <p:cNvSpPr/>
               <p:nvPr/>
             </p:nvSpPr>
@@ -18130,7 +17552,7 @@
           </p:sp>
           <p:sp>
             <p:nvSpPr>
-              <p:cNvPr id="330" name="Circle"/>
+              <p:cNvPr id="322" name="Circle"/>
               <p:cNvSpPr/>
               <p:nvPr/>
             </p:nvSpPr>
@@ -18179,7 +17601,7 @@
           </p:sp>
           <p:sp>
             <p:nvSpPr>
-              <p:cNvPr id="331" name="Circle"/>
+              <p:cNvPr id="323" name="Circle"/>
               <p:cNvSpPr/>
               <p:nvPr/>
             </p:nvSpPr>
@@ -18228,7 +17650,7 @@
           </p:sp>
           <p:sp>
             <p:nvSpPr>
-              <p:cNvPr id="332" name="Circle"/>
+              <p:cNvPr id="324" name="Circle"/>
               <p:cNvSpPr/>
               <p:nvPr/>
             </p:nvSpPr>
@@ -18277,7 +17699,7 @@
           </p:sp>
           <p:sp>
             <p:nvSpPr>
-              <p:cNvPr id="333" name="Circle"/>
+              <p:cNvPr id="325" name="Circle"/>
               <p:cNvSpPr/>
               <p:nvPr/>
             </p:nvSpPr>
@@ -18326,7 +17748,7 @@
           </p:sp>
           <p:sp>
             <p:nvSpPr>
-              <p:cNvPr id="334" name="Circle"/>
+              <p:cNvPr id="326" name="Circle"/>
               <p:cNvSpPr/>
               <p:nvPr/>
             </p:nvSpPr>
@@ -18375,7 +17797,7 @@
           </p:sp>
           <p:sp>
             <p:nvSpPr>
-              <p:cNvPr id="335" name="Circle"/>
+              <p:cNvPr id="327" name="Circle"/>
               <p:cNvSpPr/>
               <p:nvPr/>
             </p:nvSpPr>
@@ -18424,7 +17846,7 @@
           </p:sp>
           <p:sp>
             <p:nvSpPr>
-              <p:cNvPr id="336" name="Circle"/>
+              <p:cNvPr id="328" name="Circle"/>
               <p:cNvSpPr/>
               <p:nvPr/>
             </p:nvSpPr>
@@ -18473,7 +17895,7 @@
           </p:sp>
           <p:sp>
             <p:nvSpPr>
-              <p:cNvPr id="337" name="Circle"/>
+              <p:cNvPr id="329" name="Circle"/>
               <p:cNvSpPr/>
               <p:nvPr/>
             </p:nvSpPr>
@@ -18522,7 +17944,7 @@
           </p:sp>
           <p:sp>
             <p:nvSpPr>
-              <p:cNvPr id="338" name="Circle"/>
+              <p:cNvPr id="330" name="Circle"/>
               <p:cNvSpPr/>
               <p:nvPr/>
             </p:nvSpPr>
@@ -18571,7 +17993,7 @@
           </p:sp>
           <p:sp>
             <p:nvSpPr>
-              <p:cNvPr id="339" name="Circle"/>
+              <p:cNvPr id="331" name="Circle"/>
               <p:cNvSpPr/>
               <p:nvPr/>
             </p:nvSpPr>
@@ -18620,7 +18042,7 @@
           </p:sp>
           <p:sp>
             <p:nvSpPr>
-              <p:cNvPr id="340" name="Circle"/>
+              <p:cNvPr id="332" name="Circle"/>
               <p:cNvSpPr/>
               <p:nvPr/>
             </p:nvSpPr>
@@ -18669,7 +18091,7 @@
           </p:sp>
           <p:sp>
             <p:nvSpPr>
-              <p:cNvPr id="341" name="Circle"/>
+              <p:cNvPr id="333" name="Circle"/>
               <p:cNvSpPr/>
               <p:nvPr/>
             </p:nvSpPr>
@@ -18718,7 +18140,7 @@
           </p:sp>
           <p:sp>
             <p:nvSpPr>
-              <p:cNvPr id="342" name="Circle"/>
+              <p:cNvPr id="334" name="Circle"/>
               <p:cNvSpPr/>
               <p:nvPr/>
             </p:nvSpPr>
@@ -18767,7 +18189,7 @@
           </p:sp>
           <p:sp>
             <p:nvSpPr>
-              <p:cNvPr id="343" name="Circle"/>
+              <p:cNvPr id="335" name="Circle"/>
               <p:cNvSpPr/>
               <p:nvPr/>
             </p:nvSpPr>
@@ -18816,7 +18238,7 @@
           </p:sp>
           <p:sp>
             <p:nvSpPr>
-              <p:cNvPr id="344" name="Circle"/>
+              <p:cNvPr id="336" name="Circle"/>
               <p:cNvSpPr/>
               <p:nvPr/>
             </p:nvSpPr>
@@ -18867,7 +18289,7 @@
       </p:grpSp>
       <p:grpSp>
         <p:nvGrpSpPr>
-          <p:cNvPr id="352" name="Group"/>
+          <p:cNvPr id="344" name="Group"/>
           <p:cNvGrpSpPr/>
           <p:nvPr/>
         </p:nvGrpSpPr>
@@ -18881,7 +18303,7 @@
         </p:grpSpPr>
         <p:pic>
           <p:nvPicPr>
-            <p:cNvPr id="347" name="Image" descr="Image"/>
+            <p:cNvPr id="339" name="Image" descr="Image"/>
             <p:cNvPicPr>
               <a:picLocks noChangeAspect="1"/>
             </p:cNvPicPr>
@@ -18912,7 +18334,7 @@
         </p:pic>
         <p:grpSp>
           <p:nvGrpSpPr>
-            <p:cNvPr id="351" name="Group"/>
+            <p:cNvPr id="343" name="Group"/>
             <p:cNvGrpSpPr/>
             <p:nvPr/>
           </p:nvGrpSpPr>
@@ -18926,7 +18348,7 @@
           </p:grpSpPr>
           <p:sp>
             <p:nvSpPr>
-              <p:cNvPr id="348" name="Line"/>
+              <p:cNvPr id="340" name="Line"/>
               <p:cNvSpPr/>
               <p:nvPr/>
             </p:nvSpPr>
@@ -18973,7 +18395,7 @@
           </p:sp>
           <p:sp>
             <p:nvSpPr>
-              <p:cNvPr id="349" name="Line"/>
+              <p:cNvPr id="341" name="Line"/>
               <p:cNvSpPr/>
               <p:nvPr/>
             </p:nvSpPr>
@@ -19020,7 +18442,7 @@
           </p:sp>
           <p:sp>
             <p:nvSpPr>
-              <p:cNvPr id="350" name="Line"/>
+              <p:cNvPr id="342" name="Line"/>
               <p:cNvSpPr/>
               <p:nvPr/>
             </p:nvSpPr>
@@ -19069,7 +18491,7 @@
       </p:grpSp>
       <p:grpSp>
         <p:nvGrpSpPr>
-          <p:cNvPr id="386" name="Group"/>
+          <p:cNvPr id="378" name="Group"/>
           <p:cNvGrpSpPr/>
           <p:nvPr/>
         </p:nvGrpSpPr>
@@ -19083,7 +18505,7 @@
         </p:grpSpPr>
         <p:pic>
           <p:nvPicPr>
-            <p:cNvPr id="353" name="Image" descr="Image"/>
+            <p:cNvPr id="345" name="Image" descr="Image"/>
             <p:cNvPicPr>
               <a:picLocks noChangeAspect="1"/>
             </p:cNvPicPr>
@@ -19114,7 +18536,7 @@
         </p:pic>
         <p:grpSp>
           <p:nvGrpSpPr>
-            <p:cNvPr id="369" name="Group"/>
+            <p:cNvPr id="361" name="Group"/>
             <p:cNvGrpSpPr/>
             <p:nvPr/>
           </p:nvGrpSpPr>
@@ -19128,7 +18550,7 @@
           </p:grpSpPr>
           <p:sp>
             <p:nvSpPr>
-              <p:cNvPr id="354" name="Line"/>
+              <p:cNvPr id="346" name="Line"/>
               <p:cNvSpPr/>
               <p:nvPr/>
             </p:nvSpPr>
@@ -19175,7 +18597,7 @@
           </p:sp>
           <p:sp>
             <p:nvSpPr>
-              <p:cNvPr id="355" name="Line"/>
+              <p:cNvPr id="347" name="Line"/>
               <p:cNvSpPr/>
               <p:nvPr/>
             </p:nvSpPr>
@@ -19222,7 +18644,7 @@
           </p:sp>
           <p:sp>
             <p:nvSpPr>
-              <p:cNvPr id="356" name="Line"/>
+              <p:cNvPr id="348" name="Line"/>
               <p:cNvSpPr/>
               <p:nvPr/>
             </p:nvSpPr>
@@ -19269,7 +18691,7 @@
           </p:sp>
           <p:sp>
             <p:nvSpPr>
-              <p:cNvPr id="357" name="Line"/>
+              <p:cNvPr id="349" name="Line"/>
               <p:cNvSpPr/>
               <p:nvPr/>
             </p:nvSpPr>
@@ -19316,7 +18738,7 @@
           </p:sp>
           <p:sp>
             <p:nvSpPr>
-              <p:cNvPr id="358" name="Line"/>
+              <p:cNvPr id="350" name="Line"/>
               <p:cNvSpPr/>
               <p:nvPr/>
             </p:nvSpPr>
@@ -19363,7 +18785,7 @@
           </p:sp>
           <p:sp>
             <p:nvSpPr>
-              <p:cNvPr id="359" name="Line"/>
+              <p:cNvPr id="351" name="Line"/>
               <p:cNvSpPr/>
               <p:nvPr/>
             </p:nvSpPr>
@@ -19410,7 +18832,7 @@
           </p:sp>
           <p:sp>
             <p:nvSpPr>
-              <p:cNvPr id="360" name="Line"/>
+              <p:cNvPr id="352" name="Line"/>
               <p:cNvSpPr/>
               <p:nvPr/>
             </p:nvSpPr>
@@ -19457,7 +18879,7 @@
           </p:sp>
           <p:sp>
             <p:nvSpPr>
-              <p:cNvPr id="361" name="Line"/>
+              <p:cNvPr id="353" name="Line"/>
               <p:cNvSpPr/>
               <p:nvPr/>
             </p:nvSpPr>
@@ -19504,7 +18926,7 @@
           </p:sp>
           <p:sp>
             <p:nvSpPr>
-              <p:cNvPr id="362" name="Line"/>
+              <p:cNvPr id="354" name="Line"/>
               <p:cNvSpPr/>
               <p:nvPr/>
             </p:nvSpPr>
@@ -19551,7 +18973,7 @@
           </p:sp>
           <p:sp>
             <p:nvSpPr>
-              <p:cNvPr id="363" name="Line"/>
+              <p:cNvPr id="355" name="Line"/>
               <p:cNvSpPr/>
               <p:nvPr/>
             </p:nvSpPr>
@@ -19598,7 +19020,7 @@
           </p:sp>
           <p:sp>
             <p:nvSpPr>
-              <p:cNvPr id="364" name="Line"/>
+              <p:cNvPr id="356" name="Line"/>
               <p:cNvSpPr/>
               <p:nvPr/>
             </p:nvSpPr>
@@ -19645,7 +19067,7 @@
           </p:sp>
           <p:sp>
             <p:nvSpPr>
-              <p:cNvPr id="365" name="Line"/>
+              <p:cNvPr id="357" name="Line"/>
               <p:cNvSpPr/>
               <p:nvPr/>
             </p:nvSpPr>
@@ -19692,7 +19114,7 @@
           </p:sp>
           <p:sp>
             <p:nvSpPr>
-              <p:cNvPr id="366" name="Line"/>
+              <p:cNvPr id="358" name="Line"/>
               <p:cNvSpPr/>
               <p:nvPr/>
             </p:nvSpPr>
@@ -19739,7 +19161,7 @@
           </p:sp>
           <p:sp>
             <p:nvSpPr>
-              <p:cNvPr id="367" name="Line"/>
+              <p:cNvPr id="359" name="Line"/>
               <p:cNvSpPr/>
               <p:nvPr/>
             </p:nvSpPr>
@@ -19786,7 +19208,7 @@
           </p:sp>
           <p:sp>
             <p:nvSpPr>
-              <p:cNvPr id="368" name="Line"/>
+              <p:cNvPr id="360" name="Line"/>
               <p:cNvSpPr/>
               <p:nvPr/>
             </p:nvSpPr>
@@ -19834,7 +19256,7 @@
         </p:grpSp>
         <p:grpSp>
           <p:nvGrpSpPr>
-            <p:cNvPr id="385" name="Group"/>
+            <p:cNvPr id="377" name="Group"/>
             <p:cNvGrpSpPr/>
             <p:nvPr/>
           </p:nvGrpSpPr>
@@ -19848,7 +19270,7 @@
           </p:grpSpPr>
           <p:sp>
             <p:nvSpPr>
-              <p:cNvPr id="370" name="Line"/>
+              <p:cNvPr id="362" name="Line"/>
               <p:cNvSpPr/>
               <p:nvPr/>
             </p:nvSpPr>
@@ -19895,7 +19317,7 @@
           </p:sp>
           <p:sp>
             <p:nvSpPr>
-              <p:cNvPr id="371" name="Line"/>
+              <p:cNvPr id="363" name="Line"/>
               <p:cNvSpPr/>
               <p:nvPr/>
             </p:nvSpPr>
@@ -19942,7 +19364,7 @@
           </p:sp>
           <p:sp>
             <p:nvSpPr>
-              <p:cNvPr id="372" name="Line"/>
+              <p:cNvPr id="364" name="Line"/>
               <p:cNvSpPr/>
               <p:nvPr/>
             </p:nvSpPr>
@@ -19989,7 +19411,7 @@
           </p:sp>
           <p:sp>
             <p:nvSpPr>
-              <p:cNvPr id="373" name="Line"/>
+              <p:cNvPr id="365" name="Line"/>
               <p:cNvSpPr/>
               <p:nvPr/>
             </p:nvSpPr>
@@ -20036,7 +19458,7 @@
           </p:sp>
           <p:sp>
             <p:nvSpPr>
-              <p:cNvPr id="374" name="Line"/>
+              <p:cNvPr id="366" name="Line"/>
               <p:cNvSpPr/>
               <p:nvPr/>
             </p:nvSpPr>
@@ -20083,7 +19505,7 @@
           </p:sp>
           <p:sp>
             <p:nvSpPr>
-              <p:cNvPr id="375" name="Line"/>
+              <p:cNvPr id="367" name="Line"/>
               <p:cNvSpPr/>
               <p:nvPr/>
             </p:nvSpPr>
@@ -20130,7 +19552,7 @@
           </p:sp>
           <p:sp>
             <p:nvSpPr>
-              <p:cNvPr id="376" name="Line"/>
+              <p:cNvPr id="368" name="Line"/>
               <p:cNvSpPr/>
               <p:nvPr/>
             </p:nvSpPr>
@@ -20177,7 +19599,7 @@
           </p:sp>
           <p:sp>
             <p:nvSpPr>
-              <p:cNvPr id="377" name="Line"/>
+              <p:cNvPr id="369" name="Line"/>
               <p:cNvSpPr/>
               <p:nvPr/>
             </p:nvSpPr>
@@ -20224,7 +19646,7 @@
           </p:sp>
           <p:sp>
             <p:nvSpPr>
-              <p:cNvPr id="378" name="Line"/>
+              <p:cNvPr id="370" name="Line"/>
               <p:cNvSpPr/>
               <p:nvPr/>
             </p:nvSpPr>
@@ -20271,7 +19693,7 @@
           </p:sp>
           <p:sp>
             <p:nvSpPr>
-              <p:cNvPr id="379" name="Line"/>
+              <p:cNvPr id="371" name="Line"/>
               <p:cNvSpPr/>
               <p:nvPr/>
             </p:nvSpPr>
@@ -20318,7 +19740,7 @@
           </p:sp>
           <p:sp>
             <p:nvSpPr>
-              <p:cNvPr id="380" name="Line"/>
+              <p:cNvPr id="372" name="Line"/>
               <p:cNvSpPr/>
               <p:nvPr/>
             </p:nvSpPr>
@@ -20365,7 +19787,7 @@
           </p:sp>
           <p:sp>
             <p:nvSpPr>
-              <p:cNvPr id="381" name="Line"/>
+              <p:cNvPr id="373" name="Line"/>
               <p:cNvSpPr/>
               <p:nvPr/>
             </p:nvSpPr>
@@ -20412,7 +19834,7 @@
           </p:sp>
           <p:sp>
             <p:nvSpPr>
-              <p:cNvPr id="382" name="Line"/>
+              <p:cNvPr id="374" name="Line"/>
               <p:cNvSpPr/>
               <p:nvPr/>
             </p:nvSpPr>
@@ -20459,7 +19881,7 @@
           </p:sp>
           <p:sp>
             <p:nvSpPr>
-              <p:cNvPr id="383" name="Line"/>
+              <p:cNvPr id="375" name="Line"/>
               <p:cNvSpPr/>
               <p:nvPr/>
             </p:nvSpPr>
@@ -20506,7 +19928,7 @@
           </p:sp>
           <p:sp>
             <p:nvSpPr>
-              <p:cNvPr id="384" name="Line"/>
+              <p:cNvPr id="376" name="Line"/>
               <p:cNvSpPr/>
               <p:nvPr/>
             </p:nvSpPr>
@@ -20555,7 +19977,7 @@
       </p:grpSp>
       <p:grpSp>
         <p:nvGrpSpPr>
-          <p:cNvPr id="390" name="Group"/>
+          <p:cNvPr id="382" name="Group"/>
           <p:cNvGrpSpPr/>
           <p:nvPr/>
         </p:nvGrpSpPr>
@@ -20569,7 +19991,7 @@
         </p:grpSpPr>
         <p:pic>
           <p:nvPicPr>
-            <p:cNvPr id="387" name="Image" descr="Image"/>
+            <p:cNvPr id="379" name="Image" descr="Image"/>
             <p:cNvPicPr>
               <a:picLocks noChangeAspect="1"/>
             </p:cNvPicPr>
@@ -20600,7 +20022,7 @@
         </p:pic>
         <p:sp>
           <p:nvSpPr>
-            <p:cNvPr id="388" name="Shape"/>
+            <p:cNvPr id="380" name="Shape"/>
             <p:cNvSpPr/>
             <p:nvPr/>
           </p:nvSpPr>
@@ -20719,7 +20141,7 @@
         </p:sp>
         <p:sp>
           <p:nvSpPr>
-            <p:cNvPr id="389" name="Line"/>
+            <p:cNvPr id="381" name="Line"/>
             <p:cNvSpPr/>
             <p:nvPr/>
           </p:nvSpPr>
@@ -20806,7 +20228,7 @@
       </p:grpSp>
       <p:grpSp>
         <p:nvGrpSpPr>
-          <p:cNvPr id="397" name="Group"/>
+          <p:cNvPr id="389" name="Group"/>
           <p:cNvGrpSpPr/>
           <p:nvPr/>
         </p:nvGrpSpPr>
@@ -20820,7 +20242,7 @@
         </p:grpSpPr>
         <p:pic>
           <p:nvPicPr>
-            <p:cNvPr id="391" name="Image" descr="Image"/>
+            <p:cNvPr id="383" name="Image" descr="Image"/>
             <p:cNvPicPr>
               <a:picLocks noChangeAspect="1"/>
             </p:cNvPicPr>
@@ -20851,7 +20273,7 @@
         </p:pic>
         <p:grpSp>
           <p:nvGrpSpPr>
-            <p:cNvPr id="396" name="Group"/>
+            <p:cNvPr id="388" name="Group"/>
             <p:cNvGrpSpPr/>
             <p:nvPr/>
           </p:nvGrpSpPr>
@@ -20865,7 +20287,7 @@
           </p:grpSpPr>
           <p:sp>
             <p:nvSpPr>
-              <p:cNvPr id="392" name="Rectangle"/>
+              <p:cNvPr id="384" name="Rectangle"/>
               <p:cNvSpPr/>
               <p:nvPr/>
             </p:nvSpPr>
@@ -20914,7 +20336,7 @@
           </p:sp>
           <p:sp>
             <p:nvSpPr>
-              <p:cNvPr id="393" name="Rectangle"/>
+              <p:cNvPr id="385" name="Rectangle"/>
               <p:cNvSpPr/>
               <p:nvPr/>
             </p:nvSpPr>
@@ -20963,7 +20385,7 @@
           </p:sp>
           <p:sp>
             <p:nvSpPr>
-              <p:cNvPr id="394" name="Rectangle"/>
+              <p:cNvPr id="386" name="Rectangle"/>
               <p:cNvSpPr/>
               <p:nvPr/>
             </p:nvSpPr>
@@ -21012,7 +20434,7 @@
           </p:sp>
           <p:sp>
             <p:nvSpPr>
-              <p:cNvPr id="395" name="Rectangle"/>
+              <p:cNvPr id="387" name="Rectangle"/>
               <p:cNvSpPr/>
               <p:nvPr/>
             </p:nvSpPr>
@@ -21063,7 +20485,7 @@
       </p:grpSp>
       <p:grpSp>
         <p:nvGrpSpPr>
-          <p:cNvPr id="410" name="Group"/>
+          <p:cNvPr id="402" name="Group"/>
           <p:cNvGrpSpPr/>
           <p:nvPr/>
         </p:nvGrpSpPr>
@@ -21077,7 +20499,7 @@
         </p:grpSpPr>
         <p:pic>
           <p:nvPicPr>
-            <p:cNvPr id="398" name="Image" descr="Image"/>
+            <p:cNvPr id="390" name="Image" descr="Image"/>
             <p:cNvPicPr>
               <a:picLocks noChangeAspect="1"/>
             </p:cNvPicPr>
@@ -21108,7 +20530,7 @@
         </p:pic>
         <p:grpSp>
           <p:nvGrpSpPr>
-            <p:cNvPr id="409" name="Group"/>
+            <p:cNvPr id="401" name="Group"/>
             <p:cNvGrpSpPr/>
             <p:nvPr/>
           </p:nvGrpSpPr>
@@ -21122,7 +20544,7 @@
           </p:grpSpPr>
           <p:grpSp>
             <p:nvGrpSpPr>
-              <p:cNvPr id="403" name="Group"/>
+              <p:cNvPr id="395" name="Group"/>
               <p:cNvGrpSpPr/>
               <p:nvPr/>
             </p:nvGrpSpPr>
@@ -21136,7 +20558,7 @@
             </p:grpSpPr>
             <p:sp>
               <p:nvSpPr>
-                <p:cNvPr id="399" name="Rectangle"/>
+                <p:cNvPr id="391" name="Rectangle"/>
                 <p:cNvSpPr/>
                 <p:nvPr/>
               </p:nvSpPr>
@@ -21185,7 +20607,7 @@
             </p:sp>
             <p:sp>
               <p:nvSpPr>
-                <p:cNvPr id="400" name="Line"/>
+                <p:cNvPr id="392" name="Line"/>
                 <p:cNvSpPr/>
                 <p:nvPr/>
               </p:nvSpPr>
@@ -21232,7 +20654,7 @@
             </p:sp>
             <p:sp>
               <p:nvSpPr>
-                <p:cNvPr id="401" name="Line"/>
+                <p:cNvPr id="393" name="Line"/>
                 <p:cNvSpPr/>
                 <p:nvPr/>
               </p:nvSpPr>
@@ -21279,7 +20701,7 @@
             </p:sp>
             <p:sp>
               <p:nvSpPr>
-                <p:cNvPr id="402" name="Line"/>
+                <p:cNvPr id="394" name="Line"/>
                 <p:cNvSpPr/>
                 <p:nvPr/>
               </p:nvSpPr>
@@ -21327,7 +20749,7 @@
           </p:grpSp>
           <p:sp>
             <p:nvSpPr>
-              <p:cNvPr id="404" name="Rectangle"/>
+              <p:cNvPr id="396" name="Rectangle"/>
               <p:cNvSpPr/>
               <p:nvPr/>
             </p:nvSpPr>
@@ -21376,7 +20798,7 @@
           </p:sp>
           <p:sp>
             <p:nvSpPr>
-              <p:cNvPr id="405" name="Line"/>
+              <p:cNvPr id="397" name="Line"/>
               <p:cNvSpPr/>
               <p:nvPr/>
             </p:nvSpPr>
@@ -21423,7 +20845,7 @@
           </p:sp>
           <p:sp>
             <p:nvSpPr>
-              <p:cNvPr id="406" name="Line"/>
+              <p:cNvPr id="398" name="Line"/>
               <p:cNvSpPr/>
               <p:nvPr/>
             </p:nvSpPr>
@@ -21470,7 +20892,7 @@
           </p:sp>
           <p:sp>
             <p:nvSpPr>
-              <p:cNvPr id="407" name="Line"/>
+              <p:cNvPr id="399" name="Line"/>
               <p:cNvSpPr/>
               <p:nvPr/>
             </p:nvSpPr>
@@ -21517,7 +20939,7 @@
           </p:sp>
           <p:sp>
             <p:nvSpPr>
-              <p:cNvPr id="408" name="Circle"/>
+              <p:cNvPr id="400" name="Circle"/>
               <p:cNvSpPr/>
               <p:nvPr/>
             </p:nvSpPr>
@@ -21568,7 +20990,7 @@
       </p:grpSp>
       <p:grpSp>
         <p:nvGrpSpPr>
-          <p:cNvPr id="438" name="Group"/>
+          <p:cNvPr id="430" name="Group"/>
           <p:cNvGrpSpPr/>
           <p:nvPr/>
         </p:nvGrpSpPr>
@@ -21582,7 +21004,7 @@
         </p:grpSpPr>
         <p:pic>
           <p:nvPicPr>
-            <p:cNvPr id="411" name="Image" descr="Image"/>
+            <p:cNvPr id="403" name="Image" descr="Image"/>
             <p:cNvPicPr>
               <a:picLocks noChangeAspect="1"/>
             </p:cNvPicPr>
@@ -21613,7 +21035,7 @@
         </p:pic>
         <p:grpSp>
           <p:nvGrpSpPr>
-            <p:cNvPr id="437" name="Group"/>
+            <p:cNvPr id="429" name="Group"/>
             <p:cNvGrpSpPr/>
             <p:nvPr/>
           </p:nvGrpSpPr>
@@ -21627,7 +21049,7 @@
           </p:grpSpPr>
           <p:sp>
             <p:nvSpPr>
-              <p:cNvPr id="412" name="Circle"/>
+              <p:cNvPr id="404" name="Circle"/>
               <p:cNvSpPr/>
               <p:nvPr/>
             </p:nvSpPr>
@@ -21676,7 +21098,7 @@
           </p:sp>
           <p:sp>
             <p:nvSpPr>
-              <p:cNvPr id="413" name="Circle"/>
+              <p:cNvPr id="405" name="Circle"/>
               <p:cNvSpPr/>
               <p:nvPr/>
             </p:nvSpPr>
@@ -21725,7 +21147,7 @@
           </p:sp>
           <p:sp>
             <p:nvSpPr>
-              <p:cNvPr id="414" name="Circle"/>
+              <p:cNvPr id="406" name="Circle"/>
               <p:cNvSpPr/>
               <p:nvPr/>
             </p:nvSpPr>
@@ -21774,7 +21196,7 @@
           </p:sp>
           <p:sp>
             <p:nvSpPr>
-              <p:cNvPr id="415" name="Circle"/>
+              <p:cNvPr id="407" name="Circle"/>
               <p:cNvSpPr/>
               <p:nvPr/>
             </p:nvSpPr>
@@ -21823,7 +21245,7 @@
           </p:sp>
           <p:sp>
             <p:nvSpPr>
-              <p:cNvPr id="416" name="Circle"/>
+              <p:cNvPr id="408" name="Circle"/>
               <p:cNvSpPr/>
               <p:nvPr/>
             </p:nvSpPr>
@@ -21872,7 +21294,7 @@
           </p:sp>
           <p:sp>
             <p:nvSpPr>
-              <p:cNvPr id="417" name="Circle"/>
+              <p:cNvPr id="409" name="Circle"/>
               <p:cNvSpPr/>
               <p:nvPr/>
             </p:nvSpPr>
@@ -21921,7 +21343,7 @@
           </p:sp>
           <p:sp>
             <p:nvSpPr>
-              <p:cNvPr id="418" name="Circle"/>
+              <p:cNvPr id="410" name="Circle"/>
               <p:cNvSpPr/>
               <p:nvPr/>
             </p:nvSpPr>
@@ -21970,7 +21392,7 @@
           </p:sp>
           <p:sp>
             <p:nvSpPr>
-              <p:cNvPr id="419" name="Circle"/>
+              <p:cNvPr id="411" name="Circle"/>
               <p:cNvSpPr/>
               <p:nvPr/>
             </p:nvSpPr>
@@ -22019,7 +21441,7 @@
           </p:sp>
           <p:sp>
             <p:nvSpPr>
-              <p:cNvPr id="420" name="Circle"/>
+              <p:cNvPr id="412" name="Circle"/>
               <p:cNvSpPr/>
               <p:nvPr/>
             </p:nvSpPr>
@@ -22068,7 +21490,7 @@
           </p:sp>
           <p:sp>
             <p:nvSpPr>
-              <p:cNvPr id="421" name="Circle"/>
+              <p:cNvPr id="413" name="Circle"/>
               <p:cNvSpPr/>
               <p:nvPr/>
             </p:nvSpPr>
@@ -22117,7 +21539,7 @@
           </p:sp>
           <p:sp>
             <p:nvSpPr>
-              <p:cNvPr id="422" name="Circle"/>
+              <p:cNvPr id="414" name="Circle"/>
               <p:cNvSpPr/>
               <p:nvPr/>
             </p:nvSpPr>
@@ -22166,7 +21588,7 @@
           </p:sp>
           <p:sp>
             <p:nvSpPr>
-              <p:cNvPr id="423" name="Circle"/>
+              <p:cNvPr id="415" name="Circle"/>
               <p:cNvSpPr/>
               <p:nvPr/>
             </p:nvSpPr>
@@ -22215,7 +21637,7 @@
           </p:sp>
           <p:sp>
             <p:nvSpPr>
-              <p:cNvPr id="424" name="Circle"/>
+              <p:cNvPr id="416" name="Circle"/>
               <p:cNvSpPr/>
               <p:nvPr/>
             </p:nvSpPr>
@@ -22264,7 +21686,7 @@
           </p:sp>
           <p:sp>
             <p:nvSpPr>
-              <p:cNvPr id="425" name="Circle"/>
+              <p:cNvPr id="417" name="Circle"/>
               <p:cNvSpPr/>
               <p:nvPr/>
             </p:nvSpPr>
@@ -22313,7 +21735,7 @@
           </p:sp>
           <p:sp>
             <p:nvSpPr>
-              <p:cNvPr id="426" name="Circle"/>
+              <p:cNvPr id="418" name="Circle"/>
               <p:cNvSpPr/>
               <p:nvPr/>
             </p:nvSpPr>
@@ -22362,7 +21784,7 @@
           </p:sp>
           <p:sp>
             <p:nvSpPr>
-              <p:cNvPr id="427" name="Circle"/>
+              <p:cNvPr id="419" name="Circle"/>
               <p:cNvSpPr/>
               <p:nvPr/>
             </p:nvSpPr>
@@ -22411,7 +21833,7 @@
           </p:sp>
           <p:sp>
             <p:nvSpPr>
-              <p:cNvPr id="428" name="Circle"/>
+              <p:cNvPr id="420" name="Circle"/>
               <p:cNvSpPr/>
               <p:nvPr/>
             </p:nvSpPr>
@@ -22460,7 +21882,7 @@
           </p:sp>
           <p:sp>
             <p:nvSpPr>
-              <p:cNvPr id="429" name="Circle"/>
+              <p:cNvPr id="421" name="Circle"/>
               <p:cNvSpPr/>
               <p:nvPr/>
             </p:nvSpPr>
@@ -22509,7 +21931,7 @@
           </p:sp>
           <p:sp>
             <p:nvSpPr>
-              <p:cNvPr id="430" name="Circle"/>
+              <p:cNvPr id="422" name="Circle"/>
               <p:cNvSpPr/>
               <p:nvPr/>
             </p:nvSpPr>
@@ -22558,7 +21980,7 @@
           </p:sp>
           <p:sp>
             <p:nvSpPr>
-              <p:cNvPr id="431" name="Circle"/>
+              <p:cNvPr id="423" name="Circle"/>
               <p:cNvSpPr/>
               <p:nvPr/>
             </p:nvSpPr>
@@ -22607,7 +22029,7 @@
           </p:sp>
           <p:sp>
             <p:nvSpPr>
-              <p:cNvPr id="432" name="Circle"/>
+              <p:cNvPr id="424" name="Circle"/>
               <p:cNvSpPr/>
               <p:nvPr/>
             </p:nvSpPr>
@@ -22656,7 +22078,7 @@
           </p:sp>
           <p:sp>
             <p:nvSpPr>
-              <p:cNvPr id="433" name="Circle"/>
+              <p:cNvPr id="425" name="Circle"/>
               <p:cNvSpPr/>
               <p:nvPr/>
             </p:nvSpPr>
@@ -22705,7 +22127,7 @@
           </p:sp>
           <p:sp>
             <p:nvSpPr>
-              <p:cNvPr id="434" name="Circle"/>
+              <p:cNvPr id="426" name="Circle"/>
               <p:cNvSpPr/>
               <p:nvPr/>
             </p:nvSpPr>
@@ -22754,7 +22176,7 @@
           </p:sp>
           <p:sp>
             <p:nvSpPr>
-              <p:cNvPr id="435" name="Circle"/>
+              <p:cNvPr id="427" name="Circle"/>
               <p:cNvSpPr/>
               <p:nvPr/>
             </p:nvSpPr>
@@ -22803,7 +22225,7 @@
           </p:sp>
           <p:sp>
             <p:nvSpPr>
-              <p:cNvPr id="436" name="Circle"/>
+              <p:cNvPr id="428" name="Circle"/>
               <p:cNvSpPr/>
               <p:nvPr/>
             </p:nvSpPr>
@@ -22854,7 +22276,7 @@
       </p:grpSp>
       <p:grpSp>
         <p:nvGrpSpPr>
-          <p:cNvPr id="449" name="Group"/>
+          <p:cNvPr id="441" name="Group"/>
           <p:cNvGrpSpPr/>
           <p:nvPr/>
         </p:nvGrpSpPr>
@@ -22868,7 +22290,7 @@
         </p:grpSpPr>
         <p:pic>
           <p:nvPicPr>
-            <p:cNvPr id="439" name="Image" descr="Image"/>
+            <p:cNvPr id="431" name="Image" descr="Image"/>
             <p:cNvPicPr>
               <a:picLocks noChangeAspect="1"/>
             </p:cNvPicPr>
@@ -22899,7 +22321,7 @@
         </p:pic>
         <p:grpSp>
           <p:nvGrpSpPr>
-            <p:cNvPr id="448" name="Group"/>
+            <p:cNvPr id="440" name="Group"/>
             <p:cNvGrpSpPr/>
             <p:nvPr/>
           </p:nvGrpSpPr>
@@ -22913,7 +22335,7 @@
           </p:grpSpPr>
           <p:grpSp>
             <p:nvGrpSpPr>
-              <p:cNvPr id="442" name="Group"/>
+              <p:cNvPr id="434" name="Group"/>
               <p:cNvGrpSpPr/>
               <p:nvPr/>
             </p:nvGrpSpPr>
@@ -22927,7 +22349,7 @@
             </p:grpSpPr>
             <p:sp>
               <p:nvSpPr>
-                <p:cNvPr id="440" name="Shape"/>
+                <p:cNvPr id="432" name="Shape"/>
                 <p:cNvSpPr/>
                 <p:nvPr/>
               </p:nvSpPr>
@@ -23041,7 +22463,7 @@
             </p:sp>
             <p:sp>
               <p:nvSpPr>
-                <p:cNvPr id="441" name="Shape"/>
+                <p:cNvPr id="433" name="Shape"/>
                 <p:cNvSpPr/>
                 <p:nvPr/>
               </p:nvSpPr>
@@ -23156,7 +22578,7 @@
           </p:grpSp>
           <p:sp>
             <p:nvSpPr>
-              <p:cNvPr id="443" name="Line"/>
+              <p:cNvPr id="435" name="Line"/>
               <p:cNvSpPr/>
               <p:nvPr/>
             </p:nvSpPr>
@@ -23203,7 +22625,7 @@
           </p:sp>
           <p:sp>
             <p:nvSpPr>
-              <p:cNvPr id="444" name="Line"/>
+              <p:cNvPr id="436" name="Line"/>
               <p:cNvSpPr/>
               <p:nvPr/>
             </p:nvSpPr>
@@ -23250,7 +22672,7 @@
           </p:sp>
           <p:grpSp>
             <p:nvGrpSpPr>
-              <p:cNvPr id="447" name="Group"/>
+              <p:cNvPr id="439" name="Group"/>
               <p:cNvGrpSpPr/>
               <p:nvPr/>
             </p:nvGrpSpPr>
@@ -23264,7 +22686,7 @@
             </p:grpSpPr>
             <p:sp>
               <p:nvSpPr>
-                <p:cNvPr id="445" name="Shape"/>
+                <p:cNvPr id="437" name="Shape"/>
                 <p:cNvSpPr/>
                 <p:nvPr/>
               </p:nvSpPr>
@@ -23368,7 +22790,7 @@
             </p:sp>
             <p:sp>
               <p:nvSpPr>
-                <p:cNvPr id="446" name="Shape"/>
+                <p:cNvPr id="438" name="Shape"/>
                 <p:cNvSpPr/>
                 <p:nvPr/>
               </p:nvSpPr>
@@ -23475,7 +22897,7 @@
       </p:grpSp>
       <p:grpSp>
         <p:nvGrpSpPr>
-          <p:cNvPr id="456" name="Group"/>
+          <p:cNvPr id="448" name="Group"/>
           <p:cNvGrpSpPr/>
           <p:nvPr/>
         </p:nvGrpSpPr>
@@ -23489,7 +22911,7 @@
         </p:grpSpPr>
         <p:pic>
           <p:nvPicPr>
-            <p:cNvPr id="450" name="Image" descr="Image"/>
+            <p:cNvPr id="442" name="Image" descr="Image"/>
             <p:cNvPicPr>
               <a:picLocks noChangeAspect="1"/>
             </p:cNvPicPr>
@@ -23520,7 +22942,7 @@
         </p:pic>
         <p:grpSp>
           <p:nvGrpSpPr>
-            <p:cNvPr id="455" name="Group"/>
+            <p:cNvPr id="447" name="Group"/>
             <p:cNvGrpSpPr/>
             <p:nvPr/>
           </p:nvGrpSpPr>
@@ -23534,7 +22956,7 @@
           </p:grpSpPr>
           <p:sp>
             <p:nvSpPr>
-              <p:cNvPr id="451" name="Circle"/>
+              <p:cNvPr id="443" name="Circle"/>
               <p:cNvSpPr/>
               <p:nvPr/>
             </p:nvSpPr>
@@ -23583,7 +23005,7 @@
           </p:sp>
           <p:sp>
             <p:nvSpPr>
-              <p:cNvPr id="452" name="Circle"/>
+              <p:cNvPr id="444" name="Circle"/>
               <p:cNvSpPr/>
               <p:nvPr/>
             </p:nvSpPr>
@@ -23632,7 +23054,7 @@
           </p:sp>
           <p:sp>
             <p:nvSpPr>
-              <p:cNvPr id="453" name="Circle"/>
+              <p:cNvPr id="445" name="Circle"/>
               <p:cNvSpPr/>
               <p:nvPr/>
             </p:nvSpPr>
@@ -23681,7 +23103,7 @@
           </p:sp>
           <p:sp>
             <p:nvSpPr>
-              <p:cNvPr id="454" name="Circle"/>
+              <p:cNvPr id="446" name="Circle"/>
               <p:cNvSpPr/>
               <p:nvPr/>
             </p:nvSpPr>
@@ -23732,7 +23154,7 @@
       </p:grpSp>
       <p:grpSp>
         <p:nvGrpSpPr>
-          <p:cNvPr id="506" name="Group"/>
+          <p:cNvPr id="498" name="Group"/>
           <p:cNvGrpSpPr/>
           <p:nvPr/>
         </p:nvGrpSpPr>
@@ -23746,7 +23168,7 @@
         </p:grpSpPr>
         <p:sp>
           <p:nvSpPr>
-            <p:cNvPr id="457" name="Square"/>
+            <p:cNvPr id="449" name="Square"/>
             <p:cNvSpPr/>
             <p:nvPr/>
           </p:nvSpPr>
@@ -23795,7 +23217,7 @@
         </p:sp>
         <p:sp>
           <p:nvSpPr>
-            <p:cNvPr id="458" name="Square"/>
+            <p:cNvPr id="450" name="Square"/>
             <p:cNvSpPr/>
             <p:nvPr/>
           </p:nvSpPr>
@@ -23844,7 +23266,7 @@
         </p:sp>
         <p:sp>
           <p:nvSpPr>
-            <p:cNvPr id="459" name="Square"/>
+            <p:cNvPr id="451" name="Square"/>
             <p:cNvSpPr/>
             <p:nvPr/>
           </p:nvSpPr>
@@ -23893,7 +23315,7 @@
         </p:sp>
         <p:sp>
           <p:nvSpPr>
-            <p:cNvPr id="460" name="Square"/>
+            <p:cNvPr id="452" name="Square"/>
             <p:cNvSpPr/>
             <p:nvPr/>
           </p:nvSpPr>
@@ -23942,7 +23364,7 @@
         </p:sp>
         <p:sp>
           <p:nvSpPr>
-            <p:cNvPr id="461" name="Square"/>
+            <p:cNvPr id="453" name="Square"/>
             <p:cNvSpPr/>
             <p:nvPr/>
           </p:nvSpPr>
@@ -23991,7 +23413,7 @@
         </p:sp>
         <p:sp>
           <p:nvSpPr>
-            <p:cNvPr id="462" name="Square"/>
+            <p:cNvPr id="454" name="Square"/>
             <p:cNvSpPr/>
             <p:nvPr/>
           </p:nvSpPr>
@@ -24040,7 +23462,7 @@
         </p:sp>
         <p:sp>
           <p:nvSpPr>
-            <p:cNvPr id="463" name="Square"/>
+            <p:cNvPr id="455" name="Square"/>
             <p:cNvSpPr/>
             <p:nvPr/>
           </p:nvSpPr>
@@ -24089,7 +23511,7 @@
         </p:sp>
         <p:sp>
           <p:nvSpPr>
-            <p:cNvPr id="464" name="Square"/>
+            <p:cNvPr id="456" name="Square"/>
             <p:cNvSpPr/>
             <p:nvPr/>
           </p:nvSpPr>
@@ -24138,7 +23560,7 @@
         </p:sp>
         <p:sp>
           <p:nvSpPr>
-            <p:cNvPr id="465" name="Square"/>
+            <p:cNvPr id="457" name="Square"/>
             <p:cNvSpPr/>
             <p:nvPr/>
           </p:nvSpPr>
@@ -24187,7 +23609,7 @@
         </p:sp>
         <p:sp>
           <p:nvSpPr>
-            <p:cNvPr id="466" name="Square"/>
+            <p:cNvPr id="458" name="Square"/>
             <p:cNvSpPr/>
             <p:nvPr/>
           </p:nvSpPr>
@@ -24236,7 +23658,7 @@
         </p:sp>
         <p:sp>
           <p:nvSpPr>
-            <p:cNvPr id="467" name="Square"/>
+            <p:cNvPr id="459" name="Square"/>
             <p:cNvSpPr/>
             <p:nvPr/>
           </p:nvSpPr>
@@ -24285,7 +23707,7 @@
         </p:sp>
         <p:sp>
           <p:nvSpPr>
-            <p:cNvPr id="468" name="Square"/>
+            <p:cNvPr id="460" name="Square"/>
             <p:cNvSpPr/>
             <p:nvPr/>
           </p:nvSpPr>
@@ -24334,7 +23756,7 @@
         </p:sp>
         <p:sp>
           <p:nvSpPr>
-            <p:cNvPr id="469" name="Square"/>
+            <p:cNvPr id="461" name="Square"/>
             <p:cNvSpPr/>
             <p:nvPr/>
           </p:nvSpPr>
@@ -24383,7 +23805,7 @@
         </p:sp>
         <p:sp>
           <p:nvSpPr>
-            <p:cNvPr id="470" name="Square"/>
+            <p:cNvPr id="462" name="Square"/>
             <p:cNvSpPr/>
             <p:nvPr/>
           </p:nvSpPr>
@@ -24432,7 +23854,7 @@
         </p:sp>
         <p:sp>
           <p:nvSpPr>
-            <p:cNvPr id="471" name="Square"/>
+            <p:cNvPr id="463" name="Square"/>
             <p:cNvSpPr/>
             <p:nvPr/>
           </p:nvSpPr>
@@ -24481,7 +23903,7 @@
         </p:sp>
         <p:sp>
           <p:nvSpPr>
-            <p:cNvPr id="472" name="Square"/>
+            <p:cNvPr id="464" name="Square"/>
             <p:cNvSpPr/>
             <p:nvPr/>
           </p:nvSpPr>
@@ -24530,7 +23952,7 @@
         </p:sp>
         <p:sp>
           <p:nvSpPr>
-            <p:cNvPr id="473" name="Square"/>
+            <p:cNvPr id="465" name="Square"/>
             <p:cNvSpPr/>
             <p:nvPr/>
           </p:nvSpPr>
@@ -24579,7 +24001,7 @@
         </p:sp>
         <p:sp>
           <p:nvSpPr>
-            <p:cNvPr id="474" name="Square"/>
+            <p:cNvPr id="466" name="Square"/>
             <p:cNvSpPr/>
             <p:nvPr/>
           </p:nvSpPr>
@@ -24628,7 +24050,7 @@
         </p:sp>
         <p:sp>
           <p:nvSpPr>
-            <p:cNvPr id="475" name="Square"/>
+            <p:cNvPr id="467" name="Square"/>
             <p:cNvSpPr/>
             <p:nvPr/>
           </p:nvSpPr>
@@ -24677,7 +24099,7 @@
         </p:sp>
         <p:sp>
           <p:nvSpPr>
-            <p:cNvPr id="476" name="Square"/>
+            <p:cNvPr id="468" name="Square"/>
             <p:cNvSpPr/>
             <p:nvPr/>
           </p:nvSpPr>
@@ -24726,7 +24148,7 @@
         </p:sp>
         <p:sp>
           <p:nvSpPr>
-            <p:cNvPr id="477" name="Square"/>
+            <p:cNvPr id="469" name="Square"/>
             <p:cNvSpPr/>
             <p:nvPr/>
           </p:nvSpPr>
@@ -24775,7 +24197,7 @@
         </p:sp>
         <p:sp>
           <p:nvSpPr>
-            <p:cNvPr id="478" name="Square"/>
+            <p:cNvPr id="470" name="Square"/>
             <p:cNvSpPr/>
             <p:nvPr/>
           </p:nvSpPr>
@@ -24824,7 +24246,7 @@
         </p:sp>
         <p:sp>
           <p:nvSpPr>
-            <p:cNvPr id="479" name="Square"/>
+            <p:cNvPr id="471" name="Square"/>
             <p:cNvSpPr/>
             <p:nvPr/>
           </p:nvSpPr>
@@ -24873,7 +24295,7 @@
         </p:sp>
         <p:sp>
           <p:nvSpPr>
-            <p:cNvPr id="480" name="Square"/>
+            <p:cNvPr id="472" name="Square"/>
             <p:cNvSpPr/>
             <p:nvPr/>
           </p:nvSpPr>
@@ -24922,7 +24344,7 @@
         </p:sp>
         <p:sp>
           <p:nvSpPr>
-            <p:cNvPr id="481" name="Square"/>
+            <p:cNvPr id="473" name="Square"/>
             <p:cNvSpPr/>
             <p:nvPr/>
           </p:nvSpPr>
@@ -24971,7 +24393,7 @@
         </p:sp>
         <p:sp>
           <p:nvSpPr>
-            <p:cNvPr id="482" name="Square"/>
+            <p:cNvPr id="474" name="Square"/>
             <p:cNvSpPr/>
             <p:nvPr/>
           </p:nvSpPr>
@@ -25020,7 +24442,7 @@
         </p:sp>
         <p:sp>
           <p:nvSpPr>
-            <p:cNvPr id="483" name="Square"/>
+            <p:cNvPr id="475" name="Square"/>
             <p:cNvSpPr/>
             <p:nvPr/>
           </p:nvSpPr>
@@ -25069,7 +24491,7 @@
         </p:sp>
         <p:sp>
           <p:nvSpPr>
-            <p:cNvPr id="484" name="Square"/>
+            <p:cNvPr id="476" name="Square"/>
             <p:cNvSpPr/>
             <p:nvPr/>
           </p:nvSpPr>
@@ -25118,7 +24540,7 @@
         </p:sp>
         <p:sp>
           <p:nvSpPr>
-            <p:cNvPr id="485" name="Square"/>
+            <p:cNvPr id="477" name="Square"/>
             <p:cNvSpPr/>
             <p:nvPr/>
           </p:nvSpPr>
@@ -25167,7 +24589,7 @@
         </p:sp>
         <p:sp>
           <p:nvSpPr>
-            <p:cNvPr id="486" name="Square"/>
+            <p:cNvPr id="478" name="Square"/>
             <p:cNvSpPr/>
             <p:nvPr/>
           </p:nvSpPr>
@@ -25216,7 +24638,7 @@
         </p:sp>
         <p:sp>
           <p:nvSpPr>
-            <p:cNvPr id="487" name="Square"/>
+            <p:cNvPr id="479" name="Square"/>
             <p:cNvSpPr/>
             <p:nvPr/>
           </p:nvSpPr>
@@ -25265,7 +24687,7 @@
         </p:sp>
         <p:sp>
           <p:nvSpPr>
-            <p:cNvPr id="488" name="Square"/>
+            <p:cNvPr id="480" name="Square"/>
             <p:cNvSpPr/>
             <p:nvPr/>
           </p:nvSpPr>
@@ -25314,7 +24736,7 @@
         </p:sp>
         <p:sp>
           <p:nvSpPr>
-            <p:cNvPr id="489" name="Square"/>
+            <p:cNvPr id="481" name="Square"/>
             <p:cNvSpPr/>
             <p:nvPr/>
           </p:nvSpPr>
@@ -25363,7 +24785,7 @@
         </p:sp>
         <p:sp>
           <p:nvSpPr>
-            <p:cNvPr id="490" name="Square"/>
+            <p:cNvPr id="482" name="Square"/>
             <p:cNvSpPr/>
             <p:nvPr/>
           </p:nvSpPr>
@@ -25412,7 +24834,7 @@
         </p:sp>
         <p:sp>
           <p:nvSpPr>
-            <p:cNvPr id="491" name="Square"/>
+            <p:cNvPr id="483" name="Square"/>
             <p:cNvSpPr/>
             <p:nvPr/>
           </p:nvSpPr>
@@ -25461,7 +24883,7 @@
         </p:sp>
         <p:sp>
           <p:nvSpPr>
-            <p:cNvPr id="492" name="Square"/>
+            <p:cNvPr id="484" name="Square"/>
             <p:cNvSpPr/>
             <p:nvPr/>
           </p:nvSpPr>
@@ -25510,7 +24932,7 @@
         </p:sp>
         <p:sp>
           <p:nvSpPr>
-            <p:cNvPr id="493" name="Square"/>
+            <p:cNvPr id="485" name="Square"/>
             <p:cNvSpPr/>
             <p:nvPr/>
           </p:nvSpPr>
@@ -25559,7 +24981,7 @@
         </p:sp>
         <p:sp>
           <p:nvSpPr>
-            <p:cNvPr id="494" name="Square"/>
+            <p:cNvPr id="486" name="Square"/>
             <p:cNvSpPr/>
             <p:nvPr/>
           </p:nvSpPr>
@@ -25608,7 +25030,7 @@
         </p:sp>
         <p:sp>
           <p:nvSpPr>
-            <p:cNvPr id="495" name="Square"/>
+            <p:cNvPr id="487" name="Square"/>
             <p:cNvSpPr/>
             <p:nvPr/>
           </p:nvSpPr>
@@ -25657,7 +25079,7 @@
         </p:sp>
         <p:sp>
           <p:nvSpPr>
-            <p:cNvPr id="496" name="Square"/>
+            <p:cNvPr id="488" name="Square"/>
             <p:cNvSpPr/>
             <p:nvPr/>
           </p:nvSpPr>
@@ -25706,7 +25128,7 @@
         </p:sp>
         <p:sp>
           <p:nvSpPr>
-            <p:cNvPr id="497" name="Square"/>
+            <p:cNvPr id="489" name="Square"/>
             <p:cNvSpPr/>
             <p:nvPr/>
           </p:nvSpPr>
@@ -25755,7 +25177,7 @@
         </p:sp>
         <p:sp>
           <p:nvSpPr>
-            <p:cNvPr id="498" name="Square"/>
+            <p:cNvPr id="490" name="Square"/>
             <p:cNvSpPr/>
             <p:nvPr/>
           </p:nvSpPr>
@@ -25804,7 +25226,7 @@
         </p:sp>
         <p:sp>
           <p:nvSpPr>
-            <p:cNvPr id="499" name="Square"/>
+            <p:cNvPr id="491" name="Square"/>
             <p:cNvSpPr/>
             <p:nvPr/>
           </p:nvSpPr>
@@ -25853,7 +25275,7 @@
         </p:sp>
         <p:sp>
           <p:nvSpPr>
-            <p:cNvPr id="500" name="Square"/>
+            <p:cNvPr id="492" name="Square"/>
             <p:cNvSpPr/>
             <p:nvPr/>
           </p:nvSpPr>
@@ -25902,7 +25324,7 @@
         </p:sp>
         <p:sp>
           <p:nvSpPr>
-            <p:cNvPr id="501" name="Square"/>
+            <p:cNvPr id="493" name="Square"/>
             <p:cNvSpPr/>
             <p:nvPr/>
           </p:nvSpPr>
@@ -25951,7 +25373,7 @@
         </p:sp>
         <p:sp>
           <p:nvSpPr>
-            <p:cNvPr id="502" name="Square"/>
+            <p:cNvPr id="494" name="Square"/>
             <p:cNvSpPr/>
             <p:nvPr/>
           </p:nvSpPr>
@@ -26000,7 +25422,7 @@
         </p:sp>
         <p:sp>
           <p:nvSpPr>
-            <p:cNvPr id="503" name="Square"/>
+            <p:cNvPr id="495" name="Square"/>
             <p:cNvSpPr/>
             <p:nvPr/>
           </p:nvSpPr>
@@ -26049,7 +25471,7 @@
         </p:sp>
         <p:sp>
           <p:nvSpPr>
-            <p:cNvPr id="504" name="Square"/>
+            <p:cNvPr id="496" name="Square"/>
             <p:cNvSpPr/>
             <p:nvPr/>
           </p:nvSpPr>
@@ -26098,7 +25520,7 @@
         </p:sp>
         <p:sp>
           <p:nvSpPr>
-            <p:cNvPr id="505" name="Square"/>
+            <p:cNvPr id="497" name="Square"/>
             <p:cNvSpPr/>
             <p:nvPr/>
           </p:nvSpPr>
@@ -26148,7 +25570,7 @@
       </p:grpSp>
       <p:grpSp>
         <p:nvGrpSpPr>
-          <p:cNvPr id="556" name="Group"/>
+          <p:cNvPr id="548" name="Group"/>
           <p:cNvGrpSpPr/>
           <p:nvPr/>
         </p:nvGrpSpPr>
@@ -26162,7 +25584,7 @@
         </p:grpSpPr>
         <p:sp>
           <p:nvSpPr>
-            <p:cNvPr id="507" name="Square"/>
+            <p:cNvPr id="499" name="Square"/>
             <p:cNvSpPr/>
             <p:nvPr/>
           </p:nvSpPr>
@@ -26211,7 +25633,7 @@
         </p:sp>
         <p:sp>
           <p:nvSpPr>
-            <p:cNvPr id="508" name="Square"/>
+            <p:cNvPr id="500" name="Square"/>
             <p:cNvSpPr/>
             <p:nvPr/>
           </p:nvSpPr>
@@ -26260,7 +25682,7 @@
         </p:sp>
         <p:sp>
           <p:nvSpPr>
-            <p:cNvPr id="509" name="Square"/>
+            <p:cNvPr id="501" name="Square"/>
             <p:cNvSpPr/>
             <p:nvPr/>
           </p:nvSpPr>
@@ -26309,7 +25731,7 @@
         </p:sp>
         <p:sp>
           <p:nvSpPr>
-            <p:cNvPr id="510" name="Square"/>
+            <p:cNvPr id="502" name="Square"/>
             <p:cNvSpPr/>
             <p:nvPr/>
           </p:nvSpPr>
@@ -26358,7 +25780,7 @@
         </p:sp>
         <p:sp>
           <p:nvSpPr>
-            <p:cNvPr id="511" name="Square"/>
+            <p:cNvPr id="503" name="Square"/>
             <p:cNvSpPr/>
             <p:nvPr/>
           </p:nvSpPr>
@@ -26407,7 +25829,7 @@
         </p:sp>
         <p:sp>
           <p:nvSpPr>
-            <p:cNvPr id="512" name="Square"/>
+            <p:cNvPr id="504" name="Square"/>
             <p:cNvSpPr/>
             <p:nvPr/>
           </p:nvSpPr>
@@ -26456,7 +25878,7 @@
         </p:sp>
         <p:sp>
           <p:nvSpPr>
-            <p:cNvPr id="513" name="Square"/>
+            <p:cNvPr id="505" name="Square"/>
             <p:cNvSpPr/>
             <p:nvPr/>
           </p:nvSpPr>
@@ -26505,7 +25927,7 @@
         </p:sp>
         <p:sp>
           <p:nvSpPr>
-            <p:cNvPr id="514" name="Square"/>
+            <p:cNvPr id="506" name="Square"/>
             <p:cNvSpPr/>
             <p:nvPr/>
           </p:nvSpPr>
@@ -26554,7 +25976,7 @@
         </p:sp>
         <p:sp>
           <p:nvSpPr>
-            <p:cNvPr id="515" name="Square"/>
+            <p:cNvPr id="507" name="Square"/>
             <p:cNvSpPr/>
             <p:nvPr/>
           </p:nvSpPr>
@@ -26603,7 +26025,7 @@
         </p:sp>
         <p:sp>
           <p:nvSpPr>
-            <p:cNvPr id="516" name="Square"/>
+            <p:cNvPr id="508" name="Square"/>
             <p:cNvSpPr/>
             <p:nvPr/>
           </p:nvSpPr>
@@ -26652,7 +26074,7 @@
         </p:sp>
         <p:sp>
           <p:nvSpPr>
-            <p:cNvPr id="517" name="Square"/>
+            <p:cNvPr id="509" name="Square"/>
             <p:cNvSpPr/>
             <p:nvPr/>
           </p:nvSpPr>
@@ -26701,7 +26123,7 @@
         </p:sp>
         <p:sp>
           <p:nvSpPr>
-            <p:cNvPr id="518" name="Square"/>
+            <p:cNvPr id="510" name="Square"/>
             <p:cNvSpPr/>
             <p:nvPr/>
           </p:nvSpPr>
@@ -26750,7 +26172,7 @@
         </p:sp>
         <p:sp>
           <p:nvSpPr>
-            <p:cNvPr id="519" name="Square"/>
+            <p:cNvPr id="511" name="Square"/>
             <p:cNvSpPr/>
             <p:nvPr/>
           </p:nvSpPr>
@@ -26799,7 +26221,7 @@
         </p:sp>
         <p:sp>
           <p:nvSpPr>
-            <p:cNvPr id="520" name="Square"/>
+            <p:cNvPr id="512" name="Square"/>
             <p:cNvSpPr/>
             <p:nvPr/>
           </p:nvSpPr>
@@ -26848,7 +26270,7 @@
         </p:sp>
         <p:sp>
           <p:nvSpPr>
-            <p:cNvPr id="521" name="Square"/>
+            <p:cNvPr id="513" name="Square"/>
             <p:cNvSpPr/>
             <p:nvPr/>
           </p:nvSpPr>
@@ -26897,7 +26319,7 @@
         </p:sp>
         <p:sp>
           <p:nvSpPr>
-            <p:cNvPr id="522" name="Square"/>
+            <p:cNvPr id="514" name="Square"/>
             <p:cNvSpPr/>
             <p:nvPr/>
           </p:nvSpPr>
@@ -26946,7 +26368,7 @@
         </p:sp>
         <p:sp>
           <p:nvSpPr>
-            <p:cNvPr id="523" name="Square"/>
+            <p:cNvPr id="515" name="Square"/>
             <p:cNvSpPr/>
             <p:nvPr/>
           </p:nvSpPr>
@@ -26995,7 +26417,7 @@
         </p:sp>
         <p:sp>
           <p:nvSpPr>
-            <p:cNvPr id="524" name="Square"/>
+            <p:cNvPr id="516" name="Square"/>
             <p:cNvSpPr/>
             <p:nvPr/>
           </p:nvSpPr>
@@ -27044,7 +26466,7 @@
         </p:sp>
         <p:sp>
           <p:nvSpPr>
-            <p:cNvPr id="525" name="Square"/>
+            <p:cNvPr id="517" name="Square"/>
             <p:cNvSpPr/>
             <p:nvPr/>
           </p:nvSpPr>
@@ -27093,7 +26515,7 @@
         </p:sp>
         <p:sp>
           <p:nvSpPr>
-            <p:cNvPr id="526" name="Square"/>
+            <p:cNvPr id="518" name="Square"/>
             <p:cNvSpPr/>
             <p:nvPr/>
           </p:nvSpPr>
@@ -27142,7 +26564,7 @@
         </p:sp>
         <p:sp>
           <p:nvSpPr>
-            <p:cNvPr id="527" name="Square"/>
+            <p:cNvPr id="519" name="Square"/>
             <p:cNvSpPr/>
             <p:nvPr/>
           </p:nvSpPr>
@@ -27191,7 +26613,7 @@
         </p:sp>
         <p:sp>
           <p:nvSpPr>
-            <p:cNvPr id="528" name="Square"/>
+            <p:cNvPr id="520" name="Square"/>
             <p:cNvSpPr/>
             <p:nvPr/>
           </p:nvSpPr>
@@ -27240,7 +26662,7 @@
         </p:sp>
         <p:sp>
           <p:nvSpPr>
-            <p:cNvPr id="529" name="Square"/>
+            <p:cNvPr id="521" name="Square"/>
             <p:cNvSpPr/>
             <p:nvPr/>
           </p:nvSpPr>
@@ -27289,7 +26711,7 @@
         </p:sp>
         <p:sp>
           <p:nvSpPr>
-            <p:cNvPr id="530" name="Square"/>
+            <p:cNvPr id="522" name="Square"/>
             <p:cNvSpPr/>
             <p:nvPr/>
           </p:nvSpPr>
@@ -27338,7 +26760,7 @@
         </p:sp>
         <p:sp>
           <p:nvSpPr>
-            <p:cNvPr id="531" name="Square"/>
+            <p:cNvPr id="523" name="Square"/>
             <p:cNvSpPr/>
             <p:nvPr/>
           </p:nvSpPr>
@@ -27387,7 +26809,7 @@
         </p:sp>
         <p:sp>
           <p:nvSpPr>
-            <p:cNvPr id="532" name="Square"/>
+            <p:cNvPr id="524" name="Square"/>
             <p:cNvSpPr/>
             <p:nvPr/>
           </p:nvSpPr>
@@ -27436,7 +26858,7 @@
         </p:sp>
         <p:sp>
           <p:nvSpPr>
-            <p:cNvPr id="533" name="Square"/>
+            <p:cNvPr id="525" name="Square"/>
             <p:cNvSpPr/>
             <p:nvPr/>
           </p:nvSpPr>
@@ -27485,7 +26907,7 @@
         </p:sp>
         <p:sp>
           <p:nvSpPr>
-            <p:cNvPr id="534" name="Square"/>
+            <p:cNvPr id="526" name="Square"/>
             <p:cNvSpPr/>
             <p:nvPr/>
           </p:nvSpPr>
@@ -27534,7 +26956,7 @@
         </p:sp>
         <p:sp>
           <p:nvSpPr>
-            <p:cNvPr id="535" name="Square"/>
+            <p:cNvPr id="527" name="Square"/>
             <p:cNvSpPr/>
             <p:nvPr/>
           </p:nvSpPr>
@@ -27583,7 +27005,7 @@
         </p:sp>
         <p:sp>
           <p:nvSpPr>
-            <p:cNvPr id="536" name="Square"/>
+            <p:cNvPr id="528" name="Square"/>
             <p:cNvSpPr/>
             <p:nvPr/>
           </p:nvSpPr>
@@ -27632,7 +27054,7 @@
         </p:sp>
         <p:sp>
           <p:nvSpPr>
-            <p:cNvPr id="537" name="Square"/>
+            <p:cNvPr id="529" name="Square"/>
             <p:cNvSpPr/>
             <p:nvPr/>
           </p:nvSpPr>
@@ -27681,7 +27103,7 @@
         </p:sp>
         <p:sp>
           <p:nvSpPr>
-            <p:cNvPr id="538" name="Square"/>
+            <p:cNvPr id="530" name="Square"/>
             <p:cNvSpPr/>
             <p:nvPr/>
           </p:nvSpPr>
@@ -27730,7 +27152,7 @@
         </p:sp>
         <p:sp>
           <p:nvSpPr>
-            <p:cNvPr id="539" name="Square"/>
+            <p:cNvPr id="531" name="Square"/>
             <p:cNvSpPr/>
             <p:nvPr/>
           </p:nvSpPr>
@@ -27779,7 +27201,7 @@
         </p:sp>
         <p:sp>
           <p:nvSpPr>
-            <p:cNvPr id="540" name="Square"/>
+            <p:cNvPr id="532" name="Square"/>
             <p:cNvSpPr/>
             <p:nvPr/>
           </p:nvSpPr>
@@ -27828,7 +27250,7 @@
         </p:sp>
         <p:sp>
           <p:nvSpPr>
-            <p:cNvPr id="541" name="Square"/>
+            <p:cNvPr id="533" name="Square"/>
             <p:cNvSpPr/>
             <p:nvPr/>
           </p:nvSpPr>
@@ -27877,7 +27299,7 @@
         </p:sp>
         <p:sp>
           <p:nvSpPr>
-            <p:cNvPr id="542" name="Square"/>
+            <p:cNvPr id="534" name="Square"/>
             <p:cNvSpPr/>
             <p:nvPr/>
           </p:nvSpPr>
@@ -27926,7 +27348,7 @@
         </p:sp>
         <p:sp>
           <p:nvSpPr>
-            <p:cNvPr id="543" name="Square"/>
+            <p:cNvPr id="535" name="Square"/>
             <p:cNvSpPr/>
             <p:nvPr/>
           </p:nvSpPr>
@@ -27975,7 +27397,7 @@
         </p:sp>
         <p:sp>
           <p:nvSpPr>
-            <p:cNvPr id="544" name="Square"/>
+            <p:cNvPr id="536" name="Square"/>
             <p:cNvSpPr/>
             <p:nvPr/>
           </p:nvSpPr>
@@ -28024,7 +27446,7 @@
         </p:sp>
         <p:sp>
           <p:nvSpPr>
-            <p:cNvPr id="545" name="Square"/>
+            <p:cNvPr id="537" name="Square"/>
             <p:cNvSpPr/>
             <p:nvPr/>
           </p:nvSpPr>
@@ -28073,7 +27495,7 @@
         </p:sp>
         <p:sp>
           <p:nvSpPr>
-            <p:cNvPr id="546" name="Square"/>
+            <p:cNvPr id="538" name="Square"/>
             <p:cNvSpPr/>
             <p:nvPr/>
           </p:nvSpPr>
@@ -28122,7 +27544,7 @@
         </p:sp>
         <p:sp>
           <p:nvSpPr>
-            <p:cNvPr id="547" name="Square"/>
+            <p:cNvPr id="539" name="Square"/>
             <p:cNvSpPr/>
             <p:nvPr/>
           </p:nvSpPr>
@@ -28171,7 +27593,7 @@
         </p:sp>
         <p:sp>
           <p:nvSpPr>
-            <p:cNvPr id="548" name="Square"/>
+            <p:cNvPr id="540" name="Square"/>
             <p:cNvSpPr/>
             <p:nvPr/>
           </p:nvSpPr>
@@ -28220,7 +27642,7 @@
         </p:sp>
         <p:sp>
           <p:nvSpPr>
-            <p:cNvPr id="549" name="Square"/>
+            <p:cNvPr id="541" name="Square"/>
             <p:cNvSpPr/>
             <p:nvPr/>
           </p:nvSpPr>
@@ -28269,7 +27691,7 @@
         </p:sp>
         <p:sp>
           <p:nvSpPr>
-            <p:cNvPr id="550" name="Square"/>
+            <p:cNvPr id="542" name="Square"/>
             <p:cNvSpPr/>
             <p:nvPr/>
           </p:nvSpPr>
@@ -28318,7 +27740,7 @@
         </p:sp>
         <p:sp>
           <p:nvSpPr>
-            <p:cNvPr id="551" name="Square"/>
+            <p:cNvPr id="543" name="Square"/>
             <p:cNvSpPr/>
             <p:nvPr/>
           </p:nvSpPr>
@@ -28367,7 +27789,7 @@
         </p:sp>
         <p:sp>
           <p:nvSpPr>
-            <p:cNvPr id="552" name="Square"/>
+            <p:cNvPr id="544" name="Square"/>
             <p:cNvSpPr/>
             <p:nvPr/>
           </p:nvSpPr>
@@ -28416,7 +27838,7 @@
         </p:sp>
         <p:sp>
           <p:nvSpPr>
-            <p:cNvPr id="553" name="Square"/>
+            <p:cNvPr id="545" name="Square"/>
             <p:cNvSpPr/>
             <p:nvPr/>
           </p:nvSpPr>
@@ -28465,7 +27887,7 @@
         </p:sp>
         <p:sp>
           <p:nvSpPr>
-            <p:cNvPr id="554" name="Square"/>
+            <p:cNvPr id="546" name="Square"/>
             <p:cNvSpPr/>
             <p:nvPr/>
           </p:nvSpPr>
@@ -28514,7 +27936,7 @@
         </p:sp>
         <p:sp>
           <p:nvSpPr>
-            <p:cNvPr id="555" name="Square"/>
+            <p:cNvPr id="547" name="Square"/>
             <p:cNvSpPr/>
             <p:nvPr/>
           </p:nvSpPr>
@@ -28564,7 +27986,7 @@
       </p:grpSp>
       <p:grpSp>
         <p:nvGrpSpPr>
-          <p:cNvPr id="562" name="Group"/>
+          <p:cNvPr id="554" name="Group"/>
           <p:cNvGrpSpPr/>
           <p:nvPr/>
         </p:nvGrpSpPr>
@@ -28578,7 +28000,7 @@
         </p:grpSpPr>
         <p:pic>
           <p:nvPicPr>
-            <p:cNvPr id="557" name="Image" descr="Image"/>
+            <p:cNvPr id="549" name="Image" descr="Image"/>
             <p:cNvPicPr>
               <a:picLocks noChangeAspect="1"/>
             </p:cNvPicPr>
@@ -28609,7 +28031,7 @@
         </p:pic>
         <p:grpSp>
           <p:nvGrpSpPr>
-            <p:cNvPr id="561" name="Group"/>
+            <p:cNvPr id="553" name="Group"/>
             <p:cNvGrpSpPr/>
             <p:nvPr/>
           </p:nvGrpSpPr>
@@ -28623,7 +28045,7 @@
           </p:grpSpPr>
           <p:sp>
             <p:nvSpPr>
-              <p:cNvPr id="558" name="Shape"/>
+              <p:cNvPr id="550" name="Shape"/>
               <p:cNvSpPr/>
               <p:nvPr/>
             </p:nvSpPr>
@@ -28765,7 +28187,7 @@
           </p:sp>
           <p:sp>
             <p:nvSpPr>
-              <p:cNvPr id="559" name="Shape"/>
+              <p:cNvPr id="551" name="Shape"/>
               <p:cNvSpPr/>
               <p:nvPr/>
             </p:nvSpPr>
@@ -28907,7 +28329,7 @@
           </p:sp>
           <p:sp>
             <p:nvSpPr>
-              <p:cNvPr id="560" name="Shape"/>
+              <p:cNvPr id="552" name="Shape"/>
               <p:cNvSpPr/>
               <p:nvPr/>
             </p:nvSpPr>
@@ -29036,7 +28458,7 @@
       </p:grpSp>
       <p:grpSp>
         <p:nvGrpSpPr>
-          <p:cNvPr id="579" name="Group"/>
+          <p:cNvPr id="571" name="Group"/>
           <p:cNvGrpSpPr/>
           <p:nvPr/>
         </p:nvGrpSpPr>
@@ -29050,7 +28472,7 @@
         </p:grpSpPr>
         <p:sp>
           <p:nvSpPr>
-            <p:cNvPr id="563" name="Square"/>
+            <p:cNvPr id="555" name="Square"/>
             <p:cNvSpPr/>
             <p:nvPr/>
           </p:nvSpPr>
@@ -29099,7 +28521,7 @@
         </p:sp>
         <p:sp>
           <p:nvSpPr>
-            <p:cNvPr id="564" name="Square"/>
+            <p:cNvPr id="556" name="Square"/>
             <p:cNvSpPr/>
             <p:nvPr/>
           </p:nvSpPr>
@@ -29148,7 +28570,7 @@
         </p:sp>
         <p:sp>
           <p:nvSpPr>
-            <p:cNvPr id="565" name="Square"/>
+            <p:cNvPr id="557" name="Square"/>
             <p:cNvSpPr/>
             <p:nvPr/>
           </p:nvSpPr>
@@ -29197,7 +28619,7 @@
         </p:sp>
         <p:sp>
           <p:nvSpPr>
-            <p:cNvPr id="566" name="Square"/>
+            <p:cNvPr id="558" name="Square"/>
             <p:cNvSpPr/>
             <p:nvPr/>
           </p:nvSpPr>
@@ -29246,7 +28668,7 @@
         </p:sp>
         <p:sp>
           <p:nvSpPr>
-            <p:cNvPr id="567" name="Square"/>
+            <p:cNvPr id="559" name="Square"/>
             <p:cNvSpPr/>
             <p:nvPr/>
           </p:nvSpPr>
@@ -29295,7 +28717,7 @@
         </p:sp>
         <p:sp>
           <p:nvSpPr>
-            <p:cNvPr id="568" name="Square"/>
+            <p:cNvPr id="560" name="Square"/>
             <p:cNvSpPr/>
             <p:nvPr/>
           </p:nvSpPr>
@@ -29344,7 +28766,7 @@
         </p:sp>
         <p:sp>
           <p:nvSpPr>
-            <p:cNvPr id="569" name="Square"/>
+            <p:cNvPr id="561" name="Square"/>
             <p:cNvSpPr/>
             <p:nvPr/>
           </p:nvSpPr>
@@ -29393,7 +28815,7 @@
         </p:sp>
         <p:sp>
           <p:nvSpPr>
-            <p:cNvPr id="570" name="Square"/>
+            <p:cNvPr id="562" name="Square"/>
             <p:cNvSpPr/>
             <p:nvPr/>
           </p:nvSpPr>
@@ -29442,7 +28864,7 @@
         </p:sp>
         <p:sp>
           <p:nvSpPr>
-            <p:cNvPr id="571" name="Square"/>
+            <p:cNvPr id="563" name="Square"/>
             <p:cNvSpPr/>
             <p:nvPr/>
           </p:nvSpPr>
@@ -29491,7 +28913,7 @@
         </p:sp>
         <p:sp>
           <p:nvSpPr>
-            <p:cNvPr id="572" name="Square"/>
+            <p:cNvPr id="564" name="Square"/>
             <p:cNvSpPr/>
             <p:nvPr/>
           </p:nvSpPr>
@@ -29540,7 +28962,7 @@
         </p:sp>
         <p:sp>
           <p:nvSpPr>
-            <p:cNvPr id="573" name="Square"/>
+            <p:cNvPr id="565" name="Square"/>
             <p:cNvSpPr/>
             <p:nvPr/>
           </p:nvSpPr>
@@ -29589,7 +29011,7 @@
         </p:sp>
         <p:sp>
           <p:nvSpPr>
-            <p:cNvPr id="574" name="Square"/>
+            <p:cNvPr id="566" name="Square"/>
             <p:cNvSpPr/>
             <p:nvPr/>
           </p:nvSpPr>
@@ -29638,7 +29060,7 @@
         </p:sp>
         <p:sp>
           <p:nvSpPr>
-            <p:cNvPr id="575" name="Square"/>
+            <p:cNvPr id="567" name="Square"/>
             <p:cNvSpPr/>
             <p:nvPr/>
           </p:nvSpPr>
@@ -29687,7 +29109,7 @@
         </p:sp>
         <p:sp>
           <p:nvSpPr>
-            <p:cNvPr id="576" name="Square"/>
+            <p:cNvPr id="568" name="Square"/>
             <p:cNvSpPr/>
             <p:nvPr/>
           </p:nvSpPr>
@@ -29736,7 +29158,7 @@
         </p:sp>
         <p:sp>
           <p:nvSpPr>
-            <p:cNvPr id="577" name="Square"/>
+            <p:cNvPr id="569" name="Square"/>
             <p:cNvSpPr/>
             <p:nvPr/>
           </p:nvSpPr>
@@ -29785,7 +29207,7 @@
         </p:sp>
         <p:sp>
           <p:nvSpPr>
-            <p:cNvPr id="578" name="Square"/>
+            <p:cNvPr id="570" name="Square"/>
             <p:cNvSpPr/>
             <p:nvPr/>
           </p:nvSpPr>
@@ -29835,7 +29257,7 @@
       </p:grpSp>
       <p:grpSp>
         <p:nvGrpSpPr>
-          <p:cNvPr id="585" name="Group"/>
+          <p:cNvPr id="577" name="Group"/>
           <p:cNvGrpSpPr/>
           <p:nvPr/>
         </p:nvGrpSpPr>
@@ -29849,7 +29271,7 @@
         </p:grpSpPr>
         <p:pic>
           <p:nvPicPr>
-            <p:cNvPr id="580" name="Image" descr="Image"/>
+            <p:cNvPr id="572" name="Image" descr="Image"/>
             <p:cNvPicPr>
               <a:picLocks noChangeAspect="1"/>
             </p:cNvPicPr>
@@ -29880,7 +29302,7 @@
         </p:pic>
         <p:grpSp>
           <p:nvGrpSpPr>
-            <p:cNvPr id="584" name="Group"/>
+            <p:cNvPr id="576" name="Group"/>
             <p:cNvGrpSpPr/>
             <p:nvPr/>
           </p:nvGrpSpPr>
@@ -29894,7 +29316,7 @@
           </p:grpSpPr>
           <p:sp>
             <p:nvSpPr>
-              <p:cNvPr id="581" name="Oval"/>
+              <p:cNvPr id="573" name="Oval"/>
               <p:cNvSpPr/>
               <p:nvPr/>
             </p:nvSpPr>
@@ -29944,7 +29366,7 @@
           </p:sp>
           <p:sp>
             <p:nvSpPr>
-              <p:cNvPr id="582" name="Oval"/>
+              <p:cNvPr id="574" name="Oval"/>
               <p:cNvSpPr/>
               <p:nvPr/>
             </p:nvSpPr>
@@ -29994,7 +29416,7 @@
           </p:sp>
           <p:sp>
             <p:nvSpPr>
-              <p:cNvPr id="583" name="Oval"/>
+              <p:cNvPr id="575" name="Oval"/>
               <p:cNvSpPr/>
               <p:nvPr/>
             </p:nvSpPr>
@@ -30046,7 +29468,7 @@
       </p:grpSp>
       <p:grpSp>
         <p:nvGrpSpPr>
-          <p:cNvPr id="588" name="Group"/>
+          <p:cNvPr id="580" name="Group"/>
           <p:cNvGrpSpPr/>
           <p:nvPr/>
         </p:nvGrpSpPr>
@@ -30060,7 +29482,7 @@
         </p:grpSpPr>
         <p:pic>
           <p:nvPicPr>
-            <p:cNvPr id="586" name="Image" descr="Image"/>
+            <p:cNvPr id="578" name="Image" descr="Image"/>
             <p:cNvPicPr>
               <a:picLocks noChangeAspect="1"/>
             </p:cNvPicPr>
@@ -30091,7 +29513,7 @@
         </p:pic>
         <p:sp>
           <p:nvSpPr>
-            <p:cNvPr id="587" name="Shape"/>
+            <p:cNvPr id="579" name="Shape"/>
             <p:cNvSpPr/>
             <p:nvPr/>
           </p:nvSpPr>
@@ -30234,7 +29656,7 @@
       </p:grpSp>
       <p:grpSp>
         <p:nvGrpSpPr>
-          <p:cNvPr id="591" name="Group"/>
+          <p:cNvPr id="583" name="Group"/>
           <p:cNvGrpSpPr/>
           <p:nvPr/>
         </p:nvGrpSpPr>
@@ -30248,7 +29670,7 @@
         </p:grpSpPr>
         <p:pic>
           <p:nvPicPr>
-            <p:cNvPr id="589" name="Image" descr="Image"/>
+            <p:cNvPr id="581" name="Image" descr="Image"/>
             <p:cNvPicPr>
               <a:picLocks noChangeAspect="1"/>
             </p:cNvPicPr>
@@ -30279,7 +29701,7 @@
         </p:pic>
         <p:sp>
           <p:nvSpPr>
-            <p:cNvPr id="590" name="Line"/>
+            <p:cNvPr id="582" name="Line"/>
             <p:cNvSpPr/>
             <p:nvPr/>
           </p:nvSpPr>
@@ -30413,7 +29835,7 @@
       </p:grpSp>
       <p:grpSp>
         <p:nvGrpSpPr>
-          <p:cNvPr id="594" name="Group"/>
+          <p:cNvPr id="586" name="Group"/>
           <p:cNvGrpSpPr/>
           <p:nvPr/>
         </p:nvGrpSpPr>
@@ -30427,7 +29849,7 @@
         </p:grpSpPr>
         <p:pic>
           <p:nvPicPr>
-            <p:cNvPr id="592" name="Image" descr="Image"/>
+            <p:cNvPr id="584" name="Image" descr="Image"/>
             <p:cNvPicPr>
               <a:picLocks noChangeAspect="1"/>
             </p:cNvPicPr>
@@ -30458,7 +29880,7 @@
         </p:pic>
         <p:sp>
           <p:nvSpPr>
-            <p:cNvPr id="593" name="Line"/>
+            <p:cNvPr id="585" name="Line"/>
             <p:cNvSpPr/>
             <p:nvPr/>
           </p:nvSpPr>
@@ -30603,7 +30025,7 @@
       </p:grpSp>
       <p:grpSp>
         <p:nvGrpSpPr>
-          <p:cNvPr id="603" name="Group"/>
+          <p:cNvPr id="595" name="Group"/>
           <p:cNvGrpSpPr/>
           <p:nvPr/>
         </p:nvGrpSpPr>
@@ -30617,7 +30039,7 @@
         </p:grpSpPr>
         <p:pic>
           <p:nvPicPr>
-            <p:cNvPr id="595" name="Image" descr="Image"/>
+            <p:cNvPr id="587" name="Image" descr="Image"/>
             <p:cNvPicPr>
               <a:picLocks noChangeAspect="1"/>
             </p:cNvPicPr>
@@ -30648,7 +30070,7 @@
         </p:pic>
         <p:grpSp>
           <p:nvGrpSpPr>
-            <p:cNvPr id="602" name="Group"/>
+            <p:cNvPr id="594" name="Group"/>
             <p:cNvGrpSpPr/>
             <p:nvPr/>
           </p:nvGrpSpPr>
@@ -30662,7 +30084,7 @@
           </p:grpSpPr>
           <p:sp>
             <p:nvSpPr>
-              <p:cNvPr id="596" name="Rectangle"/>
+              <p:cNvPr id="588" name="Rectangle"/>
               <p:cNvSpPr/>
               <p:nvPr/>
             </p:nvSpPr>
@@ -30709,7 +30131,7 @@
           </p:sp>
           <p:sp>
             <p:nvSpPr>
-              <p:cNvPr id="597" name="Line"/>
+              <p:cNvPr id="589" name="Line"/>
               <p:cNvSpPr/>
               <p:nvPr/>
             </p:nvSpPr>
@@ -30756,7 +30178,7 @@
           </p:sp>
           <p:sp>
             <p:nvSpPr>
-              <p:cNvPr id="598" name="Rectangle"/>
+              <p:cNvPr id="590" name="Rectangle"/>
               <p:cNvSpPr/>
               <p:nvPr/>
             </p:nvSpPr>
@@ -30803,7 +30225,7 @@
           </p:sp>
           <p:sp>
             <p:nvSpPr>
-              <p:cNvPr id="599" name="Line"/>
+              <p:cNvPr id="591" name="Line"/>
               <p:cNvSpPr/>
               <p:nvPr/>
             </p:nvSpPr>
@@ -30850,7 +30272,7 @@
           </p:sp>
           <p:sp>
             <p:nvSpPr>
-              <p:cNvPr id="600" name="Rectangle"/>
+              <p:cNvPr id="592" name="Rectangle"/>
               <p:cNvSpPr/>
               <p:nvPr/>
             </p:nvSpPr>
@@ -30897,7 +30319,7 @@
           </p:sp>
           <p:sp>
             <p:nvSpPr>
-              <p:cNvPr id="601" name="Line"/>
+              <p:cNvPr id="593" name="Line"/>
               <p:cNvSpPr/>
               <p:nvPr/>
             </p:nvSpPr>
@@ -30946,7 +30368,7 @@
       </p:grpSp>
       <p:grpSp>
         <p:nvGrpSpPr>
-          <p:cNvPr id="613" name="Group"/>
+          <p:cNvPr id="605" name="Group"/>
           <p:cNvGrpSpPr/>
           <p:nvPr/>
         </p:nvGrpSpPr>
@@ -30960,7 +30382,7 @@
         </p:grpSpPr>
         <p:pic>
           <p:nvPicPr>
-            <p:cNvPr id="604" name="Image" descr="Image"/>
+            <p:cNvPr id="596" name="Image" descr="Image"/>
             <p:cNvPicPr>
               <a:picLocks noChangeAspect="1"/>
             </p:cNvPicPr>
@@ -30991,7 +30413,7 @@
         </p:pic>
         <p:grpSp>
           <p:nvGrpSpPr>
-            <p:cNvPr id="612" name="Group"/>
+            <p:cNvPr id="604" name="Group"/>
             <p:cNvGrpSpPr/>
             <p:nvPr/>
           </p:nvGrpSpPr>
@@ -31005,7 +30427,7 @@
           </p:grpSpPr>
           <p:sp>
             <p:nvSpPr>
-              <p:cNvPr id="605" name="Line"/>
+              <p:cNvPr id="597" name="Line"/>
               <p:cNvSpPr/>
               <p:nvPr/>
             </p:nvSpPr>
@@ -31052,7 +30474,7 @@
           </p:sp>
           <p:sp>
             <p:nvSpPr>
-              <p:cNvPr id="606" name="Line"/>
+              <p:cNvPr id="598" name="Line"/>
               <p:cNvSpPr/>
               <p:nvPr/>
             </p:nvSpPr>
@@ -31099,7 +30521,7 @@
           </p:sp>
           <p:sp>
             <p:nvSpPr>
-              <p:cNvPr id="607" name="Line"/>
+              <p:cNvPr id="599" name="Line"/>
               <p:cNvSpPr/>
               <p:nvPr/>
             </p:nvSpPr>
@@ -31146,7 +30568,7 @@
           </p:sp>
           <p:sp>
             <p:nvSpPr>
-              <p:cNvPr id="608" name="Line"/>
+              <p:cNvPr id="600" name="Line"/>
               <p:cNvSpPr/>
               <p:nvPr/>
             </p:nvSpPr>
@@ -31193,7 +30615,7 @@
           </p:sp>
           <p:sp>
             <p:nvSpPr>
-              <p:cNvPr id="609" name="Line"/>
+              <p:cNvPr id="601" name="Line"/>
               <p:cNvSpPr/>
               <p:nvPr/>
             </p:nvSpPr>
@@ -31240,7 +30662,7 @@
           </p:sp>
           <p:sp>
             <p:nvSpPr>
-              <p:cNvPr id="610" name="Line"/>
+              <p:cNvPr id="602" name="Line"/>
               <p:cNvSpPr/>
               <p:nvPr/>
             </p:nvSpPr>
@@ -31287,7 +30709,7 @@
           </p:sp>
           <p:sp>
             <p:nvSpPr>
-              <p:cNvPr id="611" name="Line"/>
+              <p:cNvPr id="603" name="Line"/>
               <p:cNvSpPr/>
               <p:nvPr/>
             </p:nvSpPr>
@@ -31336,7 +30758,7 @@
       </p:grpSp>
       <p:grpSp>
         <p:nvGrpSpPr>
-          <p:cNvPr id="619" name="Group"/>
+          <p:cNvPr id="611" name="Group"/>
           <p:cNvGrpSpPr/>
           <p:nvPr/>
         </p:nvGrpSpPr>
@@ -31350,7 +30772,7 @@
         </p:grpSpPr>
         <p:pic>
           <p:nvPicPr>
-            <p:cNvPr id="614" name="Image" descr="Image"/>
+            <p:cNvPr id="606" name="Image" descr="Image"/>
             <p:cNvPicPr>
               <a:picLocks noChangeAspect="1"/>
             </p:cNvPicPr>
@@ -31381,7 +30803,7 @@
         </p:pic>
         <p:grpSp>
           <p:nvGrpSpPr>
-            <p:cNvPr id="618" name="Group"/>
+            <p:cNvPr id="610" name="Group"/>
             <p:cNvGrpSpPr/>
             <p:nvPr/>
           </p:nvGrpSpPr>
@@ -31395,7 +30817,7 @@
           </p:grpSpPr>
           <p:sp>
             <p:nvSpPr>
-              <p:cNvPr id="615" name="Line"/>
+              <p:cNvPr id="607" name="Line"/>
               <p:cNvSpPr/>
               <p:nvPr/>
             </p:nvSpPr>
@@ -31442,7 +30864,7 @@
           </p:sp>
           <p:sp>
             <p:nvSpPr>
-              <p:cNvPr id="616" name="Line"/>
+              <p:cNvPr id="608" name="Line"/>
               <p:cNvSpPr/>
               <p:nvPr/>
             </p:nvSpPr>
@@ -31489,7 +30911,7 @@
           </p:sp>
           <p:sp>
             <p:nvSpPr>
-              <p:cNvPr id="617" name="Line"/>
+              <p:cNvPr id="609" name="Line"/>
               <p:cNvSpPr/>
               <p:nvPr/>
             </p:nvSpPr>
@@ -31538,7 +30960,7 @@
       </p:grpSp>
       <p:grpSp>
         <p:nvGrpSpPr>
-          <p:cNvPr id="628" name="Group"/>
+          <p:cNvPr id="620" name="Group"/>
           <p:cNvGrpSpPr/>
           <p:nvPr/>
         </p:nvGrpSpPr>
@@ -31552,7 +30974,7 @@
         </p:grpSpPr>
         <p:pic>
           <p:nvPicPr>
-            <p:cNvPr id="620" name="Image" descr="Image"/>
+            <p:cNvPr id="612" name="Image" descr="Image"/>
             <p:cNvPicPr>
               <a:picLocks noChangeAspect="1"/>
             </p:cNvPicPr>
@@ -31583,7 +31005,7 @@
         </p:pic>
         <p:grpSp>
           <p:nvGrpSpPr>
-            <p:cNvPr id="627" name="Group"/>
+            <p:cNvPr id="619" name="Group"/>
             <p:cNvGrpSpPr/>
             <p:nvPr/>
           </p:nvGrpSpPr>
@@ -31597,7 +31019,7 @@
           </p:grpSpPr>
           <p:sp>
             <p:nvSpPr>
-              <p:cNvPr id="621" name="Line"/>
+              <p:cNvPr id="613" name="Line"/>
               <p:cNvSpPr/>
               <p:nvPr/>
             </p:nvSpPr>
@@ -31644,7 +31066,7 @@
           </p:sp>
           <p:sp>
             <p:nvSpPr>
-              <p:cNvPr id="622" name="Line"/>
+              <p:cNvPr id="614" name="Line"/>
               <p:cNvSpPr/>
               <p:nvPr/>
             </p:nvSpPr>
@@ -31691,7 +31113,7 @@
           </p:sp>
           <p:sp>
             <p:nvSpPr>
-              <p:cNvPr id="623" name="Line"/>
+              <p:cNvPr id="615" name="Line"/>
               <p:cNvSpPr/>
               <p:nvPr/>
             </p:nvSpPr>
@@ -31738,7 +31160,7 @@
           </p:sp>
           <p:sp>
             <p:nvSpPr>
-              <p:cNvPr id="624" name="Circle"/>
+              <p:cNvPr id="616" name="Circle"/>
               <p:cNvSpPr/>
               <p:nvPr/>
             </p:nvSpPr>
@@ -31787,7 +31209,7 @@
           </p:sp>
           <p:sp>
             <p:nvSpPr>
-              <p:cNvPr id="625" name="Circle"/>
+              <p:cNvPr id="617" name="Circle"/>
               <p:cNvSpPr/>
               <p:nvPr/>
             </p:nvSpPr>
@@ -31836,7 +31258,7 @@
           </p:sp>
           <p:sp>
             <p:nvSpPr>
-              <p:cNvPr id="626" name="Circle"/>
+              <p:cNvPr id="618" name="Circle"/>
               <p:cNvSpPr/>
               <p:nvPr/>
             </p:nvSpPr>
@@ -31887,7 +31309,7 @@
       </p:grpSp>
       <p:grpSp>
         <p:nvGrpSpPr>
-          <p:cNvPr id="631" name="Group"/>
+          <p:cNvPr id="623" name="Group"/>
           <p:cNvGrpSpPr/>
           <p:nvPr/>
         </p:nvGrpSpPr>
@@ -31901,7 +31323,7 @@
         </p:grpSpPr>
         <p:pic>
           <p:nvPicPr>
-            <p:cNvPr id="629" name="Image" descr="Image"/>
+            <p:cNvPr id="621" name="Image" descr="Image"/>
             <p:cNvPicPr>
               <a:picLocks noChangeAspect="1"/>
             </p:cNvPicPr>
@@ -31932,7 +31354,7 @@
         </p:pic>
         <p:pic>
           <p:nvPicPr>
-            <p:cNvPr id="630" name="Image" descr="Image"/>
+            <p:cNvPr id="622" name="Image" descr="Image"/>
             <p:cNvPicPr>
               <a:picLocks noChangeAspect="1"/>
             </p:cNvPicPr>
@@ -31964,7 +31386,7 @@
       </p:grpSp>
       <p:sp>
         <p:nvSpPr>
-          <p:cNvPr id="632" name="maps…"/>
+          <p:cNvPr id="624" name="maps…"/>
           <p:cNvSpPr txBox="1"/>
           <p:nvPr/>
         </p:nvSpPr>
@@ -32077,7 +31499,7 @@
       </p:sp>
       <p:sp>
         <p:nvSpPr>
-          <p:cNvPr id="633" name="k + geom_map(aes(map_id = state), map = map)…"/>
+          <p:cNvPr id="625" name="k + geom_map(aes(map_id = state), map = map)…"/>
           <p:cNvSpPr txBox="1"/>
           <p:nvPr/>
         </p:nvSpPr>
@@ -32230,13 +31652,13 @@
       </p:sp>
       <p:sp>
         <p:nvSpPr>
-          <p:cNvPr id="634" name="Line"/>
+          <p:cNvPr id="626" name="Line"/>
           <p:cNvSpPr/>
           <p:nvPr/>
         </p:nvSpPr>
         <p:spPr>
           <a:xfrm>
-            <a:off x="2904976" y="5674490"/>
+            <a:off x="2904976" y="5179190"/>
             <a:ext cx="58496" cy="200934"/>
           </a:xfrm>
           <a:custGeom>
@@ -32305,13 +31727,13 @@
       </p:sp>
       <p:sp>
         <p:nvSpPr>
-          <p:cNvPr id="635" name="Line"/>
+          <p:cNvPr id="627" name="Line"/>
           <p:cNvSpPr/>
           <p:nvPr/>
         </p:nvSpPr>
         <p:spPr>
           <a:xfrm>
-            <a:off x="2904976" y="6067102"/>
+            <a:off x="2904976" y="5571802"/>
             <a:ext cx="58496" cy="922980"/>
           </a:xfrm>
           <a:custGeom>
@@ -32383,13 +31805,13 @@
       </p:sp>
       <p:sp>
         <p:nvSpPr>
-          <p:cNvPr id="636" name="Not  required, sensible defaults supplied"/>
+          <p:cNvPr id="628" name="Not  required, sensible defaults supplied"/>
           <p:cNvSpPr txBox="1"/>
           <p:nvPr/>
         </p:nvSpPr>
         <p:spPr>
           <a:xfrm>
-            <a:off x="3011313" y="6111952"/>
+            <a:off x="3011313" y="5616652"/>
             <a:ext cx="506689" cy="616478"/>
           </a:xfrm>
           <a:prstGeom prst="rect">
@@ -32439,7 +31861,7 @@
       </p:sp>
       <p:grpSp>
         <p:nvGrpSpPr>
-          <p:cNvPr id="639" name="Group"/>
+          <p:cNvPr id="631" name="Group"/>
           <p:cNvGrpSpPr/>
           <p:nvPr/>
         </p:nvGrpSpPr>
@@ -32453,7 +31875,7 @@
         </p:grpSpPr>
         <p:pic>
           <p:nvPicPr>
-            <p:cNvPr id="637" name="Image" descr="Image"/>
+            <p:cNvPr id="629" name="Image" descr="Image"/>
             <p:cNvPicPr>
               <a:picLocks noChangeAspect="1"/>
             </p:cNvPicPr>
@@ -32484,7 +31906,7 @@
         </p:pic>
         <p:pic>
           <p:nvPicPr>
-            <p:cNvPr id="638" name="Image" descr="Image"/>
+            <p:cNvPr id="630" name="Image" descr="Image"/>
             <p:cNvPicPr>
               <a:picLocks noChangeAspect="1"/>
             </p:cNvPicPr>
@@ -32516,7 +31938,7 @@
       </p:grpSp>
       <p:grpSp>
         <p:nvGrpSpPr>
-          <p:cNvPr id="642" name="Group"/>
+          <p:cNvPr id="634" name="Group"/>
           <p:cNvGrpSpPr/>
           <p:nvPr/>
         </p:nvGrpSpPr>
@@ -32530,7 +31952,7 @@
         </p:grpSpPr>
         <p:pic>
           <p:nvPicPr>
-            <p:cNvPr id="640" name="Image" descr="Image"/>
+            <p:cNvPr id="632" name="Image" descr="Image"/>
             <p:cNvPicPr>
               <a:picLocks noChangeAspect="1"/>
             </p:cNvPicPr>
@@ -32561,7 +31983,7 @@
         </p:pic>
         <p:pic>
           <p:nvPicPr>
-            <p:cNvPr id="641" name="Image" descr="Image"/>
+            <p:cNvPr id="633" name="Image" descr="Image"/>
             <p:cNvPicPr>
               <a:picLocks noChangeAspect="1"/>
             </p:cNvPicPr>
@@ -32593,7 +32015,7 @@
       </p:grpSp>
       <p:sp>
         <p:nvSpPr>
-          <p:cNvPr id="643" name="Geoms"/>
+          <p:cNvPr id="635" name="Geoms"/>
           <p:cNvSpPr txBox="1"/>
           <p:nvPr/>
         </p:nvSpPr>
@@ -32645,7 +32067,7 @@
       </p:sp>
       <p:sp>
         <p:nvSpPr>
-          <p:cNvPr id="644" name="Use a geom function to represent data points, use the geom’s aesthetic properties to represent variables.  Each function returns a layer."/>
+          <p:cNvPr id="636" name="Use a geom function to represent data points, use the geom’s aesthetic properties to represent variables.  Each function returns a layer."/>
           <p:cNvSpPr txBox="1"/>
           <p:nvPr/>
         </p:nvSpPr>
@@ -32701,7 +32123,7 @@
       </p:sp>
       <p:sp>
         <p:nvSpPr>
-          <p:cNvPr id="645" name="Line"/>
+          <p:cNvPr id="637" name="Line"/>
           <p:cNvSpPr/>
           <p:nvPr/>
         </p:nvSpPr>
@@ -32748,7 +32170,7 @@
       </p:sp>
       <p:sp>
         <p:nvSpPr>
-          <p:cNvPr id="646" name="Line"/>
+          <p:cNvPr id="638" name="Line"/>
           <p:cNvSpPr/>
           <p:nvPr/>
         </p:nvSpPr>
@@ -32795,7 +32217,7 @@
       </p:sp>
       <p:sp>
         <p:nvSpPr>
-          <p:cNvPr id="647" name="Line"/>
+          <p:cNvPr id="639" name="Line"/>
           <p:cNvSpPr/>
           <p:nvPr/>
         </p:nvSpPr>
@@ -32842,7 +32264,7 @@
       </p:sp>
       <p:sp>
         <p:nvSpPr>
-          <p:cNvPr id="648" name="Line"/>
+          <p:cNvPr id="640" name="Line"/>
           <p:cNvSpPr/>
           <p:nvPr/>
         </p:nvSpPr>
@@ -32889,7 +32311,7 @@
       </p:sp>
       <p:sp>
         <p:nvSpPr>
-          <p:cNvPr id="649" name="Line"/>
+          <p:cNvPr id="641" name="Line"/>
           <p:cNvSpPr/>
           <p:nvPr/>
         </p:nvSpPr>
@@ -32936,7 +32358,7 @@
       </p:sp>
       <p:sp>
         <p:nvSpPr>
-          <p:cNvPr id="650" name="Line"/>
+          <p:cNvPr id="642" name="Line"/>
           <p:cNvSpPr/>
           <p:nvPr/>
         </p:nvSpPr>
@@ -32983,7 +32405,7 @@
       </p:sp>
       <p:sp>
         <p:nvSpPr>
-          <p:cNvPr id="651" name="Line"/>
+          <p:cNvPr id="643" name="Line"/>
           <p:cNvSpPr/>
           <p:nvPr/>
         </p:nvSpPr>
@@ -33030,7 +32452,7 @@
       </p:sp>
       <p:sp>
         <p:nvSpPr>
-          <p:cNvPr id="652" name="Rectangle"/>
+          <p:cNvPr id="644" name="Rectangle"/>
           <p:cNvSpPr/>
           <p:nvPr/>
         </p:nvSpPr>
@@ -33087,7 +32509,7 @@
       </p:sp>
       <p:sp>
         <p:nvSpPr>
-          <p:cNvPr id="653" name="TWO VARIABLES…"/>
+          <p:cNvPr id="645" name="TWO VARIABLES…"/>
           <p:cNvSpPr txBox="1"/>
           <p:nvPr/>
         </p:nvSpPr>
@@ -33136,7 +32558,7 @@
               </a:spcBef>
             </a:pPr>
             <a:r>
-              <a:t>continuous x , continuous y</a:t>
+              <a:t>both continuous</a:t>
             </a:r>
           </a:p>
           <a:p>
@@ -33177,7 +32599,7 @@
       </p:sp>
       <p:sp>
         <p:nvSpPr>
-          <p:cNvPr id="654" name="continuous bivariate distribution…"/>
+          <p:cNvPr id="646" name="continuous bivariate distribution…"/>
           <p:cNvSpPr txBox="1"/>
           <p:nvPr/>
         </p:nvSpPr>
@@ -33255,7 +32677,7 @@
       </p:sp>
       <p:sp>
         <p:nvSpPr>
-          <p:cNvPr id="655" name="RStudio® is a trademark of RStudio, PBC  •  CC BY SA  RStudio  •  info@rstudio.com  •  844-448-1212  •  rstudio.com  •  Learn more at ggplot2.tidyverse.org  •  ggplot2  3.3.5  •  Updated:  2021-07"/>
+          <p:cNvPr id="647" name="RStudio® is a trademark of RStudio, PBC  •  CC BY SA  RStudio  •  info@rstudio.com  •  844-448-1212  •  rstudio.com  •  Learn more at ggplot2.tidyverse.org  •  ggplot2  3.3.5  •  Updated:  2021-07"/>
           <p:cNvSpPr txBox="1"/>
           <p:nvPr/>
         </p:nvSpPr>
@@ -33356,7 +32778,7 @@
       </p:sp>
       <p:pic>
         <p:nvPicPr>
-          <p:cNvPr id="656" name="Image" descr="Image"/>
+          <p:cNvPr id="648" name="Image" descr="Image"/>
           <p:cNvPicPr>
             <a:picLocks noChangeAspect="1"/>
           </p:cNvPicPr>
@@ -33385,7 +32807,7 @@
       </p:pic>
       <p:pic>
         <p:nvPicPr>
-          <p:cNvPr id="657" name="ggplot2.png" descr="ggplot2.png"/>
+          <p:cNvPr id="649" name="ggplot2.png" descr="ggplot2.png"/>
           <p:cNvPicPr>
             <a:picLocks noChangeAspect="1"/>
           </p:cNvPicPr>
@@ -33414,13 +32836,13 @@
       </p:pic>
       <p:sp>
         <p:nvSpPr>
-          <p:cNvPr id="658" name="ggplot (data =  &lt;DATA&gt; ) +…"/>
+          <p:cNvPr id="650" name="ggplot (data =  &lt;DATA&gt; ) +…"/>
           <p:cNvSpPr txBox="1"/>
           <p:nvPr/>
         </p:nvSpPr>
         <p:spPr>
           <a:xfrm>
-            <a:off x="335608" y="5665346"/>
+            <a:off x="310208" y="5170046"/>
             <a:ext cx="3054155" cy="1492227"/>
           </a:xfrm>
           <a:prstGeom prst="rect">
@@ -33706,7 +33128,7 @@
       </p:sp>
       <p:sp>
         <p:nvSpPr>
-          <p:cNvPr id="659" name="l + geom_contour(aes(z = z)) x, y, z, alpha, color, group, linetype, size, weight…"/>
+          <p:cNvPr id="651" name="l + geom_contour(aes(z = z)) x, y, z, alpha, color, group, linetype, size, weight…"/>
           <p:cNvSpPr txBox="1"/>
           <p:nvPr/>
         </p:nvSpPr>
@@ -33827,7 +33249,7 @@
       </p:sp>
       <p:grpSp>
         <p:nvGrpSpPr>
-          <p:cNvPr id="664" name="Group"/>
+          <p:cNvPr id="656" name="Group"/>
           <p:cNvGrpSpPr/>
           <p:nvPr/>
         </p:nvGrpSpPr>
@@ -33841,7 +33263,7 @@
         </p:grpSpPr>
         <p:sp>
           <p:nvSpPr>
-            <p:cNvPr id="660" name="Square"/>
+            <p:cNvPr id="652" name="Square"/>
             <p:cNvSpPr/>
             <p:nvPr/>
           </p:nvSpPr>
@@ -33890,7 +33312,7 @@
         </p:sp>
         <p:sp>
           <p:nvSpPr>
-            <p:cNvPr id="661" name="Shape"/>
+            <p:cNvPr id="653" name="Shape"/>
             <p:cNvSpPr/>
             <p:nvPr/>
           </p:nvSpPr>
@@ -34019,7 +33441,7 @@
         </p:sp>
         <p:sp>
           <p:nvSpPr>
-            <p:cNvPr id="662" name="Shape"/>
+            <p:cNvPr id="654" name="Shape"/>
             <p:cNvSpPr/>
             <p:nvPr/>
           </p:nvSpPr>
@@ -34163,7 +33585,7 @@
         </p:sp>
         <p:sp>
           <p:nvSpPr>
-            <p:cNvPr id="663" name="Shape"/>
+            <p:cNvPr id="655" name="Shape"/>
             <p:cNvSpPr/>
             <p:nvPr/>
           </p:nvSpPr>
@@ -34308,7 +33730,7 @@
       </p:grpSp>
       <p:grpSp>
         <p:nvGrpSpPr>
-          <p:cNvPr id="699" name="Group"/>
+          <p:cNvPr id="691" name="Group"/>
           <p:cNvGrpSpPr/>
           <p:nvPr/>
         </p:nvGrpSpPr>
@@ -34322,7 +33744,7 @@
         </p:grpSpPr>
         <p:pic>
           <p:nvPicPr>
-            <p:cNvPr id="665" name="Image" descr="Image"/>
+            <p:cNvPr id="657" name="Image" descr="Image"/>
             <p:cNvPicPr>
               <a:picLocks noChangeAspect="1"/>
             </p:cNvPicPr>
@@ -34353,7 +33775,7 @@
         </p:pic>
         <p:grpSp>
           <p:nvGrpSpPr>
-            <p:cNvPr id="698" name="Group"/>
+            <p:cNvPr id="690" name="Group"/>
             <p:cNvGrpSpPr/>
             <p:nvPr/>
           </p:nvGrpSpPr>
@@ -34367,7 +33789,7 @@
           </p:grpSpPr>
           <p:sp>
             <p:nvSpPr>
-              <p:cNvPr id="666" name="Circle"/>
+              <p:cNvPr id="658" name="Circle"/>
               <p:cNvSpPr/>
               <p:nvPr/>
             </p:nvSpPr>
@@ -34416,7 +33838,7 @@
           </p:sp>
           <p:sp>
             <p:nvSpPr>
-              <p:cNvPr id="667" name="Circle"/>
+              <p:cNvPr id="659" name="Circle"/>
               <p:cNvSpPr/>
               <p:nvPr/>
             </p:nvSpPr>
@@ -34465,7 +33887,7 @@
           </p:sp>
           <p:sp>
             <p:nvSpPr>
-              <p:cNvPr id="668" name="Circle"/>
+              <p:cNvPr id="660" name="Circle"/>
               <p:cNvSpPr/>
               <p:nvPr/>
             </p:nvSpPr>
@@ -34514,7 +33936,7 @@
           </p:sp>
           <p:sp>
             <p:nvSpPr>
-              <p:cNvPr id="669" name="Circle"/>
+              <p:cNvPr id="661" name="Circle"/>
               <p:cNvSpPr/>
               <p:nvPr/>
             </p:nvSpPr>
@@ -34563,7 +33985,7 @@
           </p:sp>
           <p:sp>
             <p:nvSpPr>
-              <p:cNvPr id="670" name="Circle"/>
+              <p:cNvPr id="662" name="Circle"/>
               <p:cNvSpPr/>
               <p:nvPr/>
             </p:nvSpPr>
@@ -34612,7 +34034,7 @@
           </p:sp>
           <p:sp>
             <p:nvSpPr>
-              <p:cNvPr id="671" name="Circle"/>
+              <p:cNvPr id="663" name="Circle"/>
               <p:cNvSpPr/>
               <p:nvPr/>
             </p:nvSpPr>
@@ -34661,7 +34083,7 @@
           </p:sp>
           <p:sp>
             <p:nvSpPr>
-              <p:cNvPr id="672" name="Circle"/>
+              <p:cNvPr id="664" name="Circle"/>
               <p:cNvSpPr/>
               <p:nvPr/>
             </p:nvSpPr>
@@ -34710,7 +34132,7 @@
           </p:sp>
           <p:sp>
             <p:nvSpPr>
-              <p:cNvPr id="673" name="Circle"/>
+              <p:cNvPr id="665" name="Circle"/>
               <p:cNvSpPr/>
               <p:nvPr/>
             </p:nvSpPr>
@@ -34759,7 +34181,7 @@
           </p:sp>
           <p:sp>
             <p:nvSpPr>
-              <p:cNvPr id="674" name="Circle"/>
+              <p:cNvPr id="666" name="Circle"/>
               <p:cNvSpPr/>
               <p:nvPr/>
             </p:nvSpPr>
@@ -34808,7 +34230,7 @@
           </p:sp>
           <p:sp>
             <p:nvSpPr>
-              <p:cNvPr id="675" name="Circle"/>
+              <p:cNvPr id="667" name="Circle"/>
               <p:cNvSpPr/>
               <p:nvPr/>
             </p:nvSpPr>
@@ -34857,7 +34279,7 @@
           </p:sp>
           <p:sp>
             <p:nvSpPr>
-              <p:cNvPr id="676" name="Circle"/>
+              <p:cNvPr id="668" name="Circle"/>
               <p:cNvSpPr/>
               <p:nvPr/>
             </p:nvSpPr>
@@ -34906,7 +34328,7 @@
           </p:sp>
           <p:sp>
             <p:nvSpPr>
-              <p:cNvPr id="677" name="Circle"/>
+              <p:cNvPr id="669" name="Circle"/>
               <p:cNvSpPr/>
               <p:nvPr/>
             </p:nvSpPr>
@@ -34955,7 +34377,7 @@
           </p:sp>
           <p:sp>
             <p:nvSpPr>
-              <p:cNvPr id="678" name="Circle"/>
+              <p:cNvPr id="670" name="Circle"/>
               <p:cNvSpPr/>
               <p:nvPr/>
             </p:nvSpPr>
@@ -35004,7 +34426,7 @@
           </p:sp>
           <p:sp>
             <p:nvSpPr>
-              <p:cNvPr id="679" name="Circle"/>
+              <p:cNvPr id="671" name="Circle"/>
               <p:cNvSpPr/>
               <p:nvPr/>
             </p:nvSpPr>
@@ -35053,7 +34475,7 @@
           </p:sp>
           <p:sp>
             <p:nvSpPr>
-              <p:cNvPr id="680" name="Circle"/>
+              <p:cNvPr id="672" name="Circle"/>
               <p:cNvSpPr/>
               <p:nvPr/>
             </p:nvSpPr>
@@ -35102,7 +34524,7 @@
           </p:sp>
           <p:sp>
             <p:nvSpPr>
-              <p:cNvPr id="681" name="Circle"/>
+              <p:cNvPr id="673" name="Circle"/>
               <p:cNvSpPr/>
               <p:nvPr/>
             </p:nvSpPr>
@@ -35151,7 +34573,7 @@
           </p:sp>
           <p:sp>
             <p:nvSpPr>
-              <p:cNvPr id="682" name="Circle"/>
+              <p:cNvPr id="674" name="Circle"/>
               <p:cNvSpPr/>
               <p:nvPr/>
             </p:nvSpPr>
@@ -35200,7 +34622,7 @@
           </p:sp>
           <p:sp>
             <p:nvSpPr>
-              <p:cNvPr id="683" name="Circle"/>
+              <p:cNvPr id="675" name="Circle"/>
               <p:cNvSpPr/>
               <p:nvPr/>
             </p:nvSpPr>
@@ -35249,7 +34671,7 @@
           </p:sp>
           <p:sp>
             <p:nvSpPr>
-              <p:cNvPr id="684" name="Circle"/>
+              <p:cNvPr id="676" name="Circle"/>
               <p:cNvSpPr/>
               <p:nvPr/>
             </p:nvSpPr>
@@ -35298,7 +34720,7 @@
           </p:sp>
           <p:sp>
             <p:nvSpPr>
-              <p:cNvPr id="685" name="Circle"/>
+              <p:cNvPr id="677" name="Circle"/>
               <p:cNvSpPr/>
               <p:nvPr/>
             </p:nvSpPr>
@@ -35347,7 +34769,7 @@
           </p:sp>
           <p:sp>
             <p:nvSpPr>
-              <p:cNvPr id="686" name="Circle"/>
+              <p:cNvPr id="678" name="Circle"/>
               <p:cNvSpPr/>
               <p:nvPr/>
             </p:nvSpPr>
@@ -35396,7 +34818,7 @@
           </p:sp>
           <p:sp>
             <p:nvSpPr>
-              <p:cNvPr id="687" name="Circle"/>
+              <p:cNvPr id="679" name="Circle"/>
               <p:cNvSpPr/>
               <p:nvPr/>
             </p:nvSpPr>
@@ -35445,7 +34867,7 @@
           </p:sp>
           <p:sp>
             <p:nvSpPr>
-              <p:cNvPr id="688" name="Circle"/>
+              <p:cNvPr id="680" name="Circle"/>
               <p:cNvSpPr/>
               <p:nvPr/>
             </p:nvSpPr>
@@ -35494,7 +34916,7 @@
           </p:sp>
           <p:sp>
             <p:nvSpPr>
-              <p:cNvPr id="689" name="Circle"/>
+              <p:cNvPr id="681" name="Circle"/>
               <p:cNvSpPr/>
               <p:nvPr/>
             </p:nvSpPr>
@@ -35543,7 +34965,7 @@
           </p:sp>
           <p:sp>
             <p:nvSpPr>
-              <p:cNvPr id="690" name="Circle"/>
+              <p:cNvPr id="682" name="Circle"/>
               <p:cNvSpPr/>
               <p:nvPr/>
             </p:nvSpPr>
@@ -35592,7 +35014,7 @@
           </p:sp>
           <p:sp>
             <p:nvSpPr>
-              <p:cNvPr id="691" name="Circle"/>
+              <p:cNvPr id="683" name="Circle"/>
               <p:cNvSpPr/>
               <p:nvPr/>
             </p:nvSpPr>
@@ -35641,7 +35063,7 @@
           </p:sp>
           <p:sp>
             <p:nvSpPr>
-              <p:cNvPr id="692" name="Circle"/>
+              <p:cNvPr id="684" name="Circle"/>
               <p:cNvSpPr/>
               <p:nvPr/>
             </p:nvSpPr>
@@ -35690,7 +35112,7 @@
           </p:sp>
           <p:sp>
             <p:nvSpPr>
-              <p:cNvPr id="693" name="Circle"/>
+              <p:cNvPr id="685" name="Circle"/>
               <p:cNvSpPr/>
               <p:nvPr/>
             </p:nvSpPr>
@@ -35739,7 +35161,7 @@
           </p:sp>
           <p:sp>
             <p:nvSpPr>
-              <p:cNvPr id="694" name="Circle"/>
+              <p:cNvPr id="686" name="Circle"/>
               <p:cNvSpPr/>
               <p:nvPr/>
             </p:nvSpPr>
@@ -35788,7 +35210,7 @@
           </p:sp>
           <p:sp>
             <p:nvSpPr>
-              <p:cNvPr id="695" name="Circle"/>
+              <p:cNvPr id="687" name="Circle"/>
               <p:cNvSpPr/>
               <p:nvPr/>
             </p:nvSpPr>
@@ -35837,7 +35259,7 @@
           </p:sp>
           <p:sp>
             <p:nvSpPr>
-              <p:cNvPr id="696" name="Circle"/>
+              <p:cNvPr id="688" name="Circle"/>
               <p:cNvSpPr/>
               <p:nvPr/>
             </p:nvSpPr>
@@ -35886,7 +35308,7 @@
           </p:sp>
           <p:sp>
             <p:nvSpPr>
-              <p:cNvPr id="697" name="Circle"/>
+              <p:cNvPr id="689" name="Circle"/>
               <p:cNvSpPr/>
               <p:nvPr/>
             </p:nvSpPr>
@@ -35937,7 +35359,7 @@
       </p:grpSp>
       <p:sp>
         <p:nvSpPr>
-          <p:cNvPr id="700" name="i + geom_area() x, y, alpha, color, fill, linetype, size…"/>
+          <p:cNvPr id="692" name="i + geom_area() x, y, alpha, color, fill, linetype, size…"/>
           <p:cNvSpPr txBox="1"/>
           <p:nvPr/>
         </p:nvSpPr>
@@ -36082,7 +35504,7 @@
       </p:sp>
       <p:sp>
         <p:nvSpPr>
-          <p:cNvPr id="701" name="j + geom_crossbar(fatten = 2) - x, y, ymax,  ymin, alpha, color, fill, group, linetype, size…"/>
+          <p:cNvPr id="693" name="j + geom_crossbar(fatten = 2) - x, y, ymax,  ymin, alpha, color, fill, group, linetype, size…"/>
           <p:cNvSpPr txBox="1"/>
           <p:nvPr/>
         </p:nvSpPr>
@@ -36275,6 +35697,418 @@
           </a:p>
         </p:txBody>
       </p:sp>
+      <p:sp>
+        <p:nvSpPr>
+          <p:cNvPr id="694" name="Aes"/>
+          <p:cNvSpPr txBox="1"/>
+          <p:nvPr/>
+        </p:nvSpPr>
+        <p:spPr>
+          <a:xfrm>
+            <a:off x="282688" y="7986004"/>
+            <a:ext cx="501334" cy="431801"/>
+          </a:xfrm>
+          <a:prstGeom prst="rect">
+            <a:avLst/>
+          </a:prstGeom>
+          <a:ln w="12700">
+            <a:miter lim="400000"/>
+          </a:ln>
+          <a:extLst>
+            <a:ext uri="{C572A759-6A51-4108-AA02-DFA0A04FC94B}">
+              <ma14:wrappingTextBoxFlag xmlns:ma14="http://schemas.microsoft.com/office/mac/drawingml/2011/main" val="1"/>
+            </a:ext>
+          </a:extLst>
+        </p:spPr>
+        <p:txBody>
+          <a:bodyPr wrap="none" lIns="12700" tIns="12700" rIns="12700" bIns="12700" anchor="ctr">
+            <a:spAutoFit/>
+          </a:bodyPr>
+          <a:lstStyle/>
+          <a:p>
+            <a:pPr lvl="1" indent="0">
+              <a:lnSpc>
+                <a:spcPct val="80000"/>
+              </a:lnSpc>
+              <a:spcBef>
+                <a:spcPts val="0"/>
+              </a:spcBef>
+              <a:defRPr sz="2500">
+                <a:solidFill>
+                  <a:srgbClr val="3DA642"/>
+                </a:solidFill>
+                <a:latin typeface="Source Sans Pro Regular"/>
+                <a:ea typeface="Source Sans Pro Regular"/>
+                <a:cs typeface="Source Sans Pro Regular"/>
+                <a:sym typeface="Source Sans Pro Regular"/>
+              </a:defRPr>
+            </a:pPr>
+            <a:r>
+              <a:t>Aes</a:t>
+            </a:r>
+          </a:p>
+        </p:txBody>
+      </p:sp>
+      <p:sp>
+        <p:nvSpPr>
+          <p:cNvPr id="695" name="color and fill - string (&quot;red&quot;, &quot;#RRGGBB&quot;)…"/>
+          <p:cNvSpPr txBox="1"/>
+          <p:nvPr/>
+        </p:nvSpPr>
+        <p:spPr>
+          <a:xfrm>
+            <a:off x="316919" y="8362681"/>
+            <a:ext cx="3079555" cy="1441053"/>
+          </a:xfrm>
+          <a:prstGeom prst="rect">
+            <a:avLst/>
+          </a:prstGeom>
+          <a:ln w="12700">
+            <a:miter lim="400000"/>
+          </a:ln>
+          <a:extLst>
+            <a:ext uri="{C572A759-6A51-4108-AA02-DFA0A04FC94B}">
+              <ma14:wrappingTextBoxFlag xmlns:ma14="http://schemas.microsoft.com/office/mac/drawingml/2011/main" val="1"/>
+            </a:ext>
+          </a:extLst>
+        </p:spPr>
+        <p:txBody>
+          <a:bodyPr lIns="0" tIns="0" rIns="0" bIns="0">
+            <a:normAutofit fontScale="100000" lnSpcReduction="0"/>
+          </a:bodyPr>
+          <a:lstStyle/>
+          <a:p>
+            <a:pPr>
+              <a:lnSpc>
+                <a:spcPct val="80000"/>
+              </a:lnSpc>
+              <a:spcBef>
+                <a:spcPts val="500"/>
+              </a:spcBef>
+              <a:defRPr sz="1000">
+                <a:solidFill>
+                  <a:srgbClr val="000000"/>
+                </a:solidFill>
+              </a:defRPr>
+            </a:pPr>
+            <a:r>
+              <a:t>color</a:t>
+            </a:r>
+            <a:r>
+              <a:rPr>
+                <a:latin typeface="Source Sans Pro Regular"/>
+                <a:ea typeface="Source Sans Pro Regular"/>
+                <a:cs typeface="Source Sans Pro Regular"/>
+                <a:sym typeface="Source Sans Pro Regular"/>
+              </a:rPr>
+              <a:t> and </a:t>
+            </a:r>
+            <a:r>
+              <a:t>fill</a:t>
+            </a:r>
+            <a:r>
+              <a:rPr>
+                <a:latin typeface="Source Sans Pro Regular"/>
+                <a:ea typeface="Source Sans Pro Regular"/>
+                <a:cs typeface="Source Sans Pro Regular"/>
+                <a:sym typeface="Source Sans Pro Regular"/>
+              </a:rPr>
+              <a:t> - string ("red", "#RRGGBB")</a:t>
+            </a:r>
+            <a:endParaRPr>
+              <a:latin typeface="Source Sans Pro Regular"/>
+              <a:ea typeface="Source Sans Pro Regular"/>
+              <a:cs typeface="Source Sans Pro Regular"/>
+              <a:sym typeface="Source Sans Pro Regular"/>
+            </a:endParaRPr>
+          </a:p>
+          <a:p>
+            <a:pPr>
+              <a:lnSpc>
+                <a:spcPct val="80000"/>
+              </a:lnSpc>
+              <a:spcBef>
+                <a:spcPts val="500"/>
+              </a:spcBef>
+              <a:defRPr sz="1000">
+                <a:solidFill>
+                  <a:srgbClr val="000000"/>
+                </a:solidFill>
+              </a:defRPr>
+            </a:pPr>
+            <a:r>
+              <a:t>linetype</a:t>
+            </a:r>
+            <a:r>
+              <a:rPr>
+                <a:latin typeface="Source Sans Pro Regular"/>
+                <a:ea typeface="Source Sans Pro Regular"/>
+                <a:cs typeface="Source Sans Pro Regular"/>
+                <a:sym typeface="Source Sans Pro Regular"/>
+              </a:rPr>
+              <a:t> - integer or name (0 = blank, 1 = solid, 2 = dashed, 3 = dotted, 4 = dotdash, 5 = longdash, 6 = twodash)</a:t>
+            </a:r>
+            <a:endParaRPr>
+              <a:latin typeface="Source Sans Pro Regular"/>
+              <a:ea typeface="Source Sans Pro Regular"/>
+              <a:cs typeface="Source Sans Pro Regular"/>
+              <a:sym typeface="Source Sans Pro Regular"/>
+            </a:endParaRPr>
+          </a:p>
+          <a:p>
+            <a:pPr>
+              <a:lnSpc>
+                <a:spcPct val="80000"/>
+              </a:lnSpc>
+              <a:spcBef>
+                <a:spcPts val="500"/>
+              </a:spcBef>
+              <a:defRPr sz="1000">
+                <a:solidFill>
+                  <a:srgbClr val="000000"/>
+                </a:solidFill>
+              </a:defRPr>
+            </a:pPr>
+            <a:r>
+              <a:t>lineend</a:t>
+            </a:r>
+            <a:r>
+              <a:rPr>
+                <a:latin typeface="Source Sans Pro Regular"/>
+                <a:ea typeface="Source Sans Pro Regular"/>
+                <a:cs typeface="Source Sans Pro Regular"/>
+                <a:sym typeface="Source Sans Pro Regular"/>
+              </a:rPr>
+              <a:t> - "round", "butt", or "square"</a:t>
+            </a:r>
+            <a:endParaRPr>
+              <a:latin typeface="Source Sans Pro Regular"/>
+              <a:ea typeface="Source Sans Pro Regular"/>
+              <a:cs typeface="Source Sans Pro Regular"/>
+              <a:sym typeface="Source Sans Pro Regular"/>
+            </a:endParaRPr>
+          </a:p>
+          <a:p>
+            <a:pPr>
+              <a:lnSpc>
+                <a:spcPct val="80000"/>
+              </a:lnSpc>
+              <a:spcBef>
+                <a:spcPts val="500"/>
+              </a:spcBef>
+              <a:defRPr sz="1000">
+                <a:solidFill>
+                  <a:srgbClr val="000000"/>
+                </a:solidFill>
+              </a:defRPr>
+            </a:pPr>
+            <a:r>
+              <a:t>linejoin</a:t>
+            </a:r>
+            <a:r>
+              <a:rPr>
+                <a:latin typeface="Source Sans Pro Regular"/>
+                <a:ea typeface="Source Sans Pro Regular"/>
+                <a:cs typeface="Source Sans Pro Regular"/>
+                <a:sym typeface="Source Sans Pro Regular"/>
+              </a:rPr>
+              <a:t> - "round", "mitre", or "bevel"</a:t>
+            </a:r>
+            <a:endParaRPr>
+              <a:latin typeface="Source Sans Pro Regular"/>
+              <a:ea typeface="Source Sans Pro Regular"/>
+              <a:cs typeface="Source Sans Pro Regular"/>
+              <a:sym typeface="Source Sans Pro Regular"/>
+            </a:endParaRPr>
+          </a:p>
+          <a:p>
+            <a:pPr>
+              <a:lnSpc>
+                <a:spcPct val="80000"/>
+              </a:lnSpc>
+              <a:spcBef>
+                <a:spcPts val="500"/>
+              </a:spcBef>
+              <a:defRPr sz="1000">
+                <a:solidFill>
+                  <a:srgbClr val="000000"/>
+                </a:solidFill>
+              </a:defRPr>
+            </a:pPr>
+            <a:r>
+              <a:t>size</a:t>
+            </a:r>
+            <a:r>
+              <a:rPr>
+                <a:latin typeface="Source Sans Pro Regular"/>
+                <a:ea typeface="Source Sans Pro Regular"/>
+                <a:cs typeface="Source Sans Pro Regular"/>
+                <a:sym typeface="Source Sans Pro Regular"/>
+              </a:rPr>
+              <a:t> - integer (line width in mm)</a:t>
+            </a:r>
+            <a:endParaRPr>
+              <a:latin typeface="Source Sans Pro Regular"/>
+              <a:ea typeface="Source Sans Pro Regular"/>
+              <a:cs typeface="Source Sans Pro Regular"/>
+              <a:sym typeface="Source Sans Pro Regular"/>
+            </a:endParaRPr>
+          </a:p>
+          <a:p>
+            <a:pPr>
+              <a:lnSpc>
+                <a:spcPct val="80000"/>
+              </a:lnSpc>
+              <a:spcBef>
+                <a:spcPts val="500"/>
+              </a:spcBef>
+              <a:defRPr sz="1000">
+                <a:solidFill>
+                  <a:srgbClr val="000000"/>
+                </a:solidFill>
+              </a:defRPr>
+            </a:pPr>
+            <a:r>
+              <a:t>shape</a:t>
+            </a:r>
+            <a:r>
+              <a:rPr>
+                <a:latin typeface="Source Sans Pro Regular"/>
+                <a:ea typeface="Source Sans Pro Regular"/>
+                <a:cs typeface="Source Sans Pro Regular"/>
+                <a:sym typeface="Source Sans Pro Regular"/>
+              </a:rPr>
+              <a:t> - integer/shape name or a single characer ("a")</a:t>
+            </a:r>
+          </a:p>
+        </p:txBody>
+      </p:sp>
+      <p:sp>
+        <p:nvSpPr>
+          <p:cNvPr id="696" name="Common aesthetic values."/>
+          <p:cNvSpPr txBox="1"/>
+          <p:nvPr/>
+        </p:nvSpPr>
+        <p:spPr>
+          <a:xfrm>
+            <a:off x="849902" y="8170394"/>
+            <a:ext cx="2187979" cy="203201"/>
+          </a:xfrm>
+          <a:prstGeom prst="rect">
+            <a:avLst/>
+          </a:prstGeom>
+          <a:ln w="12700">
+            <a:miter lim="400000"/>
+          </a:ln>
+          <a:extLst>
+            <a:ext uri="{C572A759-6A51-4108-AA02-DFA0A04FC94B}">
+              <ma14:wrappingTextBoxFlag xmlns:ma14="http://schemas.microsoft.com/office/mac/drawingml/2011/main" val="1"/>
+            </a:ext>
+          </a:extLst>
+        </p:spPr>
+        <p:txBody>
+          <a:bodyPr lIns="12700" tIns="12700" rIns="12700" bIns="12700">
+            <a:spAutoFit/>
+          </a:bodyPr>
+          <a:lstStyle/>
+          <a:p>
+            <a:pPr lvl="1" indent="0">
+              <a:lnSpc>
+                <a:spcPct val="80000"/>
+              </a:lnSpc>
+              <a:spcBef>
+                <a:spcPts val="0"/>
+              </a:spcBef>
+              <a:defRPr sz="1100">
+                <a:solidFill>
+                  <a:srgbClr val="3DA642"/>
+                </a:solidFill>
+                <a:latin typeface="Source Sans Pro Regular"/>
+                <a:ea typeface="Source Sans Pro Regular"/>
+                <a:cs typeface="Source Sans Pro Regular"/>
+                <a:sym typeface="Source Sans Pro Regular"/>
+              </a:defRPr>
+            </a:pPr>
+            <a:r>
+              <a:t>Common aesthetic values.</a:t>
+            </a:r>
+          </a:p>
+        </p:txBody>
+      </p:sp>
+      <p:pic>
+        <p:nvPicPr>
+          <p:cNvPr id="697" name="Image" descr="Image"/>
+          <p:cNvPicPr>
+            <a:picLocks noChangeAspect="1"/>
+          </p:cNvPicPr>
+          <p:nvPr/>
+        </p:nvPicPr>
+        <p:blipFill>
+          <a:blip r:embed="rId28">
+            <a:extLst/>
+          </a:blip>
+          <a:stretch>
+            <a:fillRect/>
+          </a:stretch>
+        </p:blipFill>
+        <p:spPr>
+          <a:xfrm>
+            <a:off x="733443" y="9685180"/>
+            <a:ext cx="2596974" cy="207612"/>
+          </a:xfrm>
+          <a:prstGeom prst="rect">
+            <a:avLst/>
+          </a:prstGeom>
+          <a:ln w="12700">
+            <a:miter lim="400000"/>
+          </a:ln>
+        </p:spPr>
+      </p:pic>
+      <p:sp>
+        <p:nvSpPr>
+          <p:cNvPr id="698" name="Line"/>
+          <p:cNvSpPr/>
+          <p:nvPr/>
+        </p:nvSpPr>
+        <p:spPr>
+          <a:xfrm>
+            <a:off x="282688" y="8021642"/>
+            <a:ext cx="3242221" cy="1"/>
+          </a:xfrm>
+          <a:prstGeom prst="line">
+            <a:avLst/>
+          </a:prstGeom>
+          <a:ln w="3175">
+            <a:solidFill>
+              <a:srgbClr val="767C85"/>
+            </a:solidFill>
+            <a:miter lim="400000"/>
+          </a:ln>
+        </p:spPr>
+        <p:txBody>
+          <a:bodyPr lIns="54570" tIns="54570" rIns="54570" bIns="54570" anchor="ctr"/>
+          <a:lstStyle/>
+          <a:p>
+            <a:pPr>
+              <a:lnSpc>
+                <a:spcPct val="80000"/>
+              </a:lnSpc>
+              <a:spcBef>
+                <a:spcPts val="600"/>
+              </a:spcBef>
+              <a:defRPr>
+                <a:solidFill>
+                  <a:srgbClr val="000000"/>
+                </a:solidFill>
+                <a:latin typeface="Source Sans Pro Regular"/>
+                <a:ea typeface="Source Sans Pro Regular"/>
+                <a:cs typeface="Source Sans Pro Regular"/>
+                <a:sym typeface="Source Sans Pro Regular"/>
+              </a:defRPr>
+            </a:pPr>
+          </a:p>
+        </p:txBody>
+      </p:sp>
     </p:spTree>
   </p:cSld>
   <p:clrMapOvr>
@@ -36303,7 +36137,7 @@
       </p:grpSpPr>
       <p:pic>
         <p:nvPicPr>
-          <p:cNvPr id="703" name="Screen Shot 2019-02-08 at 4.44.20 PM.png" descr="Screen Shot 2019-02-08 at 4.44.20 PM.png"/>
+          <p:cNvPr id="700" name="Screen Shot 2019-02-08 at 4.44.20 PM.png" descr="Screen Shot 2019-02-08 at 4.44.20 PM.png"/>
           <p:cNvPicPr>
             <a:picLocks noChangeAspect="1"/>
           </p:cNvPicPr>
@@ -36332,7 +36166,7 @@
       </p:pic>
       <p:sp>
         <p:nvSpPr>
-          <p:cNvPr id="704" name="Rectangle"/>
+          <p:cNvPr id="701" name="Rectangle"/>
           <p:cNvSpPr/>
           <p:nvPr/>
         </p:nvSpPr>
@@ -36379,7 +36213,7 @@
       </p:sp>
       <p:sp>
         <p:nvSpPr>
-          <p:cNvPr id="705" name="Scales"/>
+          <p:cNvPr id="702" name="Scales"/>
           <p:cNvSpPr txBox="1"/>
           <p:nvPr/>
         </p:nvSpPr>
@@ -36431,7 +36265,7 @@
       </p:sp>
       <p:sp>
         <p:nvSpPr>
-          <p:cNvPr id="706" name="Line"/>
+          <p:cNvPr id="703" name="Line"/>
           <p:cNvSpPr/>
           <p:nvPr/>
         </p:nvSpPr>
@@ -36476,7 +36310,7 @@
       </p:sp>
       <p:sp>
         <p:nvSpPr>
-          <p:cNvPr id="707" name="Coordinate Systems"/>
+          <p:cNvPr id="704" name="Coordinate Systems"/>
           <p:cNvSpPr txBox="1"/>
           <p:nvPr/>
         </p:nvSpPr>
@@ -36528,7 +36362,7 @@
       </p:sp>
       <p:sp>
         <p:nvSpPr>
-          <p:cNvPr id="708" name="Line"/>
+          <p:cNvPr id="705" name="Line"/>
           <p:cNvSpPr/>
           <p:nvPr/>
         </p:nvSpPr>
@@ -36573,7 +36407,7 @@
       </p:sp>
       <p:sp>
         <p:nvSpPr>
-          <p:cNvPr id="709" name="Rectangle"/>
+          <p:cNvPr id="706" name="Rectangle"/>
           <p:cNvSpPr/>
           <p:nvPr/>
         </p:nvSpPr>
@@ -36620,7 +36454,7 @@
       </p:sp>
       <p:sp>
         <p:nvSpPr>
-          <p:cNvPr id="710" name="A stat builds new variables to plot (e.g., count, prop)."/>
+          <p:cNvPr id="707" name="A stat builds new variables to plot (e.g., count, prop)."/>
           <p:cNvSpPr txBox="1"/>
           <p:nvPr/>
         </p:nvSpPr>
@@ -36674,7 +36508,7 @@
       </p:sp>
       <p:sp>
         <p:nvSpPr>
-          <p:cNvPr id="711" name="Stats"/>
+          <p:cNvPr id="708" name="Stats"/>
           <p:cNvSpPr txBox="1"/>
           <p:nvPr/>
         </p:nvSpPr>
@@ -36734,7 +36568,7 @@
       </p:sp>
       <p:sp>
         <p:nvSpPr>
-          <p:cNvPr id="712" name="An alternative way to build a layer."/>
+          <p:cNvPr id="709" name="An alternative way to build a layer."/>
           <p:cNvSpPr txBox="1"/>
           <p:nvPr/>
         </p:nvSpPr>
@@ -36788,7 +36622,7 @@
       </p:sp>
       <p:grpSp>
         <p:nvGrpSpPr>
-          <p:cNvPr id="749" name="Group"/>
+          <p:cNvPr id="746" name="Group"/>
           <p:cNvGrpSpPr/>
           <p:nvPr/>
         </p:nvGrpSpPr>
@@ -36802,7 +36636,7 @@
         </p:grpSpPr>
         <p:graphicFrame>
           <p:nvGraphicFramePr>
-            <p:cNvPr id="713" name="Table"/>
+            <p:cNvPr id="710" name="Table"/>
             <p:cNvGraphicFramePr/>
             <p:nvPr/>
           </p:nvGraphicFramePr>
@@ -37512,7 +37346,7 @@
         </p:graphicFrame>
         <p:sp>
           <p:nvSpPr>
-            <p:cNvPr id="714" name="+"/>
+            <p:cNvPr id="711" name="+"/>
             <p:cNvSpPr txBox="1"/>
             <p:nvPr/>
           </p:nvSpPr>
@@ -37569,7 +37403,7 @@
         </p:sp>
         <p:sp>
           <p:nvSpPr>
-            <p:cNvPr id="715" name="="/>
+            <p:cNvPr id="712" name="="/>
             <p:cNvSpPr txBox="1"/>
             <p:nvPr/>
           </p:nvSpPr>
@@ -37626,7 +37460,7 @@
         </p:sp>
         <p:graphicFrame>
           <p:nvGraphicFramePr>
-            <p:cNvPr id="716" name="Table"/>
+            <p:cNvPr id="713" name="Table"/>
             <p:cNvGraphicFramePr/>
             <p:nvPr/>
           </p:nvGraphicFramePr>
@@ -38336,7 +38170,7 @@
         </p:graphicFrame>
         <p:sp>
           <p:nvSpPr>
-            <p:cNvPr id="717" name="data"/>
+            <p:cNvPr id="714" name="data"/>
             <p:cNvSpPr txBox="1"/>
             <p:nvPr/>
           </p:nvSpPr>
@@ -38389,7 +38223,7 @@
         </p:sp>
         <p:sp>
           <p:nvSpPr>
-            <p:cNvPr id="718" name="geom…"/>
+            <p:cNvPr id="715" name="geom…"/>
             <p:cNvSpPr txBox="1"/>
             <p:nvPr/>
           </p:nvSpPr>
@@ -38480,7 +38314,7 @@
         </p:sp>
         <p:sp>
           <p:nvSpPr>
-            <p:cNvPr id="719" name="coordinate system"/>
+            <p:cNvPr id="716" name="coordinate system"/>
             <p:cNvSpPr txBox="1"/>
             <p:nvPr/>
           </p:nvSpPr>
@@ -38533,7 +38367,7 @@
         </p:sp>
         <p:sp>
           <p:nvSpPr>
-            <p:cNvPr id="720" name="plot"/>
+            <p:cNvPr id="717" name="plot"/>
             <p:cNvSpPr txBox="1"/>
             <p:nvPr/>
           </p:nvSpPr>
@@ -38586,7 +38420,7 @@
         </p:sp>
         <p:grpSp>
           <p:nvGrpSpPr>
-            <p:cNvPr id="727" name="Group"/>
+            <p:cNvPr id="724" name="Group"/>
             <p:cNvGrpSpPr/>
             <p:nvPr/>
           </p:nvGrpSpPr>
@@ -38600,7 +38434,7 @@
           </p:grpSpPr>
           <p:graphicFrame>
             <p:nvGraphicFramePr>
-              <p:cNvPr id="721" name="Table"/>
+              <p:cNvPr id="718" name="Table"/>
               <p:cNvGraphicFramePr/>
               <p:nvPr/>
             </p:nvGraphicFramePr>
@@ -38929,7 +38763,7 @@
           </p:graphicFrame>
           <p:sp>
             <p:nvSpPr>
-              <p:cNvPr id="722" name="Line"/>
+              <p:cNvPr id="719" name="Line"/>
               <p:cNvSpPr/>
               <p:nvPr/>
             </p:nvSpPr>
@@ -38986,7 +38820,7 @@
           </p:sp>
           <p:sp>
             <p:nvSpPr>
-              <p:cNvPr id="723" name="Line"/>
+              <p:cNvPr id="720" name="Line"/>
               <p:cNvSpPr/>
               <p:nvPr/>
             </p:nvSpPr>
@@ -39043,7 +38877,7 @@
           </p:sp>
           <p:sp>
             <p:nvSpPr>
-              <p:cNvPr id="724" name="Line"/>
+              <p:cNvPr id="721" name="Line"/>
               <p:cNvSpPr/>
               <p:nvPr/>
             </p:nvSpPr>
@@ -39100,7 +38934,7 @@
           </p:sp>
           <p:sp>
             <p:nvSpPr>
-              <p:cNvPr id="725" name="Line"/>
+              <p:cNvPr id="722" name="Line"/>
               <p:cNvSpPr/>
               <p:nvPr/>
             </p:nvSpPr>
@@ -39157,7 +38991,7 @@
           </p:sp>
           <p:sp>
             <p:nvSpPr>
-              <p:cNvPr id="726" name="Line"/>
+              <p:cNvPr id="723" name="Line"/>
               <p:cNvSpPr/>
               <p:nvPr/>
             </p:nvSpPr>
@@ -39215,7 +39049,7 @@
         </p:grpSp>
         <p:sp>
           <p:nvSpPr>
-            <p:cNvPr id="728" name="Line"/>
+            <p:cNvPr id="725" name="Line"/>
             <p:cNvSpPr/>
             <p:nvPr/>
           </p:nvSpPr>
@@ -39273,7 +39107,7 @@
         </p:sp>
         <p:grpSp>
           <p:nvGrpSpPr>
-            <p:cNvPr id="742" name="Group"/>
+            <p:cNvPr id="739" name="Group"/>
             <p:cNvGrpSpPr/>
             <p:nvPr/>
           </p:nvGrpSpPr>
@@ -39287,7 +39121,7 @@
           </p:grpSpPr>
           <p:grpSp>
             <p:nvGrpSpPr>
-              <p:cNvPr id="737" name="Group"/>
+              <p:cNvPr id="734" name="Group"/>
               <p:cNvGrpSpPr/>
               <p:nvPr/>
             </p:nvGrpSpPr>
@@ -39301,7 +39135,7 @@
             </p:grpSpPr>
             <p:graphicFrame>
               <p:nvGraphicFramePr>
-                <p:cNvPr id="729" name="Table"/>
+                <p:cNvPr id="726" name="Table"/>
                 <p:cNvGraphicFramePr/>
                 <p:nvPr/>
               </p:nvGraphicFramePr>
@@ -39529,7 +39363,7 @@
             </p:graphicFrame>
             <p:sp>
               <p:nvSpPr>
-                <p:cNvPr id="730" name="Line"/>
+                <p:cNvPr id="727" name="Line"/>
                 <p:cNvSpPr/>
                 <p:nvPr/>
               </p:nvSpPr>
@@ -39586,7 +39420,7 @@
             </p:sp>
             <p:sp>
               <p:nvSpPr>
-                <p:cNvPr id="731" name="Line"/>
+                <p:cNvPr id="728" name="Line"/>
                 <p:cNvSpPr/>
                 <p:nvPr/>
               </p:nvSpPr>
@@ -39643,7 +39477,7 @@
             </p:sp>
             <p:sp>
               <p:nvSpPr>
-                <p:cNvPr id="732" name="Line"/>
+                <p:cNvPr id="729" name="Line"/>
                 <p:cNvSpPr/>
                 <p:nvPr/>
               </p:nvSpPr>
@@ -39700,7 +39534,7 @@
             </p:sp>
             <p:sp>
               <p:nvSpPr>
-                <p:cNvPr id="733" name="Line"/>
+                <p:cNvPr id="730" name="Line"/>
                 <p:cNvSpPr/>
                 <p:nvPr/>
               </p:nvSpPr>
@@ -39758,7 +39592,7 @@
             </p:sp>
             <p:sp>
               <p:nvSpPr>
-                <p:cNvPr id="734" name="Line"/>
+                <p:cNvPr id="731" name="Line"/>
                 <p:cNvSpPr/>
                 <p:nvPr/>
               </p:nvSpPr>
@@ -39816,7 +39650,7 @@
             </p:sp>
             <p:sp>
               <p:nvSpPr>
-                <p:cNvPr id="735" name="Line"/>
+                <p:cNvPr id="732" name="Line"/>
                 <p:cNvSpPr/>
                 <p:nvPr/>
               </p:nvSpPr>
@@ -39874,7 +39708,7 @@
             </p:sp>
             <p:sp>
               <p:nvSpPr>
-                <p:cNvPr id="736" name="Line"/>
+                <p:cNvPr id="733" name="Line"/>
                 <p:cNvSpPr/>
                 <p:nvPr/>
               </p:nvSpPr>
@@ -39933,7 +39767,7 @@
           </p:grpSp>
           <p:sp>
             <p:nvSpPr>
-              <p:cNvPr id="738" name="Square"/>
+              <p:cNvPr id="735" name="Square"/>
               <p:cNvSpPr/>
               <p:nvPr/>
             </p:nvSpPr>
@@ -39982,7 +39816,7 @@
           </p:sp>
           <p:sp>
             <p:nvSpPr>
-              <p:cNvPr id="739" name="Square"/>
+              <p:cNvPr id="736" name="Square"/>
               <p:cNvSpPr/>
               <p:nvPr/>
             </p:nvSpPr>
@@ -40031,7 +39865,7 @@
           </p:sp>
           <p:sp>
             <p:nvSpPr>
-              <p:cNvPr id="740" name="Square"/>
+              <p:cNvPr id="737" name="Square"/>
               <p:cNvSpPr/>
               <p:nvPr/>
             </p:nvSpPr>
@@ -40080,7 +39914,7 @@
           </p:sp>
           <p:sp>
             <p:nvSpPr>
-              <p:cNvPr id="741" name="Square"/>
+              <p:cNvPr id="738" name="Square"/>
               <p:cNvSpPr/>
               <p:nvPr/>
             </p:nvSpPr>
@@ -40130,7 +39964,7 @@
         </p:grpSp>
         <p:sp>
           <p:nvSpPr>
-            <p:cNvPr id="743" name="stat"/>
+            <p:cNvPr id="740" name="stat"/>
             <p:cNvSpPr txBox="1"/>
             <p:nvPr/>
           </p:nvSpPr>
@@ -40183,7 +40017,7 @@
         </p:sp>
         <p:grpSp>
           <p:nvGrpSpPr>
-            <p:cNvPr id="748" name="Group"/>
+            <p:cNvPr id="745" name="Group"/>
             <p:cNvGrpSpPr/>
             <p:nvPr/>
           </p:nvGrpSpPr>
@@ -40197,7 +40031,7 @@
           </p:grpSpPr>
           <p:sp>
             <p:nvSpPr>
-              <p:cNvPr id="744" name="Rectangle"/>
+              <p:cNvPr id="741" name="Rectangle"/>
               <p:cNvSpPr/>
               <p:nvPr/>
             </p:nvSpPr>
@@ -40246,7 +40080,7 @@
           </p:sp>
           <p:sp>
             <p:nvSpPr>
-              <p:cNvPr id="745" name="Rectangle"/>
+              <p:cNvPr id="742" name="Rectangle"/>
               <p:cNvSpPr/>
               <p:nvPr/>
             </p:nvSpPr>
@@ -40295,7 +40129,7 @@
           </p:sp>
           <p:sp>
             <p:nvSpPr>
-              <p:cNvPr id="746" name="Rectangle"/>
+              <p:cNvPr id="743" name="Rectangle"/>
               <p:cNvSpPr/>
               <p:nvPr/>
             </p:nvSpPr>
@@ -40344,7 +40178,7 @@
           </p:sp>
           <p:sp>
             <p:nvSpPr>
-              <p:cNvPr id="747" name="Rectangle"/>
+              <p:cNvPr id="744" name="Rectangle"/>
               <p:cNvSpPr/>
               <p:nvPr/>
             </p:nvSpPr>
@@ -40395,7 +40229,7 @@
       </p:grpSp>
       <p:sp>
         <p:nvSpPr>
-          <p:cNvPr id="750" name="Visualize a stat by changing the default stat of a geom function, geom_bar(stat=&quot;count&quot;) or by using a stat function, stat_count(geom=&quot;bar&quot;), which calls a default geom to make a layer (equivalent to a geom function).…"/>
+          <p:cNvPr id="747" name="Visualize a stat by changing the default stat of a geom function, geom_bar(stat=&quot;count&quot;) or by using a stat function, stat_count(geom=&quot;bar&quot;), which calls a default geom to make a layer (equivalent to a geom function).…"/>
           <p:cNvSpPr txBox="1"/>
           <p:nvPr/>
         </p:nvSpPr>
@@ -40522,7 +40356,7 @@
       </p:sp>
       <p:sp>
         <p:nvSpPr>
-          <p:cNvPr id="751" name="i + stat_density_2d(aes(fill = ..level..),…"/>
+          <p:cNvPr id="748" name="i + stat_density_2d(aes(fill = ..level..),…"/>
           <p:cNvSpPr txBox="1"/>
           <p:nvPr/>
         </p:nvSpPr>
@@ -40614,7 +40448,7 @@
       </p:sp>
       <p:sp>
         <p:nvSpPr>
-          <p:cNvPr id="752" name="Triangle"/>
+          <p:cNvPr id="749" name="Triangle"/>
           <p:cNvSpPr/>
           <p:nvPr/>
         </p:nvSpPr>
@@ -40690,7 +40524,7 @@
       </p:sp>
       <p:sp>
         <p:nvSpPr>
-          <p:cNvPr id="753" name="stat function"/>
+          <p:cNvPr id="750" name="stat function"/>
           <p:cNvSpPr/>
           <p:nvPr/>
         </p:nvSpPr>
@@ -40751,7 +40585,7 @@
       </p:sp>
       <p:sp>
         <p:nvSpPr>
-          <p:cNvPr id="754" name="Triangle"/>
+          <p:cNvPr id="751" name="Triangle"/>
           <p:cNvSpPr/>
           <p:nvPr/>
         </p:nvSpPr>
@@ -40827,7 +40661,7 @@
       </p:sp>
       <p:sp>
         <p:nvSpPr>
-          <p:cNvPr id="755" name="Triangle"/>
+          <p:cNvPr id="752" name="Triangle"/>
           <p:cNvSpPr/>
           <p:nvPr/>
         </p:nvSpPr>
@@ -40903,7 +40737,7 @@
       </p:sp>
       <p:sp>
         <p:nvSpPr>
-          <p:cNvPr id="756" name="geommappings"/>
+          <p:cNvPr id="753" name="geommappings"/>
           <p:cNvSpPr/>
           <p:nvPr/>
         </p:nvSpPr>
@@ -40964,7 +40798,7 @@
       </p:sp>
       <p:sp>
         <p:nvSpPr>
-          <p:cNvPr id="757" name="variable created by stat"/>
+          <p:cNvPr id="754" name="variable created by stat"/>
           <p:cNvSpPr/>
           <p:nvPr/>
         </p:nvSpPr>
@@ -41025,7 +40859,7 @@
       </p:sp>
       <p:sp>
         <p:nvSpPr>
-          <p:cNvPr id="758" name="Line"/>
+          <p:cNvPr id="755" name="Line"/>
           <p:cNvSpPr/>
           <p:nvPr/>
         </p:nvSpPr>
@@ -41107,7 +40941,7 @@
       </p:sp>
       <p:sp>
         <p:nvSpPr>
-          <p:cNvPr id="759" name="geom to use"/>
+          <p:cNvPr id="756" name="geom to use"/>
           <p:cNvSpPr/>
           <p:nvPr/>
         </p:nvSpPr>
@@ -41168,7 +41002,7 @@
       </p:sp>
       <p:grpSp>
         <p:nvGrpSpPr>
-          <p:cNvPr id="762" name="Group"/>
+          <p:cNvPr id="759" name="Group"/>
           <p:cNvGrpSpPr/>
           <p:nvPr/>
         </p:nvGrpSpPr>
@@ -41182,7 +41016,7 @@
         </p:grpSpPr>
         <p:pic>
           <p:nvPicPr>
-            <p:cNvPr id="760" name="Image" descr="Image"/>
+            <p:cNvPr id="757" name="Image" descr="Image"/>
             <p:cNvPicPr>
               <a:picLocks noChangeAspect="1"/>
             </p:cNvPicPr>
@@ -41213,7 +41047,7 @@
         </p:pic>
         <p:pic>
           <p:nvPicPr>
-            <p:cNvPr id="761" name="Image" descr="Image"/>
+            <p:cNvPr id="758" name="Image" descr="Image"/>
             <p:cNvPicPr>
               <a:picLocks noChangeAspect="1"/>
             </p:cNvPicPr>
@@ -41246,7 +41080,7 @@
       </p:grpSp>
       <p:sp>
         <p:nvSpPr>
-          <p:cNvPr id="763" name="c + stat_bin(binwidth = 1, boundary = 10) x, y |  ..count.., ..ncount.., ..density.., ..ndensity..…"/>
+          <p:cNvPr id="760" name="c + stat_bin(binwidth = 1, boundary = 10) x, y |  ..count.., ..ncount.., ..density.., ..ndensity..…"/>
           <p:cNvSpPr txBox="1"/>
           <p:nvPr/>
         </p:nvSpPr>
@@ -42327,7 +42161,7 @@
       </p:sp>
       <p:sp>
         <p:nvSpPr>
-          <p:cNvPr id="764" name="Scales map data values to the visual values of an aesthetic. To change a mapping, add a new scale."/>
+          <p:cNvPr id="761" name="Scales map data values to the visual values of an aesthetic. To change a mapping, add a new scale."/>
           <p:cNvSpPr txBox="1"/>
           <p:nvPr/>
         </p:nvSpPr>
@@ -42388,7 +42222,7 @@
       </p:sp>
       <p:grpSp>
         <p:nvGrpSpPr>
-          <p:cNvPr id="771" name="Group"/>
+          <p:cNvPr id="768" name="Group"/>
           <p:cNvGrpSpPr/>
           <p:nvPr/>
         </p:nvGrpSpPr>
@@ -42402,7 +42236,7 @@
         </p:grpSpPr>
         <p:pic>
           <p:nvPicPr>
-            <p:cNvPr id="765" name="Image" descr="Image"/>
+            <p:cNvPr id="762" name="Image" descr="Image"/>
             <p:cNvPicPr>
               <a:picLocks noChangeAspect="1"/>
             </p:cNvPicPr>
@@ -42433,7 +42267,7 @@
         </p:pic>
         <p:grpSp>
           <p:nvGrpSpPr>
-            <p:cNvPr id="770" name="Group"/>
+            <p:cNvPr id="767" name="Group"/>
             <p:cNvGrpSpPr/>
             <p:nvPr/>
           </p:nvGrpSpPr>
@@ -42447,7 +42281,7 @@
           </p:grpSpPr>
           <p:sp>
             <p:nvSpPr>
-              <p:cNvPr id="766" name="Rectangle"/>
+              <p:cNvPr id="763" name="Rectangle"/>
               <p:cNvSpPr/>
               <p:nvPr/>
             </p:nvSpPr>
@@ -42496,7 +42330,7 @@
           </p:sp>
           <p:sp>
             <p:nvSpPr>
-              <p:cNvPr id="767" name="Rectangle"/>
+              <p:cNvPr id="764" name="Rectangle"/>
               <p:cNvSpPr/>
               <p:nvPr/>
             </p:nvSpPr>
@@ -42545,7 +42379,7 @@
           </p:sp>
           <p:sp>
             <p:nvSpPr>
-              <p:cNvPr id="768" name="Rectangle"/>
+              <p:cNvPr id="765" name="Rectangle"/>
               <p:cNvSpPr/>
               <p:nvPr/>
             </p:nvSpPr>
@@ -42594,7 +42428,7 @@
           </p:sp>
           <p:sp>
             <p:nvSpPr>
-              <p:cNvPr id="769" name="Rectangle"/>
+              <p:cNvPr id="766" name="Rectangle"/>
               <p:cNvSpPr/>
               <p:nvPr/>
             </p:nvSpPr>
@@ -42645,7 +42479,7 @@
       </p:grpSp>
       <p:sp>
         <p:nvSpPr>
-          <p:cNvPr id="772" name="n &lt;- d + geom_bar(aes(fill = fl))"/>
+          <p:cNvPr id="769" name="n &lt;- d + geom_bar(aes(fill = fl))"/>
           <p:cNvSpPr txBox="1"/>
           <p:nvPr/>
         </p:nvSpPr>
@@ -42705,7 +42539,7 @@
       </p:sp>
       <p:sp>
         <p:nvSpPr>
-          <p:cNvPr id="773" name="n + scale_fill_manual(…"/>
+          <p:cNvPr id="770" name="n + scale_fill_manual(…"/>
           <p:cNvSpPr txBox="1"/>
           <p:nvPr/>
         </p:nvSpPr>
@@ -42864,7 +42698,7 @@
       </p:sp>
       <p:sp>
         <p:nvSpPr>
-          <p:cNvPr id="774" name="Triangle"/>
+          <p:cNvPr id="771" name="Triangle"/>
           <p:cNvSpPr/>
           <p:nvPr/>
         </p:nvSpPr>
@@ -42940,7 +42774,7 @@
       </p:sp>
       <p:sp>
         <p:nvSpPr>
-          <p:cNvPr id="775" name="Triangle"/>
+          <p:cNvPr id="772" name="Triangle"/>
           <p:cNvSpPr/>
           <p:nvPr/>
         </p:nvSpPr>
@@ -43016,7 +42850,7 @@
       </p:sp>
       <p:sp>
         <p:nvSpPr>
-          <p:cNvPr id="776" name="Triangle"/>
+          <p:cNvPr id="773" name="Triangle"/>
           <p:cNvSpPr/>
           <p:nvPr/>
         </p:nvSpPr>
@@ -43092,7 +42926,7 @@
       </p:sp>
       <p:sp>
         <p:nvSpPr>
-          <p:cNvPr id="777" name="Triangle"/>
+          <p:cNvPr id="774" name="Triangle"/>
           <p:cNvSpPr/>
           <p:nvPr/>
         </p:nvSpPr>
@@ -43168,7 +43002,7 @@
       </p:sp>
       <p:sp>
         <p:nvSpPr>
-          <p:cNvPr id="778" name="Triangle"/>
+          <p:cNvPr id="775" name="Triangle"/>
           <p:cNvSpPr/>
           <p:nvPr/>
         </p:nvSpPr>
@@ -43244,7 +43078,7 @@
       </p:sp>
       <p:sp>
         <p:nvSpPr>
-          <p:cNvPr id="779" name="Triangle"/>
+          <p:cNvPr id="776" name="Triangle"/>
           <p:cNvSpPr/>
           <p:nvPr/>
         </p:nvSpPr>
@@ -43320,7 +43154,7 @@
       </p:sp>
       <p:sp>
         <p:nvSpPr>
-          <p:cNvPr id="780" name="scale_"/>
+          <p:cNvPr id="777" name="scale_"/>
           <p:cNvSpPr/>
           <p:nvPr/>
         </p:nvSpPr>
@@ -43381,7 +43215,7 @@
       </p:sp>
       <p:sp>
         <p:nvSpPr>
-          <p:cNvPr id="781" name="Triangle"/>
+          <p:cNvPr id="778" name="Triangle"/>
           <p:cNvSpPr/>
           <p:nvPr/>
         </p:nvSpPr>
@@ -43457,7 +43291,7 @@
       </p:sp>
       <p:sp>
         <p:nvSpPr>
-          <p:cNvPr id="782" name="Triangle"/>
+          <p:cNvPr id="779" name="Triangle"/>
           <p:cNvSpPr/>
           <p:nvPr/>
         </p:nvSpPr>
@@ -43533,7 +43367,7 @@
       </p:sp>
       <p:sp>
         <p:nvSpPr>
-          <p:cNvPr id="783" name="aesthetic to adjust"/>
+          <p:cNvPr id="780" name="aesthetic to adjust"/>
           <p:cNvSpPr/>
           <p:nvPr/>
         </p:nvSpPr>
@@ -43648,7 +43482,7 @@
       </p:sp>
       <p:sp>
         <p:nvSpPr>
-          <p:cNvPr id="784" name="prepackaged scale to use"/>
+          <p:cNvPr id="781" name="prepackaged scale to use"/>
           <p:cNvSpPr/>
           <p:nvPr/>
         </p:nvSpPr>
@@ -43763,7 +43597,7 @@
       </p:sp>
       <p:sp>
         <p:nvSpPr>
-          <p:cNvPr id="785" name="scale-specific arguments"/>
+          <p:cNvPr id="782" name="scale-specific arguments"/>
           <p:cNvSpPr/>
           <p:nvPr/>
         </p:nvSpPr>
@@ -43878,7 +43712,7 @@
       </p:sp>
       <p:sp>
         <p:nvSpPr>
-          <p:cNvPr id="786" name="title to use in legend/axis"/>
+          <p:cNvPr id="783" name="title to use in legend/axis"/>
           <p:cNvSpPr/>
           <p:nvPr/>
         </p:nvSpPr>
@@ -43993,7 +43827,7 @@
       </p:sp>
       <p:sp>
         <p:nvSpPr>
-          <p:cNvPr id="787" name="labels to use in legend/axis"/>
+          <p:cNvPr id="784" name="labels to use in legend/axis"/>
           <p:cNvSpPr/>
           <p:nvPr/>
         </p:nvSpPr>
@@ -44108,7 +43942,7 @@
       </p:sp>
       <p:sp>
         <p:nvSpPr>
-          <p:cNvPr id="788" name="breaks to use in legend/axis"/>
+          <p:cNvPr id="785" name="breaks to use in legend/axis"/>
           <p:cNvSpPr/>
           <p:nvPr/>
         </p:nvSpPr>
@@ -44223,7 +44057,7 @@
       </p:sp>
       <p:sp>
         <p:nvSpPr>
-          <p:cNvPr id="789" name="range of values to include in mapping"/>
+          <p:cNvPr id="786" name="range of values to include in mapping"/>
           <p:cNvSpPr/>
           <p:nvPr/>
         </p:nvSpPr>
@@ -44338,7 +44172,7 @@
       </p:sp>
       <p:pic>
         <p:nvPicPr>
-          <p:cNvPr id="790" name="Image" descr="Image"/>
+          <p:cNvPr id="787" name="Image" descr="Image"/>
           <p:cNvPicPr>
             <a:picLocks noChangeAspect="1"/>
           </p:cNvPicPr>
@@ -44367,7 +44201,7 @@
       </p:pic>
       <p:sp>
         <p:nvSpPr>
-          <p:cNvPr id="791" name="Rectangle"/>
+          <p:cNvPr id="788" name="Rectangle"/>
           <p:cNvSpPr/>
           <p:nvPr/>
         </p:nvSpPr>
@@ -44412,7 +44246,7 @@
       </p:sp>
       <p:sp>
         <p:nvSpPr>
-          <p:cNvPr id="792" name="Rectangle"/>
+          <p:cNvPr id="789" name="Rectangle"/>
           <p:cNvSpPr/>
           <p:nvPr/>
         </p:nvSpPr>
@@ -44457,7 +44291,7 @@
       </p:sp>
       <p:sp>
         <p:nvSpPr>
-          <p:cNvPr id="793" name="Rectangle"/>
+          <p:cNvPr id="790" name="Rectangle"/>
           <p:cNvSpPr/>
           <p:nvPr/>
         </p:nvSpPr>
@@ -44502,7 +44336,7 @@
       </p:sp>
       <p:sp>
         <p:nvSpPr>
-          <p:cNvPr id="794" name="Rectangle"/>
+          <p:cNvPr id="791" name="Rectangle"/>
           <p:cNvSpPr/>
           <p:nvPr/>
         </p:nvSpPr>
@@ -44547,7 +44381,7 @@
       </p:sp>
       <p:sp>
         <p:nvSpPr>
-          <p:cNvPr id="795" name="GENERAL PURPOSE SCALES…"/>
+          <p:cNvPr id="792" name="GENERAL PURPOSE SCALES…"/>
           <p:cNvSpPr txBox="1"/>
           <p:nvPr/>
         </p:nvSpPr>
@@ -44857,7 +44691,7 @@
       </p:sp>
       <p:sp>
         <p:nvSpPr>
-          <p:cNvPr id="796" name="X &amp; Y LOCATION SCALES…"/>
+          <p:cNvPr id="793" name="X &amp; Y LOCATION SCALES…"/>
           <p:cNvSpPr txBox="1"/>
           <p:nvPr/>
         </p:nvSpPr>
@@ -45015,7 +44849,7 @@
       </p:sp>
       <p:sp>
         <p:nvSpPr>
-          <p:cNvPr id="797" name="COLOR AND FILL SCALES (DISCRETE)…"/>
+          <p:cNvPr id="794" name="COLOR AND FILL SCALES (DISCRETE)…"/>
           <p:cNvSpPr txBox="1"/>
           <p:nvPr/>
         </p:nvSpPr>
@@ -45149,7 +44983,7 @@
       </p:sp>
       <p:grpSp>
         <p:nvGrpSpPr>
-          <p:cNvPr id="803" name="Group"/>
+          <p:cNvPr id="800" name="Group"/>
           <p:cNvGrpSpPr/>
           <p:nvPr/>
         </p:nvGrpSpPr>
@@ -45163,7 +44997,7 @@
         </p:grpSpPr>
         <p:pic>
           <p:nvPicPr>
-            <p:cNvPr id="798" name="Image" descr="Image"/>
+            <p:cNvPr id="795" name="Image" descr="Image"/>
             <p:cNvPicPr>
               <a:picLocks noChangeAspect="1"/>
             </p:cNvPicPr>
@@ -45194,7 +45028,7 @@
         </p:pic>
         <p:sp>
           <p:nvSpPr>
-            <p:cNvPr id="799" name="Rectangle"/>
+            <p:cNvPr id="796" name="Rectangle"/>
             <p:cNvSpPr/>
             <p:nvPr/>
           </p:nvSpPr>
@@ -45243,7 +45077,7 @@
         </p:sp>
         <p:sp>
           <p:nvSpPr>
-            <p:cNvPr id="800" name="Rectangle"/>
+            <p:cNvPr id="797" name="Rectangle"/>
             <p:cNvSpPr/>
             <p:nvPr/>
           </p:nvSpPr>
@@ -45292,7 +45126,7 @@
         </p:sp>
         <p:sp>
           <p:nvSpPr>
-            <p:cNvPr id="801" name="Rectangle"/>
+            <p:cNvPr id="798" name="Rectangle"/>
             <p:cNvSpPr/>
             <p:nvPr/>
           </p:nvSpPr>
@@ -45341,7 +45175,7 @@
         </p:sp>
         <p:sp>
           <p:nvSpPr>
-            <p:cNvPr id="802" name="Rectangle"/>
+            <p:cNvPr id="799" name="Rectangle"/>
             <p:cNvSpPr/>
             <p:nvPr/>
           </p:nvSpPr>
@@ -45391,7 +45225,7 @@
       </p:grpSp>
       <p:grpSp>
         <p:nvGrpSpPr>
-          <p:cNvPr id="809" name="Group"/>
+          <p:cNvPr id="806" name="Group"/>
           <p:cNvGrpSpPr/>
           <p:nvPr/>
         </p:nvGrpSpPr>
@@ -45405,7 +45239,7 @@
         </p:grpSpPr>
         <p:pic>
           <p:nvPicPr>
-            <p:cNvPr id="804" name="Image" descr="Image"/>
+            <p:cNvPr id="801" name="Image" descr="Image"/>
             <p:cNvPicPr>
               <a:picLocks noChangeAspect="1"/>
             </p:cNvPicPr>
@@ -45436,7 +45270,7 @@
         </p:pic>
         <p:sp>
           <p:nvSpPr>
-            <p:cNvPr id="805" name="Rectangle"/>
+            <p:cNvPr id="802" name="Rectangle"/>
             <p:cNvSpPr/>
             <p:nvPr/>
           </p:nvSpPr>
@@ -45485,7 +45319,7 @@
         </p:sp>
         <p:sp>
           <p:nvSpPr>
-            <p:cNvPr id="806" name="Rectangle"/>
+            <p:cNvPr id="803" name="Rectangle"/>
             <p:cNvSpPr/>
             <p:nvPr/>
           </p:nvSpPr>
@@ -45534,7 +45368,7 @@
         </p:sp>
         <p:sp>
           <p:nvSpPr>
-            <p:cNvPr id="807" name="Rectangle"/>
+            <p:cNvPr id="804" name="Rectangle"/>
             <p:cNvSpPr/>
             <p:nvPr/>
           </p:nvSpPr>
@@ -45583,7 +45417,7 @@
         </p:sp>
         <p:sp>
           <p:nvSpPr>
-            <p:cNvPr id="808" name="Rectangle"/>
+            <p:cNvPr id="805" name="Rectangle"/>
             <p:cNvSpPr/>
             <p:nvPr/>
           </p:nvSpPr>
@@ -45633,7 +45467,7 @@
       </p:grpSp>
       <p:sp>
         <p:nvSpPr>
-          <p:cNvPr id="810" name="COLOR AND FILL SCALES (CONTINUOUS)…"/>
+          <p:cNvPr id="807" name="COLOR AND FILL SCALES (CONTINUOUS)…"/>
           <p:cNvSpPr txBox="1"/>
           <p:nvPr/>
         </p:nvSpPr>
@@ -45897,13 +45731,90 @@
       </p:sp>
       <p:grpSp>
         <p:nvGrpSpPr>
+          <p:cNvPr id="810" name="Group"/>
+          <p:cNvGrpSpPr/>
+          <p:nvPr/>
+        </p:nvGrpSpPr>
+        <p:grpSpPr>
+          <a:xfrm>
+            <a:off x="3724388" y="7233332"/>
+            <a:ext cx="364615" cy="364712"/>
+            <a:chOff x="0" y="0"/>
+            <a:chExt cx="364614" cy="364710"/>
+          </a:xfrm>
+        </p:grpSpPr>
+        <p:pic>
+          <p:nvPicPr>
+            <p:cNvPr id="808" name="Image" descr="Image"/>
+            <p:cNvPicPr>
+              <a:picLocks noChangeAspect="1"/>
+            </p:cNvPicPr>
+            <p:nvPr/>
+          </p:nvPicPr>
+          <p:blipFill>
+            <a:blip r:embed="rId3">
+              <a:extLst/>
+            </a:blip>
+            <a:stretch>
+              <a:fillRect/>
+            </a:stretch>
+          </p:blipFill>
+          <p:spPr>
+            <a:xfrm>
+              <a:off x="0" y="0"/>
+              <a:ext cx="364615" cy="364711"/>
+            </a:xfrm>
+            <a:prstGeom prst="rect">
+              <a:avLst/>
+            </a:prstGeom>
+            <a:ln w="12700" cap="flat">
+              <a:noFill/>
+              <a:miter lim="400000"/>
+            </a:ln>
+            <a:effectLst/>
+          </p:spPr>
+        </p:pic>
+        <p:pic>
+          <p:nvPicPr>
+            <p:cNvPr id="809" name="Image" descr="Image"/>
+            <p:cNvPicPr>
+              <a:picLocks noChangeAspect="1"/>
+            </p:cNvPicPr>
+            <p:nvPr/>
+          </p:nvPicPr>
+          <p:blipFill>
+            <a:blip r:embed="rId5">
+              <a:extLst/>
+            </a:blip>
+            <a:stretch>
+              <a:fillRect/>
+            </a:stretch>
+          </p:blipFill>
+          <p:spPr>
+            <a:xfrm>
+              <a:off x="12699" y="58498"/>
+              <a:ext cx="341545" cy="306213"/>
+            </a:xfrm>
+            <a:prstGeom prst="rect">
+              <a:avLst/>
+            </a:prstGeom>
+            <a:ln w="12700" cap="flat">
+              <a:noFill/>
+              <a:miter lim="400000"/>
+            </a:ln>
+            <a:effectLst/>
+          </p:spPr>
+        </p:pic>
+      </p:grpSp>
+      <p:grpSp>
+        <p:nvGrpSpPr>
           <p:cNvPr id="813" name="Group"/>
           <p:cNvGrpSpPr/>
           <p:nvPr/>
         </p:nvGrpSpPr>
         <p:grpSpPr>
           <a:xfrm>
-            <a:off x="3724388" y="7233332"/>
+            <a:off x="3724388" y="7619932"/>
             <a:ext cx="364615" cy="364712"/>
             <a:chOff x="0" y="0"/>
             <a:chExt cx="364614" cy="364710"/>
@@ -45949,7 +45860,7 @@
             <p:nvPr/>
           </p:nvPicPr>
           <p:blipFill>
-            <a:blip r:embed="rId5">
+            <a:blip r:embed="rId6">
               <a:extLst/>
             </a:blip>
             <a:stretch>
@@ -45980,7 +45891,7 @@
         </p:nvGrpSpPr>
         <p:grpSpPr>
           <a:xfrm>
-            <a:off x="3724388" y="7619932"/>
+            <a:off x="3724388" y="8006532"/>
             <a:ext cx="364615" cy="364712"/>
             <a:chOff x="0" y="0"/>
             <a:chExt cx="364614" cy="364710"/>
@@ -46026,7 +45937,7 @@
             <p:nvPr/>
           </p:nvPicPr>
           <p:blipFill>
-            <a:blip r:embed="rId6">
+            <a:blip r:embed="rId7">
               <a:extLst/>
             </a:blip>
             <a:stretch>
@@ -46035,8 +45946,8 @@
           </p:blipFill>
           <p:spPr>
             <a:xfrm>
-              <a:off x="12699" y="58498"/>
-              <a:ext cx="341545" cy="306213"/>
+              <a:off x="12699" y="58497"/>
+              <a:ext cx="341545" cy="306214"/>
             </a:xfrm>
             <a:prstGeom prst="rect">
               <a:avLst/>
@@ -46057,7 +45968,7 @@
         </p:nvGrpSpPr>
         <p:grpSpPr>
           <a:xfrm>
-            <a:off x="3724388" y="8006532"/>
+            <a:off x="3724388" y="8393132"/>
             <a:ext cx="364615" cy="364712"/>
             <a:chOff x="0" y="0"/>
             <a:chExt cx="364614" cy="364710"/>
@@ -46103,83 +46014,6 @@
             <p:nvPr/>
           </p:nvPicPr>
           <p:blipFill>
-            <a:blip r:embed="rId7">
-              <a:extLst/>
-            </a:blip>
-            <a:stretch>
-              <a:fillRect/>
-            </a:stretch>
-          </p:blipFill>
-          <p:spPr>
-            <a:xfrm>
-              <a:off x="12699" y="58497"/>
-              <a:ext cx="341545" cy="306214"/>
-            </a:xfrm>
-            <a:prstGeom prst="rect">
-              <a:avLst/>
-            </a:prstGeom>
-            <a:ln w="12700" cap="flat">
-              <a:noFill/>
-              <a:miter lim="400000"/>
-            </a:ln>
-            <a:effectLst/>
-          </p:spPr>
-        </p:pic>
-      </p:grpSp>
-      <p:grpSp>
-        <p:nvGrpSpPr>
-          <p:cNvPr id="822" name="Group"/>
-          <p:cNvGrpSpPr/>
-          <p:nvPr/>
-        </p:nvGrpSpPr>
-        <p:grpSpPr>
-          <a:xfrm>
-            <a:off x="3724388" y="8393132"/>
-            <a:ext cx="364615" cy="364712"/>
-            <a:chOff x="0" y="0"/>
-            <a:chExt cx="364614" cy="364710"/>
-          </a:xfrm>
-        </p:grpSpPr>
-        <p:pic>
-          <p:nvPicPr>
-            <p:cNvPr id="820" name="Image" descr="Image"/>
-            <p:cNvPicPr>
-              <a:picLocks noChangeAspect="1"/>
-            </p:cNvPicPr>
-            <p:nvPr/>
-          </p:nvPicPr>
-          <p:blipFill>
-            <a:blip r:embed="rId3">
-              <a:extLst/>
-            </a:blip>
-            <a:stretch>
-              <a:fillRect/>
-            </a:stretch>
-          </p:blipFill>
-          <p:spPr>
-            <a:xfrm>
-              <a:off x="0" y="0"/>
-              <a:ext cx="364615" cy="364711"/>
-            </a:xfrm>
-            <a:prstGeom prst="rect">
-              <a:avLst/>
-            </a:prstGeom>
-            <a:ln w="12700" cap="flat">
-              <a:noFill/>
-              <a:miter lim="400000"/>
-            </a:ln>
-            <a:effectLst/>
-          </p:spPr>
-        </p:pic>
-        <p:pic>
-          <p:nvPicPr>
-            <p:cNvPr id="821" name="Image" descr="Image"/>
-            <p:cNvPicPr>
-              <a:picLocks noChangeAspect="1"/>
-            </p:cNvPicPr>
-            <p:nvPr/>
-          </p:nvPicPr>
-          <p:blipFill>
             <a:blip r:embed="rId8">
               <a:extLst/>
             </a:blip>
@@ -46205,7 +46039,7 @@
       </p:grpSp>
       <p:sp>
         <p:nvSpPr>
-          <p:cNvPr id="823" name="SHAPE AND SIZE SCALES p &lt;- e + geom_point(aes(shape = fl, size = cyl))…"/>
+          <p:cNvPr id="820" name="SHAPE AND SIZE SCALES p &lt;- e + geom_point(aes(shape = fl, size = cyl))…"/>
           <p:cNvSpPr txBox="1"/>
           <p:nvPr/>
         </p:nvSpPr>
@@ -46463,7 +46297,7 @@
       </p:sp>
       <p:pic>
         <p:nvPicPr>
-          <p:cNvPr id="824" name="Image" descr="Image"/>
+          <p:cNvPr id="821" name="Image" descr="Image"/>
           <p:cNvPicPr>
             <a:picLocks noChangeAspect="1"/>
           </p:cNvPicPr>
@@ -46492,7 +46326,7 @@
       </p:pic>
       <p:pic>
         <p:nvPicPr>
-          <p:cNvPr id="825" name="Image" descr="Image"/>
+          <p:cNvPr id="822" name="Image" descr="Image"/>
           <p:cNvPicPr>
             <a:picLocks noChangeAspect="1"/>
           </p:cNvPicPr>
@@ -46521,7 +46355,7 @@
       </p:pic>
       <p:grpSp>
         <p:nvGrpSpPr>
-          <p:cNvPr id="828" name="Group"/>
+          <p:cNvPr id="825" name="Group"/>
           <p:cNvGrpSpPr/>
           <p:nvPr/>
         </p:nvGrpSpPr>
@@ -46535,7 +46369,7 @@
         </p:grpSpPr>
         <p:pic>
           <p:nvPicPr>
-            <p:cNvPr id="826" name="Image" descr="Image"/>
+            <p:cNvPr id="823" name="Image" descr="Image"/>
             <p:cNvPicPr>
               <a:picLocks noChangeAspect="1"/>
             </p:cNvPicPr>
@@ -46566,7 +46400,7 @@
         </p:pic>
         <p:pic>
           <p:nvPicPr>
-            <p:cNvPr id="827" name="Image" descr="Image"/>
+            <p:cNvPr id="824" name="Image" descr="Image"/>
             <p:cNvPicPr>
               <a:picLocks noChangeAspect="1"/>
             </p:cNvPicPr>
@@ -46598,7 +46432,7 @@
       </p:grpSp>
       <p:pic>
         <p:nvPicPr>
-          <p:cNvPr id="829" name="Image" descr="Image"/>
+          <p:cNvPr id="826" name="Image" descr="Image"/>
           <p:cNvPicPr>
             <a:picLocks noChangeAspect="1"/>
           </p:cNvPicPr>
@@ -46627,7 +46461,7 @@
       </p:pic>
       <p:sp>
         <p:nvSpPr>
-          <p:cNvPr id="830" name="r &lt;- d + geom_bar()…"/>
+          <p:cNvPr id="827" name="r &lt;- d + geom_bar()…"/>
           <p:cNvSpPr txBox="1"/>
           <p:nvPr/>
         </p:nvSpPr>
@@ -47027,7 +46861,7 @@
       </p:sp>
       <p:grpSp>
         <p:nvGrpSpPr>
-          <p:cNvPr id="837" name="Group"/>
+          <p:cNvPr id="834" name="Group"/>
           <p:cNvGrpSpPr/>
           <p:nvPr/>
         </p:nvGrpSpPr>
@@ -47041,7 +46875,7 @@
         </p:grpSpPr>
         <p:pic>
           <p:nvPicPr>
-            <p:cNvPr id="831" name="Image" descr="Image"/>
+            <p:cNvPr id="828" name="Image" descr="Image"/>
             <p:cNvPicPr>
               <a:picLocks noChangeAspect="1"/>
             </p:cNvPicPr>
@@ -47072,7 +46906,7 @@
         </p:pic>
         <p:grpSp>
           <p:nvGrpSpPr>
-            <p:cNvPr id="836" name="Group"/>
+            <p:cNvPr id="833" name="Group"/>
             <p:cNvGrpSpPr/>
             <p:nvPr/>
           </p:nvGrpSpPr>
@@ -47086,7 +46920,7 @@
           </p:grpSpPr>
           <p:sp>
             <p:nvSpPr>
-              <p:cNvPr id="832" name="Rectangle"/>
+              <p:cNvPr id="829" name="Rectangle"/>
               <p:cNvSpPr/>
               <p:nvPr/>
             </p:nvSpPr>
@@ -47135,7 +46969,7 @@
           </p:sp>
           <p:sp>
             <p:nvSpPr>
-              <p:cNvPr id="833" name="Rectangle"/>
+              <p:cNvPr id="830" name="Rectangle"/>
               <p:cNvSpPr/>
               <p:nvPr/>
             </p:nvSpPr>
@@ -47184,7 +47018,7 @@
           </p:sp>
           <p:sp>
             <p:nvSpPr>
-              <p:cNvPr id="834" name="Rectangle"/>
+              <p:cNvPr id="831" name="Rectangle"/>
               <p:cNvSpPr/>
               <p:nvPr/>
             </p:nvSpPr>
@@ -47233,7 +47067,7 @@
           </p:sp>
           <p:sp>
             <p:nvSpPr>
-              <p:cNvPr id="835" name="Rectangle"/>
+              <p:cNvPr id="832" name="Rectangle"/>
               <p:cNvSpPr/>
               <p:nvPr/>
             </p:nvSpPr>
@@ -47284,7 +47118,7 @@
       </p:grpSp>
       <p:grpSp>
         <p:nvGrpSpPr>
-          <p:cNvPr id="844" name="Group"/>
+          <p:cNvPr id="841" name="Group"/>
           <p:cNvGrpSpPr/>
           <p:nvPr/>
         </p:nvGrpSpPr>
@@ -47298,7 +47132,7 @@
         </p:grpSpPr>
         <p:pic>
           <p:nvPicPr>
-            <p:cNvPr id="838" name="Image" descr="Image"/>
+            <p:cNvPr id="835" name="Image" descr="Image"/>
             <p:cNvPicPr>
               <a:picLocks noChangeAspect="1"/>
             </p:cNvPicPr>
@@ -47329,7 +47163,7 @@
         </p:pic>
         <p:grpSp>
           <p:nvGrpSpPr>
-            <p:cNvPr id="843" name="Group"/>
+            <p:cNvPr id="840" name="Group"/>
             <p:cNvGrpSpPr/>
             <p:nvPr/>
           </p:nvGrpSpPr>
@@ -47343,7 +47177,7 @@
           </p:grpSpPr>
           <p:sp>
             <p:nvSpPr>
-              <p:cNvPr id="839" name="Rectangle"/>
+              <p:cNvPr id="836" name="Rectangle"/>
               <p:cNvSpPr/>
               <p:nvPr/>
             </p:nvSpPr>
@@ -47392,7 +47226,7 @@
           </p:sp>
           <p:sp>
             <p:nvSpPr>
-              <p:cNvPr id="840" name="Rectangle"/>
+              <p:cNvPr id="837" name="Rectangle"/>
               <p:cNvSpPr/>
               <p:nvPr/>
             </p:nvSpPr>
@@ -47441,7 +47275,7 @@
           </p:sp>
           <p:sp>
             <p:nvSpPr>
-              <p:cNvPr id="841" name="Rectangle"/>
+              <p:cNvPr id="838" name="Rectangle"/>
               <p:cNvSpPr/>
               <p:nvPr/>
             </p:nvSpPr>
@@ -47490,7 +47324,7 @@
           </p:sp>
           <p:sp>
             <p:nvSpPr>
-              <p:cNvPr id="842" name="Rectangle"/>
+              <p:cNvPr id="839" name="Rectangle"/>
               <p:cNvSpPr/>
               <p:nvPr/>
             </p:nvSpPr>
@@ -47541,7 +47375,7 @@
       </p:grpSp>
       <p:pic>
         <p:nvPicPr>
-          <p:cNvPr id="845" name="Image" descr="Image"/>
+          <p:cNvPr id="842" name="Image" descr="Image"/>
           <p:cNvPicPr>
             <a:picLocks noChangeAspect="1"/>
           </p:cNvPicPr>
@@ -47570,7 +47404,7 @@
       </p:pic>
       <p:pic>
         <p:nvPicPr>
-          <p:cNvPr id="846" name="Image" descr="Image"/>
+          <p:cNvPr id="843" name="Image" descr="Image"/>
           <p:cNvPicPr>
             <a:picLocks noChangeAspect="1"/>
           </p:cNvPicPr>
@@ -47599,7 +47433,7 @@
       </p:pic>
       <p:pic>
         <p:nvPicPr>
-          <p:cNvPr id="847" name="Image" descr="Image"/>
+          <p:cNvPr id="844" name="Image" descr="Image"/>
           <p:cNvPicPr>
             <a:picLocks noChangeAspect="1"/>
           </p:cNvPicPr>
@@ -47628,7 +47462,7 @@
       </p:pic>
       <p:sp>
         <p:nvSpPr>
-          <p:cNvPr id="848" name="Position Adjustments"/>
+          <p:cNvPr id="845" name="Position Adjustments"/>
           <p:cNvSpPr txBox="1"/>
           <p:nvPr/>
         </p:nvSpPr>
@@ -47680,7 +47514,7 @@
       </p:sp>
       <p:sp>
         <p:nvSpPr>
-          <p:cNvPr id="849" name="Position adjustments determine how to arrange geoms that would otherwise occupy the same space.…"/>
+          <p:cNvPr id="846" name="Position adjustments determine how to arrange geoms that would otherwise occupy the same space.…"/>
           <p:cNvSpPr txBox="1"/>
           <p:nvPr/>
         </p:nvSpPr>
@@ -48035,7 +47869,7 @@
       </p:sp>
       <p:pic>
         <p:nvPicPr>
-          <p:cNvPr id="850" name="Image" descr="Image"/>
+          <p:cNvPr id="847" name="Image" descr="Image"/>
           <p:cNvPicPr>
             <a:picLocks noChangeAspect="1"/>
           </p:cNvPicPr>
@@ -48064,7 +47898,7 @@
       </p:pic>
       <p:pic>
         <p:nvPicPr>
-          <p:cNvPr id="851" name="Image" descr="Image"/>
+          <p:cNvPr id="848" name="Image" descr="Image"/>
           <p:cNvPicPr>
             <a:picLocks noChangeAspect="1"/>
           </p:cNvPicPr>
@@ -48093,7 +47927,7 @@
       </p:pic>
       <p:pic>
         <p:nvPicPr>
-          <p:cNvPr id="852" name="Image" descr="Image"/>
+          <p:cNvPr id="849" name="Image" descr="Image"/>
           <p:cNvPicPr>
             <a:picLocks noChangeAspect="1"/>
           </p:cNvPicPr>
@@ -48122,7 +47956,7 @@
       </p:pic>
       <p:pic>
         <p:nvPicPr>
-          <p:cNvPr id="853" name="Image" descr="Image"/>
+          <p:cNvPr id="850" name="Image" descr="Image"/>
           <p:cNvPicPr>
             <a:picLocks noChangeAspect="1"/>
           </p:cNvPicPr>
@@ -48151,7 +47985,7 @@
       </p:pic>
       <p:pic>
         <p:nvPicPr>
-          <p:cNvPr id="854" name="Image" descr="Image"/>
+          <p:cNvPr id="851" name="Image" descr="Image"/>
           <p:cNvPicPr>
             <a:picLocks noChangeAspect="1"/>
           </p:cNvPicPr>
@@ -48180,7 +48014,7 @@
       </p:pic>
       <p:sp>
         <p:nvSpPr>
-          <p:cNvPr id="855" name="Line"/>
+          <p:cNvPr id="852" name="Line"/>
           <p:cNvSpPr/>
           <p:nvPr/>
         </p:nvSpPr>
@@ -48227,7 +48061,7 @@
       </p:sp>
       <p:sp>
         <p:nvSpPr>
-          <p:cNvPr id="856" name="Line"/>
+          <p:cNvPr id="853" name="Line"/>
           <p:cNvSpPr/>
           <p:nvPr/>
         </p:nvSpPr>
@@ -48272,7 +48106,7 @@
       </p:sp>
       <p:sp>
         <p:nvSpPr>
-          <p:cNvPr id="857" name="Line"/>
+          <p:cNvPr id="854" name="Line"/>
           <p:cNvSpPr/>
           <p:nvPr/>
         </p:nvSpPr>
@@ -48319,7 +48153,7 @@
       </p:sp>
       <p:sp>
         <p:nvSpPr>
-          <p:cNvPr id="858" name="Line"/>
+          <p:cNvPr id="855" name="Line"/>
           <p:cNvSpPr/>
           <p:nvPr/>
         </p:nvSpPr>
@@ -48366,7 +48200,7 @@
       </p:sp>
       <p:sp>
         <p:nvSpPr>
-          <p:cNvPr id="859" name="Line"/>
+          <p:cNvPr id="856" name="Line"/>
           <p:cNvSpPr/>
           <p:nvPr/>
         </p:nvSpPr>
@@ -48413,7 +48247,7 @@
       </p:sp>
       <p:sp>
         <p:nvSpPr>
-          <p:cNvPr id="860" name="Line"/>
+          <p:cNvPr id="857" name="Line"/>
           <p:cNvSpPr/>
           <p:nvPr/>
         </p:nvSpPr>
@@ -48460,7 +48294,7 @@
       </p:sp>
       <p:sp>
         <p:nvSpPr>
-          <p:cNvPr id="861" name="Line"/>
+          <p:cNvPr id="858" name="Line"/>
           <p:cNvSpPr/>
           <p:nvPr/>
         </p:nvSpPr>
@@ -48507,7 +48341,7 @@
       </p:sp>
       <p:sp>
         <p:nvSpPr>
-          <p:cNvPr id="862" name="Line"/>
+          <p:cNvPr id="859" name="Line"/>
           <p:cNvSpPr/>
           <p:nvPr/>
         </p:nvSpPr>
@@ -48554,7 +48388,7 @@
       </p:sp>
       <p:sp>
         <p:nvSpPr>
-          <p:cNvPr id="863" name="Line"/>
+          <p:cNvPr id="860" name="Line"/>
           <p:cNvSpPr/>
           <p:nvPr/>
         </p:nvSpPr>
@@ -48601,7 +48435,7 @@
       </p:sp>
       <p:sp>
         <p:nvSpPr>
-          <p:cNvPr id="864" name="Line"/>
+          <p:cNvPr id="861" name="Line"/>
           <p:cNvSpPr/>
           <p:nvPr/>
         </p:nvSpPr>
@@ -48648,7 +48482,7 @@
       </p:sp>
       <p:sp>
         <p:nvSpPr>
-          <p:cNvPr id="865" name="Line"/>
+          <p:cNvPr id="862" name="Line"/>
           <p:cNvSpPr/>
           <p:nvPr/>
         </p:nvSpPr>
@@ -48695,7 +48529,7 @@
       </p:sp>
       <p:sp>
         <p:nvSpPr>
-          <p:cNvPr id="866" name="Themes"/>
+          <p:cNvPr id="863" name="Themes"/>
           <p:cNvSpPr txBox="1"/>
           <p:nvPr/>
         </p:nvSpPr>
@@ -48747,7 +48581,7 @@
       </p:sp>
       <p:sp>
         <p:nvSpPr>
-          <p:cNvPr id="867" name="r + theme_bw() White background with grid lines.…"/>
+          <p:cNvPr id="864" name="r + theme_bw() White background with grid lines.…"/>
           <p:cNvSpPr txBox="1"/>
           <p:nvPr/>
         </p:nvSpPr>
@@ -48881,7 +48715,7 @@
       </p:sp>
       <p:sp>
         <p:nvSpPr>
-          <p:cNvPr id="868" name="Line"/>
+          <p:cNvPr id="865" name="Line"/>
           <p:cNvSpPr/>
           <p:nvPr/>
         </p:nvSpPr>
@@ -48926,7 +48760,7 @@
       </p:sp>
       <p:sp>
         <p:nvSpPr>
-          <p:cNvPr id="869" name="r + theme_classic()…"/>
+          <p:cNvPr id="866" name="r + theme_classic()…"/>
           <p:cNvSpPr txBox="1"/>
           <p:nvPr/>
         </p:nvSpPr>
@@ -49074,7 +48908,7 @@
       </p:sp>
       <p:pic>
         <p:nvPicPr>
-          <p:cNvPr id="870" name="Image" descr="Image"/>
+          <p:cNvPr id="867" name="Image" descr="Image"/>
           <p:cNvPicPr>
             <a:picLocks noChangeAspect="1"/>
           </p:cNvPicPr>
@@ -49103,7 +48937,7 @@
       </p:pic>
       <p:pic>
         <p:nvPicPr>
-          <p:cNvPr id="871" name="Image" descr="Image"/>
+          <p:cNvPr id="868" name="Image" descr="Image"/>
           <p:cNvPicPr>
             <a:picLocks noChangeAspect="1"/>
           </p:cNvPicPr>
@@ -49132,7 +48966,7 @@
       </p:pic>
       <p:pic>
         <p:nvPicPr>
-          <p:cNvPr id="872" name="Image" descr="Image"/>
+          <p:cNvPr id="869" name="Image" descr="Image"/>
           <p:cNvPicPr>
             <a:picLocks noChangeAspect="1"/>
           </p:cNvPicPr>
@@ -49161,7 +48995,7 @@
       </p:pic>
       <p:pic>
         <p:nvPicPr>
-          <p:cNvPr id="873" name="Image" descr="Image"/>
+          <p:cNvPr id="870" name="Image" descr="Image"/>
           <p:cNvPicPr>
             <a:picLocks noChangeAspect="1"/>
           </p:cNvPicPr>
@@ -49190,7 +49024,7 @@
       </p:pic>
       <p:pic>
         <p:nvPicPr>
-          <p:cNvPr id="874" name="Image" descr="Image"/>
+          <p:cNvPr id="871" name="Image" descr="Image"/>
           <p:cNvPicPr>
             <a:picLocks noChangeAspect="1"/>
           </p:cNvPicPr>
@@ -49219,7 +49053,7 @@
       </p:pic>
       <p:pic>
         <p:nvPicPr>
-          <p:cNvPr id="875" name="Image" descr="Image"/>
+          <p:cNvPr id="872" name="Image" descr="Image"/>
           <p:cNvPicPr>
             <a:picLocks noChangeAspect="1"/>
           </p:cNvPicPr>
@@ -49248,7 +49082,7 @@
       </p:pic>
       <p:sp>
         <p:nvSpPr>
-          <p:cNvPr id="876" name="Line"/>
+          <p:cNvPr id="873" name="Line"/>
           <p:cNvSpPr/>
           <p:nvPr/>
         </p:nvSpPr>
@@ -49295,7 +49129,7 @@
       </p:sp>
       <p:sp>
         <p:nvSpPr>
-          <p:cNvPr id="877" name="Faceting"/>
+          <p:cNvPr id="874" name="Faceting"/>
           <p:cNvSpPr txBox="1"/>
           <p:nvPr/>
         </p:nvSpPr>
@@ -49347,7 +49181,7 @@
       </p:sp>
       <p:sp>
         <p:nvSpPr>
-          <p:cNvPr id="878" name="Line"/>
+          <p:cNvPr id="875" name="Line"/>
           <p:cNvSpPr/>
           <p:nvPr/>
         </p:nvSpPr>
@@ -49392,7 +49226,7 @@
       </p:sp>
       <p:sp>
         <p:nvSpPr>
-          <p:cNvPr id="879" name="Facets divide a plot into  subplots based on the  values of one or more  discrete variables.…"/>
+          <p:cNvPr id="876" name="Facets divide a plot into  subplots based on the  values of one or more  discrete variables.…"/>
           <p:cNvSpPr txBox="1"/>
           <p:nvPr/>
         </p:nvSpPr>
@@ -49953,7 +49787,7 @@
       </p:sp>
       <p:grpSp>
         <p:nvGrpSpPr>
-          <p:cNvPr id="885" name="Group"/>
+          <p:cNvPr id="882" name="Group"/>
           <p:cNvGrpSpPr/>
           <p:nvPr/>
         </p:nvGrpSpPr>
@@ -49967,7 +49801,7 @@
         </p:grpSpPr>
         <p:sp>
           <p:nvSpPr>
-            <p:cNvPr id="880" name="fl: c"/>
+            <p:cNvPr id="877" name="fl: c"/>
             <p:cNvSpPr/>
             <p:nvPr/>
           </p:nvSpPr>
@@ -50022,7 +49856,7 @@
         </p:sp>
         <p:sp>
           <p:nvSpPr>
-            <p:cNvPr id="881" name="fl: d"/>
+            <p:cNvPr id="878" name="fl: d"/>
             <p:cNvSpPr/>
             <p:nvPr/>
           </p:nvSpPr>
@@ -50077,7 +49911,7 @@
         </p:sp>
         <p:sp>
           <p:nvSpPr>
-            <p:cNvPr id="882" name="fl: e"/>
+            <p:cNvPr id="879" name="fl: e"/>
             <p:cNvSpPr/>
             <p:nvPr/>
           </p:nvSpPr>
@@ -50132,7 +49966,7 @@
         </p:sp>
         <p:sp>
           <p:nvSpPr>
-            <p:cNvPr id="883" name="fl: p"/>
+            <p:cNvPr id="880" name="fl: p"/>
             <p:cNvSpPr/>
             <p:nvPr/>
           </p:nvSpPr>
@@ -50187,7 +50021,7 @@
         </p:sp>
         <p:sp>
           <p:nvSpPr>
-            <p:cNvPr id="884" name="fl: r"/>
+            <p:cNvPr id="881" name="fl: r"/>
             <p:cNvSpPr/>
             <p:nvPr/>
           </p:nvSpPr>
@@ -50243,7 +50077,7 @@
       </p:grpSp>
       <p:grpSp>
         <p:nvGrpSpPr>
-          <p:cNvPr id="896" name="Group"/>
+          <p:cNvPr id="893" name="Group"/>
           <p:cNvGrpSpPr/>
           <p:nvPr/>
         </p:nvGrpSpPr>
@@ -50257,7 +50091,7 @@
         </p:grpSpPr>
         <p:sp>
           <p:nvSpPr>
-            <p:cNvPr id="886" name="Rectangle"/>
+            <p:cNvPr id="883" name="Rectangle"/>
             <p:cNvSpPr/>
             <p:nvPr/>
           </p:nvSpPr>
@@ -50306,7 +50140,7 @@
         </p:sp>
         <p:sp>
           <p:nvSpPr>
-            <p:cNvPr id="887" name="Rectangle"/>
+            <p:cNvPr id="884" name="Rectangle"/>
             <p:cNvSpPr/>
             <p:nvPr/>
           </p:nvSpPr>
@@ -50355,7 +50189,7 @@
         </p:sp>
         <p:sp>
           <p:nvSpPr>
-            <p:cNvPr id="888" name="Rectangle"/>
+            <p:cNvPr id="885" name="Rectangle"/>
             <p:cNvSpPr/>
             <p:nvPr/>
           </p:nvSpPr>
@@ -50400,7 +50234,7 @@
         </p:sp>
         <p:sp>
           <p:nvSpPr>
-            <p:cNvPr id="889" name="Rectangle"/>
+            <p:cNvPr id="886" name="Rectangle"/>
             <p:cNvSpPr/>
             <p:nvPr/>
           </p:nvSpPr>
@@ -50449,7 +50283,7 @@
         </p:sp>
         <p:sp>
           <p:nvSpPr>
-            <p:cNvPr id="890" name="Rectangle"/>
+            <p:cNvPr id="887" name="Rectangle"/>
             <p:cNvSpPr/>
             <p:nvPr/>
           </p:nvSpPr>
@@ -50498,7 +50332,7 @@
         </p:sp>
         <p:pic>
           <p:nvPicPr>
-            <p:cNvPr id="891" name="Image" descr="Image"/>
+            <p:cNvPr id="888" name="Image" descr="Image"/>
             <p:cNvPicPr>
               <a:picLocks noChangeAspect="1"/>
             </p:cNvPicPr>
@@ -50529,7 +50363,7 @@
         </p:pic>
         <p:pic>
           <p:nvPicPr>
-            <p:cNvPr id="892" name="Image" descr="Image"/>
+            <p:cNvPr id="889" name="Image" descr="Image"/>
             <p:cNvPicPr>
               <a:picLocks noChangeAspect="1"/>
             </p:cNvPicPr>
@@ -50560,7 +50394,7 @@
         </p:pic>
         <p:pic>
           <p:nvPicPr>
-            <p:cNvPr id="893" name="Image" descr="Image"/>
+            <p:cNvPr id="890" name="Image" descr="Image"/>
             <p:cNvPicPr>
               <a:picLocks noChangeAspect="1"/>
             </p:cNvPicPr>
@@ -50591,7 +50425,7 @@
         </p:pic>
         <p:pic>
           <p:nvPicPr>
-            <p:cNvPr id="894" name="Image" descr="Image"/>
+            <p:cNvPr id="891" name="Image" descr="Image"/>
             <p:cNvPicPr>
               <a:picLocks noChangeAspect="1"/>
             </p:cNvPicPr>
@@ -50622,7 +50456,7 @@
         </p:pic>
         <p:pic>
           <p:nvPicPr>
-            <p:cNvPr id="895" name="Image" descr="Image"/>
+            <p:cNvPr id="892" name="Image" descr="Image"/>
             <p:cNvPicPr>
               <a:picLocks noChangeAspect="1"/>
             </p:cNvPicPr>
@@ -50654,7 +50488,7 @@
       </p:grpSp>
       <p:pic>
         <p:nvPicPr>
-          <p:cNvPr id="897" name="Image" descr="Image"/>
+          <p:cNvPr id="894" name="Image" descr="Image"/>
           <p:cNvPicPr>
             <a:picLocks noChangeAspect="1"/>
           </p:cNvPicPr>
@@ -50683,7 +50517,7 @@
       </p:pic>
       <p:pic>
         <p:nvPicPr>
-          <p:cNvPr id="898" name="Image" descr="Image"/>
+          <p:cNvPr id="895" name="Image" descr="Image"/>
           <p:cNvPicPr>
             <a:picLocks noChangeAspect="1"/>
           </p:cNvPicPr>
@@ -50712,7 +50546,7 @@
       </p:pic>
       <p:pic>
         <p:nvPicPr>
-          <p:cNvPr id="899" name="Image" descr="Image"/>
+          <p:cNvPr id="896" name="Image" descr="Image"/>
           <p:cNvPicPr>
             <a:picLocks noChangeAspect="1"/>
           </p:cNvPicPr>
@@ -50741,7 +50575,7 @@
       </p:pic>
       <p:pic>
         <p:nvPicPr>
-          <p:cNvPr id="900" name="Image" descr="Image"/>
+          <p:cNvPr id="897" name="Image" descr="Image"/>
           <p:cNvPicPr>
             <a:picLocks noChangeAspect="1"/>
           </p:cNvPicPr>
@@ -50770,7 +50604,7 @@
       </p:pic>
       <p:sp>
         <p:nvSpPr>
-          <p:cNvPr id="901" name="Labels and Legends"/>
+          <p:cNvPr id="898" name="Labels and Legends"/>
           <p:cNvSpPr txBox="1"/>
           <p:nvPr/>
         </p:nvSpPr>
@@ -50822,7 +50656,7 @@
       </p:sp>
       <p:sp>
         <p:nvSpPr>
-          <p:cNvPr id="902" name="Line"/>
+          <p:cNvPr id="899" name="Line"/>
           <p:cNvSpPr/>
           <p:nvPr/>
         </p:nvSpPr>
@@ -50867,7 +50701,7 @@
       </p:sp>
       <p:sp>
         <p:nvSpPr>
-          <p:cNvPr id="903" name="Use labs() to label the elements of your plot.…"/>
+          <p:cNvPr id="900" name="Use labs() to label the elements of your plot.…"/>
           <p:cNvSpPr txBox="1"/>
           <p:nvPr/>
         </p:nvSpPr>
@@ -51325,7 +51159,7 @@
       </p:sp>
       <p:sp>
         <p:nvSpPr>
-          <p:cNvPr id="904" name="&lt;AES&gt;"/>
+          <p:cNvPr id="901" name="&lt;AES&gt;"/>
           <p:cNvSpPr/>
           <p:nvPr/>
         </p:nvSpPr>
@@ -51386,7 +51220,7 @@
       </p:sp>
       <p:sp>
         <p:nvSpPr>
-          <p:cNvPr id="905" name="&lt;AES&gt;"/>
+          <p:cNvPr id="902" name="&lt;AES&gt;"/>
           <p:cNvSpPr/>
           <p:nvPr/>
         </p:nvSpPr>
@@ -51447,7 +51281,7 @@
       </p:sp>
       <p:sp>
         <p:nvSpPr>
-          <p:cNvPr id="906" name="Zooming"/>
+          <p:cNvPr id="903" name="Zooming"/>
           <p:cNvSpPr txBox="1"/>
           <p:nvPr/>
         </p:nvSpPr>
@@ -51499,7 +51333,7 @@
       </p:sp>
       <p:sp>
         <p:nvSpPr>
-          <p:cNvPr id="907" name="Line"/>
+          <p:cNvPr id="904" name="Line"/>
           <p:cNvSpPr/>
           <p:nvPr/>
         </p:nvSpPr>
@@ -51544,7 +51378,7 @@
       </p:sp>
       <p:sp>
         <p:nvSpPr>
-          <p:cNvPr id="908" name="Without clipping (preferred):…"/>
+          <p:cNvPr id="905" name="Without clipping (preferred):…"/>
           <p:cNvSpPr txBox="1"/>
           <p:nvPr/>
         </p:nvSpPr>
@@ -51786,7 +51620,7 @@
       </p:sp>
       <p:pic>
         <p:nvPicPr>
-          <p:cNvPr id="909" name="Image" descr="Image"/>
+          <p:cNvPr id="906" name="Image" descr="Image"/>
           <p:cNvPicPr>
             <a:picLocks noChangeAspect="1"/>
           </p:cNvPicPr>
@@ -51815,7 +51649,7 @@
       </p:pic>
       <p:pic>
         <p:nvPicPr>
-          <p:cNvPr id="910" name="Image" descr="Image"/>
+          <p:cNvPr id="907" name="Image" descr="Image"/>
           <p:cNvPicPr>
             <a:picLocks noChangeAspect="1"/>
           </p:cNvPicPr>
@@ -51844,7 +51678,7 @@
       </p:pic>
       <p:sp>
         <p:nvSpPr>
-          <p:cNvPr id="911" name="RStudio® is a trademark of RStudio, PBC  •  CC BY SA  RStudio  •  info@rstudio.com  •  844-448-1212  •  rstudio.com  •  Learn more at ggplot2.tidyverse.org  •  ggplot2  3.3.5  •  Updated:  2021-07"/>
+          <p:cNvPr id="908" name="RStudio® is a trademark of RStudio, PBC  •  CC BY SA  RStudio  •  info@rstudio.com  •  844-448-1212  •  rstudio.com  •  Learn more at ggplot2.tidyverse.org  •  ggplot2  3.3.5  •  Updated:  2021-07"/>
           <p:cNvSpPr txBox="1"/>
           <p:nvPr/>
         </p:nvSpPr>
@@ -51945,7 +51779,7 @@
       </p:sp>
       <p:pic>
         <p:nvPicPr>
-          <p:cNvPr id="912" name="Image" descr="Image"/>
+          <p:cNvPr id="909" name="Image" descr="Image"/>
           <p:cNvPicPr>
             <a:picLocks noChangeAspect="1"/>
           </p:cNvPicPr>
@@ -51974,7 +51808,7 @@
       </p:pic>
       <p:pic>
         <p:nvPicPr>
-          <p:cNvPr id="913" name="ggplot2.png" descr="ggplot2.png"/>
+          <p:cNvPr id="910" name="ggplot2.png" descr="ggplot2.png"/>
           <p:cNvPicPr>
             <a:picLocks noChangeAspect="1"/>
           </p:cNvPicPr>
@@ -52003,7 +51837,7 @@
       </p:pic>
       <p:pic>
         <p:nvPicPr>
-          <p:cNvPr id="914" name="Rplot03.pdf" descr="Rplot03.pdf"/>
+          <p:cNvPr id="911" name="Rplot03.pdf" descr="Rplot03.pdf"/>
           <p:cNvPicPr>
             <a:picLocks noChangeAspect="1"/>
           </p:cNvPicPr>
@@ -52074,7 +51908,7 @@
       </p:pic>
       <p:sp>
         <p:nvSpPr>
-          <p:cNvPr id="915" name="r + theme() Customize aspects of the theme such  as axis, legend, panel, and facet properties. r + ggtitle(“Title”) + theme(plot.title.postion = “plot”) r + theme(panel.background = element_rect(fill = “blue”))"/>
+          <p:cNvPr id="912" name="r + theme() Customize aspects of the theme such  as axis, legend, panel, and facet properties. r + ggtitle(“Title”) + theme(plot.title.postion = “plot”) r + theme(panel.background = element_rect(fill = “blue”))"/>
           <p:cNvSpPr txBox="1"/>
           <p:nvPr/>
         </p:nvSpPr>
@@ -52163,7 +51997,7 @@
       </p:sp>
       <p:sp>
         <p:nvSpPr>
-          <p:cNvPr id="916" name="Override defaults with scales package."/>
+          <p:cNvPr id="913" name="Override defaults with scales package."/>
           <p:cNvSpPr txBox="1"/>
           <p:nvPr/>
         </p:nvSpPr>

--- a/powerpoints/data-visualization-2.1.pptx
+++ b/powerpoints/data-visualization-2.1.pptx
@@ -2941,7 +2941,7 @@
         </p:nvSpPr>
         <p:spPr>
           <a:xfrm>
-            <a:off x="678916" y="5588779"/>
+            <a:off x="653516" y="5588779"/>
             <a:ext cx="444501" cy="148882"/>
           </a:xfrm>
           <a:prstGeom prst="wedgeEllipseCallout">
@@ -3108,7 +3108,7 @@
         </p:nvSpPr>
         <p:spPr>
           <a:xfrm>
-            <a:off x="1151485" y="5211435"/>
+            <a:off x="1126085" y="5211435"/>
             <a:ext cx="438151" cy="148882"/>
           </a:xfrm>
           <a:prstGeom prst="wedgeEllipseCallout">
@@ -3159,12 +3159,12 @@
         </p:nvSpPr>
         <p:spPr>
           <a:xfrm>
-            <a:off x="1727218" y="5588779"/>
-            <a:ext cx="685801" cy="148882"/>
+            <a:off x="1676418" y="5588779"/>
+            <a:ext cx="736601" cy="148882"/>
           </a:xfrm>
           <a:prstGeom prst="wedgeEllipseCallout">
             <a:avLst>
-              <a:gd name="adj1" fmla="val 18602"/>
+              <a:gd name="adj1" fmla="val 20768"/>
               <a:gd name="adj2" fmla="val -7403"/>
             </a:avLst>
           </a:prstGeom>
@@ -3210,7 +3210,7 @@
         </p:nvSpPr>
         <p:spPr>
           <a:xfrm>
-            <a:off x="2404552" y="5400107"/>
+            <a:off x="2379152" y="5400107"/>
             <a:ext cx="814846" cy="148882"/>
           </a:xfrm>
           <a:prstGeom prst="wedgeEllipseCallout">
@@ -3261,12 +3261,12 @@
         </p:nvSpPr>
         <p:spPr>
           <a:xfrm>
-            <a:off x="342918" y="5401935"/>
-            <a:ext cx="1172174" cy="148882"/>
+            <a:off x="317518" y="5401935"/>
+            <a:ext cx="1197574" cy="148882"/>
           </a:xfrm>
           <a:prstGeom prst="wedgeEllipseCallout">
             <a:avLst>
-              <a:gd name="adj1" fmla="val 31630"/>
+              <a:gd name="adj1" fmla="val 32020"/>
               <a:gd name="adj2" fmla="val -7403"/>
             </a:avLst>
           </a:prstGeom>
@@ -3312,12 +3312,12 @@
         </p:nvSpPr>
         <p:spPr>
           <a:xfrm>
-            <a:off x="342918" y="5777451"/>
-            <a:ext cx="1563264" cy="148882"/>
+            <a:off x="317518" y="5777451"/>
+            <a:ext cx="1601364" cy="148882"/>
           </a:xfrm>
           <a:prstGeom prst="wedgeEllipseCallout">
             <a:avLst>
-              <a:gd name="adj1" fmla="val 36226"/>
+              <a:gd name="adj1" fmla="val 36554"/>
               <a:gd name="adj2" fmla="val -7403"/>
             </a:avLst>
           </a:prstGeom>
@@ -3363,7 +3363,7 @@
         </p:nvSpPr>
         <p:spPr>
           <a:xfrm>
-            <a:off x="342918" y="5966123"/>
+            <a:off x="317518" y="5966123"/>
             <a:ext cx="1219296" cy="148881"/>
           </a:xfrm>
           <a:prstGeom prst="wedgeEllipseCallout">
@@ -3414,7 +3414,7 @@
         </p:nvSpPr>
         <p:spPr>
           <a:xfrm>
-            <a:off x="342918" y="6154794"/>
+            <a:off x="317518" y="6154794"/>
             <a:ext cx="1219296" cy="148882"/>
           </a:xfrm>
           <a:prstGeom prst="wedgeEllipseCallout">
@@ -3465,12 +3465,12 @@
         </p:nvSpPr>
         <p:spPr>
           <a:xfrm>
-            <a:off x="342918" y="6343466"/>
-            <a:ext cx="1219296" cy="148882"/>
+            <a:off x="317518" y="6343466"/>
+            <a:ext cx="1257396" cy="148882"/>
           </a:xfrm>
           <a:prstGeom prst="wedgeEllipseCallout">
             <a:avLst>
-              <a:gd name="adj1" fmla="val 32340"/>
+              <a:gd name="adj1" fmla="val 32875"/>
               <a:gd name="adj2" fmla="val -7403"/>
             </a:avLst>
           </a:prstGeom>
@@ -8364,8 +8364,8 @@
         </p:nvSpPr>
         <p:spPr>
           <a:xfrm>
-            <a:off x="245136" y="4802293"/>
-            <a:ext cx="3260085" cy="1"/>
+            <a:off x="283236" y="4802293"/>
+            <a:ext cx="3133085" cy="1"/>
           </a:xfrm>
           <a:prstGeom prst="line">
             <a:avLst/>
@@ -8612,1292 +8612,1171 @@
           </a:p>
         </p:txBody>
       </p:sp>
-      <p:grpSp>
-        <p:nvGrpSpPr>
-          <p:cNvPr id="189" name="Group"/>
-          <p:cNvGrpSpPr/>
-          <p:nvPr/>
-        </p:nvGrpSpPr>
-        <p:grpSpPr>
-          <a:xfrm>
-            <a:off x="138221" y="2328330"/>
-            <a:ext cx="630201" cy="811599"/>
-            <a:chOff x="0" y="25400"/>
-            <a:chExt cx="630199" cy="811597"/>
-          </a:xfrm>
-        </p:grpSpPr>
-        <p:graphicFrame>
-          <p:nvGraphicFramePr>
-            <p:cNvPr id="171" name="Table"/>
-            <p:cNvGraphicFramePr/>
-            <p:nvPr/>
-          </p:nvGraphicFramePr>
-          <p:xfrm>
-            <a:off x="194627" y="25400"/>
-            <a:ext cx="355075" cy="811598"/>
-          </p:xfrm>
-          <a:graphic xmlns:a="http://schemas.openxmlformats.org/drawingml/2006/main">
-            <a:graphicData uri="http://schemas.openxmlformats.org/drawingml/2006/table">
-              <a:tbl>
-                <a:tblPr firstCol="0" firstRow="1" lastCol="0" lastRow="0" bandCol="0" bandRow="0" rtl="0">
-                  <a:tableStyleId>{4C3C2611-4C71-4FC5-86AE-919BDF0F9419}</a:tableStyleId>
-                </a:tblPr>
-                <a:tblGrid>
-                  <a:gridCol w="114300"/>
-                  <a:gridCol w="114300"/>
-                  <a:gridCol w="114300"/>
-                </a:tblGrid>
-                <a:tr h="114300">
-                  <a:tc>
-                    <a:txBody>
-                      <a:bodyPr/>
-                      <a:lstStyle/>
-                      <a:p>
-                        <a:pPr algn="ctr" defTabSz="914400">
-                          <a:spcBef>
-                            <a:spcPts val="0"/>
-                          </a:spcBef>
-                          <a:defRPr b="0" sz="1800">
-                            <a:solidFill>
-                              <a:srgbClr val="000000"/>
-                            </a:solidFill>
-                          </a:defRPr>
-                        </a:pPr>
-                        <a:r>
-                          <a:rPr sz="700">
-                            <a:solidFill>
-                              <a:srgbClr val="FFFFFF"/>
-                            </a:solidFill>
-                          </a:rPr>
-                          <a:t>F</a:t>
-                        </a:r>
-                      </a:p>
-                    </a:txBody>
-                    <a:tcPr marL="0" marR="0" marT="0" marB="0" anchor="ctr" anchorCtr="0" horzOverflow="overflow">
-                      <a:lnL w="12700">
-                        <a:solidFill>
-                          <a:srgbClr val="FFFFFF"/>
-                        </a:solidFill>
-                        <a:miter lim="400000"/>
-                      </a:lnL>
-                      <a:lnR w="12700">
-                        <a:solidFill>
-                          <a:srgbClr val="FFFFFF"/>
-                        </a:solidFill>
-                        <a:miter lim="400000"/>
-                      </a:lnR>
-                      <a:lnT w="12700">
-                        <a:solidFill>
-                          <a:srgbClr val="FFFFFF"/>
-                        </a:solidFill>
-                        <a:miter lim="400000"/>
-                      </a:lnT>
-                      <a:lnB w="12700">
-                        <a:solidFill>
-                          <a:srgbClr val="FFFFFF"/>
-                        </a:solidFill>
-                        <a:miter lim="400000"/>
-                      </a:lnB>
-                      <a:solidFill>
-                        <a:srgbClr val="767C85"/>
-                      </a:solidFill>
-                    </a:tcPr>
-                  </a:tc>
-                  <a:tc>
-                    <a:txBody>
-                      <a:bodyPr/>
-                      <a:lstStyle/>
-                      <a:p>
-                        <a:pPr algn="ctr" defTabSz="914400">
-                          <a:spcBef>
-                            <a:spcPts val="0"/>
-                          </a:spcBef>
-                          <a:defRPr b="0" sz="1800">
-                            <a:solidFill>
-                              <a:srgbClr val="000000"/>
-                            </a:solidFill>
-                          </a:defRPr>
-                        </a:pPr>
-                        <a:r>
-                          <a:rPr sz="700">
-                            <a:solidFill>
-                              <a:srgbClr val="FFFFFF"/>
-                            </a:solidFill>
-                          </a:rPr>
-                          <a:t>M</a:t>
-                        </a:r>
-                      </a:p>
-                    </a:txBody>
-                    <a:tcPr marL="0" marR="0" marT="0" marB="0" anchor="ctr" anchorCtr="0" horzOverflow="overflow">
-                      <a:lnL w="12700">
-                        <a:solidFill>
-                          <a:srgbClr val="FFFFFF"/>
-                        </a:solidFill>
-                        <a:miter lim="400000"/>
-                      </a:lnL>
-                      <a:lnR w="12700">
-                        <a:solidFill>
-                          <a:srgbClr val="FFFFFF"/>
-                        </a:solidFill>
-                        <a:miter lim="400000"/>
-                      </a:lnR>
-                      <a:lnT w="12700">
-                        <a:solidFill>
-                          <a:srgbClr val="FFFFFF"/>
-                        </a:solidFill>
-                        <a:miter lim="400000"/>
-                      </a:lnT>
-                      <a:lnB w="12700">
-                        <a:solidFill>
-                          <a:srgbClr val="FFFFFF"/>
-                        </a:solidFill>
-                        <a:miter lim="400000"/>
-                      </a:lnB>
-                      <a:solidFill>
-                        <a:srgbClr val="767C85"/>
-                      </a:solidFill>
-                    </a:tcPr>
-                  </a:tc>
-                  <a:tc>
-                    <a:txBody>
-                      <a:bodyPr/>
-                      <a:lstStyle/>
-                      <a:p>
-                        <a:pPr algn="ctr" defTabSz="914400">
-                          <a:spcBef>
-                            <a:spcPts val="0"/>
-                          </a:spcBef>
-                          <a:defRPr b="0" sz="1800">
-                            <a:solidFill>
-                              <a:srgbClr val="000000"/>
-                            </a:solidFill>
-                          </a:defRPr>
-                        </a:pPr>
-                        <a:r>
-                          <a:rPr sz="700">
-                            <a:solidFill>
-                              <a:srgbClr val="FFFFFF"/>
-                            </a:solidFill>
-                          </a:rPr>
-                          <a:t>A</a:t>
-                        </a:r>
-                      </a:p>
-                    </a:txBody>
-                    <a:tcPr marL="0" marR="0" marT="0" marB="0" anchor="ctr" anchorCtr="0" horzOverflow="overflow">
-                      <a:lnL w="12700">
-                        <a:solidFill>
-                          <a:srgbClr val="FFFFFF"/>
-                        </a:solidFill>
-                        <a:miter lim="400000"/>
-                      </a:lnL>
-                      <a:lnR w="12700">
-                        <a:solidFill>
-                          <a:srgbClr val="FFFFFF"/>
-                        </a:solidFill>
-                        <a:miter lim="400000"/>
-                      </a:lnR>
-                      <a:lnT w="12700">
-                        <a:solidFill>
-                          <a:srgbClr val="FFFFFF"/>
-                        </a:solidFill>
-                        <a:miter lim="400000"/>
-                      </a:lnT>
-                      <a:lnB w="12700">
-                        <a:solidFill>
-                          <a:srgbClr val="FFFFFF"/>
-                        </a:solidFill>
-                        <a:miter lim="400000"/>
-                      </a:lnB>
-                      <a:solidFill>
-                        <a:srgbClr val="767C85"/>
-                      </a:solidFill>
-                    </a:tcPr>
-                  </a:tc>
-                </a:tr>
-                <a:tr h="400050">
-                  <a:tc>
-                    <a:txBody>
-                      <a:bodyPr/>
-                      <a:lstStyle/>
-                      <a:p>
-                        <a:pPr algn="ctr" defTabSz="914400">
-                          <a:spcBef>
-                            <a:spcPts val="0"/>
-                          </a:spcBef>
-                          <a:defRPr sz="700">
-                            <a:sym typeface="Source Sans Pro Regular"/>
-                          </a:defRPr>
-                        </a:pPr>
-                      </a:p>
-                    </a:txBody>
-                    <a:tcPr marL="0" marR="0" marT="0" marB="0" anchor="ctr" anchorCtr="0" horzOverflow="overflow">
-                      <a:lnL w="12700">
-                        <a:solidFill>
-                          <a:srgbClr val="FFFFFF"/>
-                        </a:solidFill>
-                        <a:miter lim="400000"/>
-                      </a:lnL>
-                      <a:lnR w="12700">
-                        <a:solidFill>
-                          <a:srgbClr val="FFFFFF"/>
-                        </a:solidFill>
-                        <a:miter lim="400000"/>
-                      </a:lnR>
-                      <a:lnT w="12700">
-                        <a:solidFill>
-                          <a:srgbClr val="FFFFFF"/>
-                        </a:solidFill>
-                        <a:miter lim="400000"/>
-                      </a:lnT>
-                      <a:lnB w="12700">
-                        <a:solidFill>
-                          <a:srgbClr val="FFFFFF"/>
-                        </a:solidFill>
-                        <a:miter lim="400000"/>
-                      </a:lnB>
-                      <a:solidFill>
-                        <a:srgbClr val="D0D1D2"/>
-                      </a:solidFill>
-                    </a:tcPr>
-                  </a:tc>
-                  <a:tc>
-                    <a:txBody>
-                      <a:bodyPr/>
-                      <a:lstStyle/>
-                      <a:p>
-                        <a:pPr algn="ctr" defTabSz="914400">
-                          <a:spcBef>
-                            <a:spcPts val="0"/>
-                          </a:spcBef>
-                          <a:defRPr sz="700">
-                            <a:sym typeface="Source Sans Pro Regular"/>
-                          </a:defRPr>
-                        </a:pPr>
-                      </a:p>
-                    </a:txBody>
-                    <a:tcPr marL="0" marR="0" marT="0" marB="0" anchor="ctr" anchorCtr="0" horzOverflow="overflow">
-                      <a:lnL w="12700">
-                        <a:solidFill>
-                          <a:srgbClr val="FFFFFF"/>
-                        </a:solidFill>
-                        <a:miter lim="400000"/>
-                      </a:lnL>
-                      <a:lnR w="12700">
-                        <a:solidFill>
-                          <a:srgbClr val="FFFFFF"/>
-                        </a:solidFill>
-                        <a:miter lim="400000"/>
-                      </a:lnR>
-                      <a:lnT w="12700">
-                        <a:solidFill>
-                          <a:srgbClr val="FFFFFF"/>
-                        </a:solidFill>
-                        <a:miter lim="400000"/>
-                      </a:lnT>
-                      <a:lnB w="12700">
-                        <a:solidFill>
-                          <a:srgbClr val="FFFFFF"/>
-                        </a:solidFill>
-                        <a:miter lim="400000"/>
-                      </a:lnB>
-                      <a:solidFill>
-                        <a:srgbClr val="D0D1D2"/>
-                      </a:solidFill>
-                    </a:tcPr>
-                  </a:tc>
-                  <a:tc>
-                    <a:txBody>
-                      <a:bodyPr/>
-                      <a:lstStyle/>
-                      <a:p>
-                        <a:pPr algn="ctr" defTabSz="914400">
-                          <a:spcBef>
-                            <a:spcPts val="0"/>
-                          </a:spcBef>
-                          <a:defRPr sz="700">
-                            <a:sym typeface="Source Sans Pro Regular"/>
-                          </a:defRPr>
-                        </a:pPr>
-                      </a:p>
-                    </a:txBody>
-                    <a:tcPr marL="0" marR="0" marT="0" marB="0" anchor="ctr" anchorCtr="0" horzOverflow="overflow">
-                      <a:lnL w="12700">
-                        <a:solidFill>
-                          <a:srgbClr val="FFFFFF"/>
-                        </a:solidFill>
-                        <a:miter lim="400000"/>
-                      </a:lnL>
-                      <a:lnR w="12700">
-                        <a:solidFill>
-                          <a:srgbClr val="FFFFFF"/>
-                        </a:solidFill>
-                        <a:miter lim="400000"/>
-                      </a:lnR>
-                      <a:lnT w="12700">
-                        <a:solidFill>
-                          <a:srgbClr val="FFFFFF"/>
-                        </a:solidFill>
-                        <a:miter lim="400000"/>
-                      </a:lnT>
-                      <a:lnB w="12700">
-                        <a:solidFill>
-                          <a:srgbClr val="FFFFFF"/>
-                        </a:solidFill>
-                        <a:miter lim="400000"/>
-                      </a:lnB>
-                      <a:solidFill>
-                        <a:srgbClr val="D0D1D2"/>
-                      </a:solidFill>
-                    </a:tcPr>
-                  </a:tc>
-                </a:tr>
-              </a:tbl>
-            </a:graphicData>
-          </a:graphic>
-        </p:graphicFrame>
-        <p:sp>
-          <p:nvSpPr>
-            <p:cNvPr id="172" name="Circle"/>
-            <p:cNvSpPr/>
-            <p:nvPr/>
-          </p:nvSpPr>
-          <p:spPr>
-            <a:xfrm>
-              <a:off x="573213" y="151911"/>
-              <a:ext cx="56987" cy="56987"/>
-            </a:xfrm>
-            <a:prstGeom prst="ellipse">
-              <a:avLst/>
-            </a:prstGeom>
-            <a:blipFill rotWithShape="1">
-              <a:blip r:embed="rId10"/>
-              <a:srcRect l="0" t="0" r="0" b="0"/>
-              <a:tile tx="0" ty="0" sx="100000" sy="100000" flip="none" algn="tl"/>
-            </a:blipFill>
-            <a:ln w="12700" cap="flat">
-              <a:noFill/>
-              <a:miter lim="400000"/>
-            </a:ln>
-            <a:effectLst/>
-          </p:spPr>
-          <p:txBody>
-            <a:bodyPr wrap="square" lIns="54570" tIns="54570" rIns="54570" bIns="54570" numCol="1" anchor="ctr">
-              <a:noAutofit/>
-            </a:bodyPr>
-            <a:lstStyle/>
-            <a:p>
-              <a:pPr>
-                <a:lnSpc>
-                  <a:spcPct val="80000"/>
-                </a:lnSpc>
-                <a:spcBef>
-                  <a:spcPts val="0"/>
-                </a:spcBef>
-                <a:defRPr sz="1000">
-                  <a:solidFill>
-                    <a:srgbClr val="000000"/>
-                  </a:solidFill>
-                  <a:latin typeface="Source Sans Pro Regular"/>
-                  <a:ea typeface="Source Sans Pro Regular"/>
-                  <a:cs typeface="Source Sans Pro Regular"/>
-                  <a:sym typeface="Source Sans Pro Regular"/>
-                </a:defRPr>
-              </a:pPr>
-            </a:p>
-          </p:txBody>
-        </p:sp>
-        <p:sp>
-          <p:nvSpPr>
-            <p:cNvPr id="173" name="Circle"/>
-            <p:cNvSpPr/>
-            <p:nvPr/>
-          </p:nvSpPr>
-          <p:spPr>
-            <a:xfrm>
-              <a:off x="573213" y="285741"/>
-              <a:ext cx="56987" cy="56987"/>
-            </a:xfrm>
-            <a:prstGeom prst="ellipse">
-              <a:avLst/>
-            </a:prstGeom>
-            <a:blipFill rotWithShape="1">
-              <a:blip r:embed="rId11"/>
-              <a:srcRect l="0" t="0" r="0" b="0"/>
-              <a:tile tx="0" ty="0" sx="100000" sy="100000" flip="none" algn="tl"/>
-            </a:blipFill>
-            <a:ln w="12700" cap="flat">
-              <a:noFill/>
-              <a:miter lim="400000"/>
-            </a:ln>
-            <a:effectLst/>
-          </p:spPr>
-          <p:txBody>
-            <a:bodyPr wrap="square" lIns="54570" tIns="54570" rIns="54570" bIns="54570" numCol="1" anchor="ctr">
-              <a:noAutofit/>
-            </a:bodyPr>
-            <a:lstStyle/>
-            <a:p>
-              <a:pPr>
-                <a:lnSpc>
-                  <a:spcPct val="80000"/>
-                </a:lnSpc>
-                <a:spcBef>
-                  <a:spcPts val="0"/>
-                </a:spcBef>
-                <a:defRPr sz="1000">
-                  <a:solidFill>
-                    <a:srgbClr val="000000"/>
-                  </a:solidFill>
-                  <a:latin typeface="Source Sans Pro Regular"/>
-                  <a:ea typeface="Source Sans Pro Regular"/>
-                  <a:cs typeface="Source Sans Pro Regular"/>
-                  <a:sym typeface="Source Sans Pro Regular"/>
-                </a:defRPr>
-              </a:pPr>
-            </a:p>
-          </p:txBody>
-        </p:sp>
-        <p:sp>
-          <p:nvSpPr>
-            <p:cNvPr id="174" name="Circle"/>
-            <p:cNvSpPr/>
-            <p:nvPr/>
-          </p:nvSpPr>
-          <p:spPr>
-            <a:xfrm>
-              <a:off x="573213" y="419571"/>
-              <a:ext cx="56987" cy="56987"/>
-            </a:xfrm>
-            <a:prstGeom prst="ellipse">
-              <a:avLst/>
-            </a:prstGeom>
-            <a:blipFill rotWithShape="1">
-              <a:blip r:embed="rId12"/>
-              <a:srcRect l="0" t="0" r="0" b="0"/>
-              <a:tile tx="0" ty="0" sx="100000" sy="100000" flip="none" algn="tl"/>
-            </a:blipFill>
-            <a:ln w="12700" cap="flat">
-              <a:noFill/>
-              <a:miter lim="400000"/>
-            </a:ln>
-            <a:effectLst/>
-          </p:spPr>
-          <p:txBody>
-            <a:bodyPr wrap="square" lIns="54570" tIns="54570" rIns="54570" bIns="54570" numCol="1" anchor="ctr">
-              <a:noAutofit/>
-            </a:bodyPr>
-            <a:lstStyle/>
-            <a:p>
-              <a:pPr>
-                <a:lnSpc>
-                  <a:spcPct val="80000"/>
-                </a:lnSpc>
-                <a:spcBef>
-                  <a:spcPts val="0"/>
-                </a:spcBef>
-                <a:defRPr sz="1000">
-                  <a:solidFill>
-                    <a:srgbClr val="000000"/>
-                  </a:solidFill>
-                  <a:latin typeface="Source Sans Pro Regular"/>
-                  <a:ea typeface="Source Sans Pro Regular"/>
-                  <a:cs typeface="Source Sans Pro Regular"/>
-                  <a:sym typeface="Source Sans Pro Regular"/>
-                </a:defRPr>
-              </a:pPr>
-            </a:p>
-          </p:txBody>
-        </p:sp>
-        <p:sp>
-          <p:nvSpPr>
-            <p:cNvPr id="175" name="Circle"/>
-            <p:cNvSpPr/>
-            <p:nvPr/>
-          </p:nvSpPr>
-          <p:spPr>
-            <a:xfrm>
-              <a:off x="573213" y="218826"/>
-              <a:ext cx="56987" cy="56987"/>
-            </a:xfrm>
-            <a:prstGeom prst="ellipse">
-              <a:avLst/>
-            </a:prstGeom>
-            <a:blipFill rotWithShape="1">
-              <a:blip r:embed="rId13"/>
-              <a:srcRect l="0" t="0" r="0" b="0"/>
-              <a:tile tx="0" ty="0" sx="100000" sy="100000" flip="none" algn="tl"/>
-            </a:blipFill>
-            <a:ln w="12700" cap="flat">
-              <a:noFill/>
-              <a:miter lim="400000"/>
-            </a:ln>
-            <a:effectLst/>
-          </p:spPr>
-          <p:txBody>
-            <a:bodyPr wrap="square" lIns="54570" tIns="54570" rIns="54570" bIns="54570" numCol="1" anchor="ctr">
-              <a:noAutofit/>
-            </a:bodyPr>
-            <a:lstStyle/>
-            <a:p>
-              <a:pPr>
-                <a:lnSpc>
-                  <a:spcPct val="80000"/>
-                </a:lnSpc>
-                <a:spcBef>
-                  <a:spcPts val="0"/>
-                </a:spcBef>
-                <a:defRPr sz="1000">
-                  <a:solidFill>
-                    <a:srgbClr val="000000"/>
-                  </a:solidFill>
-                  <a:latin typeface="Source Sans Pro Regular"/>
-                  <a:ea typeface="Source Sans Pro Regular"/>
-                  <a:cs typeface="Source Sans Pro Regular"/>
-                  <a:sym typeface="Source Sans Pro Regular"/>
-                </a:defRPr>
-              </a:pPr>
-            </a:p>
-          </p:txBody>
-        </p:sp>
-        <p:sp>
-          <p:nvSpPr>
-            <p:cNvPr id="176" name="Circle"/>
-            <p:cNvSpPr/>
-            <p:nvPr/>
-          </p:nvSpPr>
-          <p:spPr>
-            <a:xfrm>
-              <a:off x="573213" y="352656"/>
-              <a:ext cx="56987" cy="56987"/>
-            </a:xfrm>
-            <a:prstGeom prst="ellipse">
-              <a:avLst/>
-            </a:prstGeom>
-            <a:blipFill rotWithShape="1">
-              <a:blip r:embed="rId14"/>
-              <a:srcRect l="0" t="0" r="0" b="0"/>
-              <a:tile tx="0" ty="0" sx="100000" sy="100000" flip="none" algn="tl"/>
-            </a:blipFill>
-            <a:ln w="12700" cap="flat">
-              <a:noFill/>
-              <a:miter lim="400000"/>
-            </a:ln>
-            <a:effectLst/>
-          </p:spPr>
-          <p:txBody>
-            <a:bodyPr wrap="square" lIns="54570" tIns="54570" rIns="54570" bIns="54570" numCol="1" anchor="ctr">
-              <a:noAutofit/>
-            </a:bodyPr>
-            <a:lstStyle/>
-            <a:p>
-              <a:pPr>
-                <a:lnSpc>
-                  <a:spcPct val="80000"/>
-                </a:lnSpc>
-                <a:spcBef>
-                  <a:spcPts val="0"/>
-                </a:spcBef>
-                <a:defRPr sz="1000">
-                  <a:solidFill>
-                    <a:srgbClr val="000000"/>
-                  </a:solidFill>
-                  <a:latin typeface="Source Sans Pro Regular"/>
-                  <a:ea typeface="Source Sans Pro Regular"/>
-                  <a:cs typeface="Source Sans Pro Regular"/>
-                  <a:sym typeface="Source Sans Pro Regular"/>
-                </a:defRPr>
-              </a:pPr>
-            </a:p>
-          </p:txBody>
-        </p:sp>
-        <p:sp>
-          <p:nvSpPr>
-            <p:cNvPr id="177" name="Circle"/>
-            <p:cNvSpPr/>
-            <p:nvPr/>
-          </p:nvSpPr>
-          <p:spPr>
-            <a:xfrm>
-              <a:off x="573213" y="486486"/>
-              <a:ext cx="56987" cy="56987"/>
-            </a:xfrm>
-            <a:prstGeom prst="ellipse">
-              <a:avLst/>
-            </a:prstGeom>
-            <a:blipFill rotWithShape="1">
-              <a:blip r:embed="rId15"/>
-              <a:srcRect l="0" t="0" r="0" b="0"/>
-              <a:tile tx="0" ty="0" sx="100000" sy="100000" flip="none" algn="tl"/>
-            </a:blipFill>
-            <a:ln w="12700" cap="flat">
-              <a:noFill/>
-              <a:miter lim="400000"/>
-            </a:ln>
-            <a:effectLst/>
-          </p:spPr>
-          <p:txBody>
-            <a:bodyPr wrap="square" lIns="54570" tIns="54570" rIns="54570" bIns="54570" numCol="1" anchor="ctr">
-              <a:noAutofit/>
-            </a:bodyPr>
-            <a:lstStyle/>
-            <a:p>
-              <a:pPr>
-                <a:lnSpc>
-                  <a:spcPct val="80000"/>
-                </a:lnSpc>
-                <a:spcBef>
-                  <a:spcPts val="0"/>
-                </a:spcBef>
-                <a:defRPr sz="1000">
-                  <a:solidFill>
-                    <a:srgbClr val="000000"/>
-                  </a:solidFill>
-                  <a:latin typeface="Source Sans Pro Regular"/>
-                  <a:ea typeface="Source Sans Pro Regular"/>
-                  <a:cs typeface="Source Sans Pro Regular"/>
-                  <a:sym typeface="Source Sans Pro Regular"/>
-                </a:defRPr>
-              </a:pPr>
-            </a:p>
-          </p:txBody>
-        </p:sp>
-        <p:sp>
-          <p:nvSpPr>
-            <p:cNvPr id="178" name="Line"/>
-            <p:cNvSpPr/>
-            <p:nvPr/>
-          </p:nvSpPr>
-          <p:spPr>
-            <a:xfrm>
-              <a:off x="0" y="212746"/>
-              <a:ext cx="543368" cy="1"/>
-            </a:xfrm>
-            <a:prstGeom prst="line">
-              <a:avLst/>
-            </a:prstGeom>
-            <a:noFill/>
-            <a:ln w="6350" cap="flat">
-              <a:solidFill>
-                <a:srgbClr val="FFFFFF"/>
-              </a:solidFill>
-              <a:prstDash val="solid"/>
-              <a:miter lim="400000"/>
-            </a:ln>
-            <a:effectLst/>
-          </p:spPr>
-          <p:txBody>
-            <a:bodyPr wrap="square" lIns="0" tIns="0" rIns="0" bIns="0" numCol="1" anchor="t">
-              <a:noAutofit/>
-            </a:bodyPr>
-            <a:lstStyle/>
-            <a:p>
-              <a:pPr>
-                <a:lnSpc>
-                  <a:spcPct val="80000"/>
-                </a:lnSpc>
-                <a:spcBef>
-                  <a:spcPts val="0"/>
-                </a:spcBef>
-                <a:defRPr sz="5600">
-                  <a:solidFill>
-                    <a:srgbClr val="000000"/>
-                  </a:solidFill>
-                  <a:effectLst>
-                    <a:outerShdw sx="100000" sy="100000" kx="0" ky="0" algn="b" rotWithShape="0" blurRad="38100" dist="12700" dir="5400000">
-                      <a:srgbClr val="000000">
-                        <a:alpha val="50000"/>
-                      </a:srgbClr>
-                    </a:outerShdw>
-                  </a:effectLst>
-                  <a:latin typeface="Gill Sans"/>
-                  <a:ea typeface="Gill Sans"/>
-                  <a:cs typeface="Gill Sans"/>
-                  <a:sym typeface="Gill Sans"/>
-                </a:defRPr>
-              </a:pPr>
-            </a:p>
-          </p:txBody>
-        </p:sp>
-        <p:sp>
-          <p:nvSpPr>
-            <p:cNvPr id="179" name="Line"/>
-            <p:cNvSpPr/>
-            <p:nvPr/>
-          </p:nvSpPr>
-          <p:spPr>
-            <a:xfrm>
-              <a:off x="0" y="276574"/>
-              <a:ext cx="543368" cy="1"/>
-            </a:xfrm>
-            <a:prstGeom prst="line">
-              <a:avLst/>
-            </a:prstGeom>
-            <a:noFill/>
-            <a:ln w="6350" cap="flat">
-              <a:solidFill>
-                <a:srgbClr val="FFFFFF"/>
-              </a:solidFill>
-              <a:prstDash val="solid"/>
-              <a:miter lim="400000"/>
-            </a:ln>
-            <a:effectLst/>
-          </p:spPr>
-          <p:txBody>
-            <a:bodyPr wrap="square" lIns="0" tIns="0" rIns="0" bIns="0" numCol="1" anchor="t">
-              <a:noAutofit/>
-            </a:bodyPr>
-            <a:lstStyle/>
-            <a:p>
-              <a:pPr>
-                <a:lnSpc>
-                  <a:spcPct val="80000"/>
-                </a:lnSpc>
-                <a:spcBef>
-                  <a:spcPts val="0"/>
-                </a:spcBef>
-                <a:defRPr sz="5600">
-                  <a:solidFill>
-                    <a:srgbClr val="000000"/>
-                  </a:solidFill>
-                  <a:effectLst>
-                    <a:outerShdw sx="100000" sy="100000" kx="0" ky="0" algn="b" rotWithShape="0" blurRad="38100" dist="12700" dir="5400000">
-                      <a:srgbClr val="000000">
-                        <a:alpha val="50000"/>
-                      </a:srgbClr>
-                    </a:outerShdw>
-                  </a:effectLst>
-                  <a:latin typeface="Gill Sans"/>
-                  <a:ea typeface="Gill Sans"/>
-                  <a:cs typeface="Gill Sans"/>
-                  <a:sym typeface="Gill Sans"/>
-                </a:defRPr>
-              </a:pPr>
-            </a:p>
-          </p:txBody>
-        </p:sp>
-        <p:sp>
-          <p:nvSpPr>
-            <p:cNvPr id="180" name="Line"/>
-            <p:cNvSpPr/>
-            <p:nvPr/>
-          </p:nvSpPr>
-          <p:spPr>
-            <a:xfrm>
-              <a:off x="0" y="340403"/>
-              <a:ext cx="543368" cy="1"/>
-            </a:xfrm>
-            <a:prstGeom prst="line">
-              <a:avLst/>
-            </a:prstGeom>
-            <a:noFill/>
-            <a:ln w="6350" cap="flat">
-              <a:solidFill>
-                <a:srgbClr val="FFFFFF"/>
-              </a:solidFill>
-              <a:prstDash val="solid"/>
-              <a:miter lim="400000"/>
-            </a:ln>
-            <a:effectLst/>
-          </p:spPr>
-          <p:txBody>
-            <a:bodyPr wrap="square" lIns="0" tIns="0" rIns="0" bIns="0" numCol="1" anchor="t">
-              <a:noAutofit/>
-            </a:bodyPr>
-            <a:lstStyle/>
-            <a:p>
-              <a:pPr>
-                <a:lnSpc>
-                  <a:spcPct val="80000"/>
-                </a:lnSpc>
-                <a:spcBef>
-                  <a:spcPts val="0"/>
-                </a:spcBef>
-                <a:defRPr sz="5600">
-                  <a:solidFill>
-                    <a:srgbClr val="000000"/>
-                  </a:solidFill>
-                  <a:effectLst>
-                    <a:outerShdw sx="100000" sy="100000" kx="0" ky="0" algn="b" rotWithShape="0" blurRad="38100" dist="12700" dir="5400000">
-                      <a:srgbClr val="000000">
-                        <a:alpha val="50000"/>
-                      </a:srgbClr>
-                    </a:outerShdw>
-                  </a:effectLst>
-                  <a:latin typeface="Gill Sans"/>
-                  <a:ea typeface="Gill Sans"/>
-                  <a:cs typeface="Gill Sans"/>
-                  <a:sym typeface="Gill Sans"/>
-                </a:defRPr>
-              </a:pPr>
-            </a:p>
-          </p:txBody>
-        </p:sp>
-        <p:sp>
-          <p:nvSpPr>
-            <p:cNvPr id="181" name="Line"/>
-            <p:cNvSpPr/>
-            <p:nvPr/>
-          </p:nvSpPr>
-          <p:spPr>
-            <a:xfrm>
-              <a:off x="0" y="404231"/>
-              <a:ext cx="543368" cy="1"/>
-            </a:xfrm>
-            <a:prstGeom prst="line">
-              <a:avLst/>
-            </a:prstGeom>
-            <a:noFill/>
-            <a:ln w="6350" cap="flat">
-              <a:solidFill>
-                <a:srgbClr val="FFFFFF"/>
-              </a:solidFill>
-              <a:prstDash val="solid"/>
-              <a:miter lim="400000"/>
-            </a:ln>
-            <a:effectLst/>
-          </p:spPr>
-          <p:txBody>
-            <a:bodyPr wrap="square" lIns="0" tIns="0" rIns="0" bIns="0" numCol="1" anchor="t">
-              <a:noAutofit/>
-            </a:bodyPr>
-            <a:lstStyle/>
-            <a:p>
-              <a:pPr>
-                <a:lnSpc>
-                  <a:spcPct val="80000"/>
-                </a:lnSpc>
-                <a:spcBef>
-                  <a:spcPts val="0"/>
-                </a:spcBef>
-                <a:defRPr sz="5600">
-                  <a:solidFill>
-                    <a:srgbClr val="000000"/>
-                  </a:solidFill>
-                  <a:effectLst>
-                    <a:outerShdw sx="100000" sy="100000" kx="0" ky="0" algn="b" rotWithShape="0" blurRad="38100" dist="12700" dir="5400000">
-                      <a:srgbClr val="000000">
-                        <a:alpha val="50000"/>
-                      </a:srgbClr>
-                    </a:outerShdw>
-                  </a:effectLst>
-                  <a:latin typeface="Gill Sans"/>
-                  <a:ea typeface="Gill Sans"/>
-                  <a:cs typeface="Gill Sans"/>
-                  <a:sym typeface="Gill Sans"/>
-                </a:defRPr>
-              </a:pPr>
-            </a:p>
-          </p:txBody>
-        </p:sp>
-        <p:sp>
-          <p:nvSpPr>
-            <p:cNvPr id="182" name="Line"/>
-            <p:cNvSpPr/>
-            <p:nvPr/>
-          </p:nvSpPr>
-          <p:spPr>
-            <a:xfrm>
-              <a:off x="0" y="468060"/>
-              <a:ext cx="543368" cy="1"/>
-            </a:xfrm>
-            <a:prstGeom prst="line">
-              <a:avLst/>
-            </a:prstGeom>
-            <a:noFill/>
-            <a:ln w="6350" cap="flat">
-              <a:solidFill>
-                <a:srgbClr val="FFFFFF"/>
-              </a:solidFill>
-              <a:prstDash val="solid"/>
-              <a:miter lim="400000"/>
-            </a:ln>
-            <a:effectLst/>
-          </p:spPr>
-          <p:txBody>
-            <a:bodyPr wrap="square" lIns="0" tIns="0" rIns="0" bIns="0" numCol="1" anchor="t">
-              <a:noAutofit/>
-            </a:bodyPr>
-            <a:lstStyle/>
-            <a:p>
-              <a:pPr>
-                <a:lnSpc>
-                  <a:spcPct val="80000"/>
-                </a:lnSpc>
-                <a:spcBef>
-                  <a:spcPts val="0"/>
-                </a:spcBef>
-                <a:defRPr sz="5600">
-                  <a:solidFill>
-                    <a:srgbClr val="000000"/>
-                  </a:solidFill>
-                  <a:effectLst>
-                    <a:outerShdw sx="100000" sy="100000" kx="0" ky="0" algn="b" rotWithShape="0" blurRad="38100" dist="12700" dir="5400000">
-                      <a:srgbClr val="000000">
-                        <a:alpha val="50000"/>
-                      </a:srgbClr>
-                    </a:outerShdw>
-                  </a:effectLst>
-                  <a:latin typeface="Gill Sans"/>
-                  <a:ea typeface="Gill Sans"/>
-                  <a:cs typeface="Gill Sans"/>
-                  <a:sym typeface="Gill Sans"/>
-                </a:defRPr>
-              </a:pPr>
-            </a:p>
-          </p:txBody>
-        </p:sp>
-        <p:sp>
-          <p:nvSpPr>
-            <p:cNvPr id="183" name="Line"/>
-            <p:cNvSpPr/>
-            <p:nvPr/>
-          </p:nvSpPr>
-          <p:spPr>
-            <a:xfrm>
-              <a:off x="208587" y="174646"/>
-              <a:ext cx="354581" cy="1"/>
-            </a:xfrm>
-            <a:prstGeom prst="line">
-              <a:avLst/>
-            </a:prstGeom>
-            <a:noFill/>
-            <a:ln w="9525" cap="flat">
-              <a:solidFill>
-                <a:srgbClr val="767C85"/>
-              </a:solidFill>
-              <a:prstDash val="solid"/>
-              <a:miter lim="400000"/>
-              <a:tailEnd type="triangle" w="med" len="med"/>
-            </a:ln>
-            <a:effectLst/>
-          </p:spPr>
-          <p:txBody>
-            <a:bodyPr wrap="square" lIns="0" tIns="0" rIns="0" bIns="0" numCol="1" anchor="t">
-              <a:noAutofit/>
-            </a:bodyPr>
-            <a:lstStyle/>
-            <a:p>
-              <a:pPr>
-                <a:lnSpc>
-                  <a:spcPct val="80000"/>
-                </a:lnSpc>
-                <a:spcBef>
-                  <a:spcPts val="0"/>
-                </a:spcBef>
-                <a:defRPr sz="5600">
-                  <a:solidFill>
-                    <a:srgbClr val="000000"/>
-                  </a:solidFill>
-                  <a:effectLst>
-                    <a:outerShdw sx="100000" sy="100000" kx="0" ky="0" algn="b" rotWithShape="0" blurRad="38100" dist="12700" dir="5400000">
-                      <a:srgbClr val="000000">
-                        <a:alpha val="50000"/>
-                      </a:srgbClr>
-                    </a:outerShdw>
-                  </a:effectLst>
-                  <a:latin typeface="Gill Sans"/>
-                  <a:ea typeface="Gill Sans"/>
-                  <a:cs typeface="Gill Sans"/>
-                  <a:sym typeface="Gill Sans"/>
-                </a:defRPr>
-              </a:pPr>
-            </a:p>
-          </p:txBody>
-        </p:sp>
-        <p:sp>
-          <p:nvSpPr>
-            <p:cNvPr id="184" name="Line"/>
-            <p:cNvSpPr/>
-            <p:nvPr/>
-          </p:nvSpPr>
-          <p:spPr>
-            <a:xfrm>
-              <a:off x="208587" y="307251"/>
-              <a:ext cx="354581" cy="1"/>
-            </a:xfrm>
-            <a:prstGeom prst="line">
-              <a:avLst/>
-            </a:prstGeom>
-            <a:noFill/>
-            <a:ln w="9525" cap="flat">
-              <a:solidFill>
-                <a:srgbClr val="767C85"/>
-              </a:solidFill>
-              <a:prstDash val="solid"/>
-              <a:miter lim="400000"/>
-              <a:tailEnd type="triangle" w="med" len="med"/>
-            </a:ln>
-            <a:effectLst/>
-          </p:spPr>
-          <p:txBody>
-            <a:bodyPr wrap="square" lIns="0" tIns="0" rIns="0" bIns="0" numCol="1" anchor="t">
-              <a:noAutofit/>
-            </a:bodyPr>
-            <a:lstStyle/>
-            <a:p>
-              <a:pPr>
-                <a:lnSpc>
-                  <a:spcPct val="80000"/>
-                </a:lnSpc>
-                <a:spcBef>
-                  <a:spcPts val="0"/>
-                </a:spcBef>
-                <a:defRPr sz="5600">
-                  <a:solidFill>
-                    <a:srgbClr val="000000"/>
-                  </a:solidFill>
-                  <a:effectLst>
-                    <a:outerShdw sx="100000" sy="100000" kx="0" ky="0" algn="b" rotWithShape="0" blurRad="38100" dist="12700" dir="5400000">
-                      <a:srgbClr val="000000">
-                        <a:alpha val="50000"/>
-                      </a:srgbClr>
-                    </a:outerShdw>
-                  </a:effectLst>
-                  <a:latin typeface="Gill Sans"/>
-                  <a:ea typeface="Gill Sans"/>
-                  <a:cs typeface="Gill Sans"/>
-                  <a:sym typeface="Gill Sans"/>
-                </a:defRPr>
-              </a:pPr>
-            </a:p>
-          </p:txBody>
-        </p:sp>
-        <p:sp>
-          <p:nvSpPr>
-            <p:cNvPr id="185" name="Line"/>
-            <p:cNvSpPr/>
-            <p:nvPr/>
-          </p:nvSpPr>
-          <p:spPr>
-            <a:xfrm>
-              <a:off x="208587" y="439857"/>
-              <a:ext cx="354581" cy="1"/>
-            </a:xfrm>
-            <a:prstGeom prst="line">
-              <a:avLst/>
-            </a:prstGeom>
-            <a:noFill/>
-            <a:ln w="9525" cap="flat">
-              <a:solidFill>
-                <a:srgbClr val="767C85"/>
-              </a:solidFill>
-              <a:prstDash val="solid"/>
-              <a:miter lim="400000"/>
-              <a:tailEnd type="triangle" w="med" len="med"/>
-            </a:ln>
-            <a:effectLst/>
-          </p:spPr>
-          <p:txBody>
-            <a:bodyPr wrap="square" lIns="0" tIns="0" rIns="0" bIns="0" numCol="1" anchor="t">
-              <a:noAutofit/>
-            </a:bodyPr>
-            <a:lstStyle/>
-            <a:p>
-              <a:pPr>
-                <a:lnSpc>
-                  <a:spcPct val="80000"/>
-                </a:lnSpc>
-                <a:spcBef>
-                  <a:spcPts val="0"/>
-                </a:spcBef>
-                <a:defRPr sz="5600">
-                  <a:solidFill>
-                    <a:srgbClr val="000000"/>
-                  </a:solidFill>
-                  <a:effectLst>
-                    <a:outerShdw sx="100000" sy="100000" kx="0" ky="0" algn="b" rotWithShape="0" blurRad="38100" dist="12700" dir="5400000">
-                      <a:srgbClr val="000000">
-                        <a:alpha val="50000"/>
-                      </a:srgbClr>
-                    </a:outerShdw>
-                  </a:effectLst>
-                  <a:latin typeface="Gill Sans"/>
-                  <a:ea typeface="Gill Sans"/>
-                  <a:cs typeface="Gill Sans"/>
-                  <a:sym typeface="Gill Sans"/>
-                </a:defRPr>
-              </a:pPr>
-            </a:p>
-          </p:txBody>
-        </p:sp>
-        <p:sp>
-          <p:nvSpPr>
-            <p:cNvPr id="186" name="Line"/>
-            <p:cNvSpPr/>
-            <p:nvPr/>
-          </p:nvSpPr>
-          <p:spPr>
-            <a:xfrm>
-              <a:off x="208587" y="240949"/>
-              <a:ext cx="354581" cy="1"/>
-            </a:xfrm>
-            <a:prstGeom prst="line">
-              <a:avLst/>
-            </a:prstGeom>
-            <a:noFill/>
-            <a:ln w="9525" cap="flat">
-              <a:solidFill>
-                <a:srgbClr val="767C85"/>
-              </a:solidFill>
-              <a:prstDash val="solid"/>
-              <a:miter lim="400000"/>
-              <a:tailEnd type="triangle" w="med" len="med"/>
-            </a:ln>
-            <a:effectLst/>
-          </p:spPr>
-          <p:txBody>
-            <a:bodyPr wrap="square" lIns="0" tIns="0" rIns="0" bIns="0" numCol="1" anchor="t">
-              <a:noAutofit/>
-            </a:bodyPr>
-            <a:lstStyle/>
-            <a:p>
-              <a:pPr>
-                <a:lnSpc>
-                  <a:spcPct val="80000"/>
-                </a:lnSpc>
-                <a:spcBef>
-                  <a:spcPts val="0"/>
-                </a:spcBef>
-                <a:defRPr sz="5600">
-                  <a:solidFill>
-                    <a:srgbClr val="000000"/>
-                  </a:solidFill>
-                  <a:effectLst>
-                    <a:outerShdw sx="100000" sy="100000" kx="0" ky="0" algn="b" rotWithShape="0" blurRad="38100" dist="12700" dir="5400000">
-                      <a:srgbClr val="000000">
-                        <a:alpha val="50000"/>
-                      </a:srgbClr>
-                    </a:outerShdw>
-                  </a:effectLst>
-                  <a:latin typeface="Gill Sans"/>
-                  <a:ea typeface="Gill Sans"/>
-                  <a:cs typeface="Gill Sans"/>
-                  <a:sym typeface="Gill Sans"/>
-                </a:defRPr>
-              </a:pPr>
-            </a:p>
-          </p:txBody>
-        </p:sp>
-        <p:sp>
-          <p:nvSpPr>
-            <p:cNvPr id="187" name="Line"/>
-            <p:cNvSpPr/>
-            <p:nvPr/>
-          </p:nvSpPr>
-          <p:spPr>
-            <a:xfrm>
-              <a:off x="208587" y="373554"/>
-              <a:ext cx="354581" cy="1"/>
-            </a:xfrm>
-            <a:prstGeom prst="line">
-              <a:avLst/>
-            </a:prstGeom>
-            <a:noFill/>
-            <a:ln w="9525" cap="flat">
-              <a:solidFill>
-                <a:srgbClr val="767C85"/>
-              </a:solidFill>
-              <a:prstDash val="solid"/>
-              <a:miter lim="400000"/>
-              <a:tailEnd type="triangle" w="med" len="med"/>
-            </a:ln>
-            <a:effectLst/>
-          </p:spPr>
-          <p:txBody>
-            <a:bodyPr wrap="square" lIns="0" tIns="0" rIns="0" bIns="0" numCol="1" anchor="t">
-              <a:noAutofit/>
-            </a:bodyPr>
-            <a:lstStyle/>
-            <a:p>
-              <a:pPr>
-                <a:lnSpc>
-                  <a:spcPct val="80000"/>
-                </a:lnSpc>
-                <a:spcBef>
-                  <a:spcPts val="0"/>
-                </a:spcBef>
-                <a:defRPr sz="5600">
-                  <a:solidFill>
-                    <a:srgbClr val="000000"/>
-                  </a:solidFill>
-                  <a:effectLst>
-                    <a:outerShdw sx="100000" sy="100000" kx="0" ky="0" algn="b" rotWithShape="0" blurRad="38100" dist="12700" dir="5400000">
-                      <a:srgbClr val="000000">
-                        <a:alpha val="50000"/>
-                      </a:srgbClr>
-                    </a:outerShdw>
-                  </a:effectLst>
-                  <a:latin typeface="Gill Sans"/>
-                  <a:ea typeface="Gill Sans"/>
-                  <a:cs typeface="Gill Sans"/>
-                  <a:sym typeface="Gill Sans"/>
-                </a:defRPr>
-              </a:pPr>
-            </a:p>
-          </p:txBody>
-        </p:sp>
-        <p:sp>
-          <p:nvSpPr>
-            <p:cNvPr id="188" name="Line"/>
-            <p:cNvSpPr/>
-            <p:nvPr/>
-          </p:nvSpPr>
-          <p:spPr>
-            <a:xfrm>
-              <a:off x="208587" y="506160"/>
-              <a:ext cx="354581" cy="1"/>
-            </a:xfrm>
-            <a:prstGeom prst="line">
-              <a:avLst/>
-            </a:prstGeom>
-            <a:noFill/>
-            <a:ln w="9525" cap="flat">
-              <a:solidFill>
-                <a:srgbClr val="767C85"/>
-              </a:solidFill>
-              <a:prstDash val="solid"/>
-              <a:miter lim="400000"/>
-              <a:tailEnd type="triangle" w="med" len="med"/>
-            </a:ln>
-            <a:effectLst/>
-          </p:spPr>
-          <p:txBody>
-            <a:bodyPr wrap="square" lIns="0" tIns="0" rIns="0" bIns="0" numCol="1" anchor="t">
-              <a:noAutofit/>
-            </a:bodyPr>
-            <a:lstStyle/>
-            <a:p>
-              <a:pPr>
-                <a:lnSpc>
-                  <a:spcPct val="80000"/>
-                </a:lnSpc>
-                <a:spcBef>
-                  <a:spcPts val="0"/>
-                </a:spcBef>
-                <a:defRPr sz="5600">
-                  <a:solidFill>
-                    <a:srgbClr val="000000"/>
-                  </a:solidFill>
-                  <a:effectLst>
-                    <a:outerShdw sx="100000" sy="100000" kx="0" ky="0" algn="b" rotWithShape="0" blurRad="38100" dist="12700" dir="5400000">
-                      <a:srgbClr val="000000">
-                        <a:alpha val="50000"/>
-                      </a:srgbClr>
-                    </a:outerShdw>
-                  </a:effectLst>
-                  <a:latin typeface="Gill Sans"/>
-                  <a:ea typeface="Gill Sans"/>
-                  <a:cs typeface="Gill Sans"/>
-                  <a:sym typeface="Gill Sans"/>
-                </a:defRPr>
-              </a:pPr>
-            </a:p>
-          </p:txBody>
-        </p:sp>
-      </p:grpSp>
       <p:graphicFrame>
         <p:nvGraphicFramePr>
-          <p:cNvPr id="190" name="Table"/>
+          <p:cNvPr id="171" name="Table"/>
+          <p:cNvGraphicFramePr/>
+          <p:nvPr/>
+        </p:nvGraphicFramePr>
+        <p:xfrm>
+          <a:off x="332849" y="2328330"/>
+          <a:ext cx="355075" cy="811599"/>
+        </p:xfrm>
+        <a:graphic xmlns:a="http://schemas.openxmlformats.org/drawingml/2006/main">
+          <a:graphicData uri="http://schemas.openxmlformats.org/drawingml/2006/table">
+            <a:tbl>
+              <a:tblPr firstCol="0" firstRow="1" lastCol="0" lastRow="0" bandCol="0" bandRow="0" rtl="0">
+                <a:tableStyleId>{4C3C2611-4C71-4FC5-86AE-919BDF0F9419}</a:tableStyleId>
+              </a:tblPr>
+              <a:tblGrid>
+                <a:gridCol w="114300"/>
+                <a:gridCol w="114300"/>
+                <a:gridCol w="114300"/>
+              </a:tblGrid>
+              <a:tr h="114300">
+                <a:tc>
+                  <a:txBody>
+                    <a:bodyPr/>
+                    <a:lstStyle/>
+                    <a:p>
+                      <a:pPr defTabSz="914400">
+                        <a:defRPr b="0">
+                          <a:solidFill>
+                            <a:srgbClr val="000000"/>
+                          </a:solidFill>
+                        </a:defRPr>
+                      </a:pPr>
+                      <a:r>
+                        <a:rPr sz="700">
+                          <a:solidFill>
+                            <a:srgbClr val="FFFFFF"/>
+                          </a:solidFill>
+                          <a:sym typeface="Source Sans Pro Bold"/>
+                        </a:rPr>
+                        <a:t>F</a:t>
+                      </a:r>
+                    </a:p>
+                  </a:txBody>
+                  <a:tcPr marL="0" marR="0" marT="0" marB="0" anchor="ctr" anchorCtr="0" horzOverflow="overflow">
+                    <a:lnL w="12700">
+                      <a:solidFill>
+                        <a:srgbClr val="FFFFFF"/>
+                      </a:solidFill>
+                      <a:miter lim="400000"/>
+                    </a:lnL>
+                    <a:lnR w="12700">
+                      <a:solidFill>
+                        <a:srgbClr val="FFFFFF"/>
+                      </a:solidFill>
+                      <a:miter lim="400000"/>
+                    </a:lnR>
+                    <a:lnT w="12700">
+                      <a:solidFill>
+                        <a:srgbClr val="FFFFFF"/>
+                      </a:solidFill>
+                      <a:miter lim="400000"/>
+                    </a:lnT>
+                    <a:lnB w="12700">
+                      <a:solidFill>
+                        <a:srgbClr val="FFFFFF"/>
+                      </a:solidFill>
+                      <a:miter lim="400000"/>
+                    </a:lnB>
+                    <a:solidFill>
+                      <a:srgbClr val="767C85"/>
+                    </a:solidFill>
+                  </a:tcPr>
+                </a:tc>
+                <a:tc>
+                  <a:txBody>
+                    <a:bodyPr/>
+                    <a:lstStyle/>
+                    <a:p>
+                      <a:pPr defTabSz="914400">
+                        <a:defRPr b="0">
+                          <a:solidFill>
+                            <a:srgbClr val="000000"/>
+                          </a:solidFill>
+                        </a:defRPr>
+                      </a:pPr>
+                      <a:r>
+                        <a:rPr sz="700">
+                          <a:solidFill>
+                            <a:srgbClr val="FFFFFF"/>
+                          </a:solidFill>
+                          <a:sym typeface="Source Sans Pro Bold"/>
+                        </a:rPr>
+                        <a:t>M</a:t>
+                      </a:r>
+                    </a:p>
+                  </a:txBody>
+                  <a:tcPr marL="0" marR="0" marT="0" marB="0" anchor="ctr" anchorCtr="0" horzOverflow="overflow">
+                    <a:lnL w="12700">
+                      <a:solidFill>
+                        <a:srgbClr val="FFFFFF"/>
+                      </a:solidFill>
+                      <a:miter lim="400000"/>
+                    </a:lnL>
+                    <a:lnR w="12700">
+                      <a:solidFill>
+                        <a:srgbClr val="FFFFFF"/>
+                      </a:solidFill>
+                      <a:miter lim="400000"/>
+                    </a:lnR>
+                    <a:lnT w="12700">
+                      <a:solidFill>
+                        <a:srgbClr val="FFFFFF"/>
+                      </a:solidFill>
+                      <a:miter lim="400000"/>
+                    </a:lnT>
+                    <a:lnB w="12700">
+                      <a:solidFill>
+                        <a:srgbClr val="FFFFFF"/>
+                      </a:solidFill>
+                      <a:miter lim="400000"/>
+                    </a:lnB>
+                    <a:solidFill>
+                      <a:srgbClr val="767C85"/>
+                    </a:solidFill>
+                  </a:tcPr>
+                </a:tc>
+                <a:tc>
+                  <a:txBody>
+                    <a:bodyPr/>
+                    <a:lstStyle/>
+                    <a:p>
+                      <a:pPr defTabSz="914400">
+                        <a:defRPr b="0">
+                          <a:solidFill>
+                            <a:srgbClr val="000000"/>
+                          </a:solidFill>
+                        </a:defRPr>
+                      </a:pPr>
+                      <a:r>
+                        <a:rPr sz="700">
+                          <a:solidFill>
+                            <a:srgbClr val="FFFFFF"/>
+                          </a:solidFill>
+                          <a:sym typeface="Source Sans Pro Bold"/>
+                        </a:rPr>
+                        <a:t>A</a:t>
+                      </a:r>
+                    </a:p>
+                  </a:txBody>
+                  <a:tcPr marL="0" marR="0" marT="0" marB="0" anchor="ctr" anchorCtr="0" horzOverflow="overflow">
+                    <a:lnL w="12700">
+                      <a:solidFill>
+                        <a:srgbClr val="FFFFFF"/>
+                      </a:solidFill>
+                      <a:miter lim="400000"/>
+                    </a:lnL>
+                    <a:lnR w="12700">
+                      <a:solidFill>
+                        <a:srgbClr val="FFFFFF"/>
+                      </a:solidFill>
+                      <a:miter lim="400000"/>
+                    </a:lnR>
+                    <a:lnT w="12700">
+                      <a:solidFill>
+                        <a:srgbClr val="FFFFFF"/>
+                      </a:solidFill>
+                      <a:miter lim="400000"/>
+                    </a:lnT>
+                    <a:lnB w="12700">
+                      <a:solidFill>
+                        <a:srgbClr val="FFFFFF"/>
+                      </a:solidFill>
+                      <a:miter lim="400000"/>
+                    </a:lnB>
+                    <a:solidFill>
+                      <a:srgbClr val="767C85"/>
+                    </a:solidFill>
+                  </a:tcPr>
+                </a:tc>
+              </a:tr>
+              <a:tr h="400050">
+                <a:tc>
+                  <a:txBody>
+                    <a:bodyPr/>
+                    <a:lstStyle/>
+                    <a:p>
+                      <a:pPr defTabSz="914400">
+                        <a:defRPr sz="700">
+                          <a:sym typeface="Source Sans Pro Regular"/>
+                        </a:defRPr>
+                      </a:pPr>
+                    </a:p>
+                  </a:txBody>
+                  <a:tcPr marL="0" marR="0" marT="0" marB="0" anchor="ctr" anchorCtr="0" horzOverflow="overflow">
+                    <a:lnL w="12700">
+                      <a:solidFill>
+                        <a:srgbClr val="FFFFFF"/>
+                      </a:solidFill>
+                      <a:miter lim="400000"/>
+                    </a:lnL>
+                    <a:lnR w="12700">
+                      <a:solidFill>
+                        <a:srgbClr val="FFFFFF"/>
+                      </a:solidFill>
+                      <a:miter lim="400000"/>
+                    </a:lnR>
+                    <a:lnT w="12700">
+                      <a:solidFill>
+                        <a:srgbClr val="FFFFFF"/>
+                      </a:solidFill>
+                      <a:miter lim="400000"/>
+                    </a:lnT>
+                    <a:lnB w="12700">
+                      <a:solidFill>
+                        <a:srgbClr val="FFFFFF"/>
+                      </a:solidFill>
+                      <a:miter lim="400000"/>
+                    </a:lnB>
+                    <a:solidFill>
+                      <a:srgbClr val="D0D1D2"/>
+                    </a:solidFill>
+                  </a:tcPr>
+                </a:tc>
+                <a:tc>
+                  <a:txBody>
+                    <a:bodyPr/>
+                    <a:lstStyle/>
+                    <a:p>
+                      <a:pPr defTabSz="914400">
+                        <a:defRPr sz="700">
+                          <a:sym typeface="Source Sans Pro Regular"/>
+                        </a:defRPr>
+                      </a:pPr>
+                    </a:p>
+                  </a:txBody>
+                  <a:tcPr marL="0" marR="0" marT="0" marB="0" anchor="ctr" anchorCtr="0" horzOverflow="overflow">
+                    <a:lnL w="12700">
+                      <a:solidFill>
+                        <a:srgbClr val="FFFFFF"/>
+                      </a:solidFill>
+                      <a:miter lim="400000"/>
+                    </a:lnL>
+                    <a:lnR w="12700">
+                      <a:solidFill>
+                        <a:srgbClr val="FFFFFF"/>
+                      </a:solidFill>
+                      <a:miter lim="400000"/>
+                    </a:lnR>
+                    <a:lnT w="12700">
+                      <a:solidFill>
+                        <a:srgbClr val="FFFFFF"/>
+                      </a:solidFill>
+                      <a:miter lim="400000"/>
+                    </a:lnT>
+                    <a:lnB w="12700">
+                      <a:solidFill>
+                        <a:srgbClr val="FFFFFF"/>
+                      </a:solidFill>
+                      <a:miter lim="400000"/>
+                    </a:lnB>
+                    <a:solidFill>
+                      <a:srgbClr val="D0D1D2"/>
+                    </a:solidFill>
+                  </a:tcPr>
+                </a:tc>
+                <a:tc>
+                  <a:txBody>
+                    <a:bodyPr/>
+                    <a:lstStyle/>
+                    <a:p>
+                      <a:pPr defTabSz="914400">
+                        <a:defRPr sz="700">
+                          <a:sym typeface="Source Sans Pro Regular"/>
+                        </a:defRPr>
+                      </a:pPr>
+                    </a:p>
+                  </a:txBody>
+                  <a:tcPr marL="0" marR="0" marT="0" marB="0" anchor="ctr" anchorCtr="0" horzOverflow="overflow">
+                    <a:lnL w="12700">
+                      <a:solidFill>
+                        <a:srgbClr val="FFFFFF"/>
+                      </a:solidFill>
+                      <a:miter lim="400000"/>
+                    </a:lnL>
+                    <a:lnR w="12700">
+                      <a:solidFill>
+                        <a:srgbClr val="FFFFFF"/>
+                      </a:solidFill>
+                      <a:miter lim="400000"/>
+                    </a:lnR>
+                    <a:lnT w="12700">
+                      <a:solidFill>
+                        <a:srgbClr val="FFFFFF"/>
+                      </a:solidFill>
+                      <a:miter lim="400000"/>
+                    </a:lnT>
+                    <a:lnB w="12700">
+                      <a:solidFill>
+                        <a:srgbClr val="FFFFFF"/>
+                      </a:solidFill>
+                      <a:miter lim="400000"/>
+                    </a:lnB>
+                    <a:solidFill>
+                      <a:srgbClr val="D0D1D2"/>
+                    </a:solidFill>
+                  </a:tcPr>
+                </a:tc>
+              </a:tr>
+            </a:tbl>
+          </a:graphicData>
+        </a:graphic>
+      </p:graphicFrame>
+      <p:sp>
+        <p:nvSpPr>
+          <p:cNvPr id="172" name="Circle"/>
+          <p:cNvSpPr/>
+          <p:nvPr/>
+        </p:nvSpPr>
+        <p:spPr>
+          <a:xfrm>
+            <a:off x="711435" y="2454842"/>
+            <a:ext cx="56987" cy="56987"/>
+          </a:xfrm>
+          <a:prstGeom prst="ellipse">
+            <a:avLst/>
+          </a:prstGeom>
+          <a:blipFill>
+            <a:blip r:embed="rId10"/>
+          </a:blipFill>
+          <a:ln w="12700">
+            <a:miter lim="400000"/>
+          </a:ln>
+        </p:spPr>
+        <p:txBody>
+          <a:bodyPr lIns="54570" tIns="54570" rIns="54570" bIns="54570" anchor="ctr"/>
+          <a:lstStyle/>
+          <a:p>
+            <a:pPr>
+              <a:lnSpc>
+                <a:spcPct val="80000"/>
+              </a:lnSpc>
+              <a:spcBef>
+                <a:spcPts val="0"/>
+              </a:spcBef>
+              <a:defRPr sz="1000">
+                <a:solidFill>
+                  <a:srgbClr val="000000"/>
+                </a:solidFill>
+                <a:latin typeface="Source Sans Pro Regular"/>
+                <a:ea typeface="Source Sans Pro Regular"/>
+                <a:cs typeface="Source Sans Pro Regular"/>
+                <a:sym typeface="Source Sans Pro Regular"/>
+              </a:defRPr>
+            </a:pPr>
+          </a:p>
+        </p:txBody>
+      </p:sp>
+      <p:sp>
+        <p:nvSpPr>
+          <p:cNvPr id="173" name="Circle"/>
+          <p:cNvSpPr/>
+          <p:nvPr/>
+        </p:nvSpPr>
+        <p:spPr>
+          <a:xfrm>
+            <a:off x="711435" y="2588672"/>
+            <a:ext cx="56987" cy="56987"/>
+          </a:xfrm>
+          <a:prstGeom prst="ellipse">
+            <a:avLst/>
+          </a:prstGeom>
+          <a:blipFill>
+            <a:blip r:embed="rId11"/>
+          </a:blipFill>
+          <a:ln w="12700">
+            <a:miter lim="400000"/>
+          </a:ln>
+        </p:spPr>
+        <p:txBody>
+          <a:bodyPr lIns="54570" tIns="54570" rIns="54570" bIns="54570" anchor="ctr"/>
+          <a:lstStyle/>
+          <a:p>
+            <a:pPr>
+              <a:lnSpc>
+                <a:spcPct val="80000"/>
+              </a:lnSpc>
+              <a:spcBef>
+                <a:spcPts val="0"/>
+              </a:spcBef>
+              <a:defRPr sz="1000">
+                <a:solidFill>
+                  <a:srgbClr val="000000"/>
+                </a:solidFill>
+                <a:latin typeface="Source Sans Pro Regular"/>
+                <a:ea typeface="Source Sans Pro Regular"/>
+                <a:cs typeface="Source Sans Pro Regular"/>
+                <a:sym typeface="Source Sans Pro Regular"/>
+              </a:defRPr>
+            </a:pPr>
+          </a:p>
+        </p:txBody>
+      </p:sp>
+      <p:sp>
+        <p:nvSpPr>
+          <p:cNvPr id="174" name="Circle"/>
+          <p:cNvSpPr/>
+          <p:nvPr/>
+        </p:nvSpPr>
+        <p:spPr>
+          <a:xfrm>
+            <a:off x="711435" y="2722502"/>
+            <a:ext cx="56987" cy="56987"/>
+          </a:xfrm>
+          <a:prstGeom prst="ellipse">
+            <a:avLst/>
+          </a:prstGeom>
+          <a:blipFill>
+            <a:blip r:embed="rId12"/>
+          </a:blipFill>
+          <a:ln w="12700">
+            <a:miter lim="400000"/>
+          </a:ln>
+        </p:spPr>
+        <p:txBody>
+          <a:bodyPr lIns="54570" tIns="54570" rIns="54570" bIns="54570" anchor="ctr"/>
+          <a:lstStyle/>
+          <a:p>
+            <a:pPr>
+              <a:lnSpc>
+                <a:spcPct val="80000"/>
+              </a:lnSpc>
+              <a:spcBef>
+                <a:spcPts val="0"/>
+              </a:spcBef>
+              <a:defRPr sz="1000">
+                <a:solidFill>
+                  <a:srgbClr val="000000"/>
+                </a:solidFill>
+                <a:latin typeface="Source Sans Pro Regular"/>
+                <a:ea typeface="Source Sans Pro Regular"/>
+                <a:cs typeface="Source Sans Pro Regular"/>
+                <a:sym typeface="Source Sans Pro Regular"/>
+              </a:defRPr>
+            </a:pPr>
+          </a:p>
+        </p:txBody>
+      </p:sp>
+      <p:sp>
+        <p:nvSpPr>
+          <p:cNvPr id="175" name="Circle"/>
+          <p:cNvSpPr/>
+          <p:nvPr/>
+        </p:nvSpPr>
+        <p:spPr>
+          <a:xfrm>
+            <a:off x="711435" y="2521757"/>
+            <a:ext cx="56987" cy="56987"/>
+          </a:xfrm>
+          <a:prstGeom prst="ellipse">
+            <a:avLst/>
+          </a:prstGeom>
+          <a:blipFill>
+            <a:blip r:embed="rId13"/>
+          </a:blipFill>
+          <a:ln w="12700">
+            <a:miter lim="400000"/>
+          </a:ln>
+        </p:spPr>
+        <p:txBody>
+          <a:bodyPr lIns="54570" tIns="54570" rIns="54570" bIns="54570" anchor="ctr"/>
+          <a:lstStyle/>
+          <a:p>
+            <a:pPr>
+              <a:lnSpc>
+                <a:spcPct val="80000"/>
+              </a:lnSpc>
+              <a:spcBef>
+                <a:spcPts val="0"/>
+              </a:spcBef>
+              <a:defRPr sz="1000">
+                <a:solidFill>
+                  <a:srgbClr val="000000"/>
+                </a:solidFill>
+                <a:latin typeface="Source Sans Pro Regular"/>
+                <a:ea typeface="Source Sans Pro Regular"/>
+                <a:cs typeface="Source Sans Pro Regular"/>
+                <a:sym typeface="Source Sans Pro Regular"/>
+              </a:defRPr>
+            </a:pPr>
+          </a:p>
+        </p:txBody>
+      </p:sp>
+      <p:sp>
+        <p:nvSpPr>
+          <p:cNvPr id="176" name="Circle"/>
+          <p:cNvSpPr/>
+          <p:nvPr/>
+        </p:nvSpPr>
+        <p:spPr>
+          <a:xfrm>
+            <a:off x="711435" y="2655587"/>
+            <a:ext cx="56987" cy="56987"/>
+          </a:xfrm>
+          <a:prstGeom prst="ellipse">
+            <a:avLst/>
+          </a:prstGeom>
+          <a:blipFill>
+            <a:blip r:embed="rId14"/>
+          </a:blipFill>
+          <a:ln w="12700">
+            <a:miter lim="400000"/>
+          </a:ln>
+        </p:spPr>
+        <p:txBody>
+          <a:bodyPr lIns="54570" tIns="54570" rIns="54570" bIns="54570" anchor="ctr"/>
+          <a:lstStyle/>
+          <a:p>
+            <a:pPr>
+              <a:lnSpc>
+                <a:spcPct val="80000"/>
+              </a:lnSpc>
+              <a:spcBef>
+                <a:spcPts val="0"/>
+              </a:spcBef>
+              <a:defRPr sz="1000">
+                <a:solidFill>
+                  <a:srgbClr val="000000"/>
+                </a:solidFill>
+                <a:latin typeface="Source Sans Pro Regular"/>
+                <a:ea typeface="Source Sans Pro Regular"/>
+                <a:cs typeface="Source Sans Pro Regular"/>
+                <a:sym typeface="Source Sans Pro Regular"/>
+              </a:defRPr>
+            </a:pPr>
+          </a:p>
+        </p:txBody>
+      </p:sp>
+      <p:sp>
+        <p:nvSpPr>
+          <p:cNvPr id="177" name="Circle"/>
+          <p:cNvSpPr/>
+          <p:nvPr/>
+        </p:nvSpPr>
+        <p:spPr>
+          <a:xfrm>
+            <a:off x="711435" y="2789417"/>
+            <a:ext cx="56987" cy="56987"/>
+          </a:xfrm>
+          <a:prstGeom prst="ellipse">
+            <a:avLst/>
+          </a:prstGeom>
+          <a:blipFill>
+            <a:blip r:embed="rId15"/>
+          </a:blipFill>
+          <a:ln w="12700">
+            <a:miter lim="400000"/>
+          </a:ln>
+        </p:spPr>
+        <p:txBody>
+          <a:bodyPr lIns="54570" tIns="54570" rIns="54570" bIns="54570" anchor="ctr"/>
+          <a:lstStyle/>
+          <a:p>
+            <a:pPr>
+              <a:lnSpc>
+                <a:spcPct val="80000"/>
+              </a:lnSpc>
+              <a:spcBef>
+                <a:spcPts val="0"/>
+              </a:spcBef>
+              <a:defRPr sz="1000">
+                <a:solidFill>
+                  <a:srgbClr val="000000"/>
+                </a:solidFill>
+                <a:latin typeface="Source Sans Pro Regular"/>
+                <a:ea typeface="Source Sans Pro Regular"/>
+                <a:cs typeface="Source Sans Pro Regular"/>
+                <a:sym typeface="Source Sans Pro Regular"/>
+              </a:defRPr>
+            </a:pPr>
+          </a:p>
+        </p:txBody>
+      </p:sp>
+      <p:sp>
+        <p:nvSpPr>
+          <p:cNvPr id="178" name="Line"/>
+          <p:cNvSpPr/>
+          <p:nvPr/>
+        </p:nvSpPr>
+        <p:spPr>
+          <a:xfrm>
+            <a:off x="328721" y="2515677"/>
+            <a:ext cx="352869" cy="1"/>
+          </a:xfrm>
+          <a:prstGeom prst="line">
+            <a:avLst/>
+          </a:prstGeom>
+          <a:ln w="6350">
+            <a:solidFill>
+              <a:srgbClr val="FFFFFF"/>
+            </a:solidFill>
+            <a:miter lim="400000"/>
+          </a:ln>
+        </p:spPr>
+        <p:txBody>
+          <a:bodyPr lIns="0" tIns="0" rIns="0" bIns="0"/>
+          <a:lstStyle/>
+          <a:p>
+            <a:pPr>
+              <a:lnSpc>
+                <a:spcPct val="80000"/>
+              </a:lnSpc>
+              <a:spcBef>
+                <a:spcPts val="0"/>
+              </a:spcBef>
+              <a:defRPr sz="5600">
+                <a:solidFill>
+                  <a:srgbClr val="000000"/>
+                </a:solidFill>
+                <a:effectLst>
+                  <a:outerShdw sx="100000" sy="100000" kx="0" ky="0" algn="b" rotWithShape="0" blurRad="38100" dist="12700" dir="5400000">
+                    <a:srgbClr val="000000">
+                      <a:alpha val="50000"/>
+                    </a:srgbClr>
+                  </a:outerShdw>
+                </a:effectLst>
+                <a:latin typeface="Gill Sans"/>
+                <a:ea typeface="Gill Sans"/>
+                <a:cs typeface="Gill Sans"/>
+                <a:sym typeface="Gill Sans"/>
+              </a:defRPr>
+            </a:pPr>
+          </a:p>
+        </p:txBody>
+      </p:sp>
+      <p:sp>
+        <p:nvSpPr>
+          <p:cNvPr id="179" name="Line"/>
+          <p:cNvSpPr/>
+          <p:nvPr/>
+        </p:nvSpPr>
+        <p:spPr>
+          <a:xfrm>
+            <a:off x="328721" y="2579505"/>
+            <a:ext cx="352869" cy="1"/>
+          </a:xfrm>
+          <a:prstGeom prst="line">
+            <a:avLst/>
+          </a:prstGeom>
+          <a:ln w="6350">
+            <a:solidFill>
+              <a:srgbClr val="FFFFFF"/>
+            </a:solidFill>
+            <a:miter lim="400000"/>
+          </a:ln>
+        </p:spPr>
+        <p:txBody>
+          <a:bodyPr lIns="0" tIns="0" rIns="0" bIns="0"/>
+          <a:lstStyle/>
+          <a:p>
+            <a:pPr>
+              <a:lnSpc>
+                <a:spcPct val="80000"/>
+              </a:lnSpc>
+              <a:spcBef>
+                <a:spcPts val="0"/>
+              </a:spcBef>
+              <a:defRPr sz="5600">
+                <a:solidFill>
+                  <a:srgbClr val="000000"/>
+                </a:solidFill>
+                <a:effectLst>
+                  <a:outerShdw sx="100000" sy="100000" kx="0" ky="0" algn="b" rotWithShape="0" blurRad="38100" dist="12700" dir="5400000">
+                    <a:srgbClr val="000000">
+                      <a:alpha val="50000"/>
+                    </a:srgbClr>
+                  </a:outerShdw>
+                </a:effectLst>
+                <a:latin typeface="Gill Sans"/>
+                <a:ea typeface="Gill Sans"/>
+                <a:cs typeface="Gill Sans"/>
+                <a:sym typeface="Gill Sans"/>
+              </a:defRPr>
+            </a:pPr>
+          </a:p>
+        </p:txBody>
+      </p:sp>
+      <p:sp>
+        <p:nvSpPr>
+          <p:cNvPr id="180" name="Line"/>
+          <p:cNvSpPr/>
+          <p:nvPr/>
+        </p:nvSpPr>
+        <p:spPr>
+          <a:xfrm>
+            <a:off x="328721" y="2643334"/>
+            <a:ext cx="352869" cy="1"/>
+          </a:xfrm>
+          <a:prstGeom prst="line">
+            <a:avLst/>
+          </a:prstGeom>
+          <a:ln w="6350">
+            <a:solidFill>
+              <a:srgbClr val="FFFFFF"/>
+            </a:solidFill>
+            <a:miter lim="400000"/>
+          </a:ln>
+        </p:spPr>
+        <p:txBody>
+          <a:bodyPr lIns="0" tIns="0" rIns="0" bIns="0"/>
+          <a:lstStyle/>
+          <a:p>
+            <a:pPr>
+              <a:lnSpc>
+                <a:spcPct val="80000"/>
+              </a:lnSpc>
+              <a:spcBef>
+                <a:spcPts val="0"/>
+              </a:spcBef>
+              <a:defRPr sz="5600">
+                <a:solidFill>
+                  <a:srgbClr val="000000"/>
+                </a:solidFill>
+                <a:effectLst>
+                  <a:outerShdw sx="100000" sy="100000" kx="0" ky="0" algn="b" rotWithShape="0" blurRad="38100" dist="12700" dir="5400000">
+                    <a:srgbClr val="000000">
+                      <a:alpha val="50000"/>
+                    </a:srgbClr>
+                  </a:outerShdw>
+                </a:effectLst>
+                <a:latin typeface="Gill Sans"/>
+                <a:ea typeface="Gill Sans"/>
+                <a:cs typeface="Gill Sans"/>
+                <a:sym typeface="Gill Sans"/>
+              </a:defRPr>
+            </a:pPr>
+          </a:p>
+        </p:txBody>
+      </p:sp>
+      <p:sp>
+        <p:nvSpPr>
+          <p:cNvPr id="181" name="Line"/>
+          <p:cNvSpPr/>
+          <p:nvPr/>
+        </p:nvSpPr>
+        <p:spPr>
+          <a:xfrm>
+            <a:off x="328721" y="2707162"/>
+            <a:ext cx="352869" cy="1"/>
+          </a:xfrm>
+          <a:prstGeom prst="line">
+            <a:avLst/>
+          </a:prstGeom>
+          <a:ln w="6350">
+            <a:solidFill>
+              <a:srgbClr val="FFFFFF"/>
+            </a:solidFill>
+            <a:miter lim="400000"/>
+          </a:ln>
+        </p:spPr>
+        <p:txBody>
+          <a:bodyPr lIns="0" tIns="0" rIns="0" bIns="0"/>
+          <a:lstStyle/>
+          <a:p>
+            <a:pPr>
+              <a:lnSpc>
+                <a:spcPct val="80000"/>
+              </a:lnSpc>
+              <a:spcBef>
+                <a:spcPts val="0"/>
+              </a:spcBef>
+              <a:defRPr sz="5600">
+                <a:solidFill>
+                  <a:srgbClr val="000000"/>
+                </a:solidFill>
+                <a:effectLst>
+                  <a:outerShdw sx="100000" sy="100000" kx="0" ky="0" algn="b" rotWithShape="0" blurRad="38100" dist="12700" dir="5400000">
+                    <a:srgbClr val="000000">
+                      <a:alpha val="50000"/>
+                    </a:srgbClr>
+                  </a:outerShdw>
+                </a:effectLst>
+                <a:latin typeface="Gill Sans"/>
+                <a:ea typeface="Gill Sans"/>
+                <a:cs typeface="Gill Sans"/>
+                <a:sym typeface="Gill Sans"/>
+              </a:defRPr>
+            </a:pPr>
+          </a:p>
+        </p:txBody>
+      </p:sp>
+      <p:sp>
+        <p:nvSpPr>
+          <p:cNvPr id="182" name="Line"/>
+          <p:cNvSpPr/>
+          <p:nvPr/>
+        </p:nvSpPr>
+        <p:spPr>
+          <a:xfrm>
+            <a:off x="328721" y="2770991"/>
+            <a:ext cx="352869" cy="1"/>
+          </a:xfrm>
+          <a:prstGeom prst="line">
+            <a:avLst/>
+          </a:prstGeom>
+          <a:ln w="6350">
+            <a:solidFill>
+              <a:srgbClr val="FFFFFF"/>
+            </a:solidFill>
+            <a:miter lim="400000"/>
+          </a:ln>
+        </p:spPr>
+        <p:txBody>
+          <a:bodyPr lIns="0" tIns="0" rIns="0" bIns="0"/>
+          <a:lstStyle/>
+          <a:p>
+            <a:pPr>
+              <a:lnSpc>
+                <a:spcPct val="80000"/>
+              </a:lnSpc>
+              <a:spcBef>
+                <a:spcPts val="0"/>
+              </a:spcBef>
+              <a:defRPr sz="5600">
+                <a:solidFill>
+                  <a:srgbClr val="000000"/>
+                </a:solidFill>
+                <a:effectLst>
+                  <a:outerShdw sx="100000" sy="100000" kx="0" ky="0" algn="b" rotWithShape="0" blurRad="38100" dist="12700" dir="5400000">
+                    <a:srgbClr val="000000">
+                      <a:alpha val="50000"/>
+                    </a:srgbClr>
+                  </a:outerShdw>
+                </a:effectLst>
+                <a:latin typeface="Gill Sans"/>
+                <a:ea typeface="Gill Sans"/>
+                <a:cs typeface="Gill Sans"/>
+                <a:sym typeface="Gill Sans"/>
+              </a:defRPr>
+            </a:pPr>
+          </a:p>
+        </p:txBody>
+      </p:sp>
+      <p:sp>
+        <p:nvSpPr>
+          <p:cNvPr id="183" name="Line"/>
+          <p:cNvSpPr/>
+          <p:nvPr/>
+        </p:nvSpPr>
+        <p:spPr>
+          <a:xfrm>
+            <a:off x="346808" y="2477577"/>
+            <a:ext cx="354581" cy="1"/>
+          </a:xfrm>
+          <a:prstGeom prst="line">
+            <a:avLst/>
+          </a:prstGeom>
+          <a:ln>
+            <a:solidFill>
+              <a:srgbClr val="767C85"/>
+            </a:solidFill>
+            <a:miter lim="400000"/>
+            <a:tailEnd type="triangle"/>
+          </a:ln>
+        </p:spPr>
+        <p:txBody>
+          <a:bodyPr lIns="0" tIns="0" rIns="0" bIns="0"/>
+          <a:lstStyle/>
+          <a:p>
+            <a:pPr>
+              <a:lnSpc>
+                <a:spcPct val="80000"/>
+              </a:lnSpc>
+              <a:spcBef>
+                <a:spcPts val="0"/>
+              </a:spcBef>
+              <a:defRPr sz="5600">
+                <a:solidFill>
+                  <a:srgbClr val="000000"/>
+                </a:solidFill>
+                <a:effectLst>
+                  <a:outerShdw sx="100000" sy="100000" kx="0" ky="0" algn="b" rotWithShape="0" blurRad="38100" dist="12700" dir="5400000">
+                    <a:srgbClr val="000000">
+                      <a:alpha val="50000"/>
+                    </a:srgbClr>
+                  </a:outerShdw>
+                </a:effectLst>
+                <a:latin typeface="Gill Sans"/>
+                <a:ea typeface="Gill Sans"/>
+                <a:cs typeface="Gill Sans"/>
+                <a:sym typeface="Gill Sans"/>
+              </a:defRPr>
+            </a:pPr>
+          </a:p>
+        </p:txBody>
+      </p:sp>
+      <p:sp>
+        <p:nvSpPr>
+          <p:cNvPr id="184" name="Line"/>
+          <p:cNvSpPr/>
+          <p:nvPr/>
+        </p:nvSpPr>
+        <p:spPr>
+          <a:xfrm>
+            <a:off x="346808" y="2610182"/>
+            <a:ext cx="354581" cy="1"/>
+          </a:xfrm>
+          <a:prstGeom prst="line">
+            <a:avLst/>
+          </a:prstGeom>
+          <a:ln>
+            <a:solidFill>
+              <a:srgbClr val="767C85"/>
+            </a:solidFill>
+            <a:miter lim="400000"/>
+            <a:tailEnd type="triangle"/>
+          </a:ln>
+        </p:spPr>
+        <p:txBody>
+          <a:bodyPr lIns="0" tIns="0" rIns="0" bIns="0"/>
+          <a:lstStyle/>
+          <a:p>
+            <a:pPr>
+              <a:lnSpc>
+                <a:spcPct val="80000"/>
+              </a:lnSpc>
+              <a:spcBef>
+                <a:spcPts val="0"/>
+              </a:spcBef>
+              <a:defRPr sz="5600">
+                <a:solidFill>
+                  <a:srgbClr val="000000"/>
+                </a:solidFill>
+                <a:effectLst>
+                  <a:outerShdw sx="100000" sy="100000" kx="0" ky="0" algn="b" rotWithShape="0" blurRad="38100" dist="12700" dir="5400000">
+                    <a:srgbClr val="000000">
+                      <a:alpha val="50000"/>
+                    </a:srgbClr>
+                  </a:outerShdw>
+                </a:effectLst>
+                <a:latin typeface="Gill Sans"/>
+                <a:ea typeface="Gill Sans"/>
+                <a:cs typeface="Gill Sans"/>
+                <a:sym typeface="Gill Sans"/>
+              </a:defRPr>
+            </a:pPr>
+          </a:p>
+        </p:txBody>
+      </p:sp>
+      <p:sp>
+        <p:nvSpPr>
+          <p:cNvPr id="185" name="Line"/>
+          <p:cNvSpPr/>
+          <p:nvPr/>
+        </p:nvSpPr>
+        <p:spPr>
+          <a:xfrm>
+            <a:off x="346808" y="2742788"/>
+            <a:ext cx="354581" cy="1"/>
+          </a:xfrm>
+          <a:prstGeom prst="line">
+            <a:avLst/>
+          </a:prstGeom>
+          <a:ln>
+            <a:solidFill>
+              <a:srgbClr val="767C85"/>
+            </a:solidFill>
+            <a:miter lim="400000"/>
+            <a:tailEnd type="triangle"/>
+          </a:ln>
+        </p:spPr>
+        <p:txBody>
+          <a:bodyPr lIns="0" tIns="0" rIns="0" bIns="0"/>
+          <a:lstStyle/>
+          <a:p>
+            <a:pPr>
+              <a:lnSpc>
+                <a:spcPct val="80000"/>
+              </a:lnSpc>
+              <a:spcBef>
+                <a:spcPts val="0"/>
+              </a:spcBef>
+              <a:defRPr sz="5600">
+                <a:solidFill>
+                  <a:srgbClr val="000000"/>
+                </a:solidFill>
+                <a:effectLst>
+                  <a:outerShdw sx="100000" sy="100000" kx="0" ky="0" algn="b" rotWithShape="0" blurRad="38100" dist="12700" dir="5400000">
+                    <a:srgbClr val="000000">
+                      <a:alpha val="50000"/>
+                    </a:srgbClr>
+                  </a:outerShdw>
+                </a:effectLst>
+                <a:latin typeface="Gill Sans"/>
+                <a:ea typeface="Gill Sans"/>
+                <a:cs typeface="Gill Sans"/>
+                <a:sym typeface="Gill Sans"/>
+              </a:defRPr>
+            </a:pPr>
+          </a:p>
+        </p:txBody>
+      </p:sp>
+      <p:sp>
+        <p:nvSpPr>
+          <p:cNvPr id="186" name="Line"/>
+          <p:cNvSpPr/>
+          <p:nvPr/>
+        </p:nvSpPr>
+        <p:spPr>
+          <a:xfrm>
+            <a:off x="346808" y="2543879"/>
+            <a:ext cx="354581" cy="1"/>
+          </a:xfrm>
+          <a:prstGeom prst="line">
+            <a:avLst/>
+          </a:prstGeom>
+          <a:ln>
+            <a:solidFill>
+              <a:srgbClr val="767C85"/>
+            </a:solidFill>
+            <a:miter lim="400000"/>
+            <a:tailEnd type="triangle"/>
+          </a:ln>
+        </p:spPr>
+        <p:txBody>
+          <a:bodyPr lIns="0" tIns="0" rIns="0" bIns="0"/>
+          <a:lstStyle/>
+          <a:p>
+            <a:pPr>
+              <a:lnSpc>
+                <a:spcPct val="80000"/>
+              </a:lnSpc>
+              <a:spcBef>
+                <a:spcPts val="0"/>
+              </a:spcBef>
+              <a:defRPr sz="5600">
+                <a:solidFill>
+                  <a:srgbClr val="000000"/>
+                </a:solidFill>
+                <a:effectLst>
+                  <a:outerShdw sx="100000" sy="100000" kx="0" ky="0" algn="b" rotWithShape="0" blurRad="38100" dist="12700" dir="5400000">
+                    <a:srgbClr val="000000">
+                      <a:alpha val="50000"/>
+                    </a:srgbClr>
+                  </a:outerShdw>
+                </a:effectLst>
+                <a:latin typeface="Gill Sans"/>
+                <a:ea typeface="Gill Sans"/>
+                <a:cs typeface="Gill Sans"/>
+                <a:sym typeface="Gill Sans"/>
+              </a:defRPr>
+            </a:pPr>
+          </a:p>
+        </p:txBody>
+      </p:sp>
+      <p:sp>
+        <p:nvSpPr>
+          <p:cNvPr id="187" name="Line"/>
+          <p:cNvSpPr/>
+          <p:nvPr/>
+        </p:nvSpPr>
+        <p:spPr>
+          <a:xfrm>
+            <a:off x="346808" y="2676485"/>
+            <a:ext cx="354581" cy="1"/>
+          </a:xfrm>
+          <a:prstGeom prst="line">
+            <a:avLst/>
+          </a:prstGeom>
+          <a:ln>
+            <a:solidFill>
+              <a:srgbClr val="767C85"/>
+            </a:solidFill>
+            <a:miter lim="400000"/>
+            <a:tailEnd type="triangle"/>
+          </a:ln>
+        </p:spPr>
+        <p:txBody>
+          <a:bodyPr lIns="0" tIns="0" rIns="0" bIns="0"/>
+          <a:lstStyle/>
+          <a:p>
+            <a:pPr>
+              <a:lnSpc>
+                <a:spcPct val="80000"/>
+              </a:lnSpc>
+              <a:spcBef>
+                <a:spcPts val="0"/>
+              </a:spcBef>
+              <a:defRPr sz="5600">
+                <a:solidFill>
+                  <a:srgbClr val="000000"/>
+                </a:solidFill>
+                <a:effectLst>
+                  <a:outerShdw sx="100000" sy="100000" kx="0" ky="0" algn="b" rotWithShape="0" blurRad="38100" dist="12700" dir="5400000">
+                    <a:srgbClr val="000000">
+                      <a:alpha val="50000"/>
+                    </a:srgbClr>
+                  </a:outerShdw>
+                </a:effectLst>
+                <a:latin typeface="Gill Sans"/>
+                <a:ea typeface="Gill Sans"/>
+                <a:cs typeface="Gill Sans"/>
+                <a:sym typeface="Gill Sans"/>
+              </a:defRPr>
+            </a:pPr>
+          </a:p>
+        </p:txBody>
+      </p:sp>
+      <p:sp>
+        <p:nvSpPr>
+          <p:cNvPr id="188" name="Line"/>
+          <p:cNvSpPr/>
+          <p:nvPr/>
+        </p:nvSpPr>
+        <p:spPr>
+          <a:xfrm>
+            <a:off x="346808" y="2809091"/>
+            <a:ext cx="354581" cy="1"/>
+          </a:xfrm>
+          <a:prstGeom prst="line">
+            <a:avLst/>
+          </a:prstGeom>
+          <a:ln>
+            <a:solidFill>
+              <a:srgbClr val="767C85"/>
+            </a:solidFill>
+            <a:miter lim="400000"/>
+            <a:tailEnd type="triangle"/>
+          </a:ln>
+        </p:spPr>
+        <p:txBody>
+          <a:bodyPr lIns="0" tIns="0" rIns="0" bIns="0"/>
+          <a:lstStyle/>
+          <a:p>
+            <a:pPr>
+              <a:lnSpc>
+                <a:spcPct val="80000"/>
+              </a:lnSpc>
+              <a:spcBef>
+                <a:spcPts val="0"/>
+              </a:spcBef>
+              <a:defRPr sz="5600">
+                <a:solidFill>
+                  <a:srgbClr val="000000"/>
+                </a:solidFill>
+                <a:effectLst>
+                  <a:outerShdw sx="100000" sy="100000" kx="0" ky="0" algn="b" rotWithShape="0" blurRad="38100" dist="12700" dir="5400000">
+                    <a:srgbClr val="000000">
+                      <a:alpha val="50000"/>
+                    </a:srgbClr>
+                  </a:outerShdw>
+                </a:effectLst>
+                <a:latin typeface="Gill Sans"/>
+                <a:ea typeface="Gill Sans"/>
+                <a:cs typeface="Gill Sans"/>
+                <a:sym typeface="Gill Sans"/>
+              </a:defRPr>
+            </a:pPr>
+          </a:p>
+        </p:txBody>
+      </p:sp>
+      <p:graphicFrame>
+        <p:nvGraphicFramePr>
+          <p:cNvPr id="189" name="Table"/>
           <p:cNvGraphicFramePr/>
           <p:nvPr/>
         </p:nvGraphicFramePr>
@@ -10211,14 +10090,66 @@
       </p:graphicFrame>
       <p:sp>
         <p:nvSpPr>
+          <p:cNvPr id="190" name="Line"/>
+          <p:cNvSpPr/>
+          <p:nvPr/>
+        </p:nvSpPr>
+        <p:spPr>
+          <a:xfrm>
+            <a:off x="328721" y="3909129"/>
+            <a:ext cx="352869" cy="1"/>
+          </a:xfrm>
+          <a:prstGeom prst="line">
+            <a:avLst/>
+          </a:prstGeom>
+          <a:ln w="6350">
+            <a:solidFill>
+              <a:srgbClr val="FFFFFF"/>
+            </a:solidFill>
+            <a:miter lim="400000"/>
+          </a:ln>
+        </p:spPr>
+        <p:txBody>
+          <a:bodyPr lIns="0" tIns="0" rIns="0" bIns="0"/>
+          <a:lstStyle/>
+          <a:p>
+            <a:pPr>
+              <a:lnSpc>
+                <a:spcPct val="80000"/>
+              </a:lnSpc>
+              <a:spcBef>
+                <a:spcPts val="0"/>
+              </a:spcBef>
+              <a:defRPr sz="5600">
+                <a:solidFill>
+                  <a:srgbClr val="000000"/>
+                </a:solidFill>
+                <a:effectLst>
+                  <a:outerShdw sx="100000" sy="100000" kx="0" ky="0" algn="b" rotWithShape="0" blurRad="38100" dist="12700" dir="5400000">
+                    <a:srgbClr val="000000">
+                      <a:alpha val="50000"/>
+                    </a:srgbClr>
+                  </a:outerShdw>
+                </a:effectLst>
+                <a:latin typeface="Gill Sans"/>
+                <a:ea typeface="Gill Sans"/>
+                <a:cs typeface="Gill Sans"/>
+                <a:sym typeface="Gill Sans"/>
+              </a:defRPr>
+            </a:pPr>
+          </a:p>
+        </p:txBody>
+      </p:sp>
+      <p:sp>
+        <p:nvSpPr>
           <p:cNvPr id="191" name="Line"/>
           <p:cNvSpPr/>
           <p:nvPr/>
         </p:nvSpPr>
         <p:spPr>
           <a:xfrm>
-            <a:off x="138221" y="3909129"/>
-            <a:ext cx="543369" cy="1"/>
+            <a:off x="328721" y="3972957"/>
+            <a:ext cx="352869" cy="1"/>
           </a:xfrm>
           <a:prstGeom prst="line">
             <a:avLst/>
@@ -10269,8 +10200,8 @@
         </p:nvSpPr>
         <p:spPr>
           <a:xfrm>
-            <a:off x="138221" y="3972957"/>
-            <a:ext cx="543369" cy="1"/>
+            <a:off x="328721" y="4036786"/>
+            <a:ext cx="352869" cy="1"/>
           </a:xfrm>
           <a:prstGeom prst="line">
             <a:avLst/>
@@ -10321,8 +10252,8 @@
         </p:nvSpPr>
         <p:spPr>
           <a:xfrm>
-            <a:off x="138221" y="4036786"/>
-            <a:ext cx="543369" cy="1"/>
+            <a:off x="328721" y="4100614"/>
+            <a:ext cx="352869" cy="1"/>
           </a:xfrm>
           <a:prstGeom prst="line">
             <a:avLst/>
@@ -10373,8 +10304,8 @@
         </p:nvSpPr>
         <p:spPr>
           <a:xfrm>
-            <a:off x="138221" y="4100614"/>
-            <a:ext cx="543369" cy="1"/>
+            <a:off x="328721" y="4164443"/>
+            <a:ext cx="352869" cy="1"/>
           </a:xfrm>
           <a:prstGeom prst="line">
             <a:avLst/>
@@ -10420,58 +10351,6 @@
       <p:sp>
         <p:nvSpPr>
           <p:cNvPr id="195" name="Line"/>
-          <p:cNvSpPr/>
-          <p:nvPr/>
-        </p:nvSpPr>
-        <p:spPr>
-          <a:xfrm>
-            <a:off x="138221" y="4164443"/>
-            <a:ext cx="543369" cy="1"/>
-          </a:xfrm>
-          <a:prstGeom prst="line">
-            <a:avLst/>
-          </a:prstGeom>
-          <a:ln w="6350">
-            <a:solidFill>
-              <a:srgbClr val="FFFFFF"/>
-            </a:solidFill>
-            <a:miter lim="400000"/>
-          </a:ln>
-        </p:spPr>
-        <p:txBody>
-          <a:bodyPr lIns="0" tIns="0" rIns="0" bIns="0"/>
-          <a:lstStyle/>
-          <a:p>
-            <a:pPr>
-              <a:lnSpc>
-                <a:spcPct val="80000"/>
-              </a:lnSpc>
-              <a:spcBef>
-                <a:spcPts val="0"/>
-              </a:spcBef>
-              <a:defRPr sz="5600">
-                <a:solidFill>
-                  <a:srgbClr val="000000"/>
-                </a:solidFill>
-                <a:effectLst>
-                  <a:outerShdw sx="100000" sy="100000" kx="0" ky="0" algn="b" rotWithShape="0" blurRad="38100" dist="12700" dir="5400000">
-                    <a:srgbClr val="000000">
-                      <a:alpha val="50000"/>
-                    </a:srgbClr>
-                  </a:outerShdw>
-                </a:effectLst>
-                <a:latin typeface="Gill Sans"/>
-                <a:ea typeface="Gill Sans"/>
-                <a:cs typeface="Gill Sans"/>
-                <a:sym typeface="Gill Sans"/>
-              </a:defRPr>
-            </a:pPr>
-          </a:p>
-        </p:txBody>
-      </p:sp>
-      <p:sp>
-        <p:nvSpPr>
-          <p:cNvPr id="196" name="Line"/>
           <p:cNvSpPr/>
           <p:nvPr/>
         </p:nvSpPr>
@@ -10524,7 +10403,7 @@
       </p:sp>
       <p:sp>
         <p:nvSpPr>
-          <p:cNvPr id="197" name="Line"/>
+          <p:cNvPr id="196" name="Line"/>
           <p:cNvSpPr/>
           <p:nvPr/>
         </p:nvSpPr>
@@ -10577,7 +10456,7 @@
       </p:sp>
       <p:sp>
         <p:nvSpPr>
-          <p:cNvPr id="198" name="Line"/>
+          <p:cNvPr id="197" name="Line"/>
           <p:cNvSpPr/>
           <p:nvPr/>
         </p:nvSpPr>
@@ -10630,7 +10509,7 @@
       </p:sp>
       <p:sp>
         <p:nvSpPr>
-          <p:cNvPr id="199" name="Line"/>
+          <p:cNvPr id="198" name="Line"/>
           <p:cNvSpPr/>
           <p:nvPr/>
         </p:nvSpPr>
@@ -10683,7 +10562,7 @@
       </p:sp>
       <p:sp>
         <p:nvSpPr>
-          <p:cNvPr id="200" name="Line"/>
+          <p:cNvPr id="199" name="Line"/>
           <p:cNvSpPr/>
           <p:nvPr/>
         </p:nvSpPr>
@@ -10736,7 +10615,7 @@
       </p:sp>
       <p:sp>
         <p:nvSpPr>
-          <p:cNvPr id="201" name="Line"/>
+          <p:cNvPr id="200" name="Line"/>
           <p:cNvSpPr/>
           <p:nvPr/>
         </p:nvSpPr>
@@ -10789,7 +10668,7 @@
       </p:sp>
       <p:pic>
         <p:nvPicPr>
-          <p:cNvPr id="202" name="Image" descr="Image"/>
+          <p:cNvPr id="201" name="Image" descr="Image"/>
           <p:cNvPicPr>
             <a:picLocks noChangeAspect="1"/>
           </p:cNvPicPr>
@@ -10818,7 +10697,7 @@
       </p:pic>
       <p:sp>
         <p:nvSpPr>
-          <p:cNvPr id="203" name="LINE SEGMENTS…"/>
+          <p:cNvPr id="202" name="LINE SEGMENTS…"/>
           <p:cNvSpPr txBox="1"/>
           <p:nvPr/>
         </p:nvSpPr>
@@ -10880,7 +10759,7 @@
       </p:sp>
       <p:sp>
         <p:nvSpPr>
-          <p:cNvPr id="204" name="b + geom_abline(aes(intercept = 0, slope = 1))…"/>
+          <p:cNvPr id="203" name="b + geom_abline(aes(intercept = 0, slope = 1))…"/>
           <p:cNvSpPr txBox="1"/>
           <p:nvPr/>
         </p:nvSpPr>
@@ -11030,7 +10909,7 @@
       </p:sp>
       <p:grpSp>
         <p:nvGrpSpPr>
-          <p:cNvPr id="209" name="Group"/>
+          <p:cNvPr id="208" name="Group"/>
           <p:cNvGrpSpPr/>
           <p:nvPr/>
         </p:nvGrpSpPr>
@@ -11044,7 +10923,7 @@
         </p:grpSpPr>
         <p:pic>
           <p:nvPicPr>
-            <p:cNvPr id="205" name="Image" descr="Image"/>
+            <p:cNvPr id="204" name="Image" descr="Image"/>
             <p:cNvPicPr>
               <a:picLocks noChangeAspect="1"/>
             </p:cNvPicPr>
@@ -11075,7 +10954,7 @@
         </p:pic>
         <p:sp>
           <p:nvSpPr>
-            <p:cNvPr id="206" name="Line"/>
+            <p:cNvPr id="205" name="Line"/>
             <p:cNvSpPr/>
             <p:nvPr/>
           </p:nvSpPr>
@@ -11122,7 +11001,7 @@
         </p:sp>
         <p:sp>
           <p:nvSpPr>
-            <p:cNvPr id="207" name="Line"/>
+            <p:cNvPr id="206" name="Line"/>
             <p:cNvSpPr/>
             <p:nvPr/>
           </p:nvSpPr>
@@ -11169,7 +11048,7 @@
         </p:sp>
         <p:sp>
           <p:nvSpPr>
-            <p:cNvPr id="208" name="Line"/>
+            <p:cNvPr id="207" name="Line"/>
             <p:cNvSpPr/>
             <p:nvPr/>
           </p:nvSpPr>
@@ -11217,7 +11096,7 @@
       </p:grpSp>
       <p:sp>
         <p:nvSpPr>
-          <p:cNvPr id="210" name="b + geom_segment(aes(yend = lat + 1, xend = long + 1))…"/>
+          <p:cNvPr id="209" name="b + geom_segment(aes(yend = lat + 1, xend = long + 1))…"/>
           <p:cNvSpPr txBox="1"/>
           <p:nvPr/>
         </p:nvSpPr>
@@ -11327,7 +11206,7 @@
       </p:sp>
       <p:sp>
         <p:nvSpPr>
-          <p:cNvPr id="211" name="a &lt;- ggplot(economics, aes(date, unemploy))…"/>
+          <p:cNvPr id="210" name="a &lt;- ggplot(economics, aes(date, unemploy))…"/>
           <p:cNvSpPr txBox="1"/>
           <p:nvPr/>
         </p:nvSpPr>
@@ -11425,7 +11304,7 @@
       </p:sp>
       <p:sp>
         <p:nvSpPr>
-          <p:cNvPr id="212" name="ONE VARIABLE    continuous"/>
+          <p:cNvPr id="211" name="ONE VARIABLE    continuous"/>
           <p:cNvSpPr txBox="1"/>
           <p:nvPr/>
         </p:nvSpPr>
@@ -11461,7 +11340,7 @@
       </p:sp>
       <p:sp>
         <p:nvSpPr>
-          <p:cNvPr id="213" name="c &lt;- ggplot(mpg, aes(hwy)); c2 &lt;- ggplot(mpg)"/>
+          <p:cNvPr id="212" name="c &lt;- ggplot(mpg, aes(hwy)); c2 &lt;- ggplot(mpg)"/>
           <p:cNvSpPr txBox="1"/>
           <p:nvPr/>
         </p:nvSpPr>
@@ -11537,7 +11416,7 @@
       </p:sp>
       <p:sp>
         <p:nvSpPr>
-          <p:cNvPr id="214" name="c + geom_area(stat = &quot;bin&quot;) x, y, alpha, color, fill, linetype, size…"/>
+          <p:cNvPr id="213" name="c + geom_area(stat = &quot;bin&quot;) x, y, alpha, color, fill, linetype, size…"/>
           <p:cNvSpPr txBox="1"/>
           <p:nvPr/>
         </p:nvSpPr>
@@ -11819,7 +11698,7 @@
       </p:sp>
       <p:sp>
         <p:nvSpPr>
-          <p:cNvPr id="215" name="discrete d &lt;- ggplot(mpg, aes(fl))"/>
+          <p:cNvPr id="214" name="discrete d &lt;- ggplot(mpg, aes(fl))"/>
           <p:cNvSpPr txBox="1"/>
           <p:nvPr/>
         </p:nvSpPr>
@@ -11893,7 +11772,7 @@
       </p:sp>
       <p:sp>
         <p:nvSpPr>
-          <p:cNvPr id="216" name="d + geom_bar()  x, alpha, color, fill, linetype, size, weight"/>
+          <p:cNvPr id="215" name="d + geom_bar()  x, alpha, color, fill, linetype, size, weight"/>
           <p:cNvSpPr txBox="1"/>
           <p:nvPr/>
         </p:nvSpPr>
@@ -11955,7 +11834,7 @@
       </p:sp>
       <p:sp>
         <p:nvSpPr>
-          <p:cNvPr id="217" name="e + geom_label(aes(label = cty), nudge_x = 1, nudge_y = 1) - x, y, label, alpha, angle, color, family, fontface, hjust, lineheight, size, vjust…"/>
+          <p:cNvPr id="216" name="e + geom_label(aes(label = cty), nudge_x = 1, nudge_y = 1) - x, y, label, alpha, angle, color, family, fontface, hjust, lineheight, size, vjust…"/>
           <p:cNvSpPr txBox="1"/>
           <p:nvPr/>
         </p:nvSpPr>
@@ -12251,7 +12130,7 @@
       </p:sp>
       <p:sp>
         <p:nvSpPr>
-          <p:cNvPr id="218" name="one discrete, one continuous…"/>
+          <p:cNvPr id="217" name="one discrete, one continuous…"/>
           <p:cNvSpPr txBox="1"/>
           <p:nvPr/>
         </p:nvSpPr>
@@ -12328,7 +12207,7 @@
       </p:sp>
       <p:sp>
         <p:nvSpPr>
-          <p:cNvPr id="219" name="f + geom_col()  x, y, alpha, color, fill, group, linetype, size…"/>
+          <p:cNvPr id="218" name="f + geom_col()  x, y, alpha, color, fill, group, linetype, size…"/>
           <p:cNvSpPr txBox="1"/>
           <p:nvPr/>
         </p:nvSpPr>
@@ -12530,7 +12409,7 @@
       </p:sp>
       <p:sp>
         <p:nvSpPr>
-          <p:cNvPr id="220" name="both discrete…"/>
+          <p:cNvPr id="219" name="both discrete…"/>
           <p:cNvSpPr txBox="1"/>
           <p:nvPr/>
         </p:nvSpPr>
@@ -12607,7 +12486,7 @@
       </p:sp>
       <p:sp>
         <p:nvSpPr>
-          <p:cNvPr id="221" name="g + geom_count()  x, y, alpha, color, fill, shape, size, stroke…"/>
+          <p:cNvPr id="220" name="g + geom_count()  x, y, alpha, color, fill, shape, size, stroke…"/>
           <p:cNvSpPr txBox="1"/>
           <p:nvPr/>
         </p:nvSpPr>
@@ -12723,7 +12602,7 @@
       </p:sp>
       <p:sp>
         <p:nvSpPr>
-          <p:cNvPr id="222" name="THREE VARIABLES…"/>
+          <p:cNvPr id="221" name="THREE VARIABLES…"/>
           <p:cNvSpPr txBox="1"/>
           <p:nvPr/>
         </p:nvSpPr>
@@ -12809,7 +12688,7 @@
       </p:sp>
       <p:sp>
         <p:nvSpPr>
-          <p:cNvPr id="223" name="l + geom_raster(aes(fill = z), hjust = 0.5,  vjust = 0.5, interpolate = FALSE) x, y, alpha, fill…"/>
+          <p:cNvPr id="222" name="l + geom_raster(aes(fill = z), hjust = 0.5,  vjust = 0.5, interpolate = FALSE) x, y, alpha, fill…"/>
           <p:cNvSpPr txBox="1"/>
           <p:nvPr/>
         </p:nvSpPr>
@@ -12934,7 +12813,7 @@
       </p:sp>
       <p:sp>
         <p:nvSpPr>
-          <p:cNvPr id="224" name="h + geom_bin2d(binwidth = c(0.25, 500)) x, y, alpha, color, fill, linetype, size, weight…"/>
+          <p:cNvPr id="223" name="h + geom_bin2d(binwidth = c(0.25, 500)) x, y, alpha, color, fill, linetype, size, weight…"/>
           <p:cNvSpPr txBox="1"/>
           <p:nvPr/>
         </p:nvSpPr>
@@ -13072,7 +12951,7 @@
       </p:sp>
       <p:sp>
         <p:nvSpPr>
-          <p:cNvPr id="225" name="continuous function…"/>
+          <p:cNvPr id="224" name="continuous function…"/>
           <p:cNvSpPr txBox="1"/>
           <p:nvPr/>
         </p:nvSpPr>
@@ -13149,7 +13028,7 @@
       </p:sp>
       <p:sp>
         <p:nvSpPr>
-          <p:cNvPr id="226" name="visualizing error…"/>
+          <p:cNvPr id="225" name="visualizing error…"/>
           <p:cNvSpPr txBox="1"/>
           <p:nvPr/>
         </p:nvSpPr>
@@ -13260,7 +13139,7 @@
       </p:sp>
       <p:pic>
         <p:nvPicPr>
-          <p:cNvPr id="227" name="Image" descr="Image"/>
+          <p:cNvPr id="226" name="Image" descr="Image"/>
           <p:cNvPicPr>
             <a:picLocks noChangeAspect="1"/>
           </p:cNvPicPr>
@@ -13289,7 +13168,7 @@
       </p:pic>
       <p:grpSp>
         <p:nvGrpSpPr>
-          <p:cNvPr id="230" name="Group"/>
+          <p:cNvPr id="229" name="Group"/>
           <p:cNvGrpSpPr/>
           <p:nvPr/>
         </p:nvGrpSpPr>
@@ -13303,7 +13182,7 @@
         </p:grpSpPr>
         <p:pic>
           <p:nvPicPr>
-            <p:cNvPr id="228" name="Image" descr="Image"/>
+            <p:cNvPr id="227" name="Image" descr="Image"/>
             <p:cNvPicPr>
               <a:picLocks noChangeAspect="1"/>
             </p:cNvPicPr>
@@ -13334,7 +13213,7 @@
         </p:pic>
         <p:sp>
           <p:nvSpPr>
-            <p:cNvPr id="229" name="Shape"/>
+            <p:cNvPr id="228" name="Shape"/>
             <p:cNvSpPr/>
             <p:nvPr/>
           </p:nvSpPr>
@@ -13477,7 +13356,7 @@
       </p:grpSp>
       <p:pic>
         <p:nvPicPr>
-          <p:cNvPr id="231" name="Image" descr="Image"/>
+          <p:cNvPr id="230" name="Image" descr="Image"/>
           <p:cNvPicPr>
             <a:picLocks noChangeAspect="1"/>
           </p:cNvPicPr>
@@ -13506,7 +13385,7 @@
       </p:pic>
       <p:grpSp>
         <p:nvGrpSpPr>
-          <p:cNvPr id="234" name="Group"/>
+          <p:cNvPr id="233" name="Group"/>
           <p:cNvGrpSpPr/>
           <p:nvPr/>
         </p:nvGrpSpPr>
@@ -13520,7 +13399,7 @@
         </p:grpSpPr>
         <p:pic>
           <p:nvPicPr>
-            <p:cNvPr id="232" name="Image" descr="Image"/>
+            <p:cNvPr id="231" name="Image" descr="Image"/>
             <p:cNvPicPr>
               <a:picLocks noChangeAspect="1"/>
             </p:cNvPicPr>
@@ -13551,7 +13430,7 @@
         </p:pic>
         <p:sp>
           <p:nvSpPr>
-            <p:cNvPr id="233" name="Shape"/>
+            <p:cNvPr id="232" name="Shape"/>
             <p:cNvSpPr/>
             <p:nvPr/>
           </p:nvSpPr>
@@ -13641,7 +13520,7 @@
       </p:grpSp>
       <p:grpSp>
         <p:nvGrpSpPr>
-          <p:cNvPr id="237" name="Group"/>
+          <p:cNvPr id="236" name="Group"/>
           <p:cNvGrpSpPr/>
           <p:nvPr/>
         </p:nvGrpSpPr>
@@ -13655,7 +13534,7 @@
         </p:grpSpPr>
         <p:pic>
           <p:nvPicPr>
-            <p:cNvPr id="235" name="Image" descr="Image"/>
+            <p:cNvPr id="234" name="Image" descr="Image"/>
             <p:cNvPicPr>
               <a:picLocks noChangeAspect="1"/>
             </p:cNvPicPr>
@@ -13686,7 +13565,7 @@
         </p:pic>
         <p:sp>
           <p:nvSpPr>
-            <p:cNvPr id="236" name="Line"/>
+            <p:cNvPr id="235" name="Line"/>
             <p:cNvSpPr/>
             <p:nvPr/>
           </p:nvSpPr>
@@ -13776,7 +13655,7 @@
       </p:grpSp>
       <p:grpSp>
         <p:nvGrpSpPr>
-          <p:cNvPr id="240" name="Group"/>
+          <p:cNvPr id="239" name="Group"/>
           <p:cNvGrpSpPr/>
           <p:nvPr/>
         </p:nvGrpSpPr>
@@ -13790,7 +13669,7 @@
         </p:grpSpPr>
         <p:pic>
           <p:nvPicPr>
-            <p:cNvPr id="238" name="Image" descr="Image"/>
+            <p:cNvPr id="237" name="Image" descr="Image"/>
             <p:cNvPicPr>
               <a:picLocks noChangeAspect="1"/>
             </p:cNvPicPr>
@@ -13821,7 +13700,7 @@
         </p:pic>
         <p:sp>
           <p:nvSpPr>
-            <p:cNvPr id="239" name="Shape"/>
+            <p:cNvPr id="238" name="Shape"/>
             <p:cNvSpPr/>
             <p:nvPr/>
           </p:nvSpPr>
@@ -13994,7 +13873,7 @@
       </p:grpSp>
       <p:grpSp>
         <p:nvGrpSpPr>
-          <p:cNvPr id="243" name="Group"/>
+          <p:cNvPr id="242" name="Group"/>
           <p:cNvGrpSpPr/>
           <p:nvPr/>
         </p:nvGrpSpPr>
@@ -14008,7 +13887,7 @@
         </p:grpSpPr>
         <p:pic>
           <p:nvPicPr>
-            <p:cNvPr id="241" name="Image" descr="Image"/>
+            <p:cNvPr id="240" name="Image" descr="Image"/>
             <p:cNvPicPr>
               <a:picLocks noChangeAspect="1"/>
             </p:cNvPicPr>
@@ -14039,7 +13918,7 @@
         </p:pic>
         <p:sp>
           <p:nvSpPr>
-            <p:cNvPr id="242" name="Rectangle"/>
+            <p:cNvPr id="241" name="Rectangle"/>
             <p:cNvSpPr/>
             <p:nvPr/>
           </p:nvSpPr>
@@ -14089,7 +13968,7 @@
       </p:grpSp>
       <p:grpSp>
         <p:nvGrpSpPr>
-          <p:cNvPr id="246" name="Group"/>
+          <p:cNvPr id="245" name="Group"/>
           <p:cNvGrpSpPr/>
           <p:nvPr/>
         </p:nvGrpSpPr>
@@ -14103,7 +13982,7 @@
         </p:grpSpPr>
         <p:pic>
           <p:nvPicPr>
-            <p:cNvPr id="244" name="Image" descr="Image"/>
+            <p:cNvPr id="243" name="Image" descr="Image"/>
             <p:cNvPicPr>
               <a:picLocks noChangeAspect="1"/>
             </p:cNvPicPr>
@@ -14134,7 +14013,7 @@
         </p:pic>
         <p:sp>
           <p:nvSpPr>
-            <p:cNvPr id="245" name="Line"/>
+            <p:cNvPr id="244" name="Line"/>
             <p:cNvSpPr/>
             <p:nvPr/>
           </p:nvSpPr>
@@ -14216,7 +14095,7 @@
       </p:grpSp>
       <p:grpSp>
         <p:nvGrpSpPr>
-          <p:cNvPr id="249" name="Group"/>
+          <p:cNvPr id="248" name="Group"/>
           <p:cNvGrpSpPr/>
           <p:nvPr/>
         </p:nvGrpSpPr>
@@ -14230,7 +14109,7 @@
         </p:grpSpPr>
         <p:pic>
           <p:nvPicPr>
-            <p:cNvPr id="247" name="Image" descr="Image"/>
+            <p:cNvPr id="246" name="Image" descr="Image"/>
             <p:cNvPicPr>
               <a:picLocks noChangeAspect="1"/>
             </p:cNvPicPr>
@@ -14261,7 +14140,7 @@
         </p:pic>
         <p:sp>
           <p:nvSpPr>
-            <p:cNvPr id="248" name="Line"/>
+            <p:cNvPr id="247" name="Line"/>
             <p:cNvSpPr/>
             <p:nvPr/>
           </p:nvSpPr>
@@ -14373,7 +14252,7 @@
       </p:grpSp>
       <p:grpSp>
         <p:nvGrpSpPr>
-          <p:cNvPr id="252" name="Group"/>
+          <p:cNvPr id="251" name="Group"/>
           <p:cNvGrpSpPr/>
           <p:nvPr/>
         </p:nvGrpSpPr>
@@ -14387,7 +14266,7 @@
         </p:grpSpPr>
         <p:pic>
           <p:nvPicPr>
-            <p:cNvPr id="250" name="Image" descr="Image"/>
+            <p:cNvPr id="249" name="Image" descr="Image"/>
             <p:cNvPicPr>
               <a:picLocks noChangeAspect="1"/>
             </p:cNvPicPr>
@@ -14418,7 +14297,7 @@
         </p:pic>
         <p:sp>
           <p:nvSpPr>
-            <p:cNvPr id="251" name="Line"/>
+            <p:cNvPr id="250" name="Line"/>
             <p:cNvSpPr/>
             <p:nvPr/>
           </p:nvSpPr>
@@ -14505,7 +14384,7 @@
       </p:grpSp>
       <p:grpSp>
         <p:nvGrpSpPr>
-          <p:cNvPr id="263" name="Group"/>
+          <p:cNvPr id="262" name="Group"/>
           <p:cNvGrpSpPr/>
           <p:nvPr/>
         </p:nvGrpSpPr>
@@ -14519,7 +14398,7 @@
         </p:grpSpPr>
         <p:pic>
           <p:nvPicPr>
-            <p:cNvPr id="253" name="Image" descr="Image"/>
+            <p:cNvPr id="252" name="Image" descr="Image"/>
             <p:cNvPicPr>
               <a:picLocks noChangeAspect="1"/>
             </p:cNvPicPr>
@@ -14550,7 +14429,7 @@
         </p:pic>
         <p:grpSp>
           <p:nvGrpSpPr>
-            <p:cNvPr id="262" name="Group"/>
+            <p:cNvPr id="261" name="Group"/>
             <p:cNvGrpSpPr/>
             <p:nvPr/>
           </p:nvGrpSpPr>
@@ -14564,7 +14443,7 @@
           </p:grpSpPr>
           <p:sp>
             <p:nvSpPr>
-              <p:cNvPr id="254" name="Rectangle"/>
+              <p:cNvPr id="253" name="Rectangle"/>
               <p:cNvSpPr/>
               <p:nvPr/>
             </p:nvSpPr>
@@ -14613,7 +14492,7 @@
           </p:sp>
           <p:sp>
             <p:nvSpPr>
-              <p:cNvPr id="255" name="Rectangle"/>
+              <p:cNvPr id="254" name="Rectangle"/>
               <p:cNvSpPr/>
               <p:nvPr/>
             </p:nvSpPr>
@@ -14662,7 +14541,7 @@
           </p:sp>
           <p:sp>
             <p:nvSpPr>
-              <p:cNvPr id="256" name="Rectangle"/>
+              <p:cNvPr id="255" name="Rectangle"/>
               <p:cNvSpPr/>
               <p:nvPr/>
             </p:nvSpPr>
@@ -14711,7 +14590,7 @@
           </p:sp>
           <p:sp>
             <p:nvSpPr>
-              <p:cNvPr id="257" name="Rectangle"/>
+              <p:cNvPr id="256" name="Rectangle"/>
               <p:cNvSpPr/>
               <p:nvPr/>
             </p:nvSpPr>
@@ -14760,7 +14639,7 @@
           </p:sp>
           <p:sp>
             <p:nvSpPr>
-              <p:cNvPr id="258" name="Rectangle"/>
+              <p:cNvPr id="257" name="Rectangle"/>
               <p:cNvSpPr/>
               <p:nvPr/>
             </p:nvSpPr>
@@ -14809,7 +14688,7 @@
           </p:sp>
           <p:sp>
             <p:nvSpPr>
-              <p:cNvPr id="259" name="Rectangle"/>
+              <p:cNvPr id="258" name="Rectangle"/>
               <p:cNvSpPr/>
               <p:nvPr/>
             </p:nvSpPr>
@@ -14858,7 +14737,7 @@
           </p:sp>
           <p:sp>
             <p:nvSpPr>
-              <p:cNvPr id="260" name="Rectangle"/>
+              <p:cNvPr id="259" name="Rectangle"/>
               <p:cNvSpPr/>
               <p:nvPr/>
             </p:nvSpPr>
@@ -14907,7 +14786,7 @@
           </p:sp>
           <p:sp>
             <p:nvSpPr>
-              <p:cNvPr id="261" name="Rectangle"/>
+              <p:cNvPr id="260" name="Rectangle"/>
               <p:cNvSpPr/>
               <p:nvPr/>
             </p:nvSpPr>
@@ -14958,7 +14837,7 @@
       </p:grpSp>
       <p:grpSp>
         <p:nvGrpSpPr>
-          <p:cNvPr id="283" name="Group"/>
+          <p:cNvPr id="282" name="Group"/>
           <p:cNvGrpSpPr/>
           <p:nvPr/>
         </p:nvGrpSpPr>
@@ -14972,7 +14851,7 @@
         </p:grpSpPr>
         <p:pic>
           <p:nvPicPr>
-            <p:cNvPr id="264" name="Image" descr="Image"/>
+            <p:cNvPr id="263" name="Image" descr="Image"/>
             <p:cNvPicPr>
               <a:picLocks noChangeAspect="1"/>
             </p:cNvPicPr>
@@ -15003,7 +14882,7 @@
         </p:pic>
         <p:grpSp>
           <p:nvGrpSpPr>
-            <p:cNvPr id="282" name="Group"/>
+            <p:cNvPr id="281" name="Group"/>
             <p:cNvGrpSpPr/>
             <p:nvPr/>
           </p:nvGrpSpPr>
@@ -15017,7 +14896,7 @@
           </p:grpSpPr>
           <p:sp>
             <p:nvSpPr>
-              <p:cNvPr id="265" name="Circle"/>
+              <p:cNvPr id="264" name="Circle"/>
               <p:cNvSpPr/>
               <p:nvPr/>
             </p:nvSpPr>
@@ -15066,7 +14945,7 @@
           </p:sp>
           <p:sp>
             <p:nvSpPr>
-              <p:cNvPr id="266" name="Circle"/>
+              <p:cNvPr id="265" name="Circle"/>
               <p:cNvSpPr/>
               <p:nvPr/>
             </p:nvSpPr>
@@ -15115,7 +14994,7 @@
           </p:sp>
           <p:sp>
             <p:nvSpPr>
-              <p:cNvPr id="267" name="Circle"/>
+              <p:cNvPr id="266" name="Circle"/>
               <p:cNvSpPr/>
               <p:nvPr/>
             </p:nvSpPr>
@@ -15164,7 +15043,7 @@
           </p:sp>
           <p:sp>
             <p:nvSpPr>
-              <p:cNvPr id="268" name="Circle"/>
+              <p:cNvPr id="267" name="Circle"/>
               <p:cNvSpPr/>
               <p:nvPr/>
             </p:nvSpPr>
@@ -15213,7 +15092,7 @@
           </p:sp>
           <p:sp>
             <p:nvSpPr>
-              <p:cNvPr id="269" name="Circle"/>
+              <p:cNvPr id="268" name="Circle"/>
               <p:cNvSpPr/>
               <p:nvPr/>
             </p:nvSpPr>
@@ -15262,7 +15141,7 @@
           </p:sp>
           <p:sp>
             <p:nvSpPr>
-              <p:cNvPr id="270" name="Circle"/>
+              <p:cNvPr id="269" name="Circle"/>
               <p:cNvSpPr/>
               <p:nvPr/>
             </p:nvSpPr>
@@ -15311,7 +15190,7 @@
           </p:sp>
           <p:sp>
             <p:nvSpPr>
-              <p:cNvPr id="271" name="Circle"/>
+              <p:cNvPr id="270" name="Circle"/>
               <p:cNvSpPr/>
               <p:nvPr/>
             </p:nvSpPr>
@@ -15360,7 +15239,7 @@
           </p:sp>
           <p:sp>
             <p:nvSpPr>
-              <p:cNvPr id="272" name="Circle"/>
+              <p:cNvPr id="271" name="Circle"/>
               <p:cNvSpPr/>
               <p:nvPr/>
             </p:nvSpPr>
@@ -15409,7 +15288,7 @@
           </p:sp>
           <p:sp>
             <p:nvSpPr>
-              <p:cNvPr id="273" name="Circle"/>
+              <p:cNvPr id="272" name="Circle"/>
               <p:cNvSpPr/>
               <p:nvPr/>
             </p:nvSpPr>
@@ -15458,7 +15337,7 @@
           </p:sp>
           <p:sp>
             <p:nvSpPr>
-              <p:cNvPr id="274" name="Circle"/>
+              <p:cNvPr id="273" name="Circle"/>
               <p:cNvSpPr/>
               <p:nvPr/>
             </p:nvSpPr>
@@ -15507,7 +15386,7 @@
           </p:sp>
           <p:sp>
             <p:nvSpPr>
-              <p:cNvPr id="275" name="Circle"/>
+              <p:cNvPr id="274" name="Circle"/>
               <p:cNvSpPr/>
               <p:nvPr/>
             </p:nvSpPr>
@@ -15556,7 +15435,7 @@
           </p:sp>
           <p:sp>
             <p:nvSpPr>
-              <p:cNvPr id="276" name="Circle"/>
+              <p:cNvPr id="275" name="Circle"/>
               <p:cNvSpPr/>
               <p:nvPr/>
             </p:nvSpPr>
@@ -15605,7 +15484,7 @@
           </p:sp>
           <p:sp>
             <p:nvSpPr>
-              <p:cNvPr id="277" name="Circle"/>
+              <p:cNvPr id="276" name="Circle"/>
               <p:cNvSpPr/>
               <p:nvPr/>
             </p:nvSpPr>
@@ -15654,7 +15533,7 @@
           </p:sp>
           <p:sp>
             <p:nvSpPr>
-              <p:cNvPr id="278" name="Circle"/>
+              <p:cNvPr id="277" name="Circle"/>
               <p:cNvSpPr/>
               <p:nvPr/>
             </p:nvSpPr>
@@ -15703,7 +15582,7 @@
           </p:sp>
           <p:sp>
             <p:nvSpPr>
-              <p:cNvPr id="279" name="Circle"/>
+              <p:cNvPr id="278" name="Circle"/>
               <p:cNvSpPr/>
               <p:nvPr/>
             </p:nvSpPr>
@@ -15752,7 +15631,7 @@
           </p:sp>
           <p:sp>
             <p:nvSpPr>
-              <p:cNvPr id="280" name="Circle"/>
+              <p:cNvPr id="279" name="Circle"/>
               <p:cNvSpPr/>
               <p:nvPr/>
             </p:nvSpPr>
@@ -15801,7 +15680,7 @@
           </p:sp>
           <p:sp>
             <p:nvSpPr>
-              <p:cNvPr id="281" name="Circle"/>
+              <p:cNvPr id="280" name="Circle"/>
               <p:cNvSpPr/>
               <p:nvPr/>
             </p:nvSpPr>
@@ -15852,7 +15731,7 @@
       </p:grpSp>
       <p:grpSp>
         <p:nvGrpSpPr>
-          <p:cNvPr id="312" name="Group"/>
+          <p:cNvPr id="311" name="Group"/>
           <p:cNvGrpSpPr/>
           <p:nvPr/>
         </p:nvGrpSpPr>
@@ -15866,7 +15745,7 @@
         </p:grpSpPr>
         <p:pic>
           <p:nvPicPr>
-            <p:cNvPr id="284" name="Image" descr="Image"/>
+            <p:cNvPr id="283" name="Image" descr="Image"/>
             <p:cNvPicPr>
               <a:picLocks noChangeAspect="1"/>
             </p:cNvPicPr>
@@ -15897,7 +15776,7 @@
         </p:pic>
         <p:grpSp>
           <p:nvGrpSpPr>
-            <p:cNvPr id="311" name="Group"/>
+            <p:cNvPr id="310" name="Group"/>
             <p:cNvGrpSpPr/>
             <p:nvPr/>
           </p:nvGrpSpPr>
@@ -15911,7 +15790,7 @@
           </p:grpSpPr>
           <p:sp>
             <p:nvSpPr>
-              <p:cNvPr id="285" name="Circle"/>
+              <p:cNvPr id="284" name="Circle"/>
               <p:cNvSpPr/>
               <p:nvPr/>
             </p:nvSpPr>
@@ -15960,7 +15839,7 @@
           </p:sp>
           <p:sp>
             <p:nvSpPr>
-              <p:cNvPr id="286" name="Circle"/>
+              <p:cNvPr id="285" name="Circle"/>
               <p:cNvSpPr/>
               <p:nvPr/>
             </p:nvSpPr>
@@ -16009,7 +15888,7 @@
           </p:sp>
           <p:sp>
             <p:nvSpPr>
-              <p:cNvPr id="287" name="Circle"/>
+              <p:cNvPr id="286" name="Circle"/>
               <p:cNvSpPr/>
               <p:nvPr/>
             </p:nvSpPr>
@@ -16058,7 +15937,7 @@
           </p:sp>
           <p:sp>
             <p:nvSpPr>
-              <p:cNvPr id="288" name="Circle"/>
+              <p:cNvPr id="287" name="Circle"/>
               <p:cNvSpPr/>
               <p:nvPr/>
             </p:nvSpPr>
@@ -16107,7 +15986,7 @@
           </p:sp>
           <p:sp>
             <p:nvSpPr>
-              <p:cNvPr id="289" name="Circle"/>
+              <p:cNvPr id="288" name="Circle"/>
               <p:cNvSpPr/>
               <p:nvPr/>
             </p:nvSpPr>
@@ -16156,7 +16035,7 @@
           </p:sp>
           <p:sp>
             <p:nvSpPr>
-              <p:cNvPr id="290" name="Circle"/>
+              <p:cNvPr id="289" name="Circle"/>
               <p:cNvSpPr/>
               <p:nvPr/>
             </p:nvSpPr>
@@ -16205,7 +16084,7 @@
           </p:sp>
           <p:sp>
             <p:nvSpPr>
-              <p:cNvPr id="291" name="Circle"/>
+              <p:cNvPr id="290" name="Circle"/>
               <p:cNvSpPr/>
               <p:nvPr/>
             </p:nvSpPr>
@@ -16254,7 +16133,7 @@
           </p:sp>
           <p:sp>
             <p:nvSpPr>
-              <p:cNvPr id="292" name="Circle"/>
+              <p:cNvPr id="291" name="Circle"/>
               <p:cNvSpPr/>
               <p:nvPr/>
             </p:nvSpPr>
@@ -16303,7 +16182,7 @@
           </p:sp>
           <p:sp>
             <p:nvSpPr>
-              <p:cNvPr id="293" name="Circle"/>
+              <p:cNvPr id="292" name="Circle"/>
               <p:cNvSpPr/>
               <p:nvPr/>
             </p:nvSpPr>
@@ -16352,7 +16231,7 @@
           </p:sp>
           <p:sp>
             <p:nvSpPr>
-              <p:cNvPr id="294" name="Circle"/>
+              <p:cNvPr id="293" name="Circle"/>
               <p:cNvSpPr/>
               <p:nvPr/>
             </p:nvSpPr>
@@ -16401,7 +16280,7 @@
           </p:sp>
           <p:sp>
             <p:nvSpPr>
-              <p:cNvPr id="295" name="Circle"/>
+              <p:cNvPr id="294" name="Circle"/>
               <p:cNvSpPr/>
               <p:nvPr/>
             </p:nvSpPr>
@@ -16450,7 +16329,7 @@
           </p:sp>
           <p:sp>
             <p:nvSpPr>
-              <p:cNvPr id="296" name="Circle"/>
+              <p:cNvPr id="295" name="Circle"/>
               <p:cNvSpPr/>
               <p:nvPr/>
             </p:nvSpPr>
@@ -16499,7 +16378,7 @@
           </p:sp>
           <p:sp>
             <p:nvSpPr>
-              <p:cNvPr id="297" name="Circle"/>
+              <p:cNvPr id="296" name="Circle"/>
               <p:cNvSpPr/>
               <p:nvPr/>
             </p:nvSpPr>
@@ -16548,7 +16427,7 @@
           </p:sp>
           <p:sp>
             <p:nvSpPr>
-              <p:cNvPr id="298" name="Circle"/>
+              <p:cNvPr id="297" name="Circle"/>
               <p:cNvSpPr/>
               <p:nvPr/>
             </p:nvSpPr>
@@ -16597,7 +16476,7 @@
           </p:sp>
           <p:sp>
             <p:nvSpPr>
-              <p:cNvPr id="299" name="Circle"/>
+              <p:cNvPr id="298" name="Circle"/>
               <p:cNvSpPr/>
               <p:nvPr/>
             </p:nvSpPr>
@@ -16646,7 +16525,7 @@
           </p:sp>
           <p:sp>
             <p:nvSpPr>
-              <p:cNvPr id="300" name="Circle"/>
+              <p:cNvPr id="299" name="Circle"/>
               <p:cNvSpPr/>
               <p:nvPr/>
             </p:nvSpPr>
@@ -16695,7 +16574,7 @@
           </p:sp>
           <p:sp>
             <p:nvSpPr>
-              <p:cNvPr id="301" name="Circle"/>
+              <p:cNvPr id="300" name="Circle"/>
               <p:cNvSpPr/>
               <p:nvPr/>
             </p:nvSpPr>
@@ -16744,7 +16623,7 @@
           </p:sp>
           <p:sp>
             <p:nvSpPr>
-              <p:cNvPr id="302" name="Circle"/>
+              <p:cNvPr id="301" name="Circle"/>
               <p:cNvSpPr/>
               <p:nvPr/>
             </p:nvSpPr>
@@ -16793,7 +16672,7 @@
           </p:sp>
           <p:sp>
             <p:nvSpPr>
-              <p:cNvPr id="303" name="Circle"/>
+              <p:cNvPr id="302" name="Circle"/>
               <p:cNvSpPr/>
               <p:nvPr/>
             </p:nvSpPr>
@@ -16842,7 +16721,7 @@
           </p:sp>
           <p:sp>
             <p:nvSpPr>
-              <p:cNvPr id="304" name="Circle"/>
+              <p:cNvPr id="303" name="Circle"/>
               <p:cNvSpPr/>
               <p:nvPr/>
             </p:nvSpPr>
@@ -16891,7 +16770,7 @@
           </p:sp>
           <p:sp>
             <p:nvSpPr>
-              <p:cNvPr id="305" name="Circle"/>
+              <p:cNvPr id="304" name="Circle"/>
               <p:cNvSpPr/>
               <p:nvPr/>
             </p:nvSpPr>
@@ -16940,7 +16819,7 @@
           </p:sp>
           <p:sp>
             <p:nvSpPr>
-              <p:cNvPr id="306" name="Circle"/>
+              <p:cNvPr id="305" name="Circle"/>
               <p:cNvSpPr/>
               <p:nvPr/>
             </p:nvSpPr>
@@ -16989,7 +16868,7 @@
           </p:sp>
           <p:sp>
             <p:nvSpPr>
-              <p:cNvPr id="307" name="Circle"/>
+              <p:cNvPr id="306" name="Circle"/>
               <p:cNvSpPr/>
               <p:nvPr/>
             </p:nvSpPr>
@@ -17038,7 +16917,7 @@
           </p:sp>
           <p:sp>
             <p:nvSpPr>
-              <p:cNvPr id="308" name="Circle"/>
+              <p:cNvPr id="307" name="Circle"/>
               <p:cNvSpPr/>
               <p:nvPr/>
             </p:nvSpPr>
@@ -17087,7 +16966,7 @@
           </p:sp>
           <p:sp>
             <p:nvSpPr>
-              <p:cNvPr id="309" name="Circle"/>
+              <p:cNvPr id="308" name="Circle"/>
               <p:cNvSpPr/>
               <p:nvPr/>
             </p:nvSpPr>
@@ -17136,7 +17015,7 @@
           </p:sp>
           <p:sp>
             <p:nvSpPr>
-              <p:cNvPr id="310" name="Circle"/>
+              <p:cNvPr id="309" name="Circle"/>
               <p:cNvSpPr/>
               <p:nvPr/>
             </p:nvSpPr>
@@ -17187,7 +17066,7 @@
       </p:grpSp>
       <p:grpSp>
         <p:nvGrpSpPr>
-          <p:cNvPr id="319" name="Group"/>
+          <p:cNvPr id="318" name="Group"/>
           <p:cNvGrpSpPr/>
           <p:nvPr/>
         </p:nvGrpSpPr>
@@ -17201,7 +17080,7 @@
         </p:grpSpPr>
         <p:pic>
           <p:nvPicPr>
-            <p:cNvPr id="313" name="Image" descr="Image"/>
+            <p:cNvPr id="312" name="Image" descr="Image"/>
             <p:cNvPicPr>
               <a:picLocks noChangeAspect="1"/>
             </p:cNvPicPr>
@@ -17232,7 +17111,7 @@
         </p:pic>
         <p:grpSp>
           <p:nvGrpSpPr>
-            <p:cNvPr id="318" name="Group"/>
+            <p:cNvPr id="317" name="Group"/>
             <p:cNvGrpSpPr/>
             <p:nvPr/>
           </p:nvGrpSpPr>
@@ -17246,7 +17125,7 @@
           </p:grpSpPr>
           <p:sp>
             <p:nvSpPr>
-              <p:cNvPr id="314" name="Rectangle"/>
+              <p:cNvPr id="313" name="Rectangle"/>
               <p:cNvSpPr/>
               <p:nvPr/>
             </p:nvSpPr>
@@ -17295,7 +17174,7 @@
           </p:sp>
           <p:sp>
             <p:nvSpPr>
-              <p:cNvPr id="315" name="Rectangle"/>
+              <p:cNvPr id="314" name="Rectangle"/>
               <p:cNvSpPr/>
               <p:nvPr/>
             </p:nvSpPr>
@@ -17344,7 +17223,7 @@
           </p:sp>
           <p:sp>
             <p:nvSpPr>
-              <p:cNvPr id="316" name="Rectangle"/>
+              <p:cNvPr id="315" name="Rectangle"/>
               <p:cNvSpPr/>
               <p:nvPr/>
             </p:nvSpPr>
@@ -17393,7 +17272,7 @@
           </p:sp>
           <p:sp>
             <p:nvSpPr>
-              <p:cNvPr id="317" name="Rectangle"/>
+              <p:cNvPr id="316" name="Rectangle"/>
               <p:cNvSpPr/>
               <p:nvPr/>
             </p:nvSpPr>
@@ -17444,7 +17323,7 @@
       </p:grpSp>
       <p:grpSp>
         <p:nvGrpSpPr>
-          <p:cNvPr id="338" name="Group"/>
+          <p:cNvPr id="337" name="Group"/>
           <p:cNvGrpSpPr/>
           <p:nvPr/>
         </p:nvGrpSpPr>
@@ -17458,7 +17337,7 @@
         </p:grpSpPr>
         <p:pic>
           <p:nvPicPr>
-            <p:cNvPr id="320" name="Image" descr="Image"/>
+            <p:cNvPr id="319" name="Image" descr="Image"/>
             <p:cNvPicPr>
               <a:picLocks noChangeAspect="1"/>
             </p:cNvPicPr>
@@ -17489,7 +17368,7 @@
         </p:pic>
         <p:grpSp>
           <p:nvGrpSpPr>
-            <p:cNvPr id="337" name="Group"/>
+            <p:cNvPr id="336" name="Group"/>
             <p:cNvGrpSpPr/>
             <p:nvPr/>
           </p:nvGrpSpPr>
@@ -17503,7 +17382,7 @@
           </p:grpSpPr>
           <p:sp>
             <p:nvSpPr>
-              <p:cNvPr id="321" name="Circle"/>
+              <p:cNvPr id="320" name="Circle"/>
               <p:cNvSpPr/>
               <p:nvPr/>
             </p:nvSpPr>
@@ -17552,7 +17431,7 @@
           </p:sp>
           <p:sp>
             <p:nvSpPr>
-              <p:cNvPr id="322" name="Circle"/>
+              <p:cNvPr id="321" name="Circle"/>
               <p:cNvSpPr/>
               <p:nvPr/>
             </p:nvSpPr>
@@ -17601,7 +17480,7 @@
           </p:sp>
           <p:sp>
             <p:nvSpPr>
-              <p:cNvPr id="323" name="Circle"/>
+              <p:cNvPr id="322" name="Circle"/>
               <p:cNvSpPr/>
               <p:nvPr/>
             </p:nvSpPr>
@@ -17650,7 +17529,7 @@
           </p:sp>
           <p:sp>
             <p:nvSpPr>
-              <p:cNvPr id="324" name="Circle"/>
+              <p:cNvPr id="323" name="Circle"/>
               <p:cNvSpPr/>
               <p:nvPr/>
             </p:nvSpPr>
@@ -17699,7 +17578,7 @@
           </p:sp>
           <p:sp>
             <p:nvSpPr>
-              <p:cNvPr id="325" name="Circle"/>
+              <p:cNvPr id="324" name="Circle"/>
               <p:cNvSpPr/>
               <p:nvPr/>
             </p:nvSpPr>
@@ -17748,7 +17627,7 @@
           </p:sp>
           <p:sp>
             <p:nvSpPr>
-              <p:cNvPr id="326" name="Circle"/>
+              <p:cNvPr id="325" name="Circle"/>
               <p:cNvSpPr/>
               <p:nvPr/>
             </p:nvSpPr>
@@ -17797,7 +17676,7 @@
           </p:sp>
           <p:sp>
             <p:nvSpPr>
-              <p:cNvPr id="327" name="Circle"/>
+              <p:cNvPr id="326" name="Circle"/>
               <p:cNvSpPr/>
               <p:nvPr/>
             </p:nvSpPr>
@@ -17846,7 +17725,7 @@
           </p:sp>
           <p:sp>
             <p:nvSpPr>
-              <p:cNvPr id="328" name="Circle"/>
+              <p:cNvPr id="327" name="Circle"/>
               <p:cNvSpPr/>
               <p:nvPr/>
             </p:nvSpPr>
@@ -17895,7 +17774,7 @@
           </p:sp>
           <p:sp>
             <p:nvSpPr>
-              <p:cNvPr id="329" name="Circle"/>
+              <p:cNvPr id="328" name="Circle"/>
               <p:cNvSpPr/>
               <p:nvPr/>
             </p:nvSpPr>
@@ -17944,7 +17823,7 @@
           </p:sp>
           <p:sp>
             <p:nvSpPr>
-              <p:cNvPr id="330" name="Circle"/>
+              <p:cNvPr id="329" name="Circle"/>
               <p:cNvSpPr/>
               <p:nvPr/>
             </p:nvSpPr>
@@ -17993,7 +17872,7 @@
           </p:sp>
           <p:sp>
             <p:nvSpPr>
-              <p:cNvPr id="331" name="Circle"/>
+              <p:cNvPr id="330" name="Circle"/>
               <p:cNvSpPr/>
               <p:nvPr/>
             </p:nvSpPr>
@@ -18042,7 +17921,7 @@
           </p:sp>
           <p:sp>
             <p:nvSpPr>
-              <p:cNvPr id="332" name="Circle"/>
+              <p:cNvPr id="331" name="Circle"/>
               <p:cNvSpPr/>
               <p:nvPr/>
             </p:nvSpPr>
@@ -18091,7 +17970,7 @@
           </p:sp>
           <p:sp>
             <p:nvSpPr>
-              <p:cNvPr id="333" name="Circle"/>
+              <p:cNvPr id="332" name="Circle"/>
               <p:cNvSpPr/>
               <p:nvPr/>
             </p:nvSpPr>
@@ -18140,7 +18019,7 @@
           </p:sp>
           <p:sp>
             <p:nvSpPr>
-              <p:cNvPr id="334" name="Circle"/>
+              <p:cNvPr id="333" name="Circle"/>
               <p:cNvSpPr/>
               <p:nvPr/>
             </p:nvSpPr>
@@ -18189,7 +18068,7 @@
           </p:sp>
           <p:sp>
             <p:nvSpPr>
-              <p:cNvPr id="335" name="Circle"/>
+              <p:cNvPr id="334" name="Circle"/>
               <p:cNvSpPr/>
               <p:nvPr/>
             </p:nvSpPr>
@@ -18238,7 +18117,7 @@
           </p:sp>
           <p:sp>
             <p:nvSpPr>
-              <p:cNvPr id="336" name="Circle"/>
+              <p:cNvPr id="335" name="Circle"/>
               <p:cNvSpPr/>
               <p:nvPr/>
             </p:nvSpPr>
@@ -18289,7 +18168,7 @@
       </p:grpSp>
       <p:grpSp>
         <p:nvGrpSpPr>
-          <p:cNvPr id="344" name="Group"/>
+          <p:cNvPr id="343" name="Group"/>
           <p:cNvGrpSpPr/>
           <p:nvPr/>
         </p:nvGrpSpPr>
@@ -18303,7 +18182,7 @@
         </p:grpSpPr>
         <p:pic>
           <p:nvPicPr>
-            <p:cNvPr id="339" name="Image" descr="Image"/>
+            <p:cNvPr id="338" name="Image" descr="Image"/>
             <p:cNvPicPr>
               <a:picLocks noChangeAspect="1"/>
             </p:cNvPicPr>
@@ -18334,7 +18213,7 @@
         </p:pic>
         <p:grpSp>
           <p:nvGrpSpPr>
-            <p:cNvPr id="343" name="Group"/>
+            <p:cNvPr id="342" name="Group"/>
             <p:cNvGrpSpPr/>
             <p:nvPr/>
           </p:nvGrpSpPr>
@@ -18348,7 +18227,7 @@
           </p:grpSpPr>
           <p:sp>
             <p:nvSpPr>
-              <p:cNvPr id="340" name="Line"/>
+              <p:cNvPr id="339" name="Line"/>
               <p:cNvSpPr/>
               <p:nvPr/>
             </p:nvSpPr>
@@ -18395,7 +18274,7 @@
           </p:sp>
           <p:sp>
             <p:nvSpPr>
-              <p:cNvPr id="341" name="Line"/>
+              <p:cNvPr id="340" name="Line"/>
               <p:cNvSpPr/>
               <p:nvPr/>
             </p:nvSpPr>
@@ -18442,7 +18321,7 @@
           </p:sp>
           <p:sp>
             <p:nvSpPr>
-              <p:cNvPr id="342" name="Line"/>
+              <p:cNvPr id="341" name="Line"/>
               <p:cNvSpPr/>
               <p:nvPr/>
             </p:nvSpPr>
@@ -18491,7 +18370,7 @@
       </p:grpSp>
       <p:grpSp>
         <p:nvGrpSpPr>
-          <p:cNvPr id="378" name="Group"/>
+          <p:cNvPr id="377" name="Group"/>
           <p:cNvGrpSpPr/>
           <p:nvPr/>
         </p:nvGrpSpPr>
@@ -18505,7 +18384,7 @@
         </p:grpSpPr>
         <p:pic>
           <p:nvPicPr>
-            <p:cNvPr id="345" name="Image" descr="Image"/>
+            <p:cNvPr id="344" name="Image" descr="Image"/>
             <p:cNvPicPr>
               <a:picLocks noChangeAspect="1"/>
             </p:cNvPicPr>
@@ -18536,7 +18415,7 @@
         </p:pic>
         <p:grpSp>
           <p:nvGrpSpPr>
-            <p:cNvPr id="361" name="Group"/>
+            <p:cNvPr id="360" name="Group"/>
             <p:cNvGrpSpPr/>
             <p:nvPr/>
           </p:nvGrpSpPr>
@@ -18550,7 +18429,7 @@
           </p:grpSpPr>
           <p:sp>
             <p:nvSpPr>
-              <p:cNvPr id="346" name="Line"/>
+              <p:cNvPr id="345" name="Line"/>
               <p:cNvSpPr/>
               <p:nvPr/>
             </p:nvSpPr>
@@ -18597,7 +18476,7 @@
           </p:sp>
           <p:sp>
             <p:nvSpPr>
-              <p:cNvPr id="347" name="Line"/>
+              <p:cNvPr id="346" name="Line"/>
               <p:cNvSpPr/>
               <p:nvPr/>
             </p:nvSpPr>
@@ -18644,7 +18523,7 @@
           </p:sp>
           <p:sp>
             <p:nvSpPr>
-              <p:cNvPr id="348" name="Line"/>
+              <p:cNvPr id="347" name="Line"/>
               <p:cNvSpPr/>
               <p:nvPr/>
             </p:nvSpPr>
@@ -18691,7 +18570,7 @@
           </p:sp>
           <p:sp>
             <p:nvSpPr>
-              <p:cNvPr id="349" name="Line"/>
+              <p:cNvPr id="348" name="Line"/>
               <p:cNvSpPr/>
               <p:nvPr/>
             </p:nvSpPr>
@@ -18738,7 +18617,7 @@
           </p:sp>
           <p:sp>
             <p:nvSpPr>
-              <p:cNvPr id="350" name="Line"/>
+              <p:cNvPr id="349" name="Line"/>
               <p:cNvSpPr/>
               <p:nvPr/>
             </p:nvSpPr>
@@ -18785,7 +18664,7 @@
           </p:sp>
           <p:sp>
             <p:nvSpPr>
-              <p:cNvPr id="351" name="Line"/>
+              <p:cNvPr id="350" name="Line"/>
               <p:cNvSpPr/>
               <p:nvPr/>
             </p:nvSpPr>
@@ -18832,7 +18711,7 @@
           </p:sp>
           <p:sp>
             <p:nvSpPr>
-              <p:cNvPr id="352" name="Line"/>
+              <p:cNvPr id="351" name="Line"/>
               <p:cNvSpPr/>
               <p:nvPr/>
             </p:nvSpPr>
@@ -18879,7 +18758,7 @@
           </p:sp>
           <p:sp>
             <p:nvSpPr>
-              <p:cNvPr id="353" name="Line"/>
+              <p:cNvPr id="352" name="Line"/>
               <p:cNvSpPr/>
               <p:nvPr/>
             </p:nvSpPr>
@@ -18926,7 +18805,7 @@
           </p:sp>
           <p:sp>
             <p:nvSpPr>
-              <p:cNvPr id="354" name="Line"/>
+              <p:cNvPr id="353" name="Line"/>
               <p:cNvSpPr/>
               <p:nvPr/>
             </p:nvSpPr>
@@ -18973,7 +18852,7 @@
           </p:sp>
           <p:sp>
             <p:nvSpPr>
-              <p:cNvPr id="355" name="Line"/>
+              <p:cNvPr id="354" name="Line"/>
               <p:cNvSpPr/>
               <p:nvPr/>
             </p:nvSpPr>
@@ -19020,7 +18899,7 @@
           </p:sp>
           <p:sp>
             <p:nvSpPr>
-              <p:cNvPr id="356" name="Line"/>
+              <p:cNvPr id="355" name="Line"/>
               <p:cNvSpPr/>
               <p:nvPr/>
             </p:nvSpPr>
@@ -19067,7 +18946,7 @@
           </p:sp>
           <p:sp>
             <p:nvSpPr>
-              <p:cNvPr id="357" name="Line"/>
+              <p:cNvPr id="356" name="Line"/>
               <p:cNvSpPr/>
               <p:nvPr/>
             </p:nvSpPr>
@@ -19114,7 +18993,7 @@
           </p:sp>
           <p:sp>
             <p:nvSpPr>
-              <p:cNvPr id="358" name="Line"/>
+              <p:cNvPr id="357" name="Line"/>
               <p:cNvSpPr/>
               <p:nvPr/>
             </p:nvSpPr>
@@ -19161,7 +19040,7 @@
           </p:sp>
           <p:sp>
             <p:nvSpPr>
-              <p:cNvPr id="359" name="Line"/>
+              <p:cNvPr id="358" name="Line"/>
               <p:cNvSpPr/>
               <p:nvPr/>
             </p:nvSpPr>
@@ -19208,7 +19087,7 @@
           </p:sp>
           <p:sp>
             <p:nvSpPr>
-              <p:cNvPr id="360" name="Line"/>
+              <p:cNvPr id="359" name="Line"/>
               <p:cNvSpPr/>
               <p:nvPr/>
             </p:nvSpPr>
@@ -19256,7 +19135,7 @@
         </p:grpSp>
         <p:grpSp>
           <p:nvGrpSpPr>
-            <p:cNvPr id="377" name="Group"/>
+            <p:cNvPr id="376" name="Group"/>
             <p:cNvGrpSpPr/>
             <p:nvPr/>
           </p:nvGrpSpPr>
@@ -19270,7 +19149,7 @@
           </p:grpSpPr>
           <p:sp>
             <p:nvSpPr>
-              <p:cNvPr id="362" name="Line"/>
+              <p:cNvPr id="361" name="Line"/>
               <p:cNvSpPr/>
               <p:nvPr/>
             </p:nvSpPr>
@@ -19317,7 +19196,7 @@
           </p:sp>
           <p:sp>
             <p:nvSpPr>
-              <p:cNvPr id="363" name="Line"/>
+              <p:cNvPr id="362" name="Line"/>
               <p:cNvSpPr/>
               <p:nvPr/>
             </p:nvSpPr>
@@ -19364,7 +19243,7 @@
           </p:sp>
           <p:sp>
             <p:nvSpPr>
-              <p:cNvPr id="364" name="Line"/>
+              <p:cNvPr id="363" name="Line"/>
               <p:cNvSpPr/>
               <p:nvPr/>
             </p:nvSpPr>
@@ -19411,7 +19290,7 @@
           </p:sp>
           <p:sp>
             <p:nvSpPr>
-              <p:cNvPr id="365" name="Line"/>
+              <p:cNvPr id="364" name="Line"/>
               <p:cNvSpPr/>
               <p:nvPr/>
             </p:nvSpPr>
@@ -19458,7 +19337,7 @@
           </p:sp>
           <p:sp>
             <p:nvSpPr>
-              <p:cNvPr id="366" name="Line"/>
+              <p:cNvPr id="365" name="Line"/>
               <p:cNvSpPr/>
               <p:nvPr/>
             </p:nvSpPr>
@@ -19505,7 +19384,7 @@
           </p:sp>
           <p:sp>
             <p:nvSpPr>
-              <p:cNvPr id="367" name="Line"/>
+              <p:cNvPr id="366" name="Line"/>
               <p:cNvSpPr/>
               <p:nvPr/>
             </p:nvSpPr>
@@ -19552,7 +19431,7 @@
           </p:sp>
           <p:sp>
             <p:nvSpPr>
-              <p:cNvPr id="368" name="Line"/>
+              <p:cNvPr id="367" name="Line"/>
               <p:cNvSpPr/>
               <p:nvPr/>
             </p:nvSpPr>
@@ -19599,7 +19478,7 @@
           </p:sp>
           <p:sp>
             <p:nvSpPr>
-              <p:cNvPr id="369" name="Line"/>
+              <p:cNvPr id="368" name="Line"/>
               <p:cNvSpPr/>
               <p:nvPr/>
             </p:nvSpPr>
@@ -19646,7 +19525,7 @@
           </p:sp>
           <p:sp>
             <p:nvSpPr>
-              <p:cNvPr id="370" name="Line"/>
+              <p:cNvPr id="369" name="Line"/>
               <p:cNvSpPr/>
               <p:nvPr/>
             </p:nvSpPr>
@@ -19693,7 +19572,7 @@
           </p:sp>
           <p:sp>
             <p:nvSpPr>
-              <p:cNvPr id="371" name="Line"/>
+              <p:cNvPr id="370" name="Line"/>
               <p:cNvSpPr/>
               <p:nvPr/>
             </p:nvSpPr>
@@ -19740,7 +19619,7 @@
           </p:sp>
           <p:sp>
             <p:nvSpPr>
-              <p:cNvPr id="372" name="Line"/>
+              <p:cNvPr id="371" name="Line"/>
               <p:cNvSpPr/>
               <p:nvPr/>
             </p:nvSpPr>
@@ -19787,7 +19666,7 @@
           </p:sp>
           <p:sp>
             <p:nvSpPr>
-              <p:cNvPr id="373" name="Line"/>
+              <p:cNvPr id="372" name="Line"/>
               <p:cNvSpPr/>
               <p:nvPr/>
             </p:nvSpPr>
@@ -19834,7 +19713,7 @@
           </p:sp>
           <p:sp>
             <p:nvSpPr>
-              <p:cNvPr id="374" name="Line"/>
+              <p:cNvPr id="373" name="Line"/>
               <p:cNvSpPr/>
               <p:nvPr/>
             </p:nvSpPr>
@@ -19881,7 +19760,7 @@
           </p:sp>
           <p:sp>
             <p:nvSpPr>
-              <p:cNvPr id="375" name="Line"/>
+              <p:cNvPr id="374" name="Line"/>
               <p:cNvSpPr/>
               <p:nvPr/>
             </p:nvSpPr>
@@ -19928,7 +19807,7 @@
           </p:sp>
           <p:sp>
             <p:nvSpPr>
-              <p:cNvPr id="376" name="Line"/>
+              <p:cNvPr id="375" name="Line"/>
               <p:cNvSpPr/>
               <p:nvPr/>
             </p:nvSpPr>
@@ -19977,7 +19856,7 @@
       </p:grpSp>
       <p:grpSp>
         <p:nvGrpSpPr>
-          <p:cNvPr id="382" name="Group"/>
+          <p:cNvPr id="381" name="Group"/>
           <p:cNvGrpSpPr/>
           <p:nvPr/>
         </p:nvGrpSpPr>
@@ -19991,7 +19870,7 @@
         </p:grpSpPr>
         <p:pic>
           <p:nvPicPr>
-            <p:cNvPr id="379" name="Image" descr="Image"/>
+            <p:cNvPr id="378" name="Image" descr="Image"/>
             <p:cNvPicPr>
               <a:picLocks noChangeAspect="1"/>
             </p:cNvPicPr>
@@ -20022,7 +19901,7 @@
         </p:pic>
         <p:sp>
           <p:nvSpPr>
-            <p:cNvPr id="380" name="Shape"/>
+            <p:cNvPr id="379" name="Shape"/>
             <p:cNvSpPr/>
             <p:nvPr/>
           </p:nvSpPr>
@@ -20141,7 +20020,7 @@
         </p:sp>
         <p:sp>
           <p:nvSpPr>
-            <p:cNvPr id="381" name="Line"/>
+            <p:cNvPr id="380" name="Line"/>
             <p:cNvSpPr/>
             <p:nvPr/>
           </p:nvSpPr>
@@ -20228,7 +20107,7 @@
       </p:grpSp>
       <p:grpSp>
         <p:nvGrpSpPr>
-          <p:cNvPr id="389" name="Group"/>
+          <p:cNvPr id="388" name="Group"/>
           <p:cNvGrpSpPr/>
           <p:nvPr/>
         </p:nvGrpSpPr>
@@ -20242,7 +20121,7 @@
         </p:grpSpPr>
         <p:pic>
           <p:nvPicPr>
-            <p:cNvPr id="383" name="Image" descr="Image"/>
+            <p:cNvPr id="382" name="Image" descr="Image"/>
             <p:cNvPicPr>
               <a:picLocks noChangeAspect="1"/>
             </p:cNvPicPr>
@@ -20273,7 +20152,7 @@
         </p:pic>
         <p:grpSp>
           <p:nvGrpSpPr>
-            <p:cNvPr id="388" name="Group"/>
+            <p:cNvPr id="387" name="Group"/>
             <p:cNvGrpSpPr/>
             <p:nvPr/>
           </p:nvGrpSpPr>
@@ -20287,7 +20166,7 @@
           </p:grpSpPr>
           <p:sp>
             <p:nvSpPr>
-              <p:cNvPr id="384" name="Rectangle"/>
+              <p:cNvPr id="383" name="Rectangle"/>
               <p:cNvSpPr/>
               <p:nvPr/>
             </p:nvSpPr>
@@ -20336,7 +20215,7 @@
           </p:sp>
           <p:sp>
             <p:nvSpPr>
-              <p:cNvPr id="385" name="Rectangle"/>
+              <p:cNvPr id="384" name="Rectangle"/>
               <p:cNvSpPr/>
               <p:nvPr/>
             </p:nvSpPr>
@@ -20385,7 +20264,7 @@
           </p:sp>
           <p:sp>
             <p:nvSpPr>
-              <p:cNvPr id="386" name="Rectangle"/>
+              <p:cNvPr id="385" name="Rectangle"/>
               <p:cNvSpPr/>
               <p:nvPr/>
             </p:nvSpPr>
@@ -20434,7 +20313,7 @@
           </p:sp>
           <p:sp>
             <p:nvSpPr>
-              <p:cNvPr id="387" name="Rectangle"/>
+              <p:cNvPr id="386" name="Rectangle"/>
               <p:cNvSpPr/>
               <p:nvPr/>
             </p:nvSpPr>
@@ -20485,7 +20364,7 @@
       </p:grpSp>
       <p:grpSp>
         <p:nvGrpSpPr>
-          <p:cNvPr id="402" name="Group"/>
+          <p:cNvPr id="401" name="Group"/>
           <p:cNvGrpSpPr/>
           <p:nvPr/>
         </p:nvGrpSpPr>
@@ -20499,7 +20378,7 @@
         </p:grpSpPr>
         <p:pic>
           <p:nvPicPr>
-            <p:cNvPr id="390" name="Image" descr="Image"/>
+            <p:cNvPr id="389" name="Image" descr="Image"/>
             <p:cNvPicPr>
               <a:picLocks noChangeAspect="1"/>
             </p:cNvPicPr>
@@ -20530,7 +20409,7 @@
         </p:pic>
         <p:grpSp>
           <p:nvGrpSpPr>
-            <p:cNvPr id="401" name="Group"/>
+            <p:cNvPr id="400" name="Group"/>
             <p:cNvGrpSpPr/>
             <p:nvPr/>
           </p:nvGrpSpPr>
@@ -20544,7 +20423,7 @@
           </p:grpSpPr>
           <p:grpSp>
             <p:nvGrpSpPr>
-              <p:cNvPr id="395" name="Group"/>
+              <p:cNvPr id="394" name="Group"/>
               <p:cNvGrpSpPr/>
               <p:nvPr/>
             </p:nvGrpSpPr>
@@ -20558,7 +20437,7 @@
             </p:grpSpPr>
             <p:sp>
               <p:nvSpPr>
-                <p:cNvPr id="391" name="Rectangle"/>
+                <p:cNvPr id="390" name="Rectangle"/>
                 <p:cNvSpPr/>
                 <p:nvPr/>
               </p:nvSpPr>
@@ -20607,7 +20486,7 @@
             </p:sp>
             <p:sp>
               <p:nvSpPr>
-                <p:cNvPr id="392" name="Line"/>
+                <p:cNvPr id="391" name="Line"/>
                 <p:cNvSpPr/>
                 <p:nvPr/>
               </p:nvSpPr>
@@ -20654,7 +20533,7 @@
             </p:sp>
             <p:sp>
               <p:nvSpPr>
-                <p:cNvPr id="393" name="Line"/>
+                <p:cNvPr id="392" name="Line"/>
                 <p:cNvSpPr/>
                 <p:nvPr/>
               </p:nvSpPr>
@@ -20701,7 +20580,7 @@
             </p:sp>
             <p:sp>
               <p:nvSpPr>
-                <p:cNvPr id="394" name="Line"/>
+                <p:cNvPr id="393" name="Line"/>
                 <p:cNvSpPr/>
                 <p:nvPr/>
               </p:nvSpPr>
@@ -20749,7 +20628,7 @@
           </p:grpSp>
           <p:sp>
             <p:nvSpPr>
-              <p:cNvPr id="396" name="Rectangle"/>
+              <p:cNvPr id="395" name="Rectangle"/>
               <p:cNvSpPr/>
               <p:nvPr/>
             </p:nvSpPr>
@@ -20798,7 +20677,7 @@
           </p:sp>
           <p:sp>
             <p:nvSpPr>
-              <p:cNvPr id="397" name="Line"/>
+              <p:cNvPr id="396" name="Line"/>
               <p:cNvSpPr/>
               <p:nvPr/>
             </p:nvSpPr>
@@ -20845,7 +20724,7 @@
           </p:sp>
           <p:sp>
             <p:nvSpPr>
-              <p:cNvPr id="398" name="Line"/>
+              <p:cNvPr id="397" name="Line"/>
               <p:cNvSpPr/>
               <p:nvPr/>
             </p:nvSpPr>
@@ -20892,7 +20771,7 @@
           </p:sp>
           <p:sp>
             <p:nvSpPr>
-              <p:cNvPr id="399" name="Line"/>
+              <p:cNvPr id="398" name="Line"/>
               <p:cNvSpPr/>
               <p:nvPr/>
             </p:nvSpPr>
@@ -20939,7 +20818,7 @@
           </p:sp>
           <p:sp>
             <p:nvSpPr>
-              <p:cNvPr id="400" name="Circle"/>
+              <p:cNvPr id="399" name="Circle"/>
               <p:cNvSpPr/>
               <p:nvPr/>
             </p:nvSpPr>
@@ -20990,7 +20869,7 @@
       </p:grpSp>
       <p:grpSp>
         <p:nvGrpSpPr>
-          <p:cNvPr id="430" name="Group"/>
+          <p:cNvPr id="429" name="Group"/>
           <p:cNvGrpSpPr/>
           <p:nvPr/>
         </p:nvGrpSpPr>
@@ -21004,7 +20883,7 @@
         </p:grpSpPr>
         <p:pic>
           <p:nvPicPr>
-            <p:cNvPr id="403" name="Image" descr="Image"/>
+            <p:cNvPr id="402" name="Image" descr="Image"/>
             <p:cNvPicPr>
               <a:picLocks noChangeAspect="1"/>
             </p:cNvPicPr>
@@ -21035,7 +20914,7 @@
         </p:pic>
         <p:grpSp>
           <p:nvGrpSpPr>
-            <p:cNvPr id="429" name="Group"/>
+            <p:cNvPr id="428" name="Group"/>
             <p:cNvGrpSpPr/>
             <p:nvPr/>
           </p:nvGrpSpPr>
@@ -21049,7 +20928,7 @@
           </p:grpSpPr>
           <p:sp>
             <p:nvSpPr>
-              <p:cNvPr id="404" name="Circle"/>
+              <p:cNvPr id="403" name="Circle"/>
               <p:cNvSpPr/>
               <p:nvPr/>
             </p:nvSpPr>
@@ -21098,7 +20977,7 @@
           </p:sp>
           <p:sp>
             <p:nvSpPr>
-              <p:cNvPr id="405" name="Circle"/>
+              <p:cNvPr id="404" name="Circle"/>
               <p:cNvSpPr/>
               <p:nvPr/>
             </p:nvSpPr>
@@ -21147,7 +21026,7 @@
           </p:sp>
           <p:sp>
             <p:nvSpPr>
-              <p:cNvPr id="406" name="Circle"/>
+              <p:cNvPr id="405" name="Circle"/>
               <p:cNvSpPr/>
               <p:nvPr/>
             </p:nvSpPr>
@@ -21196,7 +21075,7 @@
           </p:sp>
           <p:sp>
             <p:nvSpPr>
-              <p:cNvPr id="407" name="Circle"/>
+              <p:cNvPr id="406" name="Circle"/>
               <p:cNvSpPr/>
               <p:nvPr/>
             </p:nvSpPr>
@@ -21245,7 +21124,7 @@
           </p:sp>
           <p:sp>
             <p:nvSpPr>
-              <p:cNvPr id="408" name="Circle"/>
+              <p:cNvPr id="407" name="Circle"/>
               <p:cNvSpPr/>
               <p:nvPr/>
             </p:nvSpPr>
@@ -21294,7 +21173,7 @@
           </p:sp>
           <p:sp>
             <p:nvSpPr>
-              <p:cNvPr id="409" name="Circle"/>
+              <p:cNvPr id="408" name="Circle"/>
               <p:cNvSpPr/>
               <p:nvPr/>
             </p:nvSpPr>
@@ -21343,7 +21222,7 @@
           </p:sp>
           <p:sp>
             <p:nvSpPr>
-              <p:cNvPr id="410" name="Circle"/>
+              <p:cNvPr id="409" name="Circle"/>
               <p:cNvSpPr/>
               <p:nvPr/>
             </p:nvSpPr>
@@ -21392,7 +21271,7 @@
           </p:sp>
           <p:sp>
             <p:nvSpPr>
-              <p:cNvPr id="411" name="Circle"/>
+              <p:cNvPr id="410" name="Circle"/>
               <p:cNvSpPr/>
               <p:nvPr/>
             </p:nvSpPr>
@@ -21441,7 +21320,7 @@
           </p:sp>
           <p:sp>
             <p:nvSpPr>
-              <p:cNvPr id="412" name="Circle"/>
+              <p:cNvPr id="411" name="Circle"/>
               <p:cNvSpPr/>
               <p:nvPr/>
             </p:nvSpPr>
@@ -21490,7 +21369,7 @@
           </p:sp>
           <p:sp>
             <p:nvSpPr>
-              <p:cNvPr id="413" name="Circle"/>
+              <p:cNvPr id="412" name="Circle"/>
               <p:cNvSpPr/>
               <p:nvPr/>
             </p:nvSpPr>
@@ -21539,7 +21418,7 @@
           </p:sp>
           <p:sp>
             <p:nvSpPr>
-              <p:cNvPr id="414" name="Circle"/>
+              <p:cNvPr id="413" name="Circle"/>
               <p:cNvSpPr/>
               <p:nvPr/>
             </p:nvSpPr>
@@ -21588,7 +21467,7 @@
           </p:sp>
           <p:sp>
             <p:nvSpPr>
-              <p:cNvPr id="415" name="Circle"/>
+              <p:cNvPr id="414" name="Circle"/>
               <p:cNvSpPr/>
               <p:nvPr/>
             </p:nvSpPr>
@@ -21637,7 +21516,7 @@
           </p:sp>
           <p:sp>
             <p:nvSpPr>
-              <p:cNvPr id="416" name="Circle"/>
+              <p:cNvPr id="415" name="Circle"/>
               <p:cNvSpPr/>
               <p:nvPr/>
             </p:nvSpPr>
@@ -21686,7 +21565,7 @@
           </p:sp>
           <p:sp>
             <p:nvSpPr>
-              <p:cNvPr id="417" name="Circle"/>
+              <p:cNvPr id="416" name="Circle"/>
               <p:cNvSpPr/>
               <p:nvPr/>
             </p:nvSpPr>
@@ -21735,7 +21614,7 @@
           </p:sp>
           <p:sp>
             <p:nvSpPr>
-              <p:cNvPr id="418" name="Circle"/>
+              <p:cNvPr id="417" name="Circle"/>
               <p:cNvSpPr/>
               <p:nvPr/>
             </p:nvSpPr>
@@ -21784,7 +21663,7 @@
           </p:sp>
           <p:sp>
             <p:nvSpPr>
-              <p:cNvPr id="419" name="Circle"/>
+              <p:cNvPr id="418" name="Circle"/>
               <p:cNvSpPr/>
               <p:nvPr/>
             </p:nvSpPr>
@@ -21833,7 +21712,7 @@
           </p:sp>
           <p:sp>
             <p:nvSpPr>
-              <p:cNvPr id="420" name="Circle"/>
+              <p:cNvPr id="419" name="Circle"/>
               <p:cNvSpPr/>
               <p:nvPr/>
             </p:nvSpPr>
@@ -21882,7 +21761,7 @@
           </p:sp>
           <p:sp>
             <p:nvSpPr>
-              <p:cNvPr id="421" name="Circle"/>
+              <p:cNvPr id="420" name="Circle"/>
               <p:cNvSpPr/>
               <p:nvPr/>
             </p:nvSpPr>
@@ -21931,7 +21810,7 @@
           </p:sp>
           <p:sp>
             <p:nvSpPr>
-              <p:cNvPr id="422" name="Circle"/>
+              <p:cNvPr id="421" name="Circle"/>
               <p:cNvSpPr/>
               <p:nvPr/>
             </p:nvSpPr>
@@ -21980,7 +21859,7 @@
           </p:sp>
           <p:sp>
             <p:nvSpPr>
-              <p:cNvPr id="423" name="Circle"/>
+              <p:cNvPr id="422" name="Circle"/>
               <p:cNvSpPr/>
               <p:nvPr/>
             </p:nvSpPr>
@@ -22029,7 +21908,7 @@
           </p:sp>
           <p:sp>
             <p:nvSpPr>
-              <p:cNvPr id="424" name="Circle"/>
+              <p:cNvPr id="423" name="Circle"/>
               <p:cNvSpPr/>
               <p:nvPr/>
             </p:nvSpPr>
@@ -22078,7 +21957,7 @@
           </p:sp>
           <p:sp>
             <p:nvSpPr>
-              <p:cNvPr id="425" name="Circle"/>
+              <p:cNvPr id="424" name="Circle"/>
               <p:cNvSpPr/>
               <p:nvPr/>
             </p:nvSpPr>
@@ -22127,7 +22006,7 @@
           </p:sp>
           <p:sp>
             <p:nvSpPr>
-              <p:cNvPr id="426" name="Circle"/>
+              <p:cNvPr id="425" name="Circle"/>
               <p:cNvSpPr/>
               <p:nvPr/>
             </p:nvSpPr>
@@ -22176,7 +22055,7 @@
           </p:sp>
           <p:sp>
             <p:nvSpPr>
-              <p:cNvPr id="427" name="Circle"/>
+              <p:cNvPr id="426" name="Circle"/>
               <p:cNvSpPr/>
               <p:nvPr/>
             </p:nvSpPr>
@@ -22225,7 +22104,7 @@
           </p:sp>
           <p:sp>
             <p:nvSpPr>
-              <p:cNvPr id="428" name="Circle"/>
+              <p:cNvPr id="427" name="Circle"/>
               <p:cNvSpPr/>
               <p:nvPr/>
             </p:nvSpPr>
@@ -22276,7 +22155,7 @@
       </p:grpSp>
       <p:grpSp>
         <p:nvGrpSpPr>
-          <p:cNvPr id="441" name="Group"/>
+          <p:cNvPr id="440" name="Group"/>
           <p:cNvGrpSpPr/>
           <p:nvPr/>
         </p:nvGrpSpPr>
@@ -22290,7 +22169,7 @@
         </p:grpSpPr>
         <p:pic>
           <p:nvPicPr>
-            <p:cNvPr id="431" name="Image" descr="Image"/>
+            <p:cNvPr id="430" name="Image" descr="Image"/>
             <p:cNvPicPr>
               <a:picLocks noChangeAspect="1"/>
             </p:cNvPicPr>
@@ -22321,7 +22200,7 @@
         </p:pic>
         <p:grpSp>
           <p:nvGrpSpPr>
-            <p:cNvPr id="440" name="Group"/>
+            <p:cNvPr id="439" name="Group"/>
             <p:cNvGrpSpPr/>
             <p:nvPr/>
           </p:nvGrpSpPr>
@@ -22335,7 +22214,7 @@
           </p:grpSpPr>
           <p:grpSp>
             <p:nvGrpSpPr>
-              <p:cNvPr id="434" name="Group"/>
+              <p:cNvPr id="433" name="Group"/>
               <p:cNvGrpSpPr/>
               <p:nvPr/>
             </p:nvGrpSpPr>
@@ -22349,7 +22228,7 @@
             </p:grpSpPr>
             <p:sp>
               <p:nvSpPr>
-                <p:cNvPr id="432" name="Shape"/>
+                <p:cNvPr id="431" name="Shape"/>
                 <p:cNvSpPr/>
                 <p:nvPr/>
               </p:nvSpPr>
@@ -22463,7 +22342,7 @@
             </p:sp>
             <p:sp>
               <p:nvSpPr>
-                <p:cNvPr id="433" name="Shape"/>
+                <p:cNvPr id="432" name="Shape"/>
                 <p:cNvSpPr/>
                 <p:nvPr/>
               </p:nvSpPr>
@@ -22578,7 +22457,7 @@
           </p:grpSp>
           <p:sp>
             <p:nvSpPr>
-              <p:cNvPr id="435" name="Line"/>
+              <p:cNvPr id="434" name="Line"/>
               <p:cNvSpPr/>
               <p:nvPr/>
             </p:nvSpPr>
@@ -22625,7 +22504,7 @@
           </p:sp>
           <p:sp>
             <p:nvSpPr>
-              <p:cNvPr id="436" name="Line"/>
+              <p:cNvPr id="435" name="Line"/>
               <p:cNvSpPr/>
               <p:nvPr/>
             </p:nvSpPr>
@@ -22672,7 +22551,7 @@
           </p:sp>
           <p:grpSp>
             <p:nvGrpSpPr>
-              <p:cNvPr id="439" name="Group"/>
+              <p:cNvPr id="438" name="Group"/>
               <p:cNvGrpSpPr/>
               <p:nvPr/>
             </p:nvGrpSpPr>
@@ -22686,7 +22565,7 @@
             </p:grpSpPr>
             <p:sp>
               <p:nvSpPr>
-                <p:cNvPr id="437" name="Shape"/>
+                <p:cNvPr id="436" name="Shape"/>
                 <p:cNvSpPr/>
                 <p:nvPr/>
               </p:nvSpPr>
@@ -22790,7 +22669,7 @@
             </p:sp>
             <p:sp>
               <p:nvSpPr>
-                <p:cNvPr id="438" name="Shape"/>
+                <p:cNvPr id="437" name="Shape"/>
                 <p:cNvSpPr/>
                 <p:nvPr/>
               </p:nvSpPr>
@@ -22897,7 +22776,7 @@
       </p:grpSp>
       <p:grpSp>
         <p:nvGrpSpPr>
-          <p:cNvPr id="448" name="Group"/>
+          <p:cNvPr id="447" name="Group"/>
           <p:cNvGrpSpPr/>
           <p:nvPr/>
         </p:nvGrpSpPr>
@@ -22911,7 +22790,7 @@
         </p:grpSpPr>
         <p:pic>
           <p:nvPicPr>
-            <p:cNvPr id="442" name="Image" descr="Image"/>
+            <p:cNvPr id="441" name="Image" descr="Image"/>
             <p:cNvPicPr>
               <a:picLocks noChangeAspect="1"/>
             </p:cNvPicPr>
@@ -22942,7 +22821,7 @@
         </p:pic>
         <p:grpSp>
           <p:nvGrpSpPr>
-            <p:cNvPr id="447" name="Group"/>
+            <p:cNvPr id="446" name="Group"/>
             <p:cNvGrpSpPr/>
             <p:nvPr/>
           </p:nvGrpSpPr>
@@ -22956,7 +22835,7 @@
           </p:grpSpPr>
           <p:sp>
             <p:nvSpPr>
-              <p:cNvPr id="443" name="Circle"/>
+              <p:cNvPr id="442" name="Circle"/>
               <p:cNvSpPr/>
               <p:nvPr/>
             </p:nvSpPr>
@@ -23005,7 +22884,7 @@
           </p:sp>
           <p:sp>
             <p:nvSpPr>
-              <p:cNvPr id="444" name="Circle"/>
+              <p:cNvPr id="443" name="Circle"/>
               <p:cNvSpPr/>
               <p:nvPr/>
             </p:nvSpPr>
@@ -23054,7 +22933,7 @@
           </p:sp>
           <p:sp>
             <p:nvSpPr>
-              <p:cNvPr id="445" name="Circle"/>
+              <p:cNvPr id="444" name="Circle"/>
               <p:cNvSpPr/>
               <p:nvPr/>
             </p:nvSpPr>
@@ -23103,7 +22982,7 @@
           </p:sp>
           <p:sp>
             <p:nvSpPr>
-              <p:cNvPr id="446" name="Circle"/>
+              <p:cNvPr id="445" name="Circle"/>
               <p:cNvSpPr/>
               <p:nvPr/>
             </p:nvSpPr>
@@ -23154,7 +23033,7 @@
       </p:grpSp>
       <p:grpSp>
         <p:nvGrpSpPr>
-          <p:cNvPr id="498" name="Group"/>
+          <p:cNvPr id="497" name="Group"/>
           <p:cNvGrpSpPr/>
           <p:nvPr/>
         </p:nvGrpSpPr>
@@ -23168,7 +23047,7 @@
         </p:grpSpPr>
         <p:sp>
           <p:nvSpPr>
-            <p:cNvPr id="449" name="Square"/>
+            <p:cNvPr id="448" name="Square"/>
             <p:cNvSpPr/>
             <p:nvPr/>
           </p:nvSpPr>
@@ -23217,7 +23096,7 @@
         </p:sp>
         <p:sp>
           <p:nvSpPr>
-            <p:cNvPr id="450" name="Square"/>
+            <p:cNvPr id="449" name="Square"/>
             <p:cNvSpPr/>
             <p:nvPr/>
           </p:nvSpPr>
@@ -23266,7 +23145,7 @@
         </p:sp>
         <p:sp>
           <p:nvSpPr>
-            <p:cNvPr id="451" name="Square"/>
+            <p:cNvPr id="450" name="Square"/>
             <p:cNvSpPr/>
             <p:nvPr/>
           </p:nvSpPr>
@@ -23315,7 +23194,7 @@
         </p:sp>
         <p:sp>
           <p:nvSpPr>
-            <p:cNvPr id="452" name="Square"/>
+            <p:cNvPr id="451" name="Square"/>
             <p:cNvSpPr/>
             <p:nvPr/>
           </p:nvSpPr>
@@ -23364,7 +23243,7 @@
         </p:sp>
         <p:sp>
           <p:nvSpPr>
-            <p:cNvPr id="453" name="Square"/>
+            <p:cNvPr id="452" name="Square"/>
             <p:cNvSpPr/>
             <p:nvPr/>
           </p:nvSpPr>
@@ -23413,7 +23292,7 @@
         </p:sp>
         <p:sp>
           <p:nvSpPr>
-            <p:cNvPr id="454" name="Square"/>
+            <p:cNvPr id="453" name="Square"/>
             <p:cNvSpPr/>
             <p:nvPr/>
           </p:nvSpPr>
@@ -23462,7 +23341,7 @@
         </p:sp>
         <p:sp>
           <p:nvSpPr>
-            <p:cNvPr id="455" name="Square"/>
+            <p:cNvPr id="454" name="Square"/>
             <p:cNvSpPr/>
             <p:nvPr/>
           </p:nvSpPr>
@@ -23511,7 +23390,7 @@
         </p:sp>
         <p:sp>
           <p:nvSpPr>
-            <p:cNvPr id="456" name="Square"/>
+            <p:cNvPr id="455" name="Square"/>
             <p:cNvSpPr/>
             <p:nvPr/>
           </p:nvSpPr>
@@ -23560,7 +23439,7 @@
         </p:sp>
         <p:sp>
           <p:nvSpPr>
-            <p:cNvPr id="457" name="Square"/>
+            <p:cNvPr id="456" name="Square"/>
             <p:cNvSpPr/>
             <p:nvPr/>
           </p:nvSpPr>
@@ -23609,7 +23488,7 @@
         </p:sp>
         <p:sp>
           <p:nvSpPr>
-            <p:cNvPr id="458" name="Square"/>
+            <p:cNvPr id="457" name="Square"/>
             <p:cNvSpPr/>
             <p:nvPr/>
           </p:nvSpPr>
@@ -23658,7 +23537,7 @@
         </p:sp>
         <p:sp>
           <p:nvSpPr>
-            <p:cNvPr id="459" name="Square"/>
+            <p:cNvPr id="458" name="Square"/>
             <p:cNvSpPr/>
             <p:nvPr/>
           </p:nvSpPr>
@@ -23707,7 +23586,7 @@
         </p:sp>
         <p:sp>
           <p:nvSpPr>
-            <p:cNvPr id="460" name="Square"/>
+            <p:cNvPr id="459" name="Square"/>
             <p:cNvSpPr/>
             <p:nvPr/>
           </p:nvSpPr>
@@ -23756,7 +23635,7 @@
         </p:sp>
         <p:sp>
           <p:nvSpPr>
-            <p:cNvPr id="461" name="Square"/>
+            <p:cNvPr id="460" name="Square"/>
             <p:cNvSpPr/>
             <p:nvPr/>
           </p:nvSpPr>
@@ -23805,7 +23684,7 @@
         </p:sp>
         <p:sp>
           <p:nvSpPr>
-            <p:cNvPr id="462" name="Square"/>
+            <p:cNvPr id="461" name="Square"/>
             <p:cNvSpPr/>
             <p:nvPr/>
           </p:nvSpPr>
@@ -23854,7 +23733,7 @@
         </p:sp>
         <p:sp>
           <p:nvSpPr>
-            <p:cNvPr id="463" name="Square"/>
+            <p:cNvPr id="462" name="Square"/>
             <p:cNvSpPr/>
             <p:nvPr/>
           </p:nvSpPr>
@@ -23903,7 +23782,7 @@
         </p:sp>
         <p:sp>
           <p:nvSpPr>
-            <p:cNvPr id="464" name="Square"/>
+            <p:cNvPr id="463" name="Square"/>
             <p:cNvSpPr/>
             <p:nvPr/>
           </p:nvSpPr>
@@ -23952,7 +23831,7 @@
         </p:sp>
         <p:sp>
           <p:nvSpPr>
-            <p:cNvPr id="465" name="Square"/>
+            <p:cNvPr id="464" name="Square"/>
             <p:cNvSpPr/>
             <p:nvPr/>
           </p:nvSpPr>
@@ -24001,7 +23880,7 @@
         </p:sp>
         <p:sp>
           <p:nvSpPr>
-            <p:cNvPr id="466" name="Square"/>
+            <p:cNvPr id="465" name="Square"/>
             <p:cNvSpPr/>
             <p:nvPr/>
           </p:nvSpPr>
@@ -24050,7 +23929,7 @@
         </p:sp>
         <p:sp>
           <p:nvSpPr>
-            <p:cNvPr id="467" name="Square"/>
+            <p:cNvPr id="466" name="Square"/>
             <p:cNvSpPr/>
             <p:nvPr/>
           </p:nvSpPr>
@@ -24099,7 +23978,7 @@
         </p:sp>
         <p:sp>
           <p:nvSpPr>
-            <p:cNvPr id="468" name="Square"/>
+            <p:cNvPr id="467" name="Square"/>
             <p:cNvSpPr/>
             <p:nvPr/>
           </p:nvSpPr>
@@ -24148,7 +24027,7 @@
         </p:sp>
         <p:sp>
           <p:nvSpPr>
-            <p:cNvPr id="469" name="Square"/>
+            <p:cNvPr id="468" name="Square"/>
             <p:cNvSpPr/>
             <p:nvPr/>
           </p:nvSpPr>
@@ -24197,7 +24076,7 @@
         </p:sp>
         <p:sp>
           <p:nvSpPr>
-            <p:cNvPr id="470" name="Square"/>
+            <p:cNvPr id="469" name="Square"/>
             <p:cNvSpPr/>
             <p:nvPr/>
           </p:nvSpPr>
@@ -24246,7 +24125,7 @@
         </p:sp>
         <p:sp>
           <p:nvSpPr>
-            <p:cNvPr id="471" name="Square"/>
+            <p:cNvPr id="470" name="Square"/>
             <p:cNvSpPr/>
             <p:nvPr/>
           </p:nvSpPr>
@@ -24295,7 +24174,7 @@
         </p:sp>
         <p:sp>
           <p:nvSpPr>
-            <p:cNvPr id="472" name="Square"/>
+            <p:cNvPr id="471" name="Square"/>
             <p:cNvSpPr/>
             <p:nvPr/>
           </p:nvSpPr>
@@ -24344,7 +24223,7 @@
         </p:sp>
         <p:sp>
           <p:nvSpPr>
-            <p:cNvPr id="473" name="Square"/>
+            <p:cNvPr id="472" name="Square"/>
             <p:cNvSpPr/>
             <p:nvPr/>
           </p:nvSpPr>
@@ -24393,7 +24272,7 @@
         </p:sp>
         <p:sp>
           <p:nvSpPr>
-            <p:cNvPr id="474" name="Square"/>
+            <p:cNvPr id="473" name="Square"/>
             <p:cNvSpPr/>
             <p:nvPr/>
           </p:nvSpPr>
@@ -24442,7 +24321,7 @@
         </p:sp>
         <p:sp>
           <p:nvSpPr>
-            <p:cNvPr id="475" name="Square"/>
+            <p:cNvPr id="474" name="Square"/>
             <p:cNvSpPr/>
             <p:nvPr/>
           </p:nvSpPr>
@@ -24491,7 +24370,7 @@
         </p:sp>
         <p:sp>
           <p:nvSpPr>
-            <p:cNvPr id="476" name="Square"/>
+            <p:cNvPr id="475" name="Square"/>
             <p:cNvSpPr/>
             <p:nvPr/>
           </p:nvSpPr>
@@ -24540,7 +24419,7 @@
         </p:sp>
         <p:sp>
           <p:nvSpPr>
-            <p:cNvPr id="477" name="Square"/>
+            <p:cNvPr id="476" name="Square"/>
             <p:cNvSpPr/>
             <p:nvPr/>
           </p:nvSpPr>
@@ -24589,7 +24468,7 @@
         </p:sp>
         <p:sp>
           <p:nvSpPr>
-            <p:cNvPr id="478" name="Square"/>
+            <p:cNvPr id="477" name="Square"/>
             <p:cNvSpPr/>
             <p:nvPr/>
           </p:nvSpPr>
@@ -24638,7 +24517,7 @@
         </p:sp>
         <p:sp>
           <p:nvSpPr>
-            <p:cNvPr id="479" name="Square"/>
+            <p:cNvPr id="478" name="Square"/>
             <p:cNvSpPr/>
             <p:nvPr/>
           </p:nvSpPr>
@@ -24687,7 +24566,7 @@
         </p:sp>
         <p:sp>
           <p:nvSpPr>
-            <p:cNvPr id="480" name="Square"/>
+            <p:cNvPr id="479" name="Square"/>
             <p:cNvSpPr/>
             <p:nvPr/>
           </p:nvSpPr>
@@ -24736,7 +24615,7 @@
         </p:sp>
         <p:sp>
           <p:nvSpPr>
-            <p:cNvPr id="481" name="Square"/>
+            <p:cNvPr id="480" name="Square"/>
             <p:cNvSpPr/>
             <p:nvPr/>
           </p:nvSpPr>
@@ -24785,7 +24664,7 @@
         </p:sp>
         <p:sp>
           <p:nvSpPr>
-            <p:cNvPr id="482" name="Square"/>
+            <p:cNvPr id="481" name="Square"/>
             <p:cNvSpPr/>
             <p:nvPr/>
           </p:nvSpPr>
@@ -24834,7 +24713,7 @@
         </p:sp>
         <p:sp>
           <p:nvSpPr>
-            <p:cNvPr id="483" name="Square"/>
+            <p:cNvPr id="482" name="Square"/>
             <p:cNvSpPr/>
             <p:nvPr/>
           </p:nvSpPr>
@@ -24883,7 +24762,7 @@
         </p:sp>
         <p:sp>
           <p:nvSpPr>
-            <p:cNvPr id="484" name="Square"/>
+            <p:cNvPr id="483" name="Square"/>
             <p:cNvSpPr/>
             <p:nvPr/>
           </p:nvSpPr>
@@ -24932,7 +24811,7 @@
         </p:sp>
         <p:sp>
           <p:nvSpPr>
-            <p:cNvPr id="485" name="Square"/>
+            <p:cNvPr id="484" name="Square"/>
             <p:cNvSpPr/>
             <p:nvPr/>
           </p:nvSpPr>
@@ -24981,7 +24860,7 @@
         </p:sp>
         <p:sp>
           <p:nvSpPr>
-            <p:cNvPr id="486" name="Square"/>
+            <p:cNvPr id="485" name="Square"/>
             <p:cNvSpPr/>
             <p:nvPr/>
           </p:nvSpPr>
@@ -25030,7 +24909,7 @@
         </p:sp>
         <p:sp>
           <p:nvSpPr>
-            <p:cNvPr id="487" name="Square"/>
+            <p:cNvPr id="486" name="Square"/>
             <p:cNvSpPr/>
             <p:nvPr/>
           </p:nvSpPr>
@@ -25079,7 +24958,7 @@
         </p:sp>
         <p:sp>
           <p:nvSpPr>
-            <p:cNvPr id="488" name="Square"/>
+            <p:cNvPr id="487" name="Square"/>
             <p:cNvSpPr/>
             <p:nvPr/>
           </p:nvSpPr>
@@ -25128,7 +25007,7 @@
         </p:sp>
         <p:sp>
           <p:nvSpPr>
-            <p:cNvPr id="489" name="Square"/>
+            <p:cNvPr id="488" name="Square"/>
             <p:cNvSpPr/>
             <p:nvPr/>
           </p:nvSpPr>
@@ -25177,7 +25056,7 @@
         </p:sp>
         <p:sp>
           <p:nvSpPr>
-            <p:cNvPr id="490" name="Square"/>
+            <p:cNvPr id="489" name="Square"/>
             <p:cNvSpPr/>
             <p:nvPr/>
           </p:nvSpPr>
@@ -25226,7 +25105,7 @@
         </p:sp>
         <p:sp>
           <p:nvSpPr>
-            <p:cNvPr id="491" name="Square"/>
+            <p:cNvPr id="490" name="Square"/>
             <p:cNvSpPr/>
             <p:nvPr/>
           </p:nvSpPr>
@@ -25275,7 +25154,7 @@
         </p:sp>
         <p:sp>
           <p:nvSpPr>
-            <p:cNvPr id="492" name="Square"/>
+            <p:cNvPr id="491" name="Square"/>
             <p:cNvSpPr/>
             <p:nvPr/>
           </p:nvSpPr>
@@ -25324,7 +25203,7 @@
         </p:sp>
         <p:sp>
           <p:nvSpPr>
-            <p:cNvPr id="493" name="Square"/>
+            <p:cNvPr id="492" name="Square"/>
             <p:cNvSpPr/>
             <p:nvPr/>
           </p:nvSpPr>
@@ -25373,7 +25252,7 @@
         </p:sp>
         <p:sp>
           <p:nvSpPr>
-            <p:cNvPr id="494" name="Square"/>
+            <p:cNvPr id="493" name="Square"/>
             <p:cNvSpPr/>
             <p:nvPr/>
           </p:nvSpPr>
@@ -25422,7 +25301,7 @@
         </p:sp>
         <p:sp>
           <p:nvSpPr>
-            <p:cNvPr id="495" name="Square"/>
+            <p:cNvPr id="494" name="Square"/>
             <p:cNvSpPr/>
             <p:nvPr/>
           </p:nvSpPr>
@@ -25471,7 +25350,7 @@
         </p:sp>
         <p:sp>
           <p:nvSpPr>
-            <p:cNvPr id="496" name="Square"/>
+            <p:cNvPr id="495" name="Square"/>
             <p:cNvSpPr/>
             <p:nvPr/>
           </p:nvSpPr>
@@ -25520,7 +25399,7 @@
         </p:sp>
         <p:sp>
           <p:nvSpPr>
-            <p:cNvPr id="497" name="Square"/>
+            <p:cNvPr id="496" name="Square"/>
             <p:cNvSpPr/>
             <p:nvPr/>
           </p:nvSpPr>
@@ -25570,7 +25449,7 @@
       </p:grpSp>
       <p:grpSp>
         <p:nvGrpSpPr>
-          <p:cNvPr id="548" name="Group"/>
+          <p:cNvPr id="547" name="Group"/>
           <p:cNvGrpSpPr/>
           <p:nvPr/>
         </p:nvGrpSpPr>
@@ -25584,7 +25463,7 @@
         </p:grpSpPr>
         <p:sp>
           <p:nvSpPr>
-            <p:cNvPr id="499" name="Square"/>
+            <p:cNvPr id="498" name="Square"/>
             <p:cNvSpPr/>
             <p:nvPr/>
           </p:nvSpPr>
@@ -25633,7 +25512,7 @@
         </p:sp>
         <p:sp>
           <p:nvSpPr>
-            <p:cNvPr id="500" name="Square"/>
+            <p:cNvPr id="499" name="Square"/>
             <p:cNvSpPr/>
             <p:nvPr/>
           </p:nvSpPr>
@@ -25682,7 +25561,7 @@
         </p:sp>
         <p:sp>
           <p:nvSpPr>
-            <p:cNvPr id="501" name="Square"/>
+            <p:cNvPr id="500" name="Square"/>
             <p:cNvSpPr/>
             <p:nvPr/>
           </p:nvSpPr>
@@ -25731,7 +25610,7 @@
         </p:sp>
         <p:sp>
           <p:nvSpPr>
-            <p:cNvPr id="502" name="Square"/>
+            <p:cNvPr id="501" name="Square"/>
             <p:cNvSpPr/>
             <p:nvPr/>
           </p:nvSpPr>
@@ -25780,7 +25659,7 @@
         </p:sp>
         <p:sp>
           <p:nvSpPr>
-            <p:cNvPr id="503" name="Square"/>
+            <p:cNvPr id="502" name="Square"/>
             <p:cNvSpPr/>
             <p:nvPr/>
           </p:nvSpPr>
@@ -25829,7 +25708,7 @@
         </p:sp>
         <p:sp>
           <p:nvSpPr>
-            <p:cNvPr id="504" name="Square"/>
+            <p:cNvPr id="503" name="Square"/>
             <p:cNvSpPr/>
             <p:nvPr/>
           </p:nvSpPr>
@@ -25878,7 +25757,7 @@
         </p:sp>
         <p:sp>
           <p:nvSpPr>
-            <p:cNvPr id="505" name="Square"/>
+            <p:cNvPr id="504" name="Square"/>
             <p:cNvSpPr/>
             <p:nvPr/>
           </p:nvSpPr>
@@ -25927,7 +25806,7 @@
         </p:sp>
         <p:sp>
           <p:nvSpPr>
-            <p:cNvPr id="506" name="Square"/>
+            <p:cNvPr id="505" name="Square"/>
             <p:cNvSpPr/>
             <p:nvPr/>
           </p:nvSpPr>
@@ -25976,7 +25855,7 @@
         </p:sp>
         <p:sp>
           <p:nvSpPr>
-            <p:cNvPr id="507" name="Square"/>
+            <p:cNvPr id="506" name="Square"/>
             <p:cNvSpPr/>
             <p:nvPr/>
           </p:nvSpPr>
@@ -26025,7 +25904,7 @@
         </p:sp>
         <p:sp>
           <p:nvSpPr>
-            <p:cNvPr id="508" name="Square"/>
+            <p:cNvPr id="507" name="Square"/>
             <p:cNvSpPr/>
             <p:nvPr/>
           </p:nvSpPr>
@@ -26074,7 +25953,7 @@
         </p:sp>
         <p:sp>
           <p:nvSpPr>
-            <p:cNvPr id="509" name="Square"/>
+            <p:cNvPr id="508" name="Square"/>
             <p:cNvSpPr/>
             <p:nvPr/>
           </p:nvSpPr>
@@ -26123,7 +26002,7 @@
         </p:sp>
         <p:sp>
           <p:nvSpPr>
-            <p:cNvPr id="510" name="Square"/>
+            <p:cNvPr id="509" name="Square"/>
             <p:cNvSpPr/>
             <p:nvPr/>
           </p:nvSpPr>
@@ -26172,7 +26051,7 @@
         </p:sp>
         <p:sp>
           <p:nvSpPr>
-            <p:cNvPr id="511" name="Square"/>
+            <p:cNvPr id="510" name="Square"/>
             <p:cNvSpPr/>
             <p:nvPr/>
           </p:nvSpPr>
@@ -26221,7 +26100,7 @@
         </p:sp>
         <p:sp>
           <p:nvSpPr>
-            <p:cNvPr id="512" name="Square"/>
+            <p:cNvPr id="511" name="Square"/>
             <p:cNvSpPr/>
             <p:nvPr/>
           </p:nvSpPr>
@@ -26270,7 +26149,7 @@
         </p:sp>
         <p:sp>
           <p:nvSpPr>
-            <p:cNvPr id="513" name="Square"/>
+            <p:cNvPr id="512" name="Square"/>
             <p:cNvSpPr/>
             <p:nvPr/>
           </p:nvSpPr>
@@ -26319,7 +26198,7 @@
         </p:sp>
         <p:sp>
           <p:nvSpPr>
-            <p:cNvPr id="514" name="Square"/>
+            <p:cNvPr id="513" name="Square"/>
             <p:cNvSpPr/>
             <p:nvPr/>
           </p:nvSpPr>
@@ -26368,7 +26247,7 @@
         </p:sp>
         <p:sp>
           <p:nvSpPr>
-            <p:cNvPr id="515" name="Square"/>
+            <p:cNvPr id="514" name="Square"/>
             <p:cNvSpPr/>
             <p:nvPr/>
           </p:nvSpPr>
@@ -26417,7 +26296,7 @@
         </p:sp>
         <p:sp>
           <p:nvSpPr>
-            <p:cNvPr id="516" name="Square"/>
+            <p:cNvPr id="515" name="Square"/>
             <p:cNvSpPr/>
             <p:nvPr/>
           </p:nvSpPr>
@@ -26466,7 +26345,7 @@
         </p:sp>
         <p:sp>
           <p:nvSpPr>
-            <p:cNvPr id="517" name="Square"/>
+            <p:cNvPr id="516" name="Square"/>
             <p:cNvSpPr/>
             <p:nvPr/>
           </p:nvSpPr>
@@ -26515,7 +26394,7 @@
         </p:sp>
         <p:sp>
           <p:nvSpPr>
-            <p:cNvPr id="518" name="Square"/>
+            <p:cNvPr id="517" name="Square"/>
             <p:cNvSpPr/>
             <p:nvPr/>
           </p:nvSpPr>
@@ -26564,7 +26443,7 @@
         </p:sp>
         <p:sp>
           <p:nvSpPr>
-            <p:cNvPr id="519" name="Square"/>
+            <p:cNvPr id="518" name="Square"/>
             <p:cNvSpPr/>
             <p:nvPr/>
           </p:nvSpPr>
@@ -26613,7 +26492,7 @@
         </p:sp>
         <p:sp>
           <p:nvSpPr>
-            <p:cNvPr id="520" name="Square"/>
+            <p:cNvPr id="519" name="Square"/>
             <p:cNvSpPr/>
             <p:nvPr/>
           </p:nvSpPr>
@@ -26662,7 +26541,7 @@
         </p:sp>
         <p:sp>
           <p:nvSpPr>
-            <p:cNvPr id="521" name="Square"/>
+            <p:cNvPr id="520" name="Square"/>
             <p:cNvSpPr/>
             <p:nvPr/>
           </p:nvSpPr>
@@ -26711,7 +26590,7 @@
         </p:sp>
         <p:sp>
           <p:nvSpPr>
-            <p:cNvPr id="522" name="Square"/>
+            <p:cNvPr id="521" name="Square"/>
             <p:cNvSpPr/>
             <p:nvPr/>
           </p:nvSpPr>
@@ -26760,7 +26639,7 @@
         </p:sp>
         <p:sp>
           <p:nvSpPr>
-            <p:cNvPr id="523" name="Square"/>
+            <p:cNvPr id="522" name="Square"/>
             <p:cNvSpPr/>
             <p:nvPr/>
           </p:nvSpPr>
@@ -26809,7 +26688,7 @@
         </p:sp>
         <p:sp>
           <p:nvSpPr>
-            <p:cNvPr id="524" name="Square"/>
+            <p:cNvPr id="523" name="Square"/>
             <p:cNvSpPr/>
             <p:nvPr/>
           </p:nvSpPr>
@@ -26858,7 +26737,7 @@
         </p:sp>
         <p:sp>
           <p:nvSpPr>
-            <p:cNvPr id="525" name="Square"/>
+            <p:cNvPr id="524" name="Square"/>
             <p:cNvSpPr/>
             <p:nvPr/>
           </p:nvSpPr>
@@ -26907,7 +26786,7 @@
         </p:sp>
         <p:sp>
           <p:nvSpPr>
-            <p:cNvPr id="526" name="Square"/>
+            <p:cNvPr id="525" name="Square"/>
             <p:cNvSpPr/>
             <p:nvPr/>
           </p:nvSpPr>
@@ -26956,7 +26835,7 @@
         </p:sp>
         <p:sp>
           <p:nvSpPr>
-            <p:cNvPr id="527" name="Square"/>
+            <p:cNvPr id="526" name="Square"/>
             <p:cNvSpPr/>
             <p:nvPr/>
           </p:nvSpPr>
@@ -27005,7 +26884,7 @@
         </p:sp>
         <p:sp>
           <p:nvSpPr>
-            <p:cNvPr id="528" name="Square"/>
+            <p:cNvPr id="527" name="Square"/>
             <p:cNvSpPr/>
             <p:nvPr/>
           </p:nvSpPr>
@@ -27054,7 +26933,7 @@
         </p:sp>
         <p:sp>
           <p:nvSpPr>
-            <p:cNvPr id="529" name="Square"/>
+            <p:cNvPr id="528" name="Square"/>
             <p:cNvSpPr/>
             <p:nvPr/>
           </p:nvSpPr>
@@ -27103,7 +26982,7 @@
         </p:sp>
         <p:sp>
           <p:nvSpPr>
-            <p:cNvPr id="530" name="Square"/>
+            <p:cNvPr id="529" name="Square"/>
             <p:cNvSpPr/>
             <p:nvPr/>
           </p:nvSpPr>
@@ -27152,7 +27031,7 @@
         </p:sp>
         <p:sp>
           <p:nvSpPr>
-            <p:cNvPr id="531" name="Square"/>
+            <p:cNvPr id="530" name="Square"/>
             <p:cNvSpPr/>
             <p:nvPr/>
           </p:nvSpPr>
@@ -27201,7 +27080,7 @@
         </p:sp>
         <p:sp>
           <p:nvSpPr>
-            <p:cNvPr id="532" name="Square"/>
+            <p:cNvPr id="531" name="Square"/>
             <p:cNvSpPr/>
             <p:nvPr/>
           </p:nvSpPr>
@@ -27250,7 +27129,7 @@
         </p:sp>
         <p:sp>
           <p:nvSpPr>
-            <p:cNvPr id="533" name="Square"/>
+            <p:cNvPr id="532" name="Square"/>
             <p:cNvSpPr/>
             <p:nvPr/>
           </p:nvSpPr>
@@ -27299,7 +27178,7 @@
         </p:sp>
         <p:sp>
           <p:nvSpPr>
-            <p:cNvPr id="534" name="Square"/>
+            <p:cNvPr id="533" name="Square"/>
             <p:cNvSpPr/>
             <p:nvPr/>
           </p:nvSpPr>
@@ -27348,7 +27227,7 @@
         </p:sp>
         <p:sp>
           <p:nvSpPr>
-            <p:cNvPr id="535" name="Square"/>
+            <p:cNvPr id="534" name="Square"/>
             <p:cNvSpPr/>
             <p:nvPr/>
           </p:nvSpPr>
@@ -27397,7 +27276,7 @@
         </p:sp>
         <p:sp>
           <p:nvSpPr>
-            <p:cNvPr id="536" name="Square"/>
+            <p:cNvPr id="535" name="Square"/>
             <p:cNvSpPr/>
             <p:nvPr/>
           </p:nvSpPr>
@@ -27446,7 +27325,7 @@
         </p:sp>
         <p:sp>
           <p:nvSpPr>
-            <p:cNvPr id="537" name="Square"/>
+            <p:cNvPr id="536" name="Square"/>
             <p:cNvSpPr/>
             <p:nvPr/>
           </p:nvSpPr>
@@ -27495,7 +27374,7 @@
         </p:sp>
         <p:sp>
           <p:nvSpPr>
-            <p:cNvPr id="538" name="Square"/>
+            <p:cNvPr id="537" name="Square"/>
             <p:cNvSpPr/>
             <p:nvPr/>
           </p:nvSpPr>
@@ -27544,7 +27423,7 @@
         </p:sp>
         <p:sp>
           <p:nvSpPr>
-            <p:cNvPr id="539" name="Square"/>
+            <p:cNvPr id="538" name="Square"/>
             <p:cNvSpPr/>
             <p:nvPr/>
           </p:nvSpPr>
@@ -27593,7 +27472,7 @@
         </p:sp>
         <p:sp>
           <p:nvSpPr>
-            <p:cNvPr id="540" name="Square"/>
+            <p:cNvPr id="539" name="Square"/>
             <p:cNvSpPr/>
             <p:nvPr/>
           </p:nvSpPr>
@@ -27642,7 +27521,7 @@
         </p:sp>
         <p:sp>
           <p:nvSpPr>
-            <p:cNvPr id="541" name="Square"/>
+            <p:cNvPr id="540" name="Square"/>
             <p:cNvSpPr/>
             <p:nvPr/>
           </p:nvSpPr>
@@ -27691,7 +27570,7 @@
         </p:sp>
         <p:sp>
           <p:nvSpPr>
-            <p:cNvPr id="542" name="Square"/>
+            <p:cNvPr id="541" name="Square"/>
             <p:cNvSpPr/>
             <p:nvPr/>
           </p:nvSpPr>
@@ -27740,7 +27619,7 @@
         </p:sp>
         <p:sp>
           <p:nvSpPr>
-            <p:cNvPr id="543" name="Square"/>
+            <p:cNvPr id="542" name="Square"/>
             <p:cNvSpPr/>
             <p:nvPr/>
           </p:nvSpPr>
@@ -27789,7 +27668,7 @@
         </p:sp>
         <p:sp>
           <p:nvSpPr>
-            <p:cNvPr id="544" name="Square"/>
+            <p:cNvPr id="543" name="Square"/>
             <p:cNvSpPr/>
             <p:nvPr/>
           </p:nvSpPr>
@@ -27838,7 +27717,7 @@
         </p:sp>
         <p:sp>
           <p:nvSpPr>
-            <p:cNvPr id="545" name="Square"/>
+            <p:cNvPr id="544" name="Square"/>
             <p:cNvSpPr/>
             <p:nvPr/>
           </p:nvSpPr>
@@ -27887,7 +27766,7 @@
         </p:sp>
         <p:sp>
           <p:nvSpPr>
-            <p:cNvPr id="546" name="Square"/>
+            <p:cNvPr id="545" name="Square"/>
             <p:cNvSpPr/>
             <p:nvPr/>
           </p:nvSpPr>
@@ -27936,7 +27815,7 @@
         </p:sp>
         <p:sp>
           <p:nvSpPr>
-            <p:cNvPr id="547" name="Square"/>
+            <p:cNvPr id="546" name="Square"/>
             <p:cNvSpPr/>
             <p:nvPr/>
           </p:nvSpPr>
@@ -27986,7 +27865,7 @@
       </p:grpSp>
       <p:grpSp>
         <p:nvGrpSpPr>
-          <p:cNvPr id="554" name="Group"/>
+          <p:cNvPr id="553" name="Group"/>
           <p:cNvGrpSpPr/>
           <p:nvPr/>
         </p:nvGrpSpPr>
@@ -28000,7 +27879,7 @@
         </p:grpSpPr>
         <p:pic>
           <p:nvPicPr>
-            <p:cNvPr id="549" name="Image" descr="Image"/>
+            <p:cNvPr id="548" name="Image" descr="Image"/>
             <p:cNvPicPr>
               <a:picLocks noChangeAspect="1"/>
             </p:cNvPicPr>
@@ -28031,7 +27910,7 @@
         </p:pic>
         <p:grpSp>
           <p:nvGrpSpPr>
-            <p:cNvPr id="553" name="Group"/>
+            <p:cNvPr id="552" name="Group"/>
             <p:cNvGrpSpPr/>
             <p:nvPr/>
           </p:nvGrpSpPr>
@@ -28045,7 +27924,7 @@
           </p:grpSpPr>
           <p:sp>
             <p:nvSpPr>
-              <p:cNvPr id="550" name="Shape"/>
+              <p:cNvPr id="549" name="Shape"/>
               <p:cNvSpPr/>
               <p:nvPr/>
             </p:nvSpPr>
@@ -28187,7 +28066,7 @@
           </p:sp>
           <p:sp>
             <p:nvSpPr>
-              <p:cNvPr id="551" name="Shape"/>
+              <p:cNvPr id="550" name="Shape"/>
               <p:cNvSpPr/>
               <p:nvPr/>
             </p:nvSpPr>
@@ -28329,7 +28208,7 @@
           </p:sp>
           <p:sp>
             <p:nvSpPr>
-              <p:cNvPr id="552" name="Shape"/>
+              <p:cNvPr id="551" name="Shape"/>
               <p:cNvSpPr/>
               <p:nvPr/>
             </p:nvSpPr>
@@ -28458,7 +28337,7 @@
       </p:grpSp>
       <p:grpSp>
         <p:nvGrpSpPr>
-          <p:cNvPr id="571" name="Group"/>
+          <p:cNvPr id="570" name="Group"/>
           <p:cNvGrpSpPr/>
           <p:nvPr/>
         </p:nvGrpSpPr>
@@ -28472,7 +28351,7 @@
         </p:grpSpPr>
         <p:sp>
           <p:nvSpPr>
-            <p:cNvPr id="555" name="Square"/>
+            <p:cNvPr id="554" name="Square"/>
             <p:cNvSpPr/>
             <p:nvPr/>
           </p:nvSpPr>
@@ -28521,7 +28400,7 @@
         </p:sp>
         <p:sp>
           <p:nvSpPr>
-            <p:cNvPr id="556" name="Square"/>
+            <p:cNvPr id="555" name="Square"/>
             <p:cNvSpPr/>
             <p:nvPr/>
           </p:nvSpPr>
@@ -28570,7 +28449,7 @@
         </p:sp>
         <p:sp>
           <p:nvSpPr>
-            <p:cNvPr id="557" name="Square"/>
+            <p:cNvPr id="556" name="Square"/>
             <p:cNvSpPr/>
             <p:nvPr/>
           </p:nvSpPr>
@@ -28619,7 +28498,7 @@
         </p:sp>
         <p:sp>
           <p:nvSpPr>
-            <p:cNvPr id="558" name="Square"/>
+            <p:cNvPr id="557" name="Square"/>
             <p:cNvSpPr/>
             <p:nvPr/>
           </p:nvSpPr>
@@ -28668,7 +28547,7 @@
         </p:sp>
         <p:sp>
           <p:nvSpPr>
-            <p:cNvPr id="559" name="Square"/>
+            <p:cNvPr id="558" name="Square"/>
             <p:cNvSpPr/>
             <p:nvPr/>
           </p:nvSpPr>
@@ -28717,7 +28596,7 @@
         </p:sp>
         <p:sp>
           <p:nvSpPr>
-            <p:cNvPr id="560" name="Square"/>
+            <p:cNvPr id="559" name="Square"/>
             <p:cNvSpPr/>
             <p:nvPr/>
           </p:nvSpPr>
@@ -28766,7 +28645,7 @@
         </p:sp>
         <p:sp>
           <p:nvSpPr>
-            <p:cNvPr id="561" name="Square"/>
+            <p:cNvPr id="560" name="Square"/>
             <p:cNvSpPr/>
             <p:nvPr/>
           </p:nvSpPr>
@@ -28815,7 +28694,7 @@
         </p:sp>
         <p:sp>
           <p:nvSpPr>
-            <p:cNvPr id="562" name="Square"/>
+            <p:cNvPr id="561" name="Square"/>
             <p:cNvSpPr/>
             <p:nvPr/>
           </p:nvSpPr>
@@ -28864,7 +28743,7 @@
         </p:sp>
         <p:sp>
           <p:nvSpPr>
-            <p:cNvPr id="563" name="Square"/>
+            <p:cNvPr id="562" name="Square"/>
             <p:cNvSpPr/>
             <p:nvPr/>
           </p:nvSpPr>
@@ -28913,7 +28792,7 @@
         </p:sp>
         <p:sp>
           <p:nvSpPr>
-            <p:cNvPr id="564" name="Square"/>
+            <p:cNvPr id="563" name="Square"/>
             <p:cNvSpPr/>
             <p:nvPr/>
           </p:nvSpPr>
@@ -28962,7 +28841,7 @@
         </p:sp>
         <p:sp>
           <p:nvSpPr>
-            <p:cNvPr id="565" name="Square"/>
+            <p:cNvPr id="564" name="Square"/>
             <p:cNvSpPr/>
             <p:nvPr/>
           </p:nvSpPr>
@@ -29011,7 +28890,7 @@
         </p:sp>
         <p:sp>
           <p:nvSpPr>
-            <p:cNvPr id="566" name="Square"/>
+            <p:cNvPr id="565" name="Square"/>
             <p:cNvSpPr/>
             <p:nvPr/>
           </p:nvSpPr>
@@ -29060,7 +28939,7 @@
         </p:sp>
         <p:sp>
           <p:nvSpPr>
-            <p:cNvPr id="567" name="Square"/>
+            <p:cNvPr id="566" name="Square"/>
             <p:cNvSpPr/>
             <p:nvPr/>
           </p:nvSpPr>
@@ -29109,7 +28988,7 @@
         </p:sp>
         <p:sp>
           <p:nvSpPr>
-            <p:cNvPr id="568" name="Square"/>
+            <p:cNvPr id="567" name="Square"/>
             <p:cNvSpPr/>
             <p:nvPr/>
           </p:nvSpPr>
@@ -29158,7 +29037,7 @@
         </p:sp>
         <p:sp>
           <p:nvSpPr>
-            <p:cNvPr id="569" name="Square"/>
+            <p:cNvPr id="568" name="Square"/>
             <p:cNvSpPr/>
             <p:nvPr/>
           </p:nvSpPr>
@@ -29207,7 +29086,7 @@
         </p:sp>
         <p:sp>
           <p:nvSpPr>
-            <p:cNvPr id="570" name="Square"/>
+            <p:cNvPr id="569" name="Square"/>
             <p:cNvSpPr/>
             <p:nvPr/>
           </p:nvSpPr>
@@ -29257,7 +29136,7 @@
       </p:grpSp>
       <p:grpSp>
         <p:nvGrpSpPr>
-          <p:cNvPr id="577" name="Group"/>
+          <p:cNvPr id="576" name="Group"/>
           <p:cNvGrpSpPr/>
           <p:nvPr/>
         </p:nvGrpSpPr>
@@ -29271,7 +29150,7 @@
         </p:grpSpPr>
         <p:pic>
           <p:nvPicPr>
-            <p:cNvPr id="572" name="Image" descr="Image"/>
+            <p:cNvPr id="571" name="Image" descr="Image"/>
             <p:cNvPicPr>
               <a:picLocks noChangeAspect="1"/>
             </p:cNvPicPr>
@@ -29302,7 +29181,7 @@
         </p:pic>
         <p:grpSp>
           <p:nvGrpSpPr>
-            <p:cNvPr id="576" name="Group"/>
+            <p:cNvPr id="575" name="Group"/>
             <p:cNvGrpSpPr/>
             <p:nvPr/>
           </p:nvGrpSpPr>
@@ -29316,7 +29195,7 @@
           </p:grpSpPr>
           <p:sp>
             <p:nvSpPr>
-              <p:cNvPr id="573" name="Oval"/>
+              <p:cNvPr id="572" name="Oval"/>
               <p:cNvSpPr/>
               <p:nvPr/>
             </p:nvSpPr>
@@ -29366,7 +29245,7 @@
           </p:sp>
           <p:sp>
             <p:nvSpPr>
-              <p:cNvPr id="574" name="Oval"/>
+              <p:cNvPr id="573" name="Oval"/>
               <p:cNvSpPr/>
               <p:nvPr/>
             </p:nvSpPr>
@@ -29416,7 +29295,7 @@
           </p:sp>
           <p:sp>
             <p:nvSpPr>
-              <p:cNvPr id="575" name="Oval"/>
+              <p:cNvPr id="574" name="Oval"/>
               <p:cNvSpPr/>
               <p:nvPr/>
             </p:nvSpPr>
@@ -29468,7 +29347,7 @@
       </p:grpSp>
       <p:grpSp>
         <p:nvGrpSpPr>
-          <p:cNvPr id="580" name="Group"/>
+          <p:cNvPr id="579" name="Group"/>
           <p:cNvGrpSpPr/>
           <p:nvPr/>
         </p:nvGrpSpPr>
@@ -29482,7 +29361,7 @@
         </p:grpSpPr>
         <p:pic>
           <p:nvPicPr>
-            <p:cNvPr id="578" name="Image" descr="Image"/>
+            <p:cNvPr id="577" name="Image" descr="Image"/>
             <p:cNvPicPr>
               <a:picLocks noChangeAspect="1"/>
             </p:cNvPicPr>
@@ -29513,7 +29392,7 @@
         </p:pic>
         <p:sp>
           <p:nvSpPr>
-            <p:cNvPr id="579" name="Shape"/>
+            <p:cNvPr id="578" name="Shape"/>
             <p:cNvSpPr/>
             <p:nvPr/>
           </p:nvSpPr>
@@ -29656,7 +29535,7 @@
       </p:grpSp>
       <p:grpSp>
         <p:nvGrpSpPr>
-          <p:cNvPr id="583" name="Group"/>
+          <p:cNvPr id="582" name="Group"/>
           <p:cNvGrpSpPr/>
           <p:nvPr/>
         </p:nvGrpSpPr>
@@ -29670,7 +29549,7 @@
         </p:grpSpPr>
         <p:pic>
           <p:nvPicPr>
-            <p:cNvPr id="581" name="Image" descr="Image"/>
+            <p:cNvPr id="580" name="Image" descr="Image"/>
             <p:cNvPicPr>
               <a:picLocks noChangeAspect="1"/>
             </p:cNvPicPr>
@@ -29701,7 +29580,7 @@
         </p:pic>
         <p:sp>
           <p:nvSpPr>
-            <p:cNvPr id="582" name="Line"/>
+            <p:cNvPr id="581" name="Line"/>
             <p:cNvSpPr/>
             <p:nvPr/>
           </p:nvSpPr>
@@ -29835,7 +29714,7 @@
       </p:grpSp>
       <p:grpSp>
         <p:nvGrpSpPr>
-          <p:cNvPr id="586" name="Group"/>
+          <p:cNvPr id="585" name="Group"/>
           <p:cNvGrpSpPr/>
           <p:nvPr/>
         </p:nvGrpSpPr>
@@ -29849,7 +29728,7 @@
         </p:grpSpPr>
         <p:pic>
           <p:nvPicPr>
-            <p:cNvPr id="584" name="Image" descr="Image"/>
+            <p:cNvPr id="583" name="Image" descr="Image"/>
             <p:cNvPicPr>
               <a:picLocks noChangeAspect="1"/>
             </p:cNvPicPr>
@@ -29880,7 +29759,7 @@
         </p:pic>
         <p:sp>
           <p:nvSpPr>
-            <p:cNvPr id="585" name="Line"/>
+            <p:cNvPr id="584" name="Line"/>
             <p:cNvSpPr/>
             <p:nvPr/>
           </p:nvSpPr>
@@ -30025,7 +29904,7 @@
       </p:grpSp>
       <p:grpSp>
         <p:nvGrpSpPr>
-          <p:cNvPr id="595" name="Group"/>
+          <p:cNvPr id="594" name="Group"/>
           <p:cNvGrpSpPr/>
           <p:nvPr/>
         </p:nvGrpSpPr>
@@ -30039,7 +29918,7 @@
         </p:grpSpPr>
         <p:pic>
           <p:nvPicPr>
-            <p:cNvPr id="587" name="Image" descr="Image"/>
+            <p:cNvPr id="586" name="Image" descr="Image"/>
             <p:cNvPicPr>
               <a:picLocks noChangeAspect="1"/>
             </p:cNvPicPr>
@@ -30070,7 +29949,7 @@
         </p:pic>
         <p:grpSp>
           <p:nvGrpSpPr>
-            <p:cNvPr id="594" name="Group"/>
+            <p:cNvPr id="593" name="Group"/>
             <p:cNvGrpSpPr/>
             <p:nvPr/>
           </p:nvGrpSpPr>
@@ -30084,7 +29963,7 @@
           </p:grpSpPr>
           <p:sp>
             <p:nvSpPr>
-              <p:cNvPr id="588" name="Rectangle"/>
+              <p:cNvPr id="587" name="Rectangle"/>
               <p:cNvSpPr/>
               <p:nvPr/>
             </p:nvSpPr>
@@ -30131,7 +30010,7 @@
           </p:sp>
           <p:sp>
             <p:nvSpPr>
-              <p:cNvPr id="589" name="Line"/>
+              <p:cNvPr id="588" name="Line"/>
               <p:cNvSpPr/>
               <p:nvPr/>
             </p:nvSpPr>
@@ -30178,7 +30057,7 @@
           </p:sp>
           <p:sp>
             <p:nvSpPr>
-              <p:cNvPr id="590" name="Rectangle"/>
+              <p:cNvPr id="589" name="Rectangle"/>
               <p:cNvSpPr/>
               <p:nvPr/>
             </p:nvSpPr>
@@ -30225,7 +30104,7 @@
           </p:sp>
           <p:sp>
             <p:nvSpPr>
-              <p:cNvPr id="591" name="Line"/>
+              <p:cNvPr id="590" name="Line"/>
               <p:cNvSpPr/>
               <p:nvPr/>
             </p:nvSpPr>
@@ -30272,7 +30151,7 @@
           </p:sp>
           <p:sp>
             <p:nvSpPr>
-              <p:cNvPr id="592" name="Rectangle"/>
+              <p:cNvPr id="591" name="Rectangle"/>
               <p:cNvSpPr/>
               <p:nvPr/>
             </p:nvSpPr>
@@ -30319,7 +30198,7 @@
           </p:sp>
           <p:sp>
             <p:nvSpPr>
-              <p:cNvPr id="593" name="Line"/>
+              <p:cNvPr id="592" name="Line"/>
               <p:cNvSpPr/>
               <p:nvPr/>
             </p:nvSpPr>
@@ -30368,7 +30247,7 @@
       </p:grpSp>
       <p:grpSp>
         <p:nvGrpSpPr>
-          <p:cNvPr id="605" name="Group"/>
+          <p:cNvPr id="604" name="Group"/>
           <p:cNvGrpSpPr/>
           <p:nvPr/>
         </p:nvGrpSpPr>
@@ -30382,7 +30261,7 @@
         </p:grpSpPr>
         <p:pic>
           <p:nvPicPr>
-            <p:cNvPr id="596" name="Image" descr="Image"/>
+            <p:cNvPr id="595" name="Image" descr="Image"/>
             <p:cNvPicPr>
               <a:picLocks noChangeAspect="1"/>
             </p:cNvPicPr>
@@ -30413,7 +30292,7 @@
         </p:pic>
         <p:grpSp>
           <p:nvGrpSpPr>
-            <p:cNvPr id="604" name="Group"/>
+            <p:cNvPr id="603" name="Group"/>
             <p:cNvGrpSpPr/>
             <p:nvPr/>
           </p:nvGrpSpPr>
@@ -30427,7 +30306,7 @@
           </p:grpSpPr>
           <p:sp>
             <p:nvSpPr>
-              <p:cNvPr id="597" name="Line"/>
+              <p:cNvPr id="596" name="Line"/>
               <p:cNvSpPr/>
               <p:nvPr/>
             </p:nvSpPr>
@@ -30474,7 +30353,7 @@
           </p:sp>
           <p:sp>
             <p:nvSpPr>
-              <p:cNvPr id="598" name="Line"/>
+              <p:cNvPr id="597" name="Line"/>
               <p:cNvSpPr/>
               <p:nvPr/>
             </p:nvSpPr>
@@ -30521,7 +30400,7 @@
           </p:sp>
           <p:sp>
             <p:nvSpPr>
-              <p:cNvPr id="599" name="Line"/>
+              <p:cNvPr id="598" name="Line"/>
               <p:cNvSpPr/>
               <p:nvPr/>
             </p:nvSpPr>
@@ -30568,7 +30447,7 @@
           </p:sp>
           <p:sp>
             <p:nvSpPr>
-              <p:cNvPr id="600" name="Line"/>
+              <p:cNvPr id="599" name="Line"/>
               <p:cNvSpPr/>
               <p:nvPr/>
             </p:nvSpPr>
@@ -30615,7 +30494,7 @@
           </p:sp>
           <p:sp>
             <p:nvSpPr>
-              <p:cNvPr id="601" name="Line"/>
+              <p:cNvPr id="600" name="Line"/>
               <p:cNvSpPr/>
               <p:nvPr/>
             </p:nvSpPr>
@@ -30662,7 +30541,7 @@
           </p:sp>
           <p:sp>
             <p:nvSpPr>
-              <p:cNvPr id="602" name="Line"/>
+              <p:cNvPr id="601" name="Line"/>
               <p:cNvSpPr/>
               <p:nvPr/>
             </p:nvSpPr>
@@ -30709,7 +30588,7 @@
           </p:sp>
           <p:sp>
             <p:nvSpPr>
-              <p:cNvPr id="603" name="Line"/>
+              <p:cNvPr id="602" name="Line"/>
               <p:cNvSpPr/>
               <p:nvPr/>
             </p:nvSpPr>
@@ -30758,7 +30637,7 @@
       </p:grpSp>
       <p:grpSp>
         <p:nvGrpSpPr>
-          <p:cNvPr id="611" name="Group"/>
+          <p:cNvPr id="610" name="Group"/>
           <p:cNvGrpSpPr/>
           <p:nvPr/>
         </p:nvGrpSpPr>
@@ -30772,7 +30651,7 @@
         </p:grpSpPr>
         <p:pic>
           <p:nvPicPr>
-            <p:cNvPr id="606" name="Image" descr="Image"/>
+            <p:cNvPr id="605" name="Image" descr="Image"/>
             <p:cNvPicPr>
               <a:picLocks noChangeAspect="1"/>
             </p:cNvPicPr>
@@ -30803,7 +30682,7 @@
         </p:pic>
         <p:grpSp>
           <p:nvGrpSpPr>
-            <p:cNvPr id="610" name="Group"/>
+            <p:cNvPr id="609" name="Group"/>
             <p:cNvGrpSpPr/>
             <p:nvPr/>
           </p:nvGrpSpPr>
@@ -30817,7 +30696,7 @@
           </p:grpSpPr>
           <p:sp>
             <p:nvSpPr>
-              <p:cNvPr id="607" name="Line"/>
+              <p:cNvPr id="606" name="Line"/>
               <p:cNvSpPr/>
               <p:nvPr/>
             </p:nvSpPr>
@@ -30864,7 +30743,7 @@
           </p:sp>
           <p:sp>
             <p:nvSpPr>
-              <p:cNvPr id="608" name="Line"/>
+              <p:cNvPr id="607" name="Line"/>
               <p:cNvSpPr/>
               <p:nvPr/>
             </p:nvSpPr>
@@ -30911,7 +30790,7 @@
           </p:sp>
           <p:sp>
             <p:nvSpPr>
-              <p:cNvPr id="609" name="Line"/>
+              <p:cNvPr id="608" name="Line"/>
               <p:cNvSpPr/>
               <p:nvPr/>
             </p:nvSpPr>
@@ -30960,7 +30839,7 @@
       </p:grpSp>
       <p:grpSp>
         <p:nvGrpSpPr>
-          <p:cNvPr id="620" name="Group"/>
+          <p:cNvPr id="619" name="Group"/>
           <p:cNvGrpSpPr/>
           <p:nvPr/>
         </p:nvGrpSpPr>
@@ -30974,7 +30853,7 @@
         </p:grpSpPr>
         <p:pic>
           <p:nvPicPr>
-            <p:cNvPr id="612" name="Image" descr="Image"/>
+            <p:cNvPr id="611" name="Image" descr="Image"/>
             <p:cNvPicPr>
               <a:picLocks noChangeAspect="1"/>
             </p:cNvPicPr>
@@ -31005,7 +30884,7 @@
         </p:pic>
         <p:grpSp>
           <p:nvGrpSpPr>
-            <p:cNvPr id="619" name="Group"/>
+            <p:cNvPr id="618" name="Group"/>
             <p:cNvGrpSpPr/>
             <p:nvPr/>
           </p:nvGrpSpPr>
@@ -31019,7 +30898,7 @@
           </p:grpSpPr>
           <p:sp>
             <p:nvSpPr>
-              <p:cNvPr id="613" name="Line"/>
+              <p:cNvPr id="612" name="Line"/>
               <p:cNvSpPr/>
               <p:nvPr/>
             </p:nvSpPr>
@@ -31066,7 +30945,7 @@
           </p:sp>
           <p:sp>
             <p:nvSpPr>
-              <p:cNvPr id="614" name="Line"/>
+              <p:cNvPr id="613" name="Line"/>
               <p:cNvSpPr/>
               <p:nvPr/>
             </p:nvSpPr>
@@ -31113,7 +30992,7 @@
           </p:sp>
           <p:sp>
             <p:nvSpPr>
-              <p:cNvPr id="615" name="Line"/>
+              <p:cNvPr id="614" name="Line"/>
               <p:cNvSpPr/>
               <p:nvPr/>
             </p:nvSpPr>
@@ -31160,7 +31039,7 @@
           </p:sp>
           <p:sp>
             <p:nvSpPr>
-              <p:cNvPr id="616" name="Circle"/>
+              <p:cNvPr id="615" name="Circle"/>
               <p:cNvSpPr/>
               <p:nvPr/>
             </p:nvSpPr>
@@ -31209,7 +31088,7 @@
           </p:sp>
           <p:sp>
             <p:nvSpPr>
-              <p:cNvPr id="617" name="Circle"/>
+              <p:cNvPr id="616" name="Circle"/>
               <p:cNvSpPr/>
               <p:nvPr/>
             </p:nvSpPr>
@@ -31258,7 +31137,7 @@
           </p:sp>
           <p:sp>
             <p:nvSpPr>
-              <p:cNvPr id="618" name="Circle"/>
+              <p:cNvPr id="617" name="Circle"/>
               <p:cNvSpPr/>
               <p:nvPr/>
             </p:nvSpPr>
@@ -31309,7 +31188,7 @@
       </p:grpSp>
       <p:grpSp>
         <p:nvGrpSpPr>
-          <p:cNvPr id="623" name="Group"/>
+          <p:cNvPr id="622" name="Group"/>
           <p:cNvGrpSpPr/>
           <p:nvPr/>
         </p:nvGrpSpPr>
@@ -31323,7 +31202,7 @@
         </p:grpSpPr>
         <p:pic>
           <p:nvPicPr>
-            <p:cNvPr id="621" name="Image" descr="Image"/>
+            <p:cNvPr id="620" name="Image" descr="Image"/>
             <p:cNvPicPr>
               <a:picLocks noChangeAspect="1"/>
             </p:cNvPicPr>
@@ -31354,7 +31233,7 @@
         </p:pic>
         <p:pic>
           <p:nvPicPr>
-            <p:cNvPr id="622" name="Image" descr="Image"/>
+            <p:cNvPr id="621" name="Image" descr="Image"/>
             <p:cNvPicPr>
               <a:picLocks noChangeAspect="1"/>
             </p:cNvPicPr>
@@ -31386,7 +31265,7 @@
       </p:grpSp>
       <p:sp>
         <p:nvSpPr>
-          <p:cNvPr id="624" name="maps…"/>
+          <p:cNvPr id="623" name="maps…"/>
           <p:cNvSpPr txBox="1"/>
           <p:nvPr/>
         </p:nvSpPr>
@@ -31499,7 +31378,7 @@
       </p:sp>
       <p:sp>
         <p:nvSpPr>
-          <p:cNvPr id="625" name="k + geom_map(aes(map_id = state), map = map)…"/>
+          <p:cNvPr id="624" name="k + geom_map(aes(map_id = state), map = map)…"/>
           <p:cNvSpPr txBox="1"/>
           <p:nvPr/>
         </p:nvSpPr>
@@ -31652,7 +31531,7 @@
       </p:sp>
       <p:sp>
         <p:nvSpPr>
-          <p:cNvPr id="626" name="Line"/>
+          <p:cNvPr id="625" name="Line"/>
           <p:cNvSpPr/>
           <p:nvPr/>
         </p:nvSpPr>
@@ -31727,7 +31606,7 @@
       </p:sp>
       <p:sp>
         <p:nvSpPr>
-          <p:cNvPr id="627" name="Line"/>
+          <p:cNvPr id="626" name="Line"/>
           <p:cNvSpPr/>
           <p:nvPr/>
         </p:nvSpPr>
@@ -31805,7 +31684,7 @@
       </p:sp>
       <p:sp>
         <p:nvSpPr>
-          <p:cNvPr id="628" name="Not  required, sensible defaults supplied"/>
+          <p:cNvPr id="627" name="Not  required, sensible defaults supplied"/>
           <p:cNvSpPr txBox="1"/>
           <p:nvPr/>
         </p:nvSpPr>
@@ -31861,7 +31740,7 @@
       </p:sp>
       <p:grpSp>
         <p:nvGrpSpPr>
-          <p:cNvPr id="631" name="Group"/>
+          <p:cNvPr id="630" name="Group"/>
           <p:cNvGrpSpPr/>
           <p:nvPr/>
         </p:nvGrpSpPr>
@@ -31875,7 +31754,7 @@
         </p:grpSpPr>
         <p:pic>
           <p:nvPicPr>
-            <p:cNvPr id="629" name="Image" descr="Image"/>
+            <p:cNvPr id="628" name="Image" descr="Image"/>
             <p:cNvPicPr>
               <a:picLocks noChangeAspect="1"/>
             </p:cNvPicPr>
@@ -31906,7 +31785,7 @@
         </p:pic>
         <p:pic>
           <p:nvPicPr>
-            <p:cNvPr id="630" name="Image" descr="Image"/>
+            <p:cNvPr id="629" name="Image" descr="Image"/>
             <p:cNvPicPr>
               <a:picLocks noChangeAspect="1"/>
             </p:cNvPicPr>
@@ -31938,7 +31817,7 @@
       </p:grpSp>
       <p:grpSp>
         <p:nvGrpSpPr>
-          <p:cNvPr id="634" name="Group"/>
+          <p:cNvPr id="633" name="Group"/>
           <p:cNvGrpSpPr/>
           <p:nvPr/>
         </p:nvGrpSpPr>
@@ -31952,7 +31831,7 @@
         </p:grpSpPr>
         <p:pic>
           <p:nvPicPr>
-            <p:cNvPr id="632" name="Image" descr="Image"/>
+            <p:cNvPr id="631" name="Image" descr="Image"/>
             <p:cNvPicPr>
               <a:picLocks noChangeAspect="1"/>
             </p:cNvPicPr>
@@ -31983,7 +31862,7 @@
         </p:pic>
         <p:pic>
           <p:nvPicPr>
-            <p:cNvPr id="633" name="Image" descr="Image"/>
+            <p:cNvPr id="632" name="Image" descr="Image"/>
             <p:cNvPicPr>
               <a:picLocks noChangeAspect="1"/>
             </p:cNvPicPr>
@@ -32015,7 +31894,7 @@
       </p:grpSp>
       <p:sp>
         <p:nvSpPr>
-          <p:cNvPr id="635" name="Geoms"/>
+          <p:cNvPr id="634" name="Geoms"/>
           <p:cNvSpPr txBox="1"/>
           <p:nvPr/>
         </p:nvSpPr>
@@ -32067,7 +31946,7 @@
       </p:sp>
       <p:sp>
         <p:nvSpPr>
-          <p:cNvPr id="636" name="Use a geom function to represent data points, use the geom’s aesthetic properties to represent variables.  Each function returns a layer."/>
+          <p:cNvPr id="635" name="Use a geom function to represent data points, use the geom’s aesthetic properties to represent variables.  Each function returns a layer."/>
           <p:cNvSpPr txBox="1"/>
           <p:nvPr/>
         </p:nvSpPr>
@@ -32123,7 +32002,7 @@
       </p:sp>
       <p:sp>
         <p:nvSpPr>
-          <p:cNvPr id="637" name="Line"/>
+          <p:cNvPr id="636" name="Line"/>
           <p:cNvSpPr/>
           <p:nvPr/>
         </p:nvSpPr>
@@ -32170,7 +32049,7 @@
       </p:sp>
       <p:sp>
         <p:nvSpPr>
-          <p:cNvPr id="638" name="Line"/>
+          <p:cNvPr id="637" name="Line"/>
           <p:cNvSpPr/>
           <p:nvPr/>
         </p:nvSpPr>
@@ -32217,7 +32096,7 @@
       </p:sp>
       <p:sp>
         <p:nvSpPr>
-          <p:cNvPr id="639" name="Line"/>
+          <p:cNvPr id="638" name="Line"/>
           <p:cNvSpPr/>
           <p:nvPr/>
         </p:nvSpPr>
@@ -32264,7 +32143,7 @@
       </p:sp>
       <p:sp>
         <p:nvSpPr>
-          <p:cNvPr id="640" name="Line"/>
+          <p:cNvPr id="639" name="Line"/>
           <p:cNvSpPr/>
           <p:nvPr/>
         </p:nvSpPr>
@@ -32311,7 +32190,7 @@
       </p:sp>
       <p:sp>
         <p:nvSpPr>
-          <p:cNvPr id="641" name="Line"/>
+          <p:cNvPr id="640" name="Line"/>
           <p:cNvSpPr/>
           <p:nvPr/>
         </p:nvSpPr>
@@ -32358,7 +32237,7 @@
       </p:sp>
       <p:sp>
         <p:nvSpPr>
-          <p:cNvPr id="642" name="Line"/>
+          <p:cNvPr id="641" name="Line"/>
           <p:cNvSpPr/>
           <p:nvPr/>
         </p:nvSpPr>
@@ -32405,7 +32284,7 @@
       </p:sp>
       <p:sp>
         <p:nvSpPr>
-          <p:cNvPr id="643" name="Line"/>
+          <p:cNvPr id="642" name="Line"/>
           <p:cNvSpPr/>
           <p:nvPr/>
         </p:nvSpPr>
@@ -32452,7 +32331,7 @@
       </p:sp>
       <p:sp>
         <p:nvSpPr>
-          <p:cNvPr id="644" name="Rectangle"/>
+          <p:cNvPr id="643" name="Rectangle"/>
           <p:cNvSpPr/>
           <p:nvPr/>
         </p:nvSpPr>
@@ -32509,7 +32388,7 @@
       </p:sp>
       <p:sp>
         <p:nvSpPr>
-          <p:cNvPr id="645" name="TWO VARIABLES…"/>
+          <p:cNvPr id="644" name="TWO VARIABLES…"/>
           <p:cNvSpPr txBox="1"/>
           <p:nvPr/>
         </p:nvSpPr>
@@ -32599,7 +32478,7 @@
       </p:sp>
       <p:sp>
         <p:nvSpPr>
-          <p:cNvPr id="646" name="continuous bivariate distribution…"/>
+          <p:cNvPr id="645" name="continuous bivariate distribution…"/>
           <p:cNvSpPr txBox="1"/>
           <p:nvPr/>
         </p:nvSpPr>
@@ -32677,7 +32556,7 @@
       </p:sp>
       <p:sp>
         <p:nvSpPr>
-          <p:cNvPr id="647" name="RStudio® is a trademark of RStudio, PBC  •  CC BY SA  RStudio  •  info@rstudio.com  •  844-448-1212  •  rstudio.com  •  Learn more at ggplot2.tidyverse.org  •  ggplot2  3.3.5  •  Updated:  2021-07"/>
+          <p:cNvPr id="646" name="RStudio® is a trademark of RStudio, PBC  •  CC BY SA  RStudio  •  info@rstudio.com  •  844-448-1212  •  rstudio.com  •  Learn more at ggplot2.tidyverse.org  •  ggplot2  3.3.5  •  Updated:  2021-08"/>
           <p:cNvSpPr txBox="1"/>
           <p:nvPr/>
         </p:nvSpPr>
@@ -32771,14 +32650,14 @@
               <a:t> </a:t>
             </a:r>
             <a:r>
-              <a:t> •  ggplot2  3.3.5  •  Updated:  2021-07</a:t>
+              <a:t> •  ggplot2  3.3.5  •  Updated:  2021-08</a:t>
             </a:r>
           </a:p>
         </p:txBody>
       </p:sp>
       <p:pic>
         <p:nvPicPr>
-          <p:cNvPr id="648" name="Image" descr="Image"/>
+          <p:cNvPr id="647" name="Image" descr="Image"/>
           <p:cNvPicPr>
             <a:picLocks noChangeAspect="1"/>
           </p:cNvPicPr>
@@ -32807,7 +32686,7 @@
       </p:pic>
       <p:pic>
         <p:nvPicPr>
-          <p:cNvPr id="649" name="ggplot2.png" descr="ggplot2.png"/>
+          <p:cNvPr id="648" name="ggplot2.png" descr="ggplot2.png"/>
           <p:cNvPicPr>
             <a:picLocks noChangeAspect="1"/>
           </p:cNvPicPr>
@@ -32836,7 +32715,7 @@
       </p:pic>
       <p:sp>
         <p:nvSpPr>
-          <p:cNvPr id="650" name="ggplot (data =  &lt;DATA&gt; ) +…"/>
+          <p:cNvPr id="649" name="ggplot (data =  &lt;DATA&gt; ) +…"/>
           <p:cNvSpPr txBox="1"/>
           <p:nvPr/>
         </p:nvSpPr>
@@ -33027,7 +32906,7 @@
               <a:t>&lt;COORDINATE_FUNCTION&gt;</a:t>
             </a:r>
             <a:r>
-              <a:t> +</a:t>
+              <a:t>  +</a:t>
             </a:r>
           </a:p>
           <a:p>
@@ -33128,7 +33007,7 @@
       </p:sp>
       <p:sp>
         <p:nvSpPr>
-          <p:cNvPr id="651" name="l + geom_contour(aes(z = z)) x, y, z, alpha, color, group, linetype, size, weight…"/>
+          <p:cNvPr id="650" name="l + geom_contour(aes(z = z)) x, y, z, alpha, color, group, linetype, size, weight…"/>
           <p:cNvSpPr txBox="1"/>
           <p:nvPr/>
         </p:nvSpPr>
@@ -33249,7 +33128,7 @@
       </p:sp>
       <p:grpSp>
         <p:nvGrpSpPr>
-          <p:cNvPr id="656" name="Group"/>
+          <p:cNvPr id="655" name="Group"/>
           <p:cNvGrpSpPr/>
           <p:nvPr/>
         </p:nvGrpSpPr>
@@ -33263,7 +33142,7 @@
         </p:grpSpPr>
         <p:sp>
           <p:nvSpPr>
-            <p:cNvPr id="652" name="Square"/>
+            <p:cNvPr id="651" name="Square"/>
             <p:cNvSpPr/>
             <p:nvPr/>
           </p:nvSpPr>
@@ -33312,7 +33191,7 @@
         </p:sp>
         <p:sp>
           <p:nvSpPr>
-            <p:cNvPr id="653" name="Shape"/>
+            <p:cNvPr id="652" name="Shape"/>
             <p:cNvSpPr/>
             <p:nvPr/>
           </p:nvSpPr>
@@ -33441,7 +33320,7 @@
         </p:sp>
         <p:sp>
           <p:nvSpPr>
-            <p:cNvPr id="654" name="Shape"/>
+            <p:cNvPr id="653" name="Shape"/>
             <p:cNvSpPr/>
             <p:nvPr/>
           </p:nvSpPr>
@@ -33585,7 +33464,7 @@
         </p:sp>
         <p:sp>
           <p:nvSpPr>
-            <p:cNvPr id="655" name="Shape"/>
+            <p:cNvPr id="654" name="Shape"/>
             <p:cNvSpPr/>
             <p:nvPr/>
           </p:nvSpPr>
@@ -33730,7 +33609,7 @@
       </p:grpSp>
       <p:grpSp>
         <p:nvGrpSpPr>
-          <p:cNvPr id="691" name="Group"/>
+          <p:cNvPr id="690" name="Group"/>
           <p:cNvGrpSpPr/>
           <p:nvPr/>
         </p:nvGrpSpPr>
@@ -33744,7 +33623,7 @@
         </p:grpSpPr>
         <p:pic>
           <p:nvPicPr>
-            <p:cNvPr id="657" name="Image" descr="Image"/>
+            <p:cNvPr id="656" name="Image" descr="Image"/>
             <p:cNvPicPr>
               <a:picLocks noChangeAspect="1"/>
             </p:cNvPicPr>
@@ -33775,7 +33654,7 @@
         </p:pic>
         <p:grpSp>
           <p:nvGrpSpPr>
-            <p:cNvPr id="690" name="Group"/>
+            <p:cNvPr id="689" name="Group"/>
             <p:cNvGrpSpPr/>
             <p:nvPr/>
           </p:nvGrpSpPr>
@@ -33789,7 +33668,7 @@
           </p:grpSpPr>
           <p:sp>
             <p:nvSpPr>
-              <p:cNvPr id="658" name="Circle"/>
+              <p:cNvPr id="657" name="Circle"/>
               <p:cNvSpPr/>
               <p:nvPr/>
             </p:nvSpPr>
@@ -33838,7 +33717,7 @@
           </p:sp>
           <p:sp>
             <p:nvSpPr>
-              <p:cNvPr id="659" name="Circle"/>
+              <p:cNvPr id="658" name="Circle"/>
               <p:cNvSpPr/>
               <p:nvPr/>
             </p:nvSpPr>
@@ -33887,7 +33766,7 @@
           </p:sp>
           <p:sp>
             <p:nvSpPr>
-              <p:cNvPr id="660" name="Circle"/>
+              <p:cNvPr id="659" name="Circle"/>
               <p:cNvSpPr/>
               <p:nvPr/>
             </p:nvSpPr>
@@ -33936,7 +33815,7 @@
           </p:sp>
           <p:sp>
             <p:nvSpPr>
-              <p:cNvPr id="661" name="Circle"/>
+              <p:cNvPr id="660" name="Circle"/>
               <p:cNvSpPr/>
               <p:nvPr/>
             </p:nvSpPr>
@@ -33985,7 +33864,7 @@
           </p:sp>
           <p:sp>
             <p:nvSpPr>
-              <p:cNvPr id="662" name="Circle"/>
+              <p:cNvPr id="661" name="Circle"/>
               <p:cNvSpPr/>
               <p:nvPr/>
             </p:nvSpPr>
@@ -34034,7 +33913,7 @@
           </p:sp>
           <p:sp>
             <p:nvSpPr>
-              <p:cNvPr id="663" name="Circle"/>
+              <p:cNvPr id="662" name="Circle"/>
               <p:cNvSpPr/>
               <p:nvPr/>
             </p:nvSpPr>
@@ -34083,7 +33962,7 @@
           </p:sp>
           <p:sp>
             <p:nvSpPr>
-              <p:cNvPr id="664" name="Circle"/>
+              <p:cNvPr id="663" name="Circle"/>
               <p:cNvSpPr/>
               <p:nvPr/>
             </p:nvSpPr>
@@ -34132,7 +34011,7 @@
           </p:sp>
           <p:sp>
             <p:nvSpPr>
-              <p:cNvPr id="665" name="Circle"/>
+              <p:cNvPr id="664" name="Circle"/>
               <p:cNvSpPr/>
               <p:nvPr/>
             </p:nvSpPr>
@@ -34181,7 +34060,7 @@
           </p:sp>
           <p:sp>
             <p:nvSpPr>
-              <p:cNvPr id="666" name="Circle"/>
+              <p:cNvPr id="665" name="Circle"/>
               <p:cNvSpPr/>
               <p:nvPr/>
             </p:nvSpPr>
@@ -34230,7 +34109,7 @@
           </p:sp>
           <p:sp>
             <p:nvSpPr>
-              <p:cNvPr id="667" name="Circle"/>
+              <p:cNvPr id="666" name="Circle"/>
               <p:cNvSpPr/>
               <p:nvPr/>
             </p:nvSpPr>
@@ -34279,7 +34158,7 @@
           </p:sp>
           <p:sp>
             <p:nvSpPr>
-              <p:cNvPr id="668" name="Circle"/>
+              <p:cNvPr id="667" name="Circle"/>
               <p:cNvSpPr/>
               <p:nvPr/>
             </p:nvSpPr>
@@ -34328,7 +34207,7 @@
           </p:sp>
           <p:sp>
             <p:nvSpPr>
-              <p:cNvPr id="669" name="Circle"/>
+              <p:cNvPr id="668" name="Circle"/>
               <p:cNvSpPr/>
               <p:nvPr/>
             </p:nvSpPr>
@@ -34377,7 +34256,7 @@
           </p:sp>
           <p:sp>
             <p:nvSpPr>
-              <p:cNvPr id="670" name="Circle"/>
+              <p:cNvPr id="669" name="Circle"/>
               <p:cNvSpPr/>
               <p:nvPr/>
             </p:nvSpPr>
@@ -34426,7 +34305,7 @@
           </p:sp>
           <p:sp>
             <p:nvSpPr>
-              <p:cNvPr id="671" name="Circle"/>
+              <p:cNvPr id="670" name="Circle"/>
               <p:cNvSpPr/>
               <p:nvPr/>
             </p:nvSpPr>
@@ -34475,7 +34354,7 @@
           </p:sp>
           <p:sp>
             <p:nvSpPr>
-              <p:cNvPr id="672" name="Circle"/>
+              <p:cNvPr id="671" name="Circle"/>
               <p:cNvSpPr/>
               <p:nvPr/>
             </p:nvSpPr>
@@ -34524,7 +34403,7 @@
           </p:sp>
           <p:sp>
             <p:nvSpPr>
-              <p:cNvPr id="673" name="Circle"/>
+              <p:cNvPr id="672" name="Circle"/>
               <p:cNvSpPr/>
               <p:nvPr/>
             </p:nvSpPr>
@@ -34573,7 +34452,7 @@
           </p:sp>
           <p:sp>
             <p:nvSpPr>
-              <p:cNvPr id="674" name="Circle"/>
+              <p:cNvPr id="673" name="Circle"/>
               <p:cNvSpPr/>
               <p:nvPr/>
             </p:nvSpPr>
@@ -34622,7 +34501,7 @@
           </p:sp>
           <p:sp>
             <p:nvSpPr>
-              <p:cNvPr id="675" name="Circle"/>
+              <p:cNvPr id="674" name="Circle"/>
               <p:cNvSpPr/>
               <p:nvPr/>
             </p:nvSpPr>
@@ -34671,7 +34550,7 @@
           </p:sp>
           <p:sp>
             <p:nvSpPr>
-              <p:cNvPr id="676" name="Circle"/>
+              <p:cNvPr id="675" name="Circle"/>
               <p:cNvSpPr/>
               <p:nvPr/>
             </p:nvSpPr>
@@ -34720,7 +34599,7 @@
           </p:sp>
           <p:sp>
             <p:nvSpPr>
-              <p:cNvPr id="677" name="Circle"/>
+              <p:cNvPr id="676" name="Circle"/>
               <p:cNvSpPr/>
               <p:nvPr/>
             </p:nvSpPr>
@@ -34769,7 +34648,7 @@
           </p:sp>
           <p:sp>
             <p:nvSpPr>
-              <p:cNvPr id="678" name="Circle"/>
+              <p:cNvPr id="677" name="Circle"/>
               <p:cNvSpPr/>
               <p:nvPr/>
             </p:nvSpPr>
@@ -34818,7 +34697,7 @@
           </p:sp>
           <p:sp>
             <p:nvSpPr>
-              <p:cNvPr id="679" name="Circle"/>
+              <p:cNvPr id="678" name="Circle"/>
               <p:cNvSpPr/>
               <p:nvPr/>
             </p:nvSpPr>
@@ -34867,7 +34746,7 @@
           </p:sp>
           <p:sp>
             <p:nvSpPr>
-              <p:cNvPr id="680" name="Circle"/>
+              <p:cNvPr id="679" name="Circle"/>
               <p:cNvSpPr/>
               <p:nvPr/>
             </p:nvSpPr>
@@ -34916,7 +34795,7 @@
           </p:sp>
           <p:sp>
             <p:nvSpPr>
-              <p:cNvPr id="681" name="Circle"/>
+              <p:cNvPr id="680" name="Circle"/>
               <p:cNvSpPr/>
               <p:nvPr/>
             </p:nvSpPr>
@@ -34965,7 +34844,7 @@
           </p:sp>
           <p:sp>
             <p:nvSpPr>
-              <p:cNvPr id="682" name="Circle"/>
+              <p:cNvPr id="681" name="Circle"/>
               <p:cNvSpPr/>
               <p:nvPr/>
             </p:nvSpPr>
@@ -35014,7 +34893,7 @@
           </p:sp>
           <p:sp>
             <p:nvSpPr>
-              <p:cNvPr id="683" name="Circle"/>
+              <p:cNvPr id="682" name="Circle"/>
               <p:cNvSpPr/>
               <p:nvPr/>
             </p:nvSpPr>
@@ -35063,7 +34942,7 @@
           </p:sp>
           <p:sp>
             <p:nvSpPr>
-              <p:cNvPr id="684" name="Circle"/>
+              <p:cNvPr id="683" name="Circle"/>
               <p:cNvSpPr/>
               <p:nvPr/>
             </p:nvSpPr>
@@ -35112,7 +34991,7 @@
           </p:sp>
           <p:sp>
             <p:nvSpPr>
-              <p:cNvPr id="685" name="Circle"/>
+              <p:cNvPr id="684" name="Circle"/>
               <p:cNvSpPr/>
               <p:nvPr/>
             </p:nvSpPr>
@@ -35161,7 +35040,7 @@
           </p:sp>
           <p:sp>
             <p:nvSpPr>
-              <p:cNvPr id="686" name="Circle"/>
+              <p:cNvPr id="685" name="Circle"/>
               <p:cNvSpPr/>
               <p:nvPr/>
             </p:nvSpPr>
@@ -35210,7 +35089,7 @@
           </p:sp>
           <p:sp>
             <p:nvSpPr>
-              <p:cNvPr id="687" name="Circle"/>
+              <p:cNvPr id="686" name="Circle"/>
               <p:cNvSpPr/>
               <p:nvPr/>
             </p:nvSpPr>
@@ -35259,7 +35138,7 @@
           </p:sp>
           <p:sp>
             <p:nvSpPr>
-              <p:cNvPr id="688" name="Circle"/>
+              <p:cNvPr id="687" name="Circle"/>
               <p:cNvSpPr/>
               <p:nvPr/>
             </p:nvSpPr>
@@ -35308,7 +35187,7 @@
           </p:sp>
           <p:sp>
             <p:nvSpPr>
-              <p:cNvPr id="689" name="Circle"/>
+              <p:cNvPr id="688" name="Circle"/>
               <p:cNvSpPr/>
               <p:nvPr/>
             </p:nvSpPr>
@@ -35359,7 +35238,7 @@
       </p:grpSp>
       <p:sp>
         <p:nvSpPr>
-          <p:cNvPr id="692" name="i + geom_area() x, y, alpha, color, fill, linetype, size…"/>
+          <p:cNvPr id="691" name="i + geom_area() x, y, alpha, color, fill, linetype, size…"/>
           <p:cNvSpPr txBox="1"/>
           <p:nvPr/>
         </p:nvSpPr>
@@ -35504,7 +35383,7 @@
       </p:sp>
       <p:sp>
         <p:nvSpPr>
-          <p:cNvPr id="693" name="j + geom_crossbar(fatten = 2) - x, y, ymax,  ymin, alpha, color, fill, group, linetype, size…"/>
+          <p:cNvPr id="692" name="j + geom_crossbar(fatten = 2) - x, y, ymax,  ymin, alpha, color, fill, group, linetype, size…"/>
           <p:cNvSpPr txBox="1"/>
           <p:nvPr/>
         </p:nvSpPr>
@@ -35699,7 +35578,7 @@
       </p:sp>
       <p:sp>
         <p:nvSpPr>
-          <p:cNvPr id="694" name="Aes"/>
+          <p:cNvPr id="693" name="Aes"/>
           <p:cNvSpPr txBox="1"/>
           <p:nvPr/>
         </p:nvSpPr>
@@ -35751,14 +35630,14 @@
       </p:sp>
       <p:sp>
         <p:nvSpPr>
-          <p:cNvPr id="695" name="color and fill - string (&quot;red&quot;, &quot;#RRGGBB&quot;)…"/>
+          <p:cNvPr id="694" name="color and fill - string (&quot;red&quot;, &quot;#RRGGBB&quot;)…"/>
           <p:cNvSpPr txBox="1"/>
           <p:nvPr/>
         </p:nvSpPr>
         <p:spPr>
           <a:xfrm>
             <a:off x="316919" y="8362681"/>
-            <a:ext cx="3079555" cy="1441053"/>
+            <a:ext cx="3079555" cy="1668276"/>
           </a:xfrm>
           <a:prstGeom prst="rect">
             <a:avLst/>
@@ -35846,7 +35725,41 @@
                 <a:cs typeface="Source Sans Pro Regular"/>
                 <a:sym typeface="Source Sans Pro Regular"/>
               </a:rPr>
-              <a:t> - integer or name (0 = blank, 1 = solid, 2 = dashed, 3 = dotted, 4 = dotdash, 5 = longdash, 6 = twodash)</a:t>
+              <a:t> - integer or character (0 = "blank", 1 = "solid", </a:t>
+            </a:r>
+            <a:br>
+              <a:rPr>
+                <a:latin typeface="Source Sans Pro Regular"/>
+                <a:ea typeface="Source Sans Pro Regular"/>
+                <a:cs typeface="Source Sans Pro Regular"/>
+                <a:sym typeface="Source Sans Pro Regular"/>
+              </a:rPr>
+            </a:br>
+            <a:r>
+              <a:rPr>
+                <a:latin typeface="Source Sans Pro Regular"/>
+                <a:ea typeface="Source Sans Pro Regular"/>
+                <a:cs typeface="Source Sans Pro Regular"/>
+                <a:sym typeface="Source Sans Pro Regular"/>
+              </a:rPr>
+              <a:t>2 = "dashed", 3 = "dotted", 4 = "dotdash", 5 = "longdash", </a:t>
+            </a:r>
+            <a:br>
+              <a:rPr>
+                <a:latin typeface="Source Sans Pro Regular"/>
+                <a:ea typeface="Source Sans Pro Regular"/>
+                <a:cs typeface="Source Sans Pro Regular"/>
+                <a:sym typeface="Source Sans Pro Regular"/>
+              </a:rPr>
+            </a:br>
+            <a:r>
+              <a:rPr>
+                <a:latin typeface="Source Sans Pro Regular"/>
+                <a:ea typeface="Source Sans Pro Regular"/>
+                <a:cs typeface="Source Sans Pro Regular"/>
+                <a:sym typeface="Source Sans Pro Regular"/>
+              </a:rPr>
+              <a:t>6 = "twodash")</a:t>
             </a:r>
             <a:endParaRPr>
               <a:latin typeface="Source Sans Pro Regular"/>
@@ -35879,7 +35792,7 @@
                 <a:cs typeface="Source Sans Pro Regular"/>
                 <a:sym typeface="Source Sans Pro Regular"/>
               </a:rPr>
-              <a:t> - "round", "butt", or "square"</a:t>
+              <a:t> - character ("round", "butt", or "square")</a:t>
             </a:r>
             <a:endParaRPr>
               <a:latin typeface="Source Sans Pro Regular"/>
@@ -35912,7 +35825,7 @@
                 <a:cs typeface="Source Sans Pro Regular"/>
                 <a:sym typeface="Source Sans Pro Regular"/>
               </a:rPr>
-              <a:t> - "round", "mitre", or "bevel"</a:t>
+              <a:t> - character ("round", "mitre", or "bevel")</a:t>
             </a:r>
             <a:endParaRPr>
               <a:latin typeface="Source Sans Pro Regular"/>
@@ -35978,14 +35891,31 @@
                 <a:cs typeface="Source Sans Pro Regular"/>
                 <a:sym typeface="Source Sans Pro Regular"/>
               </a:rPr>
-              <a:t> - integer/shape name or a single characer ("a")</a:t>
+              <a:t> - integer/shape name or </a:t>
+            </a:r>
+            <a:br>
+              <a:rPr>
+                <a:latin typeface="Source Sans Pro Regular"/>
+                <a:ea typeface="Source Sans Pro Regular"/>
+                <a:cs typeface="Source Sans Pro Regular"/>
+                <a:sym typeface="Source Sans Pro Regular"/>
+              </a:rPr>
+            </a:br>
+            <a:r>
+              <a:rPr>
+                <a:latin typeface="Source Sans Pro Regular"/>
+                <a:ea typeface="Source Sans Pro Regular"/>
+                <a:cs typeface="Source Sans Pro Regular"/>
+                <a:sym typeface="Source Sans Pro Regular"/>
+              </a:rPr>
+              <a:t>                 a single character ("a")</a:t>
             </a:r>
           </a:p>
         </p:txBody>
       </p:sp>
       <p:sp>
         <p:nvSpPr>
-          <p:cNvPr id="696" name="Common aesthetic values."/>
+          <p:cNvPr id="695" name="Common aesthetic values."/>
           <p:cNvSpPr txBox="1"/>
           <p:nvPr/>
         </p:nvSpPr>
@@ -36037,7 +35967,7 @@
       </p:sp>
       <p:pic>
         <p:nvPicPr>
-          <p:cNvPr id="697" name="Image" descr="Image"/>
+          <p:cNvPr id="696" name="Image" descr="Image"/>
           <p:cNvPicPr>
             <a:picLocks noChangeAspect="1"/>
           </p:cNvPicPr>
@@ -36047,14 +35977,15 @@
           <a:blip r:embed="rId28">
             <a:extLst/>
           </a:blip>
+          <a:srcRect l="0" t="0" r="50311" b="0"/>
           <a:stretch>
             <a:fillRect/>
           </a:stretch>
         </p:blipFill>
         <p:spPr>
           <a:xfrm>
-            <a:off x="733443" y="9685180"/>
-            <a:ext cx="2596974" cy="207612"/>
+            <a:off x="2084502" y="9434202"/>
+            <a:ext cx="1290409" cy="207612"/>
           </a:xfrm>
           <a:prstGeom prst="rect">
             <a:avLst/>
@@ -36066,7 +35997,7 @@
       </p:pic>
       <p:sp>
         <p:nvSpPr>
-          <p:cNvPr id="698" name="Line"/>
+          <p:cNvPr id="697" name="Line"/>
           <p:cNvSpPr/>
           <p:nvPr/>
         </p:nvSpPr>
@@ -36109,6 +36040,36 @@
           </a:p>
         </p:txBody>
       </p:sp>
+      <p:pic>
+        <p:nvPicPr>
+          <p:cNvPr id="698" name="Image" descr="Image"/>
+          <p:cNvPicPr>
+            <a:picLocks noChangeAspect="1"/>
+          </p:cNvPicPr>
+          <p:nvPr/>
+        </p:nvPicPr>
+        <p:blipFill>
+          <a:blip r:embed="rId28">
+            <a:extLst/>
+          </a:blip>
+          <a:srcRect l="49514" t="0" r="0" b="0"/>
+          <a:stretch>
+            <a:fillRect/>
+          </a:stretch>
+        </p:blipFill>
+        <p:spPr>
+          <a:xfrm>
+            <a:off x="2076759" y="9680906"/>
+            <a:ext cx="1311104" cy="207612"/>
+          </a:xfrm>
+          <a:prstGeom prst="rect">
+            <a:avLst/>
+          </a:prstGeom>
+          <a:ln w="12700">
+            <a:miter lim="400000"/>
+          </a:ln>
+        </p:spPr>
+      </p:pic>
     </p:spTree>
   </p:cSld>
   <p:clrMapOvr>
@@ -51678,7 +51639,7 @@
       </p:pic>
       <p:sp>
         <p:nvSpPr>
-          <p:cNvPr id="908" name="RStudio® is a trademark of RStudio, PBC  •  CC BY SA  RStudio  •  info@rstudio.com  •  844-448-1212  •  rstudio.com  •  Learn more at ggplot2.tidyverse.org  •  ggplot2  3.3.5  •  Updated:  2021-07"/>
+          <p:cNvPr id="908" name="RStudio® is a trademark of RStudio, PBC  •  CC BY SA  RStudio  •  info@rstudio.com  •  844-448-1212  •  rstudio.com  •  Learn more at ggplot2.tidyverse.org  •  ggplot2  3.3.5  •  Updated:  2021-08"/>
           <p:cNvSpPr txBox="1"/>
           <p:nvPr/>
         </p:nvSpPr>
@@ -51772,7 +51733,7 @@
               <a:t> </a:t>
             </a:r>
             <a:r>
-              <a:t> •  ggplot2  3.3.5  •  Updated:  2021-07</a:t>
+              <a:t> •  ggplot2  3.3.5  •  Updated:  2021-08</a:t>
             </a:r>
           </a:p>
         </p:txBody>

--- a/powerpoints/data-visualization-2.1.pptx
+++ b/powerpoints/data-visualization-2.1.pptx
@@ -35725,7 +35725,7 @@
                 <a:cs typeface="Source Sans Pro Regular"/>
                 <a:sym typeface="Source Sans Pro Regular"/>
               </a:rPr>
-              <a:t> - integer or character (0 = "blank", 1 = "solid", </a:t>
+              <a:t> - integer or string (0 = "blank", 1 = "solid", </a:t>
             </a:r>
             <a:br>
               <a:rPr>
@@ -35792,7 +35792,7 @@
                 <a:cs typeface="Source Sans Pro Regular"/>
                 <a:sym typeface="Source Sans Pro Regular"/>
               </a:rPr>
-              <a:t> - character ("round", "butt", or "square")</a:t>
+              <a:t> - string ("round", "butt", or "square")</a:t>
             </a:r>
             <a:endParaRPr>
               <a:latin typeface="Source Sans Pro Regular"/>
@@ -35825,7 +35825,7 @@
                 <a:cs typeface="Source Sans Pro Regular"/>
                 <a:sym typeface="Source Sans Pro Regular"/>
               </a:rPr>
-              <a:t> - character ("round", "mitre", or "bevel")</a:t>
+              <a:t> - string ("round", "mitre", or "bevel")</a:t>
             </a:r>
             <a:endParaRPr>
               <a:latin typeface="Source Sans Pro Regular"/>
